--- a/Artefatos/16-DFD Essencial para cada capacidade.pptx
+++ b/Artefatos/16-DFD Essencial para cada capacidade.pptx
@@ -69,7 +69,7 @@
         <p:spPr>
           <a:xfrm>
             <a:off x="692640" y="375480"/>
-            <a:ext cx="8691840" cy="946800"/>
+            <a:ext cx="8691480" cy="946800"/>
           </a:xfrm>
           <a:prstGeom prst="rect">
             <a:avLst/>
@@ -182,7 +182,7 @@
         <p:spPr>
           <a:xfrm>
             <a:off x="692640" y="375480"/>
-            <a:ext cx="8691840" cy="946800"/>
+            <a:ext cx="8691480" cy="946800"/>
           </a:xfrm>
           <a:prstGeom prst="rect">
             <a:avLst/>
@@ -355,7 +355,7 @@
         <p:spPr>
           <a:xfrm>
             <a:off x="692640" y="375480"/>
-            <a:ext cx="8691840" cy="946800"/>
+            <a:ext cx="8691480" cy="946800"/>
           </a:xfrm>
           <a:prstGeom prst="rect">
             <a:avLst/>
@@ -588,7 +588,7 @@
         <p:spPr>
           <a:xfrm>
             <a:off x="692640" y="375480"/>
-            <a:ext cx="8691840" cy="946800"/>
+            <a:ext cx="8691480" cy="946800"/>
           </a:xfrm>
           <a:prstGeom prst="rect">
             <a:avLst/>
@@ -672,7 +672,7 @@
         <p:spPr>
           <a:xfrm>
             <a:off x="692640" y="375480"/>
-            <a:ext cx="8691840" cy="946800"/>
+            <a:ext cx="8691480" cy="946800"/>
           </a:xfrm>
           <a:prstGeom prst="rect">
             <a:avLst/>
@@ -755,7 +755,7 @@
         <p:spPr>
           <a:xfrm>
             <a:off x="692640" y="375480"/>
-            <a:ext cx="8691840" cy="946800"/>
+            <a:ext cx="8691480" cy="946800"/>
           </a:xfrm>
           <a:prstGeom prst="rect">
             <a:avLst/>
@@ -868,7 +868,7 @@
         <p:spPr>
           <a:xfrm>
             <a:off x="692640" y="375480"/>
-            <a:ext cx="8691840" cy="946800"/>
+            <a:ext cx="8691480" cy="946800"/>
           </a:xfrm>
           <a:prstGeom prst="rect">
             <a:avLst/>
@@ -921,7 +921,7 @@
         <p:spPr>
           <a:xfrm>
             <a:off x="692640" y="375480"/>
-            <a:ext cx="8691840" cy="4390200"/>
+            <a:ext cx="8691480" cy="4390200"/>
           </a:xfrm>
           <a:prstGeom prst="rect">
             <a:avLst/>
@@ -974,7 +974,7 @@
         <p:spPr>
           <a:xfrm>
             <a:off x="692640" y="375480"/>
-            <a:ext cx="8691840" cy="946800"/>
+            <a:ext cx="8691480" cy="946800"/>
           </a:xfrm>
           <a:prstGeom prst="rect">
             <a:avLst/>
@@ -1117,7 +1117,7 @@
         <p:spPr>
           <a:xfrm>
             <a:off x="692640" y="375480"/>
-            <a:ext cx="8691840" cy="946800"/>
+            <a:ext cx="8691480" cy="946800"/>
           </a:xfrm>
           <a:prstGeom prst="rect">
             <a:avLst/>
@@ -1260,7 +1260,7 @@
         <p:spPr>
           <a:xfrm>
             <a:off x="692640" y="375480"/>
-            <a:ext cx="8691840" cy="946800"/>
+            <a:ext cx="8691480" cy="946800"/>
           </a:xfrm>
           <a:prstGeom prst="rect">
             <a:avLst/>
@@ -1410,7 +1410,7 @@
         <p:spPr>
           <a:xfrm>
             <a:off x="692640" y="375480"/>
-            <a:ext cx="8691840" cy="946800"/>
+            <a:ext cx="8691480" cy="946800"/>
           </a:xfrm>
           <a:prstGeom prst="rect">
             <a:avLst/>
@@ -1658,7 +1658,7 @@
         <p:spPr>
           <a:xfrm>
             <a:off x="471960" y="226440"/>
-            <a:ext cx="952920" cy="761040"/>
+            <a:ext cx="952560" cy="760680"/>
           </a:xfrm>
           <a:prstGeom prst="rect">
             <a:avLst/>
@@ -1732,7 +1732,7 @@
         <p:spPr>
           <a:xfrm>
             <a:off x="557640" y="1729440"/>
-            <a:ext cx="1130040" cy="1062360"/>
+            <a:ext cx="1129680" cy="1062000"/>
           </a:xfrm>
           <a:prstGeom prst="ellipse">
             <a:avLst/>
@@ -1792,7 +1792,7 @@
         <p:spPr>
           <a:xfrm>
             <a:off x="948960" y="988200"/>
-            <a:ext cx="173880" cy="740520"/>
+            <a:ext cx="173520" cy="740160"/>
           </a:xfrm>
           <a:custGeom>
             <a:avLst/>
@@ -1840,7 +1840,7 @@
         <p:spPr>
           <a:xfrm>
             <a:off x="-67680" y="1195920"/>
-            <a:ext cx="1363680" cy="394560"/>
+            <a:ext cx="1363320" cy="394200"/>
           </a:xfrm>
           <a:prstGeom prst="rect">
             <a:avLst/>
@@ -1924,7 +1924,7 @@
         <p:spPr>
           <a:xfrm>
             <a:off x="1123200" y="2792520"/>
-            <a:ext cx="360" cy="662760"/>
+            <a:ext cx="360" cy="662400"/>
           </a:xfrm>
           <a:custGeom>
             <a:avLst/>
@@ -1972,7 +1972,7 @@
         <p:spPr>
           <a:xfrm>
             <a:off x="324360" y="3565080"/>
-            <a:ext cx="1673280" cy="454680"/>
+            <a:ext cx="1672920" cy="454680"/>
           </a:xfrm>
           <a:prstGeom prst="rect">
             <a:avLst/>
@@ -2036,14 +2036,14 @@
       </p:sp>
       <p:sp>
         <p:nvSpPr>
-          <p:cNvPr id="45" name="TextShape 8"/>
-          <p:cNvSpPr txBox="1"/>
+          <p:cNvPr id="45" name="CustomShape 8"/>
+          <p:cNvSpPr/>
           <p:nvPr/>
         </p:nvSpPr>
         <p:spPr>
           <a:xfrm>
             <a:off x="6912000" y="85680"/>
-            <a:ext cx="2808000" cy="602280"/>
+            <a:ext cx="2807640" cy="638280"/>
           </a:xfrm>
           <a:prstGeom prst="rect">
             <a:avLst/>
@@ -2053,11 +2053,22 @@
             <a:noFill/>
           </a:ln>
         </p:spPr>
+        <p:style>
+          <a:lnRef idx="0"/>
+          <a:fillRef idx="0"/>
+          <a:effectRef idx="0"/>
+          <a:fontRef idx="minor"/>
+        </p:style>
         <p:txBody>
           <a:bodyPr lIns="90000" rIns="90000" tIns="45000" bIns="45000">
             <a:spAutoFit/>
           </a:bodyPr>
           <a:p>
+            <a:pPr>
+              <a:lnSpc>
+                <a:spcPct val="100000"/>
+              </a:lnSpc>
+            </a:pPr>
             <a:r>
               <a:rPr b="0" lang="pt-BR" sz="1800" spc="-1" strike="noStrike">
                 <a:latin typeface="Arial"/>
@@ -2112,7 +2123,7 @@
         <p:spPr>
           <a:xfrm>
             <a:off x="2541960" y="1656000"/>
-            <a:ext cx="1130040" cy="1080000"/>
+            <a:ext cx="1129680" cy="1079640"/>
           </a:xfrm>
           <a:prstGeom prst="ellipse">
             <a:avLst/>
@@ -2171,8 +2182,8 @@
         </p:nvSpPr>
         <p:spPr>
           <a:xfrm flipH="1">
-            <a:off x="1590480" y="2592000"/>
-            <a:ext cx="1145520" cy="847800"/>
+            <a:off x="1589760" y="2592000"/>
+            <a:ext cx="1145160" cy="847440"/>
           </a:xfrm>
           <a:custGeom>
             <a:avLst/>
@@ -2221,7 +2232,7 @@
         <p:spPr>
           <a:xfrm>
             <a:off x="2088000" y="1056960"/>
-            <a:ext cx="842400" cy="455040"/>
+            <a:ext cx="842040" cy="454680"/>
           </a:xfrm>
           <a:prstGeom prst="rect">
             <a:avLst/>
@@ -2272,7 +2283,7 @@
         <p:spPr>
           <a:xfrm>
             <a:off x="2808000" y="360000"/>
-            <a:ext cx="842400" cy="792000"/>
+            <a:ext cx="842040" cy="791640"/>
           </a:xfrm>
           <a:prstGeom prst="rect">
             <a:avLst/>
@@ -2345,8 +2356,8 @@
         </p:nvSpPr>
         <p:spPr>
           <a:xfrm flipV="1">
-            <a:off x="3108960" y="1152000"/>
-            <a:ext cx="131040" cy="504000"/>
+            <a:off x="3108960" y="1151280"/>
+            <a:ext cx="130680" cy="503640"/>
           </a:xfrm>
           <a:custGeom>
             <a:avLst/>
@@ -2460,7 +2471,7 @@
         <p:spPr>
           <a:xfrm>
             <a:off x="2160000" y="3576960"/>
-            <a:ext cx="1673280" cy="272880"/>
+            <a:ext cx="1672920" cy="272520"/>
           </a:xfrm>
           <a:prstGeom prst="rect">
             <a:avLst/>
@@ -2510,8 +2521,8 @@
         </p:nvSpPr>
         <p:spPr>
           <a:xfrm flipH="1" flipV="1">
-            <a:off x="3023280" y="2736000"/>
-            <a:ext cx="360" cy="792000"/>
+            <a:off x="3022560" y="2735280"/>
+            <a:ext cx="360" cy="791640"/>
           </a:xfrm>
           <a:custGeom>
             <a:avLst/>
@@ -2626,7 +2637,7 @@
         <p:spPr>
           <a:xfrm>
             <a:off x="3833280" y="3600000"/>
-            <a:ext cx="1275840" cy="393480"/>
+            <a:ext cx="1275480" cy="394200"/>
           </a:xfrm>
           <a:prstGeom prst="rect">
             <a:avLst/>
@@ -2676,8 +2687,8 @@
         </p:nvSpPr>
         <p:spPr>
           <a:xfrm flipH="1" flipV="1">
-            <a:off x="3528000" y="2520000"/>
-            <a:ext cx="936000" cy="936000"/>
+            <a:off x="3527280" y="2519280"/>
+            <a:ext cx="935640" cy="935640"/>
           </a:xfrm>
           <a:custGeom>
             <a:avLst/>
@@ -2726,7 +2737,7 @@
         <p:spPr>
           <a:xfrm>
             <a:off x="5112000" y="1800000"/>
-            <a:ext cx="1130040" cy="1080000"/>
+            <a:ext cx="1129680" cy="1079640"/>
           </a:xfrm>
           <a:prstGeom prst="ellipse">
             <a:avLst/>
@@ -2785,8 +2796,8 @@
         </p:nvSpPr>
         <p:spPr>
           <a:xfrm flipV="1">
-            <a:off x="4536000" y="2663640"/>
-            <a:ext cx="720000" cy="864000"/>
+            <a:off x="4536000" y="2662560"/>
+            <a:ext cx="719640" cy="863640"/>
           </a:xfrm>
           <a:custGeom>
             <a:avLst/>
@@ -2934,7 +2945,7 @@
         <p:spPr>
           <a:xfrm>
             <a:off x="5184000" y="3600000"/>
-            <a:ext cx="1275840" cy="393480"/>
+            <a:ext cx="1275480" cy="394200"/>
           </a:xfrm>
           <a:prstGeom prst="rect">
             <a:avLst/>
@@ -2984,8 +2995,8 @@
         </p:nvSpPr>
         <p:spPr>
           <a:xfrm flipH="1" flipV="1">
-            <a:off x="5759640" y="2880000"/>
-            <a:ext cx="93960" cy="576000"/>
+            <a:off x="5759640" y="2879280"/>
+            <a:ext cx="93600" cy="575640"/>
           </a:xfrm>
           <a:custGeom>
             <a:avLst/>
@@ -3024,6 +3035,179 @@
           </a:effectRef>
           <a:fontRef idx="minor"/>
         </p:style>
+      </p:sp>
+      <p:sp>
+        <p:nvSpPr>
+          <p:cNvPr id="67" name="CustomShape 30"/>
+          <p:cNvSpPr/>
+          <p:nvPr/>
+        </p:nvSpPr>
+        <p:spPr>
+          <a:xfrm>
+            <a:off x="5277960" y="432000"/>
+            <a:ext cx="842040" cy="791640"/>
+          </a:xfrm>
+          <a:prstGeom prst="rect">
+            <a:avLst/>
+          </a:prstGeom>
+          <a:gradFill rotWithShape="0">
+            <a:gsLst>
+              <a:gs pos="0">
+                <a:srgbClr val="d0d0d0"/>
+              </a:gs>
+              <a:gs pos="100000">
+                <a:srgbClr val="ededed">
+                  <a:alpha val="0"/>
+                </a:srgbClr>
+              </a:gs>
+            </a:gsLst>
+            <a:lin ang="16200000"/>
+          </a:gradFill>
+          <a:ln/>
+          <a:effectLst>
+            <a:outerShdw blurRad="40000" dir="5400000" dist="20160" rotWithShape="0">
+              <a:srgbClr val="000000">
+                <a:alpha val="38000"/>
+              </a:srgbClr>
+            </a:outerShdw>
+          </a:effectLst>
+        </p:spPr>
+        <p:style>
+          <a:lnRef idx="1">
+            <a:schemeClr val="dk1"/>
+          </a:lnRef>
+          <a:fillRef idx="2">
+            <a:schemeClr val="dk1"/>
+          </a:fillRef>
+          <a:effectRef idx="1">
+            <a:schemeClr val="dk1"/>
+          </a:effectRef>
+          <a:fontRef idx="minor"/>
+        </p:style>
+        <p:txBody>
+          <a:bodyPr lIns="90000" rIns="90000" tIns="45000" bIns="45000" anchor="ctr">
+            <a:noAutofit/>
+          </a:bodyPr>
+          <a:p>
+            <a:pPr algn="ctr">
+              <a:lnSpc>
+                <a:spcPct val="100000"/>
+              </a:lnSpc>
+            </a:pPr>
+            <a:r>
+              <a:rPr b="0" lang="pt-BR" sz="1050" spc="-1" strike="noStrike">
+                <a:solidFill>
+                  <a:srgbClr val="000000"/>
+                </a:solidFill>
+                <a:latin typeface="Arial"/>
+                <a:ea typeface="DejaVu Sans"/>
+              </a:rPr>
+              <a:t>Gerencia</a:t>
+            </a:r>
+            <a:endParaRPr b="0" lang="pt-BR" sz="1050" spc="-1" strike="noStrike">
+              <a:latin typeface="Arial"/>
+            </a:endParaRPr>
+          </a:p>
+        </p:txBody>
+      </p:sp>
+      <p:sp>
+        <p:nvSpPr>
+          <p:cNvPr id="68" name="CustomShape 31"/>
+          <p:cNvSpPr/>
+          <p:nvPr/>
+        </p:nvSpPr>
+        <p:spPr>
+          <a:xfrm flipV="1">
+            <a:off x="5687640" y="1224000"/>
+            <a:ext cx="360" cy="575640"/>
+          </a:xfrm>
+          <a:custGeom>
+            <a:avLst/>
+            <a:gdLst/>
+            <a:ahLst/>
+            <a:rect l="l" t="t" r="r" b="b"/>
+            <a:pathLst>
+              <a:path w="21600" h="21600">
+                <a:moveTo>
+                  <a:pt x="0" y="0"/>
+                </a:moveTo>
+                <a:lnTo>
+                  <a:pt x="21600" y="21600"/>
+                </a:lnTo>
+              </a:path>
+            </a:pathLst>
+          </a:custGeom>
+          <a:noFill/>
+          <a:ln>
+            <a:solidFill>
+              <a:schemeClr val="tx1"/>
+            </a:solidFill>
+            <a:tailEnd len="med" type="triangle" w="med"/>
+          </a:ln>
+        </p:spPr>
+        <p:style>
+          <a:lnRef idx="1">
+            <a:schemeClr val="accent1"/>
+          </a:lnRef>
+          <a:fillRef idx="0">
+            <a:schemeClr val="accent1"/>
+          </a:fillRef>
+          <a:effectRef idx="0">
+            <a:schemeClr val="accent1"/>
+          </a:effectRef>
+          <a:fontRef idx="minor"/>
+        </p:style>
+      </p:sp>
+      <p:sp>
+        <p:nvSpPr>
+          <p:cNvPr id="69" name="CustomShape 32"/>
+          <p:cNvSpPr/>
+          <p:nvPr/>
+        </p:nvSpPr>
+        <p:spPr>
+          <a:xfrm>
+            <a:off x="4824000" y="1322280"/>
+            <a:ext cx="842040" cy="333720"/>
+          </a:xfrm>
+          <a:prstGeom prst="rect">
+            <a:avLst/>
+          </a:prstGeom>
+          <a:noFill/>
+          <a:ln>
+            <a:noFill/>
+          </a:ln>
+        </p:spPr>
+        <p:style>
+          <a:lnRef idx="0"/>
+          <a:fillRef idx="0"/>
+          <a:effectRef idx="0"/>
+          <a:fontRef idx="minor"/>
+        </p:style>
+        <p:txBody>
+          <a:bodyPr lIns="90000" rIns="90000" tIns="45000" bIns="45000">
+            <a:spAutoFit/>
+          </a:bodyPr>
+          <a:p>
+            <a:pPr>
+              <a:lnSpc>
+                <a:spcPct val="100000"/>
+              </a:lnSpc>
+            </a:pPr>
+            <a:r>
+              <a:rPr b="0" lang="pt-BR" sz="800" spc="-1" strike="noStrike">
+                <a:solidFill>
+                  <a:srgbClr val="000000"/>
+                </a:solidFill>
+                <a:latin typeface="Arial"/>
+                <a:ea typeface="DejaVu Sans"/>
+              </a:rPr>
+              <a:t>Ordem  de produção</a:t>
+            </a:r>
+            <a:endParaRPr b="0" lang="pt-BR" sz="800" spc="-1" strike="noStrike">
+              <a:latin typeface="Arial"/>
+            </a:endParaRPr>
+          </a:p>
+        </p:txBody>
       </p:sp>
     </p:spTree>
   </p:cSld>
@@ -3057,14 +3241,14 @@
       </p:grpSpPr>
       <p:sp>
         <p:nvSpPr>
-          <p:cNvPr id="67" name="TextShape 1"/>
-          <p:cNvSpPr txBox="1"/>
+          <p:cNvPr id="70" name="CustomShape 1"/>
+          <p:cNvSpPr/>
           <p:nvPr/>
         </p:nvSpPr>
         <p:spPr>
           <a:xfrm>
             <a:off x="6912000" y="85680"/>
-            <a:ext cx="2808000" cy="602280"/>
+            <a:ext cx="2807640" cy="638280"/>
           </a:xfrm>
           <a:prstGeom prst="rect">
             <a:avLst/>
@@ -3074,11 +3258,22 @@
             <a:noFill/>
           </a:ln>
         </p:spPr>
+        <p:style>
+          <a:lnRef idx="0"/>
+          <a:fillRef idx="0"/>
+          <a:effectRef idx="0"/>
+          <a:fontRef idx="minor"/>
+        </p:style>
         <p:txBody>
           <a:bodyPr lIns="90000" rIns="90000" tIns="45000" bIns="45000">
             <a:spAutoFit/>
           </a:bodyPr>
           <a:p>
+            <a:pPr>
+              <a:lnSpc>
+                <a:spcPct val="100000"/>
+              </a:lnSpc>
+            </a:pPr>
             <a:r>
               <a:rPr b="0" lang="pt-BR" sz="1800" spc="-1" strike="noStrike">
                 <a:latin typeface="Arial"/>
@@ -3093,14 +3288,14 @@
       </p:sp>
       <p:sp>
         <p:nvSpPr>
-          <p:cNvPr id="68" name="CustomShape 2"/>
+          <p:cNvPr id="71" name="CustomShape 2"/>
           <p:cNvSpPr/>
           <p:nvPr/>
         </p:nvSpPr>
         <p:spPr>
           <a:xfrm>
             <a:off x="471960" y="236520"/>
-            <a:ext cx="952920" cy="761040"/>
+            <a:ext cx="952560" cy="760680"/>
           </a:xfrm>
           <a:prstGeom prst="rect">
             <a:avLst/>
@@ -3167,14 +3362,14 @@
       </p:sp>
       <p:sp>
         <p:nvSpPr>
-          <p:cNvPr id="69" name="CustomShape 3"/>
+          <p:cNvPr id="72" name="CustomShape 3"/>
           <p:cNvSpPr/>
           <p:nvPr/>
         </p:nvSpPr>
         <p:spPr>
           <a:xfrm>
             <a:off x="956520" y="997560"/>
-            <a:ext cx="173880" cy="740520"/>
+            <a:ext cx="173520" cy="740160"/>
           </a:xfrm>
           <a:custGeom>
             <a:avLst/>
@@ -3215,14 +3410,14 @@
       </p:sp>
       <p:sp>
         <p:nvSpPr>
-          <p:cNvPr id="70" name="CustomShape 4"/>
+          <p:cNvPr id="73" name="CustomShape 4"/>
           <p:cNvSpPr/>
           <p:nvPr/>
         </p:nvSpPr>
         <p:spPr>
           <a:xfrm>
             <a:off x="76320" y="1109880"/>
-            <a:ext cx="787680" cy="394920"/>
+            <a:ext cx="787320" cy="394560"/>
           </a:xfrm>
           <a:prstGeom prst="rect">
             <a:avLst/>
@@ -3266,14 +3461,14 @@
       </p:sp>
       <p:sp>
         <p:nvSpPr>
-          <p:cNvPr id="71" name="CustomShape 5"/>
+          <p:cNvPr id="74" name="CustomShape 5"/>
           <p:cNvSpPr/>
           <p:nvPr/>
         </p:nvSpPr>
         <p:spPr>
           <a:xfrm>
             <a:off x="576000" y="1745640"/>
-            <a:ext cx="1130040" cy="1062360"/>
+            <a:ext cx="1129680" cy="1062000"/>
           </a:xfrm>
           <a:prstGeom prst="ellipse">
             <a:avLst/>
@@ -3326,7 +3521,7 @@
       </p:sp>
       <p:sp>
         <p:nvSpPr>
-          <p:cNvPr id="72" name="Line 6"/>
+          <p:cNvPr id="75" name="Line 6"/>
           <p:cNvSpPr/>
           <p:nvPr/>
         </p:nvSpPr>
@@ -3359,14 +3554,14 @@
       </p:sp>
       <p:sp>
         <p:nvSpPr>
-          <p:cNvPr id="73" name="CustomShape 7"/>
+          <p:cNvPr id="76" name="CustomShape 7"/>
           <p:cNvSpPr/>
           <p:nvPr/>
         </p:nvSpPr>
         <p:spPr>
           <a:xfrm>
             <a:off x="324360" y="3565080"/>
-            <a:ext cx="1673280" cy="272880"/>
+            <a:ext cx="1672920" cy="272520"/>
           </a:xfrm>
           <a:prstGeom prst="rect">
             <a:avLst/>
@@ -3410,7 +3605,7 @@
       </p:sp>
       <p:sp>
         <p:nvSpPr>
-          <p:cNvPr id="74" name="Line 8"/>
+          <p:cNvPr id="77" name="Line 8"/>
           <p:cNvSpPr/>
           <p:nvPr/>
         </p:nvSpPr>
@@ -3443,14 +3638,14 @@
       </p:sp>
       <p:sp>
         <p:nvSpPr>
-          <p:cNvPr id="75" name="CustomShape 9"/>
+          <p:cNvPr id="78" name="CustomShape 9"/>
           <p:cNvSpPr/>
           <p:nvPr/>
         </p:nvSpPr>
         <p:spPr>
           <a:xfrm>
             <a:off x="1123560" y="2880000"/>
-            <a:ext cx="360" cy="574920"/>
+            <a:ext cx="360" cy="574560"/>
           </a:xfrm>
           <a:custGeom>
             <a:avLst/>
@@ -3491,14 +3686,14 @@
       </p:sp>
       <p:sp>
         <p:nvSpPr>
-          <p:cNvPr id="76" name="CustomShape 10"/>
+          <p:cNvPr id="79" name="CustomShape 10"/>
           <p:cNvSpPr/>
           <p:nvPr/>
         </p:nvSpPr>
         <p:spPr>
           <a:xfrm>
             <a:off x="2088000" y="1800000"/>
-            <a:ext cx="1130040" cy="1062360"/>
+            <a:ext cx="1129680" cy="1062000"/>
           </a:xfrm>
           <a:prstGeom prst="ellipse">
             <a:avLst/>
@@ -3551,14 +3746,14 @@
       </p:sp>
       <p:sp>
         <p:nvSpPr>
-          <p:cNvPr id="77" name="CustomShape 11"/>
+          <p:cNvPr id="80" name="CustomShape 11"/>
           <p:cNvSpPr/>
           <p:nvPr/>
         </p:nvSpPr>
         <p:spPr>
           <a:xfrm flipH="1">
-            <a:off x="1590480" y="2808000"/>
-            <a:ext cx="713520" cy="631800"/>
+            <a:off x="1589760" y="2808000"/>
+            <a:ext cx="713160" cy="631440"/>
           </a:xfrm>
           <a:custGeom>
             <a:avLst/>
@@ -3600,7 +3795,7 @@
       </p:sp>
       <p:sp>
         <p:nvSpPr>
-          <p:cNvPr id="78" name="Line 12"/>
+          <p:cNvPr id="81" name="Line 12"/>
           <p:cNvSpPr/>
           <p:nvPr/>
         </p:nvSpPr>
@@ -3633,7 +3828,7 @@
       </p:sp>
       <p:sp>
         <p:nvSpPr>
-          <p:cNvPr id="79" name="Line 13"/>
+          <p:cNvPr id="82" name="Line 13"/>
           <p:cNvSpPr/>
           <p:nvPr/>
         </p:nvSpPr>
@@ -3666,14 +3861,14 @@
       </p:sp>
       <p:sp>
         <p:nvSpPr>
-          <p:cNvPr id="80" name="CustomShape 14"/>
+          <p:cNvPr id="83" name="CustomShape 14"/>
           <p:cNvSpPr/>
           <p:nvPr/>
         </p:nvSpPr>
         <p:spPr>
           <a:xfrm>
             <a:off x="1872000" y="3565080"/>
-            <a:ext cx="1673280" cy="272880"/>
+            <a:ext cx="1672920" cy="272520"/>
           </a:xfrm>
           <a:prstGeom prst="rect">
             <a:avLst/>
@@ -3692,14 +3887,14 @@
       </p:sp>
       <p:sp>
         <p:nvSpPr>
-          <p:cNvPr id="81" name="CustomShape 15"/>
+          <p:cNvPr id="84" name="CustomShape 15"/>
           <p:cNvSpPr/>
           <p:nvPr/>
         </p:nvSpPr>
         <p:spPr>
           <a:xfrm>
             <a:off x="1926720" y="3565080"/>
-            <a:ext cx="1673280" cy="272880"/>
+            <a:ext cx="1672920" cy="272520"/>
           </a:xfrm>
           <a:prstGeom prst="rect">
             <a:avLst/>
@@ -3718,14 +3913,14 @@
       </p:sp>
       <p:sp>
         <p:nvSpPr>
-          <p:cNvPr id="82" name="TextShape 16"/>
-          <p:cNvSpPr txBox="1"/>
+          <p:cNvPr id="85" name="CustomShape 16"/>
+          <p:cNvSpPr/>
           <p:nvPr/>
         </p:nvSpPr>
         <p:spPr>
           <a:xfrm>
             <a:off x="2079720" y="3528360"/>
-            <a:ext cx="1232280" cy="431640"/>
+            <a:ext cx="1231920" cy="454680"/>
           </a:xfrm>
           <a:prstGeom prst="rect">
             <a:avLst/>
@@ -3735,11 +3930,22 @@
             <a:noFill/>
           </a:ln>
         </p:spPr>
+        <p:style>
+          <a:lnRef idx="0"/>
+          <a:fillRef idx="0"/>
+          <a:effectRef idx="0"/>
+          <a:fontRef idx="minor"/>
+        </p:style>
         <p:txBody>
           <a:bodyPr lIns="90000" rIns="90000" tIns="45000" bIns="45000">
             <a:spAutoFit/>
           </a:bodyPr>
           <a:p>
+            <a:pPr>
+              <a:lnSpc>
+                <a:spcPct val="100000"/>
+              </a:lnSpc>
+            </a:pPr>
             <a:r>
               <a:rPr b="0" lang="pt-BR" sz="1200" spc="-1" strike="noStrike">
                 <a:solidFill>
@@ -3758,14 +3964,14 @@
       </p:sp>
       <p:sp>
         <p:nvSpPr>
-          <p:cNvPr id="83" name="CustomShape 17"/>
+          <p:cNvPr id="86" name="CustomShape 17"/>
           <p:cNvSpPr/>
           <p:nvPr/>
         </p:nvSpPr>
         <p:spPr>
           <a:xfrm flipH="1">
-            <a:off x="2526480" y="2862360"/>
-            <a:ext cx="137520" cy="577440"/>
+            <a:off x="2525760" y="2862360"/>
+            <a:ext cx="137160" cy="577080"/>
           </a:xfrm>
           <a:custGeom>
             <a:avLst/>
@@ -3807,14 +4013,14 @@
       </p:sp>
       <p:sp>
         <p:nvSpPr>
-          <p:cNvPr id="84" name="CustomShape 18"/>
+          <p:cNvPr id="87" name="CustomShape 18"/>
           <p:cNvSpPr/>
           <p:nvPr/>
         </p:nvSpPr>
         <p:spPr>
           <a:xfrm>
             <a:off x="3693960" y="1872000"/>
-            <a:ext cx="1130040" cy="1062360"/>
+            <a:ext cx="1129680" cy="1062000"/>
           </a:xfrm>
           <a:prstGeom prst="ellipse">
             <a:avLst/>
@@ -3867,14 +4073,14 @@
       </p:sp>
       <p:sp>
         <p:nvSpPr>
-          <p:cNvPr id="85" name="CustomShape 19"/>
+          <p:cNvPr id="88" name="CustomShape 19"/>
           <p:cNvSpPr/>
           <p:nvPr/>
         </p:nvSpPr>
         <p:spPr>
           <a:xfrm>
             <a:off x="5205960" y="1944000"/>
-            <a:ext cx="1130040" cy="1062360"/>
+            <a:ext cx="1129680" cy="1062000"/>
           </a:xfrm>
           <a:prstGeom prst="ellipse">
             <a:avLst/>
@@ -3927,7 +4133,7 @@
       </p:sp>
       <p:sp>
         <p:nvSpPr>
-          <p:cNvPr id="86" name="Line 20"/>
+          <p:cNvPr id="89" name="Line 20"/>
           <p:cNvSpPr/>
           <p:nvPr/>
         </p:nvSpPr>
@@ -3960,7 +4166,7 @@
       </p:sp>
       <p:sp>
         <p:nvSpPr>
-          <p:cNvPr id="87" name="Line 21"/>
+          <p:cNvPr id="90" name="Line 21"/>
           <p:cNvSpPr/>
           <p:nvPr/>
         </p:nvSpPr>
@@ -3993,7 +4199,7 @@
       </p:sp>
       <p:sp>
         <p:nvSpPr>
-          <p:cNvPr id="88" name="Line 22"/>
+          <p:cNvPr id="91" name="Line 22"/>
           <p:cNvSpPr/>
           <p:nvPr/>
         </p:nvSpPr>
@@ -4026,7 +4232,7 @@
       </p:sp>
       <p:sp>
         <p:nvSpPr>
-          <p:cNvPr id="89" name="Line 23"/>
+          <p:cNvPr id="92" name="Line 23"/>
           <p:cNvSpPr/>
           <p:nvPr/>
         </p:nvSpPr>
@@ -4059,14 +4265,14 @@
       </p:sp>
       <p:sp>
         <p:nvSpPr>
-          <p:cNvPr id="90" name="TextShape 24"/>
-          <p:cNvSpPr txBox="1"/>
+          <p:cNvPr id="93" name="CustomShape 24"/>
+          <p:cNvSpPr/>
           <p:nvPr/>
         </p:nvSpPr>
         <p:spPr>
           <a:xfrm>
             <a:off x="5823720" y="3672360"/>
-            <a:ext cx="1232280" cy="431640"/>
+            <a:ext cx="1231920" cy="454680"/>
           </a:xfrm>
           <a:prstGeom prst="rect">
             <a:avLst/>
@@ -4076,11 +4282,22 @@
             <a:noFill/>
           </a:ln>
         </p:spPr>
+        <p:style>
+          <a:lnRef idx="0"/>
+          <a:fillRef idx="0"/>
+          <a:effectRef idx="0"/>
+          <a:fontRef idx="minor"/>
+        </p:style>
         <p:txBody>
           <a:bodyPr lIns="90000" rIns="90000" tIns="45000" bIns="45000">
             <a:spAutoFit/>
           </a:bodyPr>
           <a:p>
+            <a:pPr>
+              <a:lnSpc>
+                <a:spcPct val="100000"/>
+              </a:lnSpc>
+            </a:pPr>
             <a:r>
               <a:rPr b="0" lang="pt-BR" sz="1200" spc="-1" strike="noStrike">
                 <a:solidFill>
@@ -4099,14 +4316,14 @@
       </p:sp>
       <p:sp>
         <p:nvSpPr>
-          <p:cNvPr id="91" name="CustomShape 25"/>
+          <p:cNvPr id="94" name="CustomShape 25"/>
           <p:cNvSpPr/>
           <p:nvPr/>
         </p:nvSpPr>
         <p:spPr>
           <a:xfrm>
             <a:off x="7437960" y="1728000"/>
-            <a:ext cx="1418040" cy="1224000"/>
+            <a:ext cx="1417680" cy="1223640"/>
           </a:xfrm>
           <a:prstGeom prst="ellipse">
             <a:avLst/>
@@ -4159,14 +4376,14 @@
       </p:sp>
       <p:sp>
         <p:nvSpPr>
-          <p:cNvPr id="92" name="CustomShape 26"/>
+          <p:cNvPr id="95" name="CustomShape 26"/>
           <p:cNvSpPr/>
           <p:nvPr/>
         </p:nvSpPr>
         <p:spPr>
           <a:xfrm flipH="1">
-            <a:off x="6552000" y="2736000"/>
-            <a:ext cx="1008000" cy="792000"/>
+            <a:off x="6551280" y="2736000"/>
+            <a:ext cx="1007640" cy="791640"/>
           </a:xfrm>
           <a:custGeom>
             <a:avLst/>
@@ -4208,7 +4425,7 @@
       </p:sp>
       <p:sp>
         <p:nvSpPr>
-          <p:cNvPr id="93" name="Line 27"/>
+          <p:cNvPr id="96" name="Line 27"/>
           <p:cNvSpPr/>
           <p:nvPr/>
         </p:nvSpPr>
@@ -4241,7 +4458,7 @@
       </p:sp>
       <p:sp>
         <p:nvSpPr>
-          <p:cNvPr id="94" name="Line 28"/>
+          <p:cNvPr id="97" name="Line 28"/>
           <p:cNvSpPr/>
           <p:nvPr/>
         </p:nvSpPr>
@@ -4274,14 +4491,14 @@
       </p:sp>
       <p:sp>
         <p:nvSpPr>
-          <p:cNvPr id="95" name="TextShape 29"/>
-          <p:cNvSpPr txBox="1"/>
+          <p:cNvPr id="98" name="CustomShape 29"/>
+          <p:cNvSpPr/>
           <p:nvPr/>
         </p:nvSpPr>
         <p:spPr>
           <a:xfrm>
             <a:off x="7632000" y="3600000"/>
-            <a:ext cx="1296000" cy="576000"/>
+            <a:ext cx="1295640" cy="455400"/>
           </a:xfrm>
           <a:prstGeom prst="rect">
             <a:avLst/>
@@ -4291,11 +4508,22 @@
             <a:noFill/>
           </a:ln>
         </p:spPr>
+        <p:style>
+          <a:lnRef idx="0"/>
+          <a:fillRef idx="0"/>
+          <a:effectRef idx="0"/>
+          <a:fontRef idx="minor"/>
+        </p:style>
         <p:txBody>
           <a:bodyPr lIns="90000" rIns="90000" tIns="45000" bIns="45000">
             <a:spAutoFit/>
           </a:bodyPr>
           <a:p>
+            <a:pPr>
+              <a:lnSpc>
+                <a:spcPct val="100000"/>
+              </a:lnSpc>
+            </a:pPr>
             <a:r>
               <a:rPr b="0" lang="pt-BR" sz="1200" spc="-1" strike="noStrike">
                 <a:solidFill>
@@ -4314,14 +4542,14 @@
       </p:sp>
       <p:sp>
         <p:nvSpPr>
-          <p:cNvPr id="96" name="CustomShape 30"/>
+          <p:cNvPr id="99" name="CustomShape 30"/>
           <p:cNvSpPr/>
           <p:nvPr/>
         </p:nvSpPr>
         <p:spPr>
           <a:xfrm>
             <a:off x="8352000" y="2952000"/>
-            <a:ext cx="216000" cy="648000"/>
+            <a:ext cx="215640" cy="647640"/>
           </a:xfrm>
           <a:custGeom>
             <a:avLst/>
@@ -4363,7 +4591,7 @@
       </p:sp>
       <p:sp>
         <p:nvSpPr>
-          <p:cNvPr id="97" name="Line 31"/>
+          <p:cNvPr id="100" name="Line 31"/>
           <p:cNvSpPr/>
           <p:nvPr/>
         </p:nvSpPr>
@@ -4396,14 +4624,14 @@
       </p:sp>
       <p:sp>
         <p:nvSpPr>
-          <p:cNvPr id="98" name="TextShape 32"/>
-          <p:cNvSpPr txBox="1"/>
+          <p:cNvPr id="101" name="CustomShape 32"/>
+          <p:cNvSpPr/>
           <p:nvPr/>
         </p:nvSpPr>
         <p:spPr>
           <a:xfrm>
             <a:off x="3796200" y="3567600"/>
-            <a:ext cx="1232280" cy="431640"/>
+            <a:ext cx="1231920" cy="454680"/>
           </a:xfrm>
           <a:prstGeom prst="rect">
             <a:avLst/>
@@ -4413,11 +4641,22 @@
             <a:noFill/>
           </a:ln>
         </p:spPr>
+        <p:style>
+          <a:lnRef idx="0"/>
+          <a:fillRef idx="0"/>
+          <a:effectRef idx="0"/>
+          <a:fontRef idx="minor"/>
+        </p:style>
         <p:txBody>
           <a:bodyPr lIns="90000" rIns="90000" tIns="45000" bIns="45000">
             <a:spAutoFit/>
           </a:bodyPr>
           <a:p>
+            <a:pPr>
+              <a:lnSpc>
+                <a:spcPct val="100000"/>
+              </a:lnSpc>
+            </a:pPr>
             <a:r>
               <a:rPr b="0" lang="pt-BR" sz="1200" spc="-1" strike="noStrike">
                 <a:solidFill>
@@ -4436,7 +4675,7 @@
       </p:sp>
       <p:sp>
         <p:nvSpPr>
-          <p:cNvPr id="99" name="Line 33"/>
+          <p:cNvPr id="102" name="Line 33"/>
           <p:cNvSpPr/>
           <p:nvPr/>
         </p:nvSpPr>
@@ -4469,14 +4708,14 @@
       </p:sp>
       <p:sp>
         <p:nvSpPr>
-          <p:cNvPr id="100" name="CustomShape 34"/>
+          <p:cNvPr id="103" name="CustomShape 34"/>
           <p:cNvSpPr/>
           <p:nvPr/>
         </p:nvSpPr>
         <p:spPr>
           <a:xfrm flipH="1">
-            <a:off x="4248000" y="2934360"/>
-            <a:ext cx="137520" cy="577440"/>
+            <a:off x="4247280" y="2934360"/>
+            <a:ext cx="137160" cy="577080"/>
           </a:xfrm>
           <a:custGeom>
             <a:avLst/>
@@ -4518,14 +4757,14 @@
       </p:sp>
       <p:sp>
         <p:nvSpPr>
-          <p:cNvPr id="101" name="CustomShape 35"/>
+          <p:cNvPr id="104" name="CustomShape 35"/>
           <p:cNvSpPr/>
           <p:nvPr/>
         </p:nvSpPr>
         <p:spPr>
           <a:xfrm flipH="1">
-            <a:off x="4968000" y="2952000"/>
-            <a:ext cx="432000" cy="505440"/>
+            <a:off x="4967280" y="2952000"/>
+            <a:ext cx="431640" cy="505080"/>
           </a:xfrm>
           <a:custGeom>
             <a:avLst/>
@@ -4567,14 +4806,14 @@
       </p:sp>
       <p:sp>
         <p:nvSpPr>
-          <p:cNvPr id="102" name="CustomShape 36"/>
+          <p:cNvPr id="105" name="CustomShape 36"/>
           <p:cNvSpPr/>
           <p:nvPr/>
         </p:nvSpPr>
         <p:spPr>
           <a:xfrm flipH="1">
-            <a:off x="5975640" y="3006360"/>
-            <a:ext cx="360" cy="595440"/>
+            <a:off x="5974920" y="3006360"/>
+            <a:ext cx="360" cy="595080"/>
           </a:xfrm>
           <a:custGeom>
             <a:avLst/>
@@ -4616,14 +4855,14 @@
       </p:sp>
       <p:sp>
         <p:nvSpPr>
-          <p:cNvPr id="103" name="CustomShape 37"/>
+          <p:cNvPr id="106" name="CustomShape 37"/>
           <p:cNvSpPr/>
           <p:nvPr/>
         </p:nvSpPr>
         <p:spPr>
           <a:xfrm flipH="1">
             <a:off x="3080160" y="2808000"/>
-            <a:ext cx="735480" cy="631800"/>
+            <a:ext cx="735120" cy="631440"/>
           </a:xfrm>
           <a:custGeom>
             <a:avLst/>
@@ -4695,14 +4934,14 @@
       </p:grpSpPr>
       <p:sp>
         <p:nvSpPr>
-          <p:cNvPr id="104" name="TextShape 1"/>
-          <p:cNvSpPr txBox="1"/>
+          <p:cNvPr id="107" name="CustomShape 1"/>
+          <p:cNvSpPr/>
           <p:nvPr/>
         </p:nvSpPr>
         <p:spPr>
           <a:xfrm>
             <a:off x="6912000" y="85680"/>
-            <a:ext cx="2808000" cy="602280"/>
+            <a:ext cx="2807640" cy="638280"/>
           </a:xfrm>
           <a:prstGeom prst="rect">
             <a:avLst/>
@@ -4712,11 +4951,22 @@
             <a:noFill/>
           </a:ln>
         </p:spPr>
+        <p:style>
+          <a:lnRef idx="0"/>
+          <a:fillRef idx="0"/>
+          <a:effectRef idx="0"/>
+          <a:fontRef idx="minor"/>
+        </p:style>
         <p:txBody>
           <a:bodyPr lIns="90000" rIns="90000" tIns="45000" bIns="45000">
             <a:spAutoFit/>
           </a:bodyPr>
           <a:p>
+            <a:pPr>
+              <a:lnSpc>
+                <a:spcPct val="100000"/>
+              </a:lnSpc>
+            </a:pPr>
             <a:r>
               <a:rPr b="0" lang="pt-BR" sz="1800" spc="-1" strike="noStrike">
                 <a:latin typeface="Arial"/>
@@ -4731,14 +4981,14 @@
       </p:sp>
       <p:sp>
         <p:nvSpPr>
-          <p:cNvPr id="105" name="CustomShape 2"/>
+          <p:cNvPr id="108" name="CustomShape 2"/>
           <p:cNvSpPr/>
           <p:nvPr/>
         </p:nvSpPr>
         <p:spPr>
           <a:xfrm>
             <a:off x="471960" y="246600"/>
-            <a:ext cx="952920" cy="761040"/>
+            <a:ext cx="952560" cy="760680"/>
           </a:xfrm>
           <a:prstGeom prst="rect">
             <a:avLst/>
@@ -4805,14 +5055,14 @@
       </p:sp>
       <p:sp>
         <p:nvSpPr>
-          <p:cNvPr id="106" name="CustomShape 3"/>
+          <p:cNvPr id="109" name="CustomShape 3"/>
           <p:cNvSpPr/>
           <p:nvPr/>
         </p:nvSpPr>
         <p:spPr>
           <a:xfrm>
             <a:off x="432000" y="1584000"/>
-            <a:ext cx="1368000" cy="936000"/>
+            <a:ext cx="1367640" cy="935640"/>
           </a:xfrm>
           <a:prstGeom prst="ellipse">
             <a:avLst/>
@@ -4865,14 +5115,14 @@
       </p:sp>
       <p:sp>
         <p:nvSpPr>
-          <p:cNvPr id="107" name="CustomShape 4"/>
+          <p:cNvPr id="110" name="CustomShape 4"/>
           <p:cNvSpPr/>
           <p:nvPr/>
         </p:nvSpPr>
         <p:spPr>
           <a:xfrm>
             <a:off x="964080" y="997200"/>
-            <a:ext cx="115920" cy="586800"/>
+            <a:ext cx="115560" cy="586440"/>
           </a:xfrm>
           <a:custGeom>
             <a:avLst/>
@@ -4913,14 +5163,14 @@
       </p:sp>
       <p:sp>
         <p:nvSpPr>
-          <p:cNvPr id="108" name="CustomShape 5"/>
+          <p:cNvPr id="111" name="CustomShape 5"/>
           <p:cNvSpPr/>
           <p:nvPr/>
         </p:nvSpPr>
         <p:spPr>
           <a:xfrm>
             <a:off x="1156320" y="1126080"/>
-            <a:ext cx="1219680" cy="241920"/>
+            <a:ext cx="1219320" cy="241920"/>
           </a:xfrm>
           <a:prstGeom prst="rect">
             <a:avLst/>
@@ -4974,7 +5224,7 @@
       </p:sp>
       <p:sp>
         <p:nvSpPr>
-          <p:cNvPr id="109" name="Line 6"/>
+          <p:cNvPr id="112" name="Line 6"/>
           <p:cNvSpPr/>
           <p:nvPr/>
         </p:nvSpPr>
@@ -5007,7 +5257,7 @@
       </p:sp>
       <p:sp>
         <p:nvSpPr>
-          <p:cNvPr id="110" name="Line 7"/>
+          <p:cNvPr id="113" name="Line 7"/>
           <p:cNvSpPr/>
           <p:nvPr/>
         </p:nvSpPr>
@@ -5040,14 +5290,14 @@
       </p:sp>
       <p:sp>
         <p:nvSpPr>
-          <p:cNvPr id="111" name="TextShape 8"/>
-          <p:cNvSpPr txBox="1"/>
+          <p:cNvPr id="114" name="CustomShape 8"/>
+          <p:cNvSpPr/>
           <p:nvPr/>
         </p:nvSpPr>
         <p:spPr>
           <a:xfrm>
             <a:off x="576000" y="2952000"/>
-            <a:ext cx="1296000" cy="576000"/>
+            <a:ext cx="1295640" cy="455400"/>
           </a:xfrm>
           <a:prstGeom prst="rect">
             <a:avLst/>
@@ -5057,11 +5307,22 @@
             <a:noFill/>
           </a:ln>
         </p:spPr>
+        <p:style>
+          <a:lnRef idx="0"/>
+          <a:fillRef idx="0"/>
+          <a:effectRef idx="0"/>
+          <a:fontRef idx="minor"/>
+        </p:style>
         <p:txBody>
           <a:bodyPr lIns="90000" rIns="90000" tIns="45000" bIns="45000">
             <a:spAutoFit/>
           </a:bodyPr>
           <a:p>
+            <a:pPr>
+              <a:lnSpc>
+                <a:spcPct val="100000"/>
+              </a:lnSpc>
+            </a:pPr>
             <a:r>
               <a:rPr b="0" lang="pt-BR" sz="1200" spc="-1" strike="noStrike">
                 <a:solidFill>
@@ -5080,14 +5341,14 @@
       </p:sp>
       <p:sp>
         <p:nvSpPr>
-          <p:cNvPr id="112" name="CustomShape 9"/>
+          <p:cNvPr id="115" name="CustomShape 9"/>
           <p:cNvSpPr/>
           <p:nvPr/>
         </p:nvSpPr>
         <p:spPr>
           <a:xfrm>
             <a:off x="1123920" y="2520000"/>
-            <a:ext cx="28080" cy="432000"/>
+            <a:ext cx="27720" cy="431640"/>
           </a:xfrm>
           <a:custGeom>
             <a:avLst/>
@@ -5128,14 +5389,14 @@
       </p:sp>
       <p:sp>
         <p:nvSpPr>
-          <p:cNvPr id="113" name="CustomShape 10"/>
+          <p:cNvPr id="116" name="CustomShape 10"/>
           <p:cNvSpPr/>
           <p:nvPr/>
         </p:nvSpPr>
         <p:spPr>
           <a:xfrm>
             <a:off x="2253960" y="1440000"/>
-            <a:ext cx="1130040" cy="1062360"/>
+            <a:ext cx="1129680" cy="1062000"/>
           </a:xfrm>
           <a:prstGeom prst="ellipse">
             <a:avLst/>
@@ -5188,14 +5449,14 @@
       </p:sp>
       <p:sp>
         <p:nvSpPr>
-          <p:cNvPr id="114" name="CustomShape 11"/>
+          <p:cNvPr id="117" name="CustomShape 11"/>
           <p:cNvSpPr/>
           <p:nvPr/>
         </p:nvSpPr>
         <p:spPr>
           <a:xfrm flipH="1">
-            <a:off x="1584000" y="2304000"/>
-            <a:ext cx="792000" cy="648000"/>
+            <a:off x="1583280" y="2304000"/>
+            <a:ext cx="791640" cy="647640"/>
           </a:xfrm>
           <a:custGeom>
             <a:avLst/>
@@ -5237,14 +5498,14 @@
       </p:sp>
       <p:sp>
         <p:nvSpPr>
-          <p:cNvPr id="115" name="TextShape 12"/>
-          <p:cNvSpPr txBox="1"/>
+          <p:cNvPr id="118" name="CustomShape 12"/>
+          <p:cNvSpPr/>
           <p:nvPr/>
         </p:nvSpPr>
         <p:spPr>
           <a:xfrm>
             <a:off x="2232000" y="2952000"/>
-            <a:ext cx="1296000" cy="576000"/>
+            <a:ext cx="1295640" cy="455400"/>
           </a:xfrm>
           <a:prstGeom prst="rect">
             <a:avLst/>
@@ -5254,11 +5515,22 @@
             <a:noFill/>
           </a:ln>
         </p:spPr>
+        <p:style>
+          <a:lnRef idx="0"/>
+          <a:fillRef idx="0"/>
+          <a:effectRef idx="0"/>
+          <a:fontRef idx="minor"/>
+        </p:style>
         <p:txBody>
           <a:bodyPr lIns="90000" rIns="90000" tIns="45000" bIns="45000">
             <a:spAutoFit/>
           </a:bodyPr>
           <a:p>
+            <a:pPr>
+              <a:lnSpc>
+                <a:spcPct val="100000"/>
+              </a:lnSpc>
+            </a:pPr>
             <a:r>
               <a:rPr b="0" lang="pt-BR" sz="1200" spc="-1" strike="noStrike">
                 <a:solidFill>
@@ -5277,7 +5549,7 @@
       </p:sp>
       <p:sp>
         <p:nvSpPr>
-          <p:cNvPr id="116" name="Line 13"/>
+          <p:cNvPr id="119" name="Line 13"/>
           <p:cNvSpPr/>
           <p:nvPr/>
         </p:nvSpPr>
@@ -5310,7 +5582,7 @@
       </p:sp>
       <p:sp>
         <p:nvSpPr>
-          <p:cNvPr id="117" name="Line 14"/>
+          <p:cNvPr id="120" name="Line 14"/>
           <p:cNvSpPr/>
           <p:nvPr/>
         </p:nvSpPr>
@@ -5343,14 +5615,14 @@
       </p:sp>
       <p:sp>
         <p:nvSpPr>
-          <p:cNvPr id="118" name="CustomShape 15"/>
+          <p:cNvPr id="121" name="CustomShape 15"/>
           <p:cNvSpPr/>
           <p:nvPr/>
         </p:nvSpPr>
         <p:spPr>
           <a:xfrm>
             <a:off x="2923920" y="2502360"/>
-            <a:ext cx="28080" cy="432000"/>
+            <a:ext cx="27720" cy="431640"/>
           </a:xfrm>
           <a:custGeom>
             <a:avLst/>
@@ -5391,14 +5663,14 @@
       </p:sp>
       <p:sp>
         <p:nvSpPr>
-          <p:cNvPr id="119" name="CustomShape 16"/>
+          <p:cNvPr id="122" name="CustomShape 16"/>
           <p:cNvSpPr/>
           <p:nvPr/>
         </p:nvSpPr>
         <p:spPr>
           <a:xfrm>
             <a:off x="2448000" y="246960"/>
-            <a:ext cx="952920" cy="761040"/>
+            <a:ext cx="952560" cy="760680"/>
           </a:xfrm>
           <a:prstGeom prst="rect">
             <a:avLst/>
@@ -5465,14 +5737,14 @@
       </p:sp>
       <p:sp>
         <p:nvSpPr>
-          <p:cNvPr id="120" name="CustomShape 17"/>
+          <p:cNvPr id="123" name="CustomShape 17"/>
           <p:cNvSpPr/>
           <p:nvPr/>
         </p:nvSpPr>
         <p:spPr>
           <a:xfrm flipV="1">
-            <a:off x="2808000" y="1008000"/>
-            <a:ext cx="131040" cy="432720"/>
+            <a:off x="2808000" y="1007280"/>
+            <a:ext cx="130680" cy="432360"/>
           </a:xfrm>
           <a:custGeom>
             <a:avLst/>
@@ -5513,14 +5785,14 @@
       </p:sp>
       <p:sp>
         <p:nvSpPr>
-          <p:cNvPr id="121" name="CustomShape 18"/>
+          <p:cNvPr id="124" name="CustomShape 18"/>
           <p:cNvSpPr/>
           <p:nvPr/>
         </p:nvSpPr>
         <p:spPr>
           <a:xfrm>
             <a:off x="3096000" y="1080000"/>
-            <a:ext cx="842400" cy="455040"/>
+            <a:ext cx="842040" cy="454680"/>
           </a:xfrm>
           <a:prstGeom prst="rect">
             <a:avLst/>
@@ -5539,14 +5811,14 @@
       </p:sp>
       <p:sp>
         <p:nvSpPr>
-          <p:cNvPr id="122" name="CustomShape 19"/>
+          <p:cNvPr id="125" name="CustomShape 19"/>
           <p:cNvSpPr/>
           <p:nvPr/>
         </p:nvSpPr>
         <p:spPr>
           <a:xfrm>
             <a:off x="3096000" y="1080000"/>
-            <a:ext cx="2016000" cy="250200"/>
+            <a:ext cx="2015640" cy="249840"/>
           </a:xfrm>
           <a:prstGeom prst="rect">
             <a:avLst/>
@@ -5620,14 +5892,14 @@
       </p:grpSpPr>
       <p:sp>
         <p:nvSpPr>
-          <p:cNvPr id="123" name="TextShape 1"/>
-          <p:cNvSpPr txBox="1"/>
+          <p:cNvPr id="126" name="CustomShape 1"/>
+          <p:cNvSpPr/>
           <p:nvPr/>
         </p:nvSpPr>
         <p:spPr>
           <a:xfrm>
             <a:off x="6912000" y="85680"/>
-            <a:ext cx="2808000" cy="602280"/>
+            <a:ext cx="2807640" cy="638280"/>
           </a:xfrm>
           <a:prstGeom prst="rect">
             <a:avLst/>
@@ -5637,11 +5909,22 @@
             <a:noFill/>
           </a:ln>
         </p:spPr>
+        <p:style>
+          <a:lnRef idx="0"/>
+          <a:fillRef idx="0"/>
+          <a:effectRef idx="0"/>
+          <a:fontRef idx="minor"/>
+        </p:style>
         <p:txBody>
           <a:bodyPr lIns="90000" rIns="90000" tIns="45000" bIns="45000">
             <a:spAutoFit/>
           </a:bodyPr>
           <a:p>
+            <a:pPr>
+              <a:lnSpc>
+                <a:spcPct val="100000"/>
+              </a:lnSpc>
+            </a:pPr>
             <a:r>
               <a:rPr b="0" lang="pt-BR" sz="1800" spc="-1" strike="noStrike">
                 <a:latin typeface="Arial"/>
@@ -5657,14 +5940,14 @@
       </p:sp>
       <p:sp>
         <p:nvSpPr>
-          <p:cNvPr id="124" name="CustomShape 2"/>
+          <p:cNvPr id="127" name="CustomShape 2"/>
           <p:cNvSpPr/>
           <p:nvPr/>
         </p:nvSpPr>
         <p:spPr>
           <a:xfrm>
             <a:off x="3096000" y="1080000"/>
-            <a:ext cx="842400" cy="455040"/>
+            <a:ext cx="842040" cy="454680"/>
           </a:xfrm>
           <a:prstGeom prst="rect">
             <a:avLst/>
@@ -5683,14 +5966,14 @@
       </p:sp>
       <p:sp>
         <p:nvSpPr>
-          <p:cNvPr id="125" name="CustomShape 3"/>
+          <p:cNvPr id="128" name="CustomShape 3"/>
           <p:cNvSpPr/>
           <p:nvPr/>
         </p:nvSpPr>
         <p:spPr>
           <a:xfrm>
             <a:off x="504360" y="1512000"/>
-            <a:ext cx="1727640" cy="1511640"/>
+            <a:ext cx="1727280" cy="1511280"/>
           </a:xfrm>
           <a:prstGeom prst="ellipse">
             <a:avLst/>
@@ -5743,14 +6026,14 @@
       </p:sp>
       <p:sp>
         <p:nvSpPr>
-          <p:cNvPr id="126" name="TextShape 4"/>
-          <p:cNvSpPr txBox="1"/>
+          <p:cNvPr id="129" name="CustomShape 4"/>
+          <p:cNvSpPr/>
           <p:nvPr/>
         </p:nvSpPr>
         <p:spPr>
           <a:xfrm>
             <a:off x="720000" y="3816000"/>
-            <a:ext cx="1296000" cy="576000"/>
+            <a:ext cx="1295640" cy="455400"/>
           </a:xfrm>
           <a:prstGeom prst="rect">
             <a:avLst/>
@@ -5760,11 +6043,22 @@
             <a:noFill/>
           </a:ln>
         </p:spPr>
+        <p:style>
+          <a:lnRef idx="0"/>
+          <a:fillRef idx="0"/>
+          <a:effectRef idx="0"/>
+          <a:fontRef idx="minor"/>
+        </p:style>
         <p:txBody>
           <a:bodyPr lIns="90000" rIns="90000" tIns="45000" bIns="45000">
             <a:spAutoFit/>
           </a:bodyPr>
           <a:p>
+            <a:pPr>
+              <a:lnSpc>
+                <a:spcPct val="100000"/>
+              </a:lnSpc>
+            </a:pPr>
             <a:r>
               <a:rPr b="0" lang="pt-BR" sz="1200" spc="-1" strike="noStrike">
                 <a:solidFill>
@@ -5783,7 +6077,7 @@
       </p:sp>
       <p:sp>
         <p:nvSpPr>
-          <p:cNvPr id="127" name="Line 5"/>
+          <p:cNvPr id="130" name="Line 5"/>
           <p:cNvSpPr/>
           <p:nvPr/>
         </p:nvSpPr>
@@ -5816,7 +6110,7 @@
       </p:sp>
       <p:sp>
         <p:nvSpPr>
-          <p:cNvPr id="128" name="Line 6"/>
+          <p:cNvPr id="131" name="Line 6"/>
           <p:cNvSpPr/>
           <p:nvPr/>
         </p:nvSpPr>
@@ -5849,14 +6143,14 @@
       </p:sp>
       <p:sp>
         <p:nvSpPr>
-          <p:cNvPr id="129" name="CustomShape 7"/>
+          <p:cNvPr id="132" name="CustomShape 7"/>
           <p:cNvSpPr/>
           <p:nvPr/>
         </p:nvSpPr>
         <p:spPr>
           <a:xfrm rot="21552600">
-            <a:off x="1368000" y="3023640"/>
-            <a:ext cx="7920" cy="720360"/>
+            <a:off x="1367640" y="3023280"/>
+            <a:ext cx="7560" cy="720000"/>
           </a:xfrm>
           <a:custGeom>
             <a:avLst/>
@@ -5897,14 +6191,14 @@
       </p:sp>
       <p:sp>
         <p:nvSpPr>
-          <p:cNvPr id="130" name="CustomShape 8"/>
+          <p:cNvPr id="133" name="CustomShape 8"/>
           <p:cNvSpPr/>
           <p:nvPr/>
         </p:nvSpPr>
         <p:spPr>
           <a:xfrm>
             <a:off x="2469960" y="1656000"/>
-            <a:ext cx="2066040" cy="1440000"/>
+            <a:ext cx="2065680" cy="1439640"/>
           </a:xfrm>
           <a:prstGeom prst="ellipse">
             <a:avLst/>
@@ -5957,7 +6251,7 @@
       </p:sp>
       <p:sp>
         <p:nvSpPr>
-          <p:cNvPr id="131" name="Line 9"/>
+          <p:cNvPr id="134" name="Line 9"/>
           <p:cNvSpPr/>
           <p:nvPr/>
         </p:nvSpPr>
@@ -5990,7 +6284,7 @@
       </p:sp>
       <p:sp>
         <p:nvSpPr>
-          <p:cNvPr id="132" name="Line 10"/>
+          <p:cNvPr id="135" name="Line 10"/>
           <p:cNvSpPr/>
           <p:nvPr/>
         </p:nvSpPr>
@@ -6023,14 +6317,14 @@
       </p:sp>
       <p:sp>
         <p:nvSpPr>
-          <p:cNvPr id="133" name="CustomShape 11"/>
+          <p:cNvPr id="136" name="CustomShape 11"/>
           <p:cNvSpPr/>
           <p:nvPr/>
         </p:nvSpPr>
         <p:spPr>
           <a:xfrm flipH="1">
-            <a:off x="1800000" y="2880000"/>
-            <a:ext cx="936000" cy="792000"/>
+            <a:off x="1799280" y="2880000"/>
+            <a:ext cx="935640" cy="791640"/>
           </a:xfrm>
           <a:custGeom>
             <a:avLst/>
@@ -6072,14 +6366,14 @@
       </p:sp>
       <p:sp>
         <p:nvSpPr>
-          <p:cNvPr id="134" name="CustomShape 12"/>
+          <p:cNvPr id="137" name="CustomShape 12"/>
           <p:cNvSpPr/>
           <p:nvPr/>
         </p:nvSpPr>
         <p:spPr>
           <a:xfrm>
             <a:off x="3456000" y="3096000"/>
-            <a:ext cx="360" cy="648000"/>
+            <a:ext cx="360" cy="647640"/>
           </a:xfrm>
           <a:custGeom>
             <a:avLst/>
@@ -6120,14 +6414,14 @@
       </p:sp>
       <p:sp>
         <p:nvSpPr>
-          <p:cNvPr id="135" name="CustomShape 13"/>
+          <p:cNvPr id="138" name="CustomShape 13"/>
           <p:cNvSpPr/>
           <p:nvPr/>
         </p:nvSpPr>
         <p:spPr>
           <a:xfrm flipH="1">
-            <a:off x="3966480" y="2952000"/>
-            <a:ext cx="1001520" cy="721440"/>
+            <a:off x="3965760" y="2952000"/>
+            <a:ext cx="1001160" cy="721080"/>
           </a:xfrm>
           <a:custGeom>
             <a:avLst/>
@@ -6169,14 +6463,14 @@
       </p:sp>
       <p:sp>
         <p:nvSpPr>
-          <p:cNvPr id="136" name="TextShape 14"/>
-          <p:cNvSpPr txBox="1"/>
+          <p:cNvPr id="139" name="CustomShape 14"/>
+          <p:cNvSpPr/>
           <p:nvPr/>
         </p:nvSpPr>
         <p:spPr>
           <a:xfrm>
             <a:off x="2520000" y="3744000"/>
-            <a:ext cx="1800000" cy="432000"/>
+            <a:ext cx="1799640" cy="454680"/>
           </a:xfrm>
           <a:prstGeom prst="rect">
             <a:avLst/>
@@ -6186,11 +6480,22 @@
             <a:noFill/>
           </a:ln>
         </p:spPr>
+        <p:style>
+          <a:lnRef idx="0"/>
+          <a:fillRef idx="0"/>
+          <a:effectRef idx="0"/>
+          <a:fontRef idx="minor"/>
+        </p:style>
         <p:txBody>
           <a:bodyPr lIns="90000" rIns="90000" tIns="45000" bIns="45000">
             <a:spAutoFit/>
           </a:bodyPr>
           <a:p>
+            <a:pPr>
+              <a:lnSpc>
+                <a:spcPct val="100000"/>
+              </a:lnSpc>
+            </a:pPr>
             <a:r>
               <a:rPr b="0" lang="pt-BR" sz="1200" spc="-1" strike="noStrike">
                 <a:solidFill>
@@ -6209,14 +6514,14 @@
       </p:sp>
       <p:sp>
         <p:nvSpPr>
-          <p:cNvPr id="137" name="CustomShape 15"/>
+          <p:cNvPr id="140" name="CustomShape 15"/>
           <p:cNvSpPr/>
           <p:nvPr/>
         </p:nvSpPr>
         <p:spPr>
           <a:xfrm>
             <a:off x="4680360" y="1656360"/>
-            <a:ext cx="1727640" cy="1511640"/>
+            <a:ext cx="1727280" cy="1511280"/>
           </a:xfrm>
           <a:prstGeom prst="ellipse">
             <a:avLst/>
@@ -6269,7 +6574,7 @@
       </p:sp>
       <p:sp>
         <p:nvSpPr>
-          <p:cNvPr id="138" name="Line 16"/>
+          <p:cNvPr id="141" name="Line 16"/>
           <p:cNvSpPr/>
           <p:nvPr/>
         </p:nvSpPr>
@@ -6302,7 +6607,7 @@
       </p:sp>
       <p:sp>
         <p:nvSpPr>
-          <p:cNvPr id="139" name="Line 17"/>
+          <p:cNvPr id="142" name="Line 17"/>
           <p:cNvSpPr/>
           <p:nvPr/>
         </p:nvSpPr>
@@ -6335,14 +6640,14 @@
       </p:sp>
       <p:sp>
         <p:nvSpPr>
-          <p:cNvPr id="140" name="TextShape 18"/>
-          <p:cNvSpPr txBox="1"/>
+          <p:cNvPr id="143" name="CustomShape 18"/>
+          <p:cNvSpPr/>
           <p:nvPr/>
         </p:nvSpPr>
         <p:spPr>
           <a:xfrm>
             <a:off x="4752000" y="3816000"/>
-            <a:ext cx="1584000" cy="431640"/>
+            <a:ext cx="1583640" cy="454680"/>
           </a:xfrm>
           <a:prstGeom prst="rect">
             <a:avLst/>
@@ -6352,11 +6657,22 @@
             <a:noFill/>
           </a:ln>
         </p:spPr>
+        <p:style>
+          <a:lnRef idx="0"/>
+          <a:fillRef idx="0"/>
+          <a:effectRef idx="0"/>
+          <a:fontRef idx="minor"/>
+        </p:style>
         <p:txBody>
           <a:bodyPr lIns="90000" rIns="90000" tIns="45000" bIns="45000">
             <a:spAutoFit/>
           </a:bodyPr>
           <a:p>
+            <a:pPr>
+              <a:lnSpc>
+                <a:spcPct val="100000"/>
+              </a:lnSpc>
+            </a:pPr>
             <a:r>
               <a:rPr b="0" lang="pt-BR" sz="1200" spc="-1" strike="noStrike">
                 <a:solidFill>
@@ -6375,14 +6691,14 @@
       </p:sp>
       <p:sp>
         <p:nvSpPr>
-          <p:cNvPr id="141" name="CustomShape 19"/>
+          <p:cNvPr id="144" name="CustomShape 19"/>
           <p:cNvSpPr/>
           <p:nvPr/>
         </p:nvSpPr>
         <p:spPr>
           <a:xfrm rot="21552600">
-            <a:off x="5544000" y="3168000"/>
-            <a:ext cx="7920" cy="504000"/>
+            <a:off x="5543640" y="3167640"/>
+            <a:ext cx="7560" cy="503640"/>
           </a:xfrm>
           <a:custGeom>
             <a:avLst/>
@@ -6423,14 +6739,14 @@
       </p:sp>
       <p:sp>
         <p:nvSpPr>
-          <p:cNvPr id="142" name="CustomShape 20"/>
+          <p:cNvPr id="145" name="CustomShape 20"/>
           <p:cNvSpPr/>
           <p:nvPr/>
         </p:nvSpPr>
         <p:spPr>
           <a:xfrm>
             <a:off x="6912000" y="2232000"/>
-            <a:ext cx="1727640" cy="1511640"/>
+            <a:ext cx="1727280" cy="1511280"/>
           </a:xfrm>
           <a:prstGeom prst="ellipse">
             <a:avLst/>
@@ -6483,14 +6799,14 @@
       </p:sp>
       <p:sp>
         <p:nvSpPr>
-          <p:cNvPr id="143" name="CustomShape 21"/>
+          <p:cNvPr id="146" name="CustomShape 21"/>
           <p:cNvSpPr/>
           <p:nvPr/>
         </p:nvSpPr>
         <p:spPr>
           <a:xfrm>
             <a:off x="7344000" y="864000"/>
-            <a:ext cx="952920" cy="761040"/>
+            <a:ext cx="952560" cy="760680"/>
           </a:xfrm>
           <a:prstGeom prst="rect">
             <a:avLst/>
@@ -6557,14 +6873,14 @@
       </p:sp>
       <p:sp>
         <p:nvSpPr>
-          <p:cNvPr id="144" name="CustomShape 22"/>
+          <p:cNvPr id="147" name="CustomShape 22"/>
           <p:cNvSpPr/>
           <p:nvPr/>
         </p:nvSpPr>
         <p:spPr>
           <a:xfrm flipH="1">
-            <a:off x="5910480" y="2952000"/>
-            <a:ext cx="1001520" cy="721440"/>
+            <a:off x="5909760" y="2952000"/>
+            <a:ext cx="1001160" cy="721080"/>
           </a:xfrm>
           <a:custGeom>
             <a:avLst/>
@@ -6606,14 +6922,14 @@
       </p:sp>
       <p:sp>
         <p:nvSpPr>
-          <p:cNvPr id="145" name="CustomShape 23"/>
+          <p:cNvPr id="148" name="CustomShape 23"/>
           <p:cNvSpPr/>
           <p:nvPr/>
         </p:nvSpPr>
         <p:spPr>
           <a:xfrm flipV="1">
-            <a:off x="7788960" y="1625040"/>
-            <a:ext cx="131040" cy="606960"/>
+            <a:off x="7788960" y="1624320"/>
+            <a:ext cx="130680" cy="606600"/>
           </a:xfrm>
           <a:custGeom>
             <a:avLst/>
@@ -6654,14 +6970,14 @@
       </p:sp>
       <p:sp>
         <p:nvSpPr>
-          <p:cNvPr id="146" name="CustomShape 24"/>
+          <p:cNvPr id="149" name="CustomShape 24"/>
           <p:cNvSpPr/>
           <p:nvPr/>
         </p:nvSpPr>
         <p:spPr>
           <a:xfrm>
             <a:off x="6984000" y="1754280"/>
-            <a:ext cx="842400" cy="333720"/>
+            <a:ext cx="842040" cy="333360"/>
           </a:xfrm>
           <a:prstGeom prst="rect">
             <a:avLst/>
@@ -6735,14 +7051,14 @@
       </p:grpSpPr>
       <p:sp>
         <p:nvSpPr>
-          <p:cNvPr id="147" name="TextShape 1"/>
-          <p:cNvSpPr txBox="1"/>
+          <p:cNvPr id="150" name="CustomShape 1"/>
+          <p:cNvSpPr/>
           <p:nvPr/>
         </p:nvSpPr>
         <p:spPr>
           <a:xfrm>
             <a:off x="6912000" y="85680"/>
-            <a:ext cx="2808000" cy="602280"/>
+            <a:ext cx="2807640" cy="638280"/>
           </a:xfrm>
           <a:prstGeom prst="rect">
             <a:avLst/>
@@ -6752,11 +7068,22 @@
             <a:noFill/>
           </a:ln>
         </p:spPr>
+        <p:style>
+          <a:lnRef idx="0"/>
+          <a:fillRef idx="0"/>
+          <a:effectRef idx="0"/>
+          <a:fontRef idx="minor"/>
+        </p:style>
         <p:txBody>
           <a:bodyPr lIns="90000" rIns="90000" tIns="45000" bIns="45000">
             <a:spAutoFit/>
           </a:bodyPr>
           <a:p>
+            <a:pPr>
+              <a:lnSpc>
+                <a:spcPct val="100000"/>
+              </a:lnSpc>
+            </a:pPr>
             <a:r>
               <a:rPr b="0" lang="pt-BR" sz="1800" spc="-1" strike="noStrike">
                 <a:latin typeface="Arial"/>
@@ -6771,14 +7098,14 @@
       </p:sp>
       <p:sp>
         <p:nvSpPr>
-          <p:cNvPr id="148" name="CustomShape 2"/>
+          <p:cNvPr id="151" name="CustomShape 2"/>
           <p:cNvSpPr/>
           <p:nvPr/>
         </p:nvSpPr>
         <p:spPr>
           <a:xfrm>
             <a:off x="471960" y="246600"/>
-            <a:ext cx="952920" cy="761040"/>
+            <a:ext cx="952560" cy="760680"/>
           </a:xfrm>
           <a:prstGeom prst="rect">
             <a:avLst/>
@@ -6845,14 +7172,14 @@
       </p:sp>
       <p:sp>
         <p:nvSpPr>
-          <p:cNvPr id="149" name="CustomShape 3"/>
+          <p:cNvPr id="152" name="CustomShape 3"/>
           <p:cNvSpPr/>
           <p:nvPr/>
         </p:nvSpPr>
         <p:spPr>
           <a:xfrm>
             <a:off x="964080" y="997200"/>
-            <a:ext cx="115920" cy="586800"/>
+            <a:ext cx="115560" cy="586440"/>
           </a:xfrm>
           <a:custGeom>
             <a:avLst/>
@@ -6893,14 +7220,14 @@
       </p:sp>
       <p:sp>
         <p:nvSpPr>
-          <p:cNvPr id="150" name="CustomShape 4"/>
+          <p:cNvPr id="153" name="CustomShape 4"/>
           <p:cNvSpPr/>
           <p:nvPr/>
         </p:nvSpPr>
         <p:spPr>
           <a:xfrm>
             <a:off x="2448000" y="246960"/>
-            <a:ext cx="952920" cy="761040"/>
+            <a:ext cx="952560" cy="760680"/>
           </a:xfrm>
           <a:prstGeom prst="rect">
             <a:avLst/>
@@ -6967,14 +7294,14 @@
       </p:sp>
       <p:sp>
         <p:nvSpPr>
-          <p:cNvPr id="151" name="CustomShape 5"/>
+          <p:cNvPr id="154" name="CustomShape 5"/>
           <p:cNvSpPr/>
           <p:nvPr/>
         </p:nvSpPr>
         <p:spPr>
           <a:xfrm flipV="1">
-            <a:off x="2808000" y="1008000"/>
-            <a:ext cx="131040" cy="576000"/>
+            <a:off x="2808000" y="1007280"/>
+            <a:ext cx="130680" cy="575640"/>
           </a:xfrm>
           <a:custGeom>
             <a:avLst/>
@@ -7015,14 +7342,14 @@
       </p:sp>
       <p:sp>
         <p:nvSpPr>
-          <p:cNvPr id="152" name="CustomShape 6"/>
+          <p:cNvPr id="155" name="CustomShape 6"/>
           <p:cNvSpPr/>
           <p:nvPr/>
         </p:nvSpPr>
         <p:spPr>
           <a:xfrm>
             <a:off x="3096000" y="1080000"/>
-            <a:ext cx="842400" cy="455040"/>
+            <a:ext cx="842040" cy="454680"/>
           </a:xfrm>
           <a:prstGeom prst="rect">
             <a:avLst/>
@@ -7041,14 +7368,14 @@
       </p:sp>
       <p:sp>
         <p:nvSpPr>
-          <p:cNvPr id="153" name="CustomShape 7"/>
+          <p:cNvPr id="156" name="CustomShape 7"/>
           <p:cNvSpPr/>
           <p:nvPr/>
         </p:nvSpPr>
         <p:spPr>
           <a:xfrm>
             <a:off x="144000" y="1080000"/>
-            <a:ext cx="842400" cy="333000"/>
+            <a:ext cx="842040" cy="333000"/>
           </a:xfrm>
           <a:prstGeom prst="rect">
             <a:avLst/>
@@ -7092,14 +7419,14 @@
       </p:sp>
       <p:sp>
         <p:nvSpPr>
-          <p:cNvPr id="154" name="CustomShape 8"/>
+          <p:cNvPr id="157" name="CustomShape 8"/>
           <p:cNvSpPr/>
           <p:nvPr/>
         </p:nvSpPr>
         <p:spPr>
           <a:xfrm>
             <a:off x="576360" y="1584000"/>
-            <a:ext cx="1151640" cy="1151640"/>
+            <a:ext cx="1151280" cy="1151280"/>
           </a:xfrm>
           <a:prstGeom prst="ellipse">
             <a:avLst/>
@@ -7152,14 +7479,14 @@
       </p:sp>
       <p:sp>
         <p:nvSpPr>
-          <p:cNvPr id="155" name="TextShape 9"/>
-          <p:cNvSpPr txBox="1"/>
+          <p:cNvPr id="158" name="CustomShape 9"/>
+          <p:cNvSpPr/>
           <p:nvPr/>
         </p:nvSpPr>
         <p:spPr>
           <a:xfrm>
             <a:off x="648000" y="3240000"/>
-            <a:ext cx="1296000" cy="576000"/>
+            <a:ext cx="1295640" cy="272880"/>
           </a:xfrm>
           <a:prstGeom prst="rect">
             <a:avLst/>
@@ -7169,11 +7496,22 @@
             <a:noFill/>
           </a:ln>
         </p:spPr>
+        <p:style>
+          <a:lnRef idx="0"/>
+          <a:fillRef idx="0"/>
+          <a:effectRef idx="0"/>
+          <a:fontRef idx="minor"/>
+        </p:style>
         <p:txBody>
           <a:bodyPr lIns="90000" rIns="90000" tIns="45000" bIns="45000">
             <a:spAutoFit/>
           </a:bodyPr>
           <a:p>
+            <a:pPr>
+              <a:lnSpc>
+                <a:spcPct val="100000"/>
+              </a:lnSpc>
+            </a:pPr>
             <a:r>
               <a:rPr b="0" lang="pt-BR" sz="1200" spc="-1" strike="noStrike">
                 <a:solidFill>
@@ -7192,7 +7530,7 @@
       </p:sp>
       <p:sp>
         <p:nvSpPr>
-          <p:cNvPr id="156" name="Line 10"/>
+          <p:cNvPr id="159" name="Line 10"/>
           <p:cNvSpPr/>
           <p:nvPr/>
         </p:nvSpPr>
@@ -7225,7 +7563,7 @@
       </p:sp>
       <p:sp>
         <p:nvSpPr>
-          <p:cNvPr id="157" name="Line 11"/>
+          <p:cNvPr id="160" name="Line 11"/>
           <p:cNvSpPr/>
           <p:nvPr/>
         </p:nvSpPr>
@@ -7258,14 +7596,14 @@
       </p:sp>
       <p:sp>
         <p:nvSpPr>
-          <p:cNvPr id="158" name="CustomShape 12"/>
+          <p:cNvPr id="161" name="CustomShape 12"/>
           <p:cNvSpPr/>
           <p:nvPr/>
         </p:nvSpPr>
         <p:spPr>
           <a:xfrm>
             <a:off x="1224000" y="2735640"/>
-            <a:ext cx="115920" cy="504360"/>
+            <a:ext cx="115560" cy="504000"/>
           </a:xfrm>
           <a:custGeom>
             <a:avLst/>
@@ -7306,14 +7644,14 @@
       </p:sp>
       <p:sp>
         <p:nvSpPr>
-          <p:cNvPr id="159" name="CustomShape 13"/>
+          <p:cNvPr id="162" name="CustomShape 13"/>
           <p:cNvSpPr/>
           <p:nvPr/>
         </p:nvSpPr>
         <p:spPr>
           <a:xfrm>
             <a:off x="2088360" y="1584000"/>
-            <a:ext cx="1295640" cy="1224000"/>
+            <a:ext cx="1295280" cy="1223640"/>
           </a:xfrm>
           <a:prstGeom prst="ellipse">
             <a:avLst/>
@@ -7366,14 +7704,14 @@
       </p:sp>
       <p:sp>
         <p:nvSpPr>
-          <p:cNvPr id="160" name="CustomShape 14"/>
+          <p:cNvPr id="163" name="CustomShape 14"/>
           <p:cNvSpPr/>
           <p:nvPr/>
         </p:nvSpPr>
         <p:spPr>
           <a:xfrm flipH="1">
-            <a:off x="1800000" y="2664000"/>
-            <a:ext cx="569520" cy="576000"/>
+            <a:off x="1799280" y="2664000"/>
+            <a:ext cx="569160" cy="575640"/>
           </a:xfrm>
           <a:custGeom>
             <a:avLst/>
@@ -7415,14 +7753,14 @@
       </p:sp>
       <p:sp>
         <p:nvSpPr>
-          <p:cNvPr id="161" name="CustomShape 15"/>
+          <p:cNvPr id="164" name="CustomShape 15"/>
           <p:cNvSpPr/>
           <p:nvPr/>
         </p:nvSpPr>
         <p:spPr>
           <a:xfrm>
             <a:off x="1872000" y="1107000"/>
-            <a:ext cx="842400" cy="333000"/>
+            <a:ext cx="842040" cy="333000"/>
           </a:xfrm>
           <a:prstGeom prst="rect">
             <a:avLst/>
@@ -7496,14 +7834,14 @@
       </p:grpSpPr>
       <p:sp>
         <p:nvSpPr>
-          <p:cNvPr id="162" name="CustomShape 1"/>
+          <p:cNvPr id="165" name="CustomShape 1"/>
           <p:cNvSpPr/>
           <p:nvPr/>
         </p:nvSpPr>
         <p:spPr>
           <a:xfrm>
             <a:off x="156240" y="91080"/>
-            <a:ext cx="842400" cy="581760"/>
+            <a:ext cx="842040" cy="581400"/>
           </a:xfrm>
           <a:prstGeom prst="rect">
             <a:avLst/>
@@ -7570,14 +7908,14 @@
       </p:sp>
       <p:sp>
         <p:nvSpPr>
-          <p:cNvPr id="163" name="CustomShape 2"/>
+          <p:cNvPr id="166" name="CustomShape 2"/>
           <p:cNvSpPr/>
           <p:nvPr/>
         </p:nvSpPr>
         <p:spPr>
           <a:xfrm>
             <a:off x="270720" y="1271520"/>
-            <a:ext cx="999000" cy="812520"/>
+            <a:ext cx="998640" cy="812160"/>
           </a:xfrm>
           <a:prstGeom prst="ellipse">
             <a:avLst/>
@@ -7626,14 +7964,14 @@
       </p:sp>
       <p:sp>
         <p:nvSpPr>
-          <p:cNvPr id="164" name="CustomShape 3"/>
+          <p:cNvPr id="167" name="CustomShape 3"/>
           <p:cNvSpPr/>
           <p:nvPr/>
         </p:nvSpPr>
         <p:spPr>
           <a:xfrm>
             <a:off x="577800" y="673920"/>
-            <a:ext cx="191880" cy="596880"/>
+            <a:ext cx="191520" cy="596520"/>
           </a:xfrm>
           <a:custGeom>
             <a:avLst/>
@@ -7674,14 +8012,14 @@
       </p:sp>
       <p:sp>
         <p:nvSpPr>
-          <p:cNvPr id="165" name="CustomShape 4"/>
+          <p:cNvPr id="168" name="CustomShape 4"/>
           <p:cNvSpPr/>
           <p:nvPr/>
         </p:nvSpPr>
         <p:spPr>
           <a:xfrm>
             <a:off x="-44640" y="864720"/>
-            <a:ext cx="1363680" cy="211680"/>
+            <a:ext cx="1363320" cy="211320"/>
           </a:xfrm>
           <a:prstGeom prst="rect">
             <a:avLst/>
@@ -7725,7 +8063,7 @@
       </p:sp>
       <p:sp>
         <p:nvSpPr>
-          <p:cNvPr id="166" name="Line 5"/>
+          <p:cNvPr id="169" name="Line 5"/>
           <p:cNvSpPr/>
           <p:nvPr/>
         </p:nvSpPr>
@@ -7758,7 +8096,7 @@
       </p:sp>
       <p:sp>
         <p:nvSpPr>
-          <p:cNvPr id="167" name="Line 6"/>
+          <p:cNvPr id="170" name="Line 6"/>
           <p:cNvSpPr/>
           <p:nvPr/>
         </p:nvSpPr>
@@ -7791,14 +8129,14 @@
       </p:sp>
       <p:sp>
         <p:nvSpPr>
-          <p:cNvPr id="168" name="CustomShape 7"/>
+          <p:cNvPr id="171" name="CustomShape 7"/>
           <p:cNvSpPr/>
           <p:nvPr/>
         </p:nvSpPr>
         <p:spPr>
           <a:xfrm>
             <a:off x="770760" y="2084760"/>
-            <a:ext cx="158760" cy="690840"/>
+            <a:ext cx="158400" cy="690480"/>
           </a:xfrm>
           <a:custGeom>
             <a:avLst/>
@@ -7839,14 +8177,14 @@
       </p:sp>
       <p:sp>
         <p:nvSpPr>
-          <p:cNvPr id="169" name="CustomShape 8"/>
+          <p:cNvPr id="172" name="CustomShape 8"/>
           <p:cNvSpPr/>
           <p:nvPr/>
         </p:nvSpPr>
         <p:spPr>
           <a:xfrm>
             <a:off x="325440" y="2939400"/>
-            <a:ext cx="1315800" cy="211680"/>
+            <a:ext cx="1315440" cy="211320"/>
           </a:xfrm>
           <a:prstGeom prst="rect">
             <a:avLst/>
@@ -7890,7 +8228,7 @@
       </p:sp>
       <p:sp>
         <p:nvSpPr>
-          <p:cNvPr id="170" name="Line 9"/>
+          <p:cNvPr id="173" name="Line 9"/>
           <p:cNvSpPr/>
           <p:nvPr/>
         </p:nvSpPr>
@@ -7923,14 +8261,14 @@
       </p:sp>
       <p:sp>
         <p:nvSpPr>
-          <p:cNvPr id="171" name="CustomShape 10"/>
+          <p:cNvPr id="174" name="CustomShape 10"/>
           <p:cNvSpPr/>
           <p:nvPr/>
         </p:nvSpPr>
         <p:spPr>
           <a:xfrm>
             <a:off x="2090520" y="2924280"/>
-            <a:ext cx="973800" cy="211680"/>
+            <a:ext cx="973440" cy="211320"/>
           </a:xfrm>
           <a:prstGeom prst="rect">
             <a:avLst/>
@@ -7974,14 +8312,14 @@
       </p:sp>
       <p:sp>
         <p:nvSpPr>
-          <p:cNvPr id="172" name="CustomShape 11"/>
+          <p:cNvPr id="175" name="CustomShape 11"/>
           <p:cNvSpPr/>
           <p:nvPr/>
         </p:nvSpPr>
         <p:spPr>
           <a:xfrm>
             <a:off x="3184200" y="177480"/>
-            <a:ext cx="842400" cy="581760"/>
+            <a:ext cx="842040" cy="581400"/>
           </a:xfrm>
           <a:prstGeom prst="rect">
             <a:avLst/>
@@ -8048,14 +8386,14 @@
       </p:sp>
       <p:sp>
         <p:nvSpPr>
-          <p:cNvPr id="173" name="CustomShape 12"/>
+          <p:cNvPr id="176" name="CustomShape 12"/>
           <p:cNvSpPr/>
           <p:nvPr/>
         </p:nvSpPr>
         <p:spPr>
           <a:xfrm>
             <a:off x="2892600" y="1319400"/>
-            <a:ext cx="874080" cy="764640"/>
+            <a:ext cx="873720" cy="764280"/>
           </a:xfrm>
           <a:prstGeom prst="ellipse">
             <a:avLst/>
@@ -8104,14 +8442,14 @@
       </p:sp>
       <p:sp>
         <p:nvSpPr>
-          <p:cNvPr id="174" name="CustomShape 13"/>
+          <p:cNvPr id="177" name="CustomShape 13"/>
           <p:cNvSpPr/>
           <p:nvPr/>
         </p:nvSpPr>
         <p:spPr>
           <a:xfrm flipV="1">
-            <a:off x="3330000" y="759240"/>
-            <a:ext cx="275040" cy="558720"/>
+            <a:off x="3330000" y="758520"/>
+            <a:ext cx="274680" cy="558360"/>
           </a:xfrm>
           <a:custGeom>
             <a:avLst/>
@@ -8152,7 +8490,7 @@
       </p:sp>
       <p:sp>
         <p:nvSpPr>
-          <p:cNvPr id="175" name="Line 14"/>
+          <p:cNvPr id="178" name="Line 14"/>
           <p:cNvSpPr/>
           <p:nvPr/>
         </p:nvSpPr>
@@ -8185,7 +8523,7 @@
       </p:sp>
       <p:sp>
         <p:nvSpPr>
-          <p:cNvPr id="176" name="Line 15"/>
+          <p:cNvPr id="179" name="Line 15"/>
           <p:cNvSpPr/>
           <p:nvPr/>
         </p:nvSpPr>
@@ -8218,14 +8556,14 @@
       </p:sp>
       <p:sp>
         <p:nvSpPr>
-          <p:cNvPr id="177" name="CustomShape 16"/>
+          <p:cNvPr id="180" name="CustomShape 16"/>
           <p:cNvSpPr/>
           <p:nvPr/>
         </p:nvSpPr>
         <p:spPr>
           <a:xfrm>
             <a:off x="4329360" y="2892960"/>
-            <a:ext cx="789120" cy="333360"/>
+            <a:ext cx="788760" cy="333000"/>
           </a:xfrm>
           <a:prstGeom prst="rect">
             <a:avLst/>
@@ -8269,14 +8607,14 @@
       </p:sp>
       <p:sp>
         <p:nvSpPr>
-          <p:cNvPr id="178" name="CustomShape 17"/>
+          <p:cNvPr id="181" name="CustomShape 17"/>
           <p:cNvSpPr/>
           <p:nvPr/>
         </p:nvSpPr>
         <p:spPr>
           <a:xfrm>
             <a:off x="4267080" y="4548960"/>
-            <a:ext cx="1078560" cy="685800"/>
+            <a:ext cx="1078200" cy="685440"/>
           </a:xfrm>
           <a:prstGeom prst="ellipse">
             <a:avLst/>
@@ -8325,14 +8663,14 @@
       </p:sp>
       <p:sp>
         <p:nvSpPr>
-          <p:cNvPr id="179" name="CustomShape 18"/>
+          <p:cNvPr id="182" name="CustomShape 18"/>
           <p:cNvSpPr/>
           <p:nvPr/>
         </p:nvSpPr>
         <p:spPr>
           <a:xfrm flipH="1" flipV="1">
-            <a:off x="4141800" y="3319560"/>
-            <a:ext cx="439920" cy="1270800"/>
+            <a:off x="4140720" y="3318840"/>
+            <a:ext cx="439560" cy="1270440"/>
           </a:xfrm>
           <a:custGeom>
             <a:avLst/>
@@ -8374,14 +8712,14 @@
       </p:sp>
       <p:sp>
         <p:nvSpPr>
-          <p:cNvPr id="180" name="CustomShape 19"/>
+          <p:cNvPr id="183" name="CustomShape 19"/>
           <p:cNvSpPr/>
           <p:nvPr/>
         </p:nvSpPr>
         <p:spPr>
           <a:xfrm>
             <a:off x="2676240" y="736920"/>
-            <a:ext cx="842400" cy="455040"/>
+            <a:ext cx="842040" cy="454680"/>
           </a:xfrm>
           <a:prstGeom prst="rect">
             <a:avLst/>
@@ -8425,14 +8763,14 @@
       </p:sp>
       <p:sp>
         <p:nvSpPr>
-          <p:cNvPr id="181" name="CustomShape 20"/>
+          <p:cNvPr id="184" name="CustomShape 20"/>
           <p:cNvSpPr/>
           <p:nvPr/>
         </p:nvSpPr>
         <p:spPr>
           <a:xfrm flipH="1">
-            <a:off x="1385640" y="1702080"/>
-            <a:ext cx="1505520" cy="1099080"/>
+            <a:off x="1384920" y="1702080"/>
+            <a:ext cx="1505160" cy="1098720"/>
           </a:xfrm>
           <a:custGeom>
             <a:avLst/>
@@ -8474,7 +8812,7 @@
       </p:sp>
       <p:sp>
         <p:nvSpPr>
-          <p:cNvPr id="182" name="Line 21"/>
+          <p:cNvPr id="185" name="Line 21"/>
           <p:cNvSpPr/>
           <p:nvPr/>
         </p:nvSpPr>
@@ -8507,14 +8845,14 @@
       </p:sp>
       <p:sp>
         <p:nvSpPr>
-          <p:cNvPr id="183" name="CustomShape 22"/>
+          <p:cNvPr id="186" name="CustomShape 22"/>
           <p:cNvSpPr/>
           <p:nvPr/>
         </p:nvSpPr>
         <p:spPr>
           <a:xfrm>
             <a:off x="3161520" y="2861280"/>
-            <a:ext cx="1203840" cy="333360"/>
+            <a:ext cx="1203480" cy="333000"/>
           </a:xfrm>
           <a:prstGeom prst="rect">
             <a:avLst/>
@@ -8558,14 +8896,14 @@
       </p:sp>
       <p:sp>
         <p:nvSpPr>
-          <p:cNvPr id="184" name="CustomShape 23"/>
+          <p:cNvPr id="187" name="CustomShape 23"/>
           <p:cNvSpPr/>
           <p:nvPr/>
         </p:nvSpPr>
         <p:spPr>
           <a:xfrm>
             <a:off x="3119760" y="3897720"/>
-            <a:ext cx="1078560" cy="685800"/>
+            <a:ext cx="1078200" cy="685440"/>
           </a:xfrm>
           <a:prstGeom prst="ellipse">
             <a:avLst/>
@@ -8614,14 +8952,14 @@
       </p:sp>
       <p:sp>
         <p:nvSpPr>
-          <p:cNvPr id="185" name="CustomShape 24"/>
+          <p:cNvPr id="188" name="CustomShape 24"/>
           <p:cNvSpPr/>
           <p:nvPr/>
         </p:nvSpPr>
         <p:spPr>
           <a:xfrm flipV="1">
             <a:off x="3659400" y="3304080"/>
-            <a:ext cx="107280" cy="592200"/>
+            <a:ext cx="106920" cy="591840"/>
           </a:xfrm>
           <a:custGeom>
             <a:avLst/>
@@ -8663,14 +9001,14 @@
       </p:sp>
       <p:sp>
         <p:nvSpPr>
-          <p:cNvPr id="186" name="CustomShape 25"/>
+          <p:cNvPr id="189" name="CustomShape 25"/>
           <p:cNvSpPr/>
           <p:nvPr/>
         </p:nvSpPr>
         <p:spPr>
           <a:xfrm flipH="1" flipV="1">
-            <a:off x="3329280" y="2084040"/>
-            <a:ext cx="391680" cy="716400"/>
+            <a:off x="3328560" y="2083320"/>
+            <a:ext cx="391320" cy="716040"/>
           </a:xfrm>
           <a:custGeom>
             <a:avLst/>
@@ -8712,14 +9050,14 @@
       </p:sp>
       <p:sp>
         <p:nvSpPr>
-          <p:cNvPr id="187" name="CustomShape 26"/>
+          <p:cNvPr id="190" name="CustomShape 26"/>
           <p:cNvSpPr/>
           <p:nvPr/>
         </p:nvSpPr>
         <p:spPr>
           <a:xfrm flipH="1" flipV="1">
-            <a:off x="2576160" y="3287880"/>
-            <a:ext cx="699480" cy="709200"/>
+            <a:off x="2575800" y="3287160"/>
+            <a:ext cx="699120" cy="708840"/>
           </a:xfrm>
           <a:custGeom>
             <a:avLst/>
@@ -8761,14 +9099,14 @@
       </p:sp>
       <p:sp>
         <p:nvSpPr>
-          <p:cNvPr id="188" name="CustomShape 27"/>
+          <p:cNvPr id="191" name="CustomShape 27"/>
           <p:cNvSpPr/>
           <p:nvPr/>
         </p:nvSpPr>
         <p:spPr>
           <a:xfrm flipV="1">
             <a:off x="3904920" y="3319200"/>
-            <a:ext cx="541440" cy="543240"/>
+            <a:ext cx="541080" cy="542880"/>
           </a:xfrm>
           <a:custGeom>
             <a:avLst/>
@@ -8810,7 +9148,7 @@
       </p:sp>
       <p:sp>
         <p:nvSpPr>
-          <p:cNvPr id="189" name="Line 28"/>
+          <p:cNvPr id="192" name="Line 28"/>
           <p:cNvSpPr/>
           <p:nvPr/>
         </p:nvSpPr>
@@ -8843,7 +9181,7 @@
       </p:sp>
       <p:sp>
         <p:nvSpPr>
-          <p:cNvPr id="190" name="Line 29"/>
+          <p:cNvPr id="193" name="Line 29"/>
           <p:cNvSpPr/>
           <p:nvPr/>
         </p:nvSpPr>
@@ -8876,14 +9214,14 @@
       </p:sp>
       <p:sp>
         <p:nvSpPr>
-          <p:cNvPr id="191" name="CustomShape 30"/>
+          <p:cNvPr id="194" name="CustomShape 30"/>
           <p:cNvSpPr/>
           <p:nvPr/>
         </p:nvSpPr>
         <p:spPr>
           <a:xfrm>
             <a:off x="5222520" y="2901240"/>
-            <a:ext cx="719280" cy="333360"/>
+            <a:ext cx="718920" cy="333000"/>
           </a:xfrm>
           <a:prstGeom prst="rect">
             <a:avLst/>
@@ -8927,14 +9265,14 @@
       </p:sp>
       <p:sp>
         <p:nvSpPr>
-          <p:cNvPr id="192" name="CustomShape 31"/>
+          <p:cNvPr id="195" name="CustomShape 31"/>
           <p:cNvSpPr/>
           <p:nvPr/>
         </p:nvSpPr>
         <p:spPr>
           <a:xfrm>
             <a:off x="4726800" y="3331080"/>
-            <a:ext cx="79200" cy="1217160"/>
+            <a:ext cx="78840" cy="1216800"/>
           </a:xfrm>
           <a:custGeom>
             <a:avLst/>
@@ -8975,14 +9313,14 @@
       </p:sp>
       <p:sp>
         <p:nvSpPr>
-          <p:cNvPr id="193" name="CustomShape 32"/>
+          <p:cNvPr id="196" name="CustomShape 32"/>
           <p:cNvSpPr/>
           <p:nvPr/>
         </p:nvSpPr>
         <p:spPr>
           <a:xfrm>
             <a:off x="5470560" y="4287600"/>
-            <a:ext cx="1078560" cy="685800"/>
+            <a:ext cx="1078200" cy="685440"/>
           </a:xfrm>
           <a:prstGeom prst="ellipse">
             <a:avLst/>
@@ -9031,14 +9369,14 @@
       </p:sp>
       <p:sp>
         <p:nvSpPr>
-          <p:cNvPr id="194" name="CustomShape 33"/>
+          <p:cNvPr id="197" name="CustomShape 33"/>
           <p:cNvSpPr/>
           <p:nvPr/>
         </p:nvSpPr>
         <p:spPr>
           <a:xfrm>
             <a:off x="4930920" y="3388320"/>
-            <a:ext cx="696960" cy="999000"/>
+            <a:ext cx="696600" cy="998640"/>
           </a:xfrm>
           <a:custGeom>
             <a:avLst/>
@@ -9080,7 +9418,7 @@
       </p:sp>
       <p:sp>
         <p:nvSpPr>
-          <p:cNvPr id="195" name="Line 34"/>
+          <p:cNvPr id="198" name="Line 34"/>
           <p:cNvSpPr/>
           <p:nvPr/>
         </p:nvSpPr>
@@ -9113,7 +9451,7 @@
       </p:sp>
       <p:sp>
         <p:nvSpPr>
-          <p:cNvPr id="196" name="Line 35"/>
+          <p:cNvPr id="199" name="Line 35"/>
           <p:cNvSpPr/>
           <p:nvPr/>
         </p:nvSpPr>
@@ -9146,14 +9484,14 @@
       </p:sp>
       <p:sp>
         <p:nvSpPr>
-          <p:cNvPr id="197" name="CustomShape 36"/>
+          <p:cNvPr id="200" name="CustomShape 36"/>
           <p:cNvSpPr/>
           <p:nvPr/>
         </p:nvSpPr>
         <p:spPr>
           <a:xfrm>
             <a:off x="6766920" y="4044960"/>
-            <a:ext cx="891360" cy="685800"/>
+            <a:ext cx="891000" cy="685440"/>
           </a:xfrm>
           <a:prstGeom prst="ellipse">
             <a:avLst/>
@@ -9202,14 +9540,14 @@
       </p:sp>
       <p:sp>
         <p:nvSpPr>
-          <p:cNvPr id="198" name="CustomShape 37"/>
+          <p:cNvPr id="201" name="CustomShape 37"/>
           <p:cNvSpPr/>
           <p:nvPr/>
         </p:nvSpPr>
         <p:spPr>
           <a:xfrm>
             <a:off x="7795440" y="4255560"/>
-            <a:ext cx="891360" cy="685800"/>
+            <a:ext cx="891000" cy="685440"/>
           </a:xfrm>
           <a:prstGeom prst="ellipse">
             <a:avLst/>
@@ -9258,14 +9596,14 @@
       </p:sp>
       <p:sp>
         <p:nvSpPr>
-          <p:cNvPr id="199" name="CustomShape 38"/>
+          <p:cNvPr id="202" name="CustomShape 38"/>
           <p:cNvSpPr/>
           <p:nvPr/>
         </p:nvSpPr>
         <p:spPr>
           <a:xfrm>
             <a:off x="5731560" y="3331080"/>
-            <a:ext cx="277560" cy="955800"/>
+            <a:ext cx="277200" cy="955440"/>
           </a:xfrm>
           <a:custGeom>
             <a:avLst/>
@@ -9307,7 +9645,7 @@
       </p:sp>
       <p:sp>
         <p:nvSpPr>
-          <p:cNvPr id="200" name="Line 39"/>
+          <p:cNvPr id="203" name="Line 39"/>
           <p:cNvSpPr/>
           <p:nvPr/>
         </p:nvSpPr>
@@ -9340,7 +9678,7 @@
       </p:sp>
       <p:sp>
         <p:nvSpPr>
-          <p:cNvPr id="201" name="Line 40"/>
+          <p:cNvPr id="204" name="Line 40"/>
           <p:cNvSpPr/>
           <p:nvPr/>
         </p:nvSpPr>
@@ -9373,14 +9711,14 @@
       </p:sp>
       <p:sp>
         <p:nvSpPr>
-          <p:cNvPr id="202" name="CustomShape 41"/>
+          <p:cNvPr id="205" name="CustomShape 41"/>
           <p:cNvSpPr/>
           <p:nvPr/>
         </p:nvSpPr>
         <p:spPr>
           <a:xfrm>
             <a:off x="5942160" y="2930760"/>
-            <a:ext cx="1030320" cy="333360"/>
+            <a:ext cx="1029960" cy="333000"/>
           </a:xfrm>
           <a:prstGeom prst="rect">
             <a:avLst/>
@@ -9424,7 +9762,7 @@
       </p:sp>
       <p:sp>
         <p:nvSpPr>
-          <p:cNvPr id="203" name="Line 42"/>
+          <p:cNvPr id="206" name="Line 42"/>
           <p:cNvSpPr/>
           <p:nvPr/>
         </p:nvSpPr>
@@ -9457,7 +9795,7 @@
       </p:sp>
       <p:sp>
         <p:nvSpPr>
-          <p:cNvPr id="204" name="Line 43"/>
+          <p:cNvPr id="207" name="Line 43"/>
           <p:cNvSpPr/>
           <p:nvPr/>
         </p:nvSpPr>
@@ -9490,14 +9828,14 @@
       </p:sp>
       <p:sp>
         <p:nvSpPr>
-          <p:cNvPr id="205" name="CustomShape 44"/>
+          <p:cNvPr id="208" name="CustomShape 44"/>
           <p:cNvSpPr/>
           <p:nvPr/>
         </p:nvSpPr>
         <p:spPr>
           <a:xfrm>
             <a:off x="7027920" y="2944800"/>
-            <a:ext cx="1030320" cy="333360"/>
+            <a:ext cx="1029960" cy="333000"/>
           </a:xfrm>
           <a:prstGeom prst="rect">
             <a:avLst/>
@@ -9541,14 +9879,14 @@
       </p:sp>
       <p:sp>
         <p:nvSpPr>
-          <p:cNvPr id="206" name="CustomShape 45"/>
+          <p:cNvPr id="209" name="CustomShape 45"/>
           <p:cNvSpPr/>
           <p:nvPr/>
         </p:nvSpPr>
         <p:spPr>
           <a:xfrm flipH="1">
             <a:off x="4848840" y="1698840"/>
-            <a:ext cx="1377000" cy="1094040"/>
+            <a:ext cx="1376640" cy="1093680"/>
           </a:xfrm>
           <a:custGeom>
             <a:avLst/>
@@ -9590,14 +9928,14 @@
       </p:sp>
       <p:sp>
         <p:nvSpPr>
-          <p:cNvPr id="207" name="CustomShape 46"/>
+          <p:cNvPr id="210" name="CustomShape 46"/>
           <p:cNvSpPr/>
           <p:nvPr/>
         </p:nvSpPr>
         <p:spPr>
           <a:xfrm>
             <a:off x="6607440" y="1779480"/>
-            <a:ext cx="360" cy="1049760"/>
+            <a:ext cx="360" cy="1049400"/>
           </a:xfrm>
           <a:custGeom>
             <a:avLst/>
@@ -9639,14 +9977,14 @@
       </p:sp>
       <p:sp>
         <p:nvSpPr>
-          <p:cNvPr id="208" name="CustomShape 47"/>
+          <p:cNvPr id="211" name="CustomShape 47"/>
           <p:cNvSpPr/>
           <p:nvPr/>
         </p:nvSpPr>
         <p:spPr>
           <a:xfrm>
             <a:off x="6998040" y="1677960"/>
-            <a:ext cx="483480" cy="1067760"/>
+            <a:ext cx="483120" cy="1067400"/>
           </a:xfrm>
           <a:custGeom>
             <a:avLst/>
@@ -9688,14 +10026,14 @@
       </p:sp>
       <p:sp>
         <p:nvSpPr>
-          <p:cNvPr id="209" name="CustomShape 48"/>
+          <p:cNvPr id="212" name="CustomShape 48"/>
           <p:cNvSpPr/>
           <p:nvPr/>
         </p:nvSpPr>
         <p:spPr>
           <a:xfrm>
             <a:off x="5871240" y="704520"/>
-            <a:ext cx="1385640" cy="979920"/>
+            <a:ext cx="1385280" cy="979560"/>
           </a:xfrm>
           <a:prstGeom prst="ellipse">
             <a:avLst/>
@@ -9744,7 +10082,7 @@
       </p:sp>
       <p:sp>
         <p:nvSpPr>
-          <p:cNvPr id="210" name="Line 49"/>
+          <p:cNvPr id="213" name="Line 49"/>
           <p:cNvSpPr/>
           <p:nvPr/>
         </p:nvSpPr>
@@ -9777,7 +10115,7 @@
       </p:sp>
       <p:sp>
         <p:nvSpPr>
-          <p:cNvPr id="211" name="Line 50"/>
+          <p:cNvPr id="214" name="Line 50"/>
           <p:cNvSpPr/>
           <p:nvPr/>
         </p:nvSpPr>
@@ -9810,14 +10148,14 @@
       </p:sp>
       <p:sp>
         <p:nvSpPr>
-          <p:cNvPr id="212" name="CustomShape 51"/>
+          <p:cNvPr id="215" name="CustomShape 51"/>
           <p:cNvSpPr/>
           <p:nvPr/>
         </p:nvSpPr>
         <p:spPr>
           <a:xfrm>
             <a:off x="8078760" y="2955600"/>
-            <a:ext cx="797040" cy="333360"/>
+            <a:ext cx="796680" cy="333000"/>
           </a:xfrm>
           <a:prstGeom prst="rect">
             <a:avLst/>
@@ -9861,14 +10199,14 @@
       </p:sp>
       <p:sp>
         <p:nvSpPr>
-          <p:cNvPr id="213" name="CustomShape 52"/>
+          <p:cNvPr id="216" name="CustomShape 52"/>
           <p:cNvSpPr/>
           <p:nvPr/>
         </p:nvSpPr>
         <p:spPr>
           <a:xfrm>
             <a:off x="5868000" y="3349080"/>
-            <a:ext cx="898200" cy="876240"/>
+            <a:ext cx="897840" cy="875880"/>
           </a:xfrm>
           <a:custGeom>
             <a:avLst/>
@@ -9910,14 +10248,14 @@
       </p:sp>
       <p:sp>
         <p:nvSpPr>
-          <p:cNvPr id="214" name="CustomShape 53"/>
+          <p:cNvPr id="217" name="CustomShape 53"/>
           <p:cNvSpPr/>
           <p:nvPr/>
         </p:nvSpPr>
         <p:spPr>
           <a:xfrm>
             <a:off x="6607440" y="3335760"/>
-            <a:ext cx="441000" cy="650160"/>
+            <a:ext cx="440640" cy="649800"/>
           </a:xfrm>
           <a:custGeom>
             <a:avLst/>
@@ -9959,14 +10297,14 @@
       </p:sp>
       <p:sp>
         <p:nvSpPr>
-          <p:cNvPr id="215" name="CustomShape 54"/>
+          <p:cNvPr id="218" name="CustomShape 54"/>
           <p:cNvSpPr/>
           <p:nvPr/>
         </p:nvSpPr>
         <p:spPr>
           <a:xfrm>
             <a:off x="7538040" y="3388320"/>
-            <a:ext cx="469800" cy="836640"/>
+            <a:ext cx="469440" cy="836280"/>
           </a:xfrm>
           <a:custGeom>
             <a:avLst/>
@@ -10008,14 +10346,14 @@
       </p:sp>
       <p:sp>
         <p:nvSpPr>
-          <p:cNvPr id="216" name="CustomShape 55"/>
+          <p:cNvPr id="219" name="CustomShape 55"/>
           <p:cNvSpPr/>
           <p:nvPr/>
         </p:nvSpPr>
         <p:spPr>
           <a:xfrm flipH="1">
             <a:off x="8317440" y="3388320"/>
-            <a:ext cx="111240" cy="836640"/>
+            <a:ext cx="110880" cy="836280"/>
           </a:xfrm>
           <a:custGeom>
             <a:avLst/>
@@ -10057,7 +10395,7 @@
       </p:sp>
       <p:sp>
         <p:nvSpPr>
-          <p:cNvPr id="217" name="Line 56"/>
+          <p:cNvPr id="220" name="Line 56"/>
           <p:cNvSpPr/>
           <p:nvPr/>
         </p:nvSpPr>
@@ -10090,7 +10428,7 @@
       </p:sp>
       <p:sp>
         <p:nvSpPr>
-          <p:cNvPr id="218" name="Line 57"/>
+          <p:cNvPr id="221" name="Line 57"/>
           <p:cNvSpPr/>
           <p:nvPr/>
         </p:nvSpPr>
@@ -10123,14 +10461,14 @@
       </p:sp>
       <p:sp>
         <p:nvSpPr>
-          <p:cNvPr id="219" name="CustomShape 58"/>
+          <p:cNvPr id="222" name="CustomShape 58"/>
           <p:cNvSpPr/>
           <p:nvPr/>
         </p:nvSpPr>
         <p:spPr>
           <a:xfrm>
             <a:off x="8957520" y="2930760"/>
-            <a:ext cx="797040" cy="333360"/>
+            <a:ext cx="796680" cy="333000"/>
           </a:xfrm>
           <a:prstGeom prst="rect">
             <a:avLst/>
@@ -10174,14 +10512,14 @@
       </p:sp>
       <p:sp>
         <p:nvSpPr>
-          <p:cNvPr id="220" name="CustomShape 59"/>
+          <p:cNvPr id="223" name="CustomShape 59"/>
           <p:cNvSpPr/>
           <p:nvPr/>
         </p:nvSpPr>
         <p:spPr>
           <a:xfrm>
             <a:off x="8199720" y="1062000"/>
-            <a:ext cx="1128600" cy="979920"/>
+            <a:ext cx="1128240" cy="979560"/>
           </a:xfrm>
           <a:prstGeom prst="ellipse">
             <a:avLst/>
@@ -10230,14 +10568,14 @@
       </p:sp>
       <p:sp>
         <p:nvSpPr>
-          <p:cNvPr id="221" name="CustomShape 60"/>
+          <p:cNvPr id="224" name="CustomShape 60"/>
           <p:cNvSpPr/>
           <p:nvPr/>
         </p:nvSpPr>
         <p:spPr>
           <a:xfrm flipV="1">
-            <a:off x="7733880" y="1897560"/>
-            <a:ext cx="630360" cy="815040"/>
+            <a:off x="7733880" y="1896480"/>
+            <a:ext cx="630000" cy="814680"/>
           </a:xfrm>
           <a:custGeom>
             <a:avLst/>
@@ -10279,14 +10617,14 @@
       </p:sp>
       <p:sp>
         <p:nvSpPr>
-          <p:cNvPr id="222" name="CustomShape 61"/>
+          <p:cNvPr id="225" name="CustomShape 61"/>
           <p:cNvSpPr/>
           <p:nvPr/>
         </p:nvSpPr>
         <p:spPr>
           <a:xfrm flipV="1">
-            <a:off x="8609040" y="2041920"/>
-            <a:ext cx="154800" cy="786240"/>
+            <a:off x="8609040" y="2041200"/>
+            <a:ext cx="154440" cy="785880"/>
           </a:xfrm>
           <a:custGeom>
             <a:avLst/>
@@ -10328,14 +10666,14 @@
       </p:sp>
       <p:sp>
         <p:nvSpPr>
-          <p:cNvPr id="223" name="CustomShape 62"/>
+          <p:cNvPr id="226" name="CustomShape 62"/>
           <p:cNvSpPr/>
           <p:nvPr/>
         </p:nvSpPr>
         <p:spPr>
           <a:xfrm flipH="1" flipV="1">
             <a:off x="9163080" y="1898280"/>
-            <a:ext cx="191880" cy="950760"/>
+            <a:ext cx="191520" cy="950400"/>
           </a:xfrm>
           <a:custGeom>
             <a:avLst/>
@@ -10377,14 +10715,14 @@
       </p:sp>
       <p:sp>
         <p:nvSpPr>
-          <p:cNvPr id="224" name="CustomShape 63"/>
+          <p:cNvPr id="227" name="CustomShape 63"/>
           <p:cNvSpPr/>
           <p:nvPr/>
         </p:nvSpPr>
         <p:spPr>
           <a:xfrm>
             <a:off x="5852520" y="89280"/>
-            <a:ext cx="3371040" cy="364320"/>
+            <a:ext cx="3371040" cy="363960"/>
           </a:xfrm>
           <a:prstGeom prst="rect">
             <a:avLst/>

--- a/Artefatos/16-DFD Essencial para cada capacidade.pptx
+++ b/Artefatos/16-DFD Essencial para cada capacidade.pptx
@@ -11,6 +11,7 @@
     <p:sldId id="259" r:id="rId6"/>
     <p:sldId id="260" r:id="rId7"/>
     <p:sldId id="261" r:id="rId8"/>
+    <p:sldId id="262" r:id="rId9"/>
   </p:sldIdLst>
   <p:sldSz cx="10080625" cy="5670550"/>
   <p:notesSz cx="7559675" cy="10691812"/>
@@ -69,7 +70,7 @@
         <p:spPr>
           <a:xfrm>
             <a:off x="692640" y="375480"/>
-            <a:ext cx="8691480" cy="946800"/>
+            <a:ext cx="8691120" cy="946800"/>
           </a:xfrm>
           <a:prstGeom prst="rect">
             <a:avLst/>
@@ -182,7 +183,7 @@
         <p:spPr>
           <a:xfrm>
             <a:off x="692640" y="375480"/>
-            <a:ext cx="8691480" cy="946800"/>
+            <a:ext cx="8691120" cy="946800"/>
           </a:xfrm>
           <a:prstGeom prst="rect">
             <a:avLst/>
@@ -355,7 +356,7 @@
         <p:spPr>
           <a:xfrm>
             <a:off x="692640" y="375480"/>
-            <a:ext cx="8691480" cy="946800"/>
+            <a:ext cx="8691120" cy="946800"/>
           </a:xfrm>
           <a:prstGeom prst="rect">
             <a:avLst/>
@@ -588,7 +589,7 @@
         <p:spPr>
           <a:xfrm>
             <a:off x="692640" y="375480"/>
-            <a:ext cx="8691480" cy="946800"/>
+            <a:ext cx="8691120" cy="946800"/>
           </a:xfrm>
           <a:prstGeom prst="rect">
             <a:avLst/>
@@ -672,7 +673,7 @@
         <p:spPr>
           <a:xfrm>
             <a:off x="692640" y="375480"/>
-            <a:ext cx="8691480" cy="946800"/>
+            <a:ext cx="8691120" cy="946800"/>
           </a:xfrm>
           <a:prstGeom prst="rect">
             <a:avLst/>
@@ -755,7 +756,7 @@
         <p:spPr>
           <a:xfrm>
             <a:off x="692640" y="375480"/>
-            <a:ext cx="8691480" cy="946800"/>
+            <a:ext cx="8691120" cy="946800"/>
           </a:xfrm>
           <a:prstGeom prst="rect">
             <a:avLst/>
@@ -868,7 +869,7 @@
         <p:spPr>
           <a:xfrm>
             <a:off x="692640" y="375480"/>
-            <a:ext cx="8691480" cy="946800"/>
+            <a:ext cx="8691120" cy="946800"/>
           </a:xfrm>
           <a:prstGeom prst="rect">
             <a:avLst/>
@@ -921,7 +922,7 @@
         <p:spPr>
           <a:xfrm>
             <a:off x="692640" y="375480"/>
-            <a:ext cx="8691480" cy="4390200"/>
+            <a:ext cx="8691120" cy="4390200"/>
           </a:xfrm>
           <a:prstGeom prst="rect">
             <a:avLst/>
@@ -974,7 +975,7 @@
         <p:spPr>
           <a:xfrm>
             <a:off x="692640" y="375480"/>
-            <a:ext cx="8691480" cy="946800"/>
+            <a:ext cx="8691120" cy="946800"/>
           </a:xfrm>
           <a:prstGeom prst="rect">
             <a:avLst/>
@@ -1117,7 +1118,7 @@
         <p:spPr>
           <a:xfrm>
             <a:off x="692640" y="375480"/>
-            <a:ext cx="8691480" cy="946800"/>
+            <a:ext cx="8691120" cy="946800"/>
           </a:xfrm>
           <a:prstGeom prst="rect">
             <a:avLst/>
@@ -1260,7 +1261,7 @@
         <p:spPr>
           <a:xfrm>
             <a:off x="692640" y="375480"/>
-            <a:ext cx="8691480" cy="946800"/>
+            <a:ext cx="8691120" cy="946800"/>
           </a:xfrm>
           <a:prstGeom prst="rect">
             <a:avLst/>
@@ -1410,7 +1411,7 @@
         <p:spPr>
           <a:xfrm>
             <a:off x="692640" y="375480"/>
-            <a:ext cx="8691480" cy="946800"/>
+            <a:ext cx="8691120" cy="946800"/>
           </a:xfrm>
           <a:prstGeom prst="rect">
             <a:avLst/>
@@ -1658,7 +1659,7 @@
         <p:spPr>
           <a:xfrm>
             <a:off x="471960" y="226440"/>
-            <a:ext cx="952560" cy="760680"/>
+            <a:ext cx="952200" cy="760320"/>
           </a:xfrm>
           <a:prstGeom prst="rect">
             <a:avLst/>
@@ -1732,7 +1733,7 @@
         <p:spPr>
           <a:xfrm>
             <a:off x="557640" y="1729440"/>
-            <a:ext cx="1129680" cy="1062000"/>
+            <a:ext cx="1129320" cy="1061640"/>
           </a:xfrm>
           <a:prstGeom prst="ellipse">
             <a:avLst/>
@@ -1768,7 +1769,7 @@
               </a:lnSpc>
             </a:pPr>
             <a:r>
-              <a:rPr b="0" lang="pt-BR" sz="800" spc="-1" strike="noStrike">
+              <a:rPr b="0" lang="pt-BR" sz="1050" spc="-1" strike="noStrike">
                 <a:solidFill>
                   <a:srgbClr val="ffffff"/>
                 </a:solidFill>
@@ -1777,7 +1778,7 @@
               </a:rPr>
               <a:t>Receber solicitação de produção</a:t>
             </a:r>
-            <a:endParaRPr b="0" lang="pt-BR" sz="800" spc="-1" strike="noStrike">
+            <a:endParaRPr b="0" lang="pt-BR" sz="1050" spc="-1" strike="noStrike">
               <a:latin typeface="Arial"/>
             </a:endParaRPr>
           </a:p>
@@ -1792,7 +1793,7 @@
         <p:spPr>
           <a:xfrm>
             <a:off x="948960" y="988200"/>
-            <a:ext cx="173520" cy="740160"/>
+            <a:ext cx="173160" cy="739800"/>
           </a:xfrm>
           <a:custGeom>
             <a:avLst/>
@@ -1840,7 +1841,7 @@
         <p:spPr>
           <a:xfrm>
             <a:off x="-67680" y="1195920"/>
-            <a:ext cx="1363320" cy="394200"/>
+            <a:ext cx="1362960" cy="394200"/>
           </a:xfrm>
           <a:prstGeom prst="rect">
             <a:avLst/>
@@ -1924,7 +1925,7 @@
         <p:spPr>
           <a:xfrm>
             <a:off x="1123200" y="2792520"/>
-            <a:ext cx="360" cy="662400"/>
+            <a:ext cx="360" cy="662040"/>
           </a:xfrm>
           <a:custGeom>
             <a:avLst/>
@@ -1972,7 +1973,7 @@
         <p:spPr>
           <a:xfrm>
             <a:off x="324360" y="3565080"/>
-            <a:ext cx="1672920" cy="454680"/>
+            <a:ext cx="1672560" cy="454680"/>
           </a:xfrm>
           <a:prstGeom prst="rect">
             <a:avLst/>
@@ -2043,7 +2044,7 @@
         <p:spPr>
           <a:xfrm>
             <a:off x="6912000" y="85680"/>
-            <a:ext cx="2807640" cy="638280"/>
+            <a:ext cx="2807280" cy="638280"/>
           </a:xfrm>
           <a:prstGeom prst="rect">
             <a:avLst/>
@@ -2071,7 +2072,11 @@
             </a:pPr>
             <a:r>
               <a:rPr b="0" lang="pt-BR" sz="1800" spc="-1" strike="noStrike">
+                <a:solidFill>
+                  <a:srgbClr val="000000"/>
+                </a:solidFill>
                 <a:latin typeface="Arial"/>
+                <a:ea typeface="DejaVu Sans"/>
               </a:rPr>
               <a:t>Capacidade:Planejar Produção</a:t>
             </a:r>
@@ -2123,7 +2128,7 @@
         <p:spPr>
           <a:xfrm>
             <a:off x="2541960" y="1656000"/>
-            <a:ext cx="1129680" cy="1079640"/>
+            <a:ext cx="1129320" cy="1079280"/>
           </a:xfrm>
           <a:prstGeom prst="ellipse">
             <a:avLst/>
@@ -2159,7 +2164,7 @@
               </a:lnSpc>
             </a:pPr>
             <a:r>
-              <a:rPr b="0" lang="pt-BR" sz="800" spc="-1" strike="noStrike">
+              <a:rPr b="0" lang="pt-BR" sz="1000" spc="-1" strike="noStrike">
                 <a:solidFill>
                   <a:srgbClr val="ffffff"/>
                 </a:solidFill>
@@ -2168,7 +2173,7 @@
               </a:rPr>
               <a:t>Analisar Solictiação de produção</a:t>
             </a:r>
-            <a:endParaRPr b="0" lang="pt-BR" sz="800" spc="-1" strike="noStrike">
+            <a:endParaRPr b="0" lang="pt-BR" sz="1000" spc="-1" strike="noStrike">
               <a:latin typeface="Arial"/>
             </a:endParaRPr>
           </a:p>
@@ -2183,7 +2188,7 @@
         <p:spPr>
           <a:xfrm flipH="1">
             <a:off x="1589760" y="2592000"/>
-            <a:ext cx="1145160" cy="847440"/>
+            <a:ext cx="1144800" cy="847080"/>
           </a:xfrm>
           <a:custGeom>
             <a:avLst/>
@@ -2232,7 +2237,7 @@
         <p:spPr>
           <a:xfrm>
             <a:off x="2088000" y="1056960"/>
-            <a:ext cx="842040" cy="454680"/>
+            <a:ext cx="841680" cy="454680"/>
           </a:xfrm>
           <a:prstGeom prst="rect">
             <a:avLst/>
@@ -2283,7 +2288,7 @@
         <p:spPr>
           <a:xfrm>
             <a:off x="2808000" y="360000"/>
-            <a:ext cx="842040" cy="791640"/>
+            <a:ext cx="841680" cy="791280"/>
           </a:xfrm>
           <a:prstGeom prst="rect">
             <a:avLst/>
@@ -2357,7 +2362,7 @@
         <p:spPr>
           <a:xfrm flipV="1">
             <a:off x="3108960" y="1151280"/>
-            <a:ext cx="130680" cy="503640"/>
+            <a:ext cx="130320" cy="503280"/>
           </a:xfrm>
           <a:custGeom>
             <a:avLst/>
@@ -2471,7 +2476,7 @@
         <p:spPr>
           <a:xfrm>
             <a:off x="2160000" y="3576960"/>
-            <a:ext cx="1672920" cy="272520"/>
+            <a:ext cx="1672560" cy="272160"/>
           </a:xfrm>
           <a:prstGeom prst="rect">
             <a:avLst/>
@@ -2521,8 +2526,8 @@
         </p:nvSpPr>
         <p:spPr>
           <a:xfrm flipH="1" flipV="1">
-            <a:off x="3022560" y="2735280"/>
-            <a:ext cx="360" cy="791640"/>
+            <a:off x="3021840" y="2735280"/>
+            <a:ext cx="360" cy="791280"/>
           </a:xfrm>
           <a:custGeom>
             <a:avLst/>
@@ -2637,7 +2642,7 @@
         <p:spPr>
           <a:xfrm>
             <a:off x="3833280" y="3600000"/>
-            <a:ext cx="1275480" cy="394200"/>
+            <a:ext cx="1275120" cy="394200"/>
           </a:xfrm>
           <a:prstGeom prst="rect">
             <a:avLst/>
@@ -2688,7 +2693,7 @@
         <p:spPr>
           <a:xfrm flipH="1" flipV="1">
             <a:off x="3527280" y="2519280"/>
-            <a:ext cx="935640" cy="935640"/>
+            <a:ext cx="935280" cy="935280"/>
           </a:xfrm>
           <a:custGeom>
             <a:avLst/>
@@ -2737,7 +2742,7 @@
         <p:spPr>
           <a:xfrm>
             <a:off x="5112000" y="1800000"/>
-            <a:ext cx="1129680" cy="1079640"/>
+            <a:ext cx="1129320" cy="1079280"/>
           </a:xfrm>
           <a:prstGeom prst="ellipse">
             <a:avLst/>
@@ -2773,7 +2778,7 @@
               </a:lnSpc>
             </a:pPr>
             <a:r>
-              <a:rPr b="0" lang="pt-BR" sz="800" spc="-1" strike="noStrike">
+              <a:rPr b="0" lang="pt-BR" sz="1100" spc="-1" strike="noStrike">
                 <a:solidFill>
                   <a:srgbClr val="ffffff"/>
                 </a:solidFill>
@@ -2782,7 +2787,7 @@
               </a:rPr>
               <a:t>Emitir Ordem  de produção</a:t>
             </a:r>
-            <a:endParaRPr b="0" lang="pt-BR" sz="800" spc="-1" strike="noStrike">
+            <a:endParaRPr b="0" lang="pt-BR" sz="1100" spc="-1" strike="noStrike">
               <a:latin typeface="Arial"/>
             </a:endParaRPr>
           </a:p>
@@ -2796,8 +2801,8 @@
         </p:nvSpPr>
         <p:spPr>
           <a:xfrm flipV="1">
-            <a:off x="4536000" y="2662560"/>
-            <a:ext cx="719640" cy="863640"/>
+            <a:off x="4536000" y="2662200"/>
+            <a:ext cx="719280" cy="863280"/>
           </a:xfrm>
           <a:custGeom>
             <a:avLst/>
@@ -2945,7 +2950,7 @@
         <p:spPr>
           <a:xfrm>
             <a:off x="5184000" y="3600000"/>
-            <a:ext cx="1275480" cy="394200"/>
+            <a:ext cx="1275120" cy="394200"/>
           </a:xfrm>
           <a:prstGeom prst="rect">
             <a:avLst/>
@@ -2995,8 +3000,8 @@
         </p:nvSpPr>
         <p:spPr>
           <a:xfrm flipH="1" flipV="1">
-            <a:off x="5759640" y="2879280"/>
-            <a:ext cx="93600" cy="575640"/>
+            <a:off x="5758920" y="2879280"/>
+            <a:ext cx="93240" cy="575280"/>
           </a:xfrm>
           <a:custGeom>
             <a:avLst/>
@@ -3045,7 +3050,7 @@
         <p:spPr>
           <a:xfrm>
             <a:off x="5277960" y="432000"/>
-            <a:ext cx="842040" cy="791640"/>
+            <a:ext cx="841680" cy="791280"/>
           </a:xfrm>
           <a:prstGeom prst="rect">
             <a:avLst/>
@@ -3102,7 +3107,7 @@
                 <a:latin typeface="Arial"/>
                 <a:ea typeface="DejaVu Sans"/>
               </a:rPr>
-              <a:t>Gerencia</a:t>
+              <a:t>Linha de produção</a:t>
             </a:r>
             <a:endParaRPr b="0" lang="pt-BR" sz="1050" spc="-1" strike="noStrike">
               <a:latin typeface="Arial"/>
@@ -3119,7 +3124,7 @@
         <p:spPr>
           <a:xfrm flipV="1">
             <a:off x="5687640" y="1224000"/>
-            <a:ext cx="360" cy="575640"/>
+            <a:ext cx="360" cy="575280"/>
           </a:xfrm>
           <a:custGeom>
             <a:avLst/>
@@ -3167,7 +3172,7 @@
         <p:spPr>
           <a:xfrm>
             <a:off x="4824000" y="1322280"/>
-            <a:ext cx="842040" cy="333720"/>
+            <a:ext cx="841680" cy="333360"/>
           </a:xfrm>
           <a:prstGeom prst="rect">
             <a:avLst/>
@@ -3248,7 +3253,7 @@
         <p:spPr>
           <a:xfrm>
             <a:off x="6912000" y="85680"/>
-            <a:ext cx="2807640" cy="638280"/>
+            <a:ext cx="2807280" cy="638280"/>
           </a:xfrm>
           <a:prstGeom prst="rect">
             <a:avLst/>
@@ -3276,7 +3281,11 @@
             </a:pPr>
             <a:r>
               <a:rPr b="0" lang="pt-BR" sz="1800" spc="-1" strike="noStrike">
+                <a:solidFill>
+                  <a:srgbClr val="000000"/>
+                </a:solidFill>
                 <a:latin typeface="Arial"/>
+                <a:ea typeface="DejaVu Sans"/>
               </a:rPr>
               <a:t>Capacidade:Produzir subcomponente</a:t>
             </a:r>
@@ -3295,7 +3304,7 @@
         <p:spPr>
           <a:xfrm>
             <a:off x="471960" y="236520"/>
-            <a:ext cx="952560" cy="760680"/>
+            <a:ext cx="952200" cy="760320"/>
           </a:xfrm>
           <a:prstGeom prst="rect">
             <a:avLst/>
@@ -3369,7 +3378,7 @@
         <p:spPr>
           <a:xfrm>
             <a:off x="956520" y="997560"/>
-            <a:ext cx="173520" cy="740160"/>
+            <a:ext cx="173160" cy="739800"/>
           </a:xfrm>
           <a:custGeom>
             <a:avLst/>
@@ -3417,7 +3426,7 @@
         <p:spPr>
           <a:xfrm>
             <a:off x="76320" y="1109880"/>
-            <a:ext cx="787320" cy="394560"/>
+            <a:ext cx="786960" cy="394200"/>
           </a:xfrm>
           <a:prstGeom prst="rect">
             <a:avLst/>
@@ -3468,7 +3477,7 @@
         <p:spPr>
           <a:xfrm>
             <a:off x="576000" y="1745640"/>
-            <a:ext cx="1129680" cy="1062000"/>
+            <a:ext cx="1129320" cy="1061640"/>
           </a:xfrm>
           <a:prstGeom prst="ellipse">
             <a:avLst/>
@@ -3561,7 +3570,7 @@
         <p:spPr>
           <a:xfrm>
             <a:off x="324360" y="3565080"/>
-            <a:ext cx="1672920" cy="272520"/>
+            <a:ext cx="1672560" cy="272160"/>
           </a:xfrm>
           <a:prstGeom prst="rect">
             <a:avLst/>
@@ -3645,7 +3654,7 @@
         <p:spPr>
           <a:xfrm>
             <a:off x="1123560" y="2880000"/>
-            <a:ext cx="360" cy="574560"/>
+            <a:ext cx="360" cy="574200"/>
           </a:xfrm>
           <a:custGeom>
             <a:avLst/>
@@ -3693,7 +3702,7 @@
         <p:spPr>
           <a:xfrm>
             <a:off x="2088000" y="1800000"/>
-            <a:ext cx="1129680" cy="1062000"/>
+            <a:ext cx="1129320" cy="1061640"/>
           </a:xfrm>
           <a:prstGeom prst="ellipse">
             <a:avLst/>
@@ -3753,7 +3762,7 @@
         <p:spPr>
           <a:xfrm flipH="1">
             <a:off x="1589760" y="2808000"/>
-            <a:ext cx="713160" cy="631440"/>
+            <a:ext cx="712800" cy="631080"/>
           </a:xfrm>
           <a:custGeom>
             <a:avLst/>
@@ -3868,7 +3877,7 @@
         <p:spPr>
           <a:xfrm>
             <a:off x="1872000" y="3565080"/>
-            <a:ext cx="1672920" cy="272520"/>
+            <a:ext cx="1672560" cy="272160"/>
           </a:xfrm>
           <a:prstGeom prst="rect">
             <a:avLst/>
@@ -3894,7 +3903,7 @@
         <p:spPr>
           <a:xfrm>
             <a:off x="1926720" y="3565080"/>
-            <a:ext cx="1672920" cy="272520"/>
+            <a:ext cx="1672560" cy="272160"/>
           </a:xfrm>
           <a:prstGeom prst="rect">
             <a:avLst/>
@@ -3920,7 +3929,7 @@
         <p:spPr>
           <a:xfrm>
             <a:off x="2079720" y="3528360"/>
-            <a:ext cx="1231920" cy="454680"/>
+            <a:ext cx="1231560" cy="454680"/>
           </a:xfrm>
           <a:prstGeom prst="rect">
             <a:avLst/>
@@ -3971,7 +3980,7 @@
         <p:spPr>
           <a:xfrm flipH="1">
             <a:off x="2525760" y="2862360"/>
-            <a:ext cx="137160" cy="577080"/>
+            <a:ext cx="136800" cy="576720"/>
           </a:xfrm>
           <a:custGeom>
             <a:avLst/>
@@ -4020,7 +4029,7 @@
         <p:spPr>
           <a:xfrm>
             <a:off x="3693960" y="1872000"/>
-            <a:ext cx="1129680" cy="1062000"/>
+            <a:ext cx="1129320" cy="1061640"/>
           </a:xfrm>
           <a:prstGeom prst="ellipse">
             <a:avLst/>
@@ -4080,7 +4089,7 @@
         <p:spPr>
           <a:xfrm>
             <a:off x="5205960" y="1944000"/>
-            <a:ext cx="1129680" cy="1062000"/>
+            <a:ext cx="1129320" cy="1061640"/>
           </a:xfrm>
           <a:prstGeom prst="ellipse">
             <a:avLst/>
@@ -4272,7 +4281,7 @@
         <p:spPr>
           <a:xfrm>
             <a:off x="5823720" y="3672360"/>
-            <a:ext cx="1231920" cy="454680"/>
+            <a:ext cx="1231560" cy="454680"/>
           </a:xfrm>
           <a:prstGeom prst="rect">
             <a:avLst/>
@@ -4323,7 +4332,7 @@
         <p:spPr>
           <a:xfrm>
             <a:off x="7437960" y="1728000"/>
-            <a:ext cx="1417680" cy="1223640"/>
+            <a:ext cx="1417320" cy="1223280"/>
           </a:xfrm>
           <a:prstGeom prst="ellipse">
             <a:avLst/>
@@ -4383,7 +4392,7 @@
         <p:spPr>
           <a:xfrm flipH="1">
             <a:off x="6551280" y="2736000"/>
-            <a:ext cx="1007640" cy="791640"/>
+            <a:ext cx="1007280" cy="791280"/>
           </a:xfrm>
           <a:custGeom>
             <a:avLst/>
@@ -4498,7 +4507,7 @@
         <p:spPr>
           <a:xfrm>
             <a:off x="7632000" y="3600000"/>
-            <a:ext cx="1295640" cy="455400"/>
+            <a:ext cx="1295280" cy="455040"/>
           </a:xfrm>
           <a:prstGeom prst="rect">
             <a:avLst/>
@@ -4549,7 +4558,7 @@
         <p:spPr>
           <a:xfrm>
             <a:off x="8352000" y="2952000"/>
-            <a:ext cx="215640" cy="647640"/>
+            <a:ext cx="215280" cy="647280"/>
           </a:xfrm>
           <a:custGeom>
             <a:avLst/>
@@ -4631,7 +4640,7 @@
         <p:spPr>
           <a:xfrm>
             <a:off x="3796200" y="3567600"/>
-            <a:ext cx="1231920" cy="454680"/>
+            <a:ext cx="1231560" cy="454680"/>
           </a:xfrm>
           <a:prstGeom prst="rect">
             <a:avLst/>
@@ -4715,7 +4724,7 @@
         <p:spPr>
           <a:xfrm flipH="1">
             <a:off x="4247280" y="2934360"/>
-            <a:ext cx="137160" cy="577080"/>
+            <a:ext cx="136800" cy="576720"/>
           </a:xfrm>
           <a:custGeom>
             <a:avLst/>
@@ -4764,7 +4773,7 @@
         <p:spPr>
           <a:xfrm flipH="1">
             <a:off x="4967280" y="2952000"/>
-            <a:ext cx="431640" cy="505080"/>
+            <a:ext cx="431280" cy="504720"/>
           </a:xfrm>
           <a:custGeom>
             <a:avLst/>
@@ -4812,8 +4821,8 @@
         </p:nvSpPr>
         <p:spPr>
           <a:xfrm flipH="1">
-            <a:off x="5974920" y="3006360"/>
-            <a:ext cx="360" cy="595080"/>
+            <a:off x="5974200" y="3006360"/>
+            <a:ext cx="360" cy="594720"/>
           </a:xfrm>
           <a:custGeom>
             <a:avLst/>
@@ -4861,8 +4870,8 @@
         </p:nvSpPr>
         <p:spPr>
           <a:xfrm flipH="1">
-            <a:off x="3080160" y="2808000"/>
-            <a:ext cx="735120" cy="631440"/>
+            <a:off x="3079440" y="2808000"/>
+            <a:ext cx="734760" cy="631080"/>
           </a:xfrm>
           <a:custGeom>
             <a:avLst/>
@@ -4941,7 +4950,7 @@
         <p:spPr>
           <a:xfrm>
             <a:off x="6912000" y="85680"/>
-            <a:ext cx="2807640" cy="638280"/>
+            <a:ext cx="2807280" cy="638280"/>
           </a:xfrm>
           <a:prstGeom prst="rect">
             <a:avLst/>
@@ -4969,7 +4978,11 @@
             </a:pPr>
             <a:r>
               <a:rPr b="0" lang="pt-BR" sz="1800" spc="-1" strike="noStrike">
+                <a:solidFill>
+                  <a:srgbClr val="000000"/>
+                </a:solidFill>
                 <a:latin typeface="Arial"/>
+                <a:ea typeface="DejaVu Sans"/>
               </a:rPr>
               <a:t>Capacidade:Testar sub componete</a:t>
             </a:r>
@@ -4988,7 +5001,7 @@
         <p:spPr>
           <a:xfrm>
             <a:off x="471960" y="246600"/>
-            <a:ext cx="952560" cy="760680"/>
+            <a:ext cx="952200" cy="760320"/>
           </a:xfrm>
           <a:prstGeom prst="rect">
             <a:avLst/>
@@ -5062,7 +5075,7 @@
         <p:spPr>
           <a:xfrm>
             <a:off x="432000" y="1584000"/>
-            <a:ext cx="1367640" cy="935640"/>
+            <a:ext cx="1367280" cy="935280"/>
           </a:xfrm>
           <a:prstGeom prst="ellipse">
             <a:avLst/>
@@ -5122,7 +5135,7 @@
         <p:spPr>
           <a:xfrm>
             <a:off x="964080" y="997200"/>
-            <a:ext cx="115560" cy="586440"/>
+            <a:ext cx="115200" cy="586080"/>
           </a:xfrm>
           <a:custGeom>
             <a:avLst/>
@@ -5170,7 +5183,7 @@
         <p:spPr>
           <a:xfrm>
             <a:off x="1156320" y="1126080"/>
-            <a:ext cx="1219320" cy="241920"/>
+            <a:ext cx="1218960" cy="241920"/>
           </a:xfrm>
           <a:prstGeom prst="rect">
             <a:avLst/>
@@ -5297,7 +5310,7 @@
         <p:spPr>
           <a:xfrm>
             <a:off x="576000" y="2952000"/>
-            <a:ext cx="1295640" cy="455400"/>
+            <a:ext cx="1295280" cy="455040"/>
           </a:xfrm>
           <a:prstGeom prst="rect">
             <a:avLst/>
@@ -5348,7 +5361,7 @@
         <p:spPr>
           <a:xfrm>
             <a:off x="1123920" y="2520000"/>
-            <a:ext cx="27720" cy="431640"/>
+            <a:ext cx="27360" cy="431280"/>
           </a:xfrm>
           <a:custGeom>
             <a:avLst/>
@@ -5396,7 +5409,7 @@
         <p:spPr>
           <a:xfrm>
             <a:off x="2253960" y="1440000"/>
-            <a:ext cx="1129680" cy="1062000"/>
+            <a:ext cx="1129320" cy="1061640"/>
           </a:xfrm>
           <a:prstGeom prst="ellipse">
             <a:avLst/>
@@ -5456,7 +5469,7 @@
         <p:spPr>
           <a:xfrm flipH="1">
             <a:off x="1583280" y="2304000"/>
-            <a:ext cx="791640" cy="647640"/>
+            <a:ext cx="791280" cy="647280"/>
           </a:xfrm>
           <a:custGeom>
             <a:avLst/>
@@ -5505,7 +5518,7 @@
         <p:spPr>
           <a:xfrm>
             <a:off x="2232000" y="2952000"/>
-            <a:ext cx="1295640" cy="455400"/>
+            <a:ext cx="1295280" cy="455040"/>
           </a:xfrm>
           <a:prstGeom prst="rect">
             <a:avLst/>
@@ -5622,7 +5635,7 @@
         <p:spPr>
           <a:xfrm>
             <a:off x="2923920" y="2502360"/>
-            <a:ext cx="27720" cy="431640"/>
+            <a:ext cx="27360" cy="431280"/>
           </a:xfrm>
           <a:custGeom>
             <a:avLst/>
@@ -5670,7 +5683,7 @@
         <p:spPr>
           <a:xfrm>
             <a:off x="2448000" y="246960"/>
-            <a:ext cx="952560" cy="760680"/>
+            <a:ext cx="952200" cy="760320"/>
           </a:xfrm>
           <a:prstGeom prst="rect">
             <a:avLst/>
@@ -5744,7 +5757,7 @@
         <p:spPr>
           <a:xfrm flipV="1">
             <a:off x="2808000" y="1007280"/>
-            <a:ext cx="130680" cy="432360"/>
+            <a:ext cx="130320" cy="432000"/>
           </a:xfrm>
           <a:custGeom>
             <a:avLst/>
@@ -5792,7 +5805,7 @@
         <p:spPr>
           <a:xfrm>
             <a:off x="3096000" y="1080000"/>
-            <a:ext cx="842040" cy="454680"/>
+            <a:ext cx="841680" cy="454320"/>
           </a:xfrm>
           <a:prstGeom prst="rect">
             <a:avLst/>
@@ -5818,7 +5831,7 @@
         <p:spPr>
           <a:xfrm>
             <a:off x="3096000" y="1080000"/>
-            <a:ext cx="2015640" cy="249840"/>
+            <a:ext cx="2015280" cy="249480"/>
           </a:xfrm>
           <a:prstGeom prst="rect">
             <a:avLst/>
@@ -5899,7 +5912,7 @@
         <p:spPr>
           <a:xfrm>
             <a:off x="6912000" y="85680"/>
-            <a:ext cx="2807640" cy="638280"/>
+            <a:ext cx="2807280" cy="638280"/>
           </a:xfrm>
           <a:prstGeom prst="rect">
             <a:avLst/>
@@ -5927,6 +5940,9 @@
             </a:pPr>
             <a:r>
               <a:rPr b="0" lang="pt-BR" sz="1800" spc="-1" strike="noStrike">
+                <a:solidFill>
+                  <a:srgbClr val="000000"/>
+                </a:solidFill>
                 <a:latin typeface="Arial"/>
                 <a:ea typeface="Microsoft YaHei"/>
               </a:rPr>
@@ -5947,7 +5963,7 @@
         <p:spPr>
           <a:xfrm>
             <a:off x="3096000" y="1080000"/>
-            <a:ext cx="842040" cy="454680"/>
+            <a:ext cx="841680" cy="454320"/>
           </a:xfrm>
           <a:prstGeom prst="rect">
             <a:avLst/>
@@ -5973,7 +5989,7 @@
         <p:spPr>
           <a:xfrm>
             <a:off x="504360" y="1512000"/>
-            <a:ext cx="1727280" cy="1511280"/>
+            <a:ext cx="1726920" cy="1510920"/>
           </a:xfrm>
           <a:prstGeom prst="ellipse">
             <a:avLst/>
@@ -6033,7 +6049,7 @@
         <p:spPr>
           <a:xfrm>
             <a:off x="720000" y="3816000"/>
-            <a:ext cx="1295640" cy="455400"/>
+            <a:ext cx="1295280" cy="455040"/>
           </a:xfrm>
           <a:prstGeom prst="rect">
             <a:avLst/>
@@ -6149,8 +6165,8 @@
         </p:nvSpPr>
         <p:spPr>
           <a:xfrm rot="21552600">
-            <a:off x="1367640" y="3023280"/>
-            <a:ext cx="7560" cy="720000"/>
+            <a:off x="1367280" y="3022920"/>
+            <a:ext cx="7200" cy="719640"/>
           </a:xfrm>
           <a:custGeom>
             <a:avLst/>
@@ -6198,7 +6214,7 @@
         <p:spPr>
           <a:xfrm>
             <a:off x="2469960" y="1656000"/>
-            <a:ext cx="2065680" cy="1439640"/>
+            <a:ext cx="2065320" cy="1439280"/>
           </a:xfrm>
           <a:prstGeom prst="ellipse">
             <a:avLst/>
@@ -6324,7 +6340,7 @@
         <p:spPr>
           <a:xfrm flipH="1">
             <a:off x="1799280" y="2880000"/>
-            <a:ext cx="935640" cy="791640"/>
+            <a:ext cx="935280" cy="791280"/>
           </a:xfrm>
           <a:custGeom>
             <a:avLst/>
@@ -6373,7 +6389,7 @@
         <p:spPr>
           <a:xfrm>
             <a:off x="3456000" y="3096000"/>
-            <a:ext cx="360" cy="647640"/>
+            <a:ext cx="360" cy="647280"/>
           </a:xfrm>
           <a:custGeom>
             <a:avLst/>
@@ -6421,7 +6437,7 @@
         <p:spPr>
           <a:xfrm flipH="1">
             <a:off x="3965760" y="2952000"/>
-            <a:ext cx="1001160" cy="721080"/>
+            <a:ext cx="1000800" cy="720720"/>
           </a:xfrm>
           <a:custGeom>
             <a:avLst/>
@@ -6470,7 +6486,7 @@
         <p:spPr>
           <a:xfrm>
             <a:off x="2520000" y="3744000"/>
-            <a:ext cx="1799640" cy="454680"/>
+            <a:ext cx="1799280" cy="454680"/>
           </a:xfrm>
           <a:prstGeom prst="rect">
             <a:avLst/>
@@ -6521,7 +6537,7 @@
         <p:spPr>
           <a:xfrm>
             <a:off x="4680360" y="1656360"/>
-            <a:ext cx="1727280" cy="1511280"/>
+            <a:ext cx="1726920" cy="1510920"/>
           </a:xfrm>
           <a:prstGeom prst="ellipse">
             <a:avLst/>
@@ -6647,7 +6663,7 @@
         <p:spPr>
           <a:xfrm>
             <a:off x="4752000" y="3816000"/>
-            <a:ext cx="1583640" cy="454680"/>
+            <a:ext cx="1583280" cy="454680"/>
           </a:xfrm>
           <a:prstGeom prst="rect">
             <a:avLst/>
@@ -6697,8 +6713,8 @@
         </p:nvSpPr>
         <p:spPr>
           <a:xfrm rot="21552600">
-            <a:off x="5543640" y="3167640"/>
-            <a:ext cx="7560" cy="503640"/>
+            <a:off x="5543280" y="3167280"/>
+            <a:ext cx="7200" cy="503280"/>
           </a:xfrm>
           <a:custGeom>
             <a:avLst/>
@@ -6746,7 +6762,7 @@
         <p:spPr>
           <a:xfrm>
             <a:off x="6912000" y="2232000"/>
-            <a:ext cx="1727280" cy="1511280"/>
+            <a:ext cx="1726920" cy="1510920"/>
           </a:xfrm>
           <a:prstGeom prst="ellipse">
             <a:avLst/>
@@ -6806,7 +6822,7 @@
         <p:spPr>
           <a:xfrm>
             <a:off x="7344000" y="864000"/>
-            <a:ext cx="952560" cy="760680"/>
+            <a:ext cx="952200" cy="760320"/>
           </a:xfrm>
           <a:prstGeom prst="rect">
             <a:avLst/>
@@ -6880,7 +6896,7 @@
         <p:spPr>
           <a:xfrm flipH="1">
             <a:off x="5909760" y="2952000"/>
-            <a:ext cx="1001160" cy="721080"/>
+            <a:ext cx="1000800" cy="720720"/>
           </a:xfrm>
           <a:custGeom>
             <a:avLst/>
@@ -6929,7 +6945,7 @@
         <p:spPr>
           <a:xfrm flipV="1">
             <a:off x="7788960" y="1624320"/>
-            <a:ext cx="130680" cy="606600"/>
+            <a:ext cx="130320" cy="606240"/>
           </a:xfrm>
           <a:custGeom>
             <a:avLst/>
@@ -6977,7 +6993,7 @@
         <p:spPr>
           <a:xfrm>
             <a:off x="6984000" y="1754280"/>
-            <a:ext cx="842040" cy="333360"/>
+            <a:ext cx="841680" cy="333000"/>
           </a:xfrm>
           <a:prstGeom prst="rect">
             <a:avLst/>
@@ -7058,7 +7074,7 @@
         <p:spPr>
           <a:xfrm>
             <a:off x="6912000" y="85680"/>
-            <a:ext cx="2807640" cy="638280"/>
+            <a:ext cx="2807280" cy="638280"/>
           </a:xfrm>
           <a:prstGeom prst="rect">
             <a:avLst/>
@@ -7086,7 +7102,11 @@
             </a:pPr>
             <a:r>
               <a:rPr b="0" lang="pt-BR" sz="1800" spc="-1" strike="noStrike">
+                <a:solidFill>
+                  <a:srgbClr val="000000"/>
+                </a:solidFill>
                 <a:latin typeface="Arial"/>
+                <a:ea typeface="DejaVu Sans"/>
               </a:rPr>
               <a:t>Capacidade:Entregar Máquina</a:t>
             </a:r>
@@ -7105,7 +7125,7 @@
         <p:spPr>
           <a:xfrm>
             <a:off x="471960" y="246600"/>
-            <a:ext cx="952560" cy="760680"/>
+            <a:ext cx="952200" cy="760320"/>
           </a:xfrm>
           <a:prstGeom prst="rect">
             <a:avLst/>
@@ -7179,7 +7199,7 @@
         <p:spPr>
           <a:xfrm>
             <a:off x="964080" y="997200"/>
-            <a:ext cx="115560" cy="586440"/>
+            <a:ext cx="115200" cy="586080"/>
           </a:xfrm>
           <a:custGeom>
             <a:avLst/>
@@ -7227,7 +7247,7 @@
         <p:spPr>
           <a:xfrm>
             <a:off x="2448000" y="246960"/>
-            <a:ext cx="952560" cy="760680"/>
+            <a:ext cx="952200" cy="760320"/>
           </a:xfrm>
           <a:prstGeom prst="rect">
             <a:avLst/>
@@ -7301,7 +7321,7 @@
         <p:spPr>
           <a:xfrm flipV="1">
             <a:off x="2808000" y="1007280"/>
-            <a:ext cx="130680" cy="575640"/>
+            <a:ext cx="130320" cy="575280"/>
           </a:xfrm>
           <a:custGeom>
             <a:avLst/>
@@ -7349,7 +7369,7 @@
         <p:spPr>
           <a:xfrm>
             <a:off x="3096000" y="1080000"/>
-            <a:ext cx="842040" cy="454680"/>
+            <a:ext cx="841680" cy="454320"/>
           </a:xfrm>
           <a:prstGeom prst="rect">
             <a:avLst/>
@@ -7375,7 +7395,7 @@
         <p:spPr>
           <a:xfrm>
             <a:off x="144000" y="1080000"/>
-            <a:ext cx="842040" cy="333000"/>
+            <a:ext cx="841680" cy="333000"/>
           </a:xfrm>
           <a:prstGeom prst="rect">
             <a:avLst/>
@@ -7426,7 +7446,7 @@
         <p:spPr>
           <a:xfrm>
             <a:off x="576360" y="1584000"/>
-            <a:ext cx="1151280" cy="1151280"/>
+            <a:ext cx="1150920" cy="1150920"/>
           </a:xfrm>
           <a:prstGeom prst="ellipse">
             <a:avLst/>
@@ -7486,7 +7506,7 @@
         <p:spPr>
           <a:xfrm>
             <a:off x="648000" y="3240000"/>
-            <a:ext cx="1295640" cy="272880"/>
+            <a:ext cx="1295280" cy="272520"/>
           </a:xfrm>
           <a:prstGeom prst="rect">
             <a:avLst/>
@@ -7603,7 +7623,7 @@
         <p:spPr>
           <a:xfrm>
             <a:off x="1224000" y="2735640"/>
-            <a:ext cx="115560" cy="504000"/>
+            <a:ext cx="115200" cy="503640"/>
           </a:xfrm>
           <a:custGeom>
             <a:avLst/>
@@ -7651,7 +7671,7 @@
         <p:spPr>
           <a:xfrm>
             <a:off x="2088360" y="1584000"/>
-            <a:ext cx="1295280" cy="1223640"/>
+            <a:ext cx="1294920" cy="1223280"/>
           </a:xfrm>
           <a:prstGeom prst="ellipse">
             <a:avLst/>
@@ -7711,7 +7731,7 @@
         <p:spPr>
           <a:xfrm flipH="1">
             <a:off x="1799280" y="2664000"/>
-            <a:ext cx="569160" cy="575640"/>
+            <a:ext cx="568800" cy="575280"/>
           </a:xfrm>
           <a:custGeom>
             <a:avLst/>
@@ -7760,7 +7780,7 @@
         <p:spPr>
           <a:xfrm>
             <a:off x="1872000" y="1107000"/>
-            <a:ext cx="842040" cy="333000"/>
+            <a:ext cx="841680" cy="333000"/>
           </a:xfrm>
           <a:prstGeom prst="rect">
             <a:avLst/>
@@ -7840,8 +7860,69 @@
         </p:nvSpPr>
         <p:spPr>
           <a:xfrm>
-            <a:off x="156240" y="91080"/>
-            <a:ext cx="842040" cy="581400"/>
+            <a:off x="6912000" y="85680"/>
+            <a:ext cx="2807280" cy="912600"/>
+          </a:xfrm>
+          <a:prstGeom prst="rect">
+            <a:avLst/>
+          </a:prstGeom>
+          <a:noFill/>
+          <a:ln>
+            <a:noFill/>
+          </a:ln>
+        </p:spPr>
+        <p:style>
+          <a:lnRef idx="0"/>
+          <a:fillRef idx="0"/>
+          <a:effectRef idx="0"/>
+          <a:fontRef idx="minor"/>
+        </p:style>
+        <p:txBody>
+          <a:bodyPr lIns="90000" rIns="90000" tIns="45000" bIns="45000">
+            <a:spAutoFit/>
+          </a:bodyPr>
+          <a:p>
+            <a:pPr>
+              <a:lnSpc>
+                <a:spcPct val="100000"/>
+              </a:lnSpc>
+            </a:pPr>
+            <a:r>
+              <a:rPr b="0" lang="pt-BR" sz="1800" spc="-1" strike="noStrike">
+                <a:solidFill>
+                  <a:srgbClr val="000000"/>
+                </a:solidFill>
+                <a:latin typeface="Arial"/>
+                <a:ea typeface="DejaVu Sans"/>
+              </a:rPr>
+              <a:t>Capacidade:Priorizar pedido</a:t>
+            </a:r>
+            <a:endParaRPr b="0" lang="pt-BR" sz="1800" spc="-1" strike="noStrike">
+              <a:latin typeface="Arial"/>
+            </a:endParaRPr>
+          </a:p>
+          <a:p>
+            <a:pPr>
+              <a:lnSpc>
+                <a:spcPct val="100000"/>
+              </a:lnSpc>
+            </a:pPr>
+            <a:endParaRPr b="0" lang="pt-BR" sz="1800" spc="-1" strike="noStrike">
+              <a:latin typeface="Arial"/>
+            </a:endParaRPr>
+          </a:p>
+        </p:txBody>
+      </p:sp>
+      <p:sp>
+        <p:nvSpPr>
+          <p:cNvPr id="166" name="CustomShape 2"/>
+          <p:cNvSpPr/>
+          <p:nvPr/>
+        </p:nvSpPr>
+        <p:spPr>
+          <a:xfrm>
+            <a:off x="471960" y="246600"/>
+            <a:ext cx="952200" cy="760320"/>
           </a:xfrm>
           <a:prstGeom prst="rect">
             <a:avLst/>
@@ -7891,72 +7972,16 @@
               </a:lnSpc>
             </a:pPr>
             <a:r>
-              <a:rPr b="0" lang="pt-BR" sz="1050" spc="-1" strike="noStrike">
+              <a:rPr b="0" lang="pt-BR" sz="1200" spc="-1" strike="noStrike">
                 <a:solidFill>
                   <a:srgbClr val="000000"/>
                 </a:solidFill>
                 <a:latin typeface="Arial"/>
                 <a:ea typeface="DejaVu Sans"/>
               </a:rPr>
-              <a:t>Comercial</a:t>
+              <a:t>Negocios</a:t>
             </a:r>
-            <a:endParaRPr b="0" lang="pt-BR" sz="1050" spc="-1" strike="noStrike">
-              <a:latin typeface="Arial"/>
-            </a:endParaRPr>
-          </a:p>
-        </p:txBody>
-      </p:sp>
-      <p:sp>
-        <p:nvSpPr>
-          <p:cNvPr id="166" name="CustomShape 2"/>
-          <p:cNvSpPr/>
-          <p:nvPr/>
-        </p:nvSpPr>
-        <p:spPr>
-          <a:xfrm>
-            <a:off x="270720" y="1271520"/>
-            <a:ext cx="998640" cy="812160"/>
-          </a:xfrm>
-          <a:prstGeom prst="ellipse">
-            <a:avLst/>
-          </a:prstGeom>
-          <a:ln/>
-        </p:spPr>
-        <p:style>
-          <a:lnRef idx="2">
-            <a:schemeClr val="accent6">
-              <a:shade val="50000"/>
-            </a:schemeClr>
-          </a:lnRef>
-          <a:fillRef idx="1">
-            <a:schemeClr val="accent6"/>
-          </a:fillRef>
-          <a:effectRef idx="0">
-            <a:schemeClr val="accent6"/>
-          </a:effectRef>
-          <a:fontRef idx="minor"/>
-        </p:style>
-        <p:txBody>
-          <a:bodyPr lIns="90000" rIns="90000" tIns="45000" bIns="45000" anchor="ctr">
-            <a:noAutofit/>
-          </a:bodyPr>
-          <a:p>
-            <a:pPr algn="ctr">
-              <a:lnSpc>
-                <a:spcPct val="100000"/>
-              </a:lnSpc>
-            </a:pPr>
-            <a:r>
-              <a:rPr b="0" lang="pt-BR" sz="800" spc="-1" strike="noStrike">
-                <a:solidFill>
-                  <a:srgbClr val="ffffff"/>
-                </a:solidFill>
-                <a:latin typeface="Arial"/>
-                <a:ea typeface="DejaVu Sans"/>
-              </a:rPr>
-              <a:t>Receber solicitação de produção</a:t>
-            </a:r>
-            <a:endParaRPr b="0" lang="pt-BR" sz="800" spc="-1" strike="noStrike">
+            <a:endParaRPr b="0" lang="pt-BR" sz="1200" spc="-1" strike="noStrike">
               <a:latin typeface="Arial"/>
             </a:endParaRPr>
           </a:p>
@@ -7970,8 +7995,8 @@
         </p:nvSpPr>
         <p:spPr>
           <a:xfrm>
-            <a:off x="577800" y="673920"/>
-            <a:ext cx="191520" cy="596520"/>
+            <a:off x="964080" y="997200"/>
+            <a:ext cx="115200" cy="586080"/>
           </a:xfrm>
           <a:custGeom>
             <a:avLst/>
@@ -8018,308 +8043,8 @@
         </p:nvSpPr>
         <p:spPr>
           <a:xfrm>
-            <a:off x="-44640" y="864720"/>
-            <a:ext cx="1363320" cy="211320"/>
-          </a:xfrm>
-          <a:prstGeom prst="rect">
-            <a:avLst/>
-          </a:prstGeom>
-          <a:noFill/>
-          <a:ln>
-            <a:noFill/>
-          </a:ln>
-        </p:spPr>
-        <p:style>
-          <a:lnRef idx="0"/>
-          <a:fillRef idx="0"/>
-          <a:effectRef idx="0"/>
-          <a:fontRef idx="minor"/>
-        </p:style>
-        <p:txBody>
-          <a:bodyPr lIns="90000" rIns="90000" tIns="45000" bIns="45000">
-            <a:spAutoFit/>
-          </a:bodyPr>
-          <a:p>
-            <a:pPr algn="ctr">
-              <a:lnSpc>
-                <a:spcPct val="100000"/>
-              </a:lnSpc>
-            </a:pPr>
-            <a:r>
-              <a:rPr b="0" lang="pt-BR" sz="800" spc="-1" strike="noStrike">
-                <a:solidFill>
-                  <a:srgbClr val="000000"/>
-                </a:solidFill>
-                <a:latin typeface="Arial"/>
-                <a:ea typeface="DejaVu Sans"/>
-              </a:rPr>
-              <a:t>solicitação de produção</a:t>
-            </a:r>
-            <a:endParaRPr b="0" lang="pt-BR" sz="800" spc="-1" strike="noStrike">
-              <a:latin typeface="Arial"/>
-            </a:endParaRPr>
-          </a:p>
-        </p:txBody>
-      </p:sp>
-      <p:sp>
-        <p:nvSpPr>
-          <p:cNvPr id="169" name="Line 5"/>
-          <p:cNvSpPr/>
-          <p:nvPr/>
-        </p:nvSpPr>
-        <p:spPr>
-          <a:xfrm>
-            <a:off x="400680" y="2901240"/>
-            <a:ext cx="1255320" cy="0"/>
-          </a:xfrm>
-          <a:prstGeom prst="line">
-            <a:avLst/>
-          </a:prstGeom>
-          <a:ln w="76320">
-            <a:solidFill>
-              <a:schemeClr val="tx1"/>
-            </a:solidFill>
-          </a:ln>
-        </p:spPr>
-        <p:style>
-          <a:lnRef idx="1">
-            <a:schemeClr val="accent1"/>
-          </a:lnRef>
-          <a:fillRef idx="0">
-            <a:schemeClr val="accent1"/>
-          </a:fillRef>
-          <a:effectRef idx="0">
-            <a:schemeClr val="accent1"/>
-          </a:effectRef>
-          <a:fontRef idx="minor"/>
-        </p:style>
-      </p:sp>
-      <p:sp>
-        <p:nvSpPr>
-          <p:cNvPr id="170" name="Line 6"/>
-          <p:cNvSpPr/>
-          <p:nvPr/>
-        </p:nvSpPr>
-        <p:spPr>
-          <a:xfrm>
-            <a:off x="371160" y="3180600"/>
-            <a:ext cx="1254960" cy="0"/>
-          </a:xfrm>
-          <a:prstGeom prst="line">
-            <a:avLst/>
-          </a:prstGeom>
-          <a:ln w="76320">
-            <a:solidFill>
-              <a:schemeClr val="tx1"/>
-            </a:solidFill>
-          </a:ln>
-        </p:spPr>
-        <p:style>
-          <a:lnRef idx="1">
-            <a:schemeClr val="accent1"/>
-          </a:lnRef>
-          <a:fillRef idx="0">
-            <a:schemeClr val="accent1"/>
-          </a:fillRef>
-          <a:effectRef idx="0">
-            <a:schemeClr val="accent1"/>
-          </a:effectRef>
-          <a:fontRef idx="minor"/>
-        </p:style>
-      </p:sp>
-      <p:sp>
-        <p:nvSpPr>
-          <p:cNvPr id="171" name="CustomShape 7"/>
-          <p:cNvSpPr/>
-          <p:nvPr/>
-        </p:nvSpPr>
-        <p:spPr>
-          <a:xfrm>
-            <a:off x="770760" y="2084760"/>
-            <a:ext cx="158400" cy="690480"/>
-          </a:xfrm>
-          <a:custGeom>
-            <a:avLst/>
-            <a:gdLst/>
-            <a:ahLst/>
-            <a:rect l="l" t="t" r="r" b="b"/>
-            <a:pathLst>
-              <a:path w="21600" h="21600">
-                <a:moveTo>
-                  <a:pt x="0" y="0"/>
-                </a:moveTo>
-                <a:lnTo>
-                  <a:pt x="21600" y="21600"/>
-                </a:lnTo>
-              </a:path>
-            </a:pathLst>
-          </a:custGeom>
-          <a:noFill/>
-          <a:ln>
-            <a:solidFill>
-              <a:schemeClr val="tx1"/>
-            </a:solidFill>
-            <a:tailEnd len="med" type="triangle" w="med"/>
-          </a:ln>
-        </p:spPr>
-        <p:style>
-          <a:lnRef idx="1">
-            <a:schemeClr val="accent1"/>
-          </a:lnRef>
-          <a:fillRef idx="0">
-            <a:schemeClr val="accent1"/>
-          </a:fillRef>
-          <a:effectRef idx="0">
-            <a:schemeClr val="accent1"/>
-          </a:effectRef>
-          <a:fontRef idx="minor"/>
-        </p:style>
-      </p:sp>
-      <p:sp>
-        <p:nvSpPr>
-          <p:cNvPr id="172" name="CustomShape 8"/>
-          <p:cNvSpPr/>
-          <p:nvPr/>
-        </p:nvSpPr>
-        <p:spPr>
-          <a:xfrm>
-            <a:off x="325440" y="2939400"/>
-            <a:ext cx="1315440" cy="211320"/>
-          </a:xfrm>
-          <a:prstGeom prst="rect">
-            <a:avLst/>
-          </a:prstGeom>
-          <a:noFill/>
-          <a:ln>
-            <a:noFill/>
-          </a:ln>
-        </p:spPr>
-        <p:style>
-          <a:lnRef idx="0"/>
-          <a:fillRef idx="0"/>
-          <a:effectRef idx="0"/>
-          <a:fontRef idx="minor"/>
-        </p:style>
-        <p:txBody>
-          <a:bodyPr lIns="90000" rIns="90000" tIns="45000" bIns="45000">
-            <a:spAutoFit/>
-          </a:bodyPr>
-          <a:p>
-            <a:pPr algn="ctr">
-              <a:lnSpc>
-                <a:spcPct val="100000"/>
-              </a:lnSpc>
-            </a:pPr>
-            <a:r>
-              <a:rPr b="0" lang="pt-BR" sz="800" spc="-1" strike="noStrike">
-                <a:solidFill>
-                  <a:srgbClr val="000000"/>
-                </a:solidFill>
-                <a:latin typeface="Arial"/>
-                <a:ea typeface="DejaVu Sans"/>
-              </a:rPr>
-              <a:t>Solicitação de produção</a:t>
-            </a:r>
-            <a:endParaRPr b="0" lang="pt-BR" sz="800" spc="-1" strike="noStrike">
-              <a:latin typeface="Arial"/>
-            </a:endParaRPr>
-          </a:p>
-        </p:txBody>
-      </p:sp>
-      <p:sp>
-        <p:nvSpPr>
-          <p:cNvPr id="173" name="Line 9"/>
-          <p:cNvSpPr/>
-          <p:nvPr/>
-        </p:nvSpPr>
-        <p:spPr>
-          <a:xfrm flipV="1">
-            <a:off x="2176560" y="2923560"/>
-            <a:ext cx="802080" cy="1080"/>
-          </a:xfrm>
-          <a:prstGeom prst="line">
-            <a:avLst/>
-          </a:prstGeom>
-          <a:ln w="76320">
-            <a:solidFill>
-              <a:schemeClr val="tx1"/>
-            </a:solidFill>
-          </a:ln>
-        </p:spPr>
-        <p:style>
-          <a:lnRef idx="1">
-            <a:schemeClr val="accent1"/>
-          </a:lnRef>
-          <a:fillRef idx="0">
-            <a:schemeClr val="accent1"/>
-          </a:fillRef>
-          <a:effectRef idx="0">
-            <a:schemeClr val="accent1"/>
-          </a:effectRef>
-          <a:fontRef idx="minor"/>
-        </p:style>
-      </p:sp>
-      <p:sp>
-        <p:nvSpPr>
-          <p:cNvPr id="174" name="CustomShape 10"/>
-          <p:cNvSpPr/>
-          <p:nvPr/>
-        </p:nvSpPr>
-        <p:spPr>
-          <a:xfrm>
-            <a:off x="2090520" y="2924280"/>
-            <a:ext cx="973440" cy="211320"/>
-          </a:xfrm>
-          <a:prstGeom prst="rect">
-            <a:avLst/>
-          </a:prstGeom>
-          <a:noFill/>
-          <a:ln>
-            <a:noFill/>
-          </a:ln>
-        </p:spPr>
-        <p:style>
-          <a:lnRef idx="0"/>
-          <a:fillRef idx="0"/>
-          <a:effectRef idx="0"/>
-          <a:fontRef idx="minor"/>
-        </p:style>
-        <p:txBody>
-          <a:bodyPr lIns="90000" rIns="90000" tIns="45000" bIns="45000">
-            <a:spAutoFit/>
-          </a:bodyPr>
-          <a:p>
-            <a:pPr algn="ctr">
-              <a:lnSpc>
-                <a:spcPct val="100000"/>
-              </a:lnSpc>
-            </a:pPr>
-            <a:r>
-              <a:rPr b="0" lang="pt-BR" sz="800" spc="-1" strike="noStrike">
-                <a:solidFill>
-                  <a:srgbClr val="000000"/>
-                </a:solidFill>
-                <a:latin typeface="Arial"/>
-                <a:ea typeface="DejaVu Sans"/>
-              </a:rPr>
-              <a:t>Componente</a:t>
-            </a:r>
-            <a:endParaRPr b="0" lang="pt-BR" sz="800" spc="-1" strike="noStrike">
-              <a:latin typeface="Arial"/>
-            </a:endParaRPr>
-          </a:p>
-        </p:txBody>
-      </p:sp>
-      <p:sp>
-        <p:nvSpPr>
-          <p:cNvPr id="175" name="CustomShape 11"/>
-          <p:cNvSpPr/>
-          <p:nvPr/>
-        </p:nvSpPr>
-        <p:spPr>
-          <a:xfrm>
-            <a:off x="3184200" y="177480"/>
-            <a:ext cx="842040" cy="581400"/>
+            <a:off x="2448000" y="246960"/>
+            <a:ext cx="952200" cy="760320"/>
           </a:xfrm>
           <a:prstGeom prst="rect">
             <a:avLst/>
@@ -8369,6 +8094,620 @@
               </a:lnSpc>
             </a:pPr>
             <a:r>
+              <a:rPr b="0" lang="pt-BR" sz="1200" spc="-1" strike="noStrike">
+                <a:solidFill>
+                  <a:srgbClr val="000000"/>
+                </a:solidFill>
+                <a:latin typeface="Arial"/>
+                <a:ea typeface="DejaVu Sans"/>
+              </a:rPr>
+              <a:t>Linha de produção</a:t>
+            </a:r>
+            <a:endParaRPr b="0" lang="pt-BR" sz="1200" spc="-1" strike="noStrike">
+              <a:latin typeface="Arial"/>
+            </a:endParaRPr>
+          </a:p>
+        </p:txBody>
+      </p:sp>
+      <p:sp>
+        <p:nvSpPr>
+          <p:cNvPr id="169" name="CustomShape 5"/>
+          <p:cNvSpPr/>
+          <p:nvPr/>
+        </p:nvSpPr>
+        <p:spPr>
+          <a:xfrm flipV="1">
+            <a:off x="2808000" y="1007280"/>
+            <a:ext cx="130320" cy="575280"/>
+          </a:xfrm>
+          <a:custGeom>
+            <a:avLst/>
+            <a:gdLst/>
+            <a:ahLst/>
+            <a:rect l="l" t="t" r="r" b="b"/>
+            <a:pathLst>
+              <a:path w="21600" h="21600">
+                <a:moveTo>
+                  <a:pt x="0" y="0"/>
+                </a:moveTo>
+                <a:lnTo>
+                  <a:pt x="21600" y="21600"/>
+                </a:lnTo>
+              </a:path>
+            </a:pathLst>
+          </a:custGeom>
+          <a:noFill/>
+          <a:ln>
+            <a:solidFill>
+              <a:schemeClr val="tx1"/>
+            </a:solidFill>
+            <a:tailEnd len="med" type="triangle" w="med"/>
+          </a:ln>
+        </p:spPr>
+        <p:style>
+          <a:lnRef idx="1">
+            <a:schemeClr val="accent1"/>
+          </a:lnRef>
+          <a:fillRef idx="0">
+            <a:schemeClr val="accent1"/>
+          </a:fillRef>
+          <a:effectRef idx="0">
+            <a:schemeClr val="accent1"/>
+          </a:effectRef>
+          <a:fontRef idx="minor"/>
+        </p:style>
+      </p:sp>
+      <p:sp>
+        <p:nvSpPr>
+          <p:cNvPr id="170" name="CustomShape 6"/>
+          <p:cNvSpPr/>
+          <p:nvPr/>
+        </p:nvSpPr>
+        <p:spPr>
+          <a:xfrm>
+            <a:off x="3096000" y="1080000"/>
+            <a:ext cx="841680" cy="454320"/>
+          </a:xfrm>
+          <a:prstGeom prst="rect">
+            <a:avLst/>
+          </a:prstGeom>
+          <a:noFill/>
+          <a:ln>
+            <a:noFill/>
+          </a:ln>
+        </p:spPr>
+        <p:style>
+          <a:lnRef idx="0"/>
+          <a:fillRef idx="0"/>
+          <a:effectRef idx="0"/>
+          <a:fontRef idx="minor"/>
+        </p:style>
+      </p:sp>
+      <p:sp>
+        <p:nvSpPr>
+          <p:cNvPr id="171" name="CustomShape 7"/>
+          <p:cNvSpPr/>
+          <p:nvPr/>
+        </p:nvSpPr>
+        <p:spPr>
+          <a:xfrm>
+            <a:off x="144000" y="1080000"/>
+            <a:ext cx="841680" cy="257760"/>
+          </a:xfrm>
+          <a:prstGeom prst="rect">
+            <a:avLst/>
+          </a:prstGeom>
+          <a:noFill/>
+          <a:ln>
+            <a:noFill/>
+          </a:ln>
+        </p:spPr>
+        <p:style>
+          <a:lnRef idx="0"/>
+          <a:fillRef idx="0"/>
+          <a:effectRef idx="0"/>
+          <a:fontRef idx="minor"/>
+        </p:style>
+        <p:txBody>
+          <a:bodyPr lIns="90000" rIns="90000" tIns="45000" bIns="45000">
+            <a:spAutoFit/>
+          </a:bodyPr>
+          <a:p>
+            <a:pPr>
+              <a:lnSpc>
+                <a:spcPct val="100000"/>
+              </a:lnSpc>
+            </a:pPr>
+            <a:r>
+              <a:rPr b="0" lang="pt-BR" sz="1100" spc="-1" strike="noStrike">
+                <a:solidFill>
+                  <a:srgbClr val="000000"/>
+                </a:solidFill>
+                <a:latin typeface="Arial"/>
+                <a:ea typeface="DejaVu Sans"/>
+              </a:rPr>
+              <a:t>Pedido </a:t>
+            </a:r>
+            <a:endParaRPr b="0" lang="pt-BR" sz="1100" spc="-1" strike="noStrike">
+              <a:latin typeface="Arial"/>
+            </a:endParaRPr>
+          </a:p>
+        </p:txBody>
+      </p:sp>
+      <p:sp>
+        <p:nvSpPr>
+          <p:cNvPr id="172" name="CustomShape 8"/>
+          <p:cNvSpPr/>
+          <p:nvPr/>
+        </p:nvSpPr>
+        <p:spPr>
+          <a:xfrm>
+            <a:off x="288000" y="1585080"/>
+            <a:ext cx="1584000" cy="1150920"/>
+          </a:xfrm>
+          <a:prstGeom prst="ellipse">
+            <a:avLst/>
+          </a:prstGeom>
+          <a:ln>
+            <a:solidFill>
+              <a:srgbClr val="111111"/>
+            </a:solidFill>
+          </a:ln>
+        </p:spPr>
+        <p:style>
+          <a:lnRef idx="2">
+            <a:schemeClr val="accent6">
+              <a:shade val="50000"/>
+            </a:schemeClr>
+          </a:lnRef>
+          <a:fillRef idx="1">
+            <a:schemeClr val="accent6"/>
+          </a:fillRef>
+          <a:effectRef idx="0">
+            <a:schemeClr val="accent6"/>
+          </a:effectRef>
+          <a:fontRef idx="minor"/>
+        </p:style>
+        <p:txBody>
+          <a:bodyPr lIns="90000" rIns="90000" tIns="45000" bIns="45000" anchor="ctr">
+            <a:noAutofit/>
+          </a:bodyPr>
+          <a:p>
+            <a:pPr algn="ctr">
+              <a:lnSpc>
+                <a:spcPct val="100000"/>
+              </a:lnSpc>
+            </a:pPr>
+            <a:r>
+              <a:rPr b="0" lang="pt-BR" sz="1100" spc="-1" strike="noStrike">
+                <a:solidFill>
+                  <a:srgbClr val="ffffff"/>
+                </a:solidFill>
+                <a:latin typeface="Arial"/>
+                <a:ea typeface="DejaVu Sans"/>
+              </a:rPr>
+              <a:t>Priorizar pedido no planejamento</a:t>
+            </a:r>
+            <a:endParaRPr b="0" lang="pt-BR" sz="1100" spc="-1" strike="noStrike">
+              <a:latin typeface="Arial"/>
+            </a:endParaRPr>
+          </a:p>
+        </p:txBody>
+      </p:sp>
+      <p:sp>
+        <p:nvSpPr>
+          <p:cNvPr id="173" name="CustomShape 9"/>
+          <p:cNvSpPr/>
+          <p:nvPr/>
+        </p:nvSpPr>
+        <p:spPr>
+          <a:xfrm>
+            <a:off x="648000" y="3240000"/>
+            <a:ext cx="1295280" cy="454680"/>
+          </a:xfrm>
+          <a:prstGeom prst="rect">
+            <a:avLst/>
+          </a:prstGeom>
+          <a:noFill/>
+          <a:ln>
+            <a:noFill/>
+          </a:ln>
+        </p:spPr>
+        <p:style>
+          <a:lnRef idx="0"/>
+          <a:fillRef idx="0"/>
+          <a:effectRef idx="0"/>
+          <a:fontRef idx="minor"/>
+        </p:style>
+        <p:txBody>
+          <a:bodyPr lIns="90000" rIns="90000" tIns="45000" bIns="45000">
+            <a:spAutoFit/>
+          </a:bodyPr>
+          <a:p>
+            <a:pPr>
+              <a:lnSpc>
+                <a:spcPct val="100000"/>
+              </a:lnSpc>
+            </a:pPr>
+            <a:r>
+              <a:rPr b="0" lang="pt-BR" sz="1200" spc="-1" strike="noStrike">
+                <a:solidFill>
+                  <a:srgbClr val="000000"/>
+                </a:solidFill>
+                <a:latin typeface="Arial"/>
+                <a:ea typeface="DejaVu Sans"/>
+              </a:rPr>
+              <a:t>Planejamento de produção</a:t>
+            </a:r>
+            <a:endParaRPr b="0" lang="pt-BR" sz="1200" spc="-1" strike="noStrike">
+              <a:latin typeface="Arial"/>
+            </a:endParaRPr>
+          </a:p>
+        </p:txBody>
+      </p:sp>
+      <p:sp>
+        <p:nvSpPr>
+          <p:cNvPr id="174" name="Line 10"/>
+          <p:cNvSpPr/>
+          <p:nvPr/>
+        </p:nvSpPr>
+        <p:spPr>
+          <a:xfrm>
+            <a:off x="596160" y="3672000"/>
+            <a:ext cx="1419840" cy="0"/>
+          </a:xfrm>
+          <a:prstGeom prst="line">
+            <a:avLst/>
+          </a:prstGeom>
+          <a:ln w="76320">
+            <a:solidFill>
+              <a:schemeClr val="tx1"/>
+            </a:solidFill>
+          </a:ln>
+        </p:spPr>
+        <p:style>
+          <a:lnRef idx="1">
+            <a:schemeClr val="accent1"/>
+          </a:lnRef>
+          <a:fillRef idx="0">
+            <a:schemeClr val="accent1"/>
+          </a:fillRef>
+          <a:effectRef idx="0">
+            <a:schemeClr val="accent1"/>
+          </a:effectRef>
+          <a:fontRef idx="minor"/>
+        </p:style>
+      </p:sp>
+      <p:sp>
+        <p:nvSpPr>
+          <p:cNvPr id="175" name="Line 11"/>
+          <p:cNvSpPr/>
+          <p:nvPr/>
+        </p:nvSpPr>
+        <p:spPr>
+          <a:xfrm>
+            <a:off x="576000" y="3240000"/>
+            <a:ext cx="1419840" cy="0"/>
+          </a:xfrm>
+          <a:prstGeom prst="line">
+            <a:avLst/>
+          </a:prstGeom>
+          <a:ln w="76320">
+            <a:solidFill>
+              <a:schemeClr val="tx1"/>
+            </a:solidFill>
+          </a:ln>
+        </p:spPr>
+        <p:style>
+          <a:lnRef idx="1">
+            <a:schemeClr val="accent1"/>
+          </a:lnRef>
+          <a:fillRef idx="0">
+            <a:schemeClr val="accent1"/>
+          </a:fillRef>
+          <a:effectRef idx="0">
+            <a:schemeClr val="accent1"/>
+          </a:effectRef>
+          <a:fontRef idx="minor"/>
+        </p:style>
+      </p:sp>
+      <p:sp>
+        <p:nvSpPr>
+          <p:cNvPr id="176" name="CustomShape 12"/>
+          <p:cNvSpPr/>
+          <p:nvPr/>
+        </p:nvSpPr>
+        <p:spPr>
+          <a:xfrm>
+            <a:off x="1224000" y="2735640"/>
+            <a:ext cx="115200" cy="503640"/>
+          </a:xfrm>
+          <a:custGeom>
+            <a:avLst/>
+            <a:gdLst/>
+            <a:ahLst/>
+            <a:rect l="l" t="t" r="r" b="b"/>
+            <a:pathLst>
+              <a:path w="21600" h="21600">
+                <a:moveTo>
+                  <a:pt x="0" y="0"/>
+                </a:moveTo>
+                <a:lnTo>
+                  <a:pt x="21600" y="21600"/>
+                </a:lnTo>
+              </a:path>
+            </a:pathLst>
+          </a:custGeom>
+          <a:noFill/>
+          <a:ln>
+            <a:solidFill>
+              <a:schemeClr val="tx1"/>
+            </a:solidFill>
+            <a:tailEnd len="med" type="triangle" w="med"/>
+          </a:ln>
+        </p:spPr>
+        <p:style>
+          <a:lnRef idx="1">
+            <a:schemeClr val="accent1"/>
+          </a:lnRef>
+          <a:fillRef idx="0">
+            <a:schemeClr val="accent1"/>
+          </a:fillRef>
+          <a:effectRef idx="0">
+            <a:schemeClr val="accent1"/>
+          </a:effectRef>
+          <a:fontRef idx="minor"/>
+        </p:style>
+      </p:sp>
+      <p:sp>
+        <p:nvSpPr>
+          <p:cNvPr id="177" name="CustomShape 13"/>
+          <p:cNvSpPr/>
+          <p:nvPr/>
+        </p:nvSpPr>
+        <p:spPr>
+          <a:xfrm>
+            <a:off x="2088360" y="1584000"/>
+            <a:ext cx="1294920" cy="1223280"/>
+          </a:xfrm>
+          <a:prstGeom prst="ellipse">
+            <a:avLst/>
+          </a:prstGeom>
+          <a:ln>
+            <a:solidFill>
+              <a:srgbClr val="111111"/>
+            </a:solidFill>
+          </a:ln>
+        </p:spPr>
+        <p:style>
+          <a:lnRef idx="2">
+            <a:schemeClr val="accent6">
+              <a:shade val="50000"/>
+            </a:schemeClr>
+          </a:lnRef>
+          <a:fillRef idx="1">
+            <a:schemeClr val="accent6"/>
+          </a:fillRef>
+          <a:effectRef idx="0">
+            <a:schemeClr val="accent6"/>
+          </a:effectRef>
+          <a:fontRef idx="minor"/>
+        </p:style>
+        <p:txBody>
+          <a:bodyPr lIns="90000" rIns="90000" tIns="45000" bIns="45000" anchor="ctr">
+            <a:noAutofit/>
+          </a:bodyPr>
+          <a:p>
+            <a:pPr algn="ctr">
+              <a:lnSpc>
+                <a:spcPct val="100000"/>
+              </a:lnSpc>
+            </a:pPr>
+            <a:r>
+              <a:rPr b="0" lang="pt-BR" sz="1050" spc="-1" strike="noStrike">
+                <a:solidFill>
+                  <a:srgbClr val="ffffff"/>
+                </a:solidFill>
+                <a:latin typeface="Arial"/>
+                <a:ea typeface="DejaVu Sans"/>
+              </a:rPr>
+              <a:t>Enviar pedido priorizado</a:t>
+            </a:r>
+            <a:endParaRPr b="0" lang="pt-BR" sz="1050" spc="-1" strike="noStrike">
+              <a:latin typeface="Arial"/>
+            </a:endParaRPr>
+          </a:p>
+        </p:txBody>
+      </p:sp>
+      <p:sp>
+        <p:nvSpPr>
+          <p:cNvPr id="178" name="CustomShape 14"/>
+          <p:cNvSpPr/>
+          <p:nvPr/>
+        </p:nvSpPr>
+        <p:spPr>
+          <a:xfrm flipH="1">
+            <a:off x="1799280" y="2664000"/>
+            <a:ext cx="568800" cy="575280"/>
+          </a:xfrm>
+          <a:custGeom>
+            <a:avLst/>
+            <a:gdLst/>
+            <a:ahLst/>
+            <a:rect l="l" t="t" r="r" b="b"/>
+            <a:pathLst>
+              <a:path w="21600" h="21600">
+                <a:moveTo>
+                  <a:pt x="0" y="0"/>
+                </a:moveTo>
+                <a:lnTo>
+                  <a:pt x="21600" y="21600"/>
+                </a:lnTo>
+              </a:path>
+            </a:pathLst>
+          </a:custGeom>
+          <a:noFill/>
+          <a:ln>
+            <a:solidFill>
+              <a:schemeClr val="tx1"/>
+            </a:solidFill>
+            <a:headEnd len="med" type="triangle" w="med"/>
+            <a:tailEnd len="med" type="triangle" w="med"/>
+          </a:ln>
+        </p:spPr>
+        <p:style>
+          <a:lnRef idx="1">
+            <a:schemeClr val="accent1"/>
+          </a:lnRef>
+          <a:fillRef idx="0">
+            <a:schemeClr val="accent1"/>
+          </a:fillRef>
+          <a:effectRef idx="0">
+            <a:schemeClr val="accent1"/>
+          </a:effectRef>
+          <a:fontRef idx="minor"/>
+        </p:style>
+      </p:sp>
+      <p:sp>
+        <p:nvSpPr>
+          <p:cNvPr id="179" name="CustomShape 15"/>
+          <p:cNvSpPr/>
+          <p:nvPr/>
+        </p:nvSpPr>
+        <p:spPr>
+          <a:xfrm>
+            <a:off x="1872000" y="1107000"/>
+            <a:ext cx="841680" cy="257040"/>
+          </a:xfrm>
+          <a:prstGeom prst="rect">
+            <a:avLst/>
+          </a:prstGeom>
+          <a:noFill/>
+          <a:ln>
+            <a:noFill/>
+          </a:ln>
+        </p:spPr>
+        <p:style>
+          <a:lnRef idx="0"/>
+          <a:fillRef idx="0"/>
+          <a:effectRef idx="0"/>
+          <a:fontRef idx="minor"/>
+        </p:style>
+        <p:txBody>
+          <a:bodyPr lIns="90000" rIns="90000" tIns="45000" bIns="45000">
+            <a:spAutoFit/>
+          </a:bodyPr>
+          <a:p>
+            <a:pPr>
+              <a:lnSpc>
+                <a:spcPct val="100000"/>
+              </a:lnSpc>
+            </a:pPr>
+            <a:r>
+              <a:rPr b="0" lang="pt-BR" sz="1100" spc="-1" strike="noStrike">
+                <a:solidFill>
+                  <a:srgbClr val="000000"/>
+                </a:solidFill>
+                <a:latin typeface="Arial"/>
+                <a:ea typeface="DejaVu Sans"/>
+              </a:rPr>
+              <a:t>Pedido</a:t>
+            </a:r>
+            <a:endParaRPr b="0" lang="pt-BR" sz="1100" spc="-1" strike="noStrike">
+              <a:latin typeface="Arial"/>
+            </a:endParaRPr>
+          </a:p>
+        </p:txBody>
+      </p:sp>
+    </p:spTree>
+  </p:cSld>
+  <mc:AlternateContent>
+    <mc:Choice Requires="p14">
+      <p:transition spd="slow" p14:dur="2000"/>
+    </mc:Choice>
+    <mc:Fallback>
+      <p:transition spd="slow"/>
+    </mc:Fallback>
+  </mc:AlternateContent>
+</p:sld>
+</file>
+
+<file path=ppt/slides/slide7.xml><?xml version="1.0" encoding="utf-8"?>
+<p:sld xmlns:a="http://schemas.openxmlformats.org/drawingml/2006/main" xmlns:p="http://schemas.openxmlformats.org/presentationml/2006/main" xmlns:r="http://schemas.openxmlformats.org/officeDocument/2006/relationships" xmlns:p14="http://schemas.microsoft.com/office/powerpoint/2010/main" xmlns:p15="http://schemas.microsoft.com/office/powerpoint/2012/main" xmlns:mc="http://schemas.openxmlformats.org/markup-compatibility/2006">
+  <p:cSld>
+    <p:spTree>
+      <p:nvGrpSpPr>
+        <p:cNvPr id="1" name=""/>
+        <p:cNvGrpSpPr/>
+        <p:nvPr/>
+      </p:nvGrpSpPr>
+      <p:grpSpPr>
+        <a:xfrm>
+          <a:off x="0" y="0"/>
+          <a:ext cx="0" cy="0"/>
+          <a:chOff x="0" y="0"/>
+          <a:chExt cx="0" cy="0"/>
+        </a:xfrm>
+      </p:grpSpPr>
+      <p:sp>
+        <p:nvSpPr>
+          <p:cNvPr id="180" name="CustomShape 1"/>
+          <p:cNvSpPr/>
+          <p:nvPr/>
+        </p:nvSpPr>
+        <p:spPr>
+          <a:xfrm>
+            <a:off x="156240" y="91080"/>
+            <a:ext cx="841680" cy="581040"/>
+          </a:xfrm>
+          <a:prstGeom prst="rect">
+            <a:avLst/>
+          </a:prstGeom>
+          <a:gradFill rotWithShape="0">
+            <a:gsLst>
+              <a:gs pos="0">
+                <a:srgbClr val="d0d0d0"/>
+              </a:gs>
+              <a:gs pos="100000">
+                <a:srgbClr val="ededed">
+                  <a:alpha val="0"/>
+                </a:srgbClr>
+              </a:gs>
+            </a:gsLst>
+            <a:lin ang="16200000"/>
+          </a:gradFill>
+          <a:ln/>
+          <a:effectLst>
+            <a:outerShdw blurRad="40000" dir="5400000" dist="20160" rotWithShape="0">
+              <a:srgbClr val="000000">
+                <a:alpha val="38000"/>
+              </a:srgbClr>
+            </a:outerShdw>
+          </a:effectLst>
+        </p:spPr>
+        <p:style>
+          <a:lnRef idx="1">
+            <a:schemeClr val="dk1"/>
+          </a:lnRef>
+          <a:fillRef idx="2">
+            <a:schemeClr val="dk1"/>
+          </a:fillRef>
+          <a:effectRef idx="1">
+            <a:schemeClr val="dk1"/>
+          </a:effectRef>
+          <a:fontRef idx="minor"/>
+        </p:style>
+        <p:txBody>
+          <a:bodyPr lIns="90000" rIns="90000" tIns="45000" bIns="45000" anchor="ctr">
+            <a:noAutofit/>
+          </a:bodyPr>
+          <a:p>
+            <a:pPr algn="ctr">
+              <a:lnSpc>
+                <a:spcPct val="100000"/>
+              </a:lnSpc>
+            </a:pPr>
+            <a:r>
               <a:rPr b="0" lang="pt-BR" sz="1050" spc="-1" strike="noStrike">
                 <a:solidFill>
                   <a:srgbClr val="000000"/>
@@ -8386,14 +8725,492 @@
       </p:sp>
       <p:sp>
         <p:nvSpPr>
-          <p:cNvPr id="176" name="CustomShape 12"/>
+          <p:cNvPr id="181" name="CustomShape 2"/>
+          <p:cNvSpPr/>
+          <p:nvPr/>
+        </p:nvSpPr>
+        <p:spPr>
+          <a:xfrm>
+            <a:off x="270720" y="1271520"/>
+            <a:ext cx="998280" cy="811800"/>
+          </a:xfrm>
+          <a:prstGeom prst="ellipse">
+            <a:avLst/>
+          </a:prstGeom>
+          <a:ln/>
+        </p:spPr>
+        <p:style>
+          <a:lnRef idx="2">
+            <a:schemeClr val="accent6">
+              <a:shade val="50000"/>
+            </a:schemeClr>
+          </a:lnRef>
+          <a:fillRef idx="1">
+            <a:schemeClr val="accent6"/>
+          </a:fillRef>
+          <a:effectRef idx="0">
+            <a:schemeClr val="accent6"/>
+          </a:effectRef>
+          <a:fontRef idx="minor"/>
+        </p:style>
+        <p:txBody>
+          <a:bodyPr lIns="90000" rIns="90000" tIns="45000" bIns="45000" anchor="ctr">
+            <a:noAutofit/>
+          </a:bodyPr>
+          <a:p>
+            <a:pPr algn="ctr">
+              <a:lnSpc>
+                <a:spcPct val="100000"/>
+              </a:lnSpc>
+            </a:pPr>
+            <a:r>
+              <a:rPr b="0" lang="pt-BR" sz="800" spc="-1" strike="noStrike">
+                <a:solidFill>
+                  <a:srgbClr val="ffffff"/>
+                </a:solidFill>
+                <a:latin typeface="Arial"/>
+                <a:ea typeface="DejaVu Sans"/>
+              </a:rPr>
+              <a:t>Receber solicitação de produção</a:t>
+            </a:r>
+            <a:endParaRPr b="0" lang="pt-BR" sz="800" spc="-1" strike="noStrike">
+              <a:latin typeface="Arial"/>
+            </a:endParaRPr>
+          </a:p>
+        </p:txBody>
+      </p:sp>
+      <p:sp>
+        <p:nvSpPr>
+          <p:cNvPr id="182" name="CustomShape 3"/>
+          <p:cNvSpPr/>
+          <p:nvPr/>
+        </p:nvSpPr>
+        <p:spPr>
+          <a:xfrm>
+            <a:off x="577800" y="673920"/>
+            <a:ext cx="191160" cy="596160"/>
+          </a:xfrm>
+          <a:custGeom>
+            <a:avLst/>
+            <a:gdLst/>
+            <a:ahLst/>
+            <a:rect l="l" t="t" r="r" b="b"/>
+            <a:pathLst>
+              <a:path w="21600" h="21600">
+                <a:moveTo>
+                  <a:pt x="0" y="0"/>
+                </a:moveTo>
+                <a:lnTo>
+                  <a:pt x="21600" y="21600"/>
+                </a:lnTo>
+              </a:path>
+            </a:pathLst>
+          </a:custGeom>
+          <a:noFill/>
+          <a:ln>
+            <a:solidFill>
+              <a:schemeClr val="tx1"/>
+            </a:solidFill>
+            <a:tailEnd len="med" type="triangle" w="med"/>
+          </a:ln>
+        </p:spPr>
+        <p:style>
+          <a:lnRef idx="1">
+            <a:schemeClr val="accent1"/>
+          </a:lnRef>
+          <a:fillRef idx="0">
+            <a:schemeClr val="accent1"/>
+          </a:fillRef>
+          <a:effectRef idx="0">
+            <a:schemeClr val="accent1"/>
+          </a:effectRef>
+          <a:fontRef idx="minor"/>
+        </p:style>
+      </p:sp>
+      <p:sp>
+        <p:nvSpPr>
+          <p:cNvPr id="183" name="CustomShape 4"/>
+          <p:cNvSpPr/>
+          <p:nvPr/>
+        </p:nvSpPr>
+        <p:spPr>
+          <a:xfrm>
+            <a:off x="-44640" y="864720"/>
+            <a:ext cx="1362960" cy="211320"/>
+          </a:xfrm>
+          <a:prstGeom prst="rect">
+            <a:avLst/>
+          </a:prstGeom>
+          <a:noFill/>
+          <a:ln>
+            <a:noFill/>
+          </a:ln>
+        </p:spPr>
+        <p:style>
+          <a:lnRef idx="0"/>
+          <a:fillRef idx="0"/>
+          <a:effectRef idx="0"/>
+          <a:fontRef idx="minor"/>
+        </p:style>
+        <p:txBody>
+          <a:bodyPr lIns="90000" rIns="90000" tIns="45000" bIns="45000">
+            <a:spAutoFit/>
+          </a:bodyPr>
+          <a:p>
+            <a:pPr algn="ctr">
+              <a:lnSpc>
+                <a:spcPct val="100000"/>
+              </a:lnSpc>
+            </a:pPr>
+            <a:r>
+              <a:rPr b="0" lang="pt-BR" sz="800" spc="-1" strike="noStrike">
+                <a:solidFill>
+                  <a:srgbClr val="000000"/>
+                </a:solidFill>
+                <a:latin typeface="Arial"/>
+                <a:ea typeface="DejaVu Sans"/>
+              </a:rPr>
+              <a:t>solicitação de produção</a:t>
+            </a:r>
+            <a:endParaRPr b="0" lang="pt-BR" sz="800" spc="-1" strike="noStrike">
+              <a:latin typeface="Arial"/>
+            </a:endParaRPr>
+          </a:p>
+        </p:txBody>
+      </p:sp>
+      <p:sp>
+        <p:nvSpPr>
+          <p:cNvPr id="184" name="Line 5"/>
+          <p:cNvSpPr/>
+          <p:nvPr/>
+        </p:nvSpPr>
+        <p:spPr>
+          <a:xfrm>
+            <a:off x="400680" y="2901240"/>
+            <a:ext cx="1255320" cy="0"/>
+          </a:xfrm>
+          <a:prstGeom prst="line">
+            <a:avLst/>
+          </a:prstGeom>
+          <a:ln w="76320">
+            <a:solidFill>
+              <a:schemeClr val="tx1"/>
+            </a:solidFill>
+          </a:ln>
+        </p:spPr>
+        <p:style>
+          <a:lnRef idx="1">
+            <a:schemeClr val="accent1"/>
+          </a:lnRef>
+          <a:fillRef idx="0">
+            <a:schemeClr val="accent1"/>
+          </a:fillRef>
+          <a:effectRef idx="0">
+            <a:schemeClr val="accent1"/>
+          </a:effectRef>
+          <a:fontRef idx="minor"/>
+        </p:style>
+      </p:sp>
+      <p:sp>
+        <p:nvSpPr>
+          <p:cNvPr id="185" name="Line 6"/>
+          <p:cNvSpPr/>
+          <p:nvPr/>
+        </p:nvSpPr>
+        <p:spPr>
+          <a:xfrm>
+            <a:off x="371160" y="3180600"/>
+            <a:ext cx="1254960" cy="0"/>
+          </a:xfrm>
+          <a:prstGeom prst="line">
+            <a:avLst/>
+          </a:prstGeom>
+          <a:ln w="76320">
+            <a:solidFill>
+              <a:schemeClr val="tx1"/>
+            </a:solidFill>
+          </a:ln>
+        </p:spPr>
+        <p:style>
+          <a:lnRef idx="1">
+            <a:schemeClr val="accent1"/>
+          </a:lnRef>
+          <a:fillRef idx="0">
+            <a:schemeClr val="accent1"/>
+          </a:fillRef>
+          <a:effectRef idx="0">
+            <a:schemeClr val="accent1"/>
+          </a:effectRef>
+          <a:fontRef idx="minor"/>
+        </p:style>
+      </p:sp>
+      <p:sp>
+        <p:nvSpPr>
+          <p:cNvPr id="186" name="CustomShape 7"/>
+          <p:cNvSpPr/>
+          <p:nvPr/>
+        </p:nvSpPr>
+        <p:spPr>
+          <a:xfrm>
+            <a:off x="770760" y="2084760"/>
+            <a:ext cx="158040" cy="690120"/>
+          </a:xfrm>
+          <a:custGeom>
+            <a:avLst/>
+            <a:gdLst/>
+            <a:ahLst/>
+            <a:rect l="l" t="t" r="r" b="b"/>
+            <a:pathLst>
+              <a:path w="21600" h="21600">
+                <a:moveTo>
+                  <a:pt x="0" y="0"/>
+                </a:moveTo>
+                <a:lnTo>
+                  <a:pt x="21600" y="21600"/>
+                </a:lnTo>
+              </a:path>
+            </a:pathLst>
+          </a:custGeom>
+          <a:noFill/>
+          <a:ln>
+            <a:solidFill>
+              <a:schemeClr val="tx1"/>
+            </a:solidFill>
+            <a:tailEnd len="med" type="triangle" w="med"/>
+          </a:ln>
+        </p:spPr>
+        <p:style>
+          <a:lnRef idx="1">
+            <a:schemeClr val="accent1"/>
+          </a:lnRef>
+          <a:fillRef idx="0">
+            <a:schemeClr val="accent1"/>
+          </a:fillRef>
+          <a:effectRef idx="0">
+            <a:schemeClr val="accent1"/>
+          </a:effectRef>
+          <a:fontRef idx="minor"/>
+        </p:style>
+      </p:sp>
+      <p:sp>
+        <p:nvSpPr>
+          <p:cNvPr id="187" name="CustomShape 8"/>
+          <p:cNvSpPr/>
+          <p:nvPr/>
+        </p:nvSpPr>
+        <p:spPr>
+          <a:xfrm>
+            <a:off x="325440" y="2939400"/>
+            <a:ext cx="1315080" cy="211320"/>
+          </a:xfrm>
+          <a:prstGeom prst="rect">
+            <a:avLst/>
+          </a:prstGeom>
+          <a:noFill/>
+          <a:ln>
+            <a:noFill/>
+          </a:ln>
+        </p:spPr>
+        <p:style>
+          <a:lnRef idx="0"/>
+          <a:fillRef idx="0"/>
+          <a:effectRef idx="0"/>
+          <a:fontRef idx="minor"/>
+        </p:style>
+        <p:txBody>
+          <a:bodyPr lIns="90000" rIns="90000" tIns="45000" bIns="45000">
+            <a:spAutoFit/>
+          </a:bodyPr>
+          <a:p>
+            <a:pPr algn="ctr">
+              <a:lnSpc>
+                <a:spcPct val="100000"/>
+              </a:lnSpc>
+            </a:pPr>
+            <a:r>
+              <a:rPr b="0" lang="pt-BR" sz="800" spc="-1" strike="noStrike">
+                <a:solidFill>
+                  <a:srgbClr val="000000"/>
+                </a:solidFill>
+                <a:latin typeface="Arial"/>
+                <a:ea typeface="DejaVu Sans"/>
+              </a:rPr>
+              <a:t>Solicitação de produção</a:t>
+            </a:r>
+            <a:endParaRPr b="0" lang="pt-BR" sz="800" spc="-1" strike="noStrike">
+              <a:latin typeface="Arial"/>
+            </a:endParaRPr>
+          </a:p>
+        </p:txBody>
+      </p:sp>
+      <p:sp>
+        <p:nvSpPr>
+          <p:cNvPr id="188" name="Line 9"/>
+          <p:cNvSpPr/>
+          <p:nvPr/>
+        </p:nvSpPr>
+        <p:spPr>
+          <a:xfrm flipV="1">
+            <a:off x="2176560" y="2923560"/>
+            <a:ext cx="802080" cy="1080"/>
+          </a:xfrm>
+          <a:prstGeom prst="line">
+            <a:avLst/>
+          </a:prstGeom>
+          <a:ln w="76320">
+            <a:solidFill>
+              <a:schemeClr val="tx1"/>
+            </a:solidFill>
+          </a:ln>
+        </p:spPr>
+        <p:style>
+          <a:lnRef idx="1">
+            <a:schemeClr val="accent1"/>
+          </a:lnRef>
+          <a:fillRef idx="0">
+            <a:schemeClr val="accent1"/>
+          </a:fillRef>
+          <a:effectRef idx="0">
+            <a:schemeClr val="accent1"/>
+          </a:effectRef>
+          <a:fontRef idx="minor"/>
+        </p:style>
+      </p:sp>
+      <p:sp>
+        <p:nvSpPr>
+          <p:cNvPr id="189" name="CustomShape 10"/>
+          <p:cNvSpPr/>
+          <p:nvPr/>
+        </p:nvSpPr>
+        <p:spPr>
+          <a:xfrm>
+            <a:off x="2090520" y="2924280"/>
+            <a:ext cx="973080" cy="211320"/>
+          </a:xfrm>
+          <a:prstGeom prst="rect">
+            <a:avLst/>
+          </a:prstGeom>
+          <a:noFill/>
+          <a:ln>
+            <a:noFill/>
+          </a:ln>
+        </p:spPr>
+        <p:style>
+          <a:lnRef idx="0"/>
+          <a:fillRef idx="0"/>
+          <a:effectRef idx="0"/>
+          <a:fontRef idx="minor"/>
+        </p:style>
+        <p:txBody>
+          <a:bodyPr lIns="90000" rIns="90000" tIns="45000" bIns="45000">
+            <a:spAutoFit/>
+          </a:bodyPr>
+          <a:p>
+            <a:pPr algn="ctr">
+              <a:lnSpc>
+                <a:spcPct val="100000"/>
+              </a:lnSpc>
+            </a:pPr>
+            <a:r>
+              <a:rPr b="0" lang="pt-BR" sz="800" spc="-1" strike="noStrike">
+                <a:solidFill>
+                  <a:srgbClr val="000000"/>
+                </a:solidFill>
+                <a:latin typeface="Arial"/>
+                <a:ea typeface="DejaVu Sans"/>
+              </a:rPr>
+              <a:t>Componente</a:t>
+            </a:r>
+            <a:endParaRPr b="0" lang="pt-BR" sz="800" spc="-1" strike="noStrike">
+              <a:latin typeface="Arial"/>
+            </a:endParaRPr>
+          </a:p>
+        </p:txBody>
+      </p:sp>
+      <p:sp>
+        <p:nvSpPr>
+          <p:cNvPr id="190" name="CustomShape 11"/>
+          <p:cNvSpPr/>
+          <p:nvPr/>
+        </p:nvSpPr>
+        <p:spPr>
+          <a:xfrm>
+            <a:off x="3184200" y="177480"/>
+            <a:ext cx="841680" cy="581040"/>
+          </a:xfrm>
+          <a:prstGeom prst="rect">
+            <a:avLst/>
+          </a:prstGeom>
+          <a:gradFill rotWithShape="0">
+            <a:gsLst>
+              <a:gs pos="0">
+                <a:srgbClr val="d0d0d0"/>
+              </a:gs>
+              <a:gs pos="100000">
+                <a:srgbClr val="ededed">
+                  <a:alpha val="0"/>
+                </a:srgbClr>
+              </a:gs>
+            </a:gsLst>
+            <a:lin ang="16200000"/>
+          </a:gradFill>
+          <a:ln/>
+          <a:effectLst>
+            <a:outerShdw blurRad="40000" dir="5400000" dist="20160" rotWithShape="0">
+              <a:srgbClr val="000000">
+                <a:alpha val="38000"/>
+              </a:srgbClr>
+            </a:outerShdw>
+          </a:effectLst>
+        </p:spPr>
+        <p:style>
+          <a:lnRef idx="1">
+            <a:schemeClr val="dk1"/>
+          </a:lnRef>
+          <a:fillRef idx="2">
+            <a:schemeClr val="dk1"/>
+          </a:fillRef>
+          <a:effectRef idx="1">
+            <a:schemeClr val="dk1"/>
+          </a:effectRef>
+          <a:fontRef idx="minor"/>
+        </p:style>
+        <p:txBody>
+          <a:bodyPr lIns="90000" rIns="90000" tIns="45000" bIns="45000" anchor="ctr">
+            <a:noAutofit/>
+          </a:bodyPr>
+          <a:p>
+            <a:pPr algn="ctr">
+              <a:lnSpc>
+                <a:spcPct val="100000"/>
+              </a:lnSpc>
+            </a:pPr>
+            <a:r>
+              <a:rPr b="0" lang="pt-BR" sz="1050" spc="-1" strike="noStrike">
+                <a:solidFill>
+                  <a:srgbClr val="000000"/>
+                </a:solidFill>
+                <a:latin typeface="Arial"/>
+                <a:ea typeface="DejaVu Sans"/>
+              </a:rPr>
+              <a:t>Comercial</a:t>
+            </a:r>
+            <a:endParaRPr b="0" lang="pt-BR" sz="1050" spc="-1" strike="noStrike">
+              <a:latin typeface="Arial"/>
+            </a:endParaRPr>
+          </a:p>
+        </p:txBody>
+      </p:sp>
+      <p:sp>
+        <p:nvSpPr>
+          <p:cNvPr id="191" name="CustomShape 12"/>
           <p:cNvSpPr/>
           <p:nvPr/>
         </p:nvSpPr>
         <p:spPr>
           <a:xfrm>
             <a:off x="2892600" y="1319400"/>
-            <a:ext cx="873720" cy="764280"/>
+            <a:ext cx="873360" cy="763920"/>
           </a:xfrm>
           <a:prstGeom prst="ellipse">
             <a:avLst/>
@@ -8442,14 +9259,14 @@
       </p:sp>
       <p:sp>
         <p:nvSpPr>
-          <p:cNvPr id="177" name="CustomShape 13"/>
+          <p:cNvPr id="192" name="CustomShape 13"/>
           <p:cNvSpPr/>
           <p:nvPr/>
         </p:nvSpPr>
         <p:spPr>
           <a:xfrm flipV="1">
             <a:off x="3330000" y="758520"/>
-            <a:ext cx="274680" cy="558360"/>
+            <a:ext cx="274320" cy="558000"/>
           </a:xfrm>
           <a:custGeom>
             <a:avLst/>
@@ -8490,7 +9307,7 @@
       </p:sp>
       <p:sp>
         <p:nvSpPr>
-          <p:cNvPr id="178" name="Line 14"/>
+          <p:cNvPr id="193" name="Line 14"/>
           <p:cNvSpPr/>
           <p:nvPr/>
         </p:nvSpPr>
@@ -8523,7 +9340,7 @@
       </p:sp>
       <p:sp>
         <p:nvSpPr>
-          <p:cNvPr id="179" name="Line 15"/>
+          <p:cNvPr id="194" name="Line 15"/>
           <p:cNvSpPr/>
           <p:nvPr/>
         </p:nvSpPr>
@@ -8556,14 +9373,14 @@
       </p:sp>
       <p:sp>
         <p:nvSpPr>
-          <p:cNvPr id="180" name="CustomShape 16"/>
+          <p:cNvPr id="195" name="CustomShape 16"/>
           <p:cNvSpPr/>
           <p:nvPr/>
         </p:nvSpPr>
         <p:spPr>
           <a:xfrm>
             <a:off x="4329360" y="2892960"/>
-            <a:ext cx="788760" cy="333000"/>
+            <a:ext cx="788400" cy="333000"/>
           </a:xfrm>
           <a:prstGeom prst="rect">
             <a:avLst/>
@@ -8607,14 +9424,14 @@
       </p:sp>
       <p:sp>
         <p:nvSpPr>
-          <p:cNvPr id="181" name="CustomShape 17"/>
+          <p:cNvPr id="196" name="CustomShape 17"/>
           <p:cNvSpPr/>
           <p:nvPr/>
         </p:nvSpPr>
         <p:spPr>
           <a:xfrm>
             <a:off x="4267080" y="4548960"/>
-            <a:ext cx="1078200" cy="685440"/>
+            <a:ext cx="1077840" cy="685080"/>
           </a:xfrm>
           <a:prstGeom prst="ellipse">
             <a:avLst/>
@@ -8663,14 +9480,14 @@
       </p:sp>
       <p:sp>
         <p:nvSpPr>
-          <p:cNvPr id="182" name="CustomShape 18"/>
+          <p:cNvPr id="197" name="CustomShape 18"/>
           <p:cNvSpPr/>
           <p:nvPr/>
         </p:nvSpPr>
         <p:spPr>
           <a:xfrm flipH="1" flipV="1">
-            <a:off x="4140720" y="3318840"/>
-            <a:ext cx="439560" cy="1270440"/>
+            <a:off x="4140360" y="3318840"/>
+            <a:ext cx="439200" cy="1270080"/>
           </a:xfrm>
           <a:custGeom>
             <a:avLst/>
@@ -8712,14 +9529,14 @@
       </p:sp>
       <p:sp>
         <p:nvSpPr>
-          <p:cNvPr id="183" name="CustomShape 19"/>
+          <p:cNvPr id="198" name="CustomShape 19"/>
           <p:cNvSpPr/>
           <p:nvPr/>
         </p:nvSpPr>
         <p:spPr>
           <a:xfrm>
             <a:off x="2676240" y="736920"/>
-            <a:ext cx="842040" cy="454680"/>
+            <a:ext cx="841680" cy="454680"/>
           </a:xfrm>
           <a:prstGeom prst="rect">
             <a:avLst/>
@@ -8763,14 +9580,14 @@
       </p:sp>
       <p:sp>
         <p:nvSpPr>
-          <p:cNvPr id="184" name="CustomShape 20"/>
+          <p:cNvPr id="199" name="CustomShape 20"/>
           <p:cNvSpPr/>
           <p:nvPr/>
         </p:nvSpPr>
         <p:spPr>
           <a:xfrm flipH="1">
             <a:off x="1384920" y="1702080"/>
-            <a:ext cx="1505160" cy="1098720"/>
+            <a:ext cx="1504800" cy="1098360"/>
           </a:xfrm>
           <a:custGeom>
             <a:avLst/>
@@ -8812,7 +9629,7 @@
       </p:sp>
       <p:sp>
         <p:nvSpPr>
-          <p:cNvPr id="185" name="Line 21"/>
+          <p:cNvPr id="200" name="Line 21"/>
           <p:cNvSpPr/>
           <p:nvPr/>
         </p:nvSpPr>
@@ -8845,14 +9662,14 @@
       </p:sp>
       <p:sp>
         <p:nvSpPr>
-          <p:cNvPr id="186" name="CustomShape 22"/>
+          <p:cNvPr id="201" name="CustomShape 22"/>
           <p:cNvSpPr/>
           <p:nvPr/>
         </p:nvSpPr>
         <p:spPr>
           <a:xfrm>
             <a:off x="3161520" y="2861280"/>
-            <a:ext cx="1203480" cy="333000"/>
+            <a:ext cx="1203120" cy="333000"/>
           </a:xfrm>
           <a:prstGeom prst="rect">
             <a:avLst/>
@@ -8896,14 +9713,14 @@
       </p:sp>
       <p:sp>
         <p:nvSpPr>
-          <p:cNvPr id="187" name="CustomShape 23"/>
+          <p:cNvPr id="202" name="CustomShape 23"/>
           <p:cNvSpPr/>
           <p:nvPr/>
         </p:nvSpPr>
         <p:spPr>
           <a:xfrm>
             <a:off x="3119760" y="3897720"/>
-            <a:ext cx="1078200" cy="685440"/>
+            <a:ext cx="1077840" cy="685080"/>
           </a:xfrm>
           <a:prstGeom prst="ellipse">
             <a:avLst/>
@@ -8952,14 +9769,14 @@
       </p:sp>
       <p:sp>
         <p:nvSpPr>
-          <p:cNvPr id="188" name="CustomShape 24"/>
+          <p:cNvPr id="203" name="CustomShape 24"/>
           <p:cNvSpPr/>
           <p:nvPr/>
         </p:nvSpPr>
         <p:spPr>
           <a:xfrm flipV="1">
-            <a:off x="3659400" y="3304080"/>
-            <a:ext cx="106920" cy="591840"/>
+            <a:off x="3659400" y="3303360"/>
+            <a:ext cx="106560" cy="591480"/>
           </a:xfrm>
           <a:custGeom>
             <a:avLst/>
@@ -9001,14 +9818,14 @@
       </p:sp>
       <p:sp>
         <p:nvSpPr>
-          <p:cNvPr id="189" name="CustomShape 25"/>
+          <p:cNvPr id="204" name="CustomShape 25"/>
           <p:cNvSpPr/>
           <p:nvPr/>
         </p:nvSpPr>
         <p:spPr>
           <a:xfrm flipH="1" flipV="1">
             <a:off x="3328560" y="2083320"/>
-            <a:ext cx="391320" cy="716040"/>
+            <a:ext cx="390960" cy="715680"/>
           </a:xfrm>
           <a:custGeom>
             <a:avLst/>
@@ -9050,14 +9867,14 @@
       </p:sp>
       <p:sp>
         <p:nvSpPr>
-          <p:cNvPr id="190" name="CustomShape 26"/>
+          <p:cNvPr id="205" name="CustomShape 26"/>
           <p:cNvSpPr/>
           <p:nvPr/>
         </p:nvSpPr>
         <p:spPr>
           <a:xfrm flipH="1" flipV="1">
-            <a:off x="2575800" y="3287160"/>
-            <a:ext cx="699120" cy="708840"/>
+            <a:off x="2574720" y="3287160"/>
+            <a:ext cx="698760" cy="708480"/>
           </a:xfrm>
           <a:custGeom>
             <a:avLst/>
@@ -9099,14 +9916,14 @@
       </p:sp>
       <p:sp>
         <p:nvSpPr>
-          <p:cNvPr id="191" name="CustomShape 27"/>
+          <p:cNvPr id="206" name="CustomShape 27"/>
           <p:cNvSpPr/>
           <p:nvPr/>
         </p:nvSpPr>
         <p:spPr>
           <a:xfrm flipV="1">
-            <a:off x="3904920" y="3319200"/>
-            <a:ext cx="541080" cy="542880"/>
+            <a:off x="3904920" y="3318480"/>
+            <a:ext cx="540720" cy="542520"/>
           </a:xfrm>
           <a:custGeom>
             <a:avLst/>
@@ -9148,7 +9965,7 @@
       </p:sp>
       <p:sp>
         <p:nvSpPr>
-          <p:cNvPr id="192" name="Line 28"/>
+          <p:cNvPr id="207" name="Line 28"/>
           <p:cNvSpPr/>
           <p:nvPr/>
         </p:nvSpPr>
@@ -9181,7 +9998,7 @@
       </p:sp>
       <p:sp>
         <p:nvSpPr>
-          <p:cNvPr id="193" name="Line 29"/>
+          <p:cNvPr id="208" name="Line 29"/>
           <p:cNvSpPr/>
           <p:nvPr/>
         </p:nvSpPr>
@@ -9214,14 +10031,14 @@
       </p:sp>
       <p:sp>
         <p:nvSpPr>
-          <p:cNvPr id="194" name="CustomShape 30"/>
+          <p:cNvPr id="209" name="CustomShape 30"/>
           <p:cNvSpPr/>
           <p:nvPr/>
         </p:nvSpPr>
         <p:spPr>
           <a:xfrm>
             <a:off x="5222520" y="2901240"/>
-            <a:ext cx="718920" cy="333000"/>
+            <a:ext cx="718560" cy="333000"/>
           </a:xfrm>
           <a:prstGeom prst="rect">
             <a:avLst/>
@@ -9265,14 +10082,14 @@
       </p:sp>
       <p:sp>
         <p:nvSpPr>
-          <p:cNvPr id="195" name="CustomShape 31"/>
+          <p:cNvPr id="210" name="CustomShape 31"/>
           <p:cNvSpPr/>
           <p:nvPr/>
         </p:nvSpPr>
         <p:spPr>
           <a:xfrm>
             <a:off x="4726800" y="3331080"/>
-            <a:ext cx="78840" cy="1216800"/>
+            <a:ext cx="78480" cy="1216440"/>
           </a:xfrm>
           <a:custGeom>
             <a:avLst/>
@@ -9313,14 +10130,14 @@
       </p:sp>
       <p:sp>
         <p:nvSpPr>
-          <p:cNvPr id="196" name="CustomShape 32"/>
+          <p:cNvPr id="211" name="CustomShape 32"/>
           <p:cNvSpPr/>
           <p:nvPr/>
         </p:nvSpPr>
         <p:spPr>
           <a:xfrm>
             <a:off x="5470560" y="4287600"/>
-            <a:ext cx="1078200" cy="685440"/>
+            <a:ext cx="1077840" cy="685080"/>
           </a:xfrm>
           <a:prstGeom prst="ellipse">
             <a:avLst/>
@@ -9369,14 +10186,14 @@
       </p:sp>
       <p:sp>
         <p:nvSpPr>
-          <p:cNvPr id="197" name="CustomShape 33"/>
+          <p:cNvPr id="212" name="CustomShape 33"/>
           <p:cNvSpPr/>
           <p:nvPr/>
         </p:nvSpPr>
         <p:spPr>
           <a:xfrm>
             <a:off x="4930920" y="3388320"/>
-            <a:ext cx="696600" cy="998640"/>
+            <a:ext cx="696240" cy="998280"/>
           </a:xfrm>
           <a:custGeom>
             <a:avLst/>
@@ -9418,7 +10235,7 @@
       </p:sp>
       <p:sp>
         <p:nvSpPr>
-          <p:cNvPr id="198" name="Line 34"/>
+          <p:cNvPr id="213" name="Line 34"/>
           <p:cNvSpPr/>
           <p:nvPr/>
         </p:nvSpPr>
@@ -9451,7 +10268,7 @@
       </p:sp>
       <p:sp>
         <p:nvSpPr>
-          <p:cNvPr id="199" name="Line 35"/>
+          <p:cNvPr id="214" name="Line 35"/>
           <p:cNvSpPr/>
           <p:nvPr/>
         </p:nvSpPr>
@@ -9484,14 +10301,14 @@
       </p:sp>
       <p:sp>
         <p:nvSpPr>
-          <p:cNvPr id="200" name="CustomShape 36"/>
+          <p:cNvPr id="215" name="CustomShape 36"/>
           <p:cNvSpPr/>
           <p:nvPr/>
         </p:nvSpPr>
         <p:spPr>
           <a:xfrm>
             <a:off x="6766920" y="4044960"/>
-            <a:ext cx="891000" cy="685440"/>
+            <a:ext cx="890640" cy="685080"/>
           </a:xfrm>
           <a:prstGeom prst="ellipse">
             <a:avLst/>
@@ -9540,14 +10357,14 @@
       </p:sp>
       <p:sp>
         <p:nvSpPr>
-          <p:cNvPr id="201" name="CustomShape 37"/>
+          <p:cNvPr id="216" name="CustomShape 37"/>
           <p:cNvSpPr/>
           <p:nvPr/>
         </p:nvSpPr>
         <p:spPr>
           <a:xfrm>
             <a:off x="7795440" y="4255560"/>
-            <a:ext cx="891000" cy="685440"/>
+            <a:ext cx="890640" cy="685080"/>
           </a:xfrm>
           <a:prstGeom prst="ellipse">
             <a:avLst/>
@@ -9596,14 +10413,14 @@
       </p:sp>
       <p:sp>
         <p:nvSpPr>
-          <p:cNvPr id="202" name="CustomShape 38"/>
+          <p:cNvPr id="217" name="CustomShape 38"/>
           <p:cNvSpPr/>
           <p:nvPr/>
         </p:nvSpPr>
         <p:spPr>
           <a:xfrm>
             <a:off x="5731560" y="3331080"/>
-            <a:ext cx="277200" cy="955440"/>
+            <a:ext cx="276840" cy="955080"/>
           </a:xfrm>
           <a:custGeom>
             <a:avLst/>
@@ -9645,7 +10462,7 @@
       </p:sp>
       <p:sp>
         <p:nvSpPr>
-          <p:cNvPr id="203" name="Line 39"/>
+          <p:cNvPr id="218" name="Line 39"/>
           <p:cNvSpPr/>
           <p:nvPr/>
         </p:nvSpPr>
@@ -9678,7 +10495,7 @@
       </p:sp>
       <p:sp>
         <p:nvSpPr>
-          <p:cNvPr id="204" name="Line 40"/>
+          <p:cNvPr id="219" name="Line 40"/>
           <p:cNvSpPr/>
           <p:nvPr/>
         </p:nvSpPr>
@@ -9711,14 +10528,14 @@
       </p:sp>
       <p:sp>
         <p:nvSpPr>
-          <p:cNvPr id="205" name="CustomShape 41"/>
+          <p:cNvPr id="220" name="CustomShape 41"/>
           <p:cNvSpPr/>
           <p:nvPr/>
         </p:nvSpPr>
         <p:spPr>
           <a:xfrm>
             <a:off x="5942160" y="2930760"/>
-            <a:ext cx="1029960" cy="333000"/>
+            <a:ext cx="1029600" cy="333000"/>
           </a:xfrm>
           <a:prstGeom prst="rect">
             <a:avLst/>
@@ -9762,7 +10579,7 @@
       </p:sp>
       <p:sp>
         <p:nvSpPr>
-          <p:cNvPr id="206" name="Line 42"/>
+          <p:cNvPr id="221" name="Line 42"/>
           <p:cNvSpPr/>
           <p:nvPr/>
         </p:nvSpPr>
@@ -9795,7 +10612,7 @@
       </p:sp>
       <p:sp>
         <p:nvSpPr>
-          <p:cNvPr id="207" name="Line 43"/>
+          <p:cNvPr id="222" name="Line 43"/>
           <p:cNvSpPr/>
           <p:nvPr/>
         </p:nvSpPr>
@@ -9828,14 +10645,14 @@
       </p:sp>
       <p:sp>
         <p:nvSpPr>
-          <p:cNvPr id="208" name="CustomShape 44"/>
+          <p:cNvPr id="223" name="CustomShape 44"/>
           <p:cNvSpPr/>
           <p:nvPr/>
         </p:nvSpPr>
         <p:spPr>
           <a:xfrm>
             <a:off x="7027920" y="2944800"/>
-            <a:ext cx="1029960" cy="333000"/>
+            <a:ext cx="1029600" cy="333000"/>
           </a:xfrm>
           <a:prstGeom prst="rect">
             <a:avLst/>
@@ -9879,14 +10696,14 @@
       </p:sp>
       <p:sp>
         <p:nvSpPr>
-          <p:cNvPr id="209" name="CustomShape 45"/>
+          <p:cNvPr id="224" name="CustomShape 45"/>
           <p:cNvSpPr/>
           <p:nvPr/>
         </p:nvSpPr>
         <p:spPr>
           <a:xfrm flipH="1">
-            <a:off x="4848840" y="1698840"/>
-            <a:ext cx="1376640" cy="1093680"/>
+            <a:off x="4848120" y="1698840"/>
+            <a:ext cx="1376280" cy="1093320"/>
           </a:xfrm>
           <a:custGeom>
             <a:avLst/>
@@ -9928,14 +10745,14 @@
       </p:sp>
       <p:sp>
         <p:nvSpPr>
-          <p:cNvPr id="210" name="CustomShape 46"/>
+          <p:cNvPr id="225" name="CustomShape 46"/>
           <p:cNvSpPr/>
           <p:nvPr/>
         </p:nvSpPr>
         <p:spPr>
           <a:xfrm>
             <a:off x="6607440" y="1779480"/>
-            <a:ext cx="360" cy="1049400"/>
+            <a:ext cx="360" cy="1049040"/>
           </a:xfrm>
           <a:custGeom>
             <a:avLst/>
@@ -9977,14 +10794,14 @@
       </p:sp>
       <p:sp>
         <p:nvSpPr>
-          <p:cNvPr id="211" name="CustomShape 47"/>
+          <p:cNvPr id="226" name="CustomShape 47"/>
           <p:cNvSpPr/>
           <p:nvPr/>
         </p:nvSpPr>
         <p:spPr>
           <a:xfrm>
             <a:off x="6998040" y="1677960"/>
-            <a:ext cx="483120" cy="1067400"/>
+            <a:ext cx="482760" cy="1067040"/>
           </a:xfrm>
           <a:custGeom>
             <a:avLst/>
@@ -10026,14 +10843,14 @@
       </p:sp>
       <p:sp>
         <p:nvSpPr>
-          <p:cNvPr id="212" name="CustomShape 48"/>
+          <p:cNvPr id="227" name="CustomShape 48"/>
           <p:cNvSpPr/>
           <p:nvPr/>
         </p:nvSpPr>
         <p:spPr>
           <a:xfrm>
             <a:off x="5871240" y="704520"/>
-            <a:ext cx="1385280" cy="979560"/>
+            <a:ext cx="1384920" cy="979200"/>
           </a:xfrm>
           <a:prstGeom prst="ellipse">
             <a:avLst/>
@@ -10082,7 +10899,7 @@
       </p:sp>
       <p:sp>
         <p:nvSpPr>
-          <p:cNvPr id="213" name="Line 49"/>
+          <p:cNvPr id="228" name="Line 49"/>
           <p:cNvSpPr/>
           <p:nvPr/>
         </p:nvSpPr>
@@ -10115,7 +10932,7 @@
       </p:sp>
       <p:sp>
         <p:nvSpPr>
-          <p:cNvPr id="214" name="Line 50"/>
+          <p:cNvPr id="229" name="Line 50"/>
           <p:cNvSpPr/>
           <p:nvPr/>
         </p:nvSpPr>
@@ -10148,14 +10965,14 @@
       </p:sp>
       <p:sp>
         <p:nvSpPr>
-          <p:cNvPr id="215" name="CustomShape 51"/>
+          <p:cNvPr id="230" name="CustomShape 51"/>
           <p:cNvSpPr/>
           <p:nvPr/>
         </p:nvSpPr>
         <p:spPr>
           <a:xfrm>
             <a:off x="8078760" y="2955600"/>
-            <a:ext cx="796680" cy="333000"/>
+            <a:ext cx="796320" cy="333000"/>
           </a:xfrm>
           <a:prstGeom prst="rect">
             <a:avLst/>
@@ -10199,14 +11016,14 @@
       </p:sp>
       <p:sp>
         <p:nvSpPr>
-          <p:cNvPr id="216" name="CustomShape 52"/>
+          <p:cNvPr id="231" name="CustomShape 52"/>
           <p:cNvSpPr/>
           <p:nvPr/>
         </p:nvSpPr>
         <p:spPr>
           <a:xfrm>
             <a:off x="5868000" y="3349080"/>
-            <a:ext cx="897840" cy="875880"/>
+            <a:ext cx="897480" cy="875520"/>
           </a:xfrm>
           <a:custGeom>
             <a:avLst/>
@@ -10248,14 +11065,14 @@
       </p:sp>
       <p:sp>
         <p:nvSpPr>
-          <p:cNvPr id="217" name="CustomShape 53"/>
+          <p:cNvPr id="232" name="CustomShape 53"/>
           <p:cNvSpPr/>
           <p:nvPr/>
         </p:nvSpPr>
         <p:spPr>
           <a:xfrm>
             <a:off x="6607440" y="3335760"/>
-            <a:ext cx="440640" cy="649800"/>
+            <a:ext cx="440280" cy="649440"/>
           </a:xfrm>
           <a:custGeom>
             <a:avLst/>
@@ -10297,14 +11114,14 @@
       </p:sp>
       <p:sp>
         <p:nvSpPr>
-          <p:cNvPr id="218" name="CustomShape 54"/>
+          <p:cNvPr id="233" name="CustomShape 54"/>
           <p:cNvSpPr/>
           <p:nvPr/>
         </p:nvSpPr>
         <p:spPr>
           <a:xfrm>
             <a:off x="7538040" y="3388320"/>
-            <a:ext cx="469440" cy="836280"/>
+            <a:ext cx="469080" cy="835920"/>
           </a:xfrm>
           <a:custGeom>
             <a:avLst/>
@@ -10346,14 +11163,14 @@
       </p:sp>
       <p:sp>
         <p:nvSpPr>
-          <p:cNvPr id="219" name="CustomShape 55"/>
+          <p:cNvPr id="234" name="CustomShape 55"/>
           <p:cNvSpPr/>
           <p:nvPr/>
         </p:nvSpPr>
         <p:spPr>
           <a:xfrm flipH="1">
-            <a:off x="8317440" y="3388320"/>
-            <a:ext cx="110880" cy="836280"/>
+            <a:off x="8316720" y="3388320"/>
+            <a:ext cx="110520" cy="835920"/>
           </a:xfrm>
           <a:custGeom>
             <a:avLst/>
@@ -10395,7 +11212,7 @@
       </p:sp>
       <p:sp>
         <p:nvSpPr>
-          <p:cNvPr id="220" name="Line 56"/>
+          <p:cNvPr id="235" name="Line 56"/>
           <p:cNvSpPr/>
           <p:nvPr/>
         </p:nvSpPr>
@@ -10428,7 +11245,7 @@
       </p:sp>
       <p:sp>
         <p:nvSpPr>
-          <p:cNvPr id="221" name="Line 57"/>
+          <p:cNvPr id="236" name="Line 57"/>
           <p:cNvSpPr/>
           <p:nvPr/>
         </p:nvSpPr>
@@ -10461,14 +11278,14 @@
       </p:sp>
       <p:sp>
         <p:nvSpPr>
-          <p:cNvPr id="222" name="CustomShape 58"/>
+          <p:cNvPr id="237" name="CustomShape 58"/>
           <p:cNvSpPr/>
           <p:nvPr/>
         </p:nvSpPr>
         <p:spPr>
           <a:xfrm>
             <a:off x="8957520" y="2930760"/>
-            <a:ext cx="796680" cy="333000"/>
+            <a:ext cx="796320" cy="333000"/>
           </a:xfrm>
           <a:prstGeom prst="rect">
             <a:avLst/>
@@ -10512,14 +11329,14 @@
       </p:sp>
       <p:sp>
         <p:nvSpPr>
-          <p:cNvPr id="223" name="CustomShape 59"/>
+          <p:cNvPr id="238" name="CustomShape 59"/>
           <p:cNvSpPr/>
           <p:nvPr/>
         </p:nvSpPr>
         <p:spPr>
           <a:xfrm>
             <a:off x="8199720" y="1062000"/>
-            <a:ext cx="1128240" cy="979560"/>
+            <a:ext cx="1127880" cy="979200"/>
           </a:xfrm>
           <a:prstGeom prst="ellipse">
             <a:avLst/>
@@ -10568,14 +11385,14 @@
       </p:sp>
       <p:sp>
         <p:nvSpPr>
-          <p:cNvPr id="224" name="CustomShape 60"/>
+          <p:cNvPr id="239" name="CustomShape 60"/>
           <p:cNvSpPr/>
           <p:nvPr/>
         </p:nvSpPr>
         <p:spPr>
           <a:xfrm flipV="1">
-            <a:off x="7733880" y="1896480"/>
-            <a:ext cx="630000" cy="814680"/>
+            <a:off x="7733880" y="1896120"/>
+            <a:ext cx="629640" cy="814320"/>
           </a:xfrm>
           <a:custGeom>
             <a:avLst/>
@@ -10617,14 +11434,14 @@
       </p:sp>
       <p:sp>
         <p:nvSpPr>
-          <p:cNvPr id="225" name="CustomShape 61"/>
+          <p:cNvPr id="240" name="CustomShape 61"/>
           <p:cNvSpPr/>
           <p:nvPr/>
         </p:nvSpPr>
         <p:spPr>
           <a:xfrm flipV="1">
             <a:off x="8609040" y="2041200"/>
-            <a:ext cx="154440" cy="785880"/>
+            <a:ext cx="154080" cy="785520"/>
           </a:xfrm>
           <a:custGeom>
             <a:avLst/>
@@ -10666,14 +11483,14 @@
       </p:sp>
       <p:sp>
         <p:nvSpPr>
-          <p:cNvPr id="226" name="CustomShape 62"/>
+          <p:cNvPr id="241" name="CustomShape 62"/>
           <p:cNvSpPr/>
           <p:nvPr/>
         </p:nvSpPr>
         <p:spPr>
           <a:xfrm flipH="1" flipV="1">
-            <a:off x="9163080" y="1898280"/>
-            <a:ext cx="191520" cy="950400"/>
+            <a:off x="9162360" y="1897560"/>
+            <a:ext cx="191160" cy="950040"/>
           </a:xfrm>
           <a:custGeom>
             <a:avLst/>
@@ -10715,7 +11532,7 @@
       </p:sp>
       <p:sp>
         <p:nvSpPr>
-          <p:cNvPr id="227" name="CustomShape 63"/>
+          <p:cNvPr id="242" name="CustomShape 63"/>
           <p:cNvSpPr/>
           <p:nvPr/>
         </p:nvSpPr>

--- a/Artefatos/16-DFD Essencial para cada capacidade.pptx
+++ b/Artefatos/16-DFD Essencial para cada capacidade.pptx
@@ -70,7 +70,7 @@
         <p:spPr>
           <a:xfrm>
             <a:off x="692640" y="375480"/>
-            <a:ext cx="8691120" cy="946800"/>
+            <a:ext cx="8690760" cy="946800"/>
           </a:xfrm>
           <a:prstGeom prst="rect">
             <a:avLst/>
@@ -183,7 +183,7 @@
         <p:spPr>
           <a:xfrm>
             <a:off x="692640" y="375480"/>
-            <a:ext cx="8691120" cy="946800"/>
+            <a:ext cx="8690760" cy="946800"/>
           </a:xfrm>
           <a:prstGeom prst="rect">
             <a:avLst/>
@@ -356,7 +356,7 @@
         <p:spPr>
           <a:xfrm>
             <a:off x="692640" y="375480"/>
-            <a:ext cx="8691120" cy="946800"/>
+            <a:ext cx="8690760" cy="946800"/>
           </a:xfrm>
           <a:prstGeom prst="rect">
             <a:avLst/>
@@ -589,7 +589,7 @@
         <p:spPr>
           <a:xfrm>
             <a:off x="692640" y="375480"/>
-            <a:ext cx="8691120" cy="946800"/>
+            <a:ext cx="8690760" cy="946800"/>
           </a:xfrm>
           <a:prstGeom prst="rect">
             <a:avLst/>
@@ -673,7 +673,7 @@
         <p:spPr>
           <a:xfrm>
             <a:off x="692640" y="375480"/>
-            <a:ext cx="8691120" cy="946800"/>
+            <a:ext cx="8690760" cy="946800"/>
           </a:xfrm>
           <a:prstGeom prst="rect">
             <a:avLst/>
@@ -756,7 +756,7 @@
         <p:spPr>
           <a:xfrm>
             <a:off x="692640" y="375480"/>
-            <a:ext cx="8691120" cy="946800"/>
+            <a:ext cx="8690760" cy="946800"/>
           </a:xfrm>
           <a:prstGeom prst="rect">
             <a:avLst/>
@@ -869,7 +869,7 @@
         <p:spPr>
           <a:xfrm>
             <a:off x="692640" y="375480"/>
-            <a:ext cx="8691120" cy="946800"/>
+            <a:ext cx="8690760" cy="946800"/>
           </a:xfrm>
           <a:prstGeom prst="rect">
             <a:avLst/>
@@ -922,7 +922,7 @@
         <p:spPr>
           <a:xfrm>
             <a:off x="692640" y="375480"/>
-            <a:ext cx="8691120" cy="4390200"/>
+            <a:ext cx="8690760" cy="4390200"/>
           </a:xfrm>
           <a:prstGeom prst="rect">
             <a:avLst/>
@@ -975,7 +975,7 @@
         <p:spPr>
           <a:xfrm>
             <a:off x="692640" y="375480"/>
-            <a:ext cx="8691120" cy="946800"/>
+            <a:ext cx="8690760" cy="946800"/>
           </a:xfrm>
           <a:prstGeom prst="rect">
             <a:avLst/>
@@ -1118,7 +1118,7 @@
         <p:spPr>
           <a:xfrm>
             <a:off x="692640" y="375480"/>
-            <a:ext cx="8691120" cy="946800"/>
+            <a:ext cx="8690760" cy="946800"/>
           </a:xfrm>
           <a:prstGeom prst="rect">
             <a:avLst/>
@@ -1261,7 +1261,7 @@
         <p:spPr>
           <a:xfrm>
             <a:off x="692640" y="375480"/>
-            <a:ext cx="8691120" cy="946800"/>
+            <a:ext cx="8690760" cy="946800"/>
           </a:xfrm>
           <a:prstGeom prst="rect">
             <a:avLst/>
@@ -1411,7 +1411,7 @@
         <p:spPr>
           <a:xfrm>
             <a:off x="692640" y="375480"/>
-            <a:ext cx="8691120" cy="946800"/>
+            <a:ext cx="8690760" cy="946800"/>
           </a:xfrm>
           <a:prstGeom prst="rect">
             <a:avLst/>
@@ -1659,7 +1659,7 @@
         <p:spPr>
           <a:xfrm>
             <a:off x="471960" y="226440"/>
-            <a:ext cx="952200" cy="760320"/>
+            <a:ext cx="951840" cy="759960"/>
           </a:xfrm>
           <a:prstGeom prst="rect">
             <a:avLst/>
@@ -1732,8 +1732,8 @@
         </p:nvSpPr>
         <p:spPr>
           <a:xfrm>
-            <a:off x="557640" y="1729440"/>
-            <a:ext cx="1129320" cy="1061640"/>
+            <a:off x="432000" y="1729440"/>
+            <a:ext cx="1254600" cy="1061280"/>
           </a:xfrm>
           <a:prstGeom prst="ellipse">
             <a:avLst/>
@@ -1769,16 +1769,19 @@
               </a:lnSpc>
             </a:pPr>
             <a:r>
-              <a:rPr b="0" lang="pt-BR" sz="1050" spc="-1" strike="noStrike">
+              <a:rPr b="1" lang="pt-BR" sz="1050" spc="-1" strike="noStrike">
                 <a:solidFill>
-                  <a:srgbClr val="ffffff"/>
+                  <a:srgbClr val="000000"/>
                 </a:solidFill>
                 <a:latin typeface="Arial"/>
                 <a:ea typeface="DejaVu Sans"/>
               </a:rPr>
-              <a:t>Receber solicitação de produção</a:t>
+              <a:t>Receber Solicitação de produção</a:t>
             </a:r>
-            <a:endParaRPr b="0" lang="pt-BR" sz="1050" spc="-1" strike="noStrike">
+            <a:endParaRPr b="1" lang="pt-BR" sz="1050" spc="-1" strike="noStrike">
+              <a:solidFill>
+                <a:srgbClr val="000000"/>
+              </a:solidFill>
               <a:latin typeface="Arial"/>
             </a:endParaRPr>
           </a:p>
@@ -1793,7 +1796,7 @@
         <p:spPr>
           <a:xfrm>
             <a:off x="948960" y="988200"/>
-            <a:ext cx="173160" cy="739800"/>
+            <a:ext cx="172800" cy="739440"/>
           </a:xfrm>
           <a:custGeom>
             <a:avLst/>
@@ -1841,7 +1844,7 @@
         <p:spPr>
           <a:xfrm>
             <a:off x="-67680" y="1195920"/>
-            <a:ext cx="1362960" cy="394200"/>
+            <a:ext cx="1362600" cy="394200"/>
           </a:xfrm>
           <a:prstGeom prst="rect">
             <a:avLst/>
@@ -1925,7 +1928,7 @@
         <p:spPr>
           <a:xfrm>
             <a:off x="1123200" y="2792520"/>
-            <a:ext cx="360" cy="662040"/>
+            <a:ext cx="360" cy="661680"/>
           </a:xfrm>
           <a:custGeom>
             <a:avLst/>
@@ -1973,7 +1976,7 @@
         <p:spPr>
           <a:xfrm>
             <a:off x="324360" y="3565080"/>
-            <a:ext cx="1672560" cy="454680"/>
+            <a:ext cx="1672200" cy="454680"/>
           </a:xfrm>
           <a:prstGeom prst="rect">
             <a:avLst/>
@@ -2044,7 +2047,7 @@
         <p:spPr>
           <a:xfrm>
             <a:off x="6912000" y="85680"/>
-            <a:ext cx="2807280" cy="638280"/>
+            <a:ext cx="2806920" cy="638280"/>
           </a:xfrm>
           <a:prstGeom prst="rect">
             <a:avLst/>
@@ -2127,8 +2130,8 @@
         </p:nvSpPr>
         <p:spPr>
           <a:xfrm>
-            <a:off x="2541960" y="1656000"/>
-            <a:ext cx="1129320" cy="1079280"/>
+            <a:off x="2448000" y="1656000"/>
+            <a:ext cx="1222920" cy="1078920"/>
           </a:xfrm>
           <a:prstGeom prst="ellipse">
             <a:avLst/>
@@ -2164,16 +2167,19 @@
               </a:lnSpc>
             </a:pPr>
             <a:r>
-              <a:rPr b="0" lang="pt-BR" sz="1000" spc="-1" strike="noStrike">
+              <a:rPr b="0" lang="pt-BR" sz="1050" spc="-1" strike="noStrike">
                 <a:solidFill>
-                  <a:srgbClr val="ffffff"/>
+                  <a:srgbClr val="000000"/>
                 </a:solidFill>
                 <a:latin typeface="Arial"/>
                 <a:ea typeface="DejaVu Sans"/>
               </a:rPr>
-              <a:t>Analisar Solictiação de produção</a:t>
+              <a:t>Analisar Solicitação de produção</a:t>
             </a:r>
-            <a:endParaRPr b="0" lang="pt-BR" sz="1000" spc="-1" strike="noStrike">
+            <a:endParaRPr b="0" lang="pt-BR" sz="1050" spc="-1" strike="noStrike">
+              <a:solidFill>
+                <a:srgbClr val="000000"/>
+              </a:solidFill>
               <a:latin typeface="Arial"/>
             </a:endParaRPr>
           </a:p>
@@ -2187,8 +2193,8 @@
         </p:nvSpPr>
         <p:spPr>
           <a:xfrm flipH="1">
-            <a:off x="1589760" y="2592000"/>
-            <a:ext cx="1144800" cy="847080"/>
+            <a:off x="1589040" y="2592000"/>
+            <a:ext cx="1144440" cy="846720"/>
           </a:xfrm>
           <a:custGeom>
             <a:avLst/>
@@ -2237,7 +2243,7 @@
         <p:spPr>
           <a:xfrm>
             <a:off x="2088000" y="1056960"/>
-            <a:ext cx="841680" cy="454680"/>
+            <a:ext cx="841320" cy="454680"/>
           </a:xfrm>
           <a:prstGeom prst="rect">
             <a:avLst/>
@@ -2288,7 +2294,7 @@
         <p:spPr>
           <a:xfrm>
             <a:off x="2808000" y="360000"/>
-            <a:ext cx="841680" cy="791280"/>
+            <a:ext cx="841320" cy="790920"/>
           </a:xfrm>
           <a:prstGeom prst="rect">
             <a:avLst/>
@@ -2361,8 +2367,8 @@
         </p:nvSpPr>
         <p:spPr>
           <a:xfrm flipV="1">
-            <a:off x="3108960" y="1151280"/>
-            <a:ext cx="130320" cy="503280"/>
+            <a:off x="3108960" y="1150560"/>
+            <a:ext cx="129960" cy="502920"/>
           </a:xfrm>
           <a:custGeom>
             <a:avLst/>
@@ -2476,7 +2482,7 @@
         <p:spPr>
           <a:xfrm>
             <a:off x="2160000" y="3576960"/>
-            <a:ext cx="1672560" cy="272160"/>
+            <a:ext cx="1672200" cy="272160"/>
           </a:xfrm>
           <a:prstGeom prst="rect">
             <a:avLst/>
@@ -2526,8 +2532,8 @@
         </p:nvSpPr>
         <p:spPr>
           <a:xfrm flipH="1" flipV="1">
-            <a:off x="3021840" y="2735280"/>
-            <a:ext cx="360" cy="791280"/>
+            <a:off x="3021120" y="2734560"/>
+            <a:ext cx="360" cy="790920"/>
           </a:xfrm>
           <a:custGeom>
             <a:avLst/>
@@ -2642,7 +2648,7 @@
         <p:spPr>
           <a:xfrm>
             <a:off x="3833280" y="3600000"/>
-            <a:ext cx="1275120" cy="394200"/>
+            <a:ext cx="1274760" cy="394200"/>
           </a:xfrm>
           <a:prstGeom prst="rect">
             <a:avLst/>
@@ -2692,8 +2698,8 @@
         </p:nvSpPr>
         <p:spPr>
           <a:xfrm flipH="1" flipV="1">
-            <a:off x="3527280" y="2519280"/>
-            <a:ext cx="935280" cy="935280"/>
+            <a:off x="3526560" y="2518560"/>
+            <a:ext cx="934920" cy="934920"/>
           </a:xfrm>
           <a:custGeom>
             <a:avLst/>
@@ -2742,7 +2748,7 @@
         <p:spPr>
           <a:xfrm>
             <a:off x="5112000" y="1800000"/>
-            <a:ext cx="1129320" cy="1079280"/>
+            <a:ext cx="1128960" cy="1078920"/>
           </a:xfrm>
           <a:prstGeom prst="ellipse">
             <a:avLst/>
@@ -2778,16 +2784,19 @@
               </a:lnSpc>
             </a:pPr>
             <a:r>
-              <a:rPr b="0" lang="pt-BR" sz="1100" spc="-1" strike="noStrike">
+              <a:rPr b="0" lang="pt-BR" sz="1050" spc="-1" strike="noStrike">
                 <a:solidFill>
-                  <a:srgbClr val="ffffff"/>
+                  <a:srgbClr val="000000"/>
                 </a:solidFill>
                 <a:latin typeface="Arial"/>
                 <a:ea typeface="DejaVu Sans"/>
               </a:rPr>
               <a:t>Emitir Ordem  de produção</a:t>
             </a:r>
-            <a:endParaRPr b="0" lang="pt-BR" sz="1100" spc="-1" strike="noStrike">
+            <a:endParaRPr b="0" lang="pt-BR" sz="1050" spc="-1" strike="noStrike">
+              <a:solidFill>
+                <a:srgbClr val="000000"/>
+              </a:solidFill>
               <a:latin typeface="Arial"/>
             </a:endParaRPr>
           </a:p>
@@ -2801,8 +2810,8 @@
         </p:nvSpPr>
         <p:spPr>
           <a:xfrm flipV="1">
-            <a:off x="4536000" y="2662200"/>
-            <a:ext cx="719280" cy="863280"/>
+            <a:off x="4536000" y="2661120"/>
+            <a:ext cx="718920" cy="862920"/>
           </a:xfrm>
           <a:custGeom>
             <a:avLst/>
@@ -2950,7 +2959,7 @@
         <p:spPr>
           <a:xfrm>
             <a:off x="5184000" y="3600000"/>
-            <a:ext cx="1275120" cy="394200"/>
+            <a:ext cx="1274760" cy="394200"/>
           </a:xfrm>
           <a:prstGeom prst="rect">
             <a:avLst/>
@@ -3000,8 +3009,8 @@
         </p:nvSpPr>
         <p:spPr>
           <a:xfrm flipH="1" flipV="1">
-            <a:off x="5758920" y="2879280"/>
-            <a:ext cx="93240" cy="575280"/>
+            <a:off x="5758920" y="2878560"/>
+            <a:ext cx="92880" cy="574920"/>
           </a:xfrm>
           <a:custGeom>
             <a:avLst/>
@@ -3050,7 +3059,7 @@
         <p:spPr>
           <a:xfrm>
             <a:off x="5277960" y="432000"/>
-            <a:ext cx="841680" cy="791280"/>
+            <a:ext cx="841320" cy="790920"/>
           </a:xfrm>
           <a:prstGeom prst="rect">
             <a:avLst/>
@@ -3123,8 +3132,8 @@
         </p:nvSpPr>
         <p:spPr>
           <a:xfrm flipV="1">
-            <a:off x="5687640" y="1224000"/>
-            <a:ext cx="360" cy="575280"/>
+            <a:off x="5687640" y="1223280"/>
+            <a:ext cx="360" cy="574920"/>
           </a:xfrm>
           <a:custGeom>
             <a:avLst/>
@@ -3172,7 +3181,7 @@
         <p:spPr>
           <a:xfrm>
             <a:off x="4824000" y="1322280"/>
-            <a:ext cx="841680" cy="333360"/>
+            <a:ext cx="841320" cy="333000"/>
           </a:xfrm>
           <a:prstGeom prst="rect">
             <a:avLst/>
@@ -3253,7 +3262,7 @@
         <p:spPr>
           <a:xfrm>
             <a:off x="6912000" y="85680"/>
-            <a:ext cx="2807280" cy="638280"/>
+            <a:ext cx="2806920" cy="638280"/>
           </a:xfrm>
           <a:prstGeom prst="rect">
             <a:avLst/>
@@ -3304,7 +3313,7 @@
         <p:spPr>
           <a:xfrm>
             <a:off x="471960" y="236520"/>
-            <a:ext cx="952200" cy="760320"/>
+            <a:ext cx="951840" cy="759960"/>
           </a:xfrm>
           <a:prstGeom prst="rect">
             <a:avLst/>
@@ -3378,7 +3387,7 @@
         <p:spPr>
           <a:xfrm>
             <a:off x="956520" y="997560"/>
-            <a:ext cx="173160" cy="739800"/>
+            <a:ext cx="172800" cy="739440"/>
           </a:xfrm>
           <a:custGeom>
             <a:avLst/>
@@ -3426,7 +3435,7 @@
         <p:spPr>
           <a:xfrm>
             <a:off x="76320" y="1109880"/>
-            <a:ext cx="786960" cy="394200"/>
+            <a:ext cx="786600" cy="394200"/>
           </a:xfrm>
           <a:prstGeom prst="rect">
             <a:avLst/>
@@ -3477,7 +3486,7 @@
         <p:spPr>
           <a:xfrm>
             <a:off x="576000" y="1745640"/>
-            <a:ext cx="1129320" cy="1061640"/>
+            <a:ext cx="1128960" cy="1061280"/>
           </a:xfrm>
           <a:prstGeom prst="ellipse">
             <a:avLst/>
@@ -3515,7 +3524,7 @@
             <a:r>
               <a:rPr b="0" lang="pt-BR" sz="1050" spc="-1" strike="noStrike">
                 <a:solidFill>
-                  <a:srgbClr val="ffffff"/>
+                  <a:srgbClr val="000000"/>
                 </a:solidFill>
                 <a:latin typeface="Arial"/>
                 <a:ea typeface="DejaVu Sans"/>
@@ -3523,6 +3532,9 @@
               <a:t>Receber Ordem de produção</a:t>
             </a:r>
             <a:endParaRPr b="0" lang="pt-BR" sz="1050" spc="-1" strike="noStrike">
+              <a:solidFill>
+                <a:srgbClr val="000000"/>
+              </a:solidFill>
               <a:latin typeface="Arial"/>
             </a:endParaRPr>
           </a:p>
@@ -3570,7 +3582,7 @@
         <p:spPr>
           <a:xfrm>
             <a:off x="324360" y="3565080"/>
-            <a:ext cx="1672560" cy="272160"/>
+            <a:ext cx="1672200" cy="272160"/>
           </a:xfrm>
           <a:prstGeom prst="rect">
             <a:avLst/>
@@ -3654,7 +3666,7 @@
         <p:spPr>
           <a:xfrm>
             <a:off x="1123560" y="2880000"/>
-            <a:ext cx="360" cy="574200"/>
+            <a:ext cx="360" cy="573840"/>
           </a:xfrm>
           <a:custGeom>
             <a:avLst/>
@@ -3702,7 +3714,7 @@
         <p:spPr>
           <a:xfrm>
             <a:off x="2088000" y="1800000"/>
-            <a:ext cx="1129320" cy="1061640"/>
+            <a:ext cx="1128960" cy="1061280"/>
           </a:xfrm>
           <a:prstGeom prst="ellipse">
             <a:avLst/>
@@ -3740,7 +3752,7 @@
             <a:r>
               <a:rPr b="0" lang="pt-BR" sz="1200" spc="-1" strike="noStrike">
                 <a:solidFill>
-                  <a:srgbClr val="ffffff"/>
+                  <a:srgbClr val="000000"/>
                 </a:solidFill>
                 <a:latin typeface="Arial"/>
                 <a:ea typeface="DejaVu Sans"/>
@@ -3748,6 +3760,9 @@
               <a:t>Separar componentes</a:t>
             </a:r>
             <a:endParaRPr b="0" lang="pt-BR" sz="1200" spc="-1" strike="noStrike">
+              <a:solidFill>
+                <a:srgbClr val="000000"/>
+              </a:solidFill>
               <a:latin typeface="Arial"/>
             </a:endParaRPr>
           </a:p>
@@ -3761,8 +3776,8 @@
         </p:nvSpPr>
         <p:spPr>
           <a:xfrm flipH="1">
-            <a:off x="1589760" y="2808000"/>
-            <a:ext cx="712800" cy="631080"/>
+            <a:off x="1589040" y="2808000"/>
+            <a:ext cx="712440" cy="630720"/>
           </a:xfrm>
           <a:custGeom>
             <a:avLst/>
@@ -3877,7 +3892,7 @@
         <p:spPr>
           <a:xfrm>
             <a:off x="1872000" y="3565080"/>
-            <a:ext cx="1672560" cy="272160"/>
+            <a:ext cx="1672200" cy="271800"/>
           </a:xfrm>
           <a:prstGeom prst="rect">
             <a:avLst/>
@@ -3903,7 +3918,7 @@
         <p:spPr>
           <a:xfrm>
             <a:off x="1926720" y="3565080"/>
-            <a:ext cx="1672560" cy="272160"/>
+            <a:ext cx="1672200" cy="271800"/>
           </a:xfrm>
           <a:prstGeom prst="rect">
             <a:avLst/>
@@ -3929,7 +3944,7 @@
         <p:spPr>
           <a:xfrm>
             <a:off x="2079720" y="3528360"/>
-            <a:ext cx="1231560" cy="454680"/>
+            <a:ext cx="1231200" cy="454680"/>
           </a:xfrm>
           <a:prstGeom prst="rect">
             <a:avLst/>
@@ -3979,8 +3994,8 @@
         </p:nvSpPr>
         <p:spPr>
           <a:xfrm flipH="1">
-            <a:off x="2525760" y="2862360"/>
-            <a:ext cx="136800" cy="576720"/>
+            <a:off x="2525040" y="2862360"/>
+            <a:ext cx="136440" cy="576360"/>
           </a:xfrm>
           <a:custGeom>
             <a:avLst/>
@@ -4029,7 +4044,7 @@
         <p:spPr>
           <a:xfrm>
             <a:off x="3693960" y="1872000"/>
-            <a:ext cx="1129320" cy="1061640"/>
+            <a:ext cx="1128960" cy="1061280"/>
           </a:xfrm>
           <a:prstGeom prst="ellipse">
             <a:avLst/>
@@ -4067,7 +4082,7 @@
             <a:r>
               <a:rPr b="0" lang="pt-BR" sz="1200" spc="-1" strike="noStrike">
                 <a:solidFill>
-                  <a:srgbClr val="ffffff"/>
+                  <a:srgbClr val="000000"/>
                 </a:solidFill>
                 <a:latin typeface="Arial"/>
                 <a:ea typeface="DejaVu Sans"/>
@@ -4075,6 +4090,9 @@
               <a:t>Fixar componentes</a:t>
             </a:r>
             <a:endParaRPr b="0" lang="pt-BR" sz="1200" spc="-1" strike="noStrike">
+              <a:solidFill>
+                <a:srgbClr val="000000"/>
+              </a:solidFill>
               <a:latin typeface="Arial"/>
             </a:endParaRPr>
           </a:p>
@@ -4089,7 +4107,7 @@
         <p:spPr>
           <a:xfrm>
             <a:off x="5205960" y="1944000"/>
-            <a:ext cx="1129320" cy="1061640"/>
+            <a:ext cx="1128960" cy="1061280"/>
           </a:xfrm>
           <a:prstGeom prst="ellipse">
             <a:avLst/>
@@ -4127,7 +4145,7 @@
             <a:r>
               <a:rPr b="0" lang="pt-BR" sz="1200" spc="-1" strike="noStrike">
                 <a:solidFill>
-                  <a:srgbClr val="ffffff"/>
+                  <a:srgbClr val="000000"/>
                 </a:solidFill>
                 <a:latin typeface="Arial"/>
                 <a:ea typeface="DejaVu Sans"/>
@@ -4135,6 +4153,9 @@
               <a:t>Soldar Componentes</a:t>
             </a:r>
             <a:endParaRPr b="0" lang="pt-BR" sz="1200" spc="-1" strike="noStrike">
+              <a:solidFill>
+                <a:srgbClr val="000000"/>
+              </a:solidFill>
               <a:latin typeface="Arial"/>
             </a:endParaRPr>
           </a:p>
@@ -4281,7 +4302,7 @@
         <p:spPr>
           <a:xfrm>
             <a:off x="5823720" y="3672360"/>
-            <a:ext cx="1231560" cy="454680"/>
+            <a:ext cx="1231200" cy="454680"/>
           </a:xfrm>
           <a:prstGeom prst="rect">
             <a:avLst/>
@@ -4332,7 +4353,7 @@
         <p:spPr>
           <a:xfrm>
             <a:off x="7437960" y="1728000"/>
-            <a:ext cx="1417320" cy="1223280"/>
+            <a:ext cx="1416960" cy="1222920"/>
           </a:xfrm>
           <a:prstGeom prst="ellipse">
             <a:avLst/>
@@ -4370,7 +4391,7 @@
             <a:r>
               <a:rPr b="0" lang="pt-BR" sz="1200" spc="-1" strike="noStrike">
                 <a:solidFill>
-                  <a:srgbClr val="ffffff"/>
+                  <a:srgbClr val="000000"/>
                 </a:solidFill>
                 <a:latin typeface="Arial"/>
                 <a:ea typeface="DejaVu Sans"/>
@@ -4378,6 +4399,9 @@
               <a:t>Fazer Retrabalho</a:t>
             </a:r>
             <a:endParaRPr b="0" lang="pt-BR" sz="1200" spc="-1" strike="noStrike">
+              <a:solidFill>
+                <a:srgbClr val="000000"/>
+              </a:solidFill>
               <a:latin typeface="Arial"/>
             </a:endParaRPr>
           </a:p>
@@ -4391,8 +4415,8 @@
         </p:nvSpPr>
         <p:spPr>
           <a:xfrm flipH="1">
-            <a:off x="6551280" y="2736000"/>
-            <a:ext cx="1007280" cy="791280"/>
+            <a:off x="6550560" y="2736000"/>
+            <a:ext cx="1006920" cy="790920"/>
           </a:xfrm>
           <a:custGeom>
             <a:avLst/>
@@ -4507,7 +4531,7 @@
         <p:spPr>
           <a:xfrm>
             <a:off x="7632000" y="3600000"/>
-            <a:ext cx="1295280" cy="455040"/>
+            <a:ext cx="1294920" cy="454680"/>
           </a:xfrm>
           <a:prstGeom prst="rect">
             <a:avLst/>
@@ -4558,7 +4582,7 @@
         <p:spPr>
           <a:xfrm>
             <a:off x="8352000" y="2952000"/>
-            <a:ext cx="215280" cy="647280"/>
+            <a:ext cx="214920" cy="646920"/>
           </a:xfrm>
           <a:custGeom>
             <a:avLst/>
@@ -4640,7 +4664,7 @@
         <p:spPr>
           <a:xfrm>
             <a:off x="3796200" y="3567600"/>
-            <a:ext cx="1231560" cy="454680"/>
+            <a:ext cx="1231200" cy="454680"/>
           </a:xfrm>
           <a:prstGeom prst="rect">
             <a:avLst/>
@@ -4723,8 +4747,8 @@
         </p:nvSpPr>
         <p:spPr>
           <a:xfrm flipH="1">
-            <a:off x="4247280" y="2934360"/>
-            <a:ext cx="136800" cy="576720"/>
+            <a:off x="4246560" y="2934360"/>
+            <a:ext cx="136440" cy="576360"/>
           </a:xfrm>
           <a:custGeom>
             <a:avLst/>
@@ -4772,8 +4796,8 @@
         </p:nvSpPr>
         <p:spPr>
           <a:xfrm flipH="1">
-            <a:off x="4967280" y="2952000"/>
-            <a:ext cx="431280" cy="504720"/>
+            <a:off x="4966560" y="2952000"/>
+            <a:ext cx="430920" cy="504360"/>
           </a:xfrm>
           <a:custGeom>
             <a:avLst/>
@@ -4821,8 +4845,8 @@
         </p:nvSpPr>
         <p:spPr>
           <a:xfrm flipH="1">
-            <a:off x="5974200" y="3006360"/>
-            <a:ext cx="360" cy="594720"/>
+            <a:off x="5973480" y="3006360"/>
+            <a:ext cx="360" cy="594360"/>
           </a:xfrm>
           <a:custGeom>
             <a:avLst/>
@@ -4871,7 +4895,7 @@
         <p:spPr>
           <a:xfrm flipH="1">
             <a:off x="3079440" y="2808000"/>
-            <a:ext cx="734760" cy="631080"/>
+            <a:ext cx="734400" cy="630720"/>
           </a:xfrm>
           <a:custGeom>
             <a:avLst/>
@@ -4950,7 +4974,7 @@
         <p:spPr>
           <a:xfrm>
             <a:off x="6912000" y="85680"/>
-            <a:ext cx="2807280" cy="638280"/>
+            <a:ext cx="2806920" cy="638280"/>
           </a:xfrm>
           <a:prstGeom prst="rect">
             <a:avLst/>
@@ -5001,7 +5025,7 @@
         <p:spPr>
           <a:xfrm>
             <a:off x="471960" y="246600"/>
-            <a:ext cx="952200" cy="760320"/>
+            <a:ext cx="951840" cy="759960"/>
           </a:xfrm>
           <a:prstGeom prst="rect">
             <a:avLst/>
@@ -5075,7 +5099,7 @@
         <p:spPr>
           <a:xfrm>
             <a:off x="432000" y="1584000"/>
-            <a:ext cx="1367280" cy="935280"/>
+            <a:ext cx="1366920" cy="934920"/>
           </a:xfrm>
           <a:prstGeom prst="ellipse">
             <a:avLst/>
@@ -5113,7 +5137,7 @@
             <a:r>
               <a:rPr b="0" lang="pt-BR" sz="1050" spc="-1" strike="noStrike">
                 <a:solidFill>
-                  <a:srgbClr val="ffffff"/>
+                  <a:srgbClr val="000000"/>
                 </a:solidFill>
                 <a:latin typeface="Arial"/>
                 <a:ea typeface="DejaVu Sans"/>
@@ -5121,6 +5145,9 @@
               <a:t>Receber sub componente não testado</a:t>
             </a:r>
             <a:endParaRPr b="0" lang="pt-BR" sz="1050" spc="-1" strike="noStrike">
+              <a:solidFill>
+                <a:srgbClr val="000000"/>
+              </a:solidFill>
               <a:latin typeface="Arial"/>
             </a:endParaRPr>
           </a:p>
@@ -5135,7 +5162,7 @@
         <p:spPr>
           <a:xfrm>
             <a:off x="964080" y="997200"/>
-            <a:ext cx="115200" cy="586080"/>
+            <a:ext cx="114840" cy="585720"/>
           </a:xfrm>
           <a:custGeom>
             <a:avLst/>
@@ -5183,7 +5210,7 @@
         <p:spPr>
           <a:xfrm>
             <a:off x="1156320" y="1126080"/>
-            <a:ext cx="1218960" cy="241920"/>
+            <a:ext cx="1218600" cy="241920"/>
           </a:xfrm>
           <a:prstGeom prst="rect">
             <a:avLst/>
@@ -5310,7 +5337,7 @@
         <p:spPr>
           <a:xfrm>
             <a:off x="576000" y="2952000"/>
-            <a:ext cx="1295280" cy="455040"/>
+            <a:ext cx="1294920" cy="454680"/>
           </a:xfrm>
           <a:prstGeom prst="rect">
             <a:avLst/>
@@ -5361,7 +5388,7 @@
         <p:spPr>
           <a:xfrm>
             <a:off x="1123920" y="2520000"/>
-            <a:ext cx="27360" cy="431280"/>
+            <a:ext cx="27000" cy="430920"/>
           </a:xfrm>
           <a:custGeom>
             <a:avLst/>
@@ -5409,7 +5436,7 @@
         <p:spPr>
           <a:xfrm>
             <a:off x="2253960" y="1440000"/>
-            <a:ext cx="1129320" cy="1061640"/>
+            <a:ext cx="1128960" cy="1061280"/>
           </a:xfrm>
           <a:prstGeom prst="ellipse">
             <a:avLst/>
@@ -5447,7 +5474,7 @@
             <a:r>
               <a:rPr b="0" lang="pt-BR" sz="1200" spc="-1" strike="noStrike">
                 <a:solidFill>
-                  <a:srgbClr val="ffffff"/>
+                  <a:srgbClr val="000000"/>
                 </a:solidFill>
                 <a:latin typeface="Arial"/>
                 <a:ea typeface="DejaVu Sans"/>
@@ -5455,6 +5482,9 @@
               <a:t>Testar Subcomponente</a:t>
             </a:r>
             <a:endParaRPr b="0" lang="pt-BR" sz="1200" spc="-1" strike="noStrike">
+              <a:solidFill>
+                <a:srgbClr val="000000"/>
+              </a:solidFill>
               <a:latin typeface="Arial"/>
             </a:endParaRPr>
           </a:p>
@@ -5468,8 +5498,8 @@
         </p:nvSpPr>
         <p:spPr>
           <a:xfrm flipH="1">
-            <a:off x="1583280" y="2304000"/>
-            <a:ext cx="791280" cy="647280"/>
+            <a:off x="1582560" y="2304000"/>
+            <a:ext cx="790920" cy="646920"/>
           </a:xfrm>
           <a:custGeom>
             <a:avLst/>
@@ -5518,7 +5548,7 @@
         <p:spPr>
           <a:xfrm>
             <a:off x="2232000" y="2952000"/>
-            <a:ext cx="1295280" cy="455040"/>
+            <a:ext cx="1294920" cy="454680"/>
           </a:xfrm>
           <a:prstGeom prst="rect">
             <a:avLst/>
@@ -5635,7 +5665,7 @@
         <p:spPr>
           <a:xfrm>
             <a:off x="2923920" y="2502360"/>
-            <a:ext cx="27360" cy="431280"/>
+            <a:ext cx="27000" cy="430920"/>
           </a:xfrm>
           <a:custGeom>
             <a:avLst/>
@@ -5683,7 +5713,7 @@
         <p:spPr>
           <a:xfrm>
             <a:off x="2448000" y="246960"/>
-            <a:ext cx="952200" cy="760320"/>
+            <a:ext cx="951840" cy="759960"/>
           </a:xfrm>
           <a:prstGeom prst="rect">
             <a:avLst/>
@@ -5756,8 +5786,8 @@
         </p:nvSpPr>
         <p:spPr>
           <a:xfrm flipV="1">
-            <a:off x="2808000" y="1007280"/>
-            <a:ext cx="130320" cy="432000"/>
+            <a:off x="2808000" y="1006560"/>
+            <a:ext cx="129960" cy="431640"/>
           </a:xfrm>
           <a:custGeom>
             <a:avLst/>
@@ -5805,7 +5835,7 @@
         <p:spPr>
           <a:xfrm>
             <a:off x="3096000" y="1080000"/>
-            <a:ext cx="841680" cy="454320"/>
+            <a:ext cx="841320" cy="453960"/>
           </a:xfrm>
           <a:prstGeom prst="rect">
             <a:avLst/>
@@ -5831,7 +5861,7 @@
         <p:spPr>
           <a:xfrm>
             <a:off x="3096000" y="1080000"/>
-            <a:ext cx="2015280" cy="249480"/>
+            <a:ext cx="2014920" cy="249480"/>
           </a:xfrm>
           <a:prstGeom prst="rect">
             <a:avLst/>
@@ -5912,7 +5942,7 @@
         <p:spPr>
           <a:xfrm>
             <a:off x="6912000" y="85680"/>
-            <a:ext cx="2807280" cy="638280"/>
+            <a:ext cx="2806920" cy="638280"/>
           </a:xfrm>
           <a:prstGeom prst="rect">
             <a:avLst/>
@@ -5963,7 +5993,7 @@
         <p:spPr>
           <a:xfrm>
             <a:off x="3096000" y="1080000"/>
-            <a:ext cx="841680" cy="454320"/>
+            <a:ext cx="841320" cy="453960"/>
           </a:xfrm>
           <a:prstGeom prst="rect">
             <a:avLst/>
@@ -5989,7 +6019,7 @@
         <p:spPr>
           <a:xfrm>
             <a:off x="504360" y="1512000"/>
-            <a:ext cx="1726920" cy="1510920"/>
+            <a:ext cx="1726560" cy="1510560"/>
           </a:xfrm>
           <a:prstGeom prst="ellipse">
             <a:avLst/>
@@ -6027,7 +6057,7 @@
             <a:r>
               <a:rPr b="0" lang="pt-BR" sz="1050" spc="-1" strike="noStrike">
                 <a:solidFill>
-                  <a:srgbClr val="ffffff"/>
+                  <a:srgbClr val="000000"/>
                 </a:solidFill>
                 <a:latin typeface="Arial"/>
                 <a:ea typeface="DejaVu Sans"/>
@@ -6035,6 +6065,9 @@
               <a:t>Separar subcomponentes</a:t>
             </a:r>
             <a:endParaRPr b="0" lang="pt-BR" sz="1050" spc="-1" strike="noStrike">
+              <a:solidFill>
+                <a:srgbClr val="000000"/>
+              </a:solidFill>
               <a:latin typeface="Arial"/>
             </a:endParaRPr>
           </a:p>
@@ -6049,7 +6082,7 @@
         <p:spPr>
           <a:xfrm>
             <a:off x="720000" y="3816000"/>
-            <a:ext cx="1295280" cy="455040"/>
+            <a:ext cx="1294920" cy="454680"/>
           </a:xfrm>
           <a:prstGeom prst="rect">
             <a:avLst/>
@@ -6165,8 +6198,8 @@
         </p:nvSpPr>
         <p:spPr>
           <a:xfrm rot="21552600">
-            <a:off x="1367280" y="3022920"/>
-            <a:ext cx="7200" cy="719640"/>
+            <a:off x="1366920" y="3022560"/>
+            <a:ext cx="6840" cy="719280"/>
           </a:xfrm>
           <a:custGeom>
             <a:avLst/>
@@ -6214,7 +6247,7 @@
         <p:spPr>
           <a:xfrm>
             <a:off x="2469960" y="1656000"/>
-            <a:ext cx="2065320" cy="1439280"/>
+            <a:ext cx="2064960" cy="1438920"/>
           </a:xfrm>
           <a:prstGeom prst="ellipse">
             <a:avLst/>
@@ -6252,7 +6285,7 @@
             <a:r>
               <a:rPr b="0" lang="pt-BR" sz="1200" spc="-1" strike="noStrike">
                 <a:solidFill>
-                  <a:srgbClr val="ffffff"/>
+                  <a:srgbClr val="000000"/>
                 </a:solidFill>
                 <a:latin typeface="Arial"/>
                 <a:ea typeface="DejaVu Sans"/>
@@ -6260,6 +6293,9 @@
               <a:t>Fixar Subcomponentes</a:t>
             </a:r>
             <a:endParaRPr b="0" lang="pt-BR" sz="1200" spc="-1" strike="noStrike">
+              <a:solidFill>
+                <a:srgbClr val="000000"/>
+              </a:solidFill>
               <a:latin typeface="Arial"/>
             </a:endParaRPr>
           </a:p>
@@ -6339,8 +6375,8 @@
         </p:nvSpPr>
         <p:spPr>
           <a:xfrm flipH="1">
-            <a:off x="1799280" y="2880000"/>
-            <a:ext cx="935280" cy="791280"/>
+            <a:off x="1798560" y="2880000"/>
+            <a:ext cx="934920" cy="790920"/>
           </a:xfrm>
           <a:custGeom>
             <a:avLst/>
@@ -6389,7 +6425,7 @@
         <p:spPr>
           <a:xfrm>
             <a:off x="3456000" y="3096000"/>
-            <a:ext cx="360" cy="647280"/>
+            <a:ext cx="360" cy="646920"/>
           </a:xfrm>
           <a:custGeom>
             <a:avLst/>
@@ -6436,8 +6472,8 @@
         </p:nvSpPr>
         <p:spPr>
           <a:xfrm flipH="1">
-            <a:off x="3965760" y="2952000"/>
-            <a:ext cx="1000800" cy="720720"/>
+            <a:off x="3965040" y="2952000"/>
+            <a:ext cx="1000440" cy="720360"/>
           </a:xfrm>
           <a:custGeom>
             <a:avLst/>
@@ -6486,7 +6522,7 @@
         <p:spPr>
           <a:xfrm>
             <a:off x="2520000" y="3744000"/>
-            <a:ext cx="1799280" cy="454680"/>
+            <a:ext cx="1798920" cy="454680"/>
           </a:xfrm>
           <a:prstGeom prst="rect">
             <a:avLst/>
@@ -6537,7 +6573,7 @@
         <p:spPr>
           <a:xfrm>
             <a:off x="4680360" y="1656360"/>
-            <a:ext cx="1726920" cy="1510920"/>
+            <a:ext cx="1726560" cy="1510560"/>
           </a:xfrm>
           <a:prstGeom prst="ellipse">
             <a:avLst/>
@@ -6575,7 +6611,7 @@
             <a:r>
               <a:rPr b="0" lang="pt-BR" sz="1050" spc="-1" strike="noStrike">
                 <a:solidFill>
-                  <a:srgbClr val="ffffff"/>
+                  <a:srgbClr val="000000"/>
                 </a:solidFill>
                 <a:latin typeface="Arial"/>
                 <a:ea typeface="DejaVu Sans"/>
@@ -6583,6 +6619,9 @@
               <a:t>Empacotar a maquina</a:t>
             </a:r>
             <a:endParaRPr b="0" lang="pt-BR" sz="1050" spc="-1" strike="noStrike">
+              <a:solidFill>
+                <a:srgbClr val="000000"/>
+              </a:solidFill>
               <a:latin typeface="Arial"/>
             </a:endParaRPr>
           </a:p>
@@ -6663,7 +6702,7 @@
         <p:spPr>
           <a:xfrm>
             <a:off x="4752000" y="3816000"/>
-            <a:ext cx="1583280" cy="454680"/>
+            <a:ext cx="1582920" cy="454680"/>
           </a:xfrm>
           <a:prstGeom prst="rect">
             <a:avLst/>
@@ -6713,8 +6752,8 @@
         </p:nvSpPr>
         <p:spPr>
           <a:xfrm rot="21552600">
-            <a:off x="5543280" y="3167280"/>
-            <a:ext cx="7200" cy="503280"/>
+            <a:off x="5542920" y="3166920"/>
+            <a:ext cx="6840" cy="502920"/>
           </a:xfrm>
           <a:custGeom>
             <a:avLst/>
@@ -6762,7 +6801,7 @@
         <p:spPr>
           <a:xfrm>
             <a:off x="6912000" y="2232000"/>
-            <a:ext cx="1726920" cy="1510920"/>
+            <a:ext cx="1726560" cy="1510560"/>
           </a:xfrm>
           <a:prstGeom prst="ellipse">
             <a:avLst/>
@@ -6800,7 +6839,7 @@
             <a:r>
               <a:rPr b="0" lang="pt-BR" sz="1050" spc="-1" strike="noStrike">
                 <a:solidFill>
-                  <a:srgbClr val="ffffff"/>
+                  <a:srgbClr val="000000"/>
                 </a:solidFill>
                 <a:latin typeface="Arial"/>
                 <a:ea typeface="DejaVu Sans"/>
@@ -6808,6 +6847,9 @@
               <a:t>Encaminhar maquina</a:t>
             </a:r>
             <a:endParaRPr b="0" lang="pt-BR" sz="1050" spc="-1" strike="noStrike">
+              <a:solidFill>
+                <a:srgbClr val="000000"/>
+              </a:solidFill>
               <a:latin typeface="Arial"/>
             </a:endParaRPr>
           </a:p>
@@ -6822,7 +6864,7 @@
         <p:spPr>
           <a:xfrm>
             <a:off x="7344000" y="864000"/>
-            <a:ext cx="952200" cy="760320"/>
+            <a:ext cx="951840" cy="759960"/>
           </a:xfrm>
           <a:prstGeom prst="rect">
             <a:avLst/>
@@ -6895,8 +6937,8 @@
         </p:nvSpPr>
         <p:spPr>
           <a:xfrm flipH="1">
-            <a:off x="5909760" y="2952000"/>
-            <a:ext cx="1000800" cy="720720"/>
+            <a:off x="5909040" y="2952000"/>
+            <a:ext cx="1000440" cy="720360"/>
           </a:xfrm>
           <a:custGeom>
             <a:avLst/>
@@ -6944,8 +6986,8 @@
         </p:nvSpPr>
         <p:spPr>
           <a:xfrm flipV="1">
-            <a:off x="7788960" y="1624320"/>
-            <a:ext cx="130320" cy="606240"/>
+            <a:off x="7788960" y="1623600"/>
+            <a:ext cx="129960" cy="605880"/>
           </a:xfrm>
           <a:custGeom>
             <a:avLst/>
@@ -6993,7 +7035,7 @@
         <p:spPr>
           <a:xfrm>
             <a:off x="6984000" y="1754280"/>
-            <a:ext cx="841680" cy="333000"/>
+            <a:ext cx="841320" cy="333000"/>
           </a:xfrm>
           <a:prstGeom prst="rect">
             <a:avLst/>
@@ -7074,7 +7116,7 @@
         <p:spPr>
           <a:xfrm>
             <a:off x="6912000" y="85680"/>
-            <a:ext cx="2807280" cy="638280"/>
+            <a:ext cx="2806920" cy="638280"/>
           </a:xfrm>
           <a:prstGeom prst="rect">
             <a:avLst/>
@@ -7125,7 +7167,7 @@
         <p:spPr>
           <a:xfrm>
             <a:off x="471960" y="246600"/>
-            <a:ext cx="952200" cy="760320"/>
+            <a:ext cx="951840" cy="759960"/>
           </a:xfrm>
           <a:prstGeom prst="rect">
             <a:avLst/>
@@ -7199,7 +7241,7 @@
         <p:spPr>
           <a:xfrm>
             <a:off x="964080" y="997200"/>
-            <a:ext cx="115200" cy="586080"/>
+            <a:ext cx="114840" cy="585720"/>
           </a:xfrm>
           <a:custGeom>
             <a:avLst/>
@@ -7247,7 +7289,7 @@
         <p:spPr>
           <a:xfrm>
             <a:off x="2448000" y="246960"/>
-            <a:ext cx="952200" cy="760320"/>
+            <a:ext cx="951840" cy="759960"/>
           </a:xfrm>
           <a:prstGeom prst="rect">
             <a:avLst/>
@@ -7320,8 +7362,8 @@
         </p:nvSpPr>
         <p:spPr>
           <a:xfrm flipV="1">
-            <a:off x="2808000" y="1007280"/>
-            <a:ext cx="130320" cy="575280"/>
+            <a:off x="2808000" y="1006560"/>
+            <a:ext cx="129960" cy="574920"/>
           </a:xfrm>
           <a:custGeom>
             <a:avLst/>
@@ -7369,7 +7411,7 @@
         <p:spPr>
           <a:xfrm>
             <a:off x="3096000" y="1080000"/>
-            <a:ext cx="841680" cy="454320"/>
+            <a:ext cx="841320" cy="453960"/>
           </a:xfrm>
           <a:prstGeom prst="rect">
             <a:avLst/>
@@ -7395,7 +7437,7 @@
         <p:spPr>
           <a:xfrm>
             <a:off x="144000" y="1080000"/>
-            <a:ext cx="841680" cy="333000"/>
+            <a:ext cx="841320" cy="333000"/>
           </a:xfrm>
           <a:prstGeom prst="rect">
             <a:avLst/>
@@ -7446,7 +7488,7 @@
         <p:spPr>
           <a:xfrm>
             <a:off x="576360" y="1584000"/>
-            <a:ext cx="1150920" cy="1150920"/>
+            <a:ext cx="1150560" cy="1150560"/>
           </a:xfrm>
           <a:prstGeom prst="ellipse">
             <a:avLst/>
@@ -7484,7 +7526,7 @@
             <a:r>
               <a:rPr b="0" lang="pt-BR" sz="1050" spc="-1" strike="noStrike">
                 <a:solidFill>
-                  <a:srgbClr val="ffffff"/>
+                  <a:srgbClr val="000000"/>
                 </a:solidFill>
                 <a:latin typeface="Arial"/>
                 <a:ea typeface="DejaVu Sans"/>
@@ -7492,6 +7534,9 @@
               <a:t>Receber máquina pronta</a:t>
             </a:r>
             <a:endParaRPr b="0" lang="pt-BR" sz="1050" spc="-1" strike="noStrike">
+              <a:solidFill>
+                <a:srgbClr val="000000"/>
+              </a:solidFill>
               <a:latin typeface="Arial"/>
             </a:endParaRPr>
           </a:p>
@@ -7506,7 +7551,7 @@
         <p:spPr>
           <a:xfrm>
             <a:off x="648000" y="3240000"/>
-            <a:ext cx="1295280" cy="272520"/>
+            <a:ext cx="1294920" cy="272160"/>
           </a:xfrm>
           <a:prstGeom prst="rect">
             <a:avLst/>
@@ -7623,7 +7668,7 @@
         <p:spPr>
           <a:xfrm>
             <a:off x="1224000" y="2735640"/>
-            <a:ext cx="115200" cy="503640"/>
+            <a:ext cx="114840" cy="503280"/>
           </a:xfrm>
           <a:custGeom>
             <a:avLst/>
@@ -7671,7 +7716,7 @@
         <p:spPr>
           <a:xfrm>
             <a:off x="2088360" y="1584000"/>
-            <a:ext cx="1294920" cy="1223280"/>
+            <a:ext cx="1294560" cy="1222920"/>
           </a:xfrm>
           <a:prstGeom prst="ellipse">
             <a:avLst/>
@@ -7709,7 +7754,7 @@
             <a:r>
               <a:rPr b="0" lang="pt-BR" sz="1050" spc="-1" strike="noStrike">
                 <a:solidFill>
-                  <a:srgbClr val="ffffff"/>
+                  <a:srgbClr val="000000"/>
                 </a:solidFill>
                 <a:latin typeface="Arial"/>
                 <a:ea typeface="DejaVu Sans"/>
@@ -7717,6 +7762,9 @@
               <a:t>Enviar Máquina pronta</a:t>
             </a:r>
             <a:endParaRPr b="0" lang="pt-BR" sz="1050" spc="-1" strike="noStrike">
+              <a:solidFill>
+                <a:srgbClr val="000000"/>
+              </a:solidFill>
               <a:latin typeface="Arial"/>
             </a:endParaRPr>
           </a:p>
@@ -7730,8 +7778,8 @@
         </p:nvSpPr>
         <p:spPr>
           <a:xfrm flipH="1">
-            <a:off x="1799280" y="2664000"/>
-            <a:ext cx="568800" cy="575280"/>
+            <a:off x="1798560" y="2664000"/>
+            <a:ext cx="568440" cy="574920"/>
           </a:xfrm>
           <a:custGeom>
             <a:avLst/>
@@ -7780,7 +7828,7 @@
         <p:spPr>
           <a:xfrm>
             <a:off x="1872000" y="1107000"/>
-            <a:ext cx="841680" cy="333000"/>
+            <a:ext cx="841320" cy="333000"/>
           </a:xfrm>
           <a:prstGeom prst="rect">
             <a:avLst/>
@@ -7861,7 +7909,7 @@
         <p:spPr>
           <a:xfrm>
             <a:off x="6912000" y="85680"/>
-            <a:ext cx="2807280" cy="912600"/>
+            <a:ext cx="2806920" cy="912600"/>
           </a:xfrm>
           <a:prstGeom prst="rect">
             <a:avLst/>
@@ -7922,7 +7970,7 @@
         <p:spPr>
           <a:xfrm>
             <a:off x="471960" y="246600"/>
-            <a:ext cx="952200" cy="760320"/>
+            <a:ext cx="951840" cy="759960"/>
           </a:xfrm>
           <a:prstGeom prst="rect">
             <a:avLst/>
@@ -7996,7 +8044,7 @@
         <p:spPr>
           <a:xfrm>
             <a:off x="964080" y="997200"/>
-            <a:ext cx="115200" cy="586080"/>
+            <a:ext cx="114840" cy="585720"/>
           </a:xfrm>
           <a:custGeom>
             <a:avLst/>
@@ -8044,7 +8092,7 @@
         <p:spPr>
           <a:xfrm>
             <a:off x="2448000" y="246960"/>
-            <a:ext cx="952200" cy="760320"/>
+            <a:ext cx="951840" cy="759960"/>
           </a:xfrm>
           <a:prstGeom prst="rect">
             <a:avLst/>
@@ -8117,8 +8165,8 @@
         </p:nvSpPr>
         <p:spPr>
           <a:xfrm flipV="1">
-            <a:off x="2808000" y="1007280"/>
-            <a:ext cx="130320" cy="575280"/>
+            <a:off x="2808000" y="1006560"/>
+            <a:ext cx="129960" cy="574920"/>
           </a:xfrm>
           <a:custGeom>
             <a:avLst/>
@@ -8166,7 +8214,7 @@
         <p:spPr>
           <a:xfrm>
             <a:off x="3096000" y="1080000"/>
-            <a:ext cx="841680" cy="454320"/>
+            <a:ext cx="841320" cy="453960"/>
           </a:xfrm>
           <a:prstGeom prst="rect">
             <a:avLst/>
@@ -8192,7 +8240,7 @@
         <p:spPr>
           <a:xfrm>
             <a:off x="144000" y="1080000"/>
-            <a:ext cx="841680" cy="257760"/>
+            <a:ext cx="841320" cy="257400"/>
           </a:xfrm>
           <a:prstGeom prst="rect">
             <a:avLst/>
@@ -8243,7 +8291,7 @@
         <p:spPr>
           <a:xfrm>
             <a:off x="288000" y="1585080"/>
-            <a:ext cx="1584000" cy="1150920"/>
+            <a:ext cx="1583640" cy="1150560"/>
           </a:xfrm>
           <a:prstGeom prst="ellipse">
             <a:avLst/>
@@ -8281,7 +8329,7 @@
             <a:r>
               <a:rPr b="0" lang="pt-BR" sz="1100" spc="-1" strike="noStrike">
                 <a:solidFill>
-                  <a:srgbClr val="ffffff"/>
+                  <a:srgbClr val="000000"/>
                 </a:solidFill>
                 <a:latin typeface="Arial"/>
                 <a:ea typeface="DejaVu Sans"/>
@@ -8289,6 +8337,9 @@
               <a:t>Priorizar pedido no planejamento</a:t>
             </a:r>
             <a:endParaRPr b="0" lang="pt-BR" sz="1100" spc="-1" strike="noStrike">
+              <a:solidFill>
+                <a:srgbClr val="000000"/>
+              </a:solidFill>
               <a:latin typeface="Arial"/>
             </a:endParaRPr>
           </a:p>
@@ -8303,7 +8354,7 @@
         <p:spPr>
           <a:xfrm>
             <a:off x="648000" y="3240000"/>
-            <a:ext cx="1295280" cy="454680"/>
+            <a:ext cx="1294920" cy="454680"/>
           </a:xfrm>
           <a:prstGeom prst="rect">
             <a:avLst/>
@@ -8420,7 +8471,7 @@
         <p:spPr>
           <a:xfrm>
             <a:off x="1224000" y="2735640"/>
-            <a:ext cx="115200" cy="503640"/>
+            <a:ext cx="114840" cy="503280"/>
           </a:xfrm>
           <a:custGeom>
             <a:avLst/>
@@ -8468,7 +8519,7 @@
         <p:spPr>
           <a:xfrm>
             <a:off x="2088360" y="1584000"/>
-            <a:ext cx="1294920" cy="1223280"/>
+            <a:ext cx="1294560" cy="1222920"/>
           </a:xfrm>
           <a:prstGeom prst="ellipse">
             <a:avLst/>
@@ -8506,7 +8557,7 @@
             <a:r>
               <a:rPr b="0" lang="pt-BR" sz="1050" spc="-1" strike="noStrike">
                 <a:solidFill>
-                  <a:srgbClr val="ffffff"/>
+                  <a:srgbClr val="000000"/>
                 </a:solidFill>
                 <a:latin typeface="Arial"/>
                 <a:ea typeface="DejaVu Sans"/>
@@ -8514,6 +8565,9 @@
               <a:t>Enviar pedido priorizado</a:t>
             </a:r>
             <a:endParaRPr b="0" lang="pt-BR" sz="1050" spc="-1" strike="noStrike">
+              <a:solidFill>
+                <a:srgbClr val="000000"/>
+              </a:solidFill>
               <a:latin typeface="Arial"/>
             </a:endParaRPr>
           </a:p>
@@ -8527,8 +8581,8 @@
         </p:nvSpPr>
         <p:spPr>
           <a:xfrm flipH="1">
-            <a:off x="1799280" y="2664000"/>
-            <a:ext cx="568800" cy="575280"/>
+            <a:off x="1798560" y="2664000"/>
+            <a:ext cx="568440" cy="574920"/>
           </a:xfrm>
           <a:custGeom>
             <a:avLst/>
@@ -8577,7 +8631,7 @@
         <p:spPr>
           <a:xfrm>
             <a:off x="1872000" y="1107000"/>
-            <a:ext cx="841680" cy="257040"/>
+            <a:ext cx="841320" cy="257040"/>
           </a:xfrm>
           <a:prstGeom prst="rect">
             <a:avLst/>
@@ -8658,7 +8712,7 @@
         <p:spPr>
           <a:xfrm>
             <a:off x="156240" y="91080"/>
-            <a:ext cx="841680" cy="581040"/>
+            <a:ext cx="841320" cy="580680"/>
           </a:xfrm>
           <a:prstGeom prst="rect">
             <a:avLst/>
@@ -8732,7 +8786,7 @@
         <p:spPr>
           <a:xfrm>
             <a:off x="270720" y="1271520"/>
-            <a:ext cx="998280" cy="811800"/>
+            <a:ext cx="997920" cy="811440"/>
           </a:xfrm>
           <a:prstGeom prst="ellipse">
             <a:avLst/>
@@ -8788,7 +8842,7 @@
         <p:spPr>
           <a:xfrm>
             <a:off x="577800" y="673920"/>
-            <a:ext cx="191160" cy="596160"/>
+            <a:ext cx="190800" cy="595800"/>
           </a:xfrm>
           <a:custGeom>
             <a:avLst/>
@@ -8836,7 +8890,7 @@
         <p:spPr>
           <a:xfrm>
             <a:off x="-44640" y="864720"/>
-            <a:ext cx="1362960" cy="211320"/>
+            <a:ext cx="1362600" cy="211320"/>
           </a:xfrm>
           <a:prstGeom prst="rect">
             <a:avLst/>
@@ -8953,7 +9007,7 @@
         <p:spPr>
           <a:xfrm>
             <a:off x="770760" y="2084760"/>
-            <a:ext cx="158040" cy="690120"/>
+            <a:ext cx="157680" cy="689760"/>
           </a:xfrm>
           <a:custGeom>
             <a:avLst/>
@@ -9001,7 +9055,7 @@
         <p:spPr>
           <a:xfrm>
             <a:off x="325440" y="2939400"/>
-            <a:ext cx="1315080" cy="211320"/>
+            <a:ext cx="1314720" cy="211320"/>
           </a:xfrm>
           <a:prstGeom prst="rect">
             <a:avLst/>
@@ -9085,7 +9139,7 @@
         <p:spPr>
           <a:xfrm>
             <a:off x="2090520" y="2924280"/>
-            <a:ext cx="973080" cy="211320"/>
+            <a:ext cx="972720" cy="211320"/>
           </a:xfrm>
           <a:prstGeom prst="rect">
             <a:avLst/>
@@ -9136,7 +9190,7 @@
         <p:spPr>
           <a:xfrm>
             <a:off x="3184200" y="177480"/>
-            <a:ext cx="841680" cy="581040"/>
+            <a:ext cx="841320" cy="580680"/>
           </a:xfrm>
           <a:prstGeom prst="rect">
             <a:avLst/>
@@ -9210,7 +9264,7 @@
         <p:spPr>
           <a:xfrm>
             <a:off x="2892600" y="1319400"/>
-            <a:ext cx="873360" cy="763920"/>
+            <a:ext cx="873000" cy="763560"/>
           </a:xfrm>
           <a:prstGeom prst="ellipse">
             <a:avLst/>
@@ -9265,8 +9319,8 @@
         </p:nvSpPr>
         <p:spPr>
           <a:xfrm flipV="1">
-            <a:off x="3330000" y="758520"/>
-            <a:ext cx="274320" cy="558000"/>
+            <a:off x="3330000" y="757800"/>
+            <a:ext cx="273960" cy="557640"/>
           </a:xfrm>
           <a:custGeom>
             <a:avLst/>
@@ -9380,7 +9434,7 @@
         <p:spPr>
           <a:xfrm>
             <a:off x="4329360" y="2892960"/>
-            <a:ext cx="788400" cy="333000"/>
+            <a:ext cx="788040" cy="333000"/>
           </a:xfrm>
           <a:prstGeom prst="rect">
             <a:avLst/>
@@ -9431,7 +9485,7 @@
         <p:spPr>
           <a:xfrm>
             <a:off x="4267080" y="4548960"/>
-            <a:ext cx="1077840" cy="685080"/>
+            <a:ext cx="1077480" cy="684720"/>
           </a:xfrm>
           <a:prstGeom prst="ellipse">
             <a:avLst/>
@@ -9486,8 +9540,8 @@
         </p:nvSpPr>
         <p:spPr>
           <a:xfrm flipH="1" flipV="1">
-            <a:off x="4140360" y="3318840"/>
-            <a:ext cx="439200" cy="1270080"/>
+            <a:off x="4139280" y="3318120"/>
+            <a:ext cx="438840" cy="1269720"/>
           </a:xfrm>
           <a:custGeom>
             <a:avLst/>
@@ -9536,7 +9590,7 @@
         <p:spPr>
           <a:xfrm>
             <a:off x="2676240" y="736920"/>
-            <a:ext cx="841680" cy="454680"/>
+            <a:ext cx="841320" cy="454680"/>
           </a:xfrm>
           <a:prstGeom prst="rect">
             <a:avLst/>
@@ -9586,8 +9640,8 @@
         </p:nvSpPr>
         <p:spPr>
           <a:xfrm flipH="1">
-            <a:off x="1384920" y="1702080"/>
-            <a:ext cx="1504800" cy="1098360"/>
+            <a:off x="1384200" y="1702080"/>
+            <a:ext cx="1504440" cy="1098000"/>
           </a:xfrm>
           <a:custGeom>
             <a:avLst/>
@@ -9669,7 +9723,7 @@
         <p:spPr>
           <a:xfrm>
             <a:off x="3161520" y="2861280"/>
-            <a:ext cx="1203120" cy="333000"/>
+            <a:ext cx="1202760" cy="333000"/>
           </a:xfrm>
           <a:prstGeom prst="rect">
             <a:avLst/>
@@ -9720,7 +9774,7 @@
         <p:spPr>
           <a:xfrm>
             <a:off x="3119760" y="3897720"/>
-            <a:ext cx="1077840" cy="685080"/>
+            <a:ext cx="1077480" cy="684720"/>
           </a:xfrm>
           <a:prstGeom prst="ellipse">
             <a:avLst/>
@@ -9776,7 +9830,7 @@
         <p:spPr>
           <a:xfrm flipV="1">
             <a:off x="3659400" y="3303360"/>
-            <a:ext cx="106560" cy="591480"/>
+            <a:ext cx="106200" cy="591120"/>
           </a:xfrm>
           <a:custGeom>
             <a:avLst/>
@@ -9824,8 +9878,8 @@
         </p:nvSpPr>
         <p:spPr>
           <a:xfrm flipH="1" flipV="1">
-            <a:off x="3328560" y="2083320"/>
-            <a:ext cx="390960" cy="715680"/>
+            <a:off x="3327840" y="2082600"/>
+            <a:ext cx="390600" cy="715320"/>
           </a:xfrm>
           <a:custGeom>
             <a:avLst/>
@@ -9873,8 +9927,8 @@
         </p:nvSpPr>
         <p:spPr>
           <a:xfrm flipH="1" flipV="1">
-            <a:off x="2574720" y="3287160"/>
-            <a:ext cx="698760" cy="708480"/>
+            <a:off x="2574360" y="3286440"/>
+            <a:ext cx="698400" cy="708120"/>
           </a:xfrm>
           <a:custGeom>
             <a:avLst/>
@@ -9923,7 +9977,7 @@
         <p:spPr>
           <a:xfrm flipV="1">
             <a:off x="3904920" y="3318480"/>
-            <a:ext cx="540720" cy="542520"/>
+            <a:ext cx="540360" cy="542160"/>
           </a:xfrm>
           <a:custGeom>
             <a:avLst/>
@@ -10038,7 +10092,7 @@
         <p:spPr>
           <a:xfrm>
             <a:off x="5222520" y="2901240"/>
-            <a:ext cx="718560" cy="333000"/>
+            <a:ext cx="718200" cy="333000"/>
           </a:xfrm>
           <a:prstGeom prst="rect">
             <a:avLst/>
@@ -10089,7 +10143,7 @@
         <p:spPr>
           <a:xfrm>
             <a:off x="4726800" y="3331080"/>
-            <a:ext cx="78480" cy="1216440"/>
+            <a:ext cx="78120" cy="1216080"/>
           </a:xfrm>
           <a:custGeom>
             <a:avLst/>
@@ -10137,7 +10191,7 @@
         <p:spPr>
           <a:xfrm>
             <a:off x="5470560" y="4287600"/>
-            <a:ext cx="1077840" cy="685080"/>
+            <a:ext cx="1077480" cy="684720"/>
           </a:xfrm>
           <a:prstGeom prst="ellipse">
             <a:avLst/>
@@ -10193,7 +10247,7 @@
         <p:spPr>
           <a:xfrm>
             <a:off x="4930920" y="3388320"/>
-            <a:ext cx="696240" cy="998280"/>
+            <a:ext cx="695880" cy="997920"/>
           </a:xfrm>
           <a:custGeom>
             <a:avLst/>
@@ -10308,7 +10362,7 @@
         <p:spPr>
           <a:xfrm>
             <a:off x="6766920" y="4044960"/>
-            <a:ext cx="890640" cy="685080"/>
+            <a:ext cx="890280" cy="684720"/>
           </a:xfrm>
           <a:prstGeom prst="ellipse">
             <a:avLst/>
@@ -10364,7 +10418,7 @@
         <p:spPr>
           <a:xfrm>
             <a:off x="7795440" y="4255560"/>
-            <a:ext cx="890640" cy="685080"/>
+            <a:ext cx="890280" cy="684720"/>
           </a:xfrm>
           <a:prstGeom prst="ellipse">
             <a:avLst/>
@@ -10420,7 +10474,7 @@
         <p:spPr>
           <a:xfrm>
             <a:off x="5731560" y="3331080"/>
-            <a:ext cx="276840" cy="955080"/>
+            <a:ext cx="276480" cy="954720"/>
           </a:xfrm>
           <a:custGeom>
             <a:avLst/>
@@ -10535,7 +10589,7 @@
         <p:spPr>
           <a:xfrm>
             <a:off x="5942160" y="2930760"/>
-            <a:ext cx="1029600" cy="333000"/>
+            <a:ext cx="1029240" cy="333000"/>
           </a:xfrm>
           <a:prstGeom prst="rect">
             <a:avLst/>
@@ -10652,7 +10706,7 @@
         <p:spPr>
           <a:xfrm>
             <a:off x="7027920" y="2944800"/>
-            <a:ext cx="1029600" cy="333000"/>
+            <a:ext cx="1029240" cy="333000"/>
           </a:xfrm>
           <a:prstGeom prst="rect">
             <a:avLst/>
@@ -10703,7 +10757,7 @@
         <p:spPr>
           <a:xfrm flipH="1">
             <a:off x="4848120" y="1698840"/>
-            <a:ext cx="1376280" cy="1093320"/>
+            <a:ext cx="1375920" cy="1092960"/>
           </a:xfrm>
           <a:custGeom>
             <a:avLst/>
@@ -10752,7 +10806,7 @@
         <p:spPr>
           <a:xfrm>
             <a:off x="6607440" y="1779480"/>
-            <a:ext cx="360" cy="1049040"/>
+            <a:ext cx="360" cy="1048680"/>
           </a:xfrm>
           <a:custGeom>
             <a:avLst/>
@@ -10801,7 +10855,7 @@
         <p:spPr>
           <a:xfrm>
             <a:off x="6998040" y="1677960"/>
-            <a:ext cx="482760" cy="1067040"/>
+            <a:ext cx="482400" cy="1066680"/>
           </a:xfrm>
           <a:custGeom>
             <a:avLst/>
@@ -10850,7 +10904,7 @@
         <p:spPr>
           <a:xfrm>
             <a:off x="5871240" y="704520"/>
-            <a:ext cx="1384920" cy="979200"/>
+            <a:ext cx="1384560" cy="978840"/>
           </a:xfrm>
           <a:prstGeom prst="ellipse">
             <a:avLst/>
@@ -10972,7 +11026,7 @@
         <p:spPr>
           <a:xfrm>
             <a:off x="8078760" y="2955600"/>
-            <a:ext cx="796320" cy="333000"/>
+            <a:ext cx="795960" cy="333000"/>
           </a:xfrm>
           <a:prstGeom prst="rect">
             <a:avLst/>
@@ -11023,7 +11077,7 @@
         <p:spPr>
           <a:xfrm>
             <a:off x="5868000" y="3349080"/>
-            <a:ext cx="897480" cy="875520"/>
+            <a:ext cx="897120" cy="875160"/>
           </a:xfrm>
           <a:custGeom>
             <a:avLst/>
@@ -11072,7 +11126,7 @@
         <p:spPr>
           <a:xfrm>
             <a:off x="6607440" y="3335760"/>
-            <a:ext cx="440280" cy="649440"/>
+            <a:ext cx="439920" cy="649080"/>
           </a:xfrm>
           <a:custGeom>
             <a:avLst/>
@@ -11121,7 +11175,7 @@
         <p:spPr>
           <a:xfrm>
             <a:off x="7538040" y="3388320"/>
-            <a:ext cx="469080" cy="835920"/>
+            <a:ext cx="468720" cy="835560"/>
           </a:xfrm>
           <a:custGeom>
             <a:avLst/>
@@ -11170,7 +11224,7 @@
         <p:spPr>
           <a:xfrm flipH="1">
             <a:off x="8316720" y="3388320"/>
-            <a:ext cx="110520" cy="835920"/>
+            <a:ext cx="110160" cy="835560"/>
           </a:xfrm>
           <a:custGeom>
             <a:avLst/>
@@ -11285,7 +11339,7 @@
         <p:spPr>
           <a:xfrm>
             <a:off x="8957520" y="2930760"/>
-            <a:ext cx="796320" cy="333000"/>
+            <a:ext cx="795960" cy="333000"/>
           </a:xfrm>
           <a:prstGeom prst="rect">
             <a:avLst/>
@@ -11336,7 +11390,7 @@
         <p:spPr>
           <a:xfrm>
             <a:off x="8199720" y="1062000"/>
-            <a:ext cx="1127880" cy="979200"/>
+            <a:ext cx="1127520" cy="978840"/>
           </a:xfrm>
           <a:prstGeom prst="ellipse">
             <a:avLst/>
@@ -11391,8 +11445,8 @@
         </p:nvSpPr>
         <p:spPr>
           <a:xfrm flipV="1">
-            <a:off x="7733880" y="1896120"/>
-            <a:ext cx="629640" cy="814320"/>
+            <a:off x="7733880" y="1895040"/>
+            <a:ext cx="629280" cy="813960"/>
           </a:xfrm>
           <a:custGeom>
             <a:avLst/>
@@ -11440,8 +11494,8 @@
         </p:nvSpPr>
         <p:spPr>
           <a:xfrm flipV="1">
-            <a:off x="8609040" y="2041200"/>
-            <a:ext cx="154080" cy="785520"/>
+            <a:off x="8609040" y="2040480"/>
+            <a:ext cx="153720" cy="785160"/>
           </a:xfrm>
           <a:custGeom>
             <a:avLst/>
@@ -11490,7 +11544,7 @@
         <p:spPr>
           <a:xfrm flipH="1" flipV="1">
             <a:off x="9162360" y="1897560"/>
-            <a:ext cx="191160" cy="950040"/>
+            <a:ext cx="190800" cy="949680"/>
           </a:xfrm>
           <a:custGeom>
             <a:avLst/>

--- a/Artefatos/16-DFD Essencial para cada capacidade.pptx
+++ b/Artefatos/16-DFD Essencial para cada capacidade.pptx
@@ -70,7 +70,7 @@
         <p:spPr>
           <a:xfrm>
             <a:off x="692640" y="375480"/>
-            <a:ext cx="8690760" cy="946800"/>
+            <a:ext cx="8690400" cy="946800"/>
           </a:xfrm>
           <a:prstGeom prst="rect">
             <a:avLst/>
@@ -183,7 +183,7 @@
         <p:spPr>
           <a:xfrm>
             <a:off x="692640" y="375480"/>
-            <a:ext cx="8690760" cy="946800"/>
+            <a:ext cx="8690400" cy="946800"/>
           </a:xfrm>
           <a:prstGeom prst="rect">
             <a:avLst/>
@@ -356,7 +356,7 @@
         <p:spPr>
           <a:xfrm>
             <a:off x="692640" y="375480"/>
-            <a:ext cx="8690760" cy="946800"/>
+            <a:ext cx="8690400" cy="946800"/>
           </a:xfrm>
           <a:prstGeom prst="rect">
             <a:avLst/>
@@ -589,7 +589,7 @@
         <p:spPr>
           <a:xfrm>
             <a:off x="692640" y="375480"/>
-            <a:ext cx="8690760" cy="946800"/>
+            <a:ext cx="8690400" cy="946800"/>
           </a:xfrm>
           <a:prstGeom prst="rect">
             <a:avLst/>
@@ -673,7 +673,7 @@
         <p:spPr>
           <a:xfrm>
             <a:off x="692640" y="375480"/>
-            <a:ext cx="8690760" cy="946800"/>
+            <a:ext cx="8690400" cy="946800"/>
           </a:xfrm>
           <a:prstGeom prst="rect">
             <a:avLst/>
@@ -756,7 +756,7 @@
         <p:spPr>
           <a:xfrm>
             <a:off x="692640" y="375480"/>
-            <a:ext cx="8690760" cy="946800"/>
+            <a:ext cx="8690400" cy="946800"/>
           </a:xfrm>
           <a:prstGeom prst="rect">
             <a:avLst/>
@@ -869,7 +869,7 @@
         <p:spPr>
           <a:xfrm>
             <a:off x="692640" y="375480"/>
-            <a:ext cx="8690760" cy="946800"/>
+            <a:ext cx="8690400" cy="946800"/>
           </a:xfrm>
           <a:prstGeom prst="rect">
             <a:avLst/>
@@ -922,7 +922,7 @@
         <p:spPr>
           <a:xfrm>
             <a:off x="692640" y="375480"/>
-            <a:ext cx="8690760" cy="4390200"/>
+            <a:ext cx="8690400" cy="4390200"/>
           </a:xfrm>
           <a:prstGeom prst="rect">
             <a:avLst/>
@@ -975,7 +975,7 @@
         <p:spPr>
           <a:xfrm>
             <a:off x="692640" y="375480"/>
-            <a:ext cx="8690760" cy="946800"/>
+            <a:ext cx="8690400" cy="946800"/>
           </a:xfrm>
           <a:prstGeom prst="rect">
             <a:avLst/>
@@ -1118,7 +1118,7 @@
         <p:spPr>
           <a:xfrm>
             <a:off x="692640" y="375480"/>
-            <a:ext cx="8690760" cy="946800"/>
+            <a:ext cx="8690400" cy="946800"/>
           </a:xfrm>
           <a:prstGeom prst="rect">
             <a:avLst/>
@@ -1261,7 +1261,7 @@
         <p:spPr>
           <a:xfrm>
             <a:off x="692640" y="375480"/>
-            <a:ext cx="8690760" cy="946800"/>
+            <a:ext cx="8690400" cy="946800"/>
           </a:xfrm>
           <a:prstGeom prst="rect">
             <a:avLst/>
@@ -1411,7 +1411,7 @@
         <p:spPr>
           <a:xfrm>
             <a:off x="692640" y="375480"/>
-            <a:ext cx="8690760" cy="946800"/>
+            <a:ext cx="8690400" cy="946800"/>
           </a:xfrm>
           <a:prstGeom prst="rect">
             <a:avLst/>
@@ -1455,7 +1455,7 @@
         </p:spPr>
         <p:txBody>
           <a:bodyPr lIns="0" rIns="0" tIns="0" bIns="0">
-            <a:normAutofit fontScale="94000"/>
+            <a:normAutofit/>
           </a:bodyPr>
           <a:p>
             <a:pPr marL="432000" indent="-324000">
@@ -1659,7 +1659,7 @@
         <p:spPr>
           <a:xfrm>
             <a:off x="471960" y="226440"/>
-            <a:ext cx="951840" cy="759960"/>
+            <a:ext cx="951480" cy="759600"/>
           </a:xfrm>
           <a:prstGeom prst="rect">
             <a:avLst/>
@@ -1733,7 +1733,7 @@
         <p:spPr>
           <a:xfrm>
             <a:off x="432000" y="1729440"/>
-            <a:ext cx="1254600" cy="1061280"/>
+            <a:ext cx="1254240" cy="1060920"/>
           </a:xfrm>
           <a:prstGeom prst="ellipse">
             <a:avLst/>
@@ -1778,10 +1778,7 @@
               </a:rPr>
               <a:t>Receber Solicitação de produção</a:t>
             </a:r>
-            <a:endParaRPr b="1" lang="pt-BR" sz="1050" spc="-1" strike="noStrike">
-              <a:solidFill>
-                <a:srgbClr val="000000"/>
-              </a:solidFill>
+            <a:endParaRPr b="0" lang="pt-BR" sz="1050" spc="-1" strike="noStrike">
               <a:latin typeface="Arial"/>
             </a:endParaRPr>
           </a:p>
@@ -1796,7 +1793,7 @@
         <p:spPr>
           <a:xfrm>
             <a:off x="948960" y="988200"/>
-            <a:ext cx="172800" cy="739440"/>
+            <a:ext cx="172440" cy="739080"/>
           </a:xfrm>
           <a:custGeom>
             <a:avLst/>
@@ -1844,7 +1841,7 @@
         <p:spPr>
           <a:xfrm>
             <a:off x="-67680" y="1195920"/>
-            <a:ext cx="1362600" cy="394200"/>
+            <a:ext cx="1362240" cy="394200"/>
           </a:xfrm>
           <a:prstGeom prst="rect">
             <a:avLst/>
@@ -1928,7 +1925,7 @@
         <p:spPr>
           <a:xfrm>
             <a:off x="1123200" y="2792520"/>
-            <a:ext cx="360" cy="661680"/>
+            <a:ext cx="360" cy="661320"/>
           </a:xfrm>
           <a:custGeom>
             <a:avLst/>
@@ -1976,7 +1973,7 @@
         <p:spPr>
           <a:xfrm>
             <a:off x="324360" y="3565080"/>
-            <a:ext cx="1672200" cy="454680"/>
+            <a:ext cx="1671840" cy="454680"/>
           </a:xfrm>
           <a:prstGeom prst="rect">
             <a:avLst/>
@@ -2047,7 +2044,7 @@
         <p:spPr>
           <a:xfrm>
             <a:off x="6912000" y="85680"/>
-            <a:ext cx="2806920" cy="638280"/>
+            <a:ext cx="2806560" cy="638280"/>
           </a:xfrm>
           <a:prstGeom prst="rect">
             <a:avLst/>
@@ -2131,7 +2128,7 @@
         <p:spPr>
           <a:xfrm>
             <a:off x="2448000" y="1656000"/>
-            <a:ext cx="1222920" cy="1078920"/>
+            <a:ext cx="1222560" cy="1078560"/>
           </a:xfrm>
           <a:prstGeom prst="ellipse">
             <a:avLst/>
@@ -2177,9 +2174,6 @@
               <a:t>Analisar Solicitação de produção</a:t>
             </a:r>
             <a:endParaRPr b="0" lang="pt-BR" sz="1050" spc="-1" strike="noStrike">
-              <a:solidFill>
-                <a:srgbClr val="000000"/>
-              </a:solidFill>
               <a:latin typeface="Arial"/>
             </a:endParaRPr>
           </a:p>
@@ -2194,7 +2188,7 @@
         <p:spPr>
           <a:xfrm flipH="1">
             <a:off x="1589040" y="2592000"/>
-            <a:ext cx="1144440" cy="846720"/>
+            <a:ext cx="1144080" cy="846360"/>
           </a:xfrm>
           <a:custGeom>
             <a:avLst/>
@@ -2243,7 +2237,7 @@
         <p:spPr>
           <a:xfrm>
             <a:off x="2088000" y="1056960"/>
-            <a:ext cx="841320" cy="454680"/>
+            <a:ext cx="840960" cy="454680"/>
           </a:xfrm>
           <a:prstGeom prst="rect">
             <a:avLst/>
@@ -2294,7 +2288,7 @@
         <p:spPr>
           <a:xfrm>
             <a:off x="2808000" y="360000"/>
-            <a:ext cx="841320" cy="790920"/>
+            <a:ext cx="840960" cy="790560"/>
           </a:xfrm>
           <a:prstGeom prst="rect">
             <a:avLst/>
@@ -2368,7 +2362,7 @@
         <p:spPr>
           <a:xfrm flipV="1">
             <a:off x="3108960" y="1150560"/>
-            <a:ext cx="129960" cy="502920"/>
+            <a:ext cx="129600" cy="502560"/>
           </a:xfrm>
           <a:custGeom>
             <a:avLst/>
@@ -2482,7 +2476,7 @@
         <p:spPr>
           <a:xfrm>
             <a:off x="2160000" y="3576960"/>
-            <a:ext cx="1672200" cy="272160"/>
+            <a:ext cx="1671840" cy="272160"/>
           </a:xfrm>
           <a:prstGeom prst="rect">
             <a:avLst/>
@@ -2532,8 +2526,8 @@
         </p:nvSpPr>
         <p:spPr>
           <a:xfrm flipH="1" flipV="1">
-            <a:off x="3021120" y="2734560"/>
-            <a:ext cx="360" cy="790920"/>
+            <a:off x="3020400" y="2734560"/>
+            <a:ext cx="360" cy="790560"/>
           </a:xfrm>
           <a:custGeom>
             <a:avLst/>
@@ -2648,7 +2642,7 @@
         <p:spPr>
           <a:xfrm>
             <a:off x="3833280" y="3600000"/>
-            <a:ext cx="1274760" cy="394200"/>
+            <a:ext cx="1274400" cy="394200"/>
           </a:xfrm>
           <a:prstGeom prst="rect">
             <a:avLst/>
@@ -2699,7 +2693,7 @@
         <p:spPr>
           <a:xfrm flipH="1" flipV="1">
             <a:off x="3526560" y="2518560"/>
-            <a:ext cx="934920" cy="934920"/>
+            <a:ext cx="934560" cy="934560"/>
           </a:xfrm>
           <a:custGeom>
             <a:avLst/>
@@ -2748,7 +2742,7 @@
         <p:spPr>
           <a:xfrm>
             <a:off x="5112000" y="1800000"/>
-            <a:ext cx="1128960" cy="1078920"/>
+            <a:ext cx="1128600" cy="1078560"/>
           </a:xfrm>
           <a:prstGeom prst="ellipse">
             <a:avLst/>
@@ -2794,9 +2788,6 @@
               <a:t>Emitir Ordem  de produção</a:t>
             </a:r>
             <a:endParaRPr b="0" lang="pt-BR" sz="1050" spc="-1" strike="noStrike">
-              <a:solidFill>
-                <a:srgbClr val="000000"/>
-              </a:solidFill>
               <a:latin typeface="Arial"/>
             </a:endParaRPr>
           </a:p>
@@ -2810,8 +2801,8 @@
         </p:nvSpPr>
         <p:spPr>
           <a:xfrm flipV="1">
-            <a:off x="4536000" y="2661120"/>
-            <a:ext cx="718920" cy="862920"/>
+            <a:off x="4536000" y="2660760"/>
+            <a:ext cx="718560" cy="862560"/>
           </a:xfrm>
           <a:custGeom>
             <a:avLst/>
@@ -2959,7 +2950,7 @@
         <p:spPr>
           <a:xfrm>
             <a:off x="5184000" y="3600000"/>
-            <a:ext cx="1274760" cy="394200"/>
+            <a:ext cx="1274400" cy="394200"/>
           </a:xfrm>
           <a:prstGeom prst="rect">
             <a:avLst/>
@@ -3009,8 +3000,8 @@
         </p:nvSpPr>
         <p:spPr>
           <a:xfrm flipH="1" flipV="1">
-            <a:off x="5758920" y="2878560"/>
-            <a:ext cx="92880" cy="574920"/>
+            <a:off x="5758200" y="2878560"/>
+            <a:ext cx="92520" cy="574560"/>
           </a:xfrm>
           <a:custGeom>
             <a:avLst/>
@@ -3059,7 +3050,7 @@
         <p:spPr>
           <a:xfrm>
             <a:off x="5277960" y="432000"/>
-            <a:ext cx="841320" cy="790920"/>
+            <a:ext cx="840960" cy="790560"/>
           </a:xfrm>
           <a:prstGeom prst="rect">
             <a:avLst/>
@@ -3133,7 +3124,7 @@
         <p:spPr>
           <a:xfrm flipV="1">
             <a:off x="5687640" y="1223280"/>
-            <a:ext cx="360" cy="574920"/>
+            <a:ext cx="360" cy="574560"/>
           </a:xfrm>
           <a:custGeom>
             <a:avLst/>
@@ -3181,7 +3172,7 @@
         <p:spPr>
           <a:xfrm>
             <a:off x="4824000" y="1322280"/>
-            <a:ext cx="841320" cy="333000"/>
+            <a:ext cx="840960" cy="333000"/>
           </a:xfrm>
           <a:prstGeom prst="rect">
             <a:avLst/>
@@ -3262,7 +3253,7 @@
         <p:spPr>
           <a:xfrm>
             <a:off x="6912000" y="85680"/>
-            <a:ext cx="2806920" cy="638280"/>
+            <a:ext cx="2806560" cy="638280"/>
           </a:xfrm>
           <a:prstGeom prst="rect">
             <a:avLst/>
@@ -3313,7 +3304,7 @@
         <p:spPr>
           <a:xfrm>
             <a:off x="471960" y="236520"/>
-            <a:ext cx="951840" cy="759960"/>
+            <a:ext cx="951480" cy="759600"/>
           </a:xfrm>
           <a:prstGeom prst="rect">
             <a:avLst/>
@@ -3387,7 +3378,7 @@
         <p:spPr>
           <a:xfrm>
             <a:off x="956520" y="997560"/>
-            <a:ext cx="172800" cy="739440"/>
+            <a:ext cx="172440" cy="739080"/>
           </a:xfrm>
           <a:custGeom>
             <a:avLst/>
@@ -3435,7 +3426,7 @@
         <p:spPr>
           <a:xfrm>
             <a:off x="76320" y="1109880"/>
-            <a:ext cx="786600" cy="394200"/>
+            <a:ext cx="786240" cy="394200"/>
           </a:xfrm>
           <a:prstGeom prst="rect">
             <a:avLst/>
@@ -3486,7 +3477,7 @@
         <p:spPr>
           <a:xfrm>
             <a:off x="576000" y="1745640"/>
-            <a:ext cx="1128960" cy="1061280"/>
+            <a:ext cx="1128600" cy="1060920"/>
           </a:xfrm>
           <a:prstGeom prst="ellipse">
             <a:avLst/>
@@ -3532,9 +3523,6 @@
               <a:t>Receber Ordem de produção</a:t>
             </a:r>
             <a:endParaRPr b="0" lang="pt-BR" sz="1050" spc="-1" strike="noStrike">
-              <a:solidFill>
-                <a:srgbClr val="000000"/>
-              </a:solidFill>
               <a:latin typeface="Arial"/>
             </a:endParaRPr>
           </a:p>
@@ -3582,7 +3570,7 @@
         <p:spPr>
           <a:xfrm>
             <a:off x="324360" y="3565080"/>
-            <a:ext cx="1672200" cy="272160"/>
+            <a:ext cx="1671840" cy="272160"/>
           </a:xfrm>
           <a:prstGeom prst="rect">
             <a:avLst/>
@@ -3666,7 +3654,7 @@
         <p:spPr>
           <a:xfrm>
             <a:off x="1123560" y="2880000"/>
-            <a:ext cx="360" cy="573840"/>
+            <a:ext cx="360" cy="573480"/>
           </a:xfrm>
           <a:custGeom>
             <a:avLst/>
@@ -3714,7 +3702,7 @@
         <p:spPr>
           <a:xfrm>
             <a:off x="2088000" y="1800000"/>
-            <a:ext cx="1128960" cy="1061280"/>
+            <a:ext cx="1128600" cy="1060920"/>
           </a:xfrm>
           <a:prstGeom prst="ellipse">
             <a:avLst/>
@@ -3760,9 +3748,6 @@
               <a:t>Separar componentes</a:t>
             </a:r>
             <a:endParaRPr b="0" lang="pt-BR" sz="1200" spc="-1" strike="noStrike">
-              <a:solidFill>
-                <a:srgbClr val="000000"/>
-              </a:solidFill>
               <a:latin typeface="Arial"/>
             </a:endParaRPr>
           </a:p>
@@ -3777,7 +3762,7 @@
         <p:spPr>
           <a:xfrm flipH="1">
             <a:off x="1589040" y="2808000"/>
-            <a:ext cx="712440" cy="630720"/>
+            <a:ext cx="712080" cy="630360"/>
           </a:xfrm>
           <a:custGeom>
             <a:avLst/>
@@ -3892,7 +3877,7 @@
         <p:spPr>
           <a:xfrm>
             <a:off x="1872000" y="3565080"/>
-            <a:ext cx="1672200" cy="271800"/>
+            <a:ext cx="1671840" cy="271440"/>
           </a:xfrm>
           <a:prstGeom prst="rect">
             <a:avLst/>
@@ -3918,7 +3903,7 @@
         <p:spPr>
           <a:xfrm>
             <a:off x="1926720" y="3565080"/>
-            <a:ext cx="1672200" cy="271800"/>
+            <a:ext cx="1671840" cy="271440"/>
           </a:xfrm>
           <a:prstGeom prst="rect">
             <a:avLst/>
@@ -3944,7 +3929,7 @@
         <p:spPr>
           <a:xfrm>
             <a:off x="2079720" y="3528360"/>
-            <a:ext cx="1231200" cy="454680"/>
+            <a:ext cx="1230840" cy="454680"/>
           </a:xfrm>
           <a:prstGeom prst="rect">
             <a:avLst/>
@@ -3995,7 +3980,7 @@
         <p:spPr>
           <a:xfrm flipH="1">
             <a:off x="2525040" y="2862360"/>
-            <a:ext cx="136440" cy="576360"/>
+            <a:ext cx="136080" cy="576000"/>
           </a:xfrm>
           <a:custGeom>
             <a:avLst/>
@@ -4044,7 +4029,7 @@
         <p:spPr>
           <a:xfrm>
             <a:off x="3693960" y="1872000"/>
-            <a:ext cx="1128960" cy="1061280"/>
+            <a:ext cx="1128600" cy="1060920"/>
           </a:xfrm>
           <a:prstGeom prst="ellipse">
             <a:avLst/>
@@ -4090,9 +4075,6 @@
               <a:t>Fixar componentes</a:t>
             </a:r>
             <a:endParaRPr b="0" lang="pt-BR" sz="1200" spc="-1" strike="noStrike">
-              <a:solidFill>
-                <a:srgbClr val="000000"/>
-              </a:solidFill>
               <a:latin typeface="Arial"/>
             </a:endParaRPr>
           </a:p>
@@ -4106,8 +4088,8 @@
         </p:nvSpPr>
         <p:spPr>
           <a:xfrm>
-            <a:off x="5205960" y="1944000"/>
-            <a:ext cx="1128960" cy="1061280"/>
+            <a:off x="5040000" y="1819080"/>
+            <a:ext cx="1128600" cy="1060920"/>
           </a:xfrm>
           <a:prstGeom prst="ellipse">
             <a:avLst/>
@@ -4153,9 +4135,6 @@
               <a:t>Soldar Componentes</a:t>
             </a:r>
             <a:endParaRPr b="0" lang="pt-BR" sz="1200" spc="-1" strike="noStrike">
-              <a:solidFill>
-                <a:srgbClr val="000000"/>
-              </a:solidFill>
               <a:latin typeface="Arial"/>
             </a:endParaRPr>
           </a:p>
@@ -4302,7 +4281,7 @@
         <p:spPr>
           <a:xfrm>
             <a:off x="5823720" y="3672360"/>
-            <a:ext cx="1231200" cy="454680"/>
+            <a:ext cx="1230840" cy="454680"/>
           </a:xfrm>
           <a:prstGeom prst="rect">
             <a:avLst/>
@@ -4352,8 +4331,8 @@
         </p:nvSpPr>
         <p:spPr>
           <a:xfrm>
-            <a:off x="7437960" y="1728000"/>
-            <a:ext cx="1416960" cy="1222920"/>
+            <a:off x="6359400" y="1512000"/>
+            <a:ext cx="1416600" cy="1222560"/>
           </a:xfrm>
           <a:prstGeom prst="ellipse">
             <a:avLst/>
@@ -4399,9 +4378,6 @@
               <a:t>Fazer Retrabalho</a:t>
             </a:r>
             <a:endParaRPr b="0" lang="pt-BR" sz="1200" spc="-1" strike="noStrike">
-              <a:solidFill>
-                <a:srgbClr val="000000"/>
-              </a:solidFill>
               <a:latin typeface="Arial"/>
             </a:endParaRPr>
           </a:p>
@@ -4416,7 +4392,7 @@
         <p:spPr>
           <a:xfrm flipH="1">
             <a:off x="6550560" y="2736000"/>
-            <a:ext cx="1006920" cy="790920"/>
+            <a:ext cx="289440" cy="790560"/>
           </a:xfrm>
           <a:custGeom>
             <a:avLst/>
@@ -4531,7 +4507,7 @@
         <p:spPr>
           <a:xfrm>
             <a:off x="7632000" y="3600000"/>
-            <a:ext cx="1294920" cy="454680"/>
+            <a:ext cx="1294560" cy="454680"/>
           </a:xfrm>
           <a:prstGeom prst="rect">
             <a:avLst/>
@@ -4581,8 +4557,8 @@
         </p:nvSpPr>
         <p:spPr>
           <a:xfrm>
-            <a:off x="8352000" y="2952000"/>
-            <a:ext cx="214920" cy="646920"/>
+            <a:off x="7560000" y="2664000"/>
+            <a:ext cx="1006560" cy="934560"/>
           </a:xfrm>
           <a:custGeom>
             <a:avLst/>
@@ -4664,7 +4640,7 @@
         <p:spPr>
           <a:xfrm>
             <a:off x="3796200" y="3567600"/>
-            <a:ext cx="1231200" cy="454680"/>
+            <a:ext cx="1230840" cy="454680"/>
           </a:xfrm>
           <a:prstGeom prst="rect">
             <a:avLst/>
@@ -4748,7 +4724,7 @@
         <p:spPr>
           <a:xfrm flipH="1">
             <a:off x="4246560" y="2934360"/>
-            <a:ext cx="136440" cy="576360"/>
+            <a:ext cx="136080" cy="576000"/>
           </a:xfrm>
           <a:custGeom>
             <a:avLst/>
@@ -4796,8 +4772,8 @@
         </p:nvSpPr>
         <p:spPr>
           <a:xfrm flipH="1">
-            <a:off x="4966560" y="2952000"/>
-            <a:ext cx="430920" cy="504360"/>
+            <a:off x="4966560" y="2808000"/>
+            <a:ext cx="361440" cy="720000"/>
           </a:xfrm>
           <a:custGeom>
             <a:avLst/>
@@ -4844,9 +4820,9 @@
           <p:nvPr/>
         </p:nvSpPr>
         <p:spPr>
-          <a:xfrm flipH="1">
-            <a:off x="5973480" y="3006360"/>
-            <a:ext cx="360" cy="594360"/>
+          <a:xfrm>
+            <a:off x="5759640" y="2880000"/>
+            <a:ext cx="213480" cy="720360"/>
           </a:xfrm>
           <a:custGeom>
             <a:avLst/>
@@ -4894,8 +4870,8 @@
         </p:nvSpPr>
         <p:spPr>
           <a:xfrm flipH="1">
-            <a:off x="3079440" y="2808000"/>
-            <a:ext cx="734400" cy="630720"/>
+            <a:off x="3078720" y="2808000"/>
+            <a:ext cx="734040" cy="630360"/>
           </a:xfrm>
           <a:custGeom>
             <a:avLst/>
@@ -4934,6 +4910,298 @@
           </a:effectRef>
           <a:fontRef idx="minor"/>
         </p:style>
+      </p:sp>
+      <p:sp>
+        <p:nvSpPr>
+          <p:cNvPr id="107" name="CustomShape 38"/>
+          <p:cNvSpPr/>
+          <p:nvPr/>
+        </p:nvSpPr>
+        <p:spPr>
+          <a:xfrm>
+            <a:off x="6358680" y="1512360"/>
+            <a:ext cx="1416600" cy="1222560"/>
+          </a:xfrm>
+          <a:prstGeom prst="ellipse">
+            <a:avLst/>
+          </a:prstGeom>
+          <a:ln>
+            <a:solidFill>
+              <a:srgbClr val="111111"/>
+            </a:solidFill>
+          </a:ln>
+        </p:spPr>
+        <p:style>
+          <a:lnRef idx="2">
+            <a:schemeClr val="accent6">
+              <a:shade val="50000"/>
+            </a:schemeClr>
+          </a:lnRef>
+          <a:fillRef idx="1">
+            <a:schemeClr val="accent6"/>
+          </a:fillRef>
+          <a:effectRef idx="0">
+            <a:schemeClr val="accent6"/>
+          </a:effectRef>
+          <a:fontRef idx="minor"/>
+        </p:style>
+        <p:txBody>
+          <a:bodyPr lIns="90000" rIns="90000" tIns="45000" bIns="45000" anchor="ctr">
+            <a:noAutofit/>
+          </a:bodyPr>
+          <a:p>
+            <a:pPr algn="ctr">
+              <a:lnSpc>
+                <a:spcPct val="100000"/>
+              </a:lnSpc>
+            </a:pPr>
+            <a:r>
+              <a:rPr b="0" lang="pt-BR" sz="1200" spc="-1" strike="noStrike">
+                <a:solidFill>
+                  <a:srgbClr val="000000"/>
+                </a:solidFill>
+                <a:latin typeface="Arial"/>
+                <a:ea typeface="DejaVu Sans"/>
+              </a:rPr>
+              <a:t>Fazer Retrabalho</a:t>
+            </a:r>
+            <a:endParaRPr b="0" lang="pt-BR" sz="1200" spc="-1" strike="noStrike">
+              <a:latin typeface="Arial"/>
+            </a:endParaRPr>
+          </a:p>
+        </p:txBody>
+      </p:sp>
+      <p:sp>
+        <p:nvSpPr>
+          <p:cNvPr id="108" name="CustomShape 39"/>
+          <p:cNvSpPr/>
+          <p:nvPr/>
+        </p:nvSpPr>
+        <p:spPr>
+          <a:xfrm>
+            <a:off x="471960" y="246600"/>
+            <a:ext cx="951480" cy="759600"/>
+          </a:xfrm>
+          <a:prstGeom prst="rect">
+            <a:avLst/>
+          </a:prstGeom>
+          <a:gradFill rotWithShape="0">
+            <a:gsLst>
+              <a:gs pos="0">
+                <a:srgbClr val="d0d0d0"/>
+              </a:gs>
+              <a:gs pos="100000">
+                <a:srgbClr val="ededed">
+                  <a:alpha val="0"/>
+                </a:srgbClr>
+              </a:gs>
+            </a:gsLst>
+            <a:lin ang="16200000"/>
+          </a:gradFill>
+          <a:ln/>
+          <a:effectLst>
+            <a:outerShdw blurRad="40000" dir="5400000" dist="20160" rotWithShape="0">
+              <a:srgbClr val="000000">
+                <a:alpha val="38000"/>
+              </a:srgbClr>
+            </a:outerShdw>
+          </a:effectLst>
+        </p:spPr>
+        <p:style>
+          <a:lnRef idx="1">
+            <a:schemeClr val="dk1"/>
+          </a:lnRef>
+          <a:fillRef idx="2">
+            <a:schemeClr val="dk1"/>
+          </a:fillRef>
+          <a:effectRef idx="1">
+            <a:schemeClr val="dk1"/>
+          </a:effectRef>
+          <a:fontRef idx="minor"/>
+        </p:style>
+        <p:txBody>
+          <a:bodyPr lIns="90000" rIns="90000" tIns="45000" bIns="45000" anchor="ctr">
+            <a:noAutofit/>
+          </a:bodyPr>
+          <a:p>
+            <a:pPr algn="ctr">
+              <a:lnSpc>
+                <a:spcPct val="100000"/>
+              </a:lnSpc>
+            </a:pPr>
+            <a:r>
+              <a:rPr b="0" lang="pt-BR" sz="1200" spc="-1" strike="noStrike">
+                <a:solidFill>
+                  <a:srgbClr val="000000"/>
+                </a:solidFill>
+                <a:latin typeface="Arial"/>
+                <a:ea typeface="DejaVu Sans"/>
+              </a:rPr>
+              <a:t>Gerencia</a:t>
+            </a:r>
+            <a:endParaRPr b="0" lang="pt-BR" sz="1200" spc="-1" strike="noStrike">
+              <a:latin typeface="Arial"/>
+            </a:endParaRPr>
+          </a:p>
+        </p:txBody>
+      </p:sp>
+      <p:sp>
+        <p:nvSpPr>
+          <p:cNvPr id="109" name="CustomShape 40"/>
+          <p:cNvSpPr/>
+          <p:nvPr/>
+        </p:nvSpPr>
+        <p:spPr>
+          <a:xfrm>
+            <a:off x="5688000" y="288000"/>
+            <a:ext cx="951480" cy="759600"/>
+          </a:xfrm>
+          <a:prstGeom prst="rect">
+            <a:avLst/>
+          </a:prstGeom>
+          <a:gradFill rotWithShape="0">
+            <a:gsLst>
+              <a:gs pos="0">
+                <a:srgbClr val="d0d0d0"/>
+              </a:gs>
+              <a:gs pos="100000">
+                <a:srgbClr val="ededed">
+                  <a:alpha val="0"/>
+                </a:srgbClr>
+              </a:gs>
+            </a:gsLst>
+            <a:lin ang="16200000"/>
+          </a:gradFill>
+          <a:ln/>
+          <a:effectLst>
+            <a:outerShdw blurRad="40000" dir="5400000" dist="20160" rotWithShape="0">
+              <a:srgbClr val="000000">
+                <a:alpha val="38000"/>
+              </a:srgbClr>
+            </a:outerShdw>
+          </a:effectLst>
+        </p:spPr>
+        <p:style>
+          <a:lnRef idx="1">
+            <a:schemeClr val="dk1"/>
+          </a:lnRef>
+          <a:fillRef idx="2">
+            <a:schemeClr val="dk1"/>
+          </a:fillRef>
+          <a:effectRef idx="1">
+            <a:schemeClr val="dk1"/>
+          </a:effectRef>
+          <a:fontRef idx="minor"/>
+        </p:style>
+        <p:txBody>
+          <a:bodyPr lIns="90000" rIns="90000" tIns="45000" bIns="45000" anchor="ctr">
+            <a:noAutofit/>
+          </a:bodyPr>
+          <a:p>
+            <a:pPr algn="ctr">
+              <a:lnSpc>
+                <a:spcPct val="100000"/>
+              </a:lnSpc>
+            </a:pPr>
+            <a:r>
+              <a:rPr b="0" lang="pt-BR" sz="1200" spc="-1" strike="noStrike">
+                <a:solidFill>
+                  <a:srgbClr val="000000"/>
+                </a:solidFill>
+                <a:latin typeface="Arial"/>
+                <a:ea typeface="DejaVu Sans"/>
+              </a:rPr>
+              <a:t>Controle de qualidade</a:t>
+            </a:r>
+            <a:endParaRPr b="0" lang="pt-BR" sz="1200" spc="-1" strike="noStrike">
+              <a:latin typeface="Arial"/>
+            </a:endParaRPr>
+          </a:p>
+        </p:txBody>
+      </p:sp>
+      <p:sp>
+        <p:nvSpPr>
+          <p:cNvPr id="110" name="CustomShape 41"/>
+          <p:cNvSpPr/>
+          <p:nvPr/>
+        </p:nvSpPr>
+        <p:spPr>
+          <a:xfrm flipH="1" flipV="1">
+            <a:off x="6264000" y="1080000"/>
+            <a:ext cx="432000" cy="504000"/>
+          </a:xfrm>
+          <a:custGeom>
+            <a:avLst/>
+            <a:gdLst/>
+            <a:ahLst/>
+            <a:rect l="l" t="t" r="r" b="b"/>
+            <a:pathLst>
+              <a:path w="21600" h="21600">
+                <a:moveTo>
+                  <a:pt x="0" y="0"/>
+                </a:moveTo>
+                <a:lnTo>
+                  <a:pt x="21600" y="21600"/>
+                </a:lnTo>
+              </a:path>
+            </a:pathLst>
+          </a:custGeom>
+          <a:noFill/>
+          <a:ln>
+            <a:solidFill>
+              <a:schemeClr val="tx1"/>
+            </a:solidFill>
+            <a:tailEnd len="med" type="triangle" w="med"/>
+          </a:ln>
+        </p:spPr>
+        <p:style>
+          <a:lnRef idx="1">
+            <a:schemeClr val="accent1"/>
+          </a:lnRef>
+          <a:fillRef idx="0">
+            <a:schemeClr val="accent1"/>
+          </a:fillRef>
+          <a:effectRef idx="0">
+            <a:schemeClr val="accent1"/>
+          </a:effectRef>
+          <a:fontRef idx="minor"/>
+        </p:style>
+      </p:sp>
+      <p:sp>
+        <p:nvSpPr>
+          <p:cNvPr id="111" name="TextShape 42"/>
+          <p:cNvSpPr txBox="1"/>
+          <p:nvPr/>
+        </p:nvSpPr>
+        <p:spPr>
+          <a:xfrm>
+            <a:off x="5328000" y="1224000"/>
+            <a:ext cx="1031400" cy="431640"/>
+          </a:xfrm>
+          <a:prstGeom prst="rect">
+            <a:avLst/>
+          </a:prstGeom>
+          <a:noFill/>
+          <a:ln>
+            <a:noFill/>
+          </a:ln>
+        </p:spPr>
+        <p:txBody>
+          <a:bodyPr lIns="90000" rIns="90000" tIns="45000" bIns="45000">
+            <a:spAutoFit/>
+          </a:bodyPr>
+          <a:p>
+            <a:r>
+              <a:rPr b="0" lang="pt-BR" sz="1200" spc="-1" strike="noStrike">
+                <a:latin typeface="Arial"/>
+              </a:rPr>
+              <a:t>Sub componente</a:t>
+            </a:r>
+            <a:endParaRPr b="0" lang="pt-BR" sz="1200" spc="-1" strike="noStrike">
+              <a:latin typeface="Arial"/>
+            </a:endParaRPr>
+          </a:p>
+        </p:txBody>
       </p:sp>
     </p:spTree>
   </p:cSld>
@@ -4967,14 +5235,14 @@
       </p:grpSpPr>
       <p:sp>
         <p:nvSpPr>
-          <p:cNvPr id="107" name="CustomShape 1"/>
+          <p:cNvPr id="112" name="CustomShape 1"/>
           <p:cNvSpPr/>
           <p:nvPr/>
         </p:nvSpPr>
         <p:spPr>
           <a:xfrm>
             <a:off x="6912000" y="85680"/>
-            <a:ext cx="2806920" cy="638280"/>
+            <a:ext cx="2806560" cy="638280"/>
           </a:xfrm>
           <a:prstGeom prst="rect">
             <a:avLst/>
@@ -5018,14 +5286,14 @@
       </p:sp>
       <p:sp>
         <p:nvSpPr>
-          <p:cNvPr id="108" name="CustomShape 2"/>
+          <p:cNvPr id="113" name="CustomShape 2"/>
           <p:cNvSpPr/>
           <p:nvPr/>
         </p:nvSpPr>
         <p:spPr>
           <a:xfrm>
             <a:off x="471960" y="246600"/>
-            <a:ext cx="951840" cy="759960"/>
+            <a:ext cx="951480" cy="759600"/>
           </a:xfrm>
           <a:prstGeom prst="rect">
             <a:avLst/>
@@ -5092,14 +5360,14 @@
       </p:sp>
       <p:sp>
         <p:nvSpPr>
-          <p:cNvPr id="109" name="CustomShape 3"/>
+          <p:cNvPr id="114" name="CustomShape 3"/>
           <p:cNvSpPr/>
           <p:nvPr/>
         </p:nvSpPr>
         <p:spPr>
           <a:xfrm>
             <a:off x="432000" y="1584000"/>
-            <a:ext cx="1366920" cy="934920"/>
+            <a:ext cx="1366560" cy="934560"/>
           </a:xfrm>
           <a:prstGeom prst="ellipse">
             <a:avLst/>
@@ -5145,24 +5413,21 @@
               <a:t>Receber sub componente não testado</a:t>
             </a:r>
             <a:endParaRPr b="0" lang="pt-BR" sz="1050" spc="-1" strike="noStrike">
-              <a:solidFill>
-                <a:srgbClr val="000000"/>
-              </a:solidFill>
-              <a:latin typeface="Arial"/>
-            </a:endParaRPr>
-          </a:p>
-        </p:txBody>
-      </p:sp>
-      <p:sp>
-        <p:nvSpPr>
-          <p:cNvPr id="110" name="CustomShape 4"/>
+              <a:latin typeface="Arial"/>
+            </a:endParaRPr>
+          </a:p>
+        </p:txBody>
+      </p:sp>
+      <p:sp>
+        <p:nvSpPr>
+          <p:cNvPr id="115" name="CustomShape 4"/>
           <p:cNvSpPr/>
           <p:nvPr/>
         </p:nvSpPr>
         <p:spPr>
           <a:xfrm>
             <a:off x="964080" y="997200"/>
-            <a:ext cx="114840" cy="585720"/>
+            <a:ext cx="114480" cy="585360"/>
           </a:xfrm>
           <a:custGeom>
             <a:avLst/>
@@ -5203,14 +5468,14 @@
       </p:sp>
       <p:sp>
         <p:nvSpPr>
-          <p:cNvPr id="111" name="CustomShape 5"/>
+          <p:cNvPr id="116" name="CustomShape 5"/>
           <p:cNvSpPr/>
           <p:nvPr/>
         </p:nvSpPr>
         <p:spPr>
           <a:xfrm>
             <a:off x="1156320" y="1126080"/>
-            <a:ext cx="1218600" cy="241920"/>
+            <a:ext cx="1218240" cy="241920"/>
           </a:xfrm>
           <a:prstGeom prst="rect">
             <a:avLst/>
@@ -5264,7 +5529,7 @@
       </p:sp>
       <p:sp>
         <p:nvSpPr>
-          <p:cNvPr id="112" name="Line 6"/>
+          <p:cNvPr id="117" name="Line 6"/>
           <p:cNvSpPr/>
           <p:nvPr/>
         </p:nvSpPr>
@@ -5297,7 +5562,7 @@
       </p:sp>
       <p:sp>
         <p:nvSpPr>
-          <p:cNvPr id="113" name="Line 7"/>
+          <p:cNvPr id="118" name="Line 7"/>
           <p:cNvSpPr/>
           <p:nvPr/>
         </p:nvSpPr>
@@ -5330,14 +5595,14 @@
       </p:sp>
       <p:sp>
         <p:nvSpPr>
-          <p:cNvPr id="114" name="CustomShape 8"/>
+          <p:cNvPr id="119" name="CustomShape 8"/>
           <p:cNvSpPr/>
           <p:nvPr/>
         </p:nvSpPr>
         <p:spPr>
           <a:xfrm>
             <a:off x="576000" y="2952000"/>
-            <a:ext cx="1294920" cy="454680"/>
+            <a:ext cx="1294560" cy="454680"/>
           </a:xfrm>
           <a:prstGeom prst="rect">
             <a:avLst/>
@@ -5381,14 +5646,14 @@
       </p:sp>
       <p:sp>
         <p:nvSpPr>
-          <p:cNvPr id="115" name="CustomShape 9"/>
+          <p:cNvPr id="120" name="CustomShape 9"/>
           <p:cNvSpPr/>
           <p:nvPr/>
         </p:nvSpPr>
         <p:spPr>
           <a:xfrm>
             <a:off x="1123920" y="2520000"/>
-            <a:ext cx="27000" cy="430920"/>
+            <a:ext cx="26640" cy="430560"/>
           </a:xfrm>
           <a:custGeom>
             <a:avLst/>
@@ -5429,14 +5694,14 @@
       </p:sp>
       <p:sp>
         <p:nvSpPr>
-          <p:cNvPr id="116" name="CustomShape 10"/>
+          <p:cNvPr id="121" name="CustomShape 10"/>
           <p:cNvSpPr/>
           <p:nvPr/>
         </p:nvSpPr>
         <p:spPr>
           <a:xfrm>
             <a:off x="2253960" y="1440000"/>
-            <a:ext cx="1128960" cy="1061280"/>
+            <a:ext cx="1128600" cy="1060920"/>
           </a:xfrm>
           <a:prstGeom prst="ellipse">
             <a:avLst/>
@@ -5482,24 +5747,21 @@
               <a:t>Testar Subcomponente</a:t>
             </a:r>
             <a:endParaRPr b="0" lang="pt-BR" sz="1200" spc="-1" strike="noStrike">
-              <a:solidFill>
-                <a:srgbClr val="000000"/>
-              </a:solidFill>
-              <a:latin typeface="Arial"/>
-            </a:endParaRPr>
-          </a:p>
-        </p:txBody>
-      </p:sp>
-      <p:sp>
-        <p:nvSpPr>
-          <p:cNvPr id="117" name="CustomShape 11"/>
+              <a:latin typeface="Arial"/>
+            </a:endParaRPr>
+          </a:p>
+        </p:txBody>
+      </p:sp>
+      <p:sp>
+        <p:nvSpPr>
+          <p:cNvPr id="122" name="CustomShape 11"/>
           <p:cNvSpPr/>
           <p:nvPr/>
         </p:nvSpPr>
         <p:spPr>
           <a:xfrm flipH="1">
             <a:off x="1582560" y="2304000"/>
-            <a:ext cx="790920" cy="646920"/>
+            <a:ext cx="790560" cy="646560"/>
           </a:xfrm>
           <a:custGeom>
             <a:avLst/>
@@ -5541,14 +5803,14 @@
       </p:sp>
       <p:sp>
         <p:nvSpPr>
-          <p:cNvPr id="118" name="CustomShape 12"/>
+          <p:cNvPr id="123" name="CustomShape 12"/>
           <p:cNvSpPr/>
           <p:nvPr/>
         </p:nvSpPr>
         <p:spPr>
           <a:xfrm>
             <a:off x="2232000" y="2952000"/>
-            <a:ext cx="1294920" cy="454680"/>
+            <a:ext cx="1294560" cy="454680"/>
           </a:xfrm>
           <a:prstGeom prst="rect">
             <a:avLst/>
@@ -5592,7 +5854,7 @@
       </p:sp>
       <p:sp>
         <p:nvSpPr>
-          <p:cNvPr id="119" name="Line 13"/>
+          <p:cNvPr id="124" name="Line 13"/>
           <p:cNvSpPr/>
           <p:nvPr/>
         </p:nvSpPr>
@@ -5625,7 +5887,7 @@
       </p:sp>
       <p:sp>
         <p:nvSpPr>
-          <p:cNvPr id="120" name="Line 14"/>
+          <p:cNvPr id="125" name="Line 14"/>
           <p:cNvSpPr/>
           <p:nvPr/>
         </p:nvSpPr>
@@ -5658,14 +5920,14 @@
       </p:sp>
       <p:sp>
         <p:nvSpPr>
-          <p:cNvPr id="121" name="CustomShape 15"/>
+          <p:cNvPr id="126" name="CustomShape 15"/>
           <p:cNvSpPr/>
           <p:nvPr/>
         </p:nvSpPr>
         <p:spPr>
           <a:xfrm>
             <a:off x="2923920" y="2502360"/>
-            <a:ext cx="27000" cy="430920"/>
+            <a:ext cx="26640" cy="430560"/>
           </a:xfrm>
           <a:custGeom>
             <a:avLst/>
@@ -5706,14 +5968,14 @@
       </p:sp>
       <p:sp>
         <p:nvSpPr>
-          <p:cNvPr id="122" name="CustomShape 16"/>
+          <p:cNvPr id="127" name="CustomShape 16"/>
           <p:cNvSpPr/>
           <p:nvPr/>
         </p:nvSpPr>
         <p:spPr>
           <a:xfrm>
             <a:off x="2448000" y="246960"/>
-            <a:ext cx="951840" cy="759960"/>
+            <a:ext cx="951480" cy="759600"/>
           </a:xfrm>
           <a:prstGeom prst="rect">
             <a:avLst/>
@@ -5780,14 +6042,14 @@
       </p:sp>
       <p:sp>
         <p:nvSpPr>
-          <p:cNvPr id="123" name="CustomShape 17"/>
+          <p:cNvPr id="128" name="CustomShape 17"/>
           <p:cNvSpPr/>
           <p:nvPr/>
         </p:nvSpPr>
         <p:spPr>
           <a:xfrm flipV="1">
             <a:off x="2808000" y="1006560"/>
-            <a:ext cx="129960" cy="431640"/>
+            <a:ext cx="129600" cy="431280"/>
           </a:xfrm>
           <a:custGeom>
             <a:avLst/>
@@ -5828,14 +6090,14 @@
       </p:sp>
       <p:sp>
         <p:nvSpPr>
-          <p:cNvPr id="124" name="CustomShape 18"/>
+          <p:cNvPr id="129" name="CustomShape 18"/>
           <p:cNvSpPr/>
           <p:nvPr/>
         </p:nvSpPr>
         <p:spPr>
           <a:xfrm>
             <a:off x="3096000" y="1080000"/>
-            <a:ext cx="841320" cy="453960"/>
+            <a:ext cx="840960" cy="453600"/>
           </a:xfrm>
           <a:prstGeom prst="rect">
             <a:avLst/>
@@ -5854,14 +6116,14 @@
       </p:sp>
       <p:sp>
         <p:nvSpPr>
-          <p:cNvPr id="125" name="CustomShape 19"/>
+          <p:cNvPr id="130" name="CustomShape 19"/>
           <p:cNvSpPr/>
           <p:nvPr/>
         </p:nvSpPr>
         <p:spPr>
           <a:xfrm>
             <a:off x="3096000" y="1080000"/>
-            <a:ext cx="2014920" cy="249480"/>
+            <a:ext cx="2014560" cy="249480"/>
           </a:xfrm>
           <a:prstGeom prst="rect">
             <a:avLst/>
@@ -5935,14 +6197,14 @@
       </p:grpSpPr>
       <p:sp>
         <p:nvSpPr>
-          <p:cNvPr id="126" name="CustomShape 1"/>
+          <p:cNvPr id="131" name="CustomShape 1"/>
           <p:cNvSpPr/>
           <p:nvPr/>
         </p:nvSpPr>
         <p:spPr>
           <a:xfrm>
             <a:off x="6912000" y="85680"/>
-            <a:ext cx="2806920" cy="638280"/>
+            <a:ext cx="2806560" cy="638280"/>
           </a:xfrm>
           <a:prstGeom prst="rect">
             <a:avLst/>
@@ -5986,14 +6248,14 @@
       </p:sp>
       <p:sp>
         <p:nvSpPr>
-          <p:cNvPr id="127" name="CustomShape 2"/>
+          <p:cNvPr id="132" name="CustomShape 2"/>
           <p:cNvSpPr/>
           <p:nvPr/>
         </p:nvSpPr>
         <p:spPr>
           <a:xfrm>
             <a:off x="3096000" y="1080000"/>
-            <a:ext cx="841320" cy="453960"/>
+            <a:ext cx="840960" cy="453600"/>
           </a:xfrm>
           <a:prstGeom prst="rect">
             <a:avLst/>
@@ -6012,14 +6274,14 @@
       </p:sp>
       <p:sp>
         <p:nvSpPr>
-          <p:cNvPr id="128" name="CustomShape 3"/>
+          <p:cNvPr id="133" name="CustomShape 3"/>
           <p:cNvSpPr/>
           <p:nvPr/>
         </p:nvSpPr>
         <p:spPr>
           <a:xfrm>
             <a:off x="504360" y="1512000"/>
-            <a:ext cx="1726560" cy="1510560"/>
+            <a:ext cx="1726200" cy="1510200"/>
           </a:xfrm>
           <a:prstGeom prst="ellipse">
             <a:avLst/>
@@ -6065,24 +6327,21 @@
               <a:t>Separar subcomponentes</a:t>
             </a:r>
             <a:endParaRPr b="0" lang="pt-BR" sz="1050" spc="-1" strike="noStrike">
-              <a:solidFill>
-                <a:srgbClr val="000000"/>
-              </a:solidFill>
-              <a:latin typeface="Arial"/>
-            </a:endParaRPr>
-          </a:p>
-        </p:txBody>
-      </p:sp>
-      <p:sp>
-        <p:nvSpPr>
-          <p:cNvPr id="129" name="CustomShape 4"/>
+              <a:latin typeface="Arial"/>
+            </a:endParaRPr>
+          </a:p>
+        </p:txBody>
+      </p:sp>
+      <p:sp>
+        <p:nvSpPr>
+          <p:cNvPr id="134" name="CustomShape 4"/>
           <p:cNvSpPr/>
           <p:nvPr/>
         </p:nvSpPr>
         <p:spPr>
           <a:xfrm>
             <a:off x="720000" y="3816000"/>
-            <a:ext cx="1294920" cy="454680"/>
+            <a:ext cx="1294560" cy="454680"/>
           </a:xfrm>
           <a:prstGeom prst="rect">
             <a:avLst/>
@@ -6126,7 +6385,7 @@
       </p:sp>
       <p:sp>
         <p:nvSpPr>
-          <p:cNvPr id="130" name="Line 5"/>
+          <p:cNvPr id="135" name="Line 5"/>
           <p:cNvSpPr/>
           <p:nvPr/>
         </p:nvSpPr>
@@ -6159,7 +6418,7 @@
       </p:sp>
       <p:sp>
         <p:nvSpPr>
-          <p:cNvPr id="131" name="Line 6"/>
+          <p:cNvPr id="136" name="Line 6"/>
           <p:cNvSpPr/>
           <p:nvPr/>
         </p:nvSpPr>
@@ -6192,14 +6451,14 @@
       </p:sp>
       <p:sp>
         <p:nvSpPr>
-          <p:cNvPr id="132" name="CustomShape 7"/>
+          <p:cNvPr id="137" name="CustomShape 7"/>
           <p:cNvSpPr/>
           <p:nvPr/>
         </p:nvSpPr>
         <p:spPr>
           <a:xfrm rot="21552600">
-            <a:off x="1366920" y="3022560"/>
-            <a:ext cx="6840" cy="719280"/>
+            <a:off x="1366560" y="3022200"/>
+            <a:ext cx="6480" cy="718920"/>
           </a:xfrm>
           <a:custGeom>
             <a:avLst/>
@@ -6240,14 +6499,14 @@
       </p:sp>
       <p:sp>
         <p:nvSpPr>
-          <p:cNvPr id="133" name="CustomShape 8"/>
+          <p:cNvPr id="138" name="CustomShape 8"/>
           <p:cNvSpPr/>
           <p:nvPr/>
         </p:nvSpPr>
         <p:spPr>
           <a:xfrm>
             <a:off x="2469960" y="1656000"/>
-            <a:ext cx="2064960" cy="1438920"/>
+            <a:ext cx="2064600" cy="1438560"/>
           </a:xfrm>
           <a:prstGeom prst="ellipse">
             <a:avLst/>
@@ -6293,17 +6552,14 @@
               <a:t>Fixar Subcomponentes</a:t>
             </a:r>
             <a:endParaRPr b="0" lang="pt-BR" sz="1200" spc="-1" strike="noStrike">
-              <a:solidFill>
-                <a:srgbClr val="000000"/>
-              </a:solidFill>
-              <a:latin typeface="Arial"/>
-            </a:endParaRPr>
-          </a:p>
-        </p:txBody>
-      </p:sp>
-      <p:sp>
-        <p:nvSpPr>
-          <p:cNvPr id="134" name="Line 9"/>
+              <a:latin typeface="Arial"/>
+            </a:endParaRPr>
+          </a:p>
+        </p:txBody>
+      </p:sp>
+      <p:sp>
+        <p:nvSpPr>
+          <p:cNvPr id="139" name="Line 9"/>
           <p:cNvSpPr/>
           <p:nvPr/>
         </p:nvSpPr>
@@ -6336,7 +6592,7 @@
       </p:sp>
       <p:sp>
         <p:nvSpPr>
-          <p:cNvPr id="135" name="Line 10"/>
+          <p:cNvPr id="140" name="Line 10"/>
           <p:cNvSpPr/>
           <p:nvPr/>
         </p:nvSpPr>
@@ -6369,14 +6625,14 @@
       </p:sp>
       <p:sp>
         <p:nvSpPr>
-          <p:cNvPr id="136" name="CustomShape 11"/>
+          <p:cNvPr id="141" name="CustomShape 11"/>
           <p:cNvSpPr/>
           <p:nvPr/>
         </p:nvSpPr>
         <p:spPr>
           <a:xfrm flipH="1">
             <a:off x="1798560" y="2880000"/>
-            <a:ext cx="934920" cy="790920"/>
+            <a:ext cx="934560" cy="790560"/>
           </a:xfrm>
           <a:custGeom>
             <a:avLst/>
@@ -6418,14 +6674,14 @@
       </p:sp>
       <p:sp>
         <p:nvSpPr>
-          <p:cNvPr id="137" name="CustomShape 12"/>
+          <p:cNvPr id="142" name="CustomShape 12"/>
           <p:cNvSpPr/>
           <p:nvPr/>
         </p:nvSpPr>
         <p:spPr>
           <a:xfrm>
             <a:off x="3456000" y="3096000"/>
-            <a:ext cx="360" cy="646920"/>
+            <a:ext cx="360" cy="646560"/>
           </a:xfrm>
           <a:custGeom>
             <a:avLst/>
@@ -6466,14 +6722,14 @@
       </p:sp>
       <p:sp>
         <p:nvSpPr>
-          <p:cNvPr id="138" name="CustomShape 13"/>
+          <p:cNvPr id="143" name="CustomShape 13"/>
           <p:cNvSpPr/>
           <p:nvPr/>
         </p:nvSpPr>
         <p:spPr>
           <a:xfrm flipH="1">
             <a:off x="3965040" y="2952000"/>
-            <a:ext cx="1000440" cy="720360"/>
+            <a:ext cx="1000080" cy="720000"/>
           </a:xfrm>
           <a:custGeom>
             <a:avLst/>
@@ -6515,14 +6771,14 @@
       </p:sp>
       <p:sp>
         <p:nvSpPr>
-          <p:cNvPr id="139" name="CustomShape 14"/>
+          <p:cNvPr id="144" name="CustomShape 14"/>
           <p:cNvSpPr/>
           <p:nvPr/>
         </p:nvSpPr>
         <p:spPr>
           <a:xfrm>
             <a:off x="2520000" y="3744000"/>
-            <a:ext cx="1798920" cy="454680"/>
+            <a:ext cx="1798560" cy="454680"/>
           </a:xfrm>
           <a:prstGeom prst="rect">
             <a:avLst/>
@@ -6566,14 +6822,14 @@
       </p:sp>
       <p:sp>
         <p:nvSpPr>
-          <p:cNvPr id="140" name="CustomShape 15"/>
+          <p:cNvPr id="145" name="CustomShape 15"/>
           <p:cNvSpPr/>
           <p:nvPr/>
         </p:nvSpPr>
         <p:spPr>
           <a:xfrm>
             <a:off x="4680360" y="1656360"/>
-            <a:ext cx="1726560" cy="1510560"/>
+            <a:ext cx="1726200" cy="1510200"/>
           </a:xfrm>
           <a:prstGeom prst="ellipse">
             <a:avLst/>
@@ -6619,17 +6875,14 @@
               <a:t>Empacotar a maquina</a:t>
             </a:r>
             <a:endParaRPr b="0" lang="pt-BR" sz="1050" spc="-1" strike="noStrike">
-              <a:solidFill>
-                <a:srgbClr val="000000"/>
-              </a:solidFill>
-              <a:latin typeface="Arial"/>
-            </a:endParaRPr>
-          </a:p>
-        </p:txBody>
-      </p:sp>
-      <p:sp>
-        <p:nvSpPr>
-          <p:cNvPr id="141" name="Line 16"/>
+              <a:latin typeface="Arial"/>
+            </a:endParaRPr>
+          </a:p>
+        </p:txBody>
+      </p:sp>
+      <p:sp>
+        <p:nvSpPr>
+          <p:cNvPr id="146" name="Line 16"/>
           <p:cNvSpPr/>
           <p:nvPr/>
         </p:nvSpPr>
@@ -6662,7 +6915,7 @@
       </p:sp>
       <p:sp>
         <p:nvSpPr>
-          <p:cNvPr id="142" name="Line 17"/>
+          <p:cNvPr id="147" name="Line 17"/>
           <p:cNvSpPr/>
           <p:nvPr/>
         </p:nvSpPr>
@@ -6695,14 +6948,14 @@
       </p:sp>
       <p:sp>
         <p:nvSpPr>
-          <p:cNvPr id="143" name="CustomShape 18"/>
+          <p:cNvPr id="148" name="CustomShape 18"/>
           <p:cNvSpPr/>
           <p:nvPr/>
         </p:nvSpPr>
         <p:spPr>
           <a:xfrm>
             <a:off x="4752000" y="3816000"/>
-            <a:ext cx="1582920" cy="454680"/>
+            <a:ext cx="1582560" cy="454680"/>
           </a:xfrm>
           <a:prstGeom prst="rect">
             <a:avLst/>
@@ -6746,14 +6999,14 @@
       </p:sp>
       <p:sp>
         <p:nvSpPr>
-          <p:cNvPr id="144" name="CustomShape 19"/>
+          <p:cNvPr id="149" name="CustomShape 19"/>
           <p:cNvSpPr/>
           <p:nvPr/>
         </p:nvSpPr>
         <p:spPr>
           <a:xfrm rot="21552600">
-            <a:off x="5542920" y="3166920"/>
-            <a:ext cx="6840" cy="502920"/>
+            <a:off x="5542560" y="3166560"/>
+            <a:ext cx="6480" cy="502560"/>
           </a:xfrm>
           <a:custGeom>
             <a:avLst/>
@@ -6794,14 +7047,14 @@
       </p:sp>
       <p:sp>
         <p:nvSpPr>
-          <p:cNvPr id="145" name="CustomShape 20"/>
+          <p:cNvPr id="150" name="CustomShape 20"/>
           <p:cNvSpPr/>
           <p:nvPr/>
         </p:nvSpPr>
         <p:spPr>
           <a:xfrm>
             <a:off x="6912000" y="2232000"/>
-            <a:ext cx="1726560" cy="1510560"/>
+            <a:ext cx="1726200" cy="1510200"/>
           </a:xfrm>
           <a:prstGeom prst="ellipse">
             <a:avLst/>
@@ -6847,24 +7100,21 @@
               <a:t>Encaminhar maquina</a:t>
             </a:r>
             <a:endParaRPr b="0" lang="pt-BR" sz="1050" spc="-1" strike="noStrike">
-              <a:solidFill>
-                <a:srgbClr val="000000"/>
-              </a:solidFill>
-              <a:latin typeface="Arial"/>
-            </a:endParaRPr>
-          </a:p>
-        </p:txBody>
-      </p:sp>
-      <p:sp>
-        <p:nvSpPr>
-          <p:cNvPr id="146" name="CustomShape 21"/>
+              <a:latin typeface="Arial"/>
+            </a:endParaRPr>
+          </a:p>
+        </p:txBody>
+      </p:sp>
+      <p:sp>
+        <p:nvSpPr>
+          <p:cNvPr id="151" name="CustomShape 21"/>
           <p:cNvSpPr/>
           <p:nvPr/>
         </p:nvSpPr>
         <p:spPr>
           <a:xfrm>
             <a:off x="7344000" y="864000"/>
-            <a:ext cx="951840" cy="759960"/>
+            <a:ext cx="951480" cy="759600"/>
           </a:xfrm>
           <a:prstGeom prst="rect">
             <a:avLst/>
@@ -6931,14 +7181,14 @@
       </p:sp>
       <p:sp>
         <p:nvSpPr>
-          <p:cNvPr id="147" name="CustomShape 22"/>
+          <p:cNvPr id="152" name="CustomShape 22"/>
           <p:cNvSpPr/>
           <p:nvPr/>
         </p:nvSpPr>
         <p:spPr>
           <a:xfrm flipH="1">
             <a:off x="5909040" y="2952000"/>
-            <a:ext cx="1000440" cy="720360"/>
+            <a:ext cx="1000080" cy="720000"/>
           </a:xfrm>
           <a:custGeom>
             <a:avLst/>
@@ -6980,14 +7230,14 @@
       </p:sp>
       <p:sp>
         <p:nvSpPr>
-          <p:cNvPr id="148" name="CustomShape 23"/>
+          <p:cNvPr id="153" name="CustomShape 23"/>
           <p:cNvSpPr/>
           <p:nvPr/>
         </p:nvSpPr>
         <p:spPr>
           <a:xfrm flipV="1">
             <a:off x="7788960" y="1623600"/>
-            <a:ext cx="129960" cy="605880"/>
+            <a:ext cx="129600" cy="605520"/>
           </a:xfrm>
           <a:custGeom>
             <a:avLst/>
@@ -7028,14 +7278,14 @@
       </p:sp>
       <p:sp>
         <p:nvSpPr>
-          <p:cNvPr id="149" name="CustomShape 24"/>
+          <p:cNvPr id="154" name="CustomShape 24"/>
           <p:cNvSpPr/>
           <p:nvPr/>
         </p:nvSpPr>
         <p:spPr>
           <a:xfrm>
             <a:off x="6984000" y="1754280"/>
-            <a:ext cx="841320" cy="333000"/>
+            <a:ext cx="840960" cy="333000"/>
           </a:xfrm>
           <a:prstGeom prst="rect">
             <a:avLst/>
@@ -7109,14 +7359,14 @@
       </p:grpSpPr>
       <p:sp>
         <p:nvSpPr>
-          <p:cNvPr id="150" name="CustomShape 1"/>
+          <p:cNvPr id="155" name="CustomShape 1"/>
           <p:cNvSpPr/>
           <p:nvPr/>
         </p:nvSpPr>
         <p:spPr>
           <a:xfrm>
             <a:off x="6912000" y="85680"/>
-            <a:ext cx="2806920" cy="638280"/>
+            <a:ext cx="2806560" cy="638280"/>
           </a:xfrm>
           <a:prstGeom prst="rect">
             <a:avLst/>
@@ -7160,14 +7410,14 @@
       </p:sp>
       <p:sp>
         <p:nvSpPr>
-          <p:cNvPr id="151" name="CustomShape 2"/>
+          <p:cNvPr id="156" name="CustomShape 2"/>
           <p:cNvSpPr/>
           <p:nvPr/>
         </p:nvSpPr>
         <p:spPr>
           <a:xfrm>
             <a:off x="471960" y="246600"/>
-            <a:ext cx="951840" cy="759960"/>
+            <a:ext cx="951480" cy="759600"/>
           </a:xfrm>
           <a:prstGeom prst="rect">
             <a:avLst/>
@@ -7234,14 +7484,14 @@
       </p:sp>
       <p:sp>
         <p:nvSpPr>
-          <p:cNvPr id="152" name="CustomShape 3"/>
+          <p:cNvPr id="157" name="CustomShape 3"/>
           <p:cNvSpPr/>
           <p:nvPr/>
         </p:nvSpPr>
         <p:spPr>
           <a:xfrm>
             <a:off x="964080" y="997200"/>
-            <a:ext cx="114840" cy="585720"/>
+            <a:ext cx="114480" cy="585360"/>
           </a:xfrm>
           <a:custGeom>
             <a:avLst/>
@@ -7282,14 +7532,14 @@
       </p:sp>
       <p:sp>
         <p:nvSpPr>
-          <p:cNvPr id="153" name="CustomShape 4"/>
+          <p:cNvPr id="158" name="CustomShape 4"/>
           <p:cNvSpPr/>
           <p:nvPr/>
         </p:nvSpPr>
         <p:spPr>
           <a:xfrm>
             <a:off x="2448000" y="246960"/>
-            <a:ext cx="951840" cy="759960"/>
+            <a:ext cx="951480" cy="759600"/>
           </a:xfrm>
           <a:prstGeom prst="rect">
             <a:avLst/>
@@ -7356,14 +7606,14 @@
       </p:sp>
       <p:sp>
         <p:nvSpPr>
-          <p:cNvPr id="154" name="CustomShape 5"/>
+          <p:cNvPr id="159" name="CustomShape 5"/>
           <p:cNvSpPr/>
           <p:nvPr/>
         </p:nvSpPr>
         <p:spPr>
           <a:xfrm flipV="1">
             <a:off x="2808000" y="1006560"/>
-            <a:ext cx="129960" cy="574920"/>
+            <a:ext cx="129600" cy="574560"/>
           </a:xfrm>
           <a:custGeom>
             <a:avLst/>
@@ -7404,14 +7654,14 @@
       </p:sp>
       <p:sp>
         <p:nvSpPr>
-          <p:cNvPr id="155" name="CustomShape 6"/>
+          <p:cNvPr id="160" name="CustomShape 6"/>
           <p:cNvSpPr/>
           <p:nvPr/>
         </p:nvSpPr>
         <p:spPr>
           <a:xfrm>
             <a:off x="3096000" y="1080000"/>
-            <a:ext cx="841320" cy="453960"/>
+            <a:ext cx="840960" cy="453600"/>
           </a:xfrm>
           <a:prstGeom prst="rect">
             <a:avLst/>
@@ -7430,14 +7680,14 @@
       </p:sp>
       <p:sp>
         <p:nvSpPr>
-          <p:cNvPr id="156" name="CustomShape 7"/>
+          <p:cNvPr id="161" name="CustomShape 7"/>
           <p:cNvSpPr/>
           <p:nvPr/>
         </p:nvSpPr>
         <p:spPr>
           <a:xfrm>
             <a:off x="144000" y="1080000"/>
-            <a:ext cx="841320" cy="333000"/>
+            <a:ext cx="840960" cy="333000"/>
           </a:xfrm>
           <a:prstGeom prst="rect">
             <a:avLst/>
@@ -7481,14 +7731,14 @@
       </p:sp>
       <p:sp>
         <p:nvSpPr>
-          <p:cNvPr id="157" name="CustomShape 8"/>
+          <p:cNvPr id="162" name="CustomShape 8"/>
           <p:cNvSpPr/>
           <p:nvPr/>
         </p:nvSpPr>
         <p:spPr>
           <a:xfrm>
             <a:off x="576360" y="1584000"/>
-            <a:ext cx="1150560" cy="1150560"/>
+            <a:ext cx="1150200" cy="1150200"/>
           </a:xfrm>
           <a:prstGeom prst="ellipse">
             <a:avLst/>
@@ -7534,24 +7784,21 @@
               <a:t>Receber máquina pronta</a:t>
             </a:r>
             <a:endParaRPr b="0" lang="pt-BR" sz="1050" spc="-1" strike="noStrike">
-              <a:solidFill>
-                <a:srgbClr val="000000"/>
-              </a:solidFill>
-              <a:latin typeface="Arial"/>
-            </a:endParaRPr>
-          </a:p>
-        </p:txBody>
-      </p:sp>
-      <p:sp>
-        <p:nvSpPr>
-          <p:cNvPr id="158" name="CustomShape 9"/>
+              <a:latin typeface="Arial"/>
+            </a:endParaRPr>
+          </a:p>
+        </p:txBody>
+      </p:sp>
+      <p:sp>
+        <p:nvSpPr>
+          <p:cNvPr id="163" name="CustomShape 9"/>
           <p:cNvSpPr/>
           <p:nvPr/>
         </p:nvSpPr>
         <p:spPr>
           <a:xfrm>
             <a:off x="648000" y="3240000"/>
-            <a:ext cx="1294920" cy="272160"/>
+            <a:ext cx="1294560" cy="272160"/>
           </a:xfrm>
           <a:prstGeom prst="rect">
             <a:avLst/>
@@ -7595,7 +7842,7 @@
       </p:sp>
       <p:sp>
         <p:nvSpPr>
-          <p:cNvPr id="159" name="Line 10"/>
+          <p:cNvPr id="164" name="Line 10"/>
           <p:cNvSpPr/>
           <p:nvPr/>
         </p:nvSpPr>
@@ -7628,7 +7875,7 @@
       </p:sp>
       <p:sp>
         <p:nvSpPr>
-          <p:cNvPr id="160" name="Line 11"/>
+          <p:cNvPr id="165" name="Line 11"/>
           <p:cNvSpPr/>
           <p:nvPr/>
         </p:nvSpPr>
@@ -7661,14 +7908,14 @@
       </p:sp>
       <p:sp>
         <p:nvSpPr>
-          <p:cNvPr id="161" name="CustomShape 12"/>
+          <p:cNvPr id="166" name="CustomShape 12"/>
           <p:cNvSpPr/>
           <p:nvPr/>
         </p:nvSpPr>
         <p:spPr>
           <a:xfrm>
             <a:off x="1224000" y="2735640"/>
-            <a:ext cx="114840" cy="503280"/>
+            <a:ext cx="114480" cy="502920"/>
           </a:xfrm>
           <a:custGeom>
             <a:avLst/>
@@ -7709,14 +7956,14 @@
       </p:sp>
       <p:sp>
         <p:nvSpPr>
-          <p:cNvPr id="162" name="CustomShape 13"/>
+          <p:cNvPr id="167" name="CustomShape 13"/>
           <p:cNvSpPr/>
           <p:nvPr/>
         </p:nvSpPr>
         <p:spPr>
           <a:xfrm>
             <a:off x="2088360" y="1584000"/>
-            <a:ext cx="1294560" cy="1222920"/>
+            <a:ext cx="1294200" cy="1222560"/>
           </a:xfrm>
           <a:prstGeom prst="ellipse">
             <a:avLst/>
@@ -7762,24 +8009,21 @@
               <a:t>Enviar Máquina pronta</a:t>
             </a:r>
             <a:endParaRPr b="0" lang="pt-BR" sz="1050" spc="-1" strike="noStrike">
-              <a:solidFill>
-                <a:srgbClr val="000000"/>
-              </a:solidFill>
-              <a:latin typeface="Arial"/>
-            </a:endParaRPr>
-          </a:p>
-        </p:txBody>
-      </p:sp>
-      <p:sp>
-        <p:nvSpPr>
-          <p:cNvPr id="163" name="CustomShape 14"/>
+              <a:latin typeface="Arial"/>
+            </a:endParaRPr>
+          </a:p>
+        </p:txBody>
+      </p:sp>
+      <p:sp>
+        <p:nvSpPr>
+          <p:cNvPr id="168" name="CustomShape 14"/>
           <p:cNvSpPr/>
           <p:nvPr/>
         </p:nvSpPr>
         <p:spPr>
           <a:xfrm flipH="1">
             <a:off x="1798560" y="2664000"/>
-            <a:ext cx="568440" cy="574920"/>
+            <a:ext cx="568080" cy="574560"/>
           </a:xfrm>
           <a:custGeom>
             <a:avLst/>
@@ -7821,14 +8065,14 @@
       </p:sp>
       <p:sp>
         <p:nvSpPr>
-          <p:cNvPr id="164" name="CustomShape 15"/>
+          <p:cNvPr id="169" name="CustomShape 15"/>
           <p:cNvSpPr/>
           <p:nvPr/>
         </p:nvSpPr>
         <p:spPr>
           <a:xfrm>
             <a:off x="1872000" y="1107000"/>
-            <a:ext cx="841320" cy="333000"/>
+            <a:ext cx="840960" cy="333000"/>
           </a:xfrm>
           <a:prstGeom prst="rect">
             <a:avLst/>
@@ -7902,14 +8146,14 @@
       </p:grpSpPr>
       <p:sp>
         <p:nvSpPr>
-          <p:cNvPr id="165" name="CustomShape 1"/>
+          <p:cNvPr id="170" name="CustomShape 1"/>
           <p:cNvSpPr/>
           <p:nvPr/>
         </p:nvSpPr>
         <p:spPr>
           <a:xfrm>
             <a:off x="6912000" y="85680"/>
-            <a:ext cx="2806920" cy="912600"/>
+            <a:ext cx="2806560" cy="912600"/>
           </a:xfrm>
           <a:prstGeom prst="rect">
             <a:avLst/>
@@ -7963,14 +8207,14 @@
       </p:sp>
       <p:sp>
         <p:nvSpPr>
-          <p:cNvPr id="166" name="CustomShape 2"/>
+          <p:cNvPr id="171" name="CustomShape 2"/>
           <p:cNvSpPr/>
           <p:nvPr/>
         </p:nvSpPr>
         <p:spPr>
           <a:xfrm>
             <a:off x="471960" y="246600"/>
-            <a:ext cx="951840" cy="759960"/>
+            <a:ext cx="951480" cy="759600"/>
           </a:xfrm>
           <a:prstGeom prst="rect">
             <a:avLst/>
@@ -8037,14 +8281,14 @@
       </p:sp>
       <p:sp>
         <p:nvSpPr>
-          <p:cNvPr id="167" name="CustomShape 3"/>
+          <p:cNvPr id="172" name="CustomShape 3"/>
           <p:cNvSpPr/>
           <p:nvPr/>
         </p:nvSpPr>
         <p:spPr>
           <a:xfrm>
             <a:off x="964080" y="997200"/>
-            <a:ext cx="114840" cy="585720"/>
+            <a:ext cx="114480" cy="585360"/>
           </a:xfrm>
           <a:custGeom>
             <a:avLst/>
@@ -8085,14 +8329,14 @@
       </p:sp>
       <p:sp>
         <p:nvSpPr>
-          <p:cNvPr id="168" name="CustomShape 4"/>
+          <p:cNvPr id="173" name="CustomShape 4"/>
           <p:cNvSpPr/>
           <p:nvPr/>
         </p:nvSpPr>
         <p:spPr>
           <a:xfrm>
             <a:off x="2448000" y="246960"/>
-            <a:ext cx="951840" cy="759960"/>
+            <a:ext cx="951480" cy="759600"/>
           </a:xfrm>
           <a:prstGeom prst="rect">
             <a:avLst/>
@@ -8159,14 +8403,14 @@
       </p:sp>
       <p:sp>
         <p:nvSpPr>
-          <p:cNvPr id="169" name="CustomShape 5"/>
+          <p:cNvPr id="174" name="CustomShape 5"/>
           <p:cNvSpPr/>
           <p:nvPr/>
         </p:nvSpPr>
         <p:spPr>
           <a:xfrm flipV="1">
             <a:off x="2808000" y="1006560"/>
-            <a:ext cx="129960" cy="574920"/>
+            <a:ext cx="129600" cy="574560"/>
           </a:xfrm>
           <a:custGeom>
             <a:avLst/>
@@ -8207,14 +8451,14 @@
       </p:sp>
       <p:sp>
         <p:nvSpPr>
-          <p:cNvPr id="170" name="CustomShape 6"/>
+          <p:cNvPr id="175" name="CustomShape 6"/>
           <p:cNvSpPr/>
           <p:nvPr/>
         </p:nvSpPr>
         <p:spPr>
           <a:xfrm>
             <a:off x="3096000" y="1080000"/>
-            <a:ext cx="841320" cy="453960"/>
+            <a:ext cx="840960" cy="453600"/>
           </a:xfrm>
           <a:prstGeom prst="rect">
             <a:avLst/>
@@ -8233,14 +8477,14 @@
       </p:sp>
       <p:sp>
         <p:nvSpPr>
-          <p:cNvPr id="171" name="CustomShape 7"/>
+          <p:cNvPr id="176" name="CustomShape 7"/>
           <p:cNvSpPr/>
           <p:nvPr/>
         </p:nvSpPr>
         <p:spPr>
           <a:xfrm>
             <a:off x="144000" y="1080000"/>
-            <a:ext cx="841320" cy="257400"/>
+            <a:ext cx="840960" cy="257040"/>
           </a:xfrm>
           <a:prstGeom prst="rect">
             <a:avLst/>
@@ -8284,14 +8528,14 @@
       </p:sp>
       <p:sp>
         <p:nvSpPr>
-          <p:cNvPr id="172" name="CustomShape 8"/>
+          <p:cNvPr id="177" name="CustomShape 8"/>
           <p:cNvSpPr/>
           <p:nvPr/>
         </p:nvSpPr>
         <p:spPr>
           <a:xfrm>
             <a:off x="288000" y="1585080"/>
-            <a:ext cx="1583640" cy="1150560"/>
+            <a:ext cx="1583280" cy="1150200"/>
           </a:xfrm>
           <a:prstGeom prst="ellipse">
             <a:avLst/>
@@ -8337,24 +8581,21 @@
               <a:t>Priorizar pedido no planejamento</a:t>
             </a:r>
             <a:endParaRPr b="0" lang="pt-BR" sz="1100" spc="-1" strike="noStrike">
-              <a:solidFill>
-                <a:srgbClr val="000000"/>
-              </a:solidFill>
-              <a:latin typeface="Arial"/>
-            </a:endParaRPr>
-          </a:p>
-        </p:txBody>
-      </p:sp>
-      <p:sp>
-        <p:nvSpPr>
-          <p:cNvPr id="173" name="CustomShape 9"/>
+              <a:latin typeface="Arial"/>
+            </a:endParaRPr>
+          </a:p>
+        </p:txBody>
+      </p:sp>
+      <p:sp>
+        <p:nvSpPr>
+          <p:cNvPr id="178" name="CustomShape 9"/>
           <p:cNvSpPr/>
           <p:nvPr/>
         </p:nvSpPr>
         <p:spPr>
           <a:xfrm>
             <a:off x="648000" y="3240000"/>
-            <a:ext cx="1294920" cy="454680"/>
+            <a:ext cx="1294560" cy="454680"/>
           </a:xfrm>
           <a:prstGeom prst="rect">
             <a:avLst/>
@@ -8398,7 +8639,7 @@
       </p:sp>
       <p:sp>
         <p:nvSpPr>
-          <p:cNvPr id="174" name="Line 10"/>
+          <p:cNvPr id="179" name="Line 10"/>
           <p:cNvSpPr/>
           <p:nvPr/>
         </p:nvSpPr>
@@ -8431,7 +8672,7 @@
       </p:sp>
       <p:sp>
         <p:nvSpPr>
-          <p:cNvPr id="175" name="Line 11"/>
+          <p:cNvPr id="180" name="Line 11"/>
           <p:cNvSpPr/>
           <p:nvPr/>
         </p:nvSpPr>
@@ -8464,14 +8705,14 @@
       </p:sp>
       <p:sp>
         <p:nvSpPr>
-          <p:cNvPr id="176" name="CustomShape 12"/>
+          <p:cNvPr id="181" name="CustomShape 12"/>
           <p:cNvSpPr/>
           <p:nvPr/>
         </p:nvSpPr>
         <p:spPr>
           <a:xfrm>
             <a:off x="1224000" y="2735640"/>
-            <a:ext cx="114840" cy="503280"/>
+            <a:ext cx="114480" cy="502920"/>
           </a:xfrm>
           <a:custGeom>
             <a:avLst/>
@@ -8512,14 +8753,14 @@
       </p:sp>
       <p:sp>
         <p:nvSpPr>
-          <p:cNvPr id="177" name="CustomShape 13"/>
+          <p:cNvPr id="182" name="CustomShape 13"/>
           <p:cNvSpPr/>
           <p:nvPr/>
         </p:nvSpPr>
         <p:spPr>
           <a:xfrm>
             <a:off x="2088360" y="1584000"/>
-            <a:ext cx="1294560" cy="1222920"/>
+            <a:ext cx="1294200" cy="1222560"/>
           </a:xfrm>
           <a:prstGeom prst="ellipse">
             <a:avLst/>
@@ -8565,24 +8806,21 @@
               <a:t>Enviar pedido priorizado</a:t>
             </a:r>
             <a:endParaRPr b="0" lang="pt-BR" sz="1050" spc="-1" strike="noStrike">
-              <a:solidFill>
-                <a:srgbClr val="000000"/>
-              </a:solidFill>
-              <a:latin typeface="Arial"/>
-            </a:endParaRPr>
-          </a:p>
-        </p:txBody>
-      </p:sp>
-      <p:sp>
-        <p:nvSpPr>
-          <p:cNvPr id="178" name="CustomShape 14"/>
+              <a:latin typeface="Arial"/>
+            </a:endParaRPr>
+          </a:p>
+        </p:txBody>
+      </p:sp>
+      <p:sp>
+        <p:nvSpPr>
+          <p:cNvPr id="183" name="CustomShape 14"/>
           <p:cNvSpPr/>
           <p:nvPr/>
         </p:nvSpPr>
         <p:spPr>
           <a:xfrm flipH="1">
             <a:off x="1798560" y="2664000"/>
-            <a:ext cx="568440" cy="574920"/>
+            <a:ext cx="568080" cy="574560"/>
           </a:xfrm>
           <a:custGeom>
             <a:avLst/>
@@ -8624,14 +8862,14 @@
       </p:sp>
       <p:sp>
         <p:nvSpPr>
-          <p:cNvPr id="179" name="CustomShape 15"/>
+          <p:cNvPr id="184" name="CustomShape 15"/>
           <p:cNvSpPr/>
           <p:nvPr/>
         </p:nvSpPr>
         <p:spPr>
           <a:xfrm>
             <a:off x="1872000" y="1107000"/>
-            <a:ext cx="841320" cy="257040"/>
+            <a:ext cx="840960" cy="257040"/>
           </a:xfrm>
           <a:prstGeom prst="rect">
             <a:avLst/>
@@ -8705,14 +8943,14 @@
       </p:grpSpPr>
       <p:sp>
         <p:nvSpPr>
-          <p:cNvPr id="180" name="CustomShape 1"/>
+          <p:cNvPr id="185" name="CustomShape 1"/>
           <p:cNvSpPr/>
           <p:nvPr/>
         </p:nvSpPr>
         <p:spPr>
           <a:xfrm>
             <a:off x="156240" y="91080"/>
-            <a:ext cx="841320" cy="580680"/>
+            <a:ext cx="840960" cy="580320"/>
           </a:xfrm>
           <a:prstGeom prst="rect">
             <a:avLst/>
@@ -8779,14 +9017,14 @@
       </p:sp>
       <p:sp>
         <p:nvSpPr>
-          <p:cNvPr id="181" name="CustomShape 2"/>
+          <p:cNvPr id="186" name="CustomShape 2"/>
           <p:cNvSpPr/>
           <p:nvPr/>
         </p:nvSpPr>
         <p:spPr>
           <a:xfrm>
             <a:off x="270720" y="1271520"/>
-            <a:ext cx="997920" cy="811440"/>
+            <a:ext cx="997560" cy="811080"/>
           </a:xfrm>
           <a:prstGeom prst="ellipse">
             <a:avLst/>
@@ -8835,14 +9073,14 @@
       </p:sp>
       <p:sp>
         <p:nvSpPr>
-          <p:cNvPr id="182" name="CustomShape 3"/>
+          <p:cNvPr id="187" name="CustomShape 3"/>
           <p:cNvSpPr/>
           <p:nvPr/>
         </p:nvSpPr>
         <p:spPr>
           <a:xfrm>
             <a:off x="577800" y="673920"/>
-            <a:ext cx="190800" cy="595800"/>
+            <a:ext cx="190440" cy="595440"/>
           </a:xfrm>
           <a:custGeom>
             <a:avLst/>
@@ -8883,14 +9121,14 @@
       </p:sp>
       <p:sp>
         <p:nvSpPr>
-          <p:cNvPr id="183" name="CustomShape 4"/>
+          <p:cNvPr id="188" name="CustomShape 4"/>
           <p:cNvSpPr/>
           <p:nvPr/>
         </p:nvSpPr>
         <p:spPr>
           <a:xfrm>
             <a:off x="-44640" y="864720"/>
-            <a:ext cx="1362600" cy="211320"/>
+            <a:ext cx="1362240" cy="211320"/>
           </a:xfrm>
           <a:prstGeom prst="rect">
             <a:avLst/>
@@ -8934,7 +9172,7 @@
       </p:sp>
       <p:sp>
         <p:nvSpPr>
-          <p:cNvPr id="184" name="Line 5"/>
+          <p:cNvPr id="189" name="Line 5"/>
           <p:cNvSpPr/>
           <p:nvPr/>
         </p:nvSpPr>
@@ -8967,7 +9205,7 @@
       </p:sp>
       <p:sp>
         <p:nvSpPr>
-          <p:cNvPr id="185" name="Line 6"/>
+          <p:cNvPr id="190" name="Line 6"/>
           <p:cNvSpPr/>
           <p:nvPr/>
         </p:nvSpPr>
@@ -9000,14 +9238,14 @@
       </p:sp>
       <p:sp>
         <p:nvSpPr>
-          <p:cNvPr id="186" name="CustomShape 7"/>
+          <p:cNvPr id="191" name="CustomShape 7"/>
           <p:cNvSpPr/>
           <p:nvPr/>
         </p:nvSpPr>
         <p:spPr>
           <a:xfrm>
             <a:off x="770760" y="2084760"/>
-            <a:ext cx="157680" cy="689760"/>
+            <a:ext cx="157320" cy="689400"/>
           </a:xfrm>
           <a:custGeom>
             <a:avLst/>
@@ -9048,14 +9286,14 @@
       </p:sp>
       <p:sp>
         <p:nvSpPr>
-          <p:cNvPr id="187" name="CustomShape 8"/>
+          <p:cNvPr id="192" name="CustomShape 8"/>
           <p:cNvSpPr/>
           <p:nvPr/>
         </p:nvSpPr>
         <p:spPr>
           <a:xfrm>
             <a:off x="325440" y="2939400"/>
-            <a:ext cx="1314720" cy="211320"/>
+            <a:ext cx="1314360" cy="211320"/>
           </a:xfrm>
           <a:prstGeom prst="rect">
             <a:avLst/>
@@ -9099,7 +9337,7 @@
       </p:sp>
       <p:sp>
         <p:nvSpPr>
-          <p:cNvPr id="188" name="Line 9"/>
+          <p:cNvPr id="193" name="Line 9"/>
           <p:cNvSpPr/>
           <p:nvPr/>
         </p:nvSpPr>
@@ -9132,14 +9370,14 @@
       </p:sp>
       <p:sp>
         <p:nvSpPr>
-          <p:cNvPr id="189" name="CustomShape 10"/>
+          <p:cNvPr id="194" name="CustomShape 10"/>
           <p:cNvSpPr/>
           <p:nvPr/>
         </p:nvSpPr>
         <p:spPr>
           <a:xfrm>
             <a:off x="2090520" y="2924280"/>
-            <a:ext cx="972720" cy="211320"/>
+            <a:ext cx="972360" cy="211320"/>
           </a:xfrm>
           <a:prstGeom prst="rect">
             <a:avLst/>
@@ -9183,14 +9421,14 @@
       </p:sp>
       <p:sp>
         <p:nvSpPr>
-          <p:cNvPr id="190" name="CustomShape 11"/>
+          <p:cNvPr id="195" name="CustomShape 11"/>
           <p:cNvSpPr/>
           <p:nvPr/>
         </p:nvSpPr>
         <p:spPr>
           <a:xfrm>
             <a:off x="3184200" y="177480"/>
-            <a:ext cx="841320" cy="580680"/>
+            <a:ext cx="840960" cy="580320"/>
           </a:xfrm>
           <a:prstGeom prst="rect">
             <a:avLst/>
@@ -9257,14 +9495,14 @@
       </p:sp>
       <p:sp>
         <p:nvSpPr>
-          <p:cNvPr id="191" name="CustomShape 12"/>
+          <p:cNvPr id="196" name="CustomShape 12"/>
           <p:cNvSpPr/>
           <p:nvPr/>
         </p:nvSpPr>
         <p:spPr>
           <a:xfrm>
             <a:off x="2892600" y="1319400"/>
-            <a:ext cx="873000" cy="763560"/>
+            <a:ext cx="872640" cy="763200"/>
           </a:xfrm>
           <a:prstGeom prst="ellipse">
             <a:avLst/>
@@ -9313,14 +9551,14 @@
       </p:sp>
       <p:sp>
         <p:nvSpPr>
-          <p:cNvPr id="192" name="CustomShape 13"/>
+          <p:cNvPr id="197" name="CustomShape 13"/>
           <p:cNvSpPr/>
           <p:nvPr/>
         </p:nvSpPr>
         <p:spPr>
           <a:xfrm flipV="1">
             <a:off x="3330000" y="757800"/>
-            <a:ext cx="273960" cy="557640"/>
+            <a:ext cx="273600" cy="557280"/>
           </a:xfrm>
           <a:custGeom>
             <a:avLst/>
@@ -9361,7 +9599,7 @@
       </p:sp>
       <p:sp>
         <p:nvSpPr>
-          <p:cNvPr id="193" name="Line 14"/>
+          <p:cNvPr id="198" name="Line 14"/>
           <p:cNvSpPr/>
           <p:nvPr/>
         </p:nvSpPr>
@@ -9394,7 +9632,7 @@
       </p:sp>
       <p:sp>
         <p:nvSpPr>
-          <p:cNvPr id="194" name="Line 15"/>
+          <p:cNvPr id="199" name="Line 15"/>
           <p:cNvSpPr/>
           <p:nvPr/>
         </p:nvSpPr>
@@ -9427,14 +9665,14 @@
       </p:sp>
       <p:sp>
         <p:nvSpPr>
-          <p:cNvPr id="195" name="CustomShape 16"/>
+          <p:cNvPr id="200" name="CustomShape 16"/>
           <p:cNvSpPr/>
           <p:nvPr/>
         </p:nvSpPr>
         <p:spPr>
           <a:xfrm>
             <a:off x="4329360" y="2892960"/>
-            <a:ext cx="788040" cy="333000"/>
+            <a:ext cx="787680" cy="333000"/>
           </a:xfrm>
           <a:prstGeom prst="rect">
             <a:avLst/>
@@ -9478,14 +9716,14 @@
       </p:sp>
       <p:sp>
         <p:nvSpPr>
-          <p:cNvPr id="196" name="CustomShape 17"/>
+          <p:cNvPr id="201" name="CustomShape 17"/>
           <p:cNvSpPr/>
           <p:nvPr/>
         </p:nvSpPr>
         <p:spPr>
           <a:xfrm>
             <a:off x="4267080" y="4548960"/>
-            <a:ext cx="1077480" cy="684720"/>
+            <a:ext cx="1077120" cy="684360"/>
           </a:xfrm>
           <a:prstGeom prst="ellipse">
             <a:avLst/>
@@ -9534,14 +9772,14 @@
       </p:sp>
       <p:sp>
         <p:nvSpPr>
-          <p:cNvPr id="197" name="CustomShape 18"/>
+          <p:cNvPr id="202" name="CustomShape 18"/>
           <p:cNvSpPr/>
           <p:nvPr/>
         </p:nvSpPr>
         <p:spPr>
           <a:xfrm flipH="1" flipV="1">
-            <a:off x="4139280" y="3318120"/>
-            <a:ext cx="438840" cy="1269720"/>
+            <a:off x="4138920" y="3318120"/>
+            <a:ext cx="438480" cy="1269360"/>
           </a:xfrm>
           <a:custGeom>
             <a:avLst/>
@@ -9583,14 +9821,14 @@
       </p:sp>
       <p:sp>
         <p:nvSpPr>
-          <p:cNvPr id="198" name="CustomShape 19"/>
+          <p:cNvPr id="203" name="CustomShape 19"/>
           <p:cNvSpPr/>
           <p:nvPr/>
         </p:nvSpPr>
         <p:spPr>
           <a:xfrm>
             <a:off x="2676240" y="736920"/>
-            <a:ext cx="841320" cy="454680"/>
+            <a:ext cx="840960" cy="454680"/>
           </a:xfrm>
           <a:prstGeom prst="rect">
             <a:avLst/>
@@ -9634,14 +9872,14 @@
       </p:sp>
       <p:sp>
         <p:nvSpPr>
-          <p:cNvPr id="199" name="CustomShape 20"/>
+          <p:cNvPr id="204" name="CustomShape 20"/>
           <p:cNvSpPr/>
           <p:nvPr/>
         </p:nvSpPr>
         <p:spPr>
           <a:xfrm flipH="1">
             <a:off x="1384200" y="1702080"/>
-            <a:ext cx="1504440" cy="1098000"/>
+            <a:ext cx="1504080" cy="1097640"/>
           </a:xfrm>
           <a:custGeom>
             <a:avLst/>
@@ -9683,7 +9921,7 @@
       </p:sp>
       <p:sp>
         <p:nvSpPr>
-          <p:cNvPr id="200" name="Line 21"/>
+          <p:cNvPr id="205" name="Line 21"/>
           <p:cNvSpPr/>
           <p:nvPr/>
         </p:nvSpPr>
@@ -9716,14 +9954,14 @@
       </p:sp>
       <p:sp>
         <p:nvSpPr>
-          <p:cNvPr id="201" name="CustomShape 22"/>
+          <p:cNvPr id="206" name="CustomShape 22"/>
           <p:cNvSpPr/>
           <p:nvPr/>
         </p:nvSpPr>
         <p:spPr>
           <a:xfrm>
             <a:off x="3161520" y="2861280"/>
-            <a:ext cx="1202760" cy="333000"/>
+            <a:ext cx="1202400" cy="333000"/>
           </a:xfrm>
           <a:prstGeom prst="rect">
             <a:avLst/>
@@ -9767,14 +10005,14 @@
       </p:sp>
       <p:sp>
         <p:nvSpPr>
-          <p:cNvPr id="202" name="CustomShape 23"/>
+          <p:cNvPr id="207" name="CustomShape 23"/>
           <p:cNvSpPr/>
           <p:nvPr/>
         </p:nvSpPr>
         <p:spPr>
           <a:xfrm>
             <a:off x="3119760" y="3897720"/>
-            <a:ext cx="1077480" cy="684720"/>
+            <a:ext cx="1077120" cy="684360"/>
           </a:xfrm>
           <a:prstGeom prst="ellipse">
             <a:avLst/>
@@ -9823,14 +10061,14 @@
       </p:sp>
       <p:sp>
         <p:nvSpPr>
-          <p:cNvPr id="203" name="CustomShape 24"/>
+          <p:cNvPr id="208" name="CustomShape 24"/>
           <p:cNvSpPr/>
           <p:nvPr/>
         </p:nvSpPr>
         <p:spPr>
           <a:xfrm flipV="1">
-            <a:off x="3659400" y="3303360"/>
-            <a:ext cx="106200" cy="591120"/>
+            <a:off x="3659400" y="3302640"/>
+            <a:ext cx="105840" cy="590760"/>
           </a:xfrm>
           <a:custGeom>
             <a:avLst/>
@@ -9872,14 +10110,14 @@
       </p:sp>
       <p:sp>
         <p:nvSpPr>
-          <p:cNvPr id="204" name="CustomShape 25"/>
+          <p:cNvPr id="209" name="CustomShape 25"/>
           <p:cNvSpPr/>
           <p:nvPr/>
         </p:nvSpPr>
         <p:spPr>
           <a:xfrm flipH="1" flipV="1">
             <a:off x="3327840" y="2082600"/>
-            <a:ext cx="390600" cy="715320"/>
+            <a:ext cx="390240" cy="714960"/>
           </a:xfrm>
           <a:custGeom>
             <a:avLst/>
@@ -9921,14 +10159,14 @@
       </p:sp>
       <p:sp>
         <p:nvSpPr>
-          <p:cNvPr id="205" name="CustomShape 26"/>
+          <p:cNvPr id="210" name="CustomShape 26"/>
           <p:cNvSpPr/>
           <p:nvPr/>
         </p:nvSpPr>
         <p:spPr>
           <a:xfrm flipH="1" flipV="1">
-            <a:off x="2574360" y="3286440"/>
-            <a:ext cx="698400" cy="708120"/>
+            <a:off x="2573280" y="3286440"/>
+            <a:ext cx="698040" cy="707760"/>
           </a:xfrm>
           <a:custGeom>
             <a:avLst/>
@@ -9970,14 +10208,14 @@
       </p:sp>
       <p:sp>
         <p:nvSpPr>
-          <p:cNvPr id="206" name="CustomShape 27"/>
+          <p:cNvPr id="211" name="CustomShape 27"/>
           <p:cNvSpPr/>
           <p:nvPr/>
         </p:nvSpPr>
         <p:spPr>
           <a:xfrm flipV="1">
-            <a:off x="3904920" y="3318480"/>
-            <a:ext cx="540360" cy="542160"/>
+            <a:off x="3904920" y="3317760"/>
+            <a:ext cx="540000" cy="541800"/>
           </a:xfrm>
           <a:custGeom>
             <a:avLst/>
@@ -10019,7 +10257,7 @@
       </p:sp>
       <p:sp>
         <p:nvSpPr>
-          <p:cNvPr id="207" name="Line 28"/>
+          <p:cNvPr id="212" name="Line 28"/>
           <p:cNvSpPr/>
           <p:nvPr/>
         </p:nvSpPr>
@@ -10052,7 +10290,7 @@
       </p:sp>
       <p:sp>
         <p:nvSpPr>
-          <p:cNvPr id="208" name="Line 29"/>
+          <p:cNvPr id="213" name="Line 29"/>
           <p:cNvSpPr/>
           <p:nvPr/>
         </p:nvSpPr>
@@ -10085,14 +10323,14 @@
       </p:sp>
       <p:sp>
         <p:nvSpPr>
-          <p:cNvPr id="209" name="CustomShape 30"/>
+          <p:cNvPr id="214" name="CustomShape 30"/>
           <p:cNvSpPr/>
           <p:nvPr/>
         </p:nvSpPr>
         <p:spPr>
           <a:xfrm>
             <a:off x="5222520" y="2901240"/>
-            <a:ext cx="718200" cy="333000"/>
+            <a:ext cx="717840" cy="333000"/>
           </a:xfrm>
           <a:prstGeom prst="rect">
             <a:avLst/>
@@ -10136,14 +10374,14 @@
       </p:sp>
       <p:sp>
         <p:nvSpPr>
-          <p:cNvPr id="210" name="CustomShape 31"/>
+          <p:cNvPr id="215" name="CustomShape 31"/>
           <p:cNvSpPr/>
           <p:nvPr/>
         </p:nvSpPr>
         <p:spPr>
           <a:xfrm>
             <a:off x="4726800" y="3331080"/>
-            <a:ext cx="78120" cy="1216080"/>
+            <a:ext cx="77760" cy="1215720"/>
           </a:xfrm>
           <a:custGeom>
             <a:avLst/>
@@ -10184,14 +10422,14 @@
       </p:sp>
       <p:sp>
         <p:nvSpPr>
-          <p:cNvPr id="211" name="CustomShape 32"/>
+          <p:cNvPr id="216" name="CustomShape 32"/>
           <p:cNvSpPr/>
           <p:nvPr/>
         </p:nvSpPr>
         <p:spPr>
           <a:xfrm>
             <a:off x="5470560" y="4287600"/>
-            <a:ext cx="1077480" cy="684720"/>
+            <a:ext cx="1077120" cy="684360"/>
           </a:xfrm>
           <a:prstGeom prst="ellipse">
             <a:avLst/>
@@ -10240,14 +10478,14 @@
       </p:sp>
       <p:sp>
         <p:nvSpPr>
-          <p:cNvPr id="212" name="CustomShape 33"/>
+          <p:cNvPr id="217" name="CustomShape 33"/>
           <p:cNvSpPr/>
           <p:nvPr/>
         </p:nvSpPr>
         <p:spPr>
           <a:xfrm>
             <a:off x="4930920" y="3388320"/>
-            <a:ext cx="695880" cy="997920"/>
+            <a:ext cx="695520" cy="997560"/>
           </a:xfrm>
           <a:custGeom>
             <a:avLst/>
@@ -10289,7 +10527,7 @@
       </p:sp>
       <p:sp>
         <p:nvSpPr>
-          <p:cNvPr id="213" name="Line 34"/>
+          <p:cNvPr id="218" name="Line 34"/>
           <p:cNvSpPr/>
           <p:nvPr/>
         </p:nvSpPr>
@@ -10322,7 +10560,7 @@
       </p:sp>
       <p:sp>
         <p:nvSpPr>
-          <p:cNvPr id="214" name="Line 35"/>
+          <p:cNvPr id="219" name="Line 35"/>
           <p:cNvSpPr/>
           <p:nvPr/>
         </p:nvSpPr>
@@ -10355,14 +10593,14 @@
       </p:sp>
       <p:sp>
         <p:nvSpPr>
-          <p:cNvPr id="215" name="CustomShape 36"/>
+          <p:cNvPr id="220" name="CustomShape 36"/>
           <p:cNvSpPr/>
           <p:nvPr/>
         </p:nvSpPr>
         <p:spPr>
           <a:xfrm>
             <a:off x="6766920" y="4044960"/>
-            <a:ext cx="890280" cy="684720"/>
+            <a:ext cx="889920" cy="684360"/>
           </a:xfrm>
           <a:prstGeom prst="ellipse">
             <a:avLst/>
@@ -10411,14 +10649,14 @@
       </p:sp>
       <p:sp>
         <p:nvSpPr>
-          <p:cNvPr id="216" name="CustomShape 37"/>
+          <p:cNvPr id="221" name="CustomShape 37"/>
           <p:cNvSpPr/>
           <p:nvPr/>
         </p:nvSpPr>
         <p:spPr>
           <a:xfrm>
             <a:off x="7795440" y="4255560"/>
-            <a:ext cx="890280" cy="684720"/>
+            <a:ext cx="889920" cy="684360"/>
           </a:xfrm>
           <a:prstGeom prst="ellipse">
             <a:avLst/>
@@ -10467,14 +10705,14 @@
       </p:sp>
       <p:sp>
         <p:nvSpPr>
-          <p:cNvPr id="217" name="CustomShape 38"/>
+          <p:cNvPr id="222" name="CustomShape 38"/>
           <p:cNvSpPr/>
           <p:nvPr/>
         </p:nvSpPr>
         <p:spPr>
           <a:xfrm>
             <a:off x="5731560" y="3331080"/>
-            <a:ext cx="276480" cy="954720"/>
+            <a:ext cx="276120" cy="954360"/>
           </a:xfrm>
           <a:custGeom>
             <a:avLst/>
@@ -10516,7 +10754,7 @@
       </p:sp>
       <p:sp>
         <p:nvSpPr>
-          <p:cNvPr id="218" name="Line 39"/>
+          <p:cNvPr id="223" name="Line 39"/>
           <p:cNvSpPr/>
           <p:nvPr/>
         </p:nvSpPr>
@@ -10549,7 +10787,7 @@
       </p:sp>
       <p:sp>
         <p:nvSpPr>
-          <p:cNvPr id="219" name="Line 40"/>
+          <p:cNvPr id="224" name="Line 40"/>
           <p:cNvSpPr/>
           <p:nvPr/>
         </p:nvSpPr>
@@ -10582,14 +10820,14 @@
       </p:sp>
       <p:sp>
         <p:nvSpPr>
-          <p:cNvPr id="220" name="CustomShape 41"/>
+          <p:cNvPr id="225" name="CustomShape 41"/>
           <p:cNvSpPr/>
           <p:nvPr/>
         </p:nvSpPr>
         <p:spPr>
           <a:xfrm>
             <a:off x="5942160" y="2930760"/>
-            <a:ext cx="1029240" cy="333000"/>
+            <a:ext cx="1028880" cy="333000"/>
           </a:xfrm>
           <a:prstGeom prst="rect">
             <a:avLst/>
@@ -10633,7 +10871,7 @@
       </p:sp>
       <p:sp>
         <p:nvSpPr>
-          <p:cNvPr id="221" name="Line 42"/>
+          <p:cNvPr id="226" name="Line 42"/>
           <p:cNvSpPr/>
           <p:nvPr/>
         </p:nvSpPr>
@@ -10666,7 +10904,7 @@
       </p:sp>
       <p:sp>
         <p:nvSpPr>
-          <p:cNvPr id="222" name="Line 43"/>
+          <p:cNvPr id="227" name="Line 43"/>
           <p:cNvSpPr/>
           <p:nvPr/>
         </p:nvSpPr>
@@ -10699,14 +10937,14 @@
       </p:sp>
       <p:sp>
         <p:nvSpPr>
-          <p:cNvPr id="223" name="CustomShape 44"/>
+          <p:cNvPr id="228" name="CustomShape 44"/>
           <p:cNvSpPr/>
           <p:nvPr/>
         </p:nvSpPr>
         <p:spPr>
           <a:xfrm>
             <a:off x="7027920" y="2944800"/>
-            <a:ext cx="1029240" cy="333000"/>
+            <a:ext cx="1028880" cy="333000"/>
           </a:xfrm>
           <a:prstGeom prst="rect">
             <a:avLst/>
@@ -10750,14 +10988,14 @@
       </p:sp>
       <p:sp>
         <p:nvSpPr>
-          <p:cNvPr id="224" name="CustomShape 45"/>
+          <p:cNvPr id="229" name="CustomShape 45"/>
           <p:cNvSpPr/>
           <p:nvPr/>
         </p:nvSpPr>
         <p:spPr>
           <a:xfrm flipH="1">
-            <a:off x="4848120" y="1698840"/>
-            <a:ext cx="1375920" cy="1092960"/>
+            <a:off x="4847400" y="1698840"/>
+            <a:ext cx="1375560" cy="1092600"/>
           </a:xfrm>
           <a:custGeom>
             <a:avLst/>
@@ -10799,14 +11037,14 @@
       </p:sp>
       <p:sp>
         <p:nvSpPr>
-          <p:cNvPr id="225" name="CustomShape 46"/>
+          <p:cNvPr id="230" name="CustomShape 46"/>
           <p:cNvSpPr/>
           <p:nvPr/>
         </p:nvSpPr>
         <p:spPr>
           <a:xfrm>
             <a:off x="6607440" y="1779480"/>
-            <a:ext cx="360" cy="1048680"/>
+            <a:ext cx="360" cy="1048320"/>
           </a:xfrm>
           <a:custGeom>
             <a:avLst/>
@@ -10848,14 +11086,14 @@
       </p:sp>
       <p:sp>
         <p:nvSpPr>
-          <p:cNvPr id="226" name="CustomShape 47"/>
+          <p:cNvPr id="231" name="CustomShape 47"/>
           <p:cNvSpPr/>
           <p:nvPr/>
         </p:nvSpPr>
         <p:spPr>
           <a:xfrm>
             <a:off x="6998040" y="1677960"/>
-            <a:ext cx="482400" cy="1066680"/>
+            <a:ext cx="482040" cy="1066320"/>
           </a:xfrm>
           <a:custGeom>
             <a:avLst/>
@@ -10897,14 +11135,14 @@
       </p:sp>
       <p:sp>
         <p:nvSpPr>
-          <p:cNvPr id="227" name="CustomShape 48"/>
+          <p:cNvPr id="232" name="CustomShape 48"/>
           <p:cNvSpPr/>
           <p:nvPr/>
         </p:nvSpPr>
         <p:spPr>
           <a:xfrm>
             <a:off x="5871240" y="704520"/>
-            <a:ext cx="1384560" cy="978840"/>
+            <a:ext cx="1384200" cy="978480"/>
           </a:xfrm>
           <a:prstGeom prst="ellipse">
             <a:avLst/>
@@ -10953,7 +11191,7 @@
       </p:sp>
       <p:sp>
         <p:nvSpPr>
-          <p:cNvPr id="228" name="Line 49"/>
+          <p:cNvPr id="233" name="Line 49"/>
           <p:cNvSpPr/>
           <p:nvPr/>
         </p:nvSpPr>
@@ -10986,7 +11224,7 @@
       </p:sp>
       <p:sp>
         <p:nvSpPr>
-          <p:cNvPr id="229" name="Line 50"/>
+          <p:cNvPr id="234" name="Line 50"/>
           <p:cNvSpPr/>
           <p:nvPr/>
         </p:nvSpPr>
@@ -11019,14 +11257,14 @@
       </p:sp>
       <p:sp>
         <p:nvSpPr>
-          <p:cNvPr id="230" name="CustomShape 51"/>
+          <p:cNvPr id="235" name="CustomShape 51"/>
           <p:cNvSpPr/>
           <p:nvPr/>
         </p:nvSpPr>
         <p:spPr>
           <a:xfrm>
             <a:off x="8078760" y="2955600"/>
-            <a:ext cx="795960" cy="333000"/>
+            <a:ext cx="795600" cy="333000"/>
           </a:xfrm>
           <a:prstGeom prst="rect">
             <a:avLst/>
@@ -11070,14 +11308,14 @@
       </p:sp>
       <p:sp>
         <p:nvSpPr>
-          <p:cNvPr id="231" name="CustomShape 52"/>
+          <p:cNvPr id="236" name="CustomShape 52"/>
           <p:cNvSpPr/>
           <p:nvPr/>
         </p:nvSpPr>
         <p:spPr>
           <a:xfrm>
             <a:off x="5868000" y="3349080"/>
-            <a:ext cx="897120" cy="875160"/>
+            <a:ext cx="896760" cy="874800"/>
           </a:xfrm>
           <a:custGeom>
             <a:avLst/>
@@ -11119,14 +11357,14 @@
       </p:sp>
       <p:sp>
         <p:nvSpPr>
-          <p:cNvPr id="232" name="CustomShape 53"/>
+          <p:cNvPr id="237" name="CustomShape 53"/>
           <p:cNvSpPr/>
           <p:nvPr/>
         </p:nvSpPr>
         <p:spPr>
           <a:xfrm>
             <a:off x="6607440" y="3335760"/>
-            <a:ext cx="439920" cy="649080"/>
+            <a:ext cx="439560" cy="648720"/>
           </a:xfrm>
           <a:custGeom>
             <a:avLst/>
@@ -11168,14 +11406,14 @@
       </p:sp>
       <p:sp>
         <p:nvSpPr>
-          <p:cNvPr id="233" name="CustomShape 54"/>
+          <p:cNvPr id="238" name="CustomShape 54"/>
           <p:cNvSpPr/>
           <p:nvPr/>
         </p:nvSpPr>
         <p:spPr>
           <a:xfrm>
             <a:off x="7538040" y="3388320"/>
-            <a:ext cx="468720" cy="835560"/>
+            <a:ext cx="468360" cy="835200"/>
           </a:xfrm>
           <a:custGeom>
             <a:avLst/>
@@ -11217,14 +11455,14 @@
       </p:sp>
       <p:sp>
         <p:nvSpPr>
-          <p:cNvPr id="234" name="CustomShape 55"/>
+          <p:cNvPr id="239" name="CustomShape 55"/>
           <p:cNvSpPr/>
           <p:nvPr/>
         </p:nvSpPr>
         <p:spPr>
           <a:xfrm flipH="1">
-            <a:off x="8316720" y="3388320"/>
-            <a:ext cx="110160" cy="835560"/>
+            <a:off x="8316000" y="3388320"/>
+            <a:ext cx="109800" cy="835200"/>
           </a:xfrm>
           <a:custGeom>
             <a:avLst/>
@@ -11266,7 +11504,7 @@
       </p:sp>
       <p:sp>
         <p:nvSpPr>
-          <p:cNvPr id="235" name="Line 56"/>
+          <p:cNvPr id="240" name="Line 56"/>
           <p:cNvSpPr/>
           <p:nvPr/>
         </p:nvSpPr>
@@ -11299,7 +11537,7 @@
       </p:sp>
       <p:sp>
         <p:nvSpPr>
-          <p:cNvPr id="236" name="Line 57"/>
+          <p:cNvPr id="241" name="Line 57"/>
           <p:cNvSpPr/>
           <p:nvPr/>
         </p:nvSpPr>
@@ -11332,14 +11570,14 @@
       </p:sp>
       <p:sp>
         <p:nvSpPr>
-          <p:cNvPr id="237" name="CustomShape 58"/>
+          <p:cNvPr id="242" name="CustomShape 58"/>
           <p:cNvSpPr/>
           <p:nvPr/>
         </p:nvSpPr>
         <p:spPr>
           <a:xfrm>
             <a:off x="8957520" y="2930760"/>
-            <a:ext cx="795960" cy="333000"/>
+            <a:ext cx="795600" cy="333000"/>
           </a:xfrm>
           <a:prstGeom prst="rect">
             <a:avLst/>
@@ -11383,14 +11621,14 @@
       </p:sp>
       <p:sp>
         <p:nvSpPr>
-          <p:cNvPr id="238" name="CustomShape 59"/>
+          <p:cNvPr id="243" name="CustomShape 59"/>
           <p:cNvSpPr/>
           <p:nvPr/>
         </p:nvSpPr>
         <p:spPr>
           <a:xfrm>
             <a:off x="8199720" y="1062000"/>
-            <a:ext cx="1127520" cy="978840"/>
+            <a:ext cx="1127160" cy="978480"/>
           </a:xfrm>
           <a:prstGeom prst="ellipse">
             <a:avLst/>
@@ -11439,14 +11677,14 @@
       </p:sp>
       <p:sp>
         <p:nvSpPr>
-          <p:cNvPr id="239" name="CustomShape 60"/>
+          <p:cNvPr id="244" name="CustomShape 60"/>
           <p:cNvSpPr/>
           <p:nvPr/>
         </p:nvSpPr>
         <p:spPr>
           <a:xfrm flipV="1">
-            <a:off x="7733880" y="1895040"/>
-            <a:ext cx="629280" cy="813960"/>
+            <a:off x="7733880" y="1894680"/>
+            <a:ext cx="628920" cy="813600"/>
           </a:xfrm>
           <a:custGeom>
             <a:avLst/>
@@ -11488,14 +11726,14 @@
       </p:sp>
       <p:sp>
         <p:nvSpPr>
-          <p:cNvPr id="240" name="CustomShape 61"/>
+          <p:cNvPr id="245" name="CustomShape 61"/>
           <p:cNvSpPr/>
           <p:nvPr/>
         </p:nvSpPr>
         <p:spPr>
           <a:xfrm flipV="1">
             <a:off x="8609040" y="2040480"/>
-            <a:ext cx="153720" cy="785160"/>
+            <a:ext cx="153360" cy="784800"/>
           </a:xfrm>
           <a:custGeom>
             <a:avLst/>
@@ -11537,14 +11775,14 @@
       </p:sp>
       <p:sp>
         <p:nvSpPr>
-          <p:cNvPr id="241" name="CustomShape 62"/>
+          <p:cNvPr id="246" name="CustomShape 62"/>
           <p:cNvSpPr/>
           <p:nvPr/>
         </p:nvSpPr>
         <p:spPr>
           <a:xfrm flipH="1" flipV="1">
-            <a:off x="9162360" y="1897560"/>
-            <a:ext cx="190800" cy="949680"/>
+            <a:off x="9161640" y="1896840"/>
+            <a:ext cx="190440" cy="949320"/>
           </a:xfrm>
           <a:custGeom>
             <a:avLst/>
@@ -11586,7 +11824,7 @@
       </p:sp>
       <p:sp>
         <p:nvSpPr>
-          <p:cNvPr id="242" name="CustomShape 63"/>
+          <p:cNvPr id="247" name="CustomShape 63"/>
           <p:cNvSpPr/>
           <p:nvPr/>
         </p:nvSpPr>

--- a/Artefatos/16-DFD Essencial para cada capacidade.pptx
+++ b/Artefatos/16-DFD Essencial para cada capacidade.pptx
@@ -11,7 +11,6 @@
     <p:sldId id="259" r:id="rId6"/>
     <p:sldId id="260" r:id="rId7"/>
     <p:sldId id="261" r:id="rId8"/>
-    <p:sldId id="262" r:id="rId9"/>
   </p:sldIdLst>
   <p:sldSz cx="10080625" cy="5670550"/>
   <p:notesSz cx="7559675" cy="10691812"/>
@@ -70,7 +69,7 @@
         <p:spPr>
           <a:xfrm>
             <a:off x="692640" y="375480"/>
-            <a:ext cx="8690400" cy="946800"/>
+            <a:ext cx="8690040" cy="946800"/>
           </a:xfrm>
           <a:prstGeom prst="rect">
             <a:avLst/>
@@ -183,7 +182,7 @@
         <p:spPr>
           <a:xfrm>
             <a:off x="692640" y="375480"/>
-            <a:ext cx="8690400" cy="946800"/>
+            <a:ext cx="8690040" cy="946800"/>
           </a:xfrm>
           <a:prstGeom prst="rect">
             <a:avLst/>
@@ -356,7 +355,7 @@
         <p:spPr>
           <a:xfrm>
             <a:off x="692640" y="375480"/>
-            <a:ext cx="8690400" cy="946800"/>
+            <a:ext cx="8690040" cy="946800"/>
           </a:xfrm>
           <a:prstGeom prst="rect">
             <a:avLst/>
@@ -589,7 +588,7 @@
         <p:spPr>
           <a:xfrm>
             <a:off x="692640" y="375480"/>
-            <a:ext cx="8690400" cy="946800"/>
+            <a:ext cx="8690040" cy="946800"/>
           </a:xfrm>
           <a:prstGeom prst="rect">
             <a:avLst/>
@@ -673,7 +672,7 @@
         <p:spPr>
           <a:xfrm>
             <a:off x="692640" y="375480"/>
-            <a:ext cx="8690400" cy="946800"/>
+            <a:ext cx="8690040" cy="946800"/>
           </a:xfrm>
           <a:prstGeom prst="rect">
             <a:avLst/>
@@ -756,7 +755,7 @@
         <p:spPr>
           <a:xfrm>
             <a:off x="692640" y="375480"/>
-            <a:ext cx="8690400" cy="946800"/>
+            <a:ext cx="8690040" cy="946800"/>
           </a:xfrm>
           <a:prstGeom prst="rect">
             <a:avLst/>
@@ -869,7 +868,7 @@
         <p:spPr>
           <a:xfrm>
             <a:off x="692640" y="375480"/>
-            <a:ext cx="8690400" cy="946800"/>
+            <a:ext cx="8690040" cy="946800"/>
           </a:xfrm>
           <a:prstGeom prst="rect">
             <a:avLst/>
@@ -922,7 +921,7 @@
         <p:spPr>
           <a:xfrm>
             <a:off x="692640" y="375480"/>
-            <a:ext cx="8690400" cy="4390200"/>
+            <a:ext cx="8690040" cy="4390200"/>
           </a:xfrm>
           <a:prstGeom prst="rect">
             <a:avLst/>
@@ -975,7 +974,7 @@
         <p:spPr>
           <a:xfrm>
             <a:off x="692640" y="375480"/>
-            <a:ext cx="8690400" cy="946800"/>
+            <a:ext cx="8690040" cy="946800"/>
           </a:xfrm>
           <a:prstGeom prst="rect">
             <a:avLst/>
@@ -1118,7 +1117,7 @@
         <p:spPr>
           <a:xfrm>
             <a:off x="692640" y="375480"/>
-            <a:ext cx="8690400" cy="946800"/>
+            <a:ext cx="8690040" cy="946800"/>
           </a:xfrm>
           <a:prstGeom prst="rect">
             <a:avLst/>
@@ -1261,7 +1260,7 @@
         <p:spPr>
           <a:xfrm>
             <a:off x="692640" y="375480"/>
-            <a:ext cx="8690400" cy="946800"/>
+            <a:ext cx="8690040" cy="946800"/>
           </a:xfrm>
           <a:prstGeom prst="rect">
             <a:avLst/>
@@ -1411,7 +1410,7 @@
         <p:spPr>
           <a:xfrm>
             <a:off x="692640" y="375480"/>
-            <a:ext cx="8690400" cy="946800"/>
+            <a:ext cx="8690040" cy="946800"/>
           </a:xfrm>
           <a:prstGeom prst="rect">
             <a:avLst/>
@@ -1455,7 +1454,7 @@
         </p:spPr>
         <p:txBody>
           <a:bodyPr lIns="0" rIns="0" tIns="0" bIns="0">
-            <a:normAutofit/>
+            <a:normAutofit fontScale="94000"/>
           </a:bodyPr>
           <a:p>
             <a:pPr marL="432000" indent="-324000">
@@ -1659,7 +1658,7 @@
         <p:spPr>
           <a:xfrm>
             <a:off x="471960" y="226440"/>
-            <a:ext cx="951480" cy="759600"/>
+            <a:ext cx="951120" cy="759240"/>
           </a:xfrm>
           <a:prstGeom prst="rect">
             <a:avLst/>
@@ -1733,7 +1732,7 @@
         <p:spPr>
           <a:xfrm>
             <a:off x="432000" y="1729440"/>
-            <a:ext cx="1254240" cy="1060920"/>
+            <a:ext cx="1253880" cy="1060560"/>
           </a:xfrm>
           <a:prstGeom prst="ellipse">
             <a:avLst/>
@@ -1793,7 +1792,7 @@
         <p:spPr>
           <a:xfrm>
             <a:off x="948960" y="988200"/>
-            <a:ext cx="172440" cy="739080"/>
+            <a:ext cx="172080" cy="738720"/>
           </a:xfrm>
           <a:custGeom>
             <a:avLst/>
@@ -1841,7 +1840,7 @@
         <p:spPr>
           <a:xfrm>
             <a:off x="-67680" y="1195920"/>
-            <a:ext cx="1362240" cy="394200"/>
+            <a:ext cx="1361880" cy="394200"/>
           </a:xfrm>
           <a:prstGeom prst="rect">
             <a:avLst/>
@@ -1925,7 +1924,7 @@
         <p:spPr>
           <a:xfrm>
             <a:off x="1123200" y="2792520"/>
-            <a:ext cx="360" cy="661320"/>
+            <a:ext cx="360" cy="660960"/>
           </a:xfrm>
           <a:custGeom>
             <a:avLst/>
@@ -1973,7 +1972,7 @@
         <p:spPr>
           <a:xfrm>
             <a:off x="324360" y="3565080"/>
-            <a:ext cx="1671840" cy="454680"/>
+            <a:ext cx="1671480" cy="454680"/>
           </a:xfrm>
           <a:prstGeom prst="rect">
             <a:avLst/>
@@ -2044,7 +2043,7 @@
         <p:spPr>
           <a:xfrm>
             <a:off x="6912000" y="85680"/>
-            <a:ext cx="2806560" cy="638280"/>
+            <a:ext cx="2806200" cy="638280"/>
           </a:xfrm>
           <a:prstGeom prst="rect">
             <a:avLst/>
@@ -2128,7 +2127,7 @@
         <p:spPr>
           <a:xfrm>
             <a:off x="2448000" y="1656000"/>
-            <a:ext cx="1222560" cy="1078560"/>
+            <a:ext cx="1222200" cy="1078200"/>
           </a:xfrm>
           <a:prstGeom prst="ellipse">
             <a:avLst/>
@@ -2187,8 +2186,8 @@
         </p:nvSpPr>
         <p:spPr>
           <a:xfrm flipH="1">
-            <a:off x="1589040" y="2592000"/>
-            <a:ext cx="1144080" cy="846360"/>
+            <a:off x="1588320" y="2592000"/>
+            <a:ext cx="1143720" cy="846000"/>
           </a:xfrm>
           <a:custGeom>
             <a:avLst/>
@@ -2237,7 +2236,7 @@
         <p:spPr>
           <a:xfrm>
             <a:off x="2088000" y="1056960"/>
-            <a:ext cx="840960" cy="454680"/>
+            <a:ext cx="840600" cy="454680"/>
           </a:xfrm>
           <a:prstGeom prst="rect">
             <a:avLst/>
@@ -2288,7 +2287,7 @@
         <p:spPr>
           <a:xfrm>
             <a:off x="2808000" y="360000"/>
-            <a:ext cx="840960" cy="790560"/>
+            <a:ext cx="840600" cy="790200"/>
           </a:xfrm>
           <a:prstGeom prst="rect">
             <a:avLst/>
@@ -2361,8 +2360,8 @@
         </p:nvSpPr>
         <p:spPr>
           <a:xfrm flipV="1">
-            <a:off x="3108960" y="1150560"/>
-            <a:ext cx="129600" cy="502560"/>
+            <a:off x="3108960" y="1149840"/>
+            <a:ext cx="129240" cy="502200"/>
           </a:xfrm>
           <a:custGeom>
             <a:avLst/>
@@ -2476,7 +2475,7 @@
         <p:spPr>
           <a:xfrm>
             <a:off x="2160000" y="3576960"/>
-            <a:ext cx="1671840" cy="272160"/>
+            <a:ext cx="1671480" cy="272160"/>
           </a:xfrm>
           <a:prstGeom prst="rect">
             <a:avLst/>
@@ -2526,8 +2525,8 @@
         </p:nvSpPr>
         <p:spPr>
           <a:xfrm flipH="1" flipV="1">
-            <a:off x="3020400" y="2734560"/>
-            <a:ext cx="360" cy="790560"/>
+            <a:off x="3019680" y="2733840"/>
+            <a:ext cx="360" cy="790200"/>
           </a:xfrm>
           <a:custGeom>
             <a:avLst/>
@@ -2642,7 +2641,7 @@
         <p:spPr>
           <a:xfrm>
             <a:off x="3833280" y="3600000"/>
-            <a:ext cx="1274400" cy="394200"/>
+            <a:ext cx="1274040" cy="394200"/>
           </a:xfrm>
           <a:prstGeom prst="rect">
             <a:avLst/>
@@ -2692,8 +2691,8 @@
         </p:nvSpPr>
         <p:spPr>
           <a:xfrm flipH="1" flipV="1">
-            <a:off x="3526560" y="2518560"/>
-            <a:ext cx="934560" cy="934560"/>
+            <a:off x="3525840" y="2517840"/>
+            <a:ext cx="934200" cy="934200"/>
           </a:xfrm>
           <a:custGeom>
             <a:avLst/>
@@ -2742,7 +2741,7 @@
         <p:spPr>
           <a:xfrm>
             <a:off x="5112000" y="1800000"/>
-            <a:ext cx="1128600" cy="1078560"/>
+            <a:ext cx="1128240" cy="1078200"/>
           </a:xfrm>
           <a:prstGeom prst="ellipse">
             <a:avLst/>
@@ -2801,8 +2800,8 @@
         </p:nvSpPr>
         <p:spPr>
           <a:xfrm flipV="1">
-            <a:off x="4536000" y="2660760"/>
-            <a:ext cx="718560" cy="862560"/>
+            <a:off x="4536000" y="2659680"/>
+            <a:ext cx="718200" cy="862200"/>
           </a:xfrm>
           <a:custGeom>
             <a:avLst/>
@@ -2950,7 +2949,7 @@
         <p:spPr>
           <a:xfrm>
             <a:off x="5184000" y="3600000"/>
-            <a:ext cx="1274400" cy="394200"/>
+            <a:ext cx="1274040" cy="394200"/>
           </a:xfrm>
           <a:prstGeom prst="rect">
             <a:avLst/>
@@ -3000,8 +2999,8 @@
         </p:nvSpPr>
         <p:spPr>
           <a:xfrm flipH="1" flipV="1">
-            <a:off x="5758200" y="2878560"/>
-            <a:ext cx="92520" cy="574560"/>
+            <a:off x="5758200" y="2877840"/>
+            <a:ext cx="92160" cy="574200"/>
           </a:xfrm>
           <a:custGeom>
             <a:avLst/>
@@ -3050,7 +3049,7 @@
         <p:spPr>
           <a:xfrm>
             <a:off x="5277960" y="432000"/>
-            <a:ext cx="840960" cy="790560"/>
+            <a:ext cx="840600" cy="790200"/>
           </a:xfrm>
           <a:prstGeom prst="rect">
             <a:avLst/>
@@ -3123,8 +3122,8 @@
         </p:nvSpPr>
         <p:spPr>
           <a:xfrm flipV="1">
-            <a:off x="5687640" y="1223280"/>
-            <a:ext cx="360" cy="574560"/>
+            <a:off x="5687640" y="1222560"/>
+            <a:ext cx="360" cy="574200"/>
           </a:xfrm>
           <a:custGeom>
             <a:avLst/>
@@ -3172,7 +3171,7 @@
         <p:spPr>
           <a:xfrm>
             <a:off x="4824000" y="1322280"/>
-            <a:ext cx="840960" cy="333000"/>
+            <a:ext cx="840600" cy="333000"/>
           </a:xfrm>
           <a:prstGeom prst="rect">
             <a:avLst/>
@@ -3253,7 +3252,7 @@
         <p:spPr>
           <a:xfrm>
             <a:off x="6912000" y="85680"/>
-            <a:ext cx="2806560" cy="638280"/>
+            <a:ext cx="2806200" cy="638280"/>
           </a:xfrm>
           <a:prstGeom prst="rect">
             <a:avLst/>
@@ -3304,7 +3303,7 @@
         <p:spPr>
           <a:xfrm>
             <a:off x="471960" y="236520"/>
-            <a:ext cx="951480" cy="759600"/>
+            <a:ext cx="951120" cy="759240"/>
           </a:xfrm>
           <a:prstGeom prst="rect">
             <a:avLst/>
@@ -3378,7 +3377,7 @@
         <p:spPr>
           <a:xfrm>
             <a:off x="956520" y="997560"/>
-            <a:ext cx="172440" cy="739080"/>
+            <a:ext cx="172080" cy="738720"/>
           </a:xfrm>
           <a:custGeom>
             <a:avLst/>
@@ -3426,7 +3425,7 @@
         <p:spPr>
           <a:xfrm>
             <a:off x="76320" y="1109880"/>
-            <a:ext cx="786240" cy="394200"/>
+            <a:ext cx="785880" cy="394200"/>
           </a:xfrm>
           <a:prstGeom prst="rect">
             <a:avLst/>
@@ -3477,7 +3476,7 @@
         <p:spPr>
           <a:xfrm>
             <a:off x="576000" y="1745640"/>
-            <a:ext cx="1128600" cy="1060920"/>
+            <a:ext cx="1128240" cy="1060560"/>
           </a:xfrm>
           <a:prstGeom prst="ellipse">
             <a:avLst/>
@@ -3570,7 +3569,7 @@
         <p:spPr>
           <a:xfrm>
             <a:off x="324360" y="3565080"/>
-            <a:ext cx="1671840" cy="272160"/>
+            <a:ext cx="1671480" cy="272160"/>
           </a:xfrm>
           <a:prstGeom prst="rect">
             <a:avLst/>
@@ -3654,7 +3653,7 @@
         <p:spPr>
           <a:xfrm>
             <a:off x="1123560" y="2880000"/>
-            <a:ext cx="360" cy="573480"/>
+            <a:ext cx="360" cy="573120"/>
           </a:xfrm>
           <a:custGeom>
             <a:avLst/>
@@ -3702,7 +3701,7 @@
         <p:spPr>
           <a:xfrm>
             <a:off x="2088000" y="1800000"/>
-            <a:ext cx="1128600" cy="1060920"/>
+            <a:ext cx="1128240" cy="1060560"/>
           </a:xfrm>
           <a:prstGeom prst="ellipse">
             <a:avLst/>
@@ -3761,8 +3760,8 @@
         </p:nvSpPr>
         <p:spPr>
           <a:xfrm flipH="1">
-            <a:off x="1589040" y="2808000"/>
-            <a:ext cx="712080" cy="630360"/>
+            <a:off x="1588320" y="2808000"/>
+            <a:ext cx="711720" cy="630000"/>
           </a:xfrm>
           <a:custGeom>
             <a:avLst/>
@@ -3877,7 +3876,7 @@
         <p:spPr>
           <a:xfrm>
             <a:off x="1872000" y="3565080"/>
-            <a:ext cx="1671840" cy="271440"/>
+            <a:ext cx="1671480" cy="271080"/>
           </a:xfrm>
           <a:prstGeom prst="rect">
             <a:avLst/>
@@ -3903,7 +3902,7 @@
         <p:spPr>
           <a:xfrm>
             <a:off x="1926720" y="3565080"/>
-            <a:ext cx="1671840" cy="271440"/>
+            <a:ext cx="1671480" cy="271080"/>
           </a:xfrm>
           <a:prstGeom prst="rect">
             <a:avLst/>
@@ -3929,7 +3928,7 @@
         <p:spPr>
           <a:xfrm>
             <a:off x="2079720" y="3528360"/>
-            <a:ext cx="1230840" cy="454680"/>
+            <a:ext cx="1230480" cy="454680"/>
           </a:xfrm>
           <a:prstGeom prst="rect">
             <a:avLst/>
@@ -3979,8 +3978,8 @@
         </p:nvSpPr>
         <p:spPr>
           <a:xfrm flipH="1">
-            <a:off x="2525040" y="2862360"/>
-            <a:ext cx="136080" cy="576000"/>
+            <a:off x="2524320" y="2862360"/>
+            <a:ext cx="135720" cy="575640"/>
           </a:xfrm>
           <a:custGeom>
             <a:avLst/>
@@ -4029,7 +4028,7 @@
         <p:spPr>
           <a:xfrm>
             <a:off x="3693960" y="1872000"/>
-            <a:ext cx="1128600" cy="1060920"/>
+            <a:ext cx="1128240" cy="1060560"/>
           </a:xfrm>
           <a:prstGeom prst="ellipse">
             <a:avLst/>
@@ -4089,7 +4088,7 @@
         <p:spPr>
           <a:xfrm>
             <a:off x="5040000" y="1819080"/>
-            <a:ext cx="1128600" cy="1060920"/>
+            <a:ext cx="1128240" cy="1060560"/>
           </a:xfrm>
           <a:prstGeom prst="ellipse">
             <a:avLst/>
@@ -4281,7 +4280,7 @@
         <p:spPr>
           <a:xfrm>
             <a:off x="5823720" y="3672360"/>
-            <a:ext cx="1230840" cy="454680"/>
+            <a:ext cx="1230480" cy="454680"/>
           </a:xfrm>
           <a:prstGeom prst="rect">
             <a:avLst/>
@@ -4332,7 +4331,7 @@
         <p:spPr>
           <a:xfrm>
             <a:off x="6359400" y="1512000"/>
-            <a:ext cx="1416600" cy="1222560"/>
+            <a:ext cx="1416240" cy="1222200"/>
           </a:xfrm>
           <a:prstGeom prst="ellipse">
             <a:avLst/>
@@ -4391,8 +4390,8 @@
         </p:nvSpPr>
         <p:spPr>
           <a:xfrm flipH="1">
-            <a:off x="6550560" y="2736000"/>
-            <a:ext cx="289440" cy="790560"/>
+            <a:off x="6549840" y="2736000"/>
+            <a:ext cx="289080" cy="790200"/>
           </a:xfrm>
           <a:custGeom>
             <a:avLst/>
@@ -4507,7 +4506,7 @@
         <p:spPr>
           <a:xfrm>
             <a:off x="7632000" y="3600000"/>
-            <a:ext cx="1294560" cy="454680"/>
+            <a:ext cx="1294200" cy="454680"/>
           </a:xfrm>
           <a:prstGeom prst="rect">
             <a:avLst/>
@@ -4558,7 +4557,7 @@
         <p:spPr>
           <a:xfrm>
             <a:off x="7560000" y="2664000"/>
-            <a:ext cx="1006560" cy="934560"/>
+            <a:ext cx="1006200" cy="934200"/>
           </a:xfrm>
           <a:custGeom>
             <a:avLst/>
@@ -4640,7 +4639,7 @@
         <p:spPr>
           <a:xfrm>
             <a:off x="3796200" y="3567600"/>
-            <a:ext cx="1230840" cy="454680"/>
+            <a:ext cx="1230480" cy="454680"/>
           </a:xfrm>
           <a:prstGeom prst="rect">
             <a:avLst/>
@@ -4723,8 +4722,8 @@
         </p:nvSpPr>
         <p:spPr>
           <a:xfrm flipH="1">
-            <a:off x="4246560" y="2934360"/>
-            <a:ext cx="136080" cy="576000"/>
+            <a:off x="4245840" y="2934360"/>
+            <a:ext cx="135720" cy="575640"/>
           </a:xfrm>
           <a:custGeom>
             <a:avLst/>
@@ -4772,8 +4771,8 @@
         </p:nvSpPr>
         <p:spPr>
           <a:xfrm flipH="1">
-            <a:off x="4966560" y="2808000"/>
-            <a:ext cx="361440" cy="720000"/>
+            <a:off x="4965840" y="2808000"/>
+            <a:ext cx="361080" cy="719640"/>
           </a:xfrm>
           <a:custGeom>
             <a:avLst/>
@@ -4822,7 +4821,7 @@
         <p:spPr>
           <a:xfrm>
             <a:off x="5759640" y="2880000"/>
-            <a:ext cx="213480" cy="720360"/>
+            <a:ext cx="213120" cy="720000"/>
           </a:xfrm>
           <a:custGeom>
             <a:avLst/>
@@ -4871,7 +4870,7 @@
         <p:spPr>
           <a:xfrm flipH="1">
             <a:off x="3078720" y="2808000"/>
-            <a:ext cx="734040" cy="630360"/>
+            <a:ext cx="733680" cy="630000"/>
           </a:xfrm>
           <a:custGeom>
             <a:avLst/>
@@ -4920,7 +4919,7 @@
         <p:spPr>
           <a:xfrm>
             <a:off x="6358680" y="1512360"/>
-            <a:ext cx="1416600" cy="1222560"/>
+            <a:ext cx="1416240" cy="1222200"/>
           </a:xfrm>
           <a:prstGeom prst="ellipse">
             <a:avLst/>
@@ -4980,7 +4979,7 @@
         <p:spPr>
           <a:xfrm>
             <a:off x="471960" y="246600"/>
-            <a:ext cx="951480" cy="759600"/>
+            <a:ext cx="951120" cy="759240"/>
           </a:xfrm>
           <a:prstGeom prst="rect">
             <a:avLst/>
@@ -5054,7 +5053,7 @@
         <p:spPr>
           <a:xfrm>
             <a:off x="5688000" y="288000"/>
-            <a:ext cx="951480" cy="759600"/>
+            <a:ext cx="951120" cy="759240"/>
           </a:xfrm>
           <a:prstGeom prst="rect">
             <a:avLst/>
@@ -5127,8 +5126,8 @@
         </p:nvSpPr>
         <p:spPr>
           <a:xfrm flipH="1" flipV="1">
-            <a:off x="6264000" y="1080000"/>
-            <a:ext cx="432000" cy="504000"/>
+            <a:off x="6263280" y="1079280"/>
+            <a:ext cx="431640" cy="503640"/>
           </a:xfrm>
           <a:custGeom>
             <a:avLst/>
@@ -5169,14 +5168,14 @@
       </p:sp>
       <p:sp>
         <p:nvSpPr>
-          <p:cNvPr id="111" name="TextShape 42"/>
-          <p:cNvSpPr txBox="1"/>
+          <p:cNvPr id="111" name="CustomShape 42"/>
+          <p:cNvSpPr/>
           <p:nvPr/>
         </p:nvSpPr>
         <p:spPr>
           <a:xfrm>
             <a:off x="5328000" y="1224000"/>
-            <a:ext cx="1031400" cy="431640"/>
+            <a:ext cx="1031040" cy="454680"/>
           </a:xfrm>
           <a:prstGeom prst="rect">
             <a:avLst/>
@@ -5186,11 +5185,22 @@
             <a:noFill/>
           </a:ln>
         </p:spPr>
+        <p:style>
+          <a:lnRef idx="0"/>
+          <a:fillRef idx="0"/>
+          <a:effectRef idx="0"/>
+          <a:fontRef idx="minor"/>
+        </p:style>
         <p:txBody>
           <a:bodyPr lIns="90000" rIns="90000" tIns="45000" bIns="45000">
             <a:spAutoFit/>
           </a:bodyPr>
           <a:p>
+            <a:pPr>
+              <a:lnSpc>
+                <a:spcPct val="100000"/>
+              </a:lnSpc>
+            </a:pPr>
             <a:r>
               <a:rPr b="0" lang="pt-BR" sz="1200" spc="-1" strike="noStrike">
                 <a:latin typeface="Arial"/>
@@ -5242,7 +5252,7 @@
         <p:spPr>
           <a:xfrm>
             <a:off x="6912000" y="85680"/>
-            <a:ext cx="2806560" cy="638280"/>
+            <a:ext cx="2806200" cy="638280"/>
           </a:xfrm>
           <a:prstGeom prst="rect">
             <a:avLst/>
@@ -5293,7 +5303,7 @@
         <p:spPr>
           <a:xfrm>
             <a:off x="471960" y="246600"/>
-            <a:ext cx="951480" cy="759600"/>
+            <a:ext cx="951120" cy="759240"/>
           </a:xfrm>
           <a:prstGeom prst="rect">
             <a:avLst/>
@@ -5367,7 +5377,7 @@
         <p:spPr>
           <a:xfrm>
             <a:off x="432000" y="1584000"/>
-            <a:ext cx="1366560" cy="934560"/>
+            <a:ext cx="1366200" cy="934200"/>
           </a:xfrm>
           <a:prstGeom prst="ellipse">
             <a:avLst/>
@@ -5427,7 +5437,7 @@
         <p:spPr>
           <a:xfrm>
             <a:off x="964080" y="997200"/>
-            <a:ext cx="114480" cy="585360"/>
+            <a:ext cx="114120" cy="585000"/>
           </a:xfrm>
           <a:custGeom>
             <a:avLst/>
@@ -5475,7 +5485,7 @@
         <p:spPr>
           <a:xfrm>
             <a:off x="1156320" y="1126080"/>
-            <a:ext cx="1218240" cy="241920"/>
+            <a:ext cx="1217880" cy="241920"/>
           </a:xfrm>
           <a:prstGeom prst="rect">
             <a:avLst/>
@@ -5602,7 +5612,7 @@
         <p:spPr>
           <a:xfrm>
             <a:off x="576000" y="2952000"/>
-            <a:ext cx="1294560" cy="454680"/>
+            <a:ext cx="1294200" cy="454680"/>
           </a:xfrm>
           <a:prstGeom prst="rect">
             <a:avLst/>
@@ -5653,7 +5663,7 @@
         <p:spPr>
           <a:xfrm>
             <a:off x="1123920" y="2520000"/>
-            <a:ext cx="26640" cy="430560"/>
+            <a:ext cx="26280" cy="430200"/>
           </a:xfrm>
           <a:custGeom>
             <a:avLst/>
@@ -5701,7 +5711,7 @@
         <p:spPr>
           <a:xfrm>
             <a:off x="2253960" y="1440000"/>
-            <a:ext cx="1128600" cy="1060920"/>
+            <a:ext cx="1128240" cy="1060560"/>
           </a:xfrm>
           <a:prstGeom prst="ellipse">
             <a:avLst/>
@@ -5760,8 +5770,8 @@
         </p:nvSpPr>
         <p:spPr>
           <a:xfrm flipH="1">
-            <a:off x="1582560" y="2304000"/>
-            <a:ext cx="790560" cy="646560"/>
+            <a:off x="1581840" y="2304000"/>
+            <a:ext cx="790200" cy="646200"/>
           </a:xfrm>
           <a:custGeom>
             <a:avLst/>
@@ -5810,7 +5820,7 @@
         <p:spPr>
           <a:xfrm>
             <a:off x="2232000" y="2952000"/>
-            <a:ext cx="1294560" cy="454680"/>
+            <a:ext cx="1294200" cy="454680"/>
           </a:xfrm>
           <a:prstGeom prst="rect">
             <a:avLst/>
@@ -5927,7 +5937,7 @@
         <p:spPr>
           <a:xfrm>
             <a:off x="2923920" y="2502360"/>
-            <a:ext cx="26640" cy="430560"/>
+            <a:ext cx="26280" cy="430200"/>
           </a:xfrm>
           <a:custGeom>
             <a:avLst/>
@@ -5975,7 +5985,7 @@
         <p:spPr>
           <a:xfrm>
             <a:off x="2448000" y="246960"/>
-            <a:ext cx="951480" cy="759600"/>
+            <a:ext cx="951120" cy="759240"/>
           </a:xfrm>
           <a:prstGeom prst="rect">
             <a:avLst/>
@@ -6048,8 +6058,8 @@
         </p:nvSpPr>
         <p:spPr>
           <a:xfrm flipV="1">
-            <a:off x="2808000" y="1006560"/>
-            <a:ext cx="129600" cy="431280"/>
+            <a:off x="2808000" y="1005840"/>
+            <a:ext cx="129240" cy="430920"/>
           </a:xfrm>
           <a:custGeom>
             <a:avLst/>
@@ -6097,7 +6107,7 @@
         <p:spPr>
           <a:xfrm>
             <a:off x="3096000" y="1080000"/>
-            <a:ext cx="840960" cy="453600"/>
+            <a:ext cx="840600" cy="453240"/>
           </a:xfrm>
           <a:prstGeom prst="rect">
             <a:avLst/>
@@ -6123,7 +6133,7 @@
         <p:spPr>
           <a:xfrm>
             <a:off x="3096000" y="1080000"/>
-            <a:ext cx="2014560" cy="249480"/>
+            <a:ext cx="2014200" cy="249480"/>
           </a:xfrm>
           <a:prstGeom prst="rect">
             <a:avLst/>
@@ -6204,7 +6214,7 @@
         <p:spPr>
           <a:xfrm>
             <a:off x="6912000" y="85680"/>
-            <a:ext cx="2806560" cy="638280"/>
+            <a:ext cx="2806200" cy="638280"/>
           </a:xfrm>
           <a:prstGeom prst="rect">
             <a:avLst/>
@@ -6255,7 +6265,7 @@
         <p:spPr>
           <a:xfrm>
             <a:off x="3096000" y="1080000"/>
-            <a:ext cx="840960" cy="453600"/>
+            <a:ext cx="840600" cy="453240"/>
           </a:xfrm>
           <a:prstGeom prst="rect">
             <a:avLst/>
@@ -6281,7 +6291,7 @@
         <p:spPr>
           <a:xfrm>
             <a:off x="504360" y="1512000"/>
-            <a:ext cx="1726200" cy="1510200"/>
+            <a:ext cx="1725840" cy="1509840"/>
           </a:xfrm>
           <a:prstGeom prst="ellipse">
             <a:avLst/>
@@ -6341,7 +6351,7 @@
         <p:spPr>
           <a:xfrm>
             <a:off x="720000" y="3816000"/>
-            <a:ext cx="1294560" cy="454680"/>
+            <a:ext cx="1294200" cy="454680"/>
           </a:xfrm>
           <a:prstGeom prst="rect">
             <a:avLst/>
@@ -6457,8 +6467,8 @@
         </p:nvSpPr>
         <p:spPr>
           <a:xfrm rot="21552600">
-            <a:off x="1366560" y="3022200"/>
-            <a:ext cx="6480" cy="718920"/>
+            <a:off x="1366200" y="3021840"/>
+            <a:ext cx="6120" cy="718560"/>
           </a:xfrm>
           <a:custGeom>
             <a:avLst/>
@@ -6506,7 +6516,7 @@
         <p:spPr>
           <a:xfrm>
             <a:off x="2469960" y="1656000"/>
-            <a:ext cx="2064600" cy="1438560"/>
+            <a:ext cx="2064240" cy="1438200"/>
           </a:xfrm>
           <a:prstGeom prst="ellipse">
             <a:avLst/>
@@ -6631,8 +6641,8 @@
         </p:nvSpPr>
         <p:spPr>
           <a:xfrm flipH="1">
-            <a:off x="1798560" y="2880000"/>
-            <a:ext cx="934560" cy="790560"/>
+            <a:off x="1797840" y="2880000"/>
+            <a:ext cx="934200" cy="790200"/>
           </a:xfrm>
           <a:custGeom>
             <a:avLst/>
@@ -6681,7 +6691,7 @@
         <p:spPr>
           <a:xfrm>
             <a:off x="3456000" y="3096000"/>
-            <a:ext cx="360" cy="646560"/>
+            <a:ext cx="360" cy="646200"/>
           </a:xfrm>
           <a:custGeom>
             <a:avLst/>
@@ -6728,8 +6738,8 @@
         </p:nvSpPr>
         <p:spPr>
           <a:xfrm flipH="1">
-            <a:off x="3965040" y="2952000"/>
-            <a:ext cx="1000080" cy="720000"/>
+            <a:off x="3964320" y="2952000"/>
+            <a:ext cx="999720" cy="719640"/>
           </a:xfrm>
           <a:custGeom>
             <a:avLst/>
@@ -6778,7 +6788,7 @@
         <p:spPr>
           <a:xfrm>
             <a:off x="2520000" y="3744000"/>
-            <a:ext cx="1798560" cy="454680"/>
+            <a:ext cx="1798200" cy="454680"/>
           </a:xfrm>
           <a:prstGeom prst="rect">
             <a:avLst/>
@@ -6829,7 +6839,7 @@
         <p:spPr>
           <a:xfrm>
             <a:off x="4680360" y="1656360"/>
-            <a:ext cx="1726200" cy="1510200"/>
+            <a:ext cx="1725840" cy="1509840"/>
           </a:xfrm>
           <a:prstGeom prst="ellipse">
             <a:avLst/>
@@ -6955,7 +6965,7 @@
         <p:spPr>
           <a:xfrm>
             <a:off x="4752000" y="3816000"/>
-            <a:ext cx="1582560" cy="454680"/>
+            <a:ext cx="1582200" cy="454680"/>
           </a:xfrm>
           <a:prstGeom prst="rect">
             <a:avLst/>
@@ -7005,8 +7015,8 @@
         </p:nvSpPr>
         <p:spPr>
           <a:xfrm rot="21552600">
-            <a:off x="5542560" y="3166560"/>
-            <a:ext cx="6480" cy="502560"/>
+            <a:off x="5542200" y="3166200"/>
+            <a:ext cx="6120" cy="502200"/>
           </a:xfrm>
           <a:custGeom>
             <a:avLst/>
@@ -7054,7 +7064,7 @@
         <p:spPr>
           <a:xfrm>
             <a:off x="6912000" y="2232000"/>
-            <a:ext cx="1726200" cy="1510200"/>
+            <a:ext cx="1725840" cy="1509840"/>
           </a:xfrm>
           <a:prstGeom prst="ellipse">
             <a:avLst/>
@@ -7114,7 +7124,7 @@
         <p:spPr>
           <a:xfrm>
             <a:off x="7344000" y="864000"/>
-            <a:ext cx="951480" cy="759600"/>
+            <a:ext cx="951120" cy="759240"/>
           </a:xfrm>
           <a:prstGeom prst="rect">
             <a:avLst/>
@@ -7187,8 +7197,8 @@
         </p:nvSpPr>
         <p:spPr>
           <a:xfrm flipH="1">
-            <a:off x="5909040" y="2952000"/>
-            <a:ext cx="1000080" cy="720000"/>
+            <a:off x="5908320" y="2952000"/>
+            <a:ext cx="999720" cy="719640"/>
           </a:xfrm>
           <a:custGeom>
             <a:avLst/>
@@ -7236,8 +7246,8 @@
         </p:nvSpPr>
         <p:spPr>
           <a:xfrm flipV="1">
-            <a:off x="7788960" y="1623600"/>
-            <a:ext cx="129600" cy="605520"/>
+            <a:off x="7788960" y="1622880"/>
+            <a:ext cx="129240" cy="605160"/>
           </a:xfrm>
           <a:custGeom>
             <a:avLst/>
@@ -7285,7 +7295,7 @@
         <p:spPr>
           <a:xfrm>
             <a:off x="6984000" y="1754280"/>
-            <a:ext cx="840960" cy="333000"/>
+            <a:ext cx="840600" cy="333000"/>
           </a:xfrm>
           <a:prstGeom prst="rect">
             <a:avLst/>
@@ -7366,7 +7376,7 @@
         <p:spPr>
           <a:xfrm>
             <a:off x="6912000" y="85680"/>
-            <a:ext cx="2806560" cy="638280"/>
+            <a:ext cx="2806200" cy="638280"/>
           </a:xfrm>
           <a:prstGeom prst="rect">
             <a:avLst/>
@@ -7417,7 +7427,7 @@
         <p:spPr>
           <a:xfrm>
             <a:off x="471960" y="246600"/>
-            <a:ext cx="951480" cy="759600"/>
+            <a:ext cx="951120" cy="759240"/>
           </a:xfrm>
           <a:prstGeom prst="rect">
             <a:avLst/>
@@ -7491,7 +7501,7 @@
         <p:spPr>
           <a:xfrm>
             <a:off x="964080" y="997200"/>
-            <a:ext cx="114480" cy="585360"/>
+            <a:ext cx="114120" cy="585000"/>
           </a:xfrm>
           <a:custGeom>
             <a:avLst/>
@@ -7539,7 +7549,7 @@
         <p:spPr>
           <a:xfrm>
             <a:off x="2448000" y="246960"/>
-            <a:ext cx="951480" cy="759600"/>
+            <a:ext cx="951120" cy="759240"/>
           </a:xfrm>
           <a:prstGeom prst="rect">
             <a:avLst/>
@@ -7612,8 +7622,8 @@
         </p:nvSpPr>
         <p:spPr>
           <a:xfrm flipV="1">
-            <a:off x="2808000" y="1006560"/>
-            <a:ext cx="129600" cy="574560"/>
+            <a:off x="2808000" y="1005840"/>
+            <a:ext cx="129240" cy="574200"/>
           </a:xfrm>
           <a:custGeom>
             <a:avLst/>
@@ -7661,7 +7671,7 @@
         <p:spPr>
           <a:xfrm>
             <a:off x="3096000" y="1080000"/>
-            <a:ext cx="840960" cy="453600"/>
+            <a:ext cx="840600" cy="453240"/>
           </a:xfrm>
           <a:prstGeom prst="rect">
             <a:avLst/>
@@ -7687,7 +7697,7 @@
         <p:spPr>
           <a:xfrm>
             <a:off x="144000" y="1080000"/>
-            <a:ext cx="840960" cy="333000"/>
+            <a:ext cx="840600" cy="333000"/>
           </a:xfrm>
           <a:prstGeom prst="rect">
             <a:avLst/>
@@ -7738,7 +7748,7 @@
         <p:spPr>
           <a:xfrm>
             <a:off x="576360" y="1584000"/>
-            <a:ext cx="1150200" cy="1150200"/>
+            <a:ext cx="1149840" cy="1149840"/>
           </a:xfrm>
           <a:prstGeom prst="ellipse">
             <a:avLst/>
@@ -7798,7 +7808,7 @@
         <p:spPr>
           <a:xfrm>
             <a:off x="648000" y="3240000"/>
-            <a:ext cx="1294560" cy="272160"/>
+            <a:ext cx="1294200" cy="272160"/>
           </a:xfrm>
           <a:prstGeom prst="rect">
             <a:avLst/>
@@ -7915,7 +7925,7 @@
         <p:spPr>
           <a:xfrm>
             <a:off x="1224000" y="2735640"/>
-            <a:ext cx="114480" cy="502920"/>
+            <a:ext cx="114120" cy="502560"/>
           </a:xfrm>
           <a:custGeom>
             <a:avLst/>
@@ -7963,7 +7973,7 @@
         <p:spPr>
           <a:xfrm>
             <a:off x="2088360" y="1584000"/>
-            <a:ext cx="1294200" cy="1222560"/>
+            <a:ext cx="1293840" cy="1222200"/>
           </a:xfrm>
           <a:prstGeom prst="ellipse">
             <a:avLst/>
@@ -8022,8 +8032,8 @@
         </p:nvSpPr>
         <p:spPr>
           <a:xfrm flipH="1">
-            <a:off x="1798560" y="2664000"/>
-            <a:ext cx="568080" cy="574560"/>
+            <a:off x="1797840" y="2664000"/>
+            <a:ext cx="567720" cy="574200"/>
           </a:xfrm>
           <a:custGeom>
             <a:avLst/>
@@ -8072,7 +8082,7 @@
         <p:spPr>
           <a:xfrm>
             <a:off x="1872000" y="1107000"/>
-            <a:ext cx="840960" cy="333000"/>
+            <a:ext cx="840600" cy="333000"/>
           </a:xfrm>
           <a:prstGeom prst="rect">
             <a:avLst/>
@@ -8153,7 +8163,7 @@
         <p:spPr>
           <a:xfrm>
             <a:off x="6912000" y="85680"/>
-            <a:ext cx="2806560" cy="912600"/>
+            <a:ext cx="2806200" cy="912600"/>
           </a:xfrm>
           <a:prstGeom prst="rect">
             <a:avLst/>
@@ -8214,7 +8224,7 @@
         <p:spPr>
           <a:xfrm>
             <a:off x="471960" y="246600"/>
-            <a:ext cx="951480" cy="759600"/>
+            <a:ext cx="951120" cy="759240"/>
           </a:xfrm>
           <a:prstGeom prst="rect">
             <a:avLst/>
@@ -8288,7 +8298,7 @@
         <p:spPr>
           <a:xfrm>
             <a:off x="964080" y="997200"/>
-            <a:ext cx="114480" cy="585360"/>
+            <a:ext cx="114120" cy="585000"/>
           </a:xfrm>
           <a:custGeom>
             <a:avLst/>
@@ -8336,7 +8346,7 @@
         <p:spPr>
           <a:xfrm>
             <a:off x="2448000" y="246960"/>
-            <a:ext cx="951480" cy="759600"/>
+            <a:ext cx="951120" cy="759240"/>
           </a:xfrm>
           <a:prstGeom prst="rect">
             <a:avLst/>
@@ -8409,8 +8419,8 @@
         </p:nvSpPr>
         <p:spPr>
           <a:xfrm flipV="1">
-            <a:off x="2808000" y="1006560"/>
-            <a:ext cx="129600" cy="574560"/>
+            <a:off x="2808000" y="1005840"/>
+            <a:ext cx="129240" cy="574200"/>
           </a:xfrm>
           <a:custGeom>
             <a:avLst/>
@@ -8458,7 +8468,7 @@
         <p:spPr>
           <a:xfrm>
             <a:off x="3096000" y="1080000"/>
-            <a:ext cx="840960" cy="453600"/>
+            <a:ext cx="840600" cy="453240"/>
           </a:xfrm>
           <a:prstGeom prst="rect">
             <a:avLst/>
@@ -8484,7 +8494,7 @@
         <p:spPr>
           <a:xfrm>
             <a:off x="144000" y="1080000"/>
-            <a:ext cx="840960" cy="257040"/>
+            <a:ext cx="840600" cy="257040"/>
           </a:xfrm>
           <a:prstGeom prst="rect">
             <a:avLst/>
@@ -8535,7 +8545,7 @@
         <p:spPr>
           <a:xfrm>
             <a:off x="288000" y="1585080"/>
-            <a:ext cx="1583280" cy="1150200"/>
+            <a:ext cx="1582920" cy="1149840"/>
           </a:xfrm>
           <a:prstGeom prst="ellipse">
             <a:avLst/>
@@ -8595,7 +8605,7 @@
         <p:spPr>
           <a:xfrm>
             <a:off x="648000" y="3240000"/>
-            <a:ext cx="1294560" cy="454680"/>
+            <a:ext cx="1294200" cy="454680"/>
           </a:xfrm>
           <a:prstGeom prst="rect">
             <a:avLst/>
@@ -8712,7 +8722,7 @@
         <p:spPr>
           <a:xfrm>
             <a:off x="1224000" y="2735640"/>
-            <a:ext cx="114480" cy="502920"/>
+            <a:ext cx="114120" cy="502560"/>
           </a:xfrm>
           <a:custGeom>
             <a:avLst/>
@@ -8760,7 +8770,7 @@
         <p:spPr>
           <a:xfrm>
             <a:off x="2088360" y="1584000"/>
-            <a:ext cx="1294200" cy="1222560"/>
+            <a:ext cx="1293840" cy="1222200"/>
           </a:xfrm>
           <a:prstGeom prst="ellipse">
             <a:avLst/>
@@ -8819,8 +8829,8 @@
         </p:nvSpPr>
         <p:spPr>
           <a:xfrm flipH="1">
-            <a:off x="1798560" y="2664000"/>
-            <a:ext cx="568080" cy="574560"/>
+            <a:off x="1797840" y="2664000"/>
+            <a:ext cx="567720" cy="574200"/>
           </a:xfrm>
           <a:custGeom>
             <a:avLst/>
@@ -8869,7 +8879,7 @@
         <p:spPr>
           <a:xfrm>
             <a:off x="1872000" y="1107000"/>
-            <a:ext cx="840960" cy="257040"/>
+            <a:ext cx="840600" cy="257040"/>
           </a:xfrm>
           <a:prstGeom prst="rect">
             <a:avLst/>
@@ -8906,2968 +8916,6 @@
               <a:t>Pedido</a:t>
             </a:r>
             <a:endParaRPr b="0" lang="pt-BR" sz="1100" spc="-1" strike="noStrike">
-              <a:latin typeface="Arial"/>
-            </a:endParaRPr>
-          </a:p>
-        </p:txBody>
-      </p:sp>
-    </p:spTree>
-  </p:cSld>
-  <mc:AlternateContent>
-    <mc:Choice Requires="p14">
-      <p:transition spd="slow" p14:dur="2000"/>
-    </mc:Choice>
-    <mc:Fallback>
-      <p:transition spd="slow"/>
-    </mc:Fallback>
-  </mc:AlternateContent>
-</p:sld>
-</file>
-
-<file path=ppt/slides/slide7.xml><?xml version="1.0" encoding="utf-8"?>
-<p:sld xmlns:a="http://schemas.openxmlformats.org/drawingml/2006/main" xmlns:p="http://schemas.openxmlformats.org/presentationml/2006/main" xmlns:r="http://schemas.openxmlformats.org/officeDocument/2006/relationships" xmlns:p14="http://schemas.microsoft.com/office/powerpoint/2010/main" xmlns:p15="http://schemas.microsoft.com/office/powerpoint/2012/main" xmlns:mc="http://schemas.openxmlformats.org/markup-compatibility/2006">
-  <p:cSld>
-    <p:spTree>
-      <p:nvGrpSpPr>
-        <p:cNvPr id="1" name=""/>
-        <p:cNvGrpSpPr/>
-        <p:nvPr/>
-      </p:nvGrpSpPr>
-      <p:grpSpPr>
-        <a:xfrm>
-          <a:off x="0" y="0"/>
-          <a:ext cx="0" cy="0"/>
-          <a:chOff x="0" y="0"/>
-          <a:chExt cx="0" cy="0"/>
-        </a:xfrm>
-      </p:grpSpPr>
-      <p:sp>
-        <p:nvSpPr>
-          <p:cNvPr id="185" name="CustomShape 1"/>
-          <p:cNvSpPr/>
-          <p:nvPr/>
-        </p:nvSpPr>
-        <p:spPr>
-          <a:xfrm>
-            <a:off x="156240" y="91080"/>
-            <a:ext cx="840960" cy="580320"/>
-          </a:xfrm>
-          <a:prstGeom prst="rect">
-            <a:avLst/>
-          </a:prstGeom>
-          <a:gradFill rotWithShape="0">
-            <a:gsLst>
-              <a:gs pos="0">
-                <a:srgbClr val="d0d0d0"/>
-              </a:gs>
-              <a:gs pos="100000">
-                <a:srgbClr val="ededed">
-                  <a:alpha val="0"/>
-                </a:srgbClr>
-              </a:gs>
-            </a:gsLst>
-            <a:lin ang="16200000"/>
-          </a:gradFill>
-          <a:ln/>
-          <a:effectLst>
-            <a:outerShdw blurRad="40000" dir="5400000" dist="20160" rotWithShape="0">
-              <a:srgbClr val="000000">
-                <a:alpha val="38000"/>
-              </a:srgbClr>
-            </a:outerShdw>
-          </a:effectLst>
-        </p:spPr>
-        <p:style>
-          <a:lnRef idx="1">
-            <a:schemeClr val="dk1"/>
-          </a:lnRef>
-          <a:fillRef idx="2">
-            <a:schemeClr val="dk1"/>
-          </a:fillRef>
-          <a:effectRef idx="1">
-            <a:schemeClr val="dk1"/>
-          </a:effectRef>
-          <a:fontRef idx="minor"/>
-        </p:style>
-        <p:txBody>
-          <a:bodyPr lIns="90000" rIns="90000" tIns="45000" bIns="45000" anchor="ctr">
-            <a:noAutofit/>
-          </a:bodyPr>
-          <a:p>
-            <a:pPr algn="ctr">
-              <a:lnSpc>
-                <a:spcPct val="100000"/>
-              </a:lnSpc>
-            </a:pPr>
-            <a:r>
-              <a:rPr b="0" lang="pt-BR" sz="1050" spc="-1" strike="noStrike">
-                <a:solidFill>
-                  <a:srgbClr val="000000"/>
-                </a:solidFill>
-                <a:latin typeface="Arial"/>
-                <a:ea typeface="DejaVu Sans"/>
-              </a:rPr>
-              <a:t>Comercial</a:t>
-            </a:r>
-            <a:endParaRPr b="0" lang="pt-BR" sz="1050" spc="-1" strike="noStrike">
-              <a:latin typeface="Arial"/>
-            </a:endParaRPr>
-          </a:p>
-        </p:txBody>
-      </p:sp>
-      <p:sp>
-        <p:nvSpPr>
-          <p:cNvPr id="186" name="CustomShape 2"/>
-          <p:cNvSpPr/>
-          <p:nvPr/>
-        </p:nvSpPr>
-        <p:spPr>
-          <a:xfrm>
-            <a:off x="270720" y="1271520"/>
-            <a:ext cx="997560" cy="811080"/>
-          </a:xfrm>
-          <a:prstGeom prst="ellipse">
-            <a:avLst/>
-          </a:prstGeom>
-          <a:ln/>
-        </p:spPr>
-        <p:style>
-          <a:lnRef idx="2">
-            <a:schemeClr val="accent6">
-              <a:shade val="50000"/>
-            </a:schemeClr>
-          </a:lnRef>
-          <a:fillRef idx="1">
-            <a:schemeClr val="accent6"/>
-          </a:fillRef>
-          <a:effectRef idx="0">
-            <a:schemeClr val="accent6"/>
-          </a:effectRef>
-          <a:fontRef idx="minor"/>
-        </p:style>
-        <p:txBody>
-          <a:bodyPr lIns="90000" rIns="90000" tIns="45000" bIns="45000" anchor="ctr">
-            <a:noAutofit/>
-          </a:bodyPr>
-          <a:p>
-            <a:pPr algn="ctr">
-              <a:lnSpc>
-                <a:spcPct val="100000"/>
-              </a:lnSpc>
-            </a:pPr>
-            <a:r>
-              <a:rPr b="0" lang="pt-BR" sz="800" spc="-1" strike="noStrike">
-                <a:solidFill>
-                  <a:srgbClr val="ffffff"/>
-                </a:solidFill>
-                <a:latin typeface="Arial"/>
-                <a:ea typeface="DejaVu Sans"/>
-              </a:rPr>
-              <a:t>Receber solicitação de produção</a:t>
-            </a:r>
-            <a:endParaRPr b="0" lang="pt-BR" sz="800" spc="-1" strike="noStrike">
-              <a:latin typeface="Arial"/>
-            </a:endParaRPr>
-          </a:p>
-        </p:txBody>
-      </p:sp>
-      <p:sp>
-        <p:nvSpPr>
-          <p:cNvPr id="187" name="CustomShape 3"/>
-          <p:cNvSpPr/>
-          <p:nvPr/>
-        </p:nvSpPr>
-        <p:spPr>
-          <a:xfrm>
-            <a:off x="577800" y="673920"/>
-            <a:ext cx="190440" cy="595440"/>
-          </a:xfrm>
-          <a:custGeom>
-            <a:avLst/>
-            <a:gdLst/>
-            <a:ahLst/>
-            <a:rect l="l" t="t" r="r" b="b"/>
-            <a:pathLst>
-              <a:path w="21600" h="21600">
-                <a:moveTo>
-                  <a:pt x="0" y="0"/>
-                </a:moveTo>
-                <a:lnTo>
-                  <a:pt x="21600" y="21600"/>
-                </a:lnTo>
-              </a:path>
-            </a:pathLst>
-          </a:custGeom>
-          <a:noFill/>
-          <a:ln>
-            <a:solidFill>
-              <a:schemeClr val="tx1"/>
-            </a:solidFill>
-            <a:tailEnd len="med" type="triangle" w="med"/>
-          </a:ln>
-        </p:spPr>
-        <p:style>
-          <a:lnRef idx="1">
-            <a:schemeClr val="accent1"/>
-          </a:lnRef>
-          <a:fillRef idx="0">
-            <a:schemeClr val="accent1"/>
-          </a:fillRef>
-          <a:effectRef idx="0">
-            <a:schemeClr val="accent1"/>
-          </a:effectRef>
-          <a:fontRef idx="minor"/>
-        </p:style>
-      </p:sp>
-      <p:sp>
-        <p:nvSpPr>
-          <p:cNvPr id="188" name="CustomShape 4"/>
-          <p:cNvSpPr/>
-          <p:nvPr/>
-        </p:nvSpPr>
-        <p:spPr>
-          <a:xfrm>
-            <a:off x="-44640" y="864720"/>
-            <a:ext cx="1362240" cy="211320"/>
-          </a:xfrm>
-          <a:prstGeom prst="rect">
-            <a:avLst/>
-          </a:prstGeom>
-          <a:noFill/>
-          <a:ln>
-            <a:noFill/>
-          </a:ln>
-        </p:spPr>
-        <p:style>
-          <a:lnRef idx="0"/>
-          <a:fillRef idx="0"/>
-          <a:effectRef idx="0"/>
-          <a:fontRef idx="minor"/>
-        </p:style>
-        <p:txBody>
-          <a:bodyPr lIns="90000" rIns="90000" tIns="45000" bIns="45000">
-            <a:spAutoFit/>
-          </a:bodyPr>
-          <a:p>
-            <a:pPr algn="ctr">
-              <a:lnSpc>
-                <a:spcPct val="100000"/>
-              </a:lnSpc>
-            </a:pPr>
-            <a:r>
-              <a:rPr b="0" lang="pt-BR" sz="800" spc="-1" strike="noStrike">
-                <a:solidFill>
-                  <a:srgbClr val="000000"/>
-                </a:solidFill>
-                <a:latin typeface="Arial"/>
-                <a:ea typeface="DejaVu Sans"/>
-              </a:rPr>
-              <a:t>solicitação de produção</a:t>
-            </a:r>
-            <a:endParaRPr b="0" lang="pt-BR" sz="800" spc="-1" strike="noStrike">
-              <a:latin typeface="Arial"/>
-            </a:endParaRPr>
-          </a:p>
-        </p:txBody>
-      </p:sp>
-      <p:sp>
-        <p:nvSpPr>
-          <p:cNvPr id="189" name="Line 5"/>
-          <p:cNvSpPr/>
-          <p:nvPr/>
-        </p:nvSpPr>
-        <p:spPr>
-          <a:xfrm>
-            <a:off x="400680" y="2901240"/>
-            <a:ext cx="1255320" cy="0"/>
-          </a:xfrm>
-          <a:prstGeom prst="line">
-            <a:avLst/>
-          </a:prstGeom>
-          <a:ln w="76320">
-            <a:solidFill>
-              <a:schemeClr val="tx1"/>
-            </a:solidFill>
-          </a:ln>
-        </p:spPr>
-        <p:style>
-          <a:lnRef idx="1">
-            <a:schemeClr val="accent1"/>
-          </a:lnRef>
-          <a:fillRef idx="0">
-            <a:schemeClr val="accent1"/>
-          </a:fillRef>
-          <a:effectRef idx="0">
-            <a:schemeClr val="accent1"/>
-          </a:effectRef>
-          <a:fontRef idx="minor"/>
-        </p:style>
-      </p:sp>
-      <p:sp>
-        <p:nvSpPr>
-          <p:cNvPr id="190" name="Line 6"/>
-          <p:cNvSpPr/>
-          <p:nvPr/>
-        </p:nvSpPr>
-        <p:spPr>
-          <a:xfrm>
-            <a:off x="371160" y="3180600"/>
-            <a:ext cx="1254960" cy="0"/>
-          </a:xfrm>
-          <a:prstGeom prst="line">
-            <a:avLst/>
-          </a:prstGeom>
-          <a:ln w="76320">
-            <a:solidFill>
-              <a:schemeClr val="tx1"/>
-            </a:solidFill>
-          </a:ln>
-        </p:spPr>
-        <p:style>
-          <a:lnRef idx="1">
-            <a:schemeClr val="accent1"/>
-          </a:lnRef>
-          <a:fillRef idx="0">
-            <a:schemeClr val="accent1"/>
-          </a:fillRef>
-          <a:effectRef idx="0">
-            <a:schemeClr val="accent1"/>
-          </a:effectRef>
-          <a:fontRef idx="minor"/>
-        </p:style>
-      </p:sp>
-      <p:sp>
-        <p:nvSpPr>
-          <p:cNvPr id="191" name="CustomShape 7"/>
-          <p:cNvSpPr/>
-          <p:nvPr/>
-        </p:nvSpPr>
-        <p:spPr>
-          <a:xfrm>
-            <a:off x="770760" y="2084760"/>
-            <a:ext cx="157320" cy="689400"/>
-          </a:xfrm>
-          <a:custGeom>
-            <a:avLst/>
-            <a:gdLst/>
-            <a:ahLst/>
-            <a:rect l="l" t="t" r="r" b="b"/>
-            <a:pathLst>
-              <a:path w="21600" h="21600">
-                <a:moveTo>
-                  <a:pt x="0" y="0"/>
-                </a:moveTo>
-                <a:lnTo>
-                  <a:pt x="21600" y="21600"/>
-                </a:lnTo>
-              </a:path>
-            </a:pathLst>
-          </a:custGeom>
-          <a:noFill/>
-          <a:ln>
-            <a:solidFill>
-              <a:schemeClr val="tx1"/>
-            </a:solidFill>
-            <a:tailEnd len="med" type="triangle" w="med"/>
-          </a:ln>
-        </p:spPr>
-        <p:style>
-          <a:lnRef idx="1">
-            <a:schemeClr val="accent1"/>
-          </a:lnRef>
-          <a:fillRef idx="0">
-            <a:schemeClr val="accent1"/>
-          </a:fillRef>
-          <a:effectRef idx="0">
-            <a:schemeClr val="accent1"/>
-          </a:effectRef>
-          <a:fontRef idx="minor"/>
-        </p:style>
-      </p:sp>
-      <p:sp>
-        <p:nvSpPr>
-          <p:cNvPr id="192" name="CustomShape 8"/>
-          <p:cNvSpPr/>
-          <p:nvPr/>
-        </p:nvSpPr>
-        <p:spPr>
-          <a:xfrm>
-            <a:off x="325440" y="2939400"/>
-            <a:ext cx="1314360" cy="211320"/>
-          </a:xfrm>
-          <a:prstGeom prst="rect">
-            <a:avLst/>
-          </a:prstGeom>
-          <a:noFill/>
-          <a:ln>
-            <a:noFill/>
-          </a:ln>
-        </p:spPr>
-        <p:style>
-          <a:lnRef idx="0"/>
-          <a:fillRef idx="0"/>
-          <a:effectRef idx="0"/>
-          <a:fontRef idx="minor"/>
-        </p:style>
-        <p:txBody>
-          <a:bodyPr lIns="90000" rIns="90000" tIns="45000" bIns="45000">
-            <a:spAutoFit/>
-          </a:bodyPr>
-          <a:p>
-            <a:pPr algn="ctr">
-              <a:lnSpc>
-                <a:spcPct val="100000"/>
-              </a:lnSpc>
-            </a:pPr>
-            <a:r>
-              <a:rPr b="0" lang="pt-BR" sz="800" spc="-1" strike="noStrike">
-                <a:solidFill>
-                  <a:srgbClr val="000000"/>
-                </a:solidFill>
-                <a:latin typeface="Arial"/>
-                <a:ea typeface="DejaVu Sans"/>
-              </a:rPr>
-              <a:t>Solicitação de produção</a:t>
-            </a:r>
-            <a:endParaRPr b="0" lang="pt-BR" sz="800" spc="-1" strike="noStrike">
-              <a:latin typeface="Arial"/>
-            </a:endParaRPr>
-          </a:p>
-        </p:txBody>
-      </p:sp>
-      <p:sp>
-        <p:nvSpPr>
-          <p:cNvPr id="193" name="Line 9"/>
-          <p:cNvSpPr/>
-          <p:nvPr/>
-        </p:nvSpPr>
-        <p:spPr>
-          <a:xfrm flipV="1">
-            <a:off x="2176560" y="2923560"/>
-            <a:ext cx="802080" cy="1080"/>
-          </a:xfrm>
-          <a:prstGeom prst="line">
-            <a:avLst/>
-          </a:prstGeom>
-          <a:ln w="76320">
-            <a:solidFill>
-              <a:schemeClr val="tx1"/>
-            </a:solidFill>
-          </a:ln>
-        </p:spPr>
-        <p:style>
-          <a:lnRef idx="1">
-            <a:schemeClr val="accent1"/>
-          </a:lnRef>
-          <a:fillRef idx="0">
-            <a:schemeClr val="accent1"/>
-          </a:fillRef>
-          <a:effectRef idx="0">
-            <a:schemeClr val="accent1"/>
-          </a:effectRef>
-          <a:fontRef idx="minor"/>
-        </p:style>
-      </p:sp>
-      <p:sp>
-        <p:nvSpPr>
-          <p:cNvPr id="194" name="CustomShape 10"/>
-          <p:cNvSpPr/>
-          <p:nvPr/>
-        </p:nvSpPr>
-        <p:spPr>
-          <a:xfrm>
-            <a:off x="2090520" y="2924280"/>
-            <a:ext cx="972360" cy="211320"/>
-          </a:xfrm>
-          <a:prstGeom prst="rect">
-            <a:avLst/>
-          </a:prstGeom>
-          <a:noFill/>
-          <a:ln>
-            <a:noFill/>
-          </a:ln>
-        </p:spPr>
-        <p:style>
-          <a:lnRef idx="0"/>
-          <a:fillRef idx="0"/>
-          <a:effectRef idx="0"/>
-          <a:fontRef idx="minor"/>
-        </p:style>
-        <p:txBody>
-          <a:bodyPr lIns="90000" rIns="90000" tIns="45000" bIns="45000">
-            <a:spAutoFit/>
-          </a:bodyPr>
-          <a:p>
-            <a:pPr algn="ctr">
-              <a:lnSpc>
-                <a:spcPct val="100000"/>
-              </a:lnSpc>
-            </a:pPr>
-            <a:r>
-              <a:rPr b="0" lang="pt-BR" sz="800" spc="-1" strike="noStrike">
-                <a:solidFill>
-                  <a:srgbClr val="000000"/>
-                </a:solidFill>
-                <a:latin typeface="Arial"/>
-                <a:ea typeface="DejaVu Sans"/>
-              </a:rPr>
-              <a:t>Componente</a:t>
-            </a:r>
-            <a:endParaRPr b="0" lang="pt-BR" sz="800" spc="-1" strike="noStrike">
-              <a:latin typeface="Arial"/>
-            </a:endParaRPr>
-          </a:p>
-        </p:txBody>
-      </p:sp>
-      <p:sp>
-        <p:nvSpPr>
-          <p:cNvPr id="195" name="CustomShape 11"/>
-          <p:cNvSpPr/>
-          <p:nvPr/>
-        </p:nvSpPr>
-        <p:spPr>
-          <a:xfrm>
-            <a:off x="3184200" y="177480"/>
-            <a:ext cx="840960" cy="580320"/>
-          </a:xfrm>
-          <a:prstGeom prst="rect">
-            <a:avLst/>
-          </a:prstGeom>
-          <a:gradFill rotWithShape="0">
-            <a:gsLst>
-              <a:gs pos="0">
-                <a:srgbClr val="d0d0d0"/>
-              </a:gs>
-              <a:gs pos="100000">
-                <a:srgbClr val="ededed">
-                  <a:alpha val="0"/>
-                </a:srgbClr>
-              </a:gs>
-            </a:gsLst>
-            <a:lin ang="16200000"/>
-          </a:gradFill>
-          <a:ln/>
-          <a:effectLst>
-            <a:outerShdw blurRad="40000" dir="5400000" dist="20160" rotWithShape="0">
-              <a:srgbClr val="000000">
-                <a:alpha val="38000"/>
-              </a:srgbClr>
-            </a:outerShdw>
-          </a:effectLst>
-        </p:spPr>
-        <p:style>
-          <a:lnRef idx="1">
-            <a:schemeClr val="dk1"/>
-          </a:lnRef>
-          <a:fillRef idx="2">
-            <a:schemeClr val="dk1"/>
-          </a:fillRef>
-          <a:effectRef idx="1">
-            <a:schemeClr val="dk1"/>
-          </a:effectRef>
-          <a:fontRef idx="minor"/>
-        </p:style>
-        <p:txBody>
-          <a:bodyPr lIns="90000" rIns="90000" tIns="45000" bIns="45000" anchor="ctr">
-            <a:noAutofit/>
-          </a:bodyPr>
-          <a:p>
-            <a:pPr algn="ctr">
-              <a:lnSpc>
-                <a:spcPct val="100000"/>
-              </a:lnSpc>
-            </a:pPr>
-            <a:r>
-              <a:rPr b="0" lang="pt-BR" sz="1050" spc="-1" strike="noStrike">
-                <a:solidFill>
-                  <a:srgbClr val="000000"/>
-                </a:solidFill>
-                <a:latin typeface="Arial"/>
-                <a:ea typeface="DejaVu Sans"/>
-              </a:rPr>
-              <a:t>Comercial</a:t>
-            </a:r>
-            <a:endParaRPr b="0" lang="pt-BR" sz="1050" spc="-1" strike="noStrike">
-              <a:latin typeface="Arial"/>
-            </a:endParaRPr>
-          </a:p>
-        </p:txBody>
-      </p:sp>
-      <p:sp>
-        <p:nvSpPr>
-          <p:cNvPr id="196" name="CustomShape 12"/>
-          <p:cNvSpPr/>
-          <p:nvPr/>
-        </p:nvSpPr>
-        <p:spPr>
-          <a:xfrm>
-            <a:off x="2892600" y="1319400"/>
-            <a:ext cx="872640" cy="763200"/>
-          </a:xfrm>
-          <a:prstGeom prst="ellipse">
-            <a:avLst/>
-          </a:prstGeom>
-          <a:ln/>
-        </p:spPr>
-        <p:style>
-          <a:lnRef idx="2">
-            <a:schemeClr val="accent6">
-              <a:shade val="50000"/>
-            </a:schemeClr>
-          </a:lnRef>
-          <a:fillRef idx="1">
-            <a:schemeClr val="accent6"/>
-          </a:fillRef>
-          <a:effectRef idx="0">
-            <a:schemeClr val="accent6"/>
-          </a:effectRef>
-          <a:fontRef idx="minor"/>
-        </p:style>
-        <p:txBody>
-          <a:bodyPr lIns="90000" rIns="90000" tIns="45000" bIns="45000" anchor="ctr">
-            <a:noAutofit/>
-          </a:bodyPr>
-          <a:p>
-            <a:pPr algn="ctr">
-              <a:lnSpc>
-                <a:spcPct val="100000"/>
-              </a:lnSpc>
-            </a:pPr>
-            <a:r>
-              <a:rPr b="0" lang="pt-BR" sz="700" spc="-1" strike="noStrike">
-                <a:solidFill>
-                  <a:srgbClr val="ffffff"/>
-                </a:solidFill>
-                <a:latin typeface="Arial"/>
-                <a:ea typeface="DejaVu Sans"/>
-              </a:rPr>
-              <a:t>Analisar Solicitação</a:t>
-            </a:r>
-            <a:endParaRPr b="0" lang="pt-BR" sz="700" spc="-1" strike="noStrike">
-              <a:latin typeface="Arial"/>
-            </a:endParaRPr>
-          </a:p>
-        </p:txBody>
-      </p:sp>
-      <p:sp>
-        <p:nvSpPr>
-          <p:cNvPr id="197" name="CustomShape 13"/>
-          <p:cNvSpPr/>
-          <p:nvPr/>
-        </p:nvSpPr>
-        <p:spPr>
-          <a:xfrm flipV="1">
-            <a:off x="3330000" y="757800"/>
-            <a:ext cx="273600" cy="557280"/>
-          </a:xfrm>
-          <a:custGeom>
-            <a:avLst/>
-            <a:gdLst/>
-            <a:ahLst/>
-            <a:rect l="l" t="t" r="r" b="b"/>
-            <a:pathLst>
-              <a:path w="21600" h="21600">
-                <a:moveTo>
-                  <a:pt x="0" y="0"/>
-                </a:moveTo>
-                <a:lnTo>
-                  <a:pt x="21600" y="21600"/>
-                </a:lnTo>
-              </a:path>
-            </a:pathLst>
-          </a:custGeom>
-          <a:noFill/>
-          <a:ln>
-            <a:solidFill>
-              <a:schemeClr val="tx1"/>
-            </a:solidFill>
-            <a:tailEnd len="med" type="triangle" w="med"/>
-          </a:ln>
-        </p:spPr>
-        <p:style>
-          <a:lnRef idx="1">
-            <a:schemeClr val="accent1"/>
-          </a:lnRef>
-          <a:fillRef idx="0">
-            <a:schemeClr val="accent1"/>
-          </a:fillRef>
-          <a:effectRef idx="0">
-            <a:schemeClr val="accent1"/>
-          </a:effectRef>
-          <a:fontRef idx="minor"/>
-        </p:style>
-      </p:sp>
-      <p:sp>
-        <p:nvSpPr>
-          <p:cNvPr id="198" name="Line 14"/>
-          <p:cNvSpPr/>
-          <p:nvPr/>
-        </p:nvSpPr>
-        <p:spPr>
-          <a:xfrm>
-            <a:off x="4426920" y="2858760"/>
-            <a:ext cx="553320" cy="0"/>
-          </a:xfrm>
-          <a:prstGeom prst="line">
-            <a:avLst/>
-          </a:prstGeom>
-          <a:ln w="76320">
-            <a:solidFill>
-              <a:schemeClr val="tx1"/>
-            </a:solidFill>
-          </a:ln>
-        </p:spPr>
-        <p:style>
-          <a:lnRef idx="1">
-            <a:schemeClr val="accent1"/>
-          </a:lnRef>
-          <a:fillRef idx="0">
-            <a:schemeClr val="accent1"/>
-          </a:fillRef>
-          <a:effectRef idx="0">
-            <a:schemeClr val="accent1"/>
-          </a:effectRef>
-          <a:fontRef idx="minor"/>
-        </p:style>
-      </p:sp>
-      <p:sp>
-        <p:nvSpPr>
-          <p:cNvPr id="199" name="Line 15"/>
-          <p:cNvSpPr/>
-          <p:nvPr/>
-        </p:nvSpPr>
-        <p:spPr>
-          <a:xfrm>
-            <a:off x="4434120" y="3254400"/>
-            <a:ext cx="553680" cy="0"/>
-          </a:xfrm>
-          <a:prstGeom prst="line">
-            <a:avLst/>
-          </a:prstGeom>
-          <a:ln w="76320">
-            <a:solidFill>
-              <a:schemeClr val="tx1"/>
-            </a:solidFill>
-          </a:ln>
-        </p:spPr>
-        <p:style>
-          <a:lnRef idx="1">
-            <a:schemeClr val="accent1"/>
-          </a:lnRef>
-          <a:fillRef idx="0">
-            <a:schemeClr val="accent1"/>
-          </a:fillRef>
-          <a:effectRef idx="0">
-            <a:schemeClr val="accent1"/>
-          </a:effectRef>
-          <a:fontRef idx="minor"/>
-        </p:style>
-      </p:sp>
-      <p:sp>
-        <p:nvSpPr>
-          <p:cNvPr id="200" name="CustomShape 16"/>
-          <p:cNvSpPr/>
-          <p:nvPr/>
-        </p:nvSpPr>
-        <p:spPr>
-          <a:xfrm>
-            <a:off x="4329360" y="2892960"/>
-            <a:ext cx="787680" cy="333000"/>
-          </a:xfrm>
-          <a:prstGeom prst="rect">
-            <a:avLst/>
-          </a:prstGeom>
-          <a:noFill/>
-          <a:ln>
-            <a:noFill/>
-          </a:ln>
-        </p:spPr>
-        <p:style>
-          <a:lnRef idx="0"/>
-          <a:fillRef idx="0"/>
-          <a:effectRef idx="0"/>
-          <a:fontRef idx="minor"/>
-        </p:style>
-        <p:txBody>
-          <a:bodyPr lIns="90000" rIns="90000" tIns="45000" bIns="45000">
-            <a:spAutoFit/>
-          </a:bodyPr>
-          <a:p>
-            <a:pPr algn="ctr">
-              <a:lnSpc>
-                <a:spcPct val="100000"/>
-              </a:lnSpc>
-            </a:pPr>
-            <a:r>
-              <a:rPr b="0" lang="pt-BR" sz="800" spc="-1" strike="noStrike">
-                <a:solidFill>
-                  <a:srgbClr val="000000"/>
-                </a:solidFill>
-                <a:latin typeface="Arial"/>
-                <a:ea typeface="DejaVu Sans"/>
-              </a:rPr>
-              <a:t>Componente Separado</a:t>
-            </a:r>
-            <a:endParaRPr b="0" lang="pt-BR" sz="800" spc="-1" strike="noStrike">
-              <a:latin typeface="Arial"/>
-            </a:endParaRPr>
-          </a:p>
-        </p:txBody>
-      </p:sp>
-      <p:sp>
-        <p:nvSpPr>
-          <p:cNvPr id="201" name="CustomShape 17"/>
-          <p:cNvSpPr/>
-          <p:nvPr/>
-        </p:nvSpPr>
-        <p:spPr>
-          <a:xfrm>
-            <a:off x="4267080" y="4548960"/>
-            <a:ext cx="1077120" cy="684360"/>
-          </a:xfrm>
-          <a:prstGeom prst="ellipse">
-            <a:avLst/>
-          </a:prstGeom>
-          <a:ln/>
-        </p:spPr>
-        <p:style>
-          <a:lnRef idx="2">
-            <a:schemeClr val="accent6">
-              <a:shade val="50000"/>
-            </a:schemeClr>
-          </a:lnRef>
-          <a:fillRef idx="1">
-            <a:schemeClr val="accent6"/>
-          </a:fillRef>
-          <a:effectRef idx="0">
-            <a:schemeClr val="accent6"/>
-          </a:effectRef>
-          <a:fontRef idx="minor"/>
-        </p:style>
-        <p:txBody>
-          <a:bodyPr lIns="90000" rIns="90000" tIns="45000" bIns="45000" anchor="ctr">
-            <a:noAutofit/>
-          </a:bodyPr>
-          <a:p>
-            <a:pPr algn="ctr">
-              <a:lnSpc>
-                <a:spcPct val="100000"/>
-              </a:lnSpc>
-            </a:pPr>
-            <a:r>
-              <a:rPr b="0" lang="pt-BR" sz="700" spc="-1" strike="noStrike">
-                <a:solidFill>
-                  <a:srgbClr val="ffffff"/>
-                </a:solidFill>
-                <a:latin typeface="Arial"/>
-                <a:ea typeface="DejaVu Sans"/>
-              </a:rPr>
-              <a:t>Fixar Componentes</a:t>
-            </a:r>
-            <a:endParaRPr b="0" lang="pt-BR" sz="700" spc="-1" strike="noStrike">
-              <a:latin typeface="Arial"/>
-            </a:endParaRPr>
-          </a:p>
-        </p:txBody>
-      </p:sp>
-      <p:sp>
-        <p:nvSpPr>
-          <p:cNvPr id="202" name="CustomShape 18"/>
-          <p:cNvSpPr/>
-          <p:nvPr/>
-        </p:nvSpPr>
-        <p:spPr>
-          <a:xfrm flipH="1" flipV="1">
-            <a:off x="4138920" y="3318120"/>
-            <a:ext cx="438480" cy="1269360"/>
-          </a:xfrm>
-          <a:custGeom>
-            <a:avLst/>
-            <a:gdLst/>
-            <a:ahLst/>
-            <a:rect l="l" t="t" r="r" b="b"/>
-            <a:pathLst>
-              <a:path w="21600" h="21600">
-                <a:moveTo>
-                  <a:pt x="0" y="0"/>
-                </a:moveTo>
-                <a:lnTo>
-                  <a:pt x="21600" y="21600"/>
-                </a:lnTo>
-              </a:path>
-            </a:pathLst>
-          </a:custGeom>
-          <a:noFill/>
-          <a:ln>
-            <a:solidFill>
-              <a:schemeClr val="tx1"/>
-            </a:solidFill>
-            <a:headEnd len="med" type="triangle" w="med"/>
-            <a:tailEnd len="med" type="triangle" w="med"/>
-          </a:ln>
-        </p:spPr>
-        <p:style>
-          <a:lnRef idx="1">
-            <a:schemeClr val="accent1"/>
-          </a:lnRef>
-          <a:fillRef idx="0">
-            <a:schemeClr val="accent1"/>
-          </a:fillRef>
-          <a:effectRef idx="0">
-            <a:schemeClr val="accent1"/>
-          </a:effectRef>
-          <a:fontRef idx="minor"/>
-        </p:style>
-      </p:sp>
-      <p:sp>
-        <p:nvSpPr>
-          <p:cNvPr id="203" name="CustomShape 19"/>
-          <p:cNvSpPr/>
-          <p:nvPr/>
-        </p:nvSpPr>
-        <p:spPr>
-          <a:xfrm>
-            <a:off x="2676240" y="736920"/>
-            <a:ext cx="840960" cy="454680"/>
-          </a:xfrm>
-          <a:prstGeom prst="rect">
-            <a:avLst/>
-          </a:prstGeom>
-          <a:noFill/>
-          <a:ln>
-            <a:noFill/>
-          </a:ln>
-        </p:spPr>
-        <p:style>
-          <a:lnRef idx="0"/>
-          <a:fillRef idx="0"/>
-          <a:effectRef idx="0"/>
-          <a:fontRef idx="minor"/>
-        </p:style>
-        <p:txBody>
-          <a:bodyPr lIns="90000" rIns="90000" tIns="45000" bIns="45000">
-            <a:spAutoFit/>
-          </a:bodyPr>
-          <a:p>
-            <a:pPr>
-              <a:lnSpc>
-                <a:spcPct val="100000"/>
-              </a:lnSpc>
-            </a:pPr>
-            <a:r>
-              <a:rPr b="0" lang="pt-BR" sz="800" spc="-1" strike="noStrike">
-                <a:solidFill>
-                  <a:srgbClr val="000000"/>
-                </a:solidFill>
-                <a:latin typeface="Arial"/>
-                <a:ea typeface="DejaVu Sans"/>
-              </a:rPr>
-              <a:t>Recusa da solicitação de produção</a:t>
-            </a:r>
-            <a:endParaRPr b="0" lang="pt-BR" sz="800" spc="-1" strike="noStrike">
-              <a:latin typeface="Arial"/>
-            </a:endParaRPr>
-          </a:p>
-        </p:txBody>
-      </p:sp>
-      <p:sp>
-        <p:nvSpPr>
-          <p:cNvPr id="204" name="CustomShape 20"/>
-          <p:cNvSpPr/>
-          <p:nvPr/>
-        </p:nvSpPr>
-        <p:spPr>
-          <a:xfrm flipH="1">
-            <a:off x="1384200" y="1702080"/>
-            <a:ext cx="1504080" cy="1097640"/>
-          </a:xfrm>
-          <a:custGeom>
-            <a:avLst/>
-            <a:gdLst/>
-            <a:ahLst/>
-            <a:rect l="l" t="t" r="r" b="b"/>
-            <a:pathLst>
-              <a:path w="21600" h="21600">
-                <a:moveTo>
-                  <a:pt x="0" y="0"/>
-                </a:moveTo>
-                <a:lnTo>
-                  <a:pt x="21600" y="21600"/>
-                </a:lnTo>
-              </a:path>
-            </a:pathLst>
-          </a:custGeom>
-          <a:noFill/>
-          <a:ln>
-            <a:solidFill>
-              <a:schemeClr val="tx1"/>
-            </a:solidFill>
-            <a:headEnd len="med" type="triangle" w="med"/>
-            <a:tailEnd len="med" type="triangle" w="med"/>
-          </a:ln>
-        </p:spPr>
-        <p:style>
-          <a:lnRef idx="1">
-            <a:schemeClr val="accent1"/>
-          </a:lnRef>
-          <a:fillRef idx="0">
-            <a:schemeClr val="accent1"/>
-          </a:fillRef>
-          <a:effectRef idx="0">
-            <a:schemeClr val="accent1"/>
-          </a:effectRef>
-          <a:fontRef idx="minor"/>
-        </p:style>
-      </p:sp>
-      <p:sp>
-        <p:nvSpPr>
-          <p:cNvPr id="205" name="Line 21"/>
-          <p:cNvSpPr/>
-          <p:nvPr/>
-        </p:nvSpPr>
-        <p:spPr>
-          <a:xfrm>
-            <a:off x="3287160" y="2850480"/>
-            <a:ext cx="908640" cy="0"/>
-          </a:xfrm>
-          <a:prstGeom prst="line">
-            <a:avLst/>
-          </a:prstGeom>
-          <a:ln w="76320">
-            <a:solidFill>
-              <a:schemeClr val="tx1"/>
-            </a:solidFill>
-          </a:ln>
-        </p:spPr>
-        <p:style>
-          <a:lnRef idx="1">
-            <a:schemeClr val="accent1"/>
-          </a:lnRef>
-          <a:fillRef idx="0">
-            <a:schemeClr val="accent1"/>
-          </a:fillRef>
-          <a:effectRef idx="0">
-            <a:schemeClr val="accent1"/>
-          </a:effectRef>
-          <a:fontRef idx="minor"/>
-        </p:style>
-      </p:sp>
-      <p:sp>
-        <p:nvSpPr>
-          <p:cNvPr id="206" name="CustomShape 22"/>
-          <p:cNvSpPr/>
-          <p:nvPr/>
-        </p:nvSpPr>
-        <p:spPr>
-          <a:xfrm>
-            <a:off x="3161520" y="2861280"/>
-            <a:ext cx="1202400" cy="333000"/>
-          </a:xfrm>
-          <a:prstGeom prst="rect">
-            <a:avLst/>
-          </a:prstGeom>
-          <a:noFill/>
-          <a:ln>
-            <a:noFill/>
-          </a:ln>
-        </p:spPr>
-        <p:style>
-          <a:lnRef idx="0"/>
-          <a:fillRef idx="0"/>
-          <a:effectRef idx="0"/>
-          <a:fontRef idx="minor"/>
-        </p:style>
-        <p:txBody>
-          <a:bodyPr lIns="90000" rIns="90000" tIns="45000" bIns="45000">
-            <a:spAutoFit/>
-          </a:bodyPr>
-          <a:p>
-            <a:pPr algn="ctr">
-              <a:lnSpc>
-                <a:spcPct val="100000"/>
-              </a:lnSpc>
-            </a:pPr>
-            <a:r>
-              <a:rPr b="0" lang="pt-BR" sz="800" spc="-1" strike="noStrike">
-                <a:solidFill>
-                  <a:srgbClr val="000000"/>
-                </a:solidFill>
-                <a:latin typeface="Arial"/>
-                <a:ea typeface="DejaVu Sans"/>
-              </a:rPr>
-              <a:t>Planejamento de produção</a:t>
-            </a:r>
-            <a:endParaRPr b="0" lang="pt-BR" sz="800" spc="-1" strike="noStrike">
-              <a:latin typeface="Arial"/>
-            </a:endParaRPr>
-          </a:p>
-        </p:txBody>
-      </p:sp>
-      <p:sp>
-        <p:nvSpPr>
-          <p:cNvPr id="207" name="CustomShape 23"/>
-          <p:cNvSpPr/>
-          <p:nvPr/>
-        </p:nvSpPr>
-        <p:spPr>
-          <a:xfrm>
-            <a:off x="3119760" y="3897720"/>
-            <a:ext cx="1077120" cy="684360"/>
-          </a:xfrm>
-          <a:prstGeom prst="ellipse">
-            <a:avLst/>
-          </a:prstGeom>
-          <a:ln/>
-        </p:spPr>
-        <p:style>
-          <a:lnRef idx="2">
-            <a:schemeClr val="accent6">
-              <a:shade val="50000"/>
-            </a:schemeClr>
-          </a:lnRef>
-          <a:fillRef idx="1">
-            <a:schemeClr val="accent6"/>
-          </a:fillRef>
-          <a:effectRef idx="0">
-            <a:schemeClr val="accent6"/>
-          </a:effectRef>
-          <a:fontRef idx="minor"/>
-        </p:style>
-        <p:txBody>
-          <a:bodyPr lIns="90000" rIns="90000" tIns="45000" bIns="45000" anchor="ctr">
-            <a:noAutofit/>
-          </a:bodyPr>
-          <a:p>
-            <a:pPr algn="ctr">
-              <a:lnSpc>
-                <a:spcPct val="100000"/>
-              </a:lnSpc>
-            </a:pPr>
-            <a:r>
-              <a:rPr b="0" lang="pt-BR" sz="700" spc="-1" strike="noStrike">
-                <a:solidFill>
-                  <a:srgbClr val="ffffff"/>
-                </a:solidFill>
-                <a:latin typeface="Arial"/>
-                <a:ea typeface="DejaVu Sans"/>
-              </a:rPr>
-              <a:t>Separar Componentes</a:t>
-            </a:r>
-            <a:endParaRPr b="0" lang="pt-BR" sz="700" spc="-1" strike="noStrike">
-              <a:latin typeface="Arial"/>
-            </a:endParaRPr>
-          </a:p>
-        </p:txBody>
-      </p:sp>
-      <p:sp>
-        <p:nvSpPr>
-          <p:cNvPr id="208" name="CustomShape 24"/>
-          <p:cNvSpPr/>
-          <p:nvPr/>
-        </p:nvSpPr>
-        <p:spPr>
-          <a:xfrm flipV="1">
-            <a:off x="3659400" y="3302640"/>
-            <a:ext cx="105840" cy="590760"/>
-          </a:xfrm>
-          <a:custGeom>
-            <a:avLst/>
-            <a:gdLst/>
-            <a:ahLst/>
-            <a:rect l="l" t="t" r="r" b="b"/>
-            <a:pathLst>
-              <a:path w="21600" h="21600">
-                <a:moveTo>
-                  <a:pt x="0" y="0"/>
-                </a:moveTo>
-                <a:lnTo>
-                  <a:pt x="21600" y="21600"/>
-                </a:lnTo>
-              </a:path>
-            </a:pathLst>
-          </a:custGeom>
-          <a:noFill/>
-          <a:ln>
-            <a:solidFill>
-              <a:schemeClr val="tx1"/>
-            </a:solidFill>
-            <a:headEnd len="med" type="triangle" w="med"/>
-            <a:tailEnd len="med" type="triangle" w="med"/>
-          </a:ln>
-        </p:spPr>
-        <p:style>
-          <a:lnRef idx="1">
-            <a:schemeClr val="accent1"/>
-          </a:lnRef>
-          <a:fillRef idx="0">
-            <a:schemeClr val="accent1"/>
-          </a:fillRef>
-          <a:effectRef idx="0">
-            <a:schemeClr val="accent1"/>
-          </a:effectRef>
-          <a:fontRef idx="minor"/>
-        </p:style>
-      </p:sp>
-      <p:sp>
-        <p:nvSpPr>
-          <p:cNvPr id="209" name="CustomShape 25"/>
-          <p:cNvSpPr/>
-          <p:nvPr/>
-        </p:nvSpPr>
-        <p:spPr>
-          <a:xfrm flipH="1" flipV="1">
-            <a:off x="3327840" y="2082600"/>
-            <a:ext cx="390240" cy="714960"/>
-          </a:xfrm>
-          <a:custGeom>
-            <a:avLst/>
-            <a:gdLst/>
-            <a:ahLst/>
-            <a:rect l="l" t="t" r="r" b="b"/>
-            <a:pathLst>
-              <a:path w="21600" h="21600">
-                <a:moveTo>
-                  <a:pt x="0" y="0"/>
-                </a:moveTo>
-                <a:lnTo>
-                  <a:pt x="21600" y="21600"/>
-                </a:lnTo>
-              </a:path>
-            </a:pathLst>
-          </a:custGeom>
-          <a:noFill/>
-          <a:ln>
-            <a:solidFill>
-              <a:schemeClr val="tx1"/>
-            </a:solidFill>
-            <a:headEnd len="med" type="triangle" w="med"/>
-            <a:tailEnd len="med" type="triangle" w="med"/>
-          </a:ln>
-        </p:spPr>
-        <p:style>
-          <a:lnRef idx="1">
-            <a:schemeClr val="accent1"/>
-          </a:lnRef>
-          <a:fillRef idx="0">
-            <a:schemeClr val="accent1"/>
-          </a:fillRef>
-          <a:effectRef idx="0">
-            <a:schemeClr val="accent1"/>
-          </a:effectRef>
-          <a:fontRef idx="minor"/>
-        </p:style>
-      </p:sp>
-      <p:sp>
-        <p:nvSpPr>
-          <p:cNvPr id="210" name="CustomShape 26"/>
-          <p:cNvSpPr/>
-          <p:nvPr/>
-        </p:nvSpPr>
-        <p:spPr>
-          <a:xfrm flipH="1" flipV="1">
-            <a:off x="2573280" y="3286440"/>
-            <a:ext cx="698040" cy="707760"/>
-          </a:xfrm>
-          <a:custGeom>
-            <a:avLst/>
-            <a:gdLst/>
-            <a:ahLst/>
-            <a:rect l="l" t="t" r="r" b="b"/>
-            <a:pathLst>
-              <a:path w="21600" h="21600">
-                <a:moveTo>
-                  <a:pt x="0" y="0"/>
-                </a:moveTo>
-                <a:lnTo>
-                  <a:pt x="21600" y="21600"/>
-                </a:lnTo>
-              </a:path>
-            </a:pathLst>
-          </a:custGeom>
-          <a:noFill/>
-          <a:ln>
-            <a:solidFill>
-              <a:schemeClr val="tx1"/>
-            </a:solidFill>
-            <a:headEnd len="med" type="triangle" w="med"/>
-            <a:tailEnd len="med" type="triangle" w="med"/>
-          </a:ln>
-        </p:spPr>
-        <p:style>
-          <a:lnRef idx="1">
-            <a:schemeClr val="accent1"/>
-          </a:lnRef>
-          <a:fillRef idx="0">
-            <a:schemeClr val="accent1"/>
-          </a:fillRef>
-          <a:effectRef idx="0">
-            <a:schemeClr val="accent1"/>
-          </a:effectRef>
-          <a:fontRef idx="minor"/>
-        </p:style>
-      </p:sp>
-      <p:sp>
-        <p:nvSpPr>
-          <p:cNvPr id="211" name="CustomShape 27"/>
-          <p:cNvSpPr/>
-          <p:nvPr/>
-        </p:nvSpPr>
-        <p:spPr>
-          <a:xfrm flipV="1">
-            <a:off x="3904920" y="3317760"/>
-            <a:ext cx="540000" cy="541800"/>
-          </a:xfrm>
-          <a:custGeom>
-            <a:avLst/>
-            <a:gdLst/>
-            <a:ahLst/>
-            <a:rect l="l" t="t" r="r" b="b"/>
-            <a:pathLst>
-              <a:path w="21600" h="21600">
-                <a:moveTo>
-                  <a:pt x="0" y="0"/>
-                </a:moveTo>
-                <a:lnTo>
-                  <a:pt x="21600" y="21600"/>
-                </a:lnTo>
-              </a:path>
-            </a:pathLst>
-          </a:custGeom>
-          <a:noFill/>
-          <a:ln>
-            <a:solidFill>
-              <a:schemeClr val="tx1"/>
-            </a:solidFill>
-            <a:headEnd len="med" type="triangle" w="med"/>
-            <a:tailEnd len="med" type="triangle" w="med"/>
-          </a:ln>
-        </p:spPr>
-        <p:style>
-          <a:lnRef idx="1">
-            <a:schemeClr val="accent1"/>
-          </a:lnRef>
-          <a:fillRef idx="0">
-            <a:schemeClr val="accent1"/>
-          </a:fillRef>
-          <a:effectRef idx="0">
-            <a:schemeClr val="accent1"/>
-          </a:effectRef>
-          <a:fontRef idx="minor"/>
-        </p:style>
-      </p:sp>
-      <p:sp>
-        <p:nvSpPr>
-          <p:cNvPr id="212" name="Line 28"/>
-          <p:cNvSpPr/>
-          <p:nvPr/>
-        </p:nvSpPr>
-        <p:spPr>
-          <a:xfrm>
-            <a:off x="5213520" y="2850480"/>
-            <a:ext cx="728640" cy="8280"/>
-          </a:xfrm>
-          <a:prstGeom prst="line">
-            <a:avLst/>
-          </a:prstGeom>
-          <a:ln w="76320">
-            <a:solidFill>
-              <a:schemeClr val="tx1"/>
-            </a:solidFill>
-          </a:ln>
-        </p:spPr>
-        <p:style>
-          <a:lnRef idx="1">
-            <a:schemeClr val="accent1"/>
-          </a:lnRef>
-          <a:fillRef idx="0">
-            <a:schemeClr val="accent1"/>
-          </a:fillRef>
-          <a:effectRef idx="0">
-            <a:schemeClr val="accent1"/>
-          </a:effectRef>
-          <a:fontRef idx="minor"/>
-        </p:style>
-      </p:sp>
-      <p:sp>
-        <p:nvSpPr>
-          <p:cNvPr id="213" name="Line 29"/>
-          <p:cNvSpPr/>
-          <p:nvPr/>
-        </p:nvSpPr>
-        <p:spPr>
-          <a:xfrm>
-            <a:off x="5213520" y="3260880"/>
-            <a:ext cx="728640" cy="0"/>
-          </a:xfrm>
-          <a:prstGeom prst="line">
-            <a:avLst/>
-          </a:prstGeom>
-          <a:ln w="76320">
-            <a:solidFill>
-              <a:schemeClr val="tx1"/>
-            </a:solidFill>
-          </a:ln>
-        </p:spPr>
-        <p:style>
-          <a:lnRef idx="1">
-            <a:schemeClr val="accent1"/>
-          </a:lnRef>
-          <a:fillRef idx="0">
-            <a:schemeClr val="accent1"/>
-          </a:fillRef>
-          <a:effectRef idx="0">
-            <a:schemeClr val="accent1"/>
-          </a:effectRef>
-          <a:fontRef idx="minor"/>
-        </p:style>
-      </p:sp>
-      <p:sp>
-        <p:nvSpPr>
-          <p:cNvPr id="214" name="CustomShape 30"/>
-          <p:cNvSpPr/>
-          <p:nvPr/>
-        </p:nvSpPr>
-        <p:spPr>
-          <a:xfrm>
-            <a:off x="5222520" y="2901240"/>
-            <a:ext cx="717840" cy="333000"/>
-          </a:xfrm>
-          <a:prstGeom prst="rect">
-            <a:avLst/>
-          </a:prstGeom>
-          <a:noFill/>
-          <a:ln>
-            <a:noFill/>
-          </a:ln>
-        </p:spPr>
-        <p:style>
-          <a:lnRef idx="0"/>
-          <a:fillRef idx="0"/>
-          <a:effectRef idx="0"/>
-          <a:fontRef idx="minor"/>
-        </p:style>
-        <p:txBody>
-          <a:bodyPr lIns="90000" rIns="90000" tIns="45000" bIns="45000">
-            <a:spAutoFit/>
-          </a:bodyPr>
-          <a:p>
-            <a:pPr algn="ctr">
-              <a:lnSpc>
-                <a:spcPct val="100000"/>
-              </a:lnSpc>
-            </a:pPr>
-            <a:r>
-              <a:rPr b="0" lang="pt-BR" sz="800" spc="-1" strike="noStrike">
-                <a:solidFill>
-                  <a:srgbClr val="000000"/>
-                </a:solidFill>
-                <a:latin typeface="Arial"/>
-                <a:ea typeface="DejaVu Sans"/>
-              </a:rPr>
-              <a:t>Placa pré retrabalho</a:t>
-            </a:r>
-            <a:endParaRPr b="0" lang="pt-BR" sz="800" spc="-1" strike="noStrike">
-              <a:latin typeface="Arial"/>
-            </a:endParaRPr>
-          </a:p>
-        </p:txBody>
-      </p:sp>
-      <p:sp>
-        <p:nvSpPr>
-          <p:cNvPr id="215" name="CustomShape 31"/>
-          <p:cNvSpPr/>
-          <p:nvPr/>
-        </p:nvSpPr>
-        <p:spPr>
-          <a:xfrm>
-            <a:off x="4726800" y="3331080"/>
-            <a:ext cx="77760" cy="1215720"/>
-          </a:xfrm>
-          <a:custGeom>
-            <a:avLst/>
-            <a:gdLst/>
-            <a:ahLst/>
-            <a:rect l="l" t="t" r="r" b="b"/>
-            <a:pathLst>
-              <a:path w="21600" h="21600">
-                <a:moveTo>
-                  <a:pt x="0" y="0"/>
-                </a:moveTo>
-                <a:lnTo>
-                  <a:pt x="21600" y="21600"/>
-                </a:lnTo>
-              </a:path>
-            </a:pathLst>
-          </a:custGeom>
-          <a:noFill/>
-          <a:ln>
-            <a:solidFill>
-              <a:schemeClr val="tx1"/>
-            </a:solidFill>
-            <a:tailEnd len="med" type="triangle" w="med"/>
-          </a:ln>
-        </p:spPr>
-        <p:style>
-          <a:lnRef idx="1">
-            <a:schemeClr val="accent1"/>
-          </a:lnRef>
-          <a:fillRef idx="0">
-            <a:schemeClr val="accent1"/>
-          </a:fillRef>
-          <a:effectRef idx="0">
-            <a:schemeClr val="accent1"/>
-          </a:effectRef>
-          <a:fontRef idx="minor"/>
-        </p:style>
-      </p:sp>
-      <p:sp>
-        <p:nvSpPr>
-          <p:cNvPr id="216" name="CustomShape 32"/>
-          <p:cNvSpPr/>
-          <p:nvPr/>
-        </p:nvSpPr>
-        <p:spPr>
-          <a:xfrm>
-            <a:off x="5470560" y="4287600"/>
-            <a:ext cx="1077120" cy="684360"/>
-          </a:xfrm>
-          <a:prstGeom prst="ellipse">
-            <a:avLst/>
-          </a:prstGeom>
-          <a:ln/>
-        </p:spPr>
-        <p:style>
-          <a:lnRef idx="2">
-            <a:schemeClr val="accent6">
-              <a:shade val="50000"/>
-            </a:schemeClr>
-          </a:lnRef>
-          <a:fillRef idx="1">
-            <a:schemeClr val="accent6"/>
-          </a:fillRef>
-          <a:effectRef idx="0">
-            <a:schemeClr val="accent6"/>
-          </a:effectRef>
-          <a:fontRef idx="minor"/>
-        </p:style>
-        <p:txBody>
-          <a:bodyPr lIns="90000" rIns="90000" tIns="45000" bIns="45000" anchor="ctr">
-            <a:noAutofit/>
-          </a:bodyPr>
-          <a:p>
-            <a:pPr algn="ctr">
-              <a:lnSpc>
-                <a:spcPct val="100000"/>
-              </a:lnSpc>
-            </a:pPr>
-            <a:r>
-              <a:rPr b="0" lang="pt-BR" sz="700" spc="-1" strike="noStrike">
-                <a:solidFill>
-                  <a:srgbClr val="ffffff"/>
-                </a:solidFill>
-                <a:latin typeface="Arial"/>
-                <a:ea typeface="DejaVu Sans"/>
-              </a:rPr>
-              <a:t>Soldar Componentes</a:t>
-            </a:r>
-            <a:endParaRPr b="0" lang="pt-BR" sz="700" spc="-1" strike="noStrike">
-              <a:latin typeface="Arial"/>
-            </a:endParaRPr>
-          </a:p>
-        </p:txBody>
-      </p:sp>
-      <p:sp>
-        <p:nvSpPr>
-          <p:cNvPr id="217" name="CustomShape 33"/>
-          <p:cNvSpPr/>
-          <p:nvPr/>
-        </p:nvSpPr>
-        <p:spPr>
-          <a:xfrm>
-            <a:off x="4930920" y="3388320"/>
-            <a:ext cx="695520" cy="997560"/>
-          </a:xfrm>
-          <a:custGeom>
-            <a:avLst/>
-            <a:gdLst/>
-            <a:ahLst/>
-            <a:rect l="l" t="t" r="r" b="b"/>
-            <a:pathLst>
-              <a:path w="21600" h="21600">
-                <a:moveTo>
-                  <a:pt x="0" y="0"/>
-                </a:moveTo>
-                <a:lnTo>
-                  <a:pt x="21600" y="21600"/>
-                </a:lnTo>
-              </a:path>
-            </a:pathLst>
-          </a:custGeom>
-          <a:noFill/>
-          <a:ln>
-            <a:solidFill>
-              <a:schemeClr val="tx1"/>
-            </a:solidFill>
-            <a:headEnd len="med" type="triangle" w="med"/>
-            <a:tailEnd len="med" type="triangle" w="med"/>
-          </a:ln>
-        </p:spPr>
-        <p:style>
-          <a:lnRef idx="1">
-            <a:schemeClr val="accent1"/>
-          </a:lnRef>
-          <a:fillRef idx="0">
-            <a:schemeClr val="accent1"/>
-          </a:fillRef>
-          <a:effectRef idx="0">
-            <a:schemeClr val="accent1"/>
-          </a:effectRef>
-          <a:fontRef idx="minor"/>
-        </p:style>
-      </p:sp>
-      <p:sp>
-        <p:nvSpPr>
-          <p:cNvPr id="218" name="Line 34"/>
-          <p:cNvSpPr/>
-          <p:nvPr/>
-        </p:nvSpPr>
-        <p:spPr>
-          <a:xfrm>
-            <a:off x="3287160" y="3195360"/>
-            <a:ext cx="908640" cy="0"/>
-          </a:xfrm>
-          <a:prstGeom prst="line">
-            <a:avLst/>
-          </a:prstGeom>
-          <a:ln w="76320">
-            <a:solidFill>
-              <a:schemeClr val="tx1"/>
-            </a:solidFill>
-          </a:ln>
-        </p:spPr>
-        <p:style>
-          <a:lnRef idx="1">
-            <a:schemeClr val="accent1"/>
-          </a:lnRef>
-          <a:fillRef idx="0">
-            <a:schemeClr val="accent1"/>
-          </a:fillRef>
-          <a:effectRef idx="0">
-            <a:schemeClr val="accent1"/>
-          </a:effectRef>
-          <a:fontRef idx="minor"/>
-        </p:style>
-      </p:sp>
-      <p:sp>
-        <p:nvSpPr>
-          <p:cNvPr id="219" name="Line 35"/>
-          <p:cNvSpPr/>
-          <p:nvPr/>
-        </p:nvSpPr>
-        <p:spPr>
-          <a:xfrm flipV="1">
-            <a:off x="2176560" y="3179520"/>
-            <a:ext cx="802080" cy="1080"/>
-          </a:xfrm>
-          <a:prstGeom prst="line">
-            <a:avLst/>
-          </a:prstGeom>
-          <a:ln w="76320">
-            <a:solidFill>
-              <a:schemeClr val="tx1"/>
-            </a:solidFill>
-          </a:ln>
-        </p:spPr>
-        <p:style>
-          <a:lnRef idx="1">
-            <a:schemeClr val="accent1"/>
-          </a:lnRef>
-          <a:fillRef idx="0">
-            <a:schemeClr val="accent1"/>
-          </a:fillRef>
-          <a:effectRef idx="0">
-            <a:schemeClr val="accent1"/>
-          </a:effectRef>
-          <a:fontRef idx="minor"/>
-        </p:style>
-      </p:sp>
-      <p:sp>
-        <p:nvSpPr>
-          <p:cNvPr id="220" name="CustomShape 36"/>
-          <p:cNvSpPr/>
-          <p:nvPr/>
-        </p:nvSpPr>
-        <p:spPr>
-          <a:xfrm>
-            <a:off x="6766920" y="4044960"/>
-            <a:ext cx="889920" cy="684360"/>
-          </a:xfrm>
-          <a:prstGeom prst="ellipse">
-            <a:avLst/>
-          </a:prstGeom>
-          <a:ln/>
-        </p:spPr>
-        <p:style>
-          <a:lnRef idx="2">
-            <a:schemeClr val="accent6">
-              <a:shade val="50000"/>
-            </a:schemeClr>
-          </a:lnRef>
-          <a:fillRef idx="1">
-            <a:schemeClr val="accent6"/>
-          </a:fillRef>
-          <a:effectRef idx="0">
-            <a:schemeClr val="accent6"/>
-          </a:effectRef>
-          <a:fontRef idx="minor"/>
-        </p:style>
-        <p:txBody>
-          <a:bodyPr lIns="90000" rIns="90000" tIns="45000" bIns="45000" anchor="ctr">
-            <a:noAutofit/>
-          </a:bodyPr>
-          <a:p>
-            <a:pPr algn="ctr">
-              <a:lnSpc>
-                <a:spcPct val="100000"/>
-              </a:lnSpc>
-            </a:pPr>
-            <a:r>
-              <a:rPr b="0" lang="pt-BR" sz="700" spc="-1" strike="noStrike">
-                <a:solidFill>
-                  <a:srgbClr val="ffffff"/>
-                </a:solidFill>
-                <a:latin typeface="Arial"/>
-                <a:ea typeface="DejaVu Sans"/>
-              </a:rPr>
-              <a:t>Fazer retrabalho</a:t>
-            </a:r>
-            <a:endParaRPr b="0" lang="pt-BR" sz="700" spc="-1" strike="noStrike">
-              <a:latin typeface="Arial"/>
-            </a:endParaRPr>
-          </a:p>
-        </p:txBody>
-      </p:sp>
-      <p:sp>
-        <p:nvSpPr>
-          <p:cNvPr id="221" name="CustomShape 37"/>
-          <p:cNvSpPr/>
-          <p:nvPr/>
-        </p:nvSpPr>
-        <p:spPr>
-          <a:xfrm>
-            <a:off x="7795440" y="4255560"/>
-            <a:ext cx="889920" cy="684360"/>
-          </a:xfrm>
-          <a:prstGeom prst="ellipse">
-            <a:avLst/>
-          </a:prstGeom>
-          <a:ln/>
-        </p:spPr>
-        <p:style>
-          <a:lnRef idx="2">
-            <a:schemeClr val="accent6">
-              <a:shade val="50000"/>
-            </a:schemeClr>
-          </a:lnRef>
-          <a:fillRef idx="1">
-            <a:schemeClr val="accent6"/>
-          </a:fillRef>
-          <a:effectRef idx="0">
-            <a:schemeClr val="accent6"/>
-          </a:effectRef>
-          <a:fontRef idx="minor"/>
-        </p:style>
-        <p:txBody>
-          <a:bodyPr lIns="90000" rIns="90000" tIns="45000" bIns="45000" anchor="ctr">
-            <a:noAutofit/>
-          </a:bodyPr>
-          <a:p>
-            <a:pPr algn="ctr">
-              <a:lnSpc>
-                <a:spcPct val="100000"/>
-              </a:lnSpc>
-            </a:pPr>
-            <a:r>
-              <a:rPr b="0" lang="pt-BR" sz="700" spc="-1" strike="noStrike">
-                <a:solidFill>
-                  <a:srgbClr val="ffffff"/>
-                </a:solidFill>
-                <a:latin typeface="Arial"/>
-                <a:ea typeface="DejaVu Sans"/>
-              </a:rPr>
-              <a:t>Montar Máquina</a:t>
-            </a:r>
-            <a:endParaRPr b="0" lang="pt-BR" sz="700" spc="-1" strike="noStrike">
-              <a:latin typeface="Arial"/>
-            </a:endParaRPr>
-          </a:p>
-        </p:txBody>
-      </p:sp>
-      <p:sp>
-        <p:nvSpPr>
-          <p:cNvPr id="222" name="CustomShape 38"/>
-          <p:cNvSpPr/>
-          <p:nvPr/>
-        </p:nvSpPr>
-        <p:spPr>
-          <a:xfrm>
-            <a:off x="5731560" y="3331080"/>
-            <a:ext cx="276120" cy="954360"/>
-          </a:xfrm>
-          <a:custGeom>
-            <a:avLst/>
-            <a:gdLst/>
-            <a:ahLst/>
-            <a:rect l="l" t="t" r="r" b="b"/>
-            <a:pathLst>
-              <a:path w="21600" h="21600">
-                <a:moveTo>
-                  <a:pt x="0" y="0"/>
-                </a:moveTo>
-                <a:lnTo>
-                  <a:pt x="21600" y="21600"/>
-                </a:lnTo>
-              </a:path>
-            </a:pathLst>
-          </a:custGeom>
-          <a:noFill/>
-          <a:ln>
-            <a:solidFill>
-              <a:schemeClr val="tx1"/>
-            </a:solidFill>
-            <a:headEnd len="med" type="triangle" w="med"/>
-            <a:tailEnd len="med" type="triangle" w="med"/>
-          </a:ln>
-        </p:spPr>
-        <p:style>
-          <a:lnRef idx="1">
-            <a:schemeClr val="accent1"/>
-          </a:lnRef>
-          <a:fillRef idx="0">
-            <a:schemeClr val="accent1"/>
-          </a:fillRef>
-          <a:effectRef idx="0">
-            <a:schemeClr val="accent1"/>
-          </a:effectRef>
-          <a:fontRef idx="minor"/>
-        </p:style>
-      </p:sp>
-      <p:sp>
-        <p:nvSpPr>
-          <p:cNvPr id="223" name="Line 39"/>
-          <p:cNvSpPr/>
-          <p:nvPr/>
-        </p:nvSpPr>
-        <p:spPr>
-          <a:xfrm>
-            <a:off x="6064560" y="2880000"/>
-            <a:ext cx="874800" cy="0"/>
-          </a:xfrm>
-          <a:prstGeom prst="line">
-            <a:avLst/>
-          </a:prstGeom>
-          <a:ln w="76320">
-            <a:solidFill>
-              <a:schemeClr val="tx1"/>
-            </a:solidFill>
-          </a:ln>
-        </p:spPr>
-        <p:style>
-          <a:lnRef idx="1">
-            <a:schemeClr val="accent1"/>
-          </a:lnRef>
-          <a:fillRef idx="0">
-            <a:schemeClr val="accent1"/>
-          </a:fillRef>
-          <a:effectRef idx="0">
-            <a:schemeClr val="accent1"/>
-          </a:effectRef>
-          <a:fontRef idx="minor"/>
-        </p:style>
-      </p:sp>
-      <p:sp>
-        <p:nvSpPr>
-          <p:cNvPr id="224" name="Line 40"/>
-          <p:cNvSpPr/>
-          <p:nvPr/>
-        </p:nvSpPr>
-        <p:spPr>
-          <a:xfrm>
-            <a:off x="6064560" y="3290760"/>
-            <a:ext cx="874800" cy="0"/>
-          </a:xfrm>
-          <a:prstGeom prst="line">
-            <a:avLst/>
-          </a:prstGeom>
-          <a:ln w="76320">
-            <a:solidFill>
-              <a:schemeClr val="tx1"/>
-            </a:solidFill>
-          </a:ln>
-        </p:spPr>
-        <p:style>
-          <a:lnRef idx="1">
-            <a:schemeClr val="accent1"/>
-          </a:lnRef>
-          <a:fillRef idx="0">
-            <a:schemeClr val="accent1"/>
-          </a:fillRef>
-          <a:effectRef idx="0">
-            <a:schemeClr val="accent1"/>
-          </a:effectRef>
-          <a:fontRef idx="minor"/>
-        </p:style>
-      </p:sp>
-      <p:sp>
-        <p:nvSpPr>
-          <p:cNvPr id="225" name="CustomShape 41"/>
-          <p:cNvSpPr/>
-          <p:nvPr/>
-        </p:nvSpPr>
-        <p:spPr>
-          <a:xfrm>
-            <a:off x="5942160" y="2930760"/>
-            <a:ext cx="1028880" cy="333000"/>
-          </a:xfrm>
-          <a:prstGeom prst="rect">
-            <a:avLst/>
-          </a:prstGeom>
-          <a:noFill/>
-          <a:ln>
-            <a:noFill/>
-          </a:ln>
-        </p:spPr>
-        <p:style>
-          <a:lnRef idx="0"/>
-          <a:fillRef idx="0"/>
-          <a:effectRef idx="0"/>
-          <a:fontRef idx="minor"/>
-        </p:style>
-        <p:txBody>
-          <a:bodyPr lIns="90000" rIns="90000" tIns="45000" bIns="45000">
-            <a:spAutoFit/>
-          </a:bodyPr>
-          <a:p>
-            <a:pPr algn="ctr">
-              <a:lnSpc>
-                <a:spcPct val="100000"/>
-              </a:lnSpc>
-            </a:pPr>
-            <a:r>
-              <a:rPr b="0" lang="pt-BR" sz="800" spc="-1" strike="noStrike">
-                <a:solidFill>
-                  <a:srgbClr val="000000"/>
-                </a:solidFill>
-                <a:latin typeface="Arial"/>
-                <a:ea typeface="DejaVu Sans"/>
-              </a:rPr>
-              <a:t>Sub componente não testado</a:t>
-            </a:r>
-            <a:endParaRPr b="0" lang="pt-BR" sz="800" spc="-1" strike="noStrike">
-              <a:latin typeface="Arial"/>
-            </a:endParaRPr>
-          </a:p>
-        </p:txBody>
-      </p:sp>
-      <p:sp>
-        <p:nvSpPr>
-          <p:cNvPr id="226" name="Line 42"/>
-          <p:cNvSpPr/>
-          <p:nvPr/>
-        </p:nvSpPr>
-        <p:spPr>
-          <a:xfrm>
-            <a:off x="7117920" y="2894040"/>
-            <a:ext cx="874440" cy="0"/>
-          </a:xfrm>
-          <a:prstGeom prst="line">
-            <a:avLst/>
-          </a:prstGeom>
-          <a:ln w="76320">
-            <a:solidFill>
-              <a:schemeClr val="tx1"/>
-            </a:solidFill>
-          </a:ln>
-        </p:spPr>
-        <p:style>
-          <a:lnRef idx="1">
-            <a:schemeClr val="accent1"/>
-          </a:lnRef>
-          <a:fillRef idx="0">
-            <a:schemeClr val="accent1"/>
-          </a:fillRef>
-          <a:effectRef idx="0">
-            <a:schemeClr val="accent1"/>
-          </a:effectRef>
-          <a:fontRef idx="minor"/>
-        </p:style>
-      </p:sp>
-      <p:sp>
-        <p:nvSpPr>
-          <p:cNvPr id="227" name="Line 43"/>
-          <p:cNvSpPr/>
-          <p:nvPr/>
-        </p:nvSpPr>
-        <p:spPr>
-          <a:xfrm>
-            <a:off x="7117920" y="3304800"/>
-            <a:ext cx="874440" cy="0"/>
-          </a:xfrm>
-          <a:prstGeom prst="line">
-            <a:avLst/>
-          </a:prstGeom>
-          <a:ln w="76320">
-            <a:solidFill>
-              <a:schemeClr val="tx1"/>
-            </a:solidFill>
-          </a:ln>
-        </p:spPr>
-        <p:style>
-          <a:lnRef idx="1">
-            <a:schemeClr val="accent1"/>
-          </a:lnRef>
-          <a:fillRef idx="0">
-            <a:schemeClr val="accent1"/>
-          </a:fillRef>
-          <a:effectRef idx="0">
-            <a:schemeClr val="accent1"/>
-          </a:effectRef>
-          <a:fontRef idx="minor"/>
-        </p:style>
-      </p:sp>
-      <p:sp>
-        <p:nvSpPr>
-          <p:cNvPr id="228" name="CustomShape 44"/>
-          <p:cNvSpPr/>
-          <p:nvPr/>
-        </p:nvSpPr>
-        <p:spPr>
-          <a:xfrm>
-            <a:off x="7027920" y="2944800"/>
-            <a:ext cx="1028880" cy="333000"/>
-          </a:xfrm>
-          <a:prstGeom prst="rect">
-            <a:avLst/>
-          </a:prstGeom>
-          <a:noFill/>
-          <a:ln>
-            <a:noFill/>
-          </a:ln>
-        </p:spPr>
-        <p:style>
-          <a:lnRef idx="0"/>
-          <a:fillRef idx="0"/>
-          <a:effectRef idx="0"/>
-          <a:fontRef idx="minor"/>
-        </p:style>
-        <p:txBody>
-          <a:bodyPr lIns="90000" rIns="90000" tIns="45000" bIns="45000">
-            <a:spAutoFit/>
-          </a:bodyPr>
-          <a:p>
-            <a:pPr algn="ctr">
-              <a:lnSpc>
-                <a:spcPct val="100000"/>
-              </a:lnSpc>
-            </a:pPr>
-            <a:r>
-              <a:rPr b="0" lang="pt-BR" sz="800" spc="-1" strike="noStrike">
-                <a:solidFill>
-                  <a:srgbClr val="000000"/>
-                </a:solidFill>
-                <a:latin typeface="Arial"/>
-                <a:ea typeface="DejaVu Sans"/>
-              </a:rPr>
-              <a:t>Sub componente testado</a:t>
-            </a:r>
-            <a:endParaRPr b="0" lang="pt-BR" sz="800" spc="-1" strike="noStrike">
-              <a:latin typeface="Arial"/>
-            </a:endParaRPr>
-          </a:p>
-        </p:txBody>
-      </p:sp>
-      <p:sp>
-        <p:nvSpPr>
-          <p:cNvPr id="229" name="CustomShape 45"/>
-          <p:cNvSpPr/>
-          <p:nvPr/>
-        </p:nvSpPr>
-        <p:spPr>
-          <a:xfrm flipH="1">
-            <a:off x="4847400" y="1698840"/>
-            <a:ext cx="1375560" cy="1092600"/>
-          </a:xfrm>
-          <a:custGeom>
-            <a:avLst/>
-            <a:gdLst/>
-            <a:ahLst/>
-            <a:rect l="l" t="t" r="r" b="b"/>
-            <a:pathLst>
-              <a:path w="21600" h="21600">
-                <a:moveTo>
-                  <a:pt x="0" y="0"/>
-                </a:moveTo>
-                <a:lnTo>
-                  <a:pt x="21600" y="21600"/>
-                </a:lnTo>
-              </a:path>
-            </a:pathLst>
-          </a:custGeom>
-          <a:noFill/>
-          <a:ln>
-            <a:solidFill>
-              <a:schemeClr val="tx1"/>
-            </a:solidFill>
-            <a:headEnd len="med" type="triangle" w="med"/>
-            <a:tailEnd len="med" type="triangle" w="med"/>
-          </a:ln>
-        </p:spPr>
-        <p:style>
-          <a:lnRef idx="1">
-            <a:schemeClr val="accent1"/>
-          </a:lnRef>
-          <a:fillRef idx="0">
-            <a:schemeClr val="accent1"/>
-          </a:fillRef>
-          <a:effectRef idx="0">
-            <a:schemeClr val="accent1"/>
-          </a:effectRef>
-          <a:fontRef idx="minor"/>
-        </p:style>
-      </p:sp>
-      <p:sp>
-        <p:nvSpPr>
-          <p:cNvPr id="230" name="CustomShape 46"/>
-          <p:cNvSpPr/>
-          <p:nvPr/>
-        </p:nvSpPr>
-        <p:spPr>
-          <a:xfrm>
-            <a:off x="6607440" y="1779480"/>
-            <a:ext cx="360" cy="1048320"/>
-          </a:xfrm>
-          <a:custGeom>
-            <a:avLst/>
-            <a:gdLst/>
-            <a:ahLst/>
-            <a:rect l="l" t="t" r="r" b="b"/>
-            <a:pathLst>
-              <a:path w="21600" h="21600">
-                <a:moveTo>
-                  <a:pt x="0" y="0"/>
-                </a:moveTo>
-                <a:lnTo>
-                  <a:pt x="21600" y="21600"/>
-                </a:lnTo>
-              </a:path>
-            </a:pathLst>
-          </a:custGeom>
-          <a:noFill/>
-          <a:ln>
-            <a:solidFill>
-              <a:schemeClr val="tx1"/>
-            </a:solidFill>
-            <a:headEnd len="med" type="triangle" w="med"/>
-            <a:tailEnd len="med" type="triangle" w="med"/>
-          </a:ln>
-        </p:spPr>
-        <p:style>
-          <a:lnRef idx="1">
-            <a:schemeClr val="accent1"/>
-          </a:lnRef>
-          <a:fillRef idx="0">
-            <a:schemeClr val="accent1"/>
-          </a:fillRef>
-          <a:effectRef idx="0">
-            <a:schemeClr val="accent1"/>
-          </a:effectRef>
-          <a:fontRef idx="minor"/>
-        </p:style>
-      </p:sp>
-      <p:sp>
-        <p:nvSpPr>
-          <p:cNvPr id="231" name="CustomShape 47"/>
-          <p:cNvSpPr/>
-          <p:nvPr/>
-        </p:nvSpPr>
-        <p:spPr>
-          <a:xfrm>
-            <a:off x="6998040" y="1677960"/>
-            <a:ext cx="482040" cy="1066320"/>
-          </a:xfrm>
-          <a:custGeom>
-            <a:avLst/>
-            <a:gdLst/>
-            <a:ahLst/>
-            <a:rect l="l" t="t" r="r" b="b"/>
-            <a:pathLst>
-              <a:path w="21600" h="21600">
-                <a:moveTo>
-                  <a:pt x="0" y="0"/>
-                </a:moveTo>
-                <a:lnTo>
-                  <a:pt x="21600" y="21600"/>
-                </a:lnTo>
-              </a:path>
-            </a:pathLst>
-          </a:custGeom>
-          <a:noFill/>
-          <a:ln>
-            <a:solidFill>
-              <a:schemeClr val="tx1"/>
-            </a:solidFill>
-            <a:headEnd len="med" type="triangle" w="med"/>
-            <a:tailEnd len="med" type="triangle" w="med"/>
-          </a:ln>
-        </p:spPr>
-        <p:style>
-          <a:lnRef idx="1">
-            <a:schemeClr val="accent1"/>
-          </a:lnRef>
-          <a:fillRef idx="0">
-            <a:schemeClr val="accent1"/>
-          </a:fillRef>
-          <a:effectRef idx="0">
-            <a:schemeClr val="accent1"/>
-          </a:effectRef>
-          <a:fontRef idx="minor"/>
-        </p:style>
-      </p:sp>
-      <p:sp>
-        <p:nvSpPr>
-          <p:cNvPr id="232" name="CustomShape 48"/>
-          <p:cNvSpPr/>
-          <p:nvPr/>
-        </p:nvSpPr>
-        <p:spPr>
-          <a:xfrm>
-            <a:off x="5871240" y="704520"/>
-            <a:ext cx="1384200" cy="978480"/>
-          </a:xfrm>
-          <a:prstGeom prst="ellipse">
-            <a:avLst/>
-          </a:prstGeom>
-          <a:ln/>
-        </p:spPr>
-        <p:style>
-          <a:lnRef idx="2">
-            <a:schemeClr val="accent6">
-              <a:shade val="50000"/>
-            </a:schemeClr>
-          </a:lnRef>
-          <a:fillRef idx="1">
-            <a:schemeClr val="accent6"/>
-          </a:fillRef>
-          <a:effectRef idx="0">
-            <a:schemeClr val="accent6"/>
-          </a:effectRef>
-          <a:fontRef idx="minor"/>
-        </p:style>
-        <p:txBody>
-          <a:bodyPr lIns="90000" rIns="90000" tIns="45000" bIns="45000" anchor="ctr">
-            <a:noAutofit/>
-          </a:bodyPr>
-          <a:p>
-            <a:pPr algn="ctr">
-              <a:lnSpc>
-                <a:spcPct val="100000"/>
-              </a:lnSpc>
-            </a:pPr>
-            <a:r>
-              <a:rPr b="0" lang="pt-BR" sz="800" spc="-1" strike="noStrike">
-                <a:solidFill>
-                  <a:srgbClr val="ffffff"/>
-                </a:solidFill>
-                <a:latin typeface="Arial"/>
-                <a:ea typeface="DejaVu Sans"/>
-              </a:rPr>
-              <a:t>Testar Subcomponente</a:t>
-            </a:r>
-            <a:endParaRPr b="0" lang="pt-BR" sz="800" spc="-1" strike="noStrike">
-              <a:latin typeface="Arial"/>
-            </a:endParaRPr>
-          </a:p>
-        </p:txBody>
-      </p:sp>
-      <p:sp>
-        <p:nvSpPr>
-          <p:cNvPr id="233" name="Line 49"/>
-          <p:cNvSpPr/>
-          <p:nvPr/>
-        </p:nvSpPr>
-        <p:spPr>
-          <a:xfrm>
-            <a:off x="8125560" y="2938680"/>
-            <a:ext cx="706680" cy="0"/>
-          </a:xfrm>
-          <a:prstGeom prst="line">
-            <a:avLst/>
-          </a:prstGeom>
-          <a:ln w="76320">
-            <a:solidFill>
-              <a:schemeClr val="tx1"/>
-            </a:solidFill>
-          </a:ln>
-        </p:spPr>
-        <p:style>
-          <a:lnRef idx="1">
-            <a:schemeClr val="accent1"/>
-          </a:lnRef>
-          <a:fillRef idx="0">
-            <a:schemeClr val="accent1"/>
-          </a:fillRef>
-          <a:effectRef idx="0">
-            <a:schemeClr val="accent1"/>
-          </a:effectRef>
-          <a:fontRef idx="minor"/>
-        </p:style>
-      </p:sp>
-      <p:sp>
-        <p:nvSpPr>
-          <p:cNvPr id="234" name="Line 50"/>
-          <p:cNvSpPr/>
-          <p:nvPr/>
-        </p:nvSpPr>
-        <p:spPr>
-          <a:xfrm>
-            <a:off x="8147880" y="3312360"/>
-            <a:ext cx="706320" cy="0"/>
-          </a:xfrm>
-          <a:prstGeom prst="line">
-            <a:avLst/>
-          </a:prstGeom>
-          <a:ln w="76320">
-            <a:solidFill>
-              <a:schemeClr val="tx1"/>
-            </a:solidFill>
-          </a:ln>
-        </p:spPr>
-        <p:style>
-          <a:lnRef idx="1">
-            <a:schemeClr val="accent1"/>
-          </a:lnRef>
-          <a:fillRef idx="0">
-            <a:schemeClr val="accent1"/>
-          </a:fillRef>
-          <a:effectRef idx="0">
-            <a:schemeClr val="accent1"/>
-          </a:effectRef>
-          <a:fontRef idx="minor"/>
-        </p:style>
-      </p:sp>
-      <p:sp>
-        <p:nvSpPr>
-          <p:cNvPr id="235" name="CustomShape 51"/>
-          <p:cNvSpPr/>
-          <p:nvPr/>
-        </p:nvSpPr>
-        <p:spPr>
-          <a:xfrm>
-            <a:off x="8078760" y="2955600"/>
-            <a:ext cx="795600" cy="333000"/>
-          </a:xfrm>
-          <a:prstGeom prst="rect">
-            <a:avLst/>
-          </a:prstGeom>
-          <a:noFill/>
-          <a:ln>
-            <a:noFill/>
-          </a:ln>
-        </p:spPr>
-        <p:style>
-          <a:lnRef idx="0"/>
-          <a:fillRef idx="0"/>
-          <a:effectRef idx="0"/>
-          <a:fontRef idx="minor"/>
-        </p:style>
-        <p:txBody>
-          <a:bodyPr lIns="90000" rIns="90000" tIns="45000" bIns="45000">
-            <a:spAutoFit/>
-          </a:bodyPr>
-          <a:p>
-            <a:pPr algn="ctr">
-              <a:lnSpc>
-                <a:spcPct val="100000"/>
-              </a:lnSpc>
-            </a:pPr>
-            <a:r>
-              <a:rPr b="0" lang="pt-BR" sz="800" spc="-1" strike="noStrike">
-                <a:solidFill>
-                  <a:srgbClr val="000000"/>
-                </a:solidFill>
-                <a:latin typeface="Arial"/>
-                <a:ea typeface="DejaVu Sans"/>
-              </a:rPr>
-              <a:t>Máquina pré teste</a:t>
-            </a:r>
-            <a:endParaRPr b="0" lang="pt-BR" sz="800" spc="-1" strike="noStrike">
-              <a:latin typeface="Arial"/>
-            </a:endParaRPr>
-          </a:p>
-        </p:txBody>
-      </p:sp>
-      <p:sp>
-        <p:nvSpPr>
-          <p:cNvPr id="236" name="CustomShape 52"/>
-          <p:cNvSpPr/>
-          <p:nvPr/>
-        </p:nvSpPr>
-        <p:spPr>
-          <a:xfrm>
-            <a:off x="5868000" y="3349080"/>
-            <a:ext cx="896760" cy="874800"/>
-          </a:xfrm>
-          <a:custGeom>
-            <a:avLst/>
-            <a:gdLst/>
-            <a:ahLst/>
-            <a:rect l="l" t="t" r="r" b="b"/>
-            <a:pathLst>
-              <a:path w="21600" h="21600">
-                <a:moveTo>
-                  <a:pt x="0" y="0"/>
-                </a:moveTo>
-                <a:lnTo>
-                  <a:pt x="21600" y="21600"/>
-                </a:lnTo>
-              </a:path>
-            </a:pathLst>
-          </a:custGeom>
-          <a:noFill/>
-          <a:ln>
-            <a:solidFill>
-              <a:schemeClr val="tx1"/>
-            </a:solidFill>
-            <a:headEnd len="med" type="triangle" w="med"/>
-            <a:tailEnd len="med" type="triangle" w="med"/>
-          </a:ln>
-        </p:spPr>
-        <p:style>
-          <a:lnRef idx="1">
-            <a:schemeClr val="accent1"/>
-          </a:lnRef>
-          <a:fillRef idx="0">
-            <a:schemeClr val="accent1"/>
-          </a:fillRef>
-          <a:effectRef idx="0">
-            <a:schemeClr val="accent1"/>
-          </a:effectRef>
-          <a:fontRef idx="minor"/>
-        </p:style>
-      </p:sp>
-      <p:sp>
-        <p:nvSpPr>
-          <p:cNvPr id="237" name="CustomShape 53"/>
-          <p:cNvSpPr/>
-          <p:nvPr/>
-        </p:nvSpPr>
-        <p:spPr>
-          <a:xfrm>
-            <a:off x="6607440" y="3335760"/>
-            <a:ext cx="439560" cy="648720"/>
-          </a:xfrm>
-          <a:custGeom>
-            <a:avLst/>
-            <a:gdLst/>
-            <a:ahLst/>
-            <a:rect l="l" t="t" r="r" b="b"/>
-            <a:pathLst>
-              <a:path w="21600" h="21600">
-                <a:moveTo>
-                  <a:pt x="0" y="0"/>
-                </a:moveTo>
-                <a:lnTo>
-                  <a:pt x="21600" y="21600"/>
-                </a:lnTo>
-              </a:path>
-            </a:pathLst>
-          </a:custGeom>
-          <a:noFill/>
-          <a:ln>
-            <a:solidFill>
-              <a:schemeClr val="tx1"/>
-            </a:solidFill>
-            <a:headEnd len="med" type="triangle" w="med"/>
-            <a:tailEnd len="med" type="triangle" w="med"/>
-          </a:ln>
-        </p:spPr>
-        <p:style>
-          <a:lnRef idx="1">
-            <a:schemeClr val="accent1"/>
-          </a:lnRef>
-          <a:fillRef idx="0">
-            <a:schemeClr val="accent1"/>
-          </a:fillRef>
-          <a:effectRef idx="0">
-            <a:schemeClr val="accent1"/>
-          </a:effectRef>
-          <a:fontRef idx="minor"/>
-        </p:style>
-      </p:sp>
-      <p:sp>
-        <p:nvSpPr>
-          <p:cNvPr id="238" name="CustomShape 54"/>
-          <p:cNvSpPr/>
-          <p:nvPr/>
-        </p:nvSpPr>
-        <p:spPr>
-          <a:xfrm>
-            <a:off x="7538040" y="3388320"/>
-            <a:ext cx="468360" cy="835200"/>
-          </a:xfrm>
-          <a:custGeom>
-            <a:avLst/>
-            <a:gdLst/>
-            <a:ahLst/>
-            <a:rect l="l" t="t" r="r" b="b"/>
-            <a:pathLst>
-              <a:path w="21600" h="21600">
-                <a:moveTo>
-                  <a:pt x="0" y="0"/>
-                </a:moveTo>
-                <a:lnTo>
-                  <a:pt x="21600" y="21600"/>
-                </a:lnTo>
-              </a:path>
-            </a:pathLst>
-          </a:custGeom>
-          <a:noFill/>
-          <a:ln>
-            <a:solidFill>
-              <a:schemeClr val="tx1"/>
-            </a:solidFill>
-            <a:headEnd len="med" type="triangle" w="med"/>
-            <a:tailEnd len="med" type="triangle" w="med"/>
-          </a:ln>
-        </p:spPr>
-        <p:style>
-          <a:lnRef idx="1">
-            <a:schemeClr val="accent1"/>
-          </a:lnRef>
-          <a:fillRef idx="0">
-            <a:schemeClr val="accent1"/>
-          </a:fillRef>
-          <a:effectRef idx="0">
-            <a:schemeClr val="accent1"/>
-          </a:effectRef>
-          <a:fontRef idx="minor"/>
-        </p:style>
-      </p:sp>
-      <p:sp>
-        <p:nvSpPr>
-          <p:cNvPr id="239" name="CustomShape 55"/>
-          <p:cNvSpPr/>
-          <p:nvPr/>
-        </p:nvSpPr>
-        <p:spPr>
-          <a:xfrm flipH="1">
-            <a:off x="8316000" y="3388320"/>
-            <a:ext cx="109800" cy="835200"/>
-          </a:xfrm>
-          <a:custGeom>
-            <a:avLst/>
-            <a:gdLst/>
-            <a:ahLst/>
-            <a:rect l="l" t="t" r="r" b="b"/>
-            <a:pathLst>
-              <a:path w="21600" h="21600">
-                <a:moveTo>
-                  <a:pt x="0" y="0"/>
-                </a:moveTo>
-                <a:lnTo>
-                  <a:pt x="21600" y="21600"/>
-                </a:lnTo>
-              </a:path>
-            </a:pathLst>
-          </a:custGeom>
-          <a:noFill/>
-          <a:ln>
-            <a:solidFill>
-              <a:schemeClr val="tx1"/>
-            </a:solidFill>
-            <a:headEnd len="med" type="triangle" w="med"/>
-            <a:tailEnd len="med" type="triangle" w="med"/>
-          </a:ln>
-        </p:spPr>
-        <p:style>
-          <a:lnRef idx="1">
-            <a:schemeClr val="accent1"/>
-          </a:lnRef>
-          <a:fillRef idx="0">
-            <a:schemeClr val="accent1"/>
-          </a:fillRef>
-          <a:effectRef idx="0">
-            <a:schemeClr val="accent1"/>
-          </a:effectRef>
-          <a:fontRef idx="minor"/>
-        </p:style>
-      </p:sp>
-      <p:sp>
-        <p:nvSpPr>
-          <p:cNvPr id="240" name="Line 56"/>
-          <p:cNvSpPr/>
-          <p:nvPr/>
-        </p:nvSpPr>
-        <p:spPr>
-          <a:xfrm>
-            <a:off x="9004320" y="2913840"/>
-            <a:ext cx="706680" cy="0"/>
-          </a:xfrm>
-          <a:prstGeom prst="line">
-            <a:avLst/>
-          </a:prstGeom>
-          <a:ln w="76320">
-            <a:solidFill>
-              <a:schemeClr val="tx1"/>
-            </a:solidFill>
-          </a:ln>
-        </p:spPr>
-        <p:style>
-          <a:lnRef idx="1">
-            <a:schemeClr val="accent1"/>
-          </a:lnRef>
-          <a:fillRef idx="0">
-            <a:schemeClr val="accent1"/>
-          </a:fillRef>
-          <a:effectRef idx="0">
-            <a:schemeClr val="accent1"/>
-          </a:effectRef>
-          <a:fontRef idx="minor"/>
-        </p:style>
-      </p:sp>
-      <p:sp>
-        <p:nvSpPr>
-          <p:cNvPr id="241" name="Line 57"/>
-          <p:cNvSpPr/>
-          <p:nvPr/>
-        </p:nvSpPr>
-        <p:spPr>
-          <a:xfrm>
-            <a:off x="9026640" y="3287520"/>
-            <a:ext cx="706320" cy="0"/>
-          </a:xfrm>
-          <a:prstGeom prst="line">
-            <a:avLst/>
-          </a:prstGeom>
-          <a:ln w="76320">
-            <a:solidFill>
-              <a:schemeClr val="tx1"/>
-            </a:solidFill>
-          </a:ln>
-        </p:spPr>
-        <p:style>
-          <a:lnRef idx="1">
-            <a:schemeClr val="accent1"/>
-          </a:lnRef>
-          <a:fillRef idx="0">
-            <a:schemeClr val="accent1"/>
-          </a:fillRef>
-          <a:effectRef idx="0">
-            <a:schemeClr val="accent1"/>
-          </a:effectRef>
-          <a:fontRef idx="minor"/>
-        </p:style>
-      </p:sp>
-      <p:sp>
-        <p:nvSpPr>
-          <p:cNvPr id="242" name="CustomShape 58"/>
-          <p:cNvSpPr/>
-          <p:nvPr/>
-        </p:nvSpPr>
-        <p:spPr>
-          <a:xfrm>
-            <a:off x="8957520" y="2930760"/>
-            <a:ext cx="795600" cy="333000"/>
-          </a:xfrm>
-          <a:prstGeom prst="rect">
-            <a:avLst/>
-          </a:prstGeom>
-          <a:noFill/>
-          <a:ln>
-            <a:noFill/>
-          </a:ln>
-        </p:spPr>
-        <p:style>
-          <a:lnRef idx="0"/>
-          <a:fillRef idx="0"/>
-          <a:effectRef idx="0"/>
-          <a:fontRef idx="minor"/>
-        </p:style>
-        <p:txBody>
-          <a:bodyPr lIns="90000" rIns="90000" tIns="45000" bIns="45000">
-            <a:spAutoFit/>
-          </a:bodyPr>
-          <a:p>
-            <a:pPr algn="ctr">
-              <a:lnSpc>
-                <a:spcPct val="100000"/>
-              </a:lnSpc>
-            </a:pPr>
-            <a:r>
-              <a:rPr b="0" lang="pt-BR" sz="800" spc="-1" strike="noStrike">
-                <a:solidFill>
-                  <a:srgbClr val="000000"/>
-                </a:solidFill>
-                <a:latin typeface="Arial"/>
-                <a:ea typeface="DejaVu Sans"/>
-              </a:rPr>
-              <a:t>Máquina pronta</a:t>
-            </a:r>
-            <a:endParaRPr b="0" lang="pt-BR" sz="800" spc="-1" strike="noStrike">
-              <a:latin typeface="Arial"/>
-            </a:endParaRPr>
-          </a:p>
-        </p:txBody>
-      </p:sp>
-      <p:sp>
-        <p:nvSpPr>
-          <p:cNvPr id="243" name="CustomShape 59"/>
-          <p:cNvSpPr/>
-          <p:nvPr/>
-        </p:nvSpPr>
-        <p:spPr>
-          <a:xfrm>
-            <a:off x="8199720" y="1062000"/>
-            <a:ext cx="1127160" cy="978480"/>
-          </a:xfrm>
-          <a:prstGeom prst="ellipse">
-            <a:avLst/>
-          </a:prstGeom>
-          <a:ln/>
-        </p:spPr>
-        <p:style>
-          <a:lnRef idx="2">
-            <a:schemeClr val="accent6">
-              <a:shade val="50000"/>
-            </a:schemeClr>
-          </a:lnRef>
-          <a:fillRef idx="1">
-            <a:schemeClr val="accent6"/>
-          </a:fillRef>
-          <a:effectRef idx="0">
-            <a:schemeClr val="accent6"/>
-          </a:effectRef>
-          <a:fontRef idx="minor"/>
-        </p:style>
-        <p:txBody>
-          <a:bodyPr lIns="90000" rIns="90000" tIns="45000" bIns="45000" anchor="ctr">
-            <a:noAutofit/>
-          </a:bodyPr>
-          <a:p>
-            <a:pPr algn="ctr">
-              <a:lnSpc>
-                <a:spcPct val="100000"/>
-              </a:lnSpc>
-            </a:pPr>
-            <a:r>
-              <a:rPr b="0" lang="pt-BR" sz="800" spc="-1" strike="noStrike">
-                <a:solidFill>
-                  <a:srgbClr val="ffffff"/>
-                </a:solidFill>
-                <a:latin typeface="Arial"/>
-                <a:ea typeface="DejaVu Sans"/>
-              </a:rPr>
-              <a:t>Testar máquina</a:t>
-            </a:r>
-            <a:endParaRPr b="0" lang="pt-BR" sz="800" spc="-1" strike="noStrike">
-              <a:latin typeface="Arial"/>
-            </a:endParaRPr>
-          </a:p>
-        </p:txBody>
-      </p:sp>
-      <p:sp>
-        <p:nvSpPr>
-          <p:cNvPr id="244" name="CustomShape 60"/>
-          <p:cNvSpPr/>
-          <p:nvPr/>
-        </p:nvSpPr>
-        <p:spPr>
-          <a:xfrm flipV="1">
-            <a:off x="7733880" y="1894680"/>
-            <a:ext cx="628920" cy="813600"/>
-          </a:xfrm>
-          <a:custGeom>
-            <a:avLst/>
-            <a:gdLst/>
-            <a:ahLst/>
-            <a:rect l="l" t="t" r="r" b="b"/>
-            <a:pathLst>
-              <a:path w="21600" h="21600">
-                <a:moveTo>
-                  <a:pt x="0" y="0"/>
-                </a:moveTo>
-                <a:lnTo>
-                  <a:pt x="21600" y="21600"/>
-                </a:lnTo>
-              </a:path>
-            </a:pathLst>
-          </a:custGeom>
-          <a:noFill/>
-          <a:ln>
-            <a:solidFill>
-              <a:schemeClr val="tx1"/>
-            </a:solidFill>
-            <a:headEnd len="med" type="triangle" w="med"/>
-            <a:tailEnd len="med" type="triangle" w="med"/>
-          </a:ln>
-        </p:spPr>
-        <p:style>
-          <a:lnRef idx="1">
-            <a:schemeClr val="accent1"/>
-          </a:lnRef>
-          <a:fillRef idx="0">
-            <a:schemeClr val="accent1"/>
-          </a:fillRef>
-          <a:effectRef idx="0">
-            <a:schemeClr val="accent1"/>
-          </a:effectRef>
-          <a:fontRef idx="minor"/>
-        </p:style>
-      </p:sp>
-      <p:sp>
-        <p:nvSpPr>
-          <p:cNvPr id="245" name="CustomShape 61"/>
-          <p:cNvSpPr/>
-          <p:nvPr/>
-        </p:nvSpPr>
-        <p:spPr>
-          <a:xfrm flipV="1">
-            <a:off x="8609040" y="2040480"/>
-            <a:ext cx="153360" cy="784800"/>
-          </a:xfrm>
-          <a:custGeom>
-            <a:avLst/>
-            <a:gdLst/>
-            <a:ahLst/>
-            <a:rect l="l" t="t" r="r" b="b"/>
-            <a:pathLst>
-              <a:path w="21600" h="21600">
-                <a:moveTo>
-                  <a:pt x="0" y="0"/>
-                </a:moveTo>
-                <a:lnTo>
-                  <a:pt x="21600" y="21600"/>
-                </a:lnTo>
-              </a:path>
-            </a:pathLst>
-          </a:custGeom>
-          <a:noFill/>
-          <a:ln>
-            <a:solidFill>
-              <a:schemeClr val="tx1"/>
-            </a:solidFill>
-            <a:headEnd len="med" type="triangle" w="med"/>
-            <a:tailEnd len="med" type="triangle" w="med"/>
-          </a:ln>
-        </p:spPr>
-        <p:style>
-          <a:lnRef idx="1">
-            <a:schemeClr val="accent1"/>
-          </a:lnRef>
-          <a:fillRef idx="0">
-            <a:schemeClr val="accent1"/>
-          </a:fillRef>
-          <a:effectRef idx="0">
-            <a:schemeClr val="accent1"/>
-          </a:effectRef>
-          <a:fontRef idx="minor"/>
-        </p:style>
-      </p:sp>
-      <p:sp>
-        <p:nvSpPr>
-          <p:cNvPr id="246" name="CustomShape 62"/>
-          <p:cNvSpPr/>
-          <p:nvPr/>
-        </p:nvSpPr>
-        <p:spPr>
-          <a:xfrm flipH="1" flipV="1">
-            <a:off x="9161640" y="1896840"/>
-            <a:ext cx="190440" cy="949320"/>
-          </a:xfrm>
-          <a:custGeom>
-            <a:avLst/>
-            <a:gdLst/>
-            <a:ahLst/>
-            <a:rect l="l" t="t" r="r" b="b"/>
-            <a:pathLst>
-              <a:path w="21600" h="21600">
-                <a:moveTo>
-                  <a:pt x="0" y="0"/>
-                </a:moveTo>
-                <a:lnTo>
-                  <a:pt x="21600" y="21600"/>
-                </a:lnTo>
-              </a:path>
-            </a:pathLst>
-          </a:custGeom>
-          <a:noFill/>
-          <a:ln>
-            <a:solidFill>
-              <a:schemeClr val="tx1"/>
-            </a:solidFill>
-            <a:headEnd len="med" type="triangle" w="med"/>
-            <a:tailEnd len="med" type="triangle" w="med"/>
-          </a:ln>
-        </p:spPr>
-        <p:style>
-          <a:lnRef idx="1">
-            <a:schemeClr val="accent1"/>
-          </a:lnRef>
-          <a:fillRef idx="0">
-            <a:schemeClr val="accent1"/>
-          </a:fillRef>
-          <a:effectRef idx="0">
-            <a:schemeClr val="accent1"/>
-          </a:effectRef>
-          <a:fontRef idx="minor"/>
-        </p:style>
-      </p:sp>
-      <p:sp>
-        <p:nvSpPr>
-          <p:cNvPr id="247" name="CustomShape 63"/>
-          <p:cNvSpPr/>
-          <p:nvPr/>
-        </p:nvSpPr>
-        <p:spPr>
-          <a:xfrm>
-            <a:off x="5852520" y="89280"/>
-            <a:ext cx="3371040" cy="363960"/>
-          </a:xfrm>
-          <a:prstGeom prst="rect">
-            <a:avLst/>
-          </a:prstGeom>
-          <a:noFill/>
-          <a:ln>
-            <a:noFill/>
-          </a:ln>
-        </p:spPr>
-        <p:style>
-          <a:lnRef idx="0"/>
-          <a:fillRef idx="0"/>
-          <a:effectRef idx="0"/>
-          <a:fontRef idx="minor"/>
-        </p:style>
-        <p:txBody>
-          <a:bodyPr wrap="none" lIns="90000" rIns="90000" tIns="45000" bIns="45000">
-            <a:spAutoFit/>
-          </a:bodyPr>
-          <a:p>
-            <a:pPr>
-              <a:lnSpc>
-                <a:spcPct val="100000"/>
-              </a:lnSpc>
-            </a:pPr>
-            <a:r>
-              <a:rPr b="0" lang="pt-BR" sz="1800" spc="-1" strike="noStrike">
-                <a:solidFill>
-                  <a:srgbClr val="000000"/>
-                </a:solidFill>
-                <a:latin typeface="Arial"/>
-                <a:ea typeface="DejaVu Sans"/>
-              </a:rPr>
-              <a:t>Capacidade: Planejar produção</a:t>
-            </a:r>
-            <a:endParaRPr b="0" lang="pt-BR" sz="1800" spc="-1" strike="noStrike">
               <a:latin typeface="Arial"/>
             </a:endParaRPr>
           </a:p>

--- a/Artefatos/16-DFD Essencial para cada capacidade.pptx
+++ b/Artefatos/16-DFD Essencial para cada capacidade.pptx
@@ -69,7 +69,7 @@
         <p:spPr>
           <a:xfrm>
             <a:off x="692640" y="375480"/>
-            <a:ext cx="8690040" cy="946800"/>
+            <a:ext cx="8689680" cy="946800"/>
           </a:xfrm>
           <a:prstGeom prst="rect">
             <a:avLst/>
@@ -182,7 +182,7 @@
         <p:spPr>
           <a:xfrm>
             <a:off x="692640" y="375480"/>
-            <a:ext cx="8690040" cy="946800"/>
+            <a:ext cx="8689680" cy="946800"/>
           </a:xfrm>
           <a:prstGeom prst="rect">
             <a:avLst/>
@@ -355,7 +355,7 @@
         <p:spPr>
           <a:xfrm>
             <a:off x="692640" y="375480"/>
-            <a:ext cx="8690040" cy="946800"/>
+            <a:ext cx="8689680" cy="946800"/>
           </a:xfrm>
           <a:prstGeom prst="rect">
             <a:avLst/>
@@ -588,7 +588,7 @@
         <p:spPr>
           <a:xfrm>
             <a:off x="692640" y="375480"/>
-            <a:ext cx="8690040" cy="946800"/>
+            <a:ext cx="8689680" cy="946800"/>
           </a:xfrm>
           <a:prstGeom prst="rect">
             <a:avLst/>
@@ -672,7 +672,7 @@
         <p:spPr>
           <a:xfrm>
             <a:off x="692640" y="375480"/>
-            <a:ext cx="8690040" cy="946800"/>
+            <a:ext cx="8689680" cy="946800"/>
           </a:xfrm>
           <a:prstGeom prst="rect">
             <a:avLst/>
@@ -755,7 +755,7 @@
         <p:spPr>
           <a:xfrm>
             <a:off x="692640" y="375480"/>
-            <a:ext cx="8690040" cy="946800"/>
+            <a:ext cx="8689680" cy="946800"/>
           </a:xfrm>
           <a:prstGeom prst="rect">
             <a:avLst/>
@@ -868,7 +868,7 @@
         <p:spPr>
           <a:xfrm>
             <a:off x="692640" y="375480"/>
-            <a:ext cx="8690040" cy="946800"/>
+            <a:ext cx="8689680" cy="946800"/>
           </a:xfrm>
           <a:prstGeom prst="rect">
             <a:avLst/>
@@ -921,7 +921,7 @@
         <p:spPr>
           <a:xfrm>
             <a:off x="692640" y="375480"/>
-            <a:ext cx="8690040" cy="4390200"/>
+            <a:ext cx="8689680" cy="4390200"/>
           </a:xfrm>
           <a:prstGeom prst="rect">
             <a:avLst/>
@@ -974,7 +974,7 @@
         <p:spPr>
           <a:xfrm>
             <a:off x="692640" y="375480"/>
-            <a:ext cx="8690040" cy="946800"/>
+            <a:ext cx="8689680" cy="946800"/>
           </a:xfrm>
           <a:prstGeom prst="rect">
             <a:avLst/>
@@ -1117,7 +1117,7 @@
         <p:spPr>
           <a:xfrm>
             <a:off x="692640" y="375480"/>
-            <a:ext cx="8690040" cy="946800"/>
+            <a:ext cx="8689680" cy="946800"/>
           </a:xfrm>
           <a:prstGeom prst="rect">
             <a:avLst/>
@@ -1260,7 +1260,7 @@
         <p:spPr>
           <a:xfrm>
             <a:off x="692640" y="375480"/>
-            <a:ext cx="8690040" cy="946800"/>
+            <a:ext cx="8689680" cy="946800"/>
           </a:xfrm>
           <a:prstGeom prst="rect">
             <a:avLst/>
@@ -1410,7 +1410,7 @@
         <p:spPr>
           <a:xfrm>
             <a:off x="692640" y="375480"/>
-            <a:ext cx="8690040" cy="946800"/>
+            <a:ext cx="8689680" cy="946800"/>
           </a:xfrm>
           <a:prstGeom prst="rect">
             <a:avLst/>
@@ -1658,7 +1658,7 @@
         <p:spPr>
           <a:xfrm>
             <a:off x="471960" y="226440"/>
-            <a:ext cx="951120" cy="759240"/>
+            <a:ext cx="950760" cy="758880"/>
           </a:xfrm>
           <a:prstGeom prst="rect">
             <a:avLst/>
@@ -1732,7 +1732,7 @@
         <p:spPr>
           <a:xfrm>
             <a:off x="432000" y="1729440"/>
-            <a:ext cx="1253880" cy="1060560"/>
+            <a:ext cx="1253520" cy="1060200"/>
           </a:xfrm>
           <a:prstGeom prst="ellipse">
             <a:avLst/>
@@ -1792,7 +1792,7 @@
         <p:spPr>
           <a:xfrm>
             <a:off x="948960" y="988200"/>
-            <a:ext cx="172080" cy="738720"/>
+            <a:ext cx="171720" cy="738360"/>
           </a:xfrm>
           <a:custGeom>
             <a:avLst/>
@@ -1840,7 +1840,7 @@
         <p:spPr>
           <a:xfrm>
             <a:off x="-67680" y="1195920"/>
-            <a:ext cx="1361880" cy="394200"/>
+            <a:ext cx="1361520" cy="394200"/>
           </a:xfrm>
           <a:prstGeom prst="rect">
             <a:avLst/>
@@ -1924,7 +1924,7 @@
         <p:spPr>
           <a:xfrm>
             <a:off x="1123200" y="2792520"/>
-            <a:ext cx="360" cy="660960"/>
+            <a:ext cx="360" cy="660600"/>
           </a:xfrm>
           <a:custGeom>
             <a:avLst/>
@@ -1972,7 +1972,7 @@
         <p:spPr>
           <a:xfrm>
             <a:off x="324360" y="3565080"/>
-            <a:ext cx="1671480" cy="454680"/>
+            <a:ext cx="1671120" cy="454680"/>
           </a:xfrm>
           <a:prstGeom prst="rect">
             <a:avLst/>
@@ -2043,7 +2043,7 @@
         <p:spPr>
           <a:xfrm>
             <a:off x="6912000" y="85680"/>
-            <a:ext cx="2806200" cy="638280"/>
+            <a:ext cx="2805840" cy="638280"/>
           </a:xfrm>
           <a:prstGeom prst="rect">
             <a:avLst/>
@@ -2127,7 +2127,7 @@
         <p:spPr>
           <a:xfrm>
             <a:off x="2448000" y="1656000"/>
-            <a:ext cx="1222200" cy="1078200"/>
+            <a:ext cx="1221840" cy="1077840"/>
           </a:xfrm>
           <a:prstGeom prst="ellipse">
             <a:avLst/>
@@ -2187,7 +2187,7 @@
         <p:spPr>
           <a:xfrm flipH="1">
             <a:off x="1588320" y="2592000"/>
-            <a:ext cx="1143720" cy="846000"/>
+            <a:ext cx="1143360" cy="845640"/>
           </a:xfrm>
           <a:custGeom>
             <a:avLst/>
@@ -2236,7 +2236,7 @@
         <p:spPr>
           <a:xfrm>
             <a:off x="2088000" y="1056960"/>
-            <a:ext cx="840600" cy="454680"/>
+            <a:ext cx="840240" cy="454680"/>
           </a:xfrm>
           <a:prstGeom prst="rect">
             <a:avLst/>
@@ -2287,7 +2287,7 @@
         <p:spPr>
           <a:xfrm>
             <a:off x="2808000" y="360000"/>
-            <a:ext cx="840600" cy="790200"/>
+            <a:ext cx="840240" cy="789840"/>
           </a:xfrm>
           <a:prstGeom prst="rect">
             <a:avLst/>
@@ -2361,7 +2361,7 @@
         <p:spPr>
           <a:xfrm flipV="1">
             <a:off x="3108960" y="1149840"/>
-            <a:ext cx="129240" cy="502200"/>
+            <a:ext cx="128880" cy="501840"/>
           </a:xfrm>
           <a:custGeom>
             <a:avLst/>
@@ -2475,7 +2475,7 @@
         <p:spPr>
           <a:xfrm>
             <a:off x="2160000" y="3576960"/>
-            <a:ext cx="1671480" cy="272160"/>
+            <a:ext cx="1671120" cy="272160"/>
           </a:xfrm>
           <a:prstGeom prst="rect">
             <a:avLst/>
@@ -2525,8 +2525,8 @@
         </p:nvSpPr>
         <p:spPr>
           <a:xfrm flipH="1" flipV="1">
-            <a:off x="3019680" y="2733840"/>
-            <a:ext cx="360" cy="790200"/>
+            <a:off x="3018960" y="2733840"/>
+            <a:ext cx="360" cy="789840"/>
           </a:xfrm>
           <a:custGeom>
             <a:avLst/>
@@ -2641,7 +2641,7 @@
         <p:spPr>
           <a:xfrm>
             <a:off x="3833280" y="3600000"/>
-            <a:ext cx="1274040" cy="394200"/>
+            <a:ext cx="1273680" cy="394200"/>
           </a:xfrm>
           <a:prstGeom prst="rect">
             <a:avLst/>
@@ -2692,7 +2692,7 @@
         <p:spPr>
           <a:xfrm flipH="1" flipV="1">
             <a:off x="3525840" y="2517840"/>
-            <a:ext cx="934200" cy="934200"/>
+            <a:ext cx="933840" cy="933840"/>
           </a:xfrm>
           <a:custGeom>
             <a:avLst/>
@@ -2741,7 +2741,7 @@
         <p:spPr>
           <a:xfrm>
             <a:off x="5112000" y="1800000"/>
-            <a:ext cx="1128240" cy="1078200"/>
+            <a:ext cx="1127880" cy="1077840"/>
           </a:xfrm>
           <a:prstGeom prst="ellipse">
             <a:avLst/>
@@ -2800,8 +2800,8 @@
         </p:nvSpPr>
         <p:spPr>
           <a:xfrm flipV="1">
-            <a:off x="4536000" y="2659680"/>
-            <a:ext cx="718200" cy="862200"/>
+            <a:off x="4536000" y="2659320"/>
+            <a:ext cx="717840" cy="861840"/>
           </a:xfrm>
           <a:custGeom>
             <a:avLst/>
@@ -2949,7 +2949,7 @@
         <p:spPr>
           <a:xfrm>
             <a:off x="5184000" y="3600000"/>
-            <a:ext cx="1274040" cy="394200"/>
+            <a:ext cx="1273680" cy="394200"/>
           </a:xfrm>
           <a:prstGeom prst="rect">
             <a:avLst/>
@@ -2999,8 +2999,8 @@
         </p:nvSpPr>
         <p:spPr>
           <a:xfrm flipH="1" flipV="1">
-            <a:off x="5758200" y="2877840"/>
-            <a:ext cx="92160" cy="574200"/>
+            <a:off x="5757480" y="2877840"/>
+            <a:ext cx="91800" cy="573840"/>
           </a:xfrm>
           <a:custGeom>
             <a:avLst/>
@@ -3049,7 +3049,7 @@
         <p:spPr>
           <a:xfrm>
             <a:off x="5277960" y="432000"/>
-            <a:ext cx="840600" cy="790200"/>
+            <a:ext cx="840240" cy="789840"/>
           </a:xfrm>
           <a:prstGeom prst="rect">
             <a:avLst/>
@@ -3123,7 +3123,7 @@
         <p:spPr>
           <a:xfrm flipV="1">
             <a:off x="5687640" y="1222560"/>
-            <a:ext cx="360" cy="574200"/>
+            <a:ext cx="360" cy="573840"/>
           </a:xfrm>
           <a:custGeom>
             <a:avLst/>
@@ -3171,7 +3171,7 @@
         <p:spPr>
           <a:xfrm>
             <a:off x="4824000" y="1322280"/>
-            <a:ext cx="840600" cy="333000"/>
+            <a:ext cx="840240" cy="333000"/>
           </a:xfrm>
           <a:prstGeom prst="rect">
             <a:avLst/>
@@ -3252,7 +3252,7 @@
         <p:spPr>
           <a:xfrm>
             <a:off x="6912000" y="85680"/>
-            <a:ext cx="2806200" cy="638280"/>
+            <a:ext cx="2805840" cy="638280"/>
           </a:xfrm>
           <a:prstGeom prst="rect">
             <a:avLst/>
@@ -3303,7 +3303,7 @@
         <p:spPr>
           <a:xfrm>
             <a:off x="471960" y="236520"/>
-            <a:ext cx="951120" cy="759240"/>
+            <a:ext cx="950760" cy="758880"/>
           </a:xfrm>
           <a:prstGeom prst="rect">
             <a:avLst/>
@@ -3377,7 +3377,7 @@
         <p:spPr>
           <a:xfrm>
             <a:off x="956520" y="997560"/>
-            <a:ext cx="172080" cy="738720"/>
+            <a:ext cx="171720" cy="738360"/>
           </a:xfrm>
           <a:custGeom>
             <a:avLst/>
@@ -3425,7 +3425,7 @@
         <p:spPr>
           <a:xfrm>
             <a:off x="76320" y="1109880"/>
-            <a:ext cx="785880" cy="394200"/>
+            <a:ext cx="785520" cy="394200"/>
           </a:xfrm>
           <a:prstGeom prst="rect">
             <a:avLst/>
@@ -3476,7 +3476,7 @@
         <p:spPr>
           <a:xfrm>
             <a:off x="576000" y="1745640"/>
-            <a:ext cx="1128240" cy="1060560"/>
+            <a:ext cx="1127880" cy="1060200"/>
           </a:xfrm>
           <a:prstGeom prst="ellipse">
             <a:avLst/>
@@ -3569,7 +3569,7 @@
         <p:spPr>
           <a:xfrm>
             <a:off x="324360" y="3565080"/>
-            <a:ext cx="1671480" cy="272160"/>
+            <a:ext cx="1671120" cy="272160"/>
           </a:xfrm>
           <a:prstGeom prst="rect">
             <a:avLst/>
@@ -3653,7 +3653,7 @@
         <p:spPr>
           <a:xfrm>
             <a:off x="1123560" y="2880000"/>
-            <a:ext cx="360" cy="573120"/>
+            <a:ext cx="360" cy="572760"/>
           </a:xfrm>
           <a:custGeom>
             <a:avLst/>
@@ -3701,7 +3701,7 @@
         <p:spPr>
           <a:xfrm>
             <a:off x="2088000" y="1800000"/>
-            <a:ext cx="1128240" cy="1060560"/>
+            <a:ext cx="1127880" cy="1060200"/>
           </a:xfrm>
           <a:prstGeom prst="ellipse">
             <a:avLst/>
@@ -3761,7 +3761,7 @@
         <p:spPr>
           <a:xfrm flipH="1">
             <a:off x="1588320" y="2808000"/>
-            <a:ext cx="711720" cy="630000"/>
+            <a:ext cx="711360" cy="629640"/>
           </a:xfrm>
           <a:custGeom>
             <a:avLst/>
@@ -3876,7 +3876,7 @@
         <p:spPr>
           <a:xfrm>
             <a:off x="1872000" y="3565080"/>
-            <a:ext cx="1671480" cy="271080"/>
+            <a:ext cx="1671120" cy="270720"/>
           </a:xfrm>
           <a:prstGeom prst="rect">
             <a:avLst/>
@@ -3902,7 +3902,7 @@
         <p:spPr>
           <a:xfrm>
             <a:off x="1926720" y="3565080"/>
-            <a:ext cx="1671480" cy="271080"/>
+            <a:ext cx="1671120" cy="270720"/>
           </a:xfrm>
           <a:prstGeom prst="rect">
             <a:avLst/>
@@ -3928,7 +3928,7 @@
         <p:spPr>
           <a:xfrm>
             <a:off x="2079720" y="3528360"/>
-            <a:ext cx="1230480" cy="454680"/>
+            <a:ext cx="1230120" cy="454680"/>
           </a:xfrm>
           <a:prstGeom prst="rect">
             <a:avLst/>
@@ -3979,7 +3979,7 @@
         <p:spPr>
           <a:xfrm flipH="1">
             <a:off x="2524320" y="2862360"/>
-            <a:ext cx="135720" cy="575640"/>
+            <a:ext cx="135360" cy="575280"/>
           </a:xfrm>
           <a:custGeom>
             <a:avLst/>
@@ -4028,7 +4028,7 @@
         <p:spPr>
           <a:xfrm>
             <a:off x="3693960" y="1872000"/>
-            <a:ext cx="1128240" cy="1060560"/>
+            <a:ext cx="1127880" cy="1060200"/>
           </a:xfrm>
           <a:prstGeom prst="ellipse">
             <a:avLst/>
@@ -4088,7 +4088,7 @@
         <p:spPr>
           <a:xfrm>
             <a:off x="5040000" y="1819080"/>
-            <a:ext cx="1128240" cy="1060560"/>
+            <a:ext cx="1127880" cy="1060200"/>
           </a:xfrm>
           <a:prstGeom prst="ellipse">
             <a:avLst/>
@@ -4280,7 +4280,7 @@
         <p:spPr>
           <a:xfrm>
             <a:off x="5823720" y="3672360"/>
-            <a:ext cx="1230480" cy="454680"/>
+            <a:ext cx="1230120" cy="454680"/>
           </a:xfrm>
           <a:prstGeom prst="rect">
             <a:avLst/>
@@ -4331,7 +4331,7 @@
         <p:spPr>
           <a:xfrm>
             <a:off x="6359400" y="1512000"/>
-            <a:ext cx="1416240" cy="1222200"/>
+            <a:ext cx="1415880" cy="1221840"/>
           </a:xfrm>
           <a:prstGeom prst="ellipse">
             <a:avLst/>
@@ -4391,7 +4391,7 @@
         <p:spPr>
           <a:xfrm flipH="1">
             <a:off x="6549840" y="2736000"/>
-            <a:ext cx="289080" cy="790200"/>
+            <a:ext cx="288720" cy="789840"/>
           </a:xfrm>
           <a:custGeom>
             <a:avLst/>
@@ -4506,7 +4506,7 @@
         <p:spPr>
           <a:xfrm>
             <a:off x="7632000" y="3600000"/>
-            <a:ext cx="1294200" cy="454680"/>
+            <a:ext cx="1293840" cy="454680"/>
           </a:xfrm>
           <a:prstGeom prst="rect">
             <a:avLst/>
@@ -4557,7 +4557,7 @@
         <p:spPr>
           <a:xfrm>
             <a:off x="7560000" y="2664000"/>
-            <a:ext cx="1006200" cy="934200"/>
+            <a:ext cx="1005840" cy="933840"/>
           </a:xfrm>
           <a:custGeom>
             <a:avLst/>
@@ -4639,7 +4639,7 @@
         <p:spPr>
           <a:xfrm>
             <a:off x="3796200" y="3567600"/>
-            <a:ext cx="1230480" cy="454680"/>
+            <a:ext cx="1230120" cy="454680"/>
           </a:xfrm>
           <a:prstGeom prst="rect">
             <a:avLst/>
@@ -4723,7 +4723,7 @@
         <p:spPr>
           <a:xfrm flipH="1">
             <a:off x="4245840" y="2934360"/>
-            <a:ext cx="135720" cy="575640"/>
+            <a:ext cx="135360" cy="575280"/>
           </a:xfrm>
           <a:custGeom>
             <a:avLst/>
@@ -4772,7 +4772,7 @@
         <p:spPr>
           <a:xfrm flipH="1">
             <a:off x="4965840" y="2808000"/>
-            <a:ext cx="361080" cy="719640"/>
+            <a:ext cx="360720" cy="719280"/>
           </a:xfrm>
           <a:custGeom>
             <a:avLst/>
@@ -4821,7 +4821,7 @@
         <p:spPr>
           <a:xfrm>
             <a:off x="5759640" y="2880000"/>
-            <a:ext cx="213120" cy="720000"/>
+            <a:ext cx="212760" cy="719640"/>
           </a:xfrm>
           <a:custGeom>
             <a:avLst/>
@@ -4869,8 +4869,8 @@
         </p:nvSpPr>
         <p:spPr>
           <a:xfrm flipH="1">
-            <a:off x="3078720" y="2808000"/>
-            <a:ext cx="733680" cy="630000"/>
+            <a:off x="3078000" y="2808000"/>
+            <a:ext cx="733320" cy="629640"/>
           </a:xfrm>
           <a:custGeom>
             <a:avLst/>
@@ -4919,7 +4919,7 @@
         <p:spPr>
           <a:xfrm>
             <a:off x="6358680" y="1512360"/>
-            <a:ext cx="1416240" cy="1222200"/>
+            <a:ext cx="1415880" cy="1221840"/>
           </a:xfrm>
           <a:prstGeom prst="ellipse">
             <a:avLst/>
@@ -4979,7 +4979,7 @@
         <p:spPr>
           <a:xfrm>
             <a:off x="471960" y="246600"/>
-            <a:ext cx="951120" cy="759240"/>
+            <a:ext cx="950760" cy="758880"/>
           </a:xfrm>
           <a:prstGeom prst="rect">
             <a:avLst/>
@@ -5053,7 +5053,7 @@
         <p:spPr>
           <a:xfrm>
             <a:off x="5688000" y="288000"/>
-            <a:ext cx="951120" cy="759240"/>
+            <a:ext cx="950760" cy="758880"/>
           </a:xfrm>
           <a:prstGeom prst="rect">
             <a:avLst/>
@@ -5127,7 +5127,7 @@
         <p:spPr>
           <a:xfrm flipH="1" flipV="1">
             <a:off x="6263280" y="1079280"/>
-            <a:ext cx="431640" cy="503640"/>
+            <a:ext cx="431280" cy="503280"/>
           </a:xfrm>
           <a:custGeom>
             <a:avLst/>
@@ -5175,7 +5175,7 @@
         <p:spPr>
           <a:xfrm>
             <a:off x="5328000" y="1224000"/>
-            <a:ext cx="1031040" cy="454680"/>
+            <a:ext cx="1030680" cy="454680"/>
           </a:xfrm>
           <a:prstGeom prst="rect">
             <a:avLst/>
@@ -5203,7 +5203,11 @@
             </a:pPr>
             <a:r>
               <a:rPr b="0" lang="pt-BR" sz="1200" spc="-1" strike="noStrike">
+                <a:solidFill>
+                  <a:srgbClr val="000000"/>
+                </a:solidFill>
                 <a:latin typeface="Arial"/>
+                <a:ea typeface="DejaVu Sans"/>
               </a:rPr>
               <a:t>Sub componente</a:t>
             </a:r>
@@ -5252,7 +5256,7 @@
         <p:spPr>
           <a:xfrm>
             <a:off x="6912000" y="85680"/>
-            <a:ext cx="2806200" cy="638280"/>
+            <a:ext cx="2805840" cy="638280"/>
           </a:xfrm>
           <a:prstGeom prst="rect">
             <a:avLst/>
@@ -5303,7 +5307,7 @@
         <p:spPr>
           <a:xfrm>
             <a:off x="471960" y="246600"/>
-            <a:ext cx="951120" cy="759240"/>
+            <a:ext cx="950760" cy="758880"/>
           </a:xfrm>
           <a:prstGeom prst="rect">
             <a:avLst/>
@@ -5377,7 +5381,7 @@
         <p:spPr>
           <a:xfrm>
             <a:off x="432000" y="1584000"/>
-            <a:ext cx="1366200" cy="934200"/>
+            <a:ext cx="1365840" cy="933840"/>
           </a:xfrm>
           <a:prstGeom prst="ellipse">
             <a:avLst/>
@@ -5437,7 +5441,7 @@
         <p:spPr>
           <a:xfrm>
             <a:off x="964080" y="997200"/>
-            <a:ext cx="114120" cy="585000"/>
+            <a:ext cx="113760" cy="584640"/>
           </a:xfrm>
           <a:custGeom>
             <a:avLst/>
@@ -5485,7 +5489,7 @@
         <p:spPr>
           <a:xfrm>
             <a:off x="1156320" y="1126080"/>
-            <a:ext cx="1217880" cy="241920"/>
+            <a:ext cx="1217520" cy="241920"/>
           </a:xfrm>
           <a:prstGeom prst="rect">
             <a:avLst/>
@@ -5612,7 +5616,7 @@
         <p:spPr>
           <a:xfrm>
             <a:off x="576000" y="2952000"/>
-            <a:ext cx="1294200" cy="454680"/>
+            <a:ext cx="1293840" cy="454680"/>
           </a:xfrm>
           <a:prstGeom prst="rect">
             <a:avLst/>
@@ -5663,7 +5667,7 @@
         <p:spPr>
           <a:xfrm>
             <a:off x="1123920" y="2520000"/>
-            <a:ext cx="26280" cy="430200"/>
+            <a:ext cx="25920" cy="429840"/>
           </a:xfrm>
           <a:custGeom>
             <a:avLst/>
@@ -5711,7 +5715,7 @@
         <p:spPr>
           <a:xfrm>
             <a:off x="2253960" y="1440000"/>
-            <a:ext cx="1128240" cy="1060560"/>
+            <a:ext cx="1127880" cy="1060200"/>
           </a:xfrm>
           <a:prstGeom prst="ellipse">
             <a:avLst/>
@@ -5771,7 +5775,7 @@
         <p:spPr>
           <a:xfrm flipH="1">
             <a:off x="1581840" y="2304000"/>
-            <a:ext cx="790200" cy="646200"/>
+            <a:ext cx="789840" cy="645840"/>
           </a:xfrm>
           <a:custGeom>
             <a:avLst/>
@@ -5820,7 +5824,7 @@
         <p:spPr>
           <a:xfrm>
             <a:off x="2232000" y="2952000"/>
-            <a:ext cx="1294200" cy="454680"/>
+            <a:ext cx="1293840" cy="454680"/>
           </a:xfrm>
           <a:prstGeom prst="rect">
             <a:avLst/>
@@ -5937,7 +5941,7 @@
         <p:spPr>
           <a:xfrm>
             <a:off x="2923920" y="2502360"/>
-            <a:ext cx="26280" cy="430200"/>
+            <a:ext cx="25920" cy="429840"/>
           </a:xfrm>
           <a:custGeom>
             <a:avLst/>
@@ -5985,7 +5989,7 @@
         <p:spPr>
           <a:xfrm>
             <a:off x="2448000" y="246960"/>
-            <a:ext cx="951120" cy="759240"/>
+            <a:ext cx="950760" cy="758880"/>
           </a:xfrm>
           <a:prstGeom prst="rect">
             <a:avLst/>
@@ -6059,7 +6063,7 @@
         <p:spPr>
           <a:xfrm flipV="1">
             <a:off x="2808000" y="1005840"/>
-            <a:ext cx="129240" cy="430920"/>
+            <a:ext cx="128880" cy="430560"/>
           </a:xfrm>
           <a:custGeom>
             <a:avLst/>
@@ -6107,7 +6111,7 @@
         <p:spPr>
           <a:xfrm>
             <a:off x="3096000" y="1080000"/>
-            <a:ext cx="840600" cy="453240"/>
+            <a:ext cx="840240" cy="452880"/>
           </a:xfrm>
           <a:prstGeom prst="rect">
             <a:avLst/>
@@ -6133,7 +6137,7 @@
         <p:spPr>
           <a:xfrm>
             <a:off x="3096000" y="1080000"/>
-            <a:ext cx="2014200" cy="249480"/>
+            <a:ext cx="2013840" cy="249480"/>
           </a:xfrm>
           <a:prstGeom prst="rect">
             <a:avLst/>
@@ -6214,7 +6218,7 @@
         <p:spPr>
           <a:xfrm>
             <a:off x="6912000" y="85680"/>
-            <a:ext cx="2806200" cy="638280"/>
+            <a:ext cx="2805840" cy="638280"/>
           </a:xfrm>
           <a:prstGeom prst="rect">
             <a:avLst/>
@@ -6265,7 +6269,7 @@
         <p:spPr>
           <a:xfrm>
             <a:off x="3096000" y="1080000"/>
-            <a:ext cx="840600" cy="453240"/>
+            <a:ext cx="840240" cy="452880"/>
           </a:xfrm>
           <a:prstGeom prst="rect">
             <a:avLst/>
@@ -6291,7 +6295,7 @@
         <p:spPr>
           <a:xfrm>
             <a:off x="504360" y="1512000"/>
-            <a:ext cx="1725840" cy="1509840"/>
+            <a:ext cx="1725480" cy="1509480"/>
           </a:xfrm>
           <a:prstGeom prst="ellipse">
             <a:avLst/>
@@ -6351,7 +6355,7 @@
         <p:spPr>
           <a:xfrm>
             <a:off x="720000" y="3816000"/>
-            <a:ext cx="1294200" cy="454680"/>
+            <a:ext cx="1293840" cy="454680"/>
           </a:xfrm>
           <a:prstGeom prst="rect">
             <a:avLst/>
@@ -6385,7 +6389,7 @@
                 <a:latin typeface="Arial"/>
                 <a:ea typeface="DejaVu Sans"/>
               </a:rPr>
-              <a:t>Subcomponentes prontos</a:t>
+              <a:t>Subcomponentes testados</a:t>
             </a:r>
             <a:endParaRPr b="0" lang="pt-BR" sz="1200" spc="-1" strike="noStrike">
               <a:latin typeface="Arial"/>
@@ -6467,8 +6471,8 @@
         </p:nvSpPr>
         <p:spPr>
           <a:xfrm rot="21552600">
-            <a:off x="1366200" y="3021840"/>
-            <a:ext cx="6120" cy="718560"/>
+            <a:off x="1365840" y="3021480"/>
+            <a:ext cx="5760" cy="718200"/>
           </a:xfrm>
           <a:custGeom>
             <a:avLst/>
@@ -6516,7 +6520,7 @@
         <p:spPr>
           <a:xfrm>
             <a:off x="2469960" y="1656000"/>
-            <a:ext cx="2064240" cy="1438200"/>
+            <a:ext cx="2063880" cy="1437840"/>
           </a:xfrm>
           <a:prstGeom prst="ellipse">
             <a:avLst/>
@@ -6642,7 +6646,7 @@
         <p:spPr>
           <a:xfrm flipH="1">
             <a:off x="1797840" y="2880000"/>
-            <a:ext cx="934200" cy="790200"/>
+            <a:ext cx="933840" cy="789840"/>
           </a:xfrm>
           <a:custGeom>
             <a:avLst/>
@@ -6691,7 +6695,7 @@
         <p:spPr>
           <a:xfrm>
             <a:off x="3456000" y="3096000"/>
-            <a:ext cx="360" cy="646200"/>
+            <a:ext cx="360" cy="645840"/>
           </a:xfrm>
           <a:custGeom>
             <a:avLst/>
@@ -6739,7 +6743,7 @@
         <p:spPr>
           <a:xfrm flipH="1">
             <a:off x="3964320" y="2952000"/>
-            <a:ext cx="999720" cy="719640"/>
+            <a:ext cx="999360" cy="719280"/>
           </a:xfrm>
           <a:custGeom>
             <a:avLst/>
@@ -6788,7 +6792,7 @@
         <p:spPr>
           <a:xfrm>
             <a:off x="2520000" y="3744000"/>
-            <a:ext cx="1798200" cy="454680"/>
+            <a:ext cx="1797840" cy="454680"/>
           </a:xfrm>
           <a:prstGeom prst="rect">
             <a:avLst/>
@@ -6839,7 +6843,7 @@
         <p:spPr>
           <a:xfrm>
             <a:off x="4680360" y="1656360"/>
-            <a:ext cx="1725840" cy="1509840"/>
+            <a:ext cx="1725480" cy="1509480"/>
           </a:xfrm>
           <a:prstGeom prst="ellipse">
             <a:avLst/>
@@ -6965,7 +6969,7 @@
         <p:spPr>
           <a:xfrm>
             <a:off x="4752000" y="3816000"/>
-            <a:ext cx="1582200" cy="454680"/>
+            <a:ext cx="1581840" cy="454680"/>
           </a:xfrm>
           <a:prstGeom prst="rect">
             <a:avLst/>
@@ -7015,8 +7019,8 @@
         </p:nvSpPr>
         <p:spPr>
           <a:xfrm rot="21552600">
-            <a:off x="5542200" y="3166200"/>
-            <a:ext cx="6120" cy="502200"/>
+            <a:off x="5541840" y="3165840"/>
+            <a:ext cx="5760" cy="501840"/>
           </a:xfrm>
           <a:custGeom>
             <a:avLst/>
@@ -7064,7 +7068,7 @@
         <p:spPr>
           <a:xfrm>
             <a:off x="6912000" y="2232000"/>
-            <a:ext cx="1725840" cy="1509840"/>
+            <a:ext cx="1725480" cy="1509480"/>
           </a:xfrm>
           <a:prstGeom prst="ellipse">
             <a:avLst/>
@@ -7124,7 +7128,7 @@
         <p:spPr>
           <a:xfrm>
             <a:off x="7344000" y="864000"/>
-            <a:ext cx="951120" cy="759240"/>
+            <a:ext cx="950760" cy="758880"/>
           </a:xfrm>
           <a:prstGeom prst="rect">
             <a:avLst/>
@@ -7198,7 +7202,7 @@
         <p:spPr>
           <a:xfrm flipH="1">
             <a:off x="5908320" y="2952000"/>
-            <a:ext cx="999720" cy="719640"/>
+            <a:ext cx="999360" cy="719280"/>
           </a:xfrm>
           <a:custGeom>
             <a:avLst/>
@@ -7247,7 +7251,7 @@
         <p:spPr>
           <a:xfrm flipV="1">
             <a:off x="7788960" y="1622880"/>
-            <a:ext cx="129240" cy="605160"/>
+            <a:ext cx="128880" cy="604800"/>
           </a:xfrm>
           <a:custGeom>
             <a:avLst/>
@@ -7295,7 +7299,7 @@
         <p:spPr>
           <a:xfrm>
             <a:off x="6984000" y="1754280"/>
-            <a:ext cx="840600" cy="333000"/>
+            <a:ext cx="840240" cy="333000"/>
           </a:xfrm>
           <a:prstGeom prst="rect">
             <a:avLst/>
@@ -7376,7 +7380,7 @@
         <p:spPr>
           <a:xfrm>
             <a:off x="6912000" y="85680"/>
-            <a:ext cx="2806200" cy="638280"/>
+            <a:ext cx="2805840" cy="638280"/>
           </a:xfrm>
           <a:prstGeom prst="rect">
             <a:avLst/>
@@ -7427,7 +7431,7 @@
         <p:spPr>
           <a:xfrm>
             <a:off x="471960" y="246600"/>
-            <a:ext cx="951120" cy="759240"/>
+            <a:ext cx="950760" cy="758880"/>
           </a:xfrm>
           <a:prstGeom prst="rect">
             <a:avLst/>
@@ -7501,7 +7505,7 @@
         <p:spPr>
           <a:xfrm>
             <a:off x="964080" y="997200"/>
-            <a:ext cx="114120" cy="585000"/>
+            <a:ext cx="113760" cy="584640"/>
           </a:xfrm>
           <a:custGeom>
             <a:avLst/>
@@ -7549,7 +7553,7 @@
         <p:spPr>
           <a:xfrm>
             <a:off x="2448000" y="246960"/>
-            <a:ext cx="951120" cy="759240"/>
+            <a:ext cx="950760" cy="758880"/>
           </a:xfrm>
           <a:prstGeom prst="rect">
             <a:avLst/>
@@ -7623,7 +7627,7 @@
         <p:spPr>
           <a:xfrm flipV="1">
             <a:off x="2808000" y="1005840"/>
-            <a:ext cx="129240" cy="574200"/>
+            <a:ext cx="128880" cy="573840"/>
           </a:xfrm>
           <a:custGeom>
             <a:avLst/>
@@ -7671,7 +7675,7 @@
         <p:spPr>
           <a:xfrm>
             <a:off x="3096000" y="1080000"/>
-            <a:ext cx="840600" cy="453240"/>
+            <a:ext cx="840240" cy="452880"/>
           </a:xfrm>
           <a:prstGeom prst="rect">
             <a:avLst/>
@@ -7697,7 +7701,7 @@
         <p:spPr>
           <a:xfrm>
             <a:off x="144000" y="1080000"/>
-            <a:ext cx="840600" cy="333000"/>
+            <a:ext cx="840240" cy="333000"/>
           </a:xfrm>
           <a:prstGeom prst="rect">
             <a:avLst/>
@@ -7748,7 +7752,7 @@
         <p:spPr>
           <a:xfrm>
             <a:off x="576360" y="1584000"/>
-            <a:ext cx="1149840" cy="1149840"/>
+            <a:ext cx="1149480" cy="1149480"/>
           </a:xfrm>
           <a:prstGeom prst="ellipse">
             <a:avLst/>
@@ -7808,7 +7812,7 @@
         <p:spPr>
           <a:xfrm>
             <a:off x="648000" y="3240000"/>
-            <a:ext cx="1294200" cy="272160"/>
+            <a:ext cx="1293840" cy="272160"/>
           </a:xfrm>
           <a:prstGeom prst="rect">
             <a:avLst/>
@@ -7925,7 +7929,7 @@
         <p:spPr>
           <a:xfrm>
             <a:off x="1224000" y="2735640"/>
-            <a:ext cx="114120" cy="502560"/>
+            <a:ext cx="113760" cy="502200"/>
           </a:xfrm>
           <a:custGeom>
             <a:avLst/>
@@ -7973,7 +7977,7 @@
         <p:spPr>
           <a:xfrm>
             <a:off x="2088360" y="1584000"/>
-            <a:ext cx="1293840" cy="1222200"/>
+            <a:ext cx="1293480" cy="1221840"/>
           </a:xfrm>
           <a:prstGeom prst="ellipse">
             <a:avLst/>
@@ -8033,7 +8037,7 @@
         <p:spPr>
           <a:xfrm flipH="1">
             <a:off x="1797840" y="2664000"/>
-            <a:ext cx="567720" cy="574200"/>
+            <a:ext cx="567360" cy="573840"/>
           </a:xfrm>
           <a:custGeom>
             <a:avLst/>
@@ -8082,7 +8086,7 @@
         <p:spPr>
           <a:xfrm>
             <a:off x="1872000" y="1107000"/>
-            <a:ext cx="840600" cy="333000"/>
+            <a:ext cx="840240" cy="333000"/>
           </a:xfrm>
           <a:prstGeom prst="rect">
             <a:avLst/>
@@ -8163,7 +8167,7 @@
         <p:spPr>
           <a:xfrm>
             <a:off x="6912000" y="85680"/>
-            <a:ext cx="2806200" cy="912600"/>
+            <a:ext cx="2805840" cy="912600"/>
           </a:xfrm>
           <a:prstGeom prst="rect">
             <a:avLst/>
@@ -8224,7 +8228,7 @@
         <p:spPr>
           <a:xfrm>
             <a:off x="471960" y="246600"/>
-            <a:ext cx="951120" cy="759240"/>
+            <a:ext cx="950760" cy="758880"/>
           </a:xfrm>
           <a:prstGeom prst="rect">
             <a:avLst/>
@@ -8298,7 +8302,7 @@
         <p:spPr>
           <a:xfrm>
             <a:off x="964080" y="997200"/>
-            <a:ext cx="114120" cy="585000"/>
+            <a:ext cx="113760" cy="584640"/>
           </a:xfrm>
           <a:custGeom>
             <a:avLst/>
@@ -8346,7 +8350,7 @@
         <p:spPr>
           <a:xfrm>
             <a:off x="2448000" y="246960"/>
-            <a:ext cx="951120" cy="759240"/>
+            <a:ext cx="950760" cy="758880"/>
           </a:xfrm>
           <a:prstGeom prst="rect">
             <a:avLst/>
@@ -8420,7 +8424,7 @@
         <p:spPr>
           <a:xfrm flipV="1">
             <a:off x="2808000" y="1005840"/>
-            <a:ext cx="129240" cy="574200"/>
+            <a:ext cx="128880" cy="573840"/>
           </a:xfrm>
           <a:custGeom>
             <a:avLst/>
@@ -8468,7 +8472,7 @@
         <p:spPr>
           <a:xfrm>
             <a:off x="3096000" y="1080000"/>
-            <a:ext cx="840600" cy="453240"/>
+            <a:ext cx="840240" cy="452880"/>
           </a:xfrm>
           <a:prstGeom prst="rect">
             <a:avLst/>
@@ -8494,7 +8498,7 @@
         <p:spPr>
           <a:xfrm>
             <a:off x="144000" y="1080000"/>
-            <a:ext cx="840600" cy="257040"/>
+            <a:ext cx="840240" cy="257040"/>
           </a:xfrm>
           <a:prstGeom prst="rect">
             <a:avLst/>
@@ -8545,7 +8549,7 @@
         <p:spPr>
           <a:xfrm>
             <a:off x="288000" y="1585080"/>
-            <a:ext cx="1582920" cy="1149840"/>
+            <a:ext cx="1582560" cy="1149480"/>
           </a:xfrm>
           <a:prstGeom prst="ellipse">
             <a:avLst/>
@@ -8605,7 +8609,7 @@
         <p:spPr>
           <a:xfrm>
             <a:off x="648000" y="3240000"/>
-            <a:ext cx="1294200" cy="454680"/>
+            <a:ext cx="1293840" cy="454680"/>
           </a:xfrm>
           <a:prstGeom prst="rect">
             <a:avLst/>
@@ -8722,7 +8726,7 @@
         <p:spPr>
           <a:xfrm>
             <a:off x="1224000" y="2735640"/>
-            <a:ext cx="114120" cy="502560"/>
+            <a:ext cx="113760" cy="502200"/>
           </a:xfrm>
           <a:custGeom>
             <a:avLst/>
@@ -8770,7 +8774,7 @@
         <p:spPr>
           <a:xfrm>
             <a:off x="2088360" y="1584000"/>
-            <a:ext cx="1293840" cy="1222200"/>
+            <a:ext cx="1293480" cy="1221840"/>
           </a:xfrm>
           <a:prstGeom prst="ellipse">
             <a:avLst/>
@@ -8830,7 +8834,7 @@
         <p:spPr>
           <a:xfrm flipH="1">
             <a:off x="1797840" y="2664000"/>
-            <a:ext cx="567720" cy="574200"/>
+            <a:ext cx="567360" cy="573840"/>
           </a:xfrm>
           <a:custGeom>
             <a:avLst/>
@@ -8879,7 +8883,7 @@
         <p:spPr>
           <a:xfrm>
             <a:off x="1872000" y="1107000"/>
-            <a:ext cx="840600" cy="257040"/>
+            <a:ext cx="840240" cy="257040"/>
           </a:xfrm>
           <a:prstGeom prst="rect">
             <a:avLst/>

--- a/Artefatos/16-DFD Essencial para cada capacidade.pptx
+++ b/Artefatos/16-DFD Essencial para cada capacidade.pptx
@@ -1,119 +1,24 @@
 
 <file path=ppt/presentation.xml><?xml version="1.0" encoding="utf-8"?>
-<p:presentation xmlns:a="http://schemas.openxmlformats.org/drawingml/2006/main" xmlns:r="http://schemas.openxmlformats.org/officeDocument/2006/relationships" xmlns:p="http://schemas.openxmlformats.org/presentationml/2006/main">
+<p:presentation xmlns:a="http://schemas.openxmlformats.org/drawingml/2006/main" xmlns:p="http://schemas.openxmlformats.org/presentationml/2006/main" xmlns:r="http://schemas.openxmlformats.org/officeDocument/2006/relationships" xmlns:p14="http://schemas.microsoft.com/office/powerpoint/2010/main" xmlns:p15="http://schemas.microsoft.com/office/powerpoint/2012/main" xmlns:mc="http://schemas.openxmlformats.org/markup-compatibility/2006">
   <p:sldMasterIdLst>
-    <p:sldMasterId id="2147483648" r:id="rId1"/>
+    <p:sldMasterId id="2147483648" r:id="rId2"/>
   </p:sldMasterIdLst>
   <p:sldIdLst>
-    <p:sldId id="256" r:id="rId2"/>
-    <p:sldId id="257" r:id="rId3"/>
-    <p:sldId id="258" r:id="rId4"/>
-    <p:sldId id="259" r:id="rId5"/>
-    <p:sldId id="260" r:id="rId6"/>
-    <p:sldId id="261" r:id="rId7"/>
+    <p:sldId id="256" r:id="rId3"/>
+    <p:sldId id="257" r:id="rId4"/>
+    <p:sldId id="258" r:id="rId5"/>
+    <p:sldId id="259" r:id="rId6"/>
+    <p:sldId id="260" r:id="rId7"/>
+    <p:sldId id="261" r:id="rId8"/>
   </p:sldIdLst>
   <p:sldSz cx="10080625" cy="5670550"/>
-  <p:notesSz cx="7559675" cy="10691813"/>
-  <p:defaultTextStyle>
-    <a:defPPr>
-      <a:defRPr lang="pt-BR"/>
-    </a:defPPr>
-    <a:lvl1pPr marL="0" algn="l" defTabSz="914400" rtl="0" eaLnBrk="1" latinLnBrk="0" hangingPunct="1">
-      <a:defRPr sz="1800" kern="1200">
-        <a:solidFill>
-          <a:schemeClr val="tx1"/>
-        </a:solidFill>
-        <a:latin typeface="+mn-lt"/>
-        <a:ea typeface="+mn-ea"/>
-        <a:cs typeface="+mn-cs"/>
-      </a:defRPr>
-    </a:lvl1pPr>
-    <a:lvl2pPr marL="457200" algn="l" defTabSz="914400" rtl="0" eaLnBrk="1" latinLnBrk="0" hangingPunct="1">
-      <a:defRPr sz="1800" kern="1200">
-        <a:solidFill>
-          <a:schemeClr val="tx1"/>
-        </a:solidFill>
-        <a:latin typeface="+mn-lt"/>
-        <a:ea typeface="+mn-ea"/>
-        <a:cs typeface="+mn-cs"/>
-      </a:defRPr>
-    </a:lvl2pPr>
-    <a:lvl3pPr marL="914400" algn="l" defTabSz="914400" rtl="0" eaLnBrk="1" latinLnBrk="0" hangingPunct="1">
-      <a:defRPr sz="1800" kern="1200">
-        <a:solidFill>
-          <a:schemeClr val="tx1"/>
-        </a:solidFill>
-        <a:latin typeface="+mn-lt"/>
-        <a:ea typeface="+mn-ea"/>
-        <a:cs typeface="+mn-cs"/>
-      </a:defRPr>
-    </a:lvl3pPr>
-    <a:lvl4pPr marL="1371600" algn="l" defTabSz="914400" rtl="0" eaLnBrk="1" latinLnBrk="0" hangingPunct="1">
-      <a:defRPr sz="1800" kern="1200">
-        <a:solidFill>
-          <a:schemeClr val="tx1"/>
-        </a:solidFill>
-        <a:latin typeface="+mn-lt"/>
-        <a:ea typeface="+mn-ea"/>
-        <a:cs typeface="+mn-cs"/>
-      </a:defRPr>
-    </a:lvl4pPr>
-    <a:lvl5pPr marL="1828800" algn="l" defTabSz="914400" rtl="0" eaLnBrk="1" latinLnBrk="0" hangingPunct="1">
-      <a:defRPr sz="1800" kern="1200">
-        <a:solidFill>
-          <a:schemeClr val="tx1"/>
-        </a:solidFill>
-        <a:latin typeface="+mn-lt"/>
-        <a:ea typeface="+mn-ea"/>
-        <a:cs typeface="+mn-cs"/>
-      </a:defRPr>
-    </a:lvl5pPr>
-    <a:lvl6pPr marL="2286000" algn="l" defTabSz="914400" rtl="0" eaLnBrk="1" latinLnBrk="0" hangingPunct="1">
-      <a:defRPr sz="1800" kern="1200">
-        <a:solidFill>
-          <a:schemeClr val="tx1"/>
-        </a:solidFill>
-        <a:latin typeface="+mn-lt"/>
-        <a:ea typeface="+mn-ea"/>
-        <a:cs typeface="+mn-cs"/>
-      </a:defRPr>
-    </a:lvl6pPr>
-    <a:lvl7pPr marL="2743200" algn="l" defTabSz="914400" rtl="0" eaLnBrk="1" latinLnBrk="0" hangingPunct="1">
-      <a:defRPr sz="1800" kern="1200">
-        <a:solidFill>
-          <a:schemeClr val="tx1"/>
-        </a:solidFill>
-        <a:latin typeface="+mn-lt"/>
-        <a:ea typeface="+mn-ea"/>
-        <a:cs typeface="+mn-cs"/>
-      </a:defRPr>
-    </a:lvl7pPr>
-    <a:lvl8pPr marL="3200400" algn="l" defTabSz="914400" rtl="0" eaLnBrk="1" latinLnBrk="0" hangingPunct="1">
-      <a:defRPr sz="1800" kern="1200">
-        <a:solidFill>
-          <a:schemeClr val="tx1"/>
-        </a:solidFill>
-        <a:latin typeface="+mn-lt"/>
-        <a:ea typeface="+mn-ea"/>
-        <a:cs typeface="+mn-cs"/>
-      </a:defRPr>
-    </a:lvl8pPr>
-    <a:lvl9pPr marL="3657600" algn="l" defTabSz="914400" rtl="0" eaLnBrk="1" latinLnBrk="0" hangingPunct="1">
-      <a:defRPr sz="1800" kern="1200">
-        <a:solidFill>
-          <a:schemeClr val="tx1"/>
-        </a:solidFill>
-        <a:latin typeface="+mn-lt"/>
-        <a:ea typeface="+mn-ea"/>
-        <a:cs typeface="+mn-cs"/>
-      </a:defRPr>
-    </a:lvl9pPr>
-  </p:defaultTextStyle>
+  <p:notesSz cx="7559675" cy="10691812"/>
 </p:presentation>
 </file>
 
 <file path=ppt/slideLayouts/slideLayout1.xml><?xml version="1.0" encoding="utf-8"?>
-<p:sldLayout xmlns:a="http://schemas.openxmlformats.org/drawingml/2006/main" xmlns:r="http://schemas.openxmlformats.org/officeDocument/2006/relationships" xmlns:p="http://schemas.openxmlformats.org/presentationml/2006/main" type="blank" preserve="1">
+<p:sldLayout xmlns:a="http://schemas.openxmlformats.org/drawingml/2006/main" xmlns:p="http://schemas.openxmlformats.org/presentationml/2006/main" xmlns:r="http://schemas.openxmlformats.org/officeDocument/2006/relationships" xmlns:p14="http://schemas.microsoft.com/office/powerpoint/2010/main" xmlns:p15="http://schemas.microsoft.com/office/powerpoint/2012/main" xmlns:mc="http://schemas.openxmlformats.org/markup-compatibility/2006" type="blank" preserve="1">
   <p:cSld name="Blank Slide">
     <p:spTree>
       <p:nvGrpSpPr>
@@ -131,14 +36,11 @@
       </p:grpSpPr>
     </p:spTree>
   </p:cSld>
-  <p:clrMapOvr>
-    <a:masterClrMapping/>
-  </p:clrMapOvr>
 </p:sldLayout>
 </file>
 
 <file path=ppt/slideLayouts/slideLayout10.xml><?xml version="1.0" encoding="utf-8"?>
-<p:sldLayout xmlns:a="http://schemas.openxmlformats.org/drawingml/2006/main" xmlns:r="http://schemas.openxmlformats.org/officeDocument/2006/relationships" xmlns:p="http://schemas.openxmlformats.org/presentationml/2006/main" type="objOverTx" preserve="1">
+<p:sldLayout xmlns:a="http://schemas.openxmlformats.org/drawingml/2006/main" xmlns:p="http://schemas.openxmlformats.org/presentationml/2006/main" xmlns:r="http://schemas.openxmlformats.org/officeDocument/2006/relationships" xmlns:p14="http://schemas.microsoft.com/office/powerpoint/2010/main" xmlns:p15="http://schemas.microsoft.com/office/powerpoint/2012/main" xmlns:mc="http://schemas.openxmlformats.org/markup-compatibility/2006" type="objOverTx" preserve="1">
   <p:cSld name="Title, Content over Content">
     <p:spTree>
       <p:nvGrpSpPr>
@@ -166,21 +68,22 @@
         </p:nvSpPr>
         <p:spPr>
           <a:xfrm>
-            <a:off x="692640" y="375480"/>
-            <a:ext cx="8689680" cy="946800"/>
+            <a:off x="692640" y="178200"/>
+            <a:ext cx="8689320" cy="1341000"/>
           </a:xfrm>
           <a:prstGeom prst="rect">
             <a:avLst/>
           </a:prstGeom>
         </p:spPr>
         <p:txBody>
-          <a:bodyPr lIns="0" tIns="0" rIns="0" bIns="0" anchor="ctr">
+          <a:bodyPr lIns="0" rIns="0" tIns="0" bIns="0" anchor="ctr">
             <a:spAutoFit/>
           </a:bodyPr>
-          <a:lstStyle/>
-          <a:p>
-            <a:pPr algn="ctr"/>
-            <a:endParaRPr lang="pt-BR" sz="4400" b="0" strike="noStrike" spc="-1">
+          <a:p>
+            <a:endParaRPr b="0" lang="pt-BR" sz="1800" spc="-1" strike="noStrike">
+              <a:solidFill>
+                <a:srgbClr val="000000"/>
+              </a:solidFill>
               <a:latin typeface="Arial"/>
             </a:endParaRPr>
           </a:p>
@@ -206,12 +109,14 @@
           </a:prstGeom>
         </p:spPr>
         <p:txBody>
-          <a:bodyPr lIns="0" tIns="0" rIns="0" bIns="0">
+          <a:bodyPr lIns="0" rIns="0" tIns="0" bIns="0">
             <a:normAutofit/>
           </a:bodyPr>
-          <a:lstStyle/>
-          <a:p>
-            <a:endParaRPr lang="pt-BR" sz="3200" b="0" strike="noStrike" spc="-1">
+          <a:p>
+            <a:endParaRPr b="0" lang="pt-BR" sz="2800" spc="-1" strike="noStrike">
+              <a:solidFill>
+                <a:srgbClr val="000000"/>
+              </a:solidFill>
               <a:latin typeface="Arial"/>
             </a:endParaRPr>
           </a:p>
@@ -237,12 +142,14 @@
           </a:prstGeom>
         </p:spPr>
         <p:txBody>
-          <a:bodyPr lIns="0" tIns="0" rIns="0" bIns="0">
+          <a:bodyPr lIns="0" rIns="0" tIns="0" bIns="0">
             <a:normAutofit/>
           </a:bodyPr>
-          <a:lstStyle/>
-          <a:p>
-            <a:endParaRPr lang="pt-BR" sz="3200" b="0" strike="noStrike" spc="-1">
+          <a:p>
+            <a:endParaRPr b="0" lang="pt-BR" sz="2800" spc="-1" strike="noStrike">
+              <a:solidFill>
+                <a:srgbClr val="000000"/>
+              </a:solidFill>
               <a:latin typeface="Arial"/>
             </a:endParaRPr>
           </a:p>
@@ -250,14 +157,11 @@
       </p:sp>
     </p:spTree>
   </p:cSld>
-  <p:clrMapOvr>
-    <a:masterClrMapping/>
-  </p:clrMapOvr>
 </p:sldLayout>
 </file>
 
 <file path=ppt/slideLayouts/slideLayout11.xml><?xml version="1.0" encoding="utf-8"?>
-<p:sldLayout xmlns:a="http://schemas.openxmlformats.org/drawingml/2006/main" xmlns:r="http://schemas.openxmlformats.org/officeDocument/2006/relationships" xmlns:p="http://schemas.openxmlformats.org/presentationml/2006/main" type="fourObj" preserve="1">
+<p:sldLayout xmlns:a="http://schemas.openxmlformats.org/drawingml/2006/main" xmlns:p="http://schemas.openxmlformats.org/presentationml/2006/main" xmlns:r="http://schemas.openxmlformats.org/officeDocument/2006/relationships" xmlns:p14="http://schemas.microsoft.com/office/powerpoint/2010/main" xmlns:p15="http://schemas.microsoft.com/office/powerpoint/2012/main" xmlns:mc="http://schemas.openxmlformats.org/markup-compatibility/2006" type="fourObj" preserve="1">
   <p:cSld name="Title, 4 Content">
     <p:spTree>
       <p:nvGrpSpPr>
@@ -285,21 +189,22 @@
         </p:nvSpPr>
         <p:spPr>
           <a:xfrm>
-            <a:off x="692640" y="375480"/>
-            <a:ext cx="8689680" cy="946800"/>
+            <a:off x="692640" y="178200"/>
+            <a:ext cx="8689320" cy="1341000"/>
           </a:xfrm>
           <a:prstGeom prst="rect">
             <a:avLst/>
           </a:prstGeom>
         </p:spPr>
         <p:txBody>
-          <a:bodyPr lIns="0" tIns="0" rIns="0" bIns="0" anchor="ctr">
+          <a:bodyPr lIns="0" rIns="0" tIns="0" bIns="0" anchor="ctr">
             <a:spAutoFit/>
           </a:bodyPr>
-          <a:lstStyle/>
-          <a:p>
-            <a:pPr algn="ctr"/>
-            <a:endParaRPr lang="pt-BR" sz="4400" b="0" strike="noStrike" spc="-1">
+          <a:p>
+            <a:endParaRPr b="0" lang="pt-BR" sz="1800" spc="-1" strike="noStrike">
+              <a:solidFill>
+                <a:srgbClr val="000000"/>
+              </a:solidFill>
               <a:latin typeface="Arial"/>
             </a:endParaRPr>
           </a:p>
@@ -325,12 +230,14 @@
           </a:prstGeom>
         </p:spPr>
         <p:txBody>
-          <a:bodyPr lIns="0" tIns="0" rIns="0" bIns="0">
+          <a:bodyPr lIns="0" rIns="0" tIns="0" bIns="0">
             <a:normAutofit/>
           </a:bodyPr>
-          <a:lstStyle/>
-          <a:p>
-            <a:endParaRPr lang="pt-BR" sz="3200" b="0" strike="noStrike" spc="-1">
+          <a:p>
+            <a:endParaRPr b="0" lang="pt-BR" sz="2800" spc="-1" strike="noStrike">
+              <a:solidFill>
+                <a:srgbClr val="000000"/>
+              </a:solidFill>
               <a:latin typeface="Arial"/>
             </a:endParaRPr>
           </a:p>
@@ -356,12 +263,14 @@
           </a:prstGeom>
         </p:spPr>
         <p:txBody>
-          <a:bodyPr lIns="0" tIns="0" rIns="0" bIns="0">
+          <a:bodyPr lIns="0" rIns="0" tIns="0" bIns="0">
             <a:normAutofit/>
           </a:bodyPr>
-          <a:lstStyle/>
-          <a:p>
-            <a:endParaRPr lang="pt-BR" sz="3200" b="0" strike="noStrike" spc="-1">
+          <a:p>
+            <a:endParaRPr b="0" lang="pt-BR" sz="2800" spc="-1" strike="noStrike">
+              <a:solidFill>
+                <a:srgbClr val="000000"/>
+              </a:solidFill>
               <a:latin typeface="Arial"/>
             </a:endParaRPr>
           </a:p>
@@ -387,12 +296,14 @@
           </a:prstGeom>
         </p:spPr>
         <p:txBody>
-          <a:bodyPr lIns="0" tIns="0" rIns="0" bIns="0">
+          <a:bodyPr lIns="0" rIns="0" tIns="0" bIns="0">
             <a:normAutofit/>
           </a:bodyPr>
-          <a:lstStyle/>
-          <a:p>
-            <a:endParaRPr lang="pt-BR" sz="3200" b="0" strike="noStrike" spc="-1">
+          <a:p>
+            <a:endParaRPr b="0" lang="pt-BR" sz="2800" spc="-1" strike="noStrike">
+              <a:solidFill>
+                <a:srgbClr val="000000"/>
+              </a:solidFill>
               <a:latin typeface="Arial"/>
             </a:endParaRPr>
           </a:p>
@@ -418,12 +329,14 @@
           </a:prstGeom>
         </p:spPr>
         <p:txBody>
-          <a:bodyPr lIns="0" tIns="0" rIns="0" bIns="0">
+          <a:bodyPr lIns="0" rIns="0" tIns="0" bIns="0">
             <a:normAutofit/>
           </a:bodyPr>
-          <a:lstStyle/>
-          <a:p>
-            <a:endParaRPr lang="pt-BR" sz="3200" b="0" strike="noStrike" spc="-1">
+          <a:p>
+            <a:endParaRPr b="0" lang="pt-BR" sz="2800" spc="-1" strike="noStrike">
+              <a:solidFill>
+                <a:srgbClr val="000000"/>
+              </a:solidFill>
               <a:latin typeface="Arial"/>
             </a:endParaRPr>
           </a:p>
@@ -431,14 +344,11 @@
       </p:sp>
     </p:spTree>
   </p:cSld>
-  <p:clrMapOvr>
-    <a:masterClrMapping/>
-  </p:clrMapOvr>
 </p:sldLayout>
 </file>
 
 <file path=ppt/slideLayouts/slideLayout12.xml><?xml version="1.0" encoding="utf-8"?>
-<p:sldLayout xmlns:a="http://schemas.openxmlformats.org/drawingml/2006/main" xmlns:r="http://schemas.openxmlformats.org/officeDocument/2006/relationships" xmlns:p="http://schemas.openxmlformats.org/presentationml/2006/main" type="blank" preserve="1">
+<p:sldLayout xmlns:a="http://schemas.openxmlformats.org/drawingml/2006/main" xmlns:p="http://schemas.openxmlformats.org/presentationml/2006/main" xmlns:r="http://schemas.openxmlformats.org/officeDocument/2006/relationships" xmlns:p14="http://schemas.microsoft.com/office/powerpoint/2010/main" xmlns:p15="http://schemas.microsoft.com/office/powerpoint/2012/main" xmlns:mc="http://schemas.openxmlformats.org/markup-compatibility/2006" type="blank" preserve="1">
   <p:cSld name="Title, 6 Content">
     <p:spTree>
       <p:nvGrpSpPr>
@@ -466,21 +376,22 @@
         </p:nvSpPr>
         <p:spPr>
           <a:xfrm>
-            <a:off x="692640" y="375480"/>
-            <a:ext cx="8689680" cy="946800"/>
+            <a:off x="692640" y="178200"/>
+            <a:ext cx="8689320" cy="1341000"/>
           </a:xfrm>
           <a:prstGeom prst="rect">
             <a:avLst/>
           </a:prstGeom>
         </p:spPr>
         <p:txBody>
-          <a:bodyPr lIns="0" tIns="0" rIns="0" bIns="0" anchor="ctr">
+          <a:bodyPr lIns="0" rIns="0" tIns="0" bIns="0" anchor="ctr">
             <a:spAutoFit/>
           </a:bodyPr>
-          <a:lstStyle/>
-          <a:p>
-            <a:pPr algn="ctr"/>
-            <a:endParaRPr lang="pt-BR" sz="4400" b="0" strike="noStrike" spc="-1">
+          <a:p>
+            <a:endParaRPr b="0" lang="pt-BR" sz="1800" spc="-1" strike="noStrike">
+              <a:solidFill>
+                <a:srgbClr val="000000"/>
+              </a:solidFill>
               <a:latin typeface="Arial"/>
             </a:endParaRPr>
           </a:p>
@@ -506,12 +417,14 @@
           </a:prstGeom>
         </p:spPr>
         <p:txBody>
-          <a:bodyPr lIns="0" tIns="0" rIns="0" bIns="0">
+          <a:bodyPr lIns="0" rIns="0" tIns="0" bIns="0">
             <a:normAutofit/>
           </a:bodyPr>
-          <a:lstStyle/>
-          <a:p>
-            <a:endParaRPr lang="pt-BR" sz="3200" b="0" strike="noStrike" spc="-1">
+          <a:p>
+            <a:endParaRPr b="0" lang="pt-BR" sz="2800" spc="-1" strike="noStrike">
+              <a:solidFill>
+                <a:srgbClr val="000000"/>
+              </a:solidFill>
               <a:latin typeface="Arial"/>
             </a:endParaRPr>
           </a:p>
@@ -537,12 +450,14 @@
           </a:prstGeom>
         </p:spPr>
         <p:txBody>
-          <a:bodyPr lIns="0" tIns="0" rIns="0" bIns="0">
+          <a:bodyPr lIns="0" rIns="0" tIns="0" bIns="0">
             <a:normAutofit/>
           </a:bodyPr>
-          <a:lstStyle/>
-          <a:p>
-            <a:endParaRPr lang="pt-BR" sz="3200" b="0" strike="noStrike" spc="-1">
+          <a:p>
+            <a:endParaRPr b="0" lang="pt-BR" sz="2800" spc="-1" strike="noStrike">
+              <a:solidFill>
+                <a:srgbClr val="000000"/>
+              </a:solidFill>
               <a:latin typeface="Arial"/>
             </a:endParaRPr>
           </a:p>
@@ -568,12 +483,14 @@
           </a:prstGeom>
         </p:spPr>
         <p:txBody>
-          <a:bodyPr lIns="0" tIns="0" rIns="0" bIns="0">
+          <a:bodyPr lIns="0" rIns="0" tIns="0" bIns="0">
             <a:normAutofit/>
           </a:bodyPr>
-          <a:lstStyle/>
-          <a:p>
-            <a:endParaRPr lang="pt-BR" sz="3200" b="0" strike="noStrike" spc="-1">
+          <a:p>
+            <a:endParaRPr b="0" lang="pt-BR" sz="2800" spc="-1" strike="noStrike">
+              <a:solidFill>
+                <a:srgbClr val="000000"/>
+              </a:solidFill>
               <a:latin typeface="Arial"/>
             </a:endParaRPr>
           </a:p>
@@ -599,12 +516,14 @@
           </a:prstGeom>
         </p:spPr>
         <p:txBody>
-          <a:bodyPr lIns="0" tIns="0" rIns="0" bIns="0">
+          <a:bodyPr lIns="0" rIns="0" tIns="0" bIns="0">
             <a:normAutofit/>
           </a:bodyPr>
-          <a:lstStyle/>
-          <a:p>
-            <a:endParaRPr lang="pt-BR" sz="3200" b="0" strike="noStrike" spc="-1">
+          <a:p>
+            <a:endParaRPr b="0" lang="pt-BR" sz="2800" spc="-1" strike="noStrike">
+              <a:solidFill>
+                <a:srgbClr val="000000"/>
+              </a:solidFill>
               <a:latin typeface="Arial"/>
             </a:endParaRPr>
           </a:p>
@@ -630,12 +549,14 @@
           </a:prstGeom>
         </p:spPr>
         <p:txBody>
-          <a:bodyPr lIns="0" tIns="0" rIns="0" bIns="0">
+          <a:bodyPr lIns="0" rIns="0" tIns="0" bIns="0">
             <a:normAutofit/>
           </a:bodyPr>
-          <a:lstStyle/>
-          <a:p>
-            <a:endParaRPr lang="pt-BR" sz="3200" b="0" strike="noStrike" spc="-1">
+          <a:p>
+            <a:endParaRPr b="0" lang="pt-BR" sz="2800" spc="-1" strike="noStrike">
+              <a:solidFill>
+                <a:srgbClr val="000000"/>
+              </a:solidFill>
               <a:latin typeface="Arial"/>
             </a:endParaRPr>
           </a:p>
@@ -661,12 +582,14 @@
           </a:prstGeom>
         </p:spPr>
         <p:txBody>
-          <a:bodyPr lIns="0" tIns="0" rIns="0" bIns="0">
+          <a:bodyPr lIns="0" rIns="0" tIns="0" bIns="0">
             <a:normAutofit/>
           </a:bodyPr>
-          <a:lstStyle/>
-          <a:p>
-            <a:endParaRPr lang="pt-BR" sz="3200" b="0" strike="noStrike" spc="-1">
+          <a:p>
+            <a:endParaRPr b="0" lang="pt-BR" sz="2800" spc="-1" strike="noStrike">
+              <a:solidFill>
+                <a:srgbClr val="000000"/>
+              </a:solidFill>
               <a:latin typeface="Arial"/>
             </a:endParaRPr>
           </a:p>
@@ -674,14 +597,11 @@
       </p:sp>
     </p:spTree>
   </p:cSld>
-  <p:clrMapOvr>
-    <a:masterClrMapping/>
-  </p:clrMapOvr>
 </p:sldLayout>
 </file>
 
 <file path=ppt/slideLayouts/slideLayout2.xml><?xml version="1.0" encoding="utf-8"?>
-<p:sldLayout xmlns:a="http://schemas.openxmlformats.org/drawingml/2006/main" xmlns:r="http://schemas.openxmlformats.org/officeDocument/2006/relationships" xmlns:p="http://schemas.openxmlformats.org/presentationml/2006/main" type="tx" preserve="1">
+<p:sldLayout xmlns:a="http://schemas.openxmlformats.org/drawingml/2006/main" xmlns:p="http://schemas.openxmlformats.org/presentationml/2006/main" xmlns:r="http://schemas.openxmlformats.org/officeDocument/2006/relationships" xmlns:p14="http://schemas.microsoft.com/office/powerpoint/2010/main" xmlns:p15="http://schemas.microsoft.com/office/powerpoint/2012/main" xmlns:mc="http://schemas.openxmlformats.org/markup-compatibility/2006" type="tx" preserve="1">
   <p:cSld name="Title Slide">
     <p:spTree>
       <p:nvGrpSpPr>
@@ -709,21 +629,22 @@
         </p:nvSpPr>
         <p:spPr>
           <a:xfrm>
-            <a:off x="692640" y="375480"/>
-            <a:ext cx="8689680" cy="946800"/>
+            <a:off x="692640" y="178200"/>
+            <a:ext cx="8689320" cy="1341000"/>
           </a:xfrm>
           <a:prstGeom prst="rect">
             <a:avLst/>
           </a:prstGeom>
         </p:spPr>
         <p:txBody>
-          <a:bodyPr lIns="0" tIns="0" rIns="0" bIns="0" anchor="ctr">
+          <a:bodyPr lIns="0" rIns="0" tIns="0" bIns="0" anchor="ctr">
             <a:spAutoFit/>
           </a:bodyPr>
-          <a:lstStyle/>
-          <a:p>
-            <a:pPr algn="ctr"/>
-            <a:endParaRPr lang="pt-BR" sz="4400" b="0" strike="noStrike" spc="-1">
+          <a:p>
+            <a:endParaRPr b="0" lang="pt-BR" sz="1800" spc="-1" strike="noStrike">
+              <a:solidFill>
+                <a:srgbClr val="000000"/>
+              </a:solidFill>
               <a:latin typeface="Arial"/>
             </a:endParaRPr>
           </a:p>
@@ -749,13 +670,12 @@
           </a:prstGeom>
         </p:spPr>
         <p:txBody>
-          <a:bodyPr lIns="0" tIns="0" rIns="0" bIns="0" anchor="ctr">
+          <a:bodyPr lIns="0" rIns="0" tIns="0" bIns="0" anchor="ctr">
             <a:spAutoFit/>
           </a:bodyPr>
-          <a:lstStyle/>
           <a:p>
             <a:pPr algn="ctr"/>
-            <a:endParaRPr lang="pt-BR" sz="3200" b="0" strike="noStrike" spc="-1">
+            <a:endParaRPr b="0" lang="pt-BR" sz="3200" spc="-1" strike="noStrike">
               <a:latin typeface="Arial"/>
             </a:endParaRPr>
           </a:p>
@@ -763,14 +683,11 @@
       </p:sp>
     </p:spTree>
   </p:cSld>
-  <p:clrMapOvr>
-    <a:masterClrMapping/>
-  </p:clrMapOvr>
 </p:sldLayout>
 </file>
 
 <file path=ppt/slideLayouts/slideLayout3.xml><?xml version="1.0" encoding="utf-8"?>
-<p:sldLayout xmlns:a="http://schemas.openxmlformats.org/drawingml/2006/main" xmlns:r="http://schemas.openxmlformats.org/officeDocument/2006/relationships" xmlns:p="http://schemas.openxmlformats.org/presentationml/2006/main" type="obj" preserve="1">
+<p:sldLayout xmlns:a="http://schemas.openxmlformats.org/drawingml/2006/main" xmlns:p="http://schemas.openxmlformats.org/presentationml/2006/main" xmlns:r="http://schemas.openxmlformats.org/officeDocument/2006/relationships" xmlns:p14="http://schemas.microsoft.com/office/powerpoint/2010/main" xmlns:p15="http://schemas.microsoft.com/office/powerpoint/2012/main" xmlns:mc="http://schemas.openxmlformats.org/markup-compatibility/2006" type="obj" preserve="1">
   <p:cSld name="Title, Content">
     <p:spTree>
       <p:nvGrpSpPr>
@@ -798,21 +715,22 @@
         </p:nvSpPr>
         <p:spPr>
           <a:xfrm>
-            <a:off x="692640" y="375480"/>
-            <a:ext cx="8689680" cy="946800"/>
+            <a:off x="692640" y="178200"/>
+            <a:ext cx="8689320" cy="1341000"/>
           </a:xfrm>
           <a:prstGeom prst="rect">
             <a:avLst/>
           </a:prstGeom>
         </p:spPr>
         <p:txBody>
-          <a:bodyPr lIns="0" tIns="0" rIns="0" bIns="0" anchor="ctr">
+          <a:bodyPr lIns="0" rIns="0" tIns="0" bIns="0" anchor="ctr">
             <a:spAutoFit/>
           </a:bodyPr>
-          <a:lstStyle/>
-          <a:p>
-            <a:pPr algn="ctr"/>
-            <a:endParaRPr lang="pt-BR" sz="4400" b="0" strike="noStrike" spc="-1">
+          <a:p>
+            <a:endParaRPr b="0" lang="pt-BR" sz="1800" spc="-1" strike="noStrike">
+              <a:solidFill>
+                <a:srgbClr val="000000"/>
+              </a:solidFill>
               <a:latin typeface="Arial"/>
             </a:endParaRPr>
           </a:p>
@@ -838,12 +756,14 @@
           </a:prstGeom>
         </p:spPr>
         <p:txBody>
-          <a:bodyPr lIns="0" tIns="0" rIns="0" bIns="0">
+          <a:bodyPr lIns="0" rIns="0" tIns="0" bIns="0">
             <a:normAutofit/>
           </a:bodyPr>
-          <a:lstStyle/>
-          <a:p>
-            <a:endParaRPr lang="pt-BR" sz="3200" b="0" strike="noStrike" spc="-1">
+          <a:p>
+            <a:endParaRPr b="0" lang="pt-BR" sz="2800" spc="-1" strike="noStrike">
+              <a:solidFill>
+                <a:srgbClr val="000000"/>
+              </a:solidFill>
               <a:latin typeface="Arial"/>
             </a:endParaRPr>
           </a:p>
@@ -851,14 +771,11 @@
       </p:sp>
     </p:spTree>
   </p:cSld>
-  <p:clrMapOvr>
-    <a:masterClrMapping/>
-  </p:clrMapOvr>
 </p:sldLayout>
 </file>
 
 <file path=ppt/slideLayouts/slideLayout4.xml><?xml version="1.0" encoding="utf-8"?>
-<p:sldLayout xmlns:a="http://schemas.openxmlformats.org/drawingml/2006/main" xmlns:r="http://schemas.openxmlformats.org/officeDocument/2006/relationships" xmlns:p="http://schemas.openxmlformats.org/presentationml/2006/main" type="twoObj" preserve="1">
+<p:sldLayout xmlns:a="http://schemas.openxmlformats.org/drawingml/2006/main" xmlns:p="http://schemas.openxmlformats.org/presentationml/2006/main" xmlns:r="http://schemas.openxmlformats.org/officeDocument/2006/relationships" xmlns:p14="http://schemas.microsoft.com/office/powerpoint/2010/main" xmlns:p15="http://schemas.microsoft.com/office/powerpoint/2012/main" xmlns:mc="http://schemas.openxmlformats.org/markup-compatibility/2006" type="twoObj" preserve="1">
   <p:cSld name="Title, 2 Content">
     <p:spTree>
       <p:nvGrpSpPr>
@@ -886,21 +803,22 @@
         </p:nvSpPr>
         <p:spPr>
           <a:xfrm>
-            <a:off x="692640" y="375480"/>
-            <a:ext cx="8689680" cy="946800"/>
+            <a:off x="692640" y="178200"/>
+            <a:ext cx="8689320" cy="1341000"/>
           </a:xfrm>
           <a:prstGeom prst="rect">
             <a:avLst/>
           </a:prstGeom>
         </p:spPr>
         <p:txBody>
-          <a:bodyPr lIns="0" tIns="0" rIns="0" bIns="0" anchor="ctr">
+          <a:bodyPr lIns="0" rIns="0" tIns="0" bIns="0" anchor="ctr">
             <a:spAutoFit/>
           </a:bodyPr>
-          <a:lstStyle/>
-          <a:p>
-            <a:pPr algn="ctr"/>
-            <a:endParaRPr lang="pt-BR" sz="4400" b="0" strike="noStrike" spc="-1">
+          <a:p>
+            <a:endParaRPr b="0" lang="pt-BR" sz="1800" spc="-1" strike="noStrike">
+              <a:solidFill>
+                <a:srgbClr val="000000"/>
+              </a:solidFill>
               <a:latin typeface="Arial"/>
             </a:endParaRPr>
           </a:p>
@@ -926,12 +844,14 @@
           </a:prstGeom>
         </p:spPr>
         <p:txBody>
-          <a:bodyPr lIns="0" tIns="0" rIns="0" bIns="0">
+          <a:bodyPr lIns="0" rIns="0" tIns="0" bIns="0">
             <a:normAutofit/>
           </a:bodyPr>
-          <a:lstStyle/>
-          <a:p>
-            <a:endParaRPr lang="pt-BR" sz="3200" b="0" strike="noStrike" spc="-1">
+          <a:p>
+            <a:endParaRPr b="0" lang="pt-BR" sz="2800" spc="-1" strike="noStrike">
+              <a:solidFill>
+                <a:srgbClr val="000000"/>
+              </a:solidFill>
               <a:latin typeface="Arial"/>
             </a:endParaRPr>
           </a:p>
@@ -957,12 +877,14 @@
           </a:prstGeom>
         </p:spPr>
         <p:txBody>
-          <a:bodyPr lIns="0" tIns="0" rIns="0" bIns="0">
+          <a:bodyPr lIns="0" rIns="0" tIns="0" bIns="0">
             <a:normAutofit/>
           </a:bodyPr>
-          <a:lstStyle/>
-          <a:p>
-            <a:endParaRPr lang="pt-BR" sz="3200" b="0" strike="noStrike" spc="-1">
+          <a:p>
+            <a:endParaRPr b="0" lang="pt-BR" sz="2800" spc="-1" strike="noStrike">
+              <a:solidFill>
+                <a:srgbClr val="000000"/>
+              </a:solidFill>
               <a:latin typeface="Arial"/>
             </a:endParaRPr>
           </a:p>
@@ -970,14 +892,11 @@
       </p:sp>
     </p:spTree>
   </p:cSld>
-  <p:clrMapOvr>
-    <a:masterClrMapping/>
-  </p:clrMapOvr>
 </p:sldLayout>
 </file>
 
 <file path=ppt/slideLayouts/slideLayout5.xml><?xml version="1.0" encoding="utf-8"?>
-<p:sldLayout xmlns:a="http://schemas.openxmlformats.org/drawingml/2006/main" xmlns:r="http://schemas.openxmlformats.org/officeDocument/2006/relationships" xmlns:p="http://schemas.openxmlformats.org/presentationml/2006/main" type="titleOnly" preserve="1">
+<p:sldLayout xmlns:a="http://schemas.openxmlformats.org/drawingml/2006/main" xmlns:p="http://schemas.openxmlformats.org/presentationml/2006/main" xmlns:r="http://schemas.openxmlformats.org/officeDocument/2006/relationships" xmlns:p14="http://schemas.microsoft.com/office/powerpoint/2010/main" xmlns:p15="http://schemas.microsoft.com/office/powerpoint/2012/main" xmlns:mc="http://schemas.openxmlformats.org/markup-compatibility/2006" type="titleOnly" preserve="1">
   <p:cSld name="Title Only">
     <p:spTree>
       <p:nvGrpSpPr>
@@ -1005,21 +924,22 @@
         </p:nvSpPr>
         <p:spPr>
           <a:xfrm>
-            <a:off x="692640" y="375480"/>
-            <a:ext cx="8689680" cy="946800"/>
+            <a:off x="692640" y="178200"/>
+            <a:ext cx="8689320" cy="1341000"/>
           </a:xfrm>
           <a:prstGeom prst="rect">
             <a:avLst/>
           </a:prstGeom>
         </p:spPr>
         <p:txBody>
-          <a:bodyPr lIns="0" tIns="0" rIns="0" bIns="0" anchor="ctr">
+          <a:bodyPr lIns="0" rIns="0" tIns="0" bIns="0" anchor="ctr">
             <a:spAutoFit/>
           </a:bodyPr>
-          <a:lstStyle/>
-          <a:p>
-            <a:pPr algn="ctr"/>
-            <a:endParaRPr lang="pt-BR" sz="4400" b="0" strike="noStrike" spc="-1">
+          <a:p>
+            <a:endParaRPr b="0" lang="pt-BR" sz="1800" spc="-1" strike="noStrike">
+              <a:solidFill>
+                <a:srgbClr val="000000"/>
+              </a:solidFill>
               <a:latin typeface="Arial"/>
             </a:endParaRPr>
           </a:p>
@@ -1027,14 +947,11 @@
       </p:sp>
     </p:spTree>
   </p:cSld>
-  <p:clrMapOvr>
-    <a:masterClrMapping/>
-  </p:clrMapOvr>
 </p:sldLayout>
 </file>
 
 <file path=ppt/slideLayouts/slideLayout6.xml><?xml version="1.0" encoding="utf-8"?>
-<p:sldLayout xmlns:a="http://schemas.openxmlformats.org/drawingml/2006/main" xmlns:r="http://schemas.openxmlformats.org/officeDocument/2006/relationships" xmlns:p="http://schemas.openxmlformats.org/presentationml/2006/main" type="objOnly" preserve="1">
+<p:sldLayout xmlns:a="http://schemas.openxmlformats.org/drawingml/2006/main" xmlns:p="http://schemas.openxmlformats.org/presentationml/2006/main" xmlns:r="http://schemas.openxmlformats.org/officeDocument/2006/relationships" xmlns:p14="http://schemas.microsoft.com/office/powerpoint/2010/main" xmlns:p15="http://schemas.microsoft.com/office/powerpoint/2012/main" xmlns:mc="http://schemas.openxmlformats.org/markup-compatibility/2006" type="objOnly" preserve="1">
   <p:cSld name="Centered Text">
     <p:spTree>
       <p:nvGrpSpPr>
@@ -1062,21 +979,20 @@
         </p:nvSpPr>
         <p:spPr>
           <a:xfrm>
-            <a:off x="692640" y="375480"/>
-            <a:ext cx="8689680" cy="4390200"/>
+            <a:off x="692640" y="178200"/>
+            <a:ext cx="8689320" cy="6217560"/>
           </a:xfrm>
           <a:prstGeom prst="rect">
             <a:avLst/>
           </a:prstGeom>
         </p:spPr>
         <p:txBody>
-          <a:bodyPr lIns="0" tIns="0" rIns="0" bIns="0" anchor="ctr">
+          <a:bodyPr lIns="0" rIns="0" tIns="0" bIns="0" anchor="ctr">
             <a:spAutoFit/>
           </a:bodyPr>
-          <a:lstStyle/>
           <a:p>
             <a:pPr algn="ctr"/>
-            <a:endParaRPr lang="pt-BR" sz="3200" b="0" strike="noStrike" spc="-1">
+            <a:endParaRPr b="0" lang="pt-BR" sz="3200" spc="-1" strike="noStrike">
               <a:latin typeface="Arial"/>
             </a:endParaRPr>
           </a:p>
@@ -1084,14 +1000,11 @@
       </p:sp>
     </p:spTree>
   </p:cSld>
-  <p:clrMapOvr>
-    <a:masterClrMapping/>
-  </p:clrMapOvr>
 </p:sldLayout>
 </file>
 
 <file path=ppt/slideLayouts/slideLayout7.xml><?xml version="1.0" encoding="utf-8"?>
-<p:sldLayout xmlns:a="http://schemas.openxmlformats.org/drawingml/2006/main" xmlns:r="http://schemas.openxmlformats.org/officeDocument/2006/relationships" xmlns:p="http://schemas.openxmlformats.org/presentationml/2006/main" type="twoObjAndObj" preserve="1">
+<p:sldLayout xmlns:a="http://schemas.openxmlformats.org/drawingml/2006/main" xmlns:p="http://schemas.openxmlformats.org/presentationml/2006/main" xmlns:r="http://schemas.openxmlformats.org/officeDocument/2006/relationships" xmlns:p14="http://schemas.microsoft.com/office/powerpoint/2010/main" xmlns:p15="http://schemas.microsoft.com/office/powerpoint/2012/main" xmlns:mc="http://schemas.openxmlformats.org/markup-compatibility/2006" type="twoObjAndObj" preserve="1">
   <p:cSld name="Title, 2 Content and Content">
     <p:spTree>
       <p:nvGrpSpPr>
@@ -1119,21 +1032,22 @@
         </p:nvSpPr>
         <p:spPr>
           <a:xfrm>
-            <a:off x="692640" y="375480"/>
-            <a:ext cx="8689680" cy="946800"/>
+            <a:off x="692640" y="178200"/>
+            <a:ext cx="8689320" cy="1341000"/>
           </a:xfrm>
           <a:prstGeom prst="rect">
             <a:avLst/>
           </a:prstGeom>
         </p:spPr>
         <p:txBody>
-          <a:bodyPr lIns="0" tIns="0" rIns="0" bIns="0" anchor="ctr">
+          <a:bodyPr lIns="0" rIns="0" tIns="0" bIns="0" anchor="ctr">
             <a:spAutoFit/>
           </a:bodyPr>
-          <a:lstStyle/>
-          <a:p>
-            <a:pPr algn="ctr"/>
-            <a:endParaRPr lang="pt-BR" sz="4400" b="0" strike="noStrike" spc="-1">
+          <a:p>
+            <a:endParaRPr b="0" lang="pt-BR" sz="1800" spc="-1" strike="noStrike">
+              <a:solidFill>
+                <a:srgbClr val="000000"/>
+              </a:solidFill>
               <a:latin typeface="Arial"/>
             </a:endParaRPr>
           </a:p>
@@ -1159,12 +1073,14 @@
           </a:prstGeom>
         </p:spPr>
         <p:txBody>
-          <a:bodyPr lIns="0" tIns="0" rIns="0" bIns="0">
+          <a:bodyPr lIns="0" rIns="0" tIns="0" bIns="0">
             <a:normAutofit/>
           </a:bodyPr>
-          <a:lstStyle/>
-          <a:p>
-            <a:endParaRPr lang="pt-BR" sz="3200" b="0" strike="noStrike" spc="-1">
+          <a:p>
+            <a:endParaRPr b="0" lang="pt-BR" sz="2800" spc="-1" strike="noStrike">
+              <a:solidFill>
+                <a:srgbClr val="000000"/>
+              </a:solidFill>
               <a:latin typeface="Arial"/>
             </a:endParaRPr>
           </a:p>
@@ -1190,12 +1106,14 @@
           </a:prstGeom>
         </p:spPr>
         <p:txBody>
-          <a:bodyPr lIns="0" tIns="0" rIns="0" bIns="0">
+          <a:bodyPr lIns="0" rIns="0" tIns="0" bIns="0">
             <a:normAutofit/>
           </a:bodyPr>
-          <a:lstStyle/>
-          <a:p>
-            <a:endParaRPr lang="pt-BR" sz="3200" b="0" strike="noStrike" spc="-1">
+          <a:p>
+            <a:endParaRPr b="0" lang="pt-BR" sz="2800" spc="-1" strike="noStrike">
+              <a:solidFill>
+                <a:srgbClr val="000000"/>
+              </a:solidFill>
               <a:latin typeface="Arial"/>
             </a:endParaRPr>
           </a:p>
@@ -1221,12 +1139,14 @@
           </a:prstGeom>
         </p:spPr>
         <p:txBody>
-          <a:bodyPr lIns="0" tIns="0" rIns="0" bIns="0">
+          <a:bodyPr lIns="0" rIns="0" tIns="0" bIns="0">
             <a:normAutofit/>
           </a:bodyPr>
-          <a:lstStyle/>
-          <a:p>
-            <a:endParaRPr lang="pt-BR" sz="3200" b="0" strike="noStrike" spc="-1">
+          <a:p>
+            <a:endParaRPr b="0" lang="pt-BR" sz="2800" spc="-1" strike="noStrike">
+              <a:solidFill>
+                <a:srgbClr val="000000"/>
+              </a:solidFill>
               <a:latin typeface="Arial"/>
             </a:endParaRPr>
           </a:p>
@@ -1234,14 +1154,11 @@
       </p:sp>
     </p:spTree>
   </p:cSld>
-  <p:clrMapOvr>
-    <a:masterClrMapping/>
-  </p:clrMapOvr>
 </p:sldLayout>
 </file>
 
 <file path=ppt/slideLayouts/slideLayout8.xml><?xml version="1.0" encoding="utf-8"?>
-<p:sldLayout xmlns:a="http://schemas.openxmlformats.org/drawingml/2006/main" xmlns:r="http://schemas.openxmlformats.org/officeDocument/2006/relationships" xmlns:p="http://schemas.openxmlformats.org/presentationml/2006/main" type="objAndTwoObj" preserve="1">
+<p:sldLayout xmlns:a="http://schemas.openxmlformats.org/drawingml/2006/main" xmlns:p="http://schemas.openxmlformats.org/presentationml/2006/main" xmlns:r="http://schemas.openxmlformats.org/officeDocument/2006/relationships" xmlns:p14="http://schemas.microsoft.com/office/powerpoint/2010/main" xmlns:p15="http://schemas.microsoft.com/office/powerpoint/2012/main" xmlns:mc="http://schemas.openxmlformats.org/markup-compatibility/2006" type="objAndTwoObj" preserve="1">
   <p:cSld name="Title Content and 2 Content">
     <p:spTree>
       <p:nvGrpSpPr>
@@ -1269,21 +1186,22 @@
         </p:nvSpPr>
         <p:spPr>
           <a:xfrm>
-            <a:off x="692640" y="375480"/>
-            <a:ext cx="8689680" cy="946800"/>
+            <a:off x="692640" y="178200"/>
+            <a:ext cx="8689320" cy="1341000"/>
           </a:xfrm>
           <a:prstGeom prst="rect">
             <a:avLst/>
           </a:prstGeom>
         </p:spPr>
         <p:txBody>
-          <a:bodyPr lIns="0" tIns="0" rIns="0" bIns="0" anchor="ctr">
+          <a:bodyPr lIns="0" rIns="0" tIns="0" bIns="0" anchor="ctr">
             <a:spAutoFit/>
           </a:bodyPr>
-          <a:lstStyle/>
-          <a:p>
-            <a:pPr algn="ctr"/>
-            <a:endParaRPr lang="pt-BR" sz="4400" b="0" strike="noStrike" spc="-1">
+          <a:p>
+            <a:endParaRPr b="0" lang="pt-BR" sz="1800" spc="-1" strike="noStrike">
+              <a:solidFill>
+                <a:srgbClr val="000000"/>
+              </a:solidFill>
               <a:latin typeface="Arial"/>
             </a:endParaRPr>
           </a:p>
@@ -1309,12 +1227,14 @@
           </a:prstGeom>
         </p:spPr>
         <p:txBody>
-          <a:bodyPr lIns="0" tIns="0" rIns="0" bIns="0">
+          <a:bodyPr lIns="0" rIns="0" tIns="0" bIns="0">
             <a:normAutofit/>
           </a:bodyPr>
-          <a:lstStyle/>
-          <a:p>
-            <a:endParaRPr lang="pt-BR" sz="3200" b="0" strike="noStrike" spc="-1">
+          <a:p>
+            <a:endParaRPr b="0" lang="pt-BR" sz="2800" spc="-1" strike="noStrike">
+              <a:solidFill>
+                <a:srgbClr val="000000"/>
+              </a:solidFill>
               <a:latin typeface="Arial"/>
             </a:endParaRPr>
           </a:p>
@@ -1340,12 +1260,14 @@
           </a:prstGeom>
         </p:spPr>
         <p:txBody>
-          <a:bodyPr lIns="0" tIns="0" rIns="0" bIns="0">
+          <a:bodyPr lIns="0" rIns="0" tIns="0" bIns="0">
             <a:normAutofit/>
           </a:bodyPr>
-          <a:lstStyle/>
-          <a:p>
-            <a:endParaRPr lang="pt-BR" sz="3200" b="0" strike="noStrike" spc="-1">
+          <a:p>
+            <a:endParaRPr b="0" lang="pt-BR" sz="2800" spc="-1" strike="noStrike">
+              <a:solidFill>
+                <a:srgbClr val="000000"/>
+              </a:solidFill>
               <a:latin typeface="Arial"/>
             </a:endParaRPr>
           </a:p>
@@ -1371,12 +1293,14 @@
           </a:prstGeom>
         </p:spPr>
         <p:txBody>
-          <a:bodyPr lIns="0" tIns="0" rIns="0" bIns="0">
+          <a:bodyPr lIns="0" rIns="0" tIns="0" bIns="0">
             <a:normAutofit/>
           </a:bodyPr>
-          <a:lstStyle/>
-          <a:p>
-            <a:endParaRPr lang="pt-BR" sz="3200" b="0" strike="noStrike" spc="-1">
+          <a:p>
+            <a:endParaRPr b="0" lang="pt-BR" sz="2800" spc="-1" strike="noStrike">
+              <a:solidFill>
+                <a:srgbClr val="000000"/>
+              </a:solidFill>
               <a:latin typeface="Arial"/>
             </a:endParaRPr>
           </a:p>
@@ -1384,14 +1308,11 @@
       </p:sp>
     </p:spTree>
   </p:cSld>
-  <p:clrMapOvr>
-    <a:masterClrMapping/>
-  </p:clrMapOvr>
 </p:sldLayout>
 </file>
 
 <file path=ppt/slideLayouts/slideLayout9.xml><?xml version="1.0" encoding="utf-8"?>
-<p:sldLayout xmlns:a="http://schemas.openxmlformats.org/drawingml/2006/main" xmlns:r="http://schemas.openxmlformats.org/officeDocument/2006/relationships" xmlns:p="http://schemas.openxmlformats.org/presentationml/2006/main" type="twoObjOverTx" preserve="1">
+<p:sldLayout xmlns:a="http://schemas.openxmlformats.org/drawingml/2006/main" xmlns:p="http://schemas.openxmlformats.org/presentationml/2006/main" xmlns:r="http://schemas.openxmlformats.org/officeDocument/2006/relationships" xmlns:p14="http://schemas.microsoft.com/office/powerpoint/2010/main" xmlns:p15="http://schemas.microsoft.com/office/powerpoint/2012/main" xmlns:mc="http://schemas.openxmlformats.org/markup-compatibility/2006" type="twoObjOverTx" preserve="1">
   <p:cSld name="Title, 2 Content over Content">
     <p:spTree>
       <p:nvGrpSpPr>
@@ -1419,21 +1340,22 @@
         </p:nvSpPr>
         <p:spPr>
           <a:xfrm>
-            <a:off x="692640" y="375480"/>
-            <a:ext cx="8689680" cy="946800"/>
+            <a:off x="692640" y="178200"/>
+            <a:ext cx="8689320" cy="1341000"/>
           </a:xfrm>
           <a:prstGeom prst="rect">
             <a:avLst/>
           </a:prstGeom>
         </p:spPr>
         <p:txBody>
-          <a:bodyPr lIns="0" tIns="0" rIns="0" bIns="0" anchor="ctr">
+          <a:bodyPr lIns="0" rIns="0" tIns="0" bIns="0" anchor="ctr">
             <a:spAutoFit/>
           </a:bodyPr>
-          <a:lstStyle/>
-          <a:p>
-            <a:pPr algn="ctr"/>
-            <a:endParaRPr lang="pt-BR" sz="4400" b="0" strike="noStrike" spc="-1">
+          <a:p>
+            <a:endParaRPr b="0" lang="pt-BR" sz="1800" spc="-1" strike="noStrike">
+              <a:solidFill>
+                <a:srgbClr val="000000"/>
+              </a:solidFill>
               <a:latin typeface="Arial"/>
             </a:endParaRPr>
           </a:p>
@@ -1459,12 +1381,14 @@
           </a:prstGeom>
         </p:spPr>
         <p:txBody>
-          <a:bodyPr lIns="0" tIns="0" rIns="0" bIns="0">
+          <a:bodyPr lIns="0" rIns="0" tIns="0" bIns="0">
             <a:normAutofit/>
           </a:bodyPr>
-          <a:lstStyle/>
-          <a:p>
-            <a:endParaRPr lang="pt-BR" sz="3200" b="0" strike="noStrike" spc="-1">
+          <a:p>
+            <a:endParaRPr b="0" lang="pt-BR" sz="2800" spc="-1" strike="noStrike">
+              <a:solidFill>
+                <a:srgbClr val="000000"/>
+              </a:solidFill>
               <a:latin typeface="Arial"/>
             </a:endParaRPr>
           </a:p>
@@ -1490,12 +1414,14 @@
           </a:prstGeom>
         </p:spPr>
         <p:txBody>
-          <a:bodyPr lIns="0" tIns="0" rIns="0" bIns="0">
+          <a:bodyPr lIns="0" rIns="0" tIns="0" bIns="0">
             <a:normAutofit/>
           </a:bodyPr>
-          <a:lstStyle/>
-          <a:p>
-            <a:endParaRPr lang="pt-BR" sz="3200" b="0" strike="noStrike" spc="-1">
+          <a:p>
+            <a:endParaRPr b="0" lang="pt-BR" sz="2800" spc="-1" strike="noStrike">
+              <a:solidFill>
+                <a:srgbClr val="000000"/>
+              </a:solidFill>
               <a:latin typeface="Arial"/>
             </a:endParaRPr>
           </a:p>
@@ -1521,12 +1447,14 @@
           </a:prstGeom>
         </p:spPr>
         <p:txBody>
-          <a:bodyPr lIns="0" tIns="0" rIns="0" bIns="0">
+          <a:bodyPr lIns="0" rIns="0" tIns="0" bIns="0">
             <a:normAutofit/>
           </a:bodyPr>
-          <a:lstStyle/>
-          <a:p>
-            <a:endParaRPr lang="pt-BR" sz="3200" b="0" strike="noStrike" spc="-1">
+          <a:p>
+            <a:endParaRPr b="0" lang="pt-BR" sz="2800" spc="-1" strike="noStrike">
+              <a:solidFill>
+                <a:srgbClr val="000000"/>
+              </a:solidFill>
               <a:latin typeface="Arial"/>
             </a:endParaRPr>
           </a:p>
@@ -1534,21 +1462,17 @@
       </p:sp>
     </p:spTree>
   </p:cSld>
-  <p:clrMapOvr>
-    <a:masterClrMapping/>
-  </p:clrMapOvr>
 </p:sldLayout>
 </file>
 
 <file path=ppt/slideMasters/slideMaster1.xml><?xml version="1.0" encoding="utf-8"?>
-<p:sldMaster xmlns:a="http://schemas.openxmlformats.org/drawingml/2006/main" xmlns:r="http://schemas.openxmlformats.org/officeDocument/2006/relationships" xmlns:p="http://schemas.openxmlformats.org/presentationml/2006/main">
+<p:sldMaster xmlns:a="http://schemas.openxmlformats.org/drawingml/2006/main" xmlns:p="http://schemas.openxmlformats.org/presentationml/2006/main" xmlns:r="http://schemas.openxmlformats.org/officeDocument/2006/relationships" xmlns:p14="http://schemas.microsoft.com/office/powerpoint/2010/main" xmlns:p15="http://schemas.microsoft.com/office/powerpoint/2012/main" xmlns:mc="http://schemas.openxmlformats.org/markup-compatibility/2006">
   <p:cSld>
     <p:bg>
       <p:bgPr>
         <a:solidFill>
-          <a:srgbClr val="FFFFFF"/>
+          <a:srgbClr val="ffffff"/>
         </a:solidFill>
-        <a:effectLst/>
       </p:bgPr>
     </p:bg>
     <p:spTree>
@@ -1567,7 +1491,7 @@
       </p:grpSpPr>
       <p:sp>
         <p:nvSpPr>
-          <p:cNvPr id="2" name="PlaceHolder 1"/>
+          <p:cNvPr id="0" name="PlaceHolder 1"/>
           <p:cNvSpPr>
             <a:spLocks noGrp="1"/>
           </p:cNvSpPr>
@@ -1577,31 +1501,39 @@
         </p:nvSpPr>
         <p:spPr>
           <a:xfrm>
-            <a:off x="692640" y="375480"/>
-            <a:ext cx="8689680" cy="946800"/>
+            <a:off x="692640" y="178200"/>
+            <a:ext cx="8689320" cy="1341000"/>
           </a:xfrm>
           <a:prstGeom prst="rect">
             <a:avLst/>
           </a:prstGeom>
         </p:spPr>
         <p:txBody>
-          <a:bodyPr lIns="0" tIns="0" rIns="0" bIns="0" anchor="ctr">
+          <a:bodyPr lIns="0" rIns="0" tIns="0" bIns="0" anchor="ctr">
             <a:spAutoFit/>
           </a:bodyPr>
-          <a:lstStyle/>
           <a:p>
             <a:r>
-              <a:rPr lang="pt-BR" sz="1800" b="0" strike="noStrike" spc="-1">
+              <a:rPr b="0" lang="pt-BR" sz="4400" spc="-1" strike="noStrike">
+                <a:solidFill>
+                  <a:srgbClr val="000000"/>
+                </a:solidFill>
                 <a:latin typeface="Arial"/>
               </a:rPr>
               <a:t>Clique para editar o formato do texto do título</a:t>
             </a:r>
-          </a:p>
-        </p:txBody>
-      </p:sp>
-      <p:sp>
-        <p:nvSpPr>
-          <p:cNvPr id="3" name="PlaceHolder 2"/>
+            <a:endParaRPr b="0" lang="pt-BR" sz="4400" spc="-1" strike="noStrike">
+              <a:solidFill>
+                <a:srgbClr val="000000"/>
+              </a:solidFill>
+              <a:latin typeface="Arial"/>
+            </a:endParaRPr>
+          </a:p>
+        </p:txBody>
+      </p:sp>
+      <p:sp>
+        <p:nvSpPr>
+          <p:cNvPr id="1" name="PlaceHolder 2"/>
           <p:cNvSpPr>
             <a:spLocks noGrp="1"/>
           </p:cNvSpPr>
@@ -1619,10 +1551,9 @@
           </a:prstGeom>
         </p:spPr>
         <p:txBody>
-          <a:bodyPr lIns="0" tIns="0" rIns="0" bIns="0">
-            <a:normAutofit fontScale="94000"/>
-          </a:bodyPr>
-          <a:lstStyle/>
+          <a:bodyPr lIns="0" rIns="0" tIns="0" bIns="0">
+            <a:normAutofit/>
+          </a:bodyPr>
           <a:p>
             <a:pPr marL="432000" indent="-324000">
               <a:spcBef>
@@ -1636,14 +1567,23 @@
               <a:buChar char=""/>
             </a:pPr>
             <a:r>
-              <a:rPr lang="pt-BR" sz="3200" b="0" strike="noStrike" spc="-1">
+              <a:rPr b="0" lang="pt-BR" sz="2800" spc="-1" strike="noStrike">
+                <a:solidFill>
+                  <a:srgbClr val="000000"/>
+                </a:solidFill>
                 <a:latin typeface="Arial"/>
               </a:rPr>
               <a:t>Clique para editar o formato do texto da estrutura de tópicos</a:t>
             </a:r>
-          </a:p>
-          <a:p>
-            <a:pPr marL="864000" lvl="1" indent="-324000">
+            <a:endParaRPr b="0" lang="pt-BR" sz="2800" spc="-1" strike="noStrike">
+              <a:solidFill>
+                <a:srgbClr val="000000"/>
+              </a:solidFill>
+              <a:latin typeface="Arial"/>
+            </a:endParaRPr>
+          </a:p>
+          <a:p>
+            <a:pPr lvl="1" marL="864000" indent="-324000">
               <a:spcBef>
                 <a:spcPts val="1134"/>
               </a:spcBef>
@@ -1655,14 +1595,23 @@
               <a:buChar char=""/>
             </a:pPr>
             <a:r>
-              <a:rPr lang="pt-BR" sz="2800" b="0" strike="noStrike" spc="-1">
+              <a:rPr b="0" lang="pt-BR" sz="2000" spc="-1" strike="noStrike">
+                <a:solidFill>
+                  <a:srgbClr val="000000"/>
+                </a:solidFill>
                 <a:latin typeface="Arial"/>
               </a:rPr>
               <a:t>2.º nível da estrutura de tópicos</a:t>
             </a:r>
-          </a:p>
-          <a:p>
-            <a:pPr marL="1296000" lvl="2" indent="-288000">
+            <a:endParaRPr b="0" lang="pt-BR" sz="2000" spc="-1" strike="noStrike">
+              <a:solidFill>
+                <a:srgbClr val="000000"/>
+              </a:solidFill>
+              <a:latin typeface="Arial"/>
+            </a:endParaRPr>
+          </a:p>
+          <a:p>
+            <a:pPr lvl="2" marL="1296000" indent="-288000">
               <a:spcBef>
                 <a:spcPts val="850"/>
               </a:spcBef>
@@ -1674,14 +1623,23 @@
               <a:buChar char=""/>
             </a:pPr>
             <a:r>
-              <a:rPr lang="pt-BR" sz="2400" b="0" strike="noStrike" spc="-1">
+              <a:rPr b="0" lang="pt-BR" sz="1800" spc="-1" strike="noStrike">
+                <a:solidFill>
+                  <a:srgbClr val="000000"/>
+                </a:solidFill>
                 <a:latin typeface="Arial"/>
               </a:rPr>
               <a:t>3.º nível da estrutura de tópicos</a:t>
             </a:r>
-          </a:p>
-          <a:p>
-            <a:pPr marL="1728000" lvl="3" indent="-216000">
+            <a:endParaRPr b="0" lang="pt-BR" sz="1800" spc="-1" strike="noStrike">
+              <a:solidFill>
+                <a:srgbClr val="000000"/>
+              </a:solidFill>
+              <a:latin typeface="Arial"/>
+            </a:endParaRPr>
+          </a:p>
+          <a:p>
+            <a:pPr lvl="3" marL="1728000" indent="-216000">
               <a:spcBef>
                 <a:spcPts val="567"/>
               </a:spcBef>
@@ -1693,14 +1651,23 @@
               <a:buChar char=""/>
             </a:pPr>
             <a:r>
-              <a:rPr lang="pt-BR" sz="2000" b="0" strike="noStrike" spc="-1">
+              <a:rPr b="0" lang="pt-BR" sz="1800" spc="-1" strike="noStrike">
+                <a:solidFill>
+                  <a:srgbClr val="000000"/>
+                </a:solidFill>
                 <a:latin typeface="Arial"/>
               </a:rPr>
               <a:t>4.º nível da estrutura de tópicos</a:t>
             </a:r>
-          </a:p>
-          <a:p>
-            <a:pPr marL="2160000" lvl="4" indent="-216000">
+            <a:endParaRPr b="0" lang="pt-BR" sz="1800" spc="-1" strike="noStrike">
+              <a:solidFill>
+                <a:srgbClr val="000000"/>
+              </a:solidFill>
+              <a:latin typeface="Arial"/>
+            </a:endParaRPr>
+          </a:p>
+          <a:p>
+            <a:pPr lvl="4" marL="2160000" indent="-216000">
               <a:spcBef>
                 <a:spcPts val="283"/>
               </a:spcBef>
@@ -1712,14 +1679,23 @@
               <a:buChar char=""/>
             </a:pPr>
             <a:r>
-              <a:rPr lang="pt-BR" sz="2000" b="0" strike="noStrike" spc="-1">
+              <a:rPr b="0" lang="pt-BR" sz="2000" spc="-1" strike="noStrike">
+                <a:solidFill>
+                  <a:srgbClr val="000000"/>
+                </a:solidFill>
                 <a:latin typeface="Arial"/>
               </a:rPr>
               <a:t>5.º nível da estrutura de tópicos</a:t>
             </a:r>
-          </a:p>
-          <a:p>
-            <a:pPr marL="2592000" lvl="5" indent="-216000">
+            <a:endParaRPr b="0" lang="pt-BR" sz="2000" spc="-1" strike="noStrike">
+              <a:solidFill>
+                <a:srgbClr val="000000"/>
+              </a:solidFill>
+              <a:latin typeface="Arial"/>
+            </a:endParaRPr>
+          </a:p>
+          <a:p>
+            <a:pPr lvl="5" marL="2592000" indent="-216000">
               <a:spcBef>
                 <a:spcPts val="283"/>
               </a:spcBef>
@@ -1731,14 +1707,23 @@
               <a:buChar char=""/>
             </a:pPr>
             <a:r>
-              <a:rPr lang="pt-BR" sz="2000" b="0" strike="noStrike" spc="-1">
+              <a:rPr b="0" lang="pt-BR" sz="2000" spc="-1" strike="noStrike">
+                <a:solidFill>
+                  <a:srgbClr val="000000"/>
+                </a:solidFill>
                 <a:latin typeface="Arial"/>
               </a:rPr>
               <a:t>6.º nível da estrutura de tópicos</a:t>
             </a:r>
-          </a:p>
-          <a:p>
-            <a:pPr marL="3024000" lvl="6" indent="-216000">
+            <a:endParaRPr b="0" lang="pt-BR" sz="2000" spc="-1" strike="noStrike">
+              <a:solidFill>
+                <a:srgbClr val="000000"/>
+              </a:solidFill>
+              <a:latin typeface="Arial"/>
+            </a:endParaRPr>
+          </a:p>
+          <a:p>
+            <a:pPr lvl="6" marL="3024000" indent="-216000">
               <a:spcBef>
                 <a:spcPts val="283"/>
               </a:spcBef>
@@ -1750,316 +1735,45 @@
               <a:buChar char=""/>
             </a:pPr>
             <a:r>
-              <a:rPr lang="pt-BR" sz="2000" b="0" strike="noStrike" spc="-1">
+              <a:rPr b="0" lang="pt-BR" sz="2000" spc="-1" strike="noStrike">
+                <a:solidFill>
+                  <a:srgbClr val="000000"/>
+                </a:solidFill>
                 <a:latin typeface="Arial"/>
               </a:rPr>
               <a:t>7.º nível da estrutura de tópicos</a:t>
             </a:r>
+            <a:endParaRPr b="0" lang="pt-BR" sz="2000" spc="-1" strike="noStrike">
+              <a:solidFill>
+                <a:srgbClr val="000000"/>
+              </a:solidFill>
+              <a:latin typeface="Arial"/>
+            </a:endParaRPr>
           </a:p>
         </p:txBody>
       </p:sp>
     </p:spTree>
   </p:cSld>
-  <p:clrMap bg1="lt1" tx1="dk1" bg2="lt2" tx2="dk2" accent1="accent1" accent2="accent2" accent3="accent3" accent4="accent4" accent5="accent5" accent6="accent6" hlink="hlink" folHlink="folHlink"/>
+  <p:clrMap bg1="lt1" bg2="lt2" tx1="dk1" tx2="dk2" accent1="accent1" accent2="accent2" accent3="accent3" accent4="accent4" accent5="accent5" accent6="accent6" hlink="hlink" folHlink="folHlink"/>
   <p:sldLayoutIdLst>
-    <p:sldLayoutId id="2147483649" r:id="rId1"/>
-    <p:sldLayoutId id="2147483650" r:id="rId2"/>
-    <p:sldLayoutId id="2147483651" r:id="rId3"/>
-    <p:sldLayoutId id="2147483652" r:id="rId4"/>
-    <p:sldLayoutId id="2147483653" r:id="rId5"/>
-    <p:sldLayoutId id="2147483654" r:id="rId6"/>
-    <p:sldLayoutId id="2147483655" r:id="rId7"/>
-    <p:sldLayoutId id="2147483656" r:id="rId8"/>
-    <p:sldLayoutId id="2147483657" r:id="rId9"/>
-    <p:sldLayoutId id="2147483658" r:id="rId10"/>
-    <p:sldLayoutId id="2147483659" r:id="rId11"/>
-    <p:sldLayoutId id="2147483660" r:id="rId12"/>
+    <p:sldLayoutId id="2147483649" r:id="rId2"/>
+    <p:sldLayoutId id="2147483650" r:id="rId3"/>
+    <p:sldLayoutId id="2147483651" r:id="rId4"/>
+    <p:sldLayoutId id="2147483652" r:id="rId5"/>
+    <p:sldLayoutId id="2147483653" r:id="rId6"/>
+    <p:sldLayoutId id="2147483654" r:id="rId7"/>
+    <p:sldLayoutId id="2147483655" r:id="rId8"/>
+    <p:sldLayoutId id="2147483656" r:id="rId9"/>
+    <p:sldLayoutId id="2147483657" r:id="rId10"/>
+    <p:sldLayoutId id="2147483658" r:id="rId11"/>
+    <p:sldLayoutId id="2147483659" r:id="rId12"/>
+    <p:sldLayoutId id="2147483660" r:id="rId13"/>
   </p:sldLayoutIdLst>
-  <p:txStyles>
-    <p:titleStyle>
-      <a:lvl1pPr algn="l" defTabSz="914400" rtl="0" eaLnBrk="1" latinLnBrk="0" hangingPunct="1">
-        <a:lnSpc>
-          <a:spcPct val="90000"/>
-        </a:lnSpc>
-        <a:spcBef>
-          <a:spcPct val="0"/>
-        </a:spcBef>
-        <a:buNone/>
-        <a:defRPr sz="4400" kern="1200">
-          <a:solidFill>
-            <a:schemeClr val="tx1"/>
-          </a:solidFill>
-          <a:latin typeface="+mj-lt"/>
-          <a:ea typeface="+mj-ea"/>
-          <a:cs typeface="+mj-cs"/>
-        </a:defRPr>
-      </a:lvl1pPr>
-    </p:titleStyle>
-    <p:bodyStyle>
-      <a:lvl1pPr marL="228600" indent="-228600" algn="l" defTabSz="914400" rtl="0" eaLnBrk="1" latinLnBrk="0" hangingPunct="1">
-        <a:lnSpc>
-          <a:spcPct val="90000"/>
-        </a:lnSpc>
-        <a:spcBef>
-          <a:spcPts val="1000"/>
-        </a:spcBef>
-        <a:buFont typeface="Arial" panose="020B0604020202020204" pitchFamily="34" charset="0"/>
-        <a:buChar char="•"/>
-        <a:defRPr sz="2800" kern="1200">
-          <a:solidFill>
-            <a:schemeClr val="tx1"/>
-          </a:solidFill>
-          <a:latin typeface="+mn-lt"/>
-          <a:ea typeface="+mn-ea"/>
-          <a:cs typeface="+mn-cs"/>
-        </a:defRPr>
-      </a:lvl1pPr>
-      <a:lvl2pPr marL="685800" indent="-228600" algn="l" defTabSz="914400" rtl="0" eaLnBrk="1" latinLnBrk="0" hangingPunct="1">
-        <a:lnSpc>
-          <a:spcPct val="90000"/>
-        </a:lnSpc>
-        <a:spcBef>
-          <a:spcPts val="500"/>
-        </a:spcBef>
-        <a:buFont typeface="Arial" panose="020B0604020202020204" pitchFamily="34" charset="0"/>
-        <a:buChar char="•"/>
-        <a:defRPr sz="2400" kern="1200">
-          <a:solidFill>
-            <a:schemeClr val="tx1"/>
-          </a:solidFill>
-          <a:latin typeface="+mn-lt"/>
-          <a:ea typeface="+mn-ea"/>
-          <a:cs typeface="+mn-cs"/>
-        </a:defRPr>
-      </a:lvl2pPr>
-      <a:lvl3pPr marL="1143000" indent="-228600" algn="l" defTabSz="914400" rtl="0" eaLnBrk="1" latinLnBrk="0" hangingPunct="1">
-        <a:lnSpc>
-          <a:spcPct val="90000"/>
-        </a:lnSpc>
-        <a:spcBef>
-          <a:spcPts val="500"/>
-        </a:spcBef>
-        <a:buFont typeface="Arial" panose="020B0604020202020204" pitchFamily="34" charset="0"/>
-        <a:buChar char="•"/>
-        <a:defRPr sz="2000" kern="1200">
-          <a:solidFill>
-            <a:schemeClr val="tx1"/>
-          </a:solidFill>
-          <a:latin typeface="+mn-lt"/>
-          <a:ea typeface="+mn-ea"/>
-          <a:cs typeface="+mn-cs"/>
-        </a:defRPr>
-      </a:lvl3pPr>
-      <a:lvl4pPr marL="1600200" indent="-228600" algn="l" defTabSz="914400" rtl="0" eaLnBrk="1" latinLnBrk="0" hangingPunct="1">
-        <a:lnSpc>
-          <a:spcPct val="90000"/>
-        </a:lnSpc>
-        <a:spcBef>
-          <a:spcPts val="500"/>
-        </a:spcBef>
-        <a:buFont typeface="Arial" panose="020B0604020202020204" pitchFamily="34" charset="0"/>
-        <a:buChar char="•"/>
-        <a:defRPr sz="1800" kern="1200">
-          <a:solidFill>
-            <a:schemeClr val="tx1"/>
-          </a:solidFill>
-          <a:latin typeface="+mn-lt"/>
-          <a:ea typeface="+mn-ea"/>
-          <a:cs typeface="+mn-cs"/>
-        </a:defRPr>
-      </a:lvl4pPr>
-      <a:lvl5pPr marL="2057400" indent="-228600" algn="l" defTabSz="914400" rtl="0" eaLnBrk="1" latinLnBrk="0" hangingPunct="1">
-        <a:lnSpc>
-          <a:spcPct val="90000"/>
-        </a:lnSpc>
-        <a:spcBef>
-          <a:spcPts val="500"/>
-        </a:spcBef>
-        <a:buFont typeface="Arial" panose="020B0604020202020204" pitchFamily="34" charset="0"/>
-        <a:buChar char="•"/>
-        <a:defRPr sz="1800" kern="1200">
-          <a:solidFill>
-            <a:schemeClr val="tx1"/>
-          </a:solidFill>
-          <a:latin typeface="+mn-lt"/>
-          <a:ea typeface="+mn-ea"/>
-          <a:cs typeface="+mn-cs"/>
-        </a:defRPr>
-      </a:lvl5pPr>
-      <a:lvl6pPr marL="2514600" indent="-228600" algn="l" defTabSz="914400" rtl="0" eaLnBrk="1" latinLnBrk="0" hangingPunct="1">
-        <a:lnSpc>
-          <a:spcPct val="90000"/>
-        </a:lnSpc>
-        <a:spcBef>
-          <a:spcPts val="500"/>
-        </a:spcBef>
-        <a:buFont typeface="Arial" panose="020B0604020202020204" pitchFamily="34" charset="0"/>
-        <a:buChar char="•"/>
-        <a:defRPr sz="1800" kern="1200">
-          <a:solidFill>
-            <a:schemeClr val="tx1"/>
-          </a:solidFill>
-          <a:latin typeface="+mn-lt"/>
-          <a:ea typeface="+mn-ea"/>
-          <a:cs typeface="+mn-cs"/>
-        </a:defRPr>
-      </a:lvl6pPr>
-      <a:lvl7pPr marL="2971800" indent="-228600" algn="l" defTabSz="914400" rtl="0" eaLnBrk="1" latinLnBrk="0" hangingPunct="1">
-        <a:lnSpc>
-          <a:spcPct val="90000"/>
-        </a:lnSpc>
-        <a:spcBef>
-          <a:spcPts val="500"/>
-        </a:spcBef>
-        <a:buFont typeface="Arial" panose="020B0604020202020204" pitchFamily="34" charset="0"/>
-        <a:buChar char="•"/>
-        <a:defRPr sz="1800" kern="1200">
-          <a:solidFill>
-            <a:schemeClr val="tx1"/>
-          </a:solidFill>
-          <a:latin typeface="+mn-lt"/>
-          <a:ea typeface="+mn-ea"/>
-          <a:cs typeface="+mn-cs"/>
-        </a:defRPr>
-      </a:lvl7pPr>
-      <a:lvl8pPr marL="3429000" indent="-228600" algn="l" defTabSz="914400" rtl="0" eaLnBrk="1" latinLnBrk="0" hangingPunct="1">
-        <a:lnSpc>
-          <a:spcPct val="90000"/>
-        </a:lnSpc>
-        <a:spcBef>
-          <a:spcPts val="500"/>
-        </a:spcBef>
-        <a:buFont typeface="Arial" panose="020B0604020202020204" pitchFamily="34" charset="0"/>
-        <a:buChar char="•"/>
-        <a:defRPr sz="1800" kern="1200">
-          <a:solidFill>
-            <a:schemeClr val="tx1"/>
-          </a:solidFill>
-          <a:latin typeface="+mn-lt"/>
-          <a:ea typeface="+mn-ea"/>
-          <a:cs typeface="+mn-cs"/>
-        </a:defRPr>
-      </a:lvl8pPr>
-      <a:lvl9pPr marL="3886200" indent="-228600" algn="l" defTabSz="914400" rtl="0" eaLnBrk="1" latinLnBrk="0" hangingPunct="1">
-        <a:lnSpc>
-          <a:spcPct val="90000"/>
-        </a:lnSpc>
-        <a:spcBef>
-          <a:spcPts val="500"/>
-        </a:spcBef>
-        <a:buFont typeface="Arial" panose="020B0604020202020204" pitchFamily="34" charset="0"/>
-        <a:buChar char="•"/>
-        <a:defRPr sz="1800" kern="1200">
-          <a:solidFill>
-            <a:schemeClr val="tx1"/>
-          </a:solidFill>
-          <a:latin typeface="+mn-lt"/>
-          <a:ea typeface="+mn-ea"/>
-          <a:cs typeface="+mn-cs"/>
-        </a:defRPr>
-      </a:lvl9pPr>
-    </p:bodyStyle>
-    <p:otherStyle>
-      <a:defPPr>
-        <a:defRPr lang="pt-BR"/>
-      </a:defPPr>
-      <a:lvl1pPr marL="0" algn="l" defTabSz="914400" rtl="0" eaLnBrk="1" latinLnBrk="0" hangingPunct="1">
-        <a:defRPr sz="1800" kern="1200">
-          <a:solidFill>
-            <a:schemeClr val="tx1"/>
-          </a:solidFill>
-          <a:latin typeface="+mn-lt"/>
-          <a:ea typeface="+mn-ea"/>
-          <a:cs typeface="+mn-cs"/>
-        </a:defRPr>
-      </a:lvl1pPr>
-      <a:lvl2pPr marL="457200" algn="l" defTabSz="914400" rtl="0" eaLnBrk="1" latinLnBrk="0" hangingPunct="1">
-        <a:defRPr sz="1800" kern="1200">
-          <a:solidFill>
-            <a:schemeClr val="tx1"/>
-          </a:solidFill>
-          <a:latin typeface="+mn-lt"/>
-          <a:ea typeface="+mn-ea"/>
-          <a:cs typeface="+mn-cs"/>
-        </a:defRPr>
-      </a:lvl2pPr>
-      <a:lvl3pPr marL="914400" algn="l" defTabSz="914400" rtl="0" eaLnBrk="1" latinLnBrk="0" hangingPunct="1">
-        <a:defRPr sz="1800" kern="1200">
-          <a:solidFill>
-            <a:schemeClr val="tx1"/>
-          </a:solidFill>
-          <a:latin typeface="+mn-lt"/>
-          <a:ea typeface="+mn-ea"/>
-          <a:cs typeface="+mn-cs"/>
-        </a:defRPr>
-      </a:lvl3pPr>
-      <a:lvl4pPr marL="1371600" algn="l" defTabSz="914400" rtl="0" eaLnBrk="1" latinLnBrk="0" hangingPunct="1">
-        <a:defRPr sz="1800" kern="1200">
-          <a:solidFill>
-            <a:schemeClr val="tx1"/>
-          </a:solidFill>
-          <a:latin typeface="+mn-lt"/>
-          <a:ea typeface="+mn-ea"/>
-          <a:cs typeface="+mn-cs"/>
-        </a:defRPr>
-      </a:lvl4pPr>
-      <a:lvl5pPr marL="1828800" algn="l" defTabSz="914400" rtl="0" eaLnBrk="1" latinLnBrk="0" hangingPunct="1">
-        <a:defRPr sz="1800" kern="1200">
-          <a:solidFill>
-            <a:schemeClr val="tx1"/>
-          </a:solidFill>
-          <a:latin typeface="+mn-lt"/>
-          <a:ea typeface="+mn-ea"/>
-          <a:cs typeface="+mn-cs"/>
-        </a:defRPr>
-      </a:lvl5pPr>
-      <a:lvl6pPr marL="2286000" algn="l" defTabSz="914400" rtl="0" eaLnBrk="1" latinLnBrk="0" hangingPunct="1">
-        <a:defRPr sz="1800" kern="1200">
-          <a:solidFill>
-            <a:schemeClr val="tx1"/>
-          </a:solidFill>
-          <a:latin typeface="+mn-lt"/>
-          <a:ea typeface="+mn-ea"/>
-          <a:cs typeface="+mn-cs"/>
-        </a:defRPr>
-      </a:lvl6pPr>
-      <a:lvl7pPr marL="2743200" algn="l" defTabSz="914400" rtl="0" eaLnBrk="1" latinLnBrk="0" hangingPunct="1">
-        <a:defRPr sz="1800" kern="1200">
-          <a:solidFill>
-            <a:schemeClr val="tx1"/>
-          </a:solidFill>
-          <a:latin typeface="+mn-lt"/>
-          <a:ea typeface="+mn-ea"/>
-          <a:cs typeface="+mn-cs"/>
-        </a:defRPr>
-      </a:lvl7pPr>
-      <a:lvl8pPr marL="3200400" algn="l" defTabSz="914400" rtl="0" eaLnBrk="1" latinLnBrk="0" hangingPunct="1">
-        <a:defRPr sz="1800" kern="1200">
-          <a:solidFill>
-            <a:schemeClr val="tx1"/>
-          </a:solidFill>
-          <a:latin typeface="+mn-lt"/>
-          <a:ea typeface="+mn-ea"/>
-          <a:cs typeface="+mn-cs"/>
-        </a:defRPr>
-      </a:lvl8pPr>
-      <a:lvl9pPr marL="3657600" algn="l" defTabSz="914400" rtl="0" eaLnBrk="1" latinLnBrk="0" hangingPunct="1">
-        <a:defRPr sz="1800" kern="1200">
-          <a:solidFill>
-            <a:schemeClr val="tx1"/>
-          </a:solidFill>
-          <a:latin typeface="+mn-lt"/>
-          <a:ea typeface="+mn-ea"/>
-          <a:cs typeface="+mn-cs"/>
-        </a:defRPr>
-      </a:lvl9pPr>
-    </p:otherStyle>
-  </p:txStyles>
 </p:sldMaster>
 </file>
 
 <file path=ppt/slides/slide1.xml><?xml version="1.0" encoding="utf-8"?>
-<p:sld xmlns:a="http://schemas.openxmlformats.org/drawingml/2006/main" xmlns:r="http://schemas.openxmlformats.org/officeDocument/2006/relationships" xmlns:p="http://schemas.openxmlformats.org/presentationml/2006/main">
+<p:sld xmlns:a="http://schemas.openxmlformats.org/drawingml/2006/main" xmlns:p="http://schemas.openxmlformats.org/presentationml/2006/main" xmlns:r="http://schemas.openxmlformats.org/officeDocument/2006/relationships" xmlns:p14="http://schemas.microsoft.com/office/powerpoint/2010/main" xmlns:p15="http://schemas.microsoft.com/office/powerpoint/2012/main" xmlns:mc="http://schemas.openxmlformats.org/markup-compatibility/2006">
   <p:cSld>
     <p:spTree>
       <p:nvGrpSpPr>
@@ -2084,7 +1798,7 @@
         <p:spPr>
           <a:xfrm>
             <a:off x="471960" y="226440"/>
-            <a:ext cx="950760" cy="758880"/>
+            <a:ext cx="950400" cy="758520"/>
           </a:xfrm>
           <a:prstGeom prst="rect">
             <a:avLst/>
@@ -2092,10 +1806,10 @@
           <a:gradFill rotWithShape="0">
             <a:gsLst>
               <a:gs pos="0">
-                <a:srgbClr val="D0D0D0"/>
+                <a:srgbClr val="d0d0d0"/>
               </a:gs>
               <a:gs pos="100000">
-                <a:srgbClr val="EDEDED">
+                <a:srgbClr val="ededed">
                   <a:alpha val="0"/>
                 </a:srgbClr>
               </a:gs>
@@ -2104,7 +1818,7 @@
           </a:gradFill>
           <a:ln/>
           <a:effectLst>
-            <a:outerShdw blurRad="40000" dist="20160" dir="5400000" rotWithShape="0">
+            <a:outerShdw blurRad="40000" dir="5400000" dist="20160" rotWithShape="0">
               <a:srgbClr val="000000">
                 <a:alpha val="38000"/>
               </a:srgbClr>
@@ -2124,10 +1838,9 @@
           <a:fontRef idx="minor"/>
         </p:style>
         <p:txBody>
-          <a:bodyPr lIns="90000" tIns="45000" rIns="90000" bIns="45000" anchor="ctr">
+          <a:bodyPr lIns="90000" rIns="90000" tIns="45000" bIns="45000" anchor="ctr">
             <a:noAutofit/>
           </a:bodyPr>
-          <a:lstStyle/>
           <a:p>
             <a:pPr algn="ctr">
               <a:lnSpc>
@@ -2135,7 +1848,7 @@
               </a:lnSpc>
             </a:pPr>
             <a:r>
-              <a:rPr lang="pt-BR" sz="1200" b="0" strike="noStrike" spc="-1">
+              <a:rPr b="0" lang="pt-BR" sz="1200" spc="-1" strike="noStrike">
                 <a:solidFill>
                   <a:srgbClr val="000000"/>
                 </a:solidFill>
@@ -2144,7 +1857,7 @@
               </a:rPr>
               <a:t>Comercial</a:t>
             </a:r>
-            <a:endParaRPr lang="pt-BR" sz="1200" b="0" strike="noStrike" spc="-1">
+            <a:endParaRPr b="0" lang="pt-BR" sz="1200" spc="-1" strike="noStrike">
               <a:latin typeface="Arial"/>
             </a:endParaRPr>
           </a:p>
@@ -2159,7 +1872,7 @@
         <p:spPr>
           <a:xfrm>
             <a:off x="432000" y="1729440"/>
-            <a:ext cx="1253520" cy="1060200"/>
+            <a:ext cx="1253160" cy="1059840"/>
           </a:xfrm>
           <a:prstGeom prst="ellipse">
             <a:avLst/>
@@ -2185,10 +1898,9 @@
           <a:fontRef idx="minor"/>
         </p:style>
         <p:txBody>
-          <a:bodyPr lIns="90000" tIns="45000" rIns="90000" bIns="45000" anchor="ctr">
+          <a:bodyPr lIns="90000" rIns="90000" tIns="45000" bIns="45000" anchor="ctr">
             <a:noAutofit/>
           </a:bodyPr>
-          <a:lstStyle/>
           <a:p>
             <a:pPr algn="ctr">
               <a:lnSpc>
@@ -2196,7 +1908,7 @@
               </a:lnSpc>
             </a:pPr>
             <a:r>
-              <a:rPr lang="pt-BR" sz="1050" strike="noStrike" spc="-1">
+              <a:rPr b="0" lang="pt-BR" sz="1050" spc="-1" strike="noStrike">
                 <a:solidFill>
                   <a:srgbClr val="000000"/>
                 </a:solidFill>
@@ -2205,7 +1917,7 @@
               </a:rPr>
               <a:t>Receber Solicitação de produção</a:t>
             </a:r>
-            <a:endParaRPr lang="pt-BR" sz="1050" strike="noStrike" spc="-1">
+            <a:endParaRPr b="0" lang="pt-BR" sz="1050" spc="-1" strike="noStrike">
               <a:latin typeface="Arial"/>
             </a:endParaRPr>
           </a:p>
@@ -2220,13 +1932,12 @@
         <p:spPr>
           <a:xfrm>
             <a:off x="948960" y="988200"/>
-            <a:ext cx="171720" cy="738360"/>
+            <a:ext cx="171360" cy="738000"/>
           </a:xfrm>
           <a:custGeom>
             <a:avLst/>
             <a:gdLst/>
             <a:ahLst/>
-            <a:cxnLst/>
             <a:rect l="l" t="t" r="r" b="b"/>
             <a:pathLst>
               <a:path w="21600" h="21600">
@@ -2244,7 +1955,7 @@
             <a:solidFill>
               <a:schemeClr val="tx1"/>
             </a:solidFill>
-            <a:tailEnd type="triangle" w="med" len="med"/>
+            <a:tailEnd len="med" type="triangle" w="med"/>
           </a:ln>
         </p:spPr>
         <p:style>
@@ -2268,8 +1979,8 @@
         </p:nvSpPr>
         <p:spPr>
           <a:xfrm>
-            <a:off x="-243180" y="1053775"/>
-            <a:ext cx="1361520" cy="394200"/>
+            <a:off x="-243360" y="1053720"/>
+            <a:ext cx="1361160" cy="394200"/>
           </a:xfrm>
           <a:prstGeom prst="rect">
             <a:avLst/>
@@ -2280,22 +1991,15 @@
           </a:ln>
         </p:spPr>
         <p:style>
-          <a:lnRef idx="0">
-            <a:scrgbClr r="0" g="0" b="0"/>
-          </a:lnRef>
-          <a:fillRef idx="0">
-            <a:scrgbClr r="0" g="0" b="0"/>
-          </a:fillRef>
-          <a:effectRef idx="0">
-            <a:scrgbClr r="0" g="0" b="0"/>
-          </a:effectRef>
-          <a:fontRef idx="minor"/>
-        </p:style>
-        <p:txBody>
-          <a:bodyPr lIns="90000" tIns="45000" rIns="90000" bIns="45000">
+          <a:lnRef idx="0"/>
+          <a:fillRef idx="0"/>
+          <a:effectRef idx="0"/>
+          <a:fontRef idx="minor"/>
+        </p:style>
+        <p:txBody>
+          <a:bodyPr lIns="90000" rIns="90000" tIns="45000" bIns="45000">
             <a:spAutoFit/>
           </a:bodyPr>
-          <a:lstStyle/>
           <a:p>
             <a:pPr algn="ctr">
               <a:lnSpc>
@@ -2303,7 +2007,7 @@
               </a:lnSpc>
             </a:pPr>
             <a:r>
-              <a:rPr lang="pt-BR" sz="1000" b="0" strike="noStrike" spc="-1">
+              <a:rPr b="0" lang="pt-BR" sz="1000" spc="-1" strike="noStrike">
                 <a:solidFill>
                   <a:srgbClr val="000000"/>
                 </a:solidFill>
@@ -2312,7 +2016,7 @@
               </a:rPr>
               <a:t>Solicitação de produção</a:t>
             </a:r>
-            <a:endParaRPr lang="pt-BR" sz="1000" b="0" strike="noStrike" spc="-1">
+            <a:endParaRPr b="0" lang="pt-BR" sz="1000" spc="-1" strike="noStrike">
               <a:latin typeface="Arial"/>
             </a:endParaRPr>
           </a:p>
@@ -2360,13 +2064,12 @@
         <p:spPr>
           <a:xfrm>
             <a:off x="1123200" y="2792520"/>
-            <a:ext cx="360" cy="660600"/>
+            <a:ext cx="360" cy="660240"/>
           </a:xfrm>
           <a:custGeom>
             <a:avLst/>
             <a:gdLst/>
             <a:ahLst/>
-            <a:cxnLst/>
             <a:rect l="l" t="t" r="r" b="b"/>
             <a:pathLst>
               <a:path w="21600" h="21600">
@@ -2384,7 +2087,7 @@
             <a:solidFill>
               <a:schemeClr val="tx1"/>
             </a:solidFill>
-            <a:tailEnd type="triangle" w="med" len="med"/>
+            <a:tailEnd len="med" type="triangle" w="med"/>
           </a:ln>
         </p:spPr>
         <p:style>
@@ -2409,7 +2112,7 @@
         <p:spPr>
           <a:xfrm>
             <a:off x="324360" y="3565080"/>
-            <a:ext cx="1671120" cy="454680"/>
+            <a:ext cx="1670760" cy="454680"/>
           </a:xfrm>
           <a:prstGeom prst="rect">
             <a:avLst/>
@@ -2420,22 +2123,15 @@
           </a:ln>
         </p:spPr>
         <p:style>
-          <a:lnRef idx="0">
-            <a:scrgbClr r="0" g="0" b="0"/>
-          </a:lnRef>
-          <a:fillRef idx="0">
-            <a:scrgbClr r="0" g="0" b="0"/>
-          </a:fillRef>
-          <a:effectRef idx="0">
-            <a:scrgbClr r="0" g="0" b="0"/>
-          </a:effectRef>
-          <a:fontRef idx="minor"/>
-        </p:style>
-        <p:txBody>
-          <a:bodyPr lIns="90000" tIns="45000" rIns="90000" bIns="45000">
+          <a:lnRef idx="0"/>
+          <a:fillRef idx="0"/>
+          <a:effectRef idx="0"/>
+          <a:fontRef idx="minor"/>
+        </p:style>
+        <p:txBody>
+          <a:bodyPr lIns="90000" rIns="90000" tIns="45000" bIns="45000">
             <a:spAutoFit/>
           </a:bodyPr>
-          <a:lstStyle/>
           <a:p>
             <a:pPr algn="ctr">
               <a:lnSpc>
@@ -2443,7 +2139,7 @@
               </a:lnSpc>
             </a:pPr>
             <a:r>
-              <a:rPr lang="pt-BR" sz="1200" b="0" strike="noStrike" spc="-1">
+              <a:rPr b="0" lang="pt-BR" sz="1200" spc="-1" strike="noStrike">
                 <a:solidFill>
                   <a:srgbClr val="000000"/>
                 </a:solidFill>
@@ -2452,7 +2148,7 @@
               </a:rPr>
               <a:t>Solicitação  </a:t>
             </a:r>
-            <a:endParaRPr lang="pt-BR" sz="1200" b="0" strike="noStrike" spc="-1">
+            <a:endParaRPr b="0" lang="pt-BR" sz="1200" spc="-1" strike="noStrike">
               <a:latin typeface="Arial"/>
             </a:endParaRPr>
           </a:p>
@@ -2463,7 +2159,7 @@
               </a:lnSpc>
             </a:pPr>
             <a:r>
-              <a:rPr lang="pt-BR" sz="1200" b="0" strike="noStrike" spc="-1">
+              <a:rPr b="0" lang="pt-BR" sz="1200" spc="-1" strike="noStrike">
                 <a:solidFill>
                   <a:srgbClr val="000000"/>
                 </a:solidFill>
@@ -2472,7 +2168,7 @@
               </a:rPr>
               <a:t>De produção</a:t>
             </a:r>
-            <a:endParaRPr lang="pt-BR" sz="1200" b="0" strike="noStrike" spc="-1">
+            <a:endParaRPr b="0" lang="pt-BR" sz="1200" spc="-1" strike="noStrike">
               <a:latin typeface="Arial"/>
             </a:endParaRPr>
           </a:p>
@@ -2487,7 +2183,7 @@
         <p:spPr>
           <a:xfrm>
             <a:off x="6912000" y="85680"/>
-            <a:ext cx="2805840" cy="638280"/>
+            <a:ext cx="2805480" cy="638280"/>
           </a:xfrm>
           <a:prstGeom prst="rect">
             <a:avLst/>
@@ -2498,22 +2194,15 @@
           </a:ln>
         </p:spPr>
         <p:style>
-          <a:lnRef idx="0">
-            <a:scrgbClr r="0" g="0" b="0"/>
-          </a:lnRef>
-          <a:fillRef idx="0">
-            <a:scrgbClr r="0" g="0" b="0"/>
-          </a:fillRef>
-          <a:effectRef idx="0">
-            <a:scrgbClr r="0" g="0" b="0"/>
-          </a:effectRef>
-          <a:fontRef idx="minor"/>
-        </p:style>
-        <p:txBody>
-          <a:bodyPr lIns="90000" tIns="45000" rIns="90000" bIns="45000">
+          <a:lnRef idx="0"/>
+          <a:fillRef idx="0"/>
+          <a:effectRef idx="0"/>
+          <a:fontRef idx="minor"/>
+        </p:style>
+        <p:txBody>
+          <a:bodyPr lIns="90000" rIns="90000" tIns="45000" bIns="45000">
             <a:spAutoFit/>
           </a:bodyPr>
-          <a:lstStyle/>
           <a:p>
             <a:pPr>
               <a:lnSpc>
@@ -2521,7 +2210,7 @@
               </a:lnSpc>
             </a:pPr>
             <a:r>
-              <a:rPr lang="pt-BR" sz="1800" b="0" strike="noStrike" spc="-1">
+              <a:rPr b="0" lang="pt-BR" sz="1800" spc="-1" strike="noStrike">
                 <a:solidFill>
                   <a:srgbClr val="000000"/>
                 </a:solidFill>
@@ -2530,7 +2219,7 @@
               </a:rPr>
               <a:t>Capacidade:Planejar Produção</a:t>
             </a:r>
-            <a:endParaRPr lang="pt-BR" sz="1800" b="0" strike="noStrike" spc="-1">
+            <a:endParaRPr b="0" lang="pt-BR" sz="1800" spc="-1" strike="noStrike">
               <a:latin typeface="Arial"/>
             </a:endParaRPr>
           </a:p>
@@ -2578,7 +2267,7 @@
         <p:spPr>
           <a:xfrm>
             <a:off x="2448000" y="1656000"/>
-            <a:ext cx="1221840" cy="1077840"/>
+            <a:ext cx="1221480" cy="1077480"/>
           </a:xfrm>
           <a:prstGeom prst="ellipse">
             <a:avLst/>
@@ -2604,10 +2293,9 @@
           <a:fontRef idx="minor"/>
         </p:style>
         <p:txBody>
-          <a:bodyPr lIns="90000" tIns="45000" rIns="90000" bIns="45000" anchor="ctr">
+          <a:bodyPr lIns="90000" rIns="90000" tIns="45000" bIns="45000" anchor="ctr">
             <a:noAutofit/>
           </a:bodyPr>
-          <a:lstStyle/>
           <a:p>
             <a:pPr algn="ctr">
               <a:lnSpc>
@@ -2615,7 +2303,7 @@
               </a:lnSpc>
             </a:pPr>
             <a:r>
-              <a:rPr lang="pt-BR" sz="1050" b="0" strike="noStrike" spc="-1">
+              <a:rPr b="0" lang="pt-BR" sz="1050" spc="-1" strike="noStrike">
                 <a:solidFill>
                   <a:srgbClr val="000000"/>
                 </a:solidFill>
@@ -2624,7 +2312,7 @@
               </a:rPr>
               <a:t>Analisar Solicitação de produção</a:t>
             </a:r>
-            <a:endParaRPr lang="pt-BR" sz="1050" b="0" strike="noStrike" spc="-1">
+            <a:endParaRPr b="0" lang="pt-BR" sz="1050" spc="-1" strike="noStrike">
               <a:latin typeface="Arial"/>
             </a:endParaRPr>
           </a:p>
@@ -2638,14 +2326,13 @@
         </p:nvSpPr>
         <p:spPr>
           <a:xfrm flipH="1">
-            <a:off x="1588320" y="2647798"/>
-            <a:ext cx="1051920" cy="789841"/>
+            <a:off x="1587600" y="2647800"/>
+            <a:ext cx="1051560" cy="789480"/>
           </a:xfrm>
           <a:custGeom>
             <a:avLst/>
             <a:gdLst/>
             <a:ahLst/>
-            <a:cxnLst/>
             <a:rect l="l" t="t" r="r" b="b"/>
             <a:pathLst>
               <a:path w="21600" h="21600">
@@ -2663,8 +2350,8 @@
             <a:solidFill>
               <a:schemeClr val="tx1"/>
             </a:solidFill>
-            <a:headEnd type="triangle" w="med" len="med"/>
-            <a:tailEnd type="triangle" w="med" len="med"/>
+            <a:headEnd len="med" type="triangle" w="med"/>
+            <a:tailEnd len="med" type="triangle" w="med"/>
           </a:ln>
         </p:spPr>
         <p:style>
@@ -2689,7 +2376,7 @@
         <p:spPr>
           <a:xfrm>
             <a:off x="2088000" y="1056960"/>
-            <a:ext cx="840240" cy="454680"/>
+            <a:ext cx="839880" cy="454680"/>
           </a:xfrm>
           <a:prstGeom prst="rect">
             <a:avLst/>
@@ -2700,22 +2387,15 @@
           </a:ln>
         </p:spPr>
         <p:style>
-          <a:lnRef idx="0">
-            <a:scrgbClr r="0" g="0" b="0"/>
-          </a:lnRef>
-          <a:fillRef idx="0">
-            <a:scrgbClr r="0" g="0" b="0"/>
-          </a:fillRef>
-          <a:effectRef idx="0">
-            <a:scrgbClr r="0" g="0" b="0"/>
-          </a:effectRef>
-          <a:fontRef idx="minor"/>
-        </p:style>
-        <p:txBody>
-          <a:bodyPr lIns="90000" tIns="45000" rIns="90000" bIns="45000">
+          <a:lnRef idx="0"/>
+          <a:fillRef idx="0"/>
+          <a:effectRef idx="0"/>
+          <a:fontRef idx="minor"/>
+        </p:style>
+        <p:txBody>
+          <a:bodyPr lIns="90000" rIns="90000" tIns="45000" bIns="45000">
             <a:spAutoFit/>
           </a:bodyPr>
-          <a:lstStyle/>
           <a:p>
             <a:pPr>
               <a:lnSpc>
@@ -2723,7 +2403,7 @@
               </a:lnSpc>
             </a:pPr>
             <a:r>
-              <a:rPr lang="pt-BR" sz="800" b="0" strike="noStrike" spc="-1">
+              <a:rPr b="0" lang="pt-BR" sz="800" spc="-1" strike="noStrike">
                 <a:solidFill>
                   <a:srgbClr val="000000"/>
                 </a:solidFill>
@@ -2732,7 +2412,7 @@
               </a:rPr>
               <a:t>Recusa da solicitação de produção</a:t>
             </a:r>
-            <a:endParaRPr lang="pt-BR" sz="800" b="0" strike="noStrike" spc="-1">
+            <a:endParaRPr b="0" lang="pt-BR" sz="800" spc="-1" strike="noStrike">
               <a:latin typeface="Arial"/>
             </a:endParaRPr>
           </a:p>
@@ -2747,7 +2427,7 @@
         <p:spPr>
           <a:xfrm>
             <a:off x="2808000" y="360000"/>
-            <a:ext cx="840240" cy="789840"/>
+            <a:ext cx="839880" cy="789480"/>
           </a:xfrm>
           <a:prstGeom prst="rect">
             <a:avLst/>
@@ -2755,10 +2435,10 @@
           <a:gradFill rotWithShape="0">
             <a:gsLst>
               <a:gs pos="0">
-                <a:srgbClr val="D0D0D0"/>
+                <a:srgbClr val="d0d0d0"/>
               </a:gs>
               <a:gs pos="100000">
-                <a:srgbClr val="EDEDED">
+                <a:srgbClr val="ededed">
                   <a:alpha val="0"/>
                 </a:srgbClr>
               </a:gs>
@@ -2767,7 +2447,7 @@
           </a:gradFill>
           <a:ln/>
           <a:effectLst>
-            <a:outerShdw blurRad="40000" dist="20160" dir="5400000" rotWithShape="0">
+            <a:outerShdw blurRad="40000" dir="5400000" dist="20160" rotWithShape="0">
               <a:srgbClr val="000000">
                 <a:alpha val="38000"/>
               </a:srgbClr>
@@ -2787,10 +2467,9 @@
           <a:fontRef idx="minor"/>
         </p:style>
         <p:txBody>
-          <a:bodyPr lIns="90000" tIns="45000" rIns="90000" bIns="45000" anchor="ctr">
+          <a:bodyPr lIns="90000" rIns="90000" tIns="45000" bIns="45000" anchor="ctr">
             <a:noAutofit/>
           </a:bodyPr>
-          <a:lstStyle/>
           <a:p>
             <a:pPr algn="ctr">
               <a:lnSpc>
@@ -2798,7 +2477,7 @@
               </a:lnSpc>
             </a:pPr>
             <a:r>
-              <a:rPr lang="pt-BR" sz="1050" b="0" strike="noStrike" spc="-1">
+              <a:rPr b="0" lang="pt-BR" sz="1050" spc="-1" strike="noStrike">
                 <a:solidFill>
                   <a:srgbClr val="000000"/>
                 </a:solidFill>
@@ -2807,7 +2486,7 @@
               </a:rPr>
               <a:t>Comercial</a:t>
             </a:r>
-            <a:endParaRPr lang="pt-BR" sz="1050" b="0" strike="noStrike" spc="-1">
+            <a:endParaRPr b="0" lang="pt-BR" sz="1050" spc="-1" strike="noStrike">
               <a:latin typeface="Arial"/>
             </a:endParaRPr>
           </a:p>
@@ -2821,14 +2500,13 @@
         </p:nvSpPr>
         <p:spPr>
           <a:xfrm flipV="1">
-            <a:off x="3108960" y="1149840"/>
-            <a:ext cx="128880" cy="501840"/>
+            <a:off x="3108960" y="1149120"/>
+            <a:ext cx="128520" cy="501480"/>
           </a:xfrm>
           <a:custGeom>
             <a:avLst/>
             <a:gdLst/>
             <a:ahLst/>
-            <a:cxnLst/>
             <a:rect l="l" t="t" r="r" b="b"/>
             <a:pathLst>
               <a:path w="21600" h="21600">
@@ -2846,7 +2524,7 @@
             <a:solidFill>
               <a:schemeClr val="tx1"/>
             </a:solidFill>
-            <a:tailEnd type="triangle" w="med" len="med"/>
+            <a:tailEnd len="med" type="triangle" w="med"/>
           </a:ln>
         </p:spPr>
         <p:style>
@@ -2937,7 +2615,7 @@
         <p:spPr>
           <a:xfrm>
             <a:off x="2160000" y="3576960"/>
-            <a:ext cx="1671120" cy="272160"/>
+            <a:ext cx="1670760" cy="272160"/>
           </a:xfrm>
           <a:prstGeom prst="rect">
             <a:avLst/>
@@ -2948,22 +2626,15 @@
           </a:ln>
         </p:spPr>
         <p:style>
-          <a:lnRef idx="0">
-            <a:scrgbClr r="0" g="0" b="0"/>
-          </a:lnRef>
-          <a:fillRef idx="0">
-            <a:scrgbClr r="0" g="0" b="0"/>
-          </a:fillRef>
-          <a:effectRef idx="0">
-            <a:scrgbClr r="0" g="0" b="0"/>
-          </a:effectRef>
-          <a:fontRef idx="minor"/>
-        </p:style>
-        <p:txBody>
-          <a:bodyPr lIns="90000" tIns="45000" rIns="90000" bIns="45000">
+          <a:lnRef idx="0"/>
+          <a:fillRef idx="0"/>
+          <a:effectRef idx="0"/>
+          <a:fontRef idx="minor"/>
+        </p:style>
+        <p:txBody>
+          <a:bodyPr lIns="90000" rIns="90000" tIns="45000" bIns="45000">
             <a:spAutoFit/>
           </a:bodyPr>
-          <a:lstStyle/>
           <a:p>
             <a:pPr algn="ctr">
               <a:lnSpc>
@@ -2971,7 +2642,7 @@
               </a:lnSpc>
             </a:pPr>
             <a:r>
-              <a:rPr lang="pt-BR" sz="1200" b="0" strike="noStrike" spc="-1">
+              <a:rPr b="0" lang="pt-BR" sz="1200" spc="-1" strike="noStrike">
                 <a:solidFill>
                   <a:srgbClr val="000000"/>
                 </a:solidFill>
@@ -2980,7 +2651,7 @@
               </a:rPr>
               <a:t>Estoque</a:t>
             </a:r>
-            <a:endParaRPr lang="pt-BR" sz="1200" b="0" strike="noStrike" spc="-1">
+            <a:endParaRPr b="0" lang="pt-BR" sz="1200" spc="-1" strike="noStrike">
               <a:latin typeface="Arial"/>
             </a:endParaRPr>
           </a:p>
@@ -2993,15 +2664,14 @@
           <p:nvPr/>
         </p:nvSpPr>
         <p:spPr>
-          <a:xfrm rot="205688" flipH="1" flipV="1">
-            <a:off x="3018959" y="2755962"/>
-            <a:ext cx="45719" cy="717839"/>
+          <a:xfrm flipH="1" flipV="1" rot="205800">
+            <a:off x="3019680" y="2754720"/>
+            <a:ext cx="45360" cy="717480"/>
           </a:xfrm>
           <a:custGeom>
             <a:avLst/>
             <a:gdLst/>
             <a:ahLst/>
-            <a:cxnLst/>
             <a:rect l="l" t="t" r="r" b="b"/>
             <a:pathLst>
               <a:path w="21600" h="21600">
@@ -3019,8 +2689,8 @@
             <a:solidFill>
               <a:schemeClr val="tx1"/>
             </a:solidFill>
-            <a:headEnd type="triangle" w="med" len="med"/>
-            <a:tailEnd type="triangle" w="med" len="med"/>
+            <a:headEnd len="med" type="triangle" w="med"/>
+            <a:tailEnd len="med" type="triangle" w="med"/>
           </a:ln>
         </p:spPr>
         <p:style>
@@ -3111,7 +2781,7 @@
         <p:spPr>
           <a:xfrm>
             <a:off x="3833280" y="3600000"/>
-            <a:ext cx="1273680" cy="394200"/>
+            <a:ext cx="1273320" cy="394200"/>
           </a:xfrm>
           <a:prstGeom prst="rect">
             <a:avLst/>
@@ -3122,22 +2792,15 @@
           </a:ln>
         </p:spPr>
         <p:style>
-          <a:lnRef idx="0">
-            <a:scrgbClr r="0" g="0" b="0"/>
-          </a:lnRef>
-          <a:fillRef idx="0">
-            <a:scrgbClr r="0" g="0" b="0"/>
-          </a:fillRef>
-          <a:effectRef idx="0">
-            <a:scrgbClr r="0" g="0" b="0"/>
-          </a:effectRef>
-          <a:fontRef idx="minor"/>
-        </p:style>
-        <p:txBody>
-          <a:bodyPr lIns="90000" tIns="45000" rIns="90000" bIns="45000">
+          <a:lnRef idx="0"/>
+          <a:fillRef idx="0"/>
+          <a:effectRef idx="0"/>
+          <a:fontRef idx="minor"/>
+        </p:style>
+        <p:txBody>
+          <a:bodyPr lIns="90000" rIns="90000" tIns="45000" bIns="45000">
             <a:spAutoFit/>
           </a:bodyPr>
-          <a:lstStyle/>
           <a:p>
             <a:pPr algn="ctr">
               <a:lnSpc>
@@ -3145,7 +2808,7 @@
               </a:lnSpc>
             </a:pPr>
             <a:r>
-              <a:rPr lang="pt-BR" sz="1000" b="0" strike="noStrike" spc="-1" dirty="0">
+              <a:rPr b="0" lang="pt-BR" sz="1000" spc="-1" strike="noStrike">
                 <a:solidFill>
                   <a:srgbClr val="000000"/>
                 </a:solidFill>
@@ -3154,7 +2817,7 @@
               </a:rPr>
               <a:t>Planejamento de produção</a:t>
             </a:r>
-            <a:endParaRPr lang="pt-BR" sz="1000" b="0" strike="noStrike" spc="-1" dirty="0">
+            <a:endParaRPr b="0" lang="pt-BR" sz="1000" spc="-1" strike="noStrike">
               <a:latin typeface="Arial"/>
             </a:endParaRPr>
           </a:p>
@@ -3168,14 +2831,13 @@
         </p:nvSpPr>
         <p:spPr>
           <a:xfrm flipH="1" flipV="1">
-            <a:off x="3580920" y="2589840"/>
-            <a:ext cx="878760" cy="861840"/>
+            <a:off x="3580920" y="2589120"/>
+            <a:ext cx="878400" cy="861480"/>
           </a:xfrm>
           <a:custGeom>
             <a:avLst/>
             <a:gdLst/>
             <a:ahLst/>
-            <a:cxnLst/>
             <a:rect l="l" t="t" r="r" b="b"/>
             <a:pathLst>
               <a:path w="21600" h="21600">
@@ -3193,8 +2855,8 @@
             <a:solidFill>
               <a:schemeClr val="tx1"/>
             </a:solidFill>
-            <a:headEnd type="triangle" w="med" len="med"/>
-            <a:tailEnd type="triangle" w="med" len="med"/>
+            <a:headEnd len="med" type="triangle" w="med"/>
+            <a:tailEnd len="med" type="triangle" w="med"/>
           </a:ln>
         </p:spPr>
         <p:style>
@@ -3219,7 +2881,7 @@
         <p:spPr>
           <a:xfrm>
             <a:off x="5112000" y="1800000"/>
-            <a:ext cx="1127880" cy="1077840"/>
+            <a:ext cx="1127520" cy="1077480"/>
           </a:xfrm>
           <a:prstGeom prst="ellipse">
             <a:avLst/>
@@ -3245,10 +2907,9 @@
           <a:fontRef idx="minor"/>
         </p:style>
         <p:txBody>
-          <a:bodyPr lIns="90000" tIns="45000" rIns="90000" bIns="45000" anchor="ctr">
+          <a:bodyPr lIns="90000" rIns="90000" tIns="45000" bIns="45000" anchor="ctr">
             <a:noAutofit/>
           </a:bodyPr>
-          <a:lstStyle/>
           <a:p>
             <a:pPr algn="ctr">
               <a:lnSpc>
@@ -3256,7 +2917,7 @@
               </a:lnSpc>
             </a:pPr>
             <a:r>
-              <a:rPr lang="pt-BR" sz="1050" b="0" strike="noStrike" spc="-1">
+              <a:rPr b="0" lang="pt-BR" sz="1050" spc="-1" strike="noStrike">
                 <a:solidFill>
                   <a:srgbClr val="000000"/>
                 </a:solidFill>
@@ -3265,7 +2926,7 @@
               </a:rPr>
               <a:t>Emitir Ordem  de produção</a:t>
             </a:r>
-            <a:endParaRPr lang="pt-BR" sz="1050" b="0" strike="noStrike" spc="-1">
+            <a:endParaRPr b="0" lang="pt-BR" sz="1050" spc="-1" strike="noStrike">
               <a:latin typeface="Arial"/>
             </a:endParaRPr>
           </a:p>
@@ -3279,14 +2940,13 @@
         </p:nvSpPr>
         <p:spPr>
           <a:xfrm flipV="1">
-            <a:off x="4610520" y="2733839"/>
-            <a:ext cx="573480" cy="740685"/>
+            <a:off x="4610520" y="2733840"/>
+            <a:ext cx="573120" cy="740160"/>
           </a:xfrm>
           <a:custGeom>
             <a:avLst/>
             <a:gdLst/>
             <a:ahLst/>
-            <a:cxnLst/>
             <a:rect l="l" t="t" r="r" b="b"/>
             <a:pathLst>
               <a:path w="21600" h="21600">
@@ -3304,8 +2964,8 @@
             <a:solidFill>
               <a:schemeClr val="tx1"/>
             </a:solidFill>
-            <a:headEnd type="triangle" w="med" len="med"/>
-            <a:tailEnd type="triangle" w="med" len="med"/>
+            <a:headEnd len="med" type="triangle" w="med"/>
+            <a:tailEnd len="med" type="triangle" w="med"/>
           </a:ln>
         </p:spPr>
         <p:style>
@@ -3429,7 +3089,7 @@
         <p:spPr>
           <a:xfrm>
             <a:off x="5184000" y="3600000"/>
-            <a:ext cx="1273680" cy="394200"/>
+            <a:ext cx="1273320" cy="394200"/>
           </a:xfrm>
           <a:prstGeom prst="rect">
             <a:avLst/>
@@ -3440,22 +3100,15 @@
           </a:ln>
         </p:spPr>
         <p:style>
-          <a:lnRef idx="0">
-            <a:scrgbClr r="0" g="0" b="0"/>
-          </a:lnRef>
-          <a:fillRef idx="0">
-            <a:scrgbClr r="0" g="0" b="0"/>
-          </a:fillRef>
-          <a:effectRef idx="0">
-            <a:scrgbClr r="0" g="0" b="0"/>
-          </a:effectRef>
-          <a:fontRef idx="minor"/>
-        </p:style>
-        <p:txBody>
-          <a:bodyPr lIns="90000" tIns="45000" rIns="90000" bIns="45000">
+          <a:lnRef idx="0"/>
+          <a:fillRef idx="0"/>
+          <a:effectRef idx="0"/>
+          <a:fontRef idx="minor"/>
+        </p:style>
+        <p:txBody>
+          <a:bodyPr lIns="90000" rIns="90000" tIns="45000" bIns="45000">
             <a:spAutoFit/>
           </a:bodyPr>
-          <a:lstStyle/>
           <a:p>
             <a:pPr algn="ctr">
               <a:lnSpc>
@@ -3463,7 +3116,7 @@
               </a:lnSpc>
             </a:pPr>
             <a:r>
-              <a:rPr lang="pt-BR" sz="1000" b="0" strike="noStrike" spc="-1" dirty="0">
+              <a:rPr b="0" lang="pt-BR" sz="1000" spc="-1" strike="noStrike">
                 <a:solidFill>
                   <a:srgbClr val="000000"/>
                 </a:solidFill>
@@ -3472,7 +3125,7 @@
               </a:rPr>
               <a:t>Ordem de produção</a:t>
             </a:r>
-            <a:endParaRPr lang="pt-BR" sz="1000" b="0" strike="noStrike" spc="-1" dirty="0">
+            <a:endParaRPr b="0" lang="pt-BR" sz="1000" spc="-1" strike="noStrike">
               <a:latin typeface="Arial"/>
             </a:endParaRPr>
           </a:p>
@@ -3486,14 +3139,13 @@
         </p:nvSpPr>
         <p:spPr>
           <a:xfrm flipH="1" flipV="1">
-            <a:off x="5757480" y="2877840"/>
-            <a:ext cx="91800" cy="573840"/>
+            <a:off x="5757480" y="2877120"/>
+            <a:ext cx="91440" cy="573480"/>
           </a:xfrm>
           <a:custGeom>
             <a:avLst/>
             <a:gdLst/>
             <a:ahLst/>
-            <a:cxnLst/>
             <a:rect l="l" t="t" r="r" b="b"/>
             <a:pathLst>
               <a:path w="21600" h="21600">
@@ -3511,8 +3163,8 @@
             <a:solidFill>
               <a:schemeClr val="tx1"/>
             </a:solidFill>
-            <a:headEnd type="triangle" w="med" len="med"/>
-            <a:tailEnd type="triangle" w="med" len="med"/>
+            <a:headEnd len="med" type="triangle" w="med"/>
+            <a:tailEnd len="med" type="triangle" w="med"/>
           </a:ln>
         </p:spPr>
         <p:style>
@@ -3537,7 +3189,7 @@
         <p:spPr>
           <a:xfrm>
             <a:off x="5277960" y="432000"/>
-            <a:ext cx="840240" cy="789840"/>
+            <a:ext cx="839880" cy="789480"/>
           </a:xfrm>
           <a:prstGeom prst="rect">
             <a:avLst/>
@@ -3545,10 +3197,10 @@
           <a:gradFill rotWithShape="0">
             <a:gsLst>
               <a:gs pos="0">
-                <a:srgbClr val="D0D0D0"/>
+                <a:srgbClr val="d0d0d0"/>
               </a:gs>
               <a:gs pos="100000">
-                <a:srgbClr val="EDEDED">
+                <a:srgbClr val="ededed">
                   <a:alpha val="0"/>
                 </a:srgbClr>
               </a:gs>
@@ -3557,7 +3209,7 @@
           </a:gradFill>
           <a:ln/>
           <a:effectLst>
-            <a:outerShdw blurRad="40000" dist="20160" dir="5400000" rotWithShape="0">
+            <a:outerShdw blurRad="40000" dir="5400000" dist="20160" rotWithShape="0">
               <a:srgbClr val="000000">
                 <a:alpha val="38000"/>
               </a:srgbClr>
@@ -3577,10 +3229,9 @@
           <a:fontRef idx="minor"/>
         </p:style>
         <p:txBody>
-          <a:bodyPr lIns="90000" tIns="45000" rIns="90000" bIns="45000" anchor="ctr">
+          <a:bodyPr lIns="90000" rIns="90000" tIns="45000" bIns="45000" anchor="ctr">
             <a:noAutofit/>
           </a:bodyPr>
-          <a:lstStyle/>
           <a:p>
             <a:pPr algn="ctr">
               <a:lnSpc>
@@ -3588,7 +3239,7 @@
               </a:lnSpc>
             </a:pPr>
             <a:r>
-              <a:rPr lang="pt-BR" sz="1050" b="0" strike="noStrike" spc="-1">
+              <a:rPr b="0" lang="pt-BR" sz="1050" spc="-1" strike="noStrike">
                 <a:solidFill>
                   <a:srgbClr val="000000"/>
                 </a:solidFill>
@@ -3597,7 +3248,7 @@
               </a:rPr>
               <a:t>Linha de produção</a:t>
             </a:r>
-            <a:endParaRPr lang="pt-BR" sz="1050" b="0" strike="noStrike" spc="-1">
+            <a:endParaRPr b="0" lang="pt-BR" sz="1050" spc="-1" strike="noStrike">
               <a:latin typeface="Arial"/>
             </a:endParaRPr>
           </a:p>
@@ -3611,14 +3262,13 @@
         </p:nvSpPr>
         <p:spPr>
           <a:xfrm flipV="1">
-            <a:off x="5687640" y="1222560"/>
-            <a:ext cx="360" cy="573840"/>
+            <a:off x="5687640" y="1221840"/>
+            <a:ext cx="360" cy="573480"/>
           </a:xfrm>
           <a:custGeom>
             <a:avLst/>
             <a:gdLst/>
             <a:ahLst/>
-            <a:cxnLst/>
             <a:rect l="l" t="t" r="r" b="b"/>
             <a:pathLst>
               <a:path w="21600" h="21600">
@@ -3636,7 +3286,7 @@
             <a:solidFill>
               <a:schemeClr val="tx1"/>
             </a:solidFill>
-            <a:tailEnd type="triangle" w="med" len="med"/>
+            <a:tailEnd len="med" type="triangle" w="med"/>
           </a:ln>
         </p:spPr>
         <p:style>
@@ -3661,7 +3311,7 @@
         <p:spPr>
           <a:xfrm>
             <a:off x="4824000" y="1322280"/>
-            <a:ext cx="840240" cy="333000"/>
+            <a:ext cx="839880" cy="333000"/>
           </a:xfrm>
           <a:prstGeom prst="rect">
             <a:avLst/>
@@ -3672,22 +3322,15 @@
           </a:ln>
         </p:spPr>
         <p:style>
-          <a:lnRef idx="0">
-            <a:scrgbClr r="0" g="0" b="0"/>
-          </a:lnRef>
-          <a:fillRef idx="0">
-            <a:scrgbClr r="0" g="0" b="0"/>
-          </a:fillRef>
-          <a:effectRef idx="0">
-            <a:scrgbClr r="0" g="0" b="0"/>
-          </a:effectRef>
-          <a:fontRef idx="minor"/>
-        </p:style>
-        <p:txBody>
-          <a:bodyPr lIns="90000" tIns="45000" rIns="90000" bIns="45000">
+          <a:lnRef idx="0"/>
+          <a:fillRef idx="0"/>
+          <a:effectRef idx="0"/>
+          <a:fontRef idx="minor"/>
+        </p:style>
+        <p:txBody>
+          <a:bodyPr lIns="90000" rIns="90000" tIns="45000" bIns="45000">
             <a:spAutoFit/>
           </a:bodyPr>
-          <a:lstStyle/>
           <a:p>
             <a:pPr>
               <a:lnSpc>
@@ -3695,7 +3338,7 @@
               </a:lnSpc>
             </a:pPr>
             <a:r>
-              <a:rPr lang="pt-BR" sz="800" b="0" strike="noStrike" spc="-1" dirty="0">
+              <a:rPr b="0" lang="pt-BR" sz="800" spc="-1" strike="noStrike">
                 <a:solidFill>
                   <a:srgbClr val="000000"/>
                 </a:solidFill>
@@ -3704,7 +3347,7 @@
               </a:rPr>
               <a:t>Ordem  de produção</a:t>
             </a:r>
-            <a:endParaRPr lang="pt-BR" sz="800" b="0" strike="noStrike" spc="-1" dirty="0">
+            <a:endParaRPr b="0" lang="pt-BR" sz="800" spc="-1" strike="noStrike">
               <a:latin typeface="Arial"/>
             </a:endParaRPr>
           </a:p>
@@ -3712,14 +3355,19 @@
       </p:sp>
     </p:spTree>
   </p:cSld>
-  <p:clrMapOvr>
-    <a:masterClrMapping/>
-  </p:clrMapOvr>
+  <mc:AlternateContent>
+    <mc:Choice Requires="p14">
+      <p:transition spd="slow" p14:dur="2000"/>
+    </mc:Choice>
+    <mc:Fallback>
+      <p:transition spd="slow"/>
+    </mc:Fallback>
+  </mc:AlternateContent>
 </p:sld>
 </file>
 
 <file path=ppt/slides/slide2.xml><?xml version="1.0" encoding="utf-8"?>
-<p:sld xmlns:a="http://schemas.openxmlformats.org/drawingml/2006/main" xmlns:r="http://schemas.openxmlformats.org/officeDocument/2006/relationships" xmlns:p="http://schemas.openxmlformats.org/presentationml/2006/main">
+<p:sld xmlns:a="http://schemas.openxmlformats.org/drawingml/2006/main" xmlns:p="http://schemas.openxmlformats.org/presentationml/2006/main" xmlns:r="http://schemas.openxmlformats.org/officeDocument/2006/relationships" xmlns:p14="http://schemas.microsoft.com/office/powerpoint/2010/main" xmlns:p15="http://schemas.microsoft.com/office/powerpoint/2012/main" xmlns:mc="http://schemas.openxmlformats.org/markup-compatibility/2006">
   <p:cSld>
     <p:spTree>
       <p:nvGrpSpPr>
@@ -3743,8 +3391,8 @@
         </p:nvSpPr>
         <p:spPr>
           <a:xfrm>
-            <a:off x="8309065" y="-74520"/>
-            <a:ext cx="2805840" cy="638280"/>
+            <a:off x="8309160" y="-74520"/>
+            <a:ext cx="2805480" cy="638280"/>
           </a:xfrm>
           <a:prstGeom prst="rect">
             <a:avLst/>
@@ -3755,22 +3403,15 @@
           </a:ln>
         </p:spPr>
         <p:style>
-          <a:lnRef idx="0">
-            <a:scrgbClr r="0" g="0" b="0"/>
-          </a:lnRef>
-          <a:fillRef idx="0">
-            <a:scrgbClr r="0" g="0" b="0"/>
-          </a:fillRef>
-          <a:effectRef idx="0">
-            <a:scrgbClr r="0" g="0" b="0"/>
-          </a:effectRef>
-          <a:fontRef idx="minor"/>
-        </p:style>
-        <p:txBody>
-          <a:bodyPr lIns="90000" tIns="45000" rIns="90000" bIns="45000">
+          <a:lnRef idx="0"/>
+          <a:fillRef idx="0"/>
+          <a:effectRef idx="0"/>
+          <a:fontRef idx="minor"/>
+        </p:style>
+        <p:txBody>
+          <a:bodyPr lIns="90000" rIns="90000" tIns="45000" bIns="45000">
             <a:spAutoFit/>
           </a:bodyPr>
-          <a:lstStyle/>
           <a:p>
             <a:pPr>
               <a:lnSpc>
@@ -3778,7 +3419,7 @@
               </a:lnSpc>
             </a:pPr>
             <a:r>
-              <a:rPr lang="pt-BR" sz="1800" b="0" strike="noStrike" spc="-1">
+              <a:rPr b="0" lang="pt-BR" sz="1800" spc="-1" strike="noStrike">
                 <a:solidFill>
                   <a:srgbClr val="000000"/>
                 </a:solidFill>
@@ -3787,7 +3428,7 @@
               </a:rPr>
               <a:t>Capacidade:Produzir subcomponente</a:t>
             </a:r>
-            <a:endParaRPr lang="pt-BR" sz="1800" b="0" strike="noStrike" spc="-1">
+            <a:endParaRPr b="0" lang="pt-BR" sz="1800" spc="-1" strike="noStrike">
               <a:latin typeface="Arial"/>
             </a:endParaRPr>
           </a:p>
@@ -3802,7 +3443,7 @@
         <p:spPr>
           <a:xfrm>
             <a:off x="471960" y="236520"/>
-            <a:ext cx="950760" cy="758880"/>
+            <a:ext cx="950400" cy="758520"/>
           </a:xfrm>
           <a:prstGeom prst="rect">
             <a:avLst/>
@@ -3810,10 +3451,10 @@
           <a:gradFill rotWithShape="0">
             <a:gsLst>
               <a:gs pos="0">
-                <a:srgbClr val="D0D0D0"/>
+                <a:srgbClr val="d0d0d0"/>
               </a:gs>
               <a:gs pos="100000">
-                <a:srgbClr val="EDEDED">
+                <a:srgbClr val="ededed">
                   <a:alpha val="0"/>
                 </a:srgbClr>
               </a:gs>
@@ -3822,7 +3463,7 @@
           </a:gradFill>
           <a:ln/>
           <a:effectLst>
-            <a:outerShdw blurRad="40000" dist="20160" dir="5400000" rotWithShape="0">
+            <a:outerShdw blurRad="40000" dir="5400000" dist="20160" rotWithShape="0">
               <a:srgbClr val="000000">
                 <a:alpha val="38000"/>
               </a:srgbClr>
@@ -3842,10 +3483,9 @@
           <a:fontRef idx="minor"/>
         </p:style>
         <p:txBody>
-          <a:bodyPr lIns="90000" tIns="45000" rIns="90000" bIns="45000" anchor="ctr">
+          <a:bodyPr lIns="90000" rIns="90000" tIns="45000" bIns="45000" anchor="ctr">
             <a:noAutofit/>
           </a:bodyPr>
-          <a:lstStyle/>
           <a:p>
             <a:pPr algn="ctr">
               <a:lnSpc>
@@ -3853,7 +3493,7 @@
               </a:lnSpc>
             </a:pPr>
             <a:r>
-              <a:rPr lang="pt-BR" sz="1200" b="0" strike="noStrike" spc="-1">
+              <a:rPr b="0" lang="pt-BR" sz="1200" spc="-1" strike="noStrike">
                 <a:solidFill>
                   <a:srgbClr val="000000"/>
                 </a:solidFill>
@@ -3862,7 +3502,7 @@
               </a:rPr>
               <a:t>Gerencia</a:t>
             </a:r>
-            <a:endParaRPr lang="pt-BR" sz="1200" b="0" strike="noStrike" spc="-1">
+            <a:endParaRPr b="0" lang="pt-BR" sz="1200" spc="-1" strike="noStrike">
               <a:latin typeface="Arial"/>
             </a:endParaRPr>
           </a:p>
@@ -3877,13 +3517,12 @@
         <p:spPr>
           <a:xfrm>
             <a:off x="956520" y="997560"/>
-            <a:ext cx="171720" cy="738360"/>
+            <a:ext cx="171360" cy="738000"/>
           </a:xfrm>
           <a:custGeom>
             <a:avLst/>
             <a:gdLst/>
             <a:ahLst/>
-            <a:cxnLst/>
             <a:rect l="l" t="t" r="r" b="b"/>
             <a:pathLst>
               <a:path w="21600" h="21600">
@@ -3901,7 +3540,7 @@
             <a:solidFill>
               <a:schemeClr val="tx1"/>
             </a:solidFill>
-            <a:tailEnd type="triangle" w="med" len="med"/>
+            <a:tailEnd len="med" type="triangle" w="med"/>
           </a:ln>
         </p:spPr>
         <p:style>
@@ -3926,7 +3565,7 @@
         <p:spPr>
           <a:xfrm>
             <a:off x="76320" y="1109880"/>
-            <a:ext cx="785520" cy="398655"/>
+            <a:ext cx="785160" cy="394920"/>
           </a:xfrm>
           <a:prstGeom prst="rect">
             <a:avLst/>
@@ -3937,22 +3576,15 @@
           </a:ln>
         </p:spPr>
         <p:style>
-          <a:lnRef idx="0">
-            <a:scrgbClr r="0" g="0" b="0"/>
-          </a:lnRef>
-          <a:fillRef idx="0">
-            <a:scrgbClr r="0" g="0" b="0"/>
-          </a:fillRef>
-          <a:effectRef idx="0">
-            <a:scrgbClr r="0" g="0" b="0"/>
-          </a:effectRef>
-          <a:fontRef idx="minor"/>
-        </p:style>
-        <p:txBody>
-          <a:bodyPr lIns="90000" tIns="45000" rIns="90000" bIns="45000">
+          <a:lnRef idx="0"/>
+          <a:fillRef idx="0"/>
+          <a:effectRef idx="0"/>
+          <a:fontRef idx="minor"/>
+        </p:style>
+        <p:txBody>
+          <a:bodyPr lIns="90000" rIns="90000" tIns="45000" bIns="45000">
             <a:spAutoFit/>
           </a:bodyPr>
-          <a:lstStyle/>
           <a:p>
             <a:pPr algn="ctr">
               <a:lnSpc>
@@ -3960,7 +3592,7 @@
               </a:lnSpc>
             </a:pPr>
             <a:r>
-              <a:rPr lang="pt-BR" sz="1000" b="0" strike="noStrike" spc="-1" dirty="0">
+              <a:rPr b="0" lang="pt-BR" sz="1000" spc="-1" strike="noStrike">
                 <a:solidFill>
                   <a:srgbClr val="000000"/>
                 </a:solidFill>
@@ -3969,7 +3601,7 @@
               </a:rPr>
               <a:t>Ordem de produção</a:t>
             </a:r>
-            <a:endParaRPr lang="pt-BR" sz="1000" b="0" strike="noStrike" spc="-1" dirty="0">
+            <a:endParaRPr b="0" lang="pt-BR" sz="1000" spc="-1" strike="noStrike">
               <a:latin typeface="Arial"/>
             </a:endParaRPr>
           </a:p>
@@ -3984,7 +3616,7 @@
         <p:spPr>
           <a:xfrm>
             <a:off x="576000" y="1745640"/>
-            <a:ext cx="1127880" cy="1060200"/>
+            <a:ext cx="1127520" cy="1059840"/>
           </a:xfrm>
           <a:prstGeom prst="ellipse">
             <a:avLst/>
@@ -4010,10 +3642,9 @@
           <a:fontRef idx="minor"/>
         </p:style>
         <p:txBody>
-          <a:bodyPr lIns="90000" tIns="45000" rIns="90000" bIns="45000" anchor="ctr">
+          <a:bodyPr lIns="90000" rIns="90000" tIns="45000" bIns="45000" anchor="ctr">
             <a:noAutofit/>
           </a:bodyPr>
-          <a:lstStyle/>
           <a:p>
             <a:pPr algn="ctr">
               <a:lnSpc>
@@ -4021,7 +3652,7 @@
               </a:lnSpc>
             </a:pPr>
             <a:r>
-              <a:rPr lang="pt-BR" sz="1050" b="0" strike="noStrike" spc="-1" dirty="0">
+              <a:rPr b="0" lang="pt-BR" sz="1050" spc="-1" strike="noStrike">
                 <a:solidFill>
                   <a:srgbClr val="000000"/>
                 </a:solidFill>
@@ -4030,7 +3661,7 @@
               </a:rPr>
               <a:t>Receber ordem de produção</a:t>
             </a:r>
-            <a:endParaRPr lang="pt-BR" sz="1050" b="0" strike="noStrike" spc="-1" dirty="0">
+            <a:endParaRPr b="0" lang="pt-BR" sz="1050" spc="-1" strike="noStrike">
               <a:latin typeface="Arial"/>
             </a:endParaRPr>
           </a:p>
@@ -4077,8 +3708,8 @@
         </p:nvSpPr>
         <p:spPr>
           <a:xfrm>
-            <a:off x="324360" y="3520836"/>
-            <a:ext cx="1671120" cy="252462"/>
+            <a:off x="324360" y="3520800"/>
+            <a:ext cx="1670760" cy="250200"/>
           </a:xfrm>
           <a:prstGeom prst="rect">
             <a:avLst/>
@@ -4089,22 +3720,15 @@
           </a:ln>
         </p:spPr>
         <p:style>
-          <a:lnRef idx="0">
-            <a:scrgbClr r="0" g="0" b="0"/>
-          </a:lnRef>
-          <a:fillRef idx="0">
-            <a:scrgbClr r="0" g="0" b="0"/>
-          </a:fillRef>
-          <a:effectRef idx="0">
-            <a:scrgbClr r="0" g="0" b="0"/>
-          </a:effectRef>
-          <a:fontRef idx="minor"/>
-        </p:style>
-        <p:txBody>
-          <a:bodyPr lIns="90000" tIns="45000" rIns="90000" bIns="45000">
+          <a:lnRef idx="0"/>
+          <a:fillRef idx="0"/>
+          <a:effectRef idx="0"/>
+          <a:fontRef idx="minor"/>
+        </p:style>
+        <p:txBody>
+          <a:bodyPr lIns="90000" rIns="90000" tIns="45000" bIns="45000">
             <a:spAutoFit/>
           </a:bodyPr>
-          <a:lstStyle/>
           <a:p>
             <a:pPr algn="ctr">
               <a:lnSpc>
@@ -4112,7 +3736,7 @@
               </a:lnSpc>
             </a:pPr>
             <a:r>
-              <a:rPr lang="pt-BR" sz="1050" b="0" strike="noStrike" spc="-1" dirty="0">
+              <a:rPr b="0" lang="pt-BR" sz="1050" spc="-1" strike="noStrike">
                 <a:solidFill>
                   <a:srgbClr val="000000"/>
                 </a:solidFill>
@@ -4121,7 +3745,7 @@
               </a:rPr>
               <a:t>Ordem de produção</a:t>
             </a:r>
-            <a:endParaRPr lang="pt-BR" sz="1050" b="0" strike="noStrike" spc="-1" dirty="0">
+            <a:endParaRPr b="0" lang="pt-BR" sz="1050" spc="-1" strike="noStrike">
               <a:latin typeface="Arial"/>
             </a:endParaRPr>
           </a:p>
@@ -4168,14 +3792,13 @@
         </p:nvSpPr>
         <p:spPr>
           <a:xfrm>
-            <a:off x="1123560" y="2853496"/>
-            <a:ext cx="360" cy="572760"/>
+            <a:off x="1123560" y="2853360"/>
+            <a:ext cx="360" cy="572400"/>
           </a:xfrm>
           <a:custGeom>
             <a:avLst/>
             <a:gdLst/>
             <a:ahLst/>
-            <a:cxnLst/>
             <a:rect l="l" t="t" r="r" b="b"/>
             <a:pathLst>
               <a:path w="21600" h="21600">
@@ -4193,7 +3816,7 @@
             <a:solidFill>
               <a:schemeClr val="tx1"/>
             </a:solidFill>
-            <a:tailEnd type="triangle" w="med" len="med"/>
+            <a:tailEnd len="med" type="triangle" w="med"/>
           </a:ln>
         </p:spPr>
         <p:style>
@@ -4218,7 +3841,7 @@
         <p:spPr>
           <a:xfrm>
             <a:off x="2088000" y="1800000"/>
-            <a:ext cx="1127880" cy="1060200"/>
+            <a:ext cx="1127520" cy="1059840"/>
           </a:xfrm>
           <a:prstGeom prst="ellipse">
             <a:avLst/>
@@ -4244,10 +3867,9 @@
           <a:fontRef idx="minor"/>
         </p:style>
         <p:txBody>
-          <a:bodyPr lIns="90000" tIns="45000" rIns="90000" bIns="45000" anchor="ctr">
+          <a:bodyPr lIns="90000" rIns="90000" tIns="45000" bIns="45000" anchor="ctr">
             <a:noAutofit/>
           </a:bodyPr>
-          <a:lstStyle/>
           <a:p>
             <a:pPr algn="ctr">
               <a:lnSpc>
@@ -4255,7 +3877,7 @@
               </a:lnSpc>
             </a:pPr>
             <a:r>
-              <a:rPr lang="pt-BR" sz="1200" b="0" strike="noStrike" spc="-1" dirty="0">
+              <a:rPr b="0" lang="pt-BR" sz="1200" spc="-1" strike="noStrike">
                 <a:solidFill>
                   <a:srgbClr val="000000"/>
                 </a:solidFill>
@@ -4264,7 +3886,7 @@
               </a:rPr>
               <a:t>Separar componentes</a:t>
             </a:r>
-            <a:endParaRPr lang="pt-BR" sz="1200" b="0" strike="noStrike" spc="-1" dirty="0">
+            <a:endParaRPr b="0" lang="pt-BR" sz="1200" spc="-1" strike="noStrike">
               <a:latin typeface="Arial"/>
             </a:endParaRPr>
           </a:p>
@@ -4278,14 +3900,13 @@
         </p:nvSpPr>
         <p:spPr>
           <a:xfrm flipH="1">
-            <a:off x="1701496" y="2794748"/>
-            <a:ext cx="571680" cy="609835"/>
+            <a:off x="1700640" y="2794680"/>
+            <a:ext cx="571320" cy="609480"/>
           </a:xfrm>
           <a:custGeom>
             <a:avLst/>
             <a:gdLst/>
             <a:ahLst/>
-            <a:cxnLst/>
             <a:rect l="l" t="t" r="r" b="b"/>
             <a:pathLst>
               <a:path w="21600" h="21600">
@@ -4303,8 +3924,8 @@
             <a:solidFill>
               <a:schemeClr val="tx1"/>
             </a:solidFill>
-            <a:headEnd type="triangle" w="med" len="med"/>
-            <a:tailEnd type="triangle" w="med" len="med"/>
+            <a:headEnd len="med" type="triangle" w="med"/>
+            <a:tailEnd len="med" type="triangle" w="med"/>
           </a:ln>
         </p:spPr>
         <p:style>
@@ -4395,7 +4016,7 @@
         <p:spPr>
           <a:xfrm>
             <a:off x="1872000" y="3565080"/>
-            <a:ext cx="1671120" cy="270720"/>
+            <a:ext cx="1670760" cy="270360"/>
           </a:xfrm>
           <a:prstGeom prst="rect">
             <a:avLst/>
@@ -4406,15 +4027,9 @@
           </a:ln>
         </p:spPr>
         <p:style>
-          <a:lnRef idx="0">
-            <a:scrgbClr r="0" g="0" b="0"/>
-          </a:lnRef>
-          <a:fillRef idx="0">
-            <a:scrgbClr r="0" g="0" b="0"/>
-          </a:fillRef>
-          <a:effectRef idx="0">
-            <a:scrgbClr r="0" g="0" b="0"/>
-          </a:effectRef>
+          <a:lnRef idx="0"/>
+          <a:fillRef idx="0"/>
+          <a:effectRef idx="0"/>
           <a:fontRef idx="minor"/>
         </p:style>
       </p:sp>
@@ -4427,7 +4042,7 @@
         <p:spPr>
           <a:xfrm>
             <a:off x="1926720" y="3565080"/>
-            <a:ext cx="1671120" cy="270720"/>
+            <a:ext cx="1670760" cy="270360"/>
           </a:xfrm>
           <a:prstGeom prst="rect">
             <a:avLst/>
@@ -4438,15 +4053,9 @@
           </a:ln>
         </p:spPr>
         <p:style>
-          <a:lnRef idx="0">
-            <a:scrgbClr r="0" g="0" b="0"/>
-          </a:lnRef>
-          <a:fillRef idx="0">
-            <a:scrgbClr r="0" g="0" b="0"/>
-          </a:fillRef>
-          <a:effectRef idx="0">
-            <a:scrgbClr r="0" g="0" b="0"/>
-          </a:effectRef>
+          <a:lnRef idx="0"/>
+          <a:fillRef idx="0"/>
+          <a:effectRef idx="0"/>
           <a:fontRef idx="minor"/>
         </p:style>
       </p:sp>
@@ -4459,7 +4068,7 @@
         <p:spPr>
           <a:xfrm>
             <a:off x="2079720" y="3528360"/>
-            <a:ext cx="1230120" cy="454680"/>
+            <a:ext cx="1229760" cy="454680"/>
           </a:xfrm>
           <a:prstGeom prst="rect">
             <a:avLst/>
@@ -4470,22 +4079,15 @@
           </a:ln>
         </p:spPr>
         <p:style>
-          <a:lnRef idx="0">
-            <a:scrgbClr r="0" g="0" b="0"/>
-          </a:lnRef>
-          <a:fillRef idx="0">
-            <a:scrgbClr r="0" g="0" b="0"/>
-          </a:fillRef>
-          <a:effectRef idx="0">
-            <a:scrgbClr r="0" g="0" b="0"/>
-          </a:effectRef>
-          <a:fontRef idx="minor"/>
-        </p:style>
-        <p:txBody>
-          <a:bodyPr lIns="90000" tIns="45000" rIns="90000" bIns="45000">
+          <a:lnRef idx="0"/>
+          <a:fillRef idx="0"/>
+          <a:effectRef idx="0"/>
+          <a:fontRef idx="minor"/>
+        </p:style>
+        <p:txBody>
+          <a:bodyPr lIns="90000" rIns="90000" tIns="45000" bIns="45000">
             <a:spAutoFit/>
           </a:bodyPr>
-          <a:lstStyle/>
           <a:p>
             <a:pPr>
               <a:lnSpc>
@@ -4493,7 +4095,7 @@
               </a:lnSpc>
             </a:pPr>
             <a:r>
-              <a:rPr lang="pt-BR" sz="1200" b="0" strike="noStrike" spc="-1">
+              <a:rPr b="0" lang="pt-BR" sz="1200" spc="-1" strike="noStrike">
                 <a:solidFill>
                   <a:srgbClr val="000000"/>
                 </a:solidFill>
@@ -4502,7 +4104,7 @@
               </a:rPr>
               <a:t>Componente Separado</a:t>
             </a:r>
-            <a:endParaRPr lang="pt-BR" sz="1200" b="0" strike="noStrike" spc="-1">
+            <a:endParaRPr b="0" lang="pt-BR" sz="1200" spc="-1" strike="noStrike">
               <a:latin typeface="Arial"/>
             </a:endParaRPr>
           </a:p>
@@ -4516,14 +4118,13 @@
         </p:nvSpPr>
         <p:spPr>
           <a:xfrm>
-            <a:off x="2843092" y="2902095"/>
-            <a:ext cx="132745" cy="522616"/>
+            <a:off x="2842920" y="2901960"/>
+            <a:ext cx="132480" cy="522360"/>
           </a:xfrm>
           <a:custGeom>
             <a:avLst/>
             <a:gdLst/>
             <a:ahLst/>
-            <a:cxnLst/>
             <a:rect l="l" t="t" r="r" b="b"/>
             <a:pathLst>
               <a:path w="21600" h="21600">
@@ -4541,8 +4142,8 @@
             <a:solidFill>
               <a:schemeClr val="tx1"/>
             </a:solidFill>
-            <a:headEnd type="triangle" w="med" len="med"/>
-            <a:tailEnd type="triangle" w="med" len="med"/>
+            <a:headEnd len="med" type="triangle" w="med"/>
+            <a:tailEnd len="med" type="triangle" w="med"/>
           </a:ln>
         </p:spPr>
         <p:style>
@@ -4567,7 +4168,7 @@
         <p:spPr>
           <a:xfrm>
             <a:off x="3693960" y="1872000"/>
-            <a:ext cx="1127880" cy="1060200"/>
+            <a:ext cx="1127520" cy="1059840"/>
           </a:xfrm>
           <a:prstGeom prst="ellipse">
             <a:avLst/>
@@ -4593,10 +4194,9 @@
           <a:fontRef idx="minor"/>
         </p:style>
         <p:txBody>
-          <a:bodyPr lIns="90000" tIns="45000" rIns="90000" bIns="45000" anchor="ctr">
+          <a:bodyPr lIns="90000" rIns="90000" tIns="45000" bIns="45000" anchor="ctr">
             <a:noAutofit/>
           </a:bodyPr>
-          <a:lstStyle/>
           <a:p>
             <a:pPr algn="ctr">
               <a:lnSpc>
@@ -4604,7 +4204,7 @@
               </a:lnSpc>
             </a:pPr>
             <a:r>
-              <a:rPr lang="pt-BR" sz="1200" b="0" strike="noStrike" spc="-1" dirty="0">
+              <a:rPr b="0" lang="pt-BR" sz="1200" spc="-1" strike="noStrike">
                 <a:solidFill>
                   <a:srgbClr val="000000"/>
                 </a:solidFill>
@@ -4613,7 +4213,7 @@
               </a:rPr>
               <a:t>Fixar componentes</a:t>
             </a:r>
-            <a:endParaRPr lang="pt-BR" sz="1200" b="0" strike="noStrike" spc="-1" dirty="0">
+            <a:endParaRPr b="0" lang="pt-BR" sz="1200" spc="-1" strike="noStrike">
               <a:latin typeface="Arial"/>
             </a:endParaRPr>
           </a:p>
@@ -4628,7 +4228,7 @@
         <p:spPr>
           <a:xfrm>
             <a:off x="5040000" y="1819080"/>
-            <a:ext cx="1127880" cy="1060200"/>
+            <a:ext cx="1127520" cy="1059840"/>
           </a:xfrm>
           <a:prstGeom prst="ellipse">
             <a:avLst/>
@@ -4654,10 +4254,9 @@
           <a:fontRef idx="minor"/>
         </p:style>
         <p:txBody>
-          <a:bodyPr lIns="90000" tIns="45000" rIns="90000" bIns="45000" anchor="ctr">
+          <a:bodyPr lIns="90000" rIns="90000" tIns="45000" bIns="45000" anchor="ctr">
             <a:noAutofit/>
           </a:bodyPr>
-          <a:lstStyle/>
           <a:p>
             <a:pPr algn="ctr">
               <a:lnSpc>
@@ -4665,7 +4264,7 @@
               </a:lnSpc>
             </a:pPr>
             <a:r>
-              <a:rPr lang="pt-BR" sz="1200" b="0" strike="noStrike" spc="-1">
+              <a:rPr b="0" lang="pt-BR" sz="1200" spc="-1" strike="noStrike">
                 <a:solidFill>
                   <a:srgbClr val="000000"/>
                 </a:solidFill>
@@ -4674,7 +4273,7 @@
               </a:rPr>
               <a:t>Soldar Componentes</a:t>
             </a:r>
-            <a:endParaRPr lang="pt-BR" sz="1200" b="0" strike="noStrike" spc="-1">
+            <a:endParaRPr b="0" lang="pt-BR" sz="1200" spc="-1" strike="noStrike">
               <a:latin typeface="Arial"/>
             </a:endParaRPr>
           </a:p>
@@ -4688,7 +4287,7 @@
         </p:nvSpPr>
         <p:spPr>
           <a:xfrm>
-            <a:off x="5781865" y="3509640"/>
+            <a:off x="5781600" y="3509640"/>
             <a:ext cx="1419840" cy="0"/>
           </a:xfrm>
           <a:prstGeom prst="line">
@@ -4787,7 +4386,7 @@
         </p:nvSpPr>
         <p:spPr>
           <a:xfrm>
-            <a:off x="5781865" y="4013640"/>
+            <a:off x="5781600" y="4013640"/>
             <a:ext cx="1419840" cy="0"/>
           </a:xfrm>
           <a:prstGeom prst="line">
@@ -4820,8 +4419,8 @@
         </p:nvSpPr>
         <p:spPr>
           <a:xfrm>
-            <a:off x="5899165" y="3567252"/>
-            <a:ext cx="1230120" cy="460211"/>
+            <a:off x="5899320" y="3567240"/>
+            <a:ext cx="1229760" cy="455400"/>
           </a:xfrm>
           <a:prstGeom prst="rect">
             <a:avLst/>
@@ -4832,22 +4431,15 @@
           </a:ln>
         </p:spPr>
         <p:style>
-          <a:lnRef idx="0">
-            <a:scrgbClr r="0" g="0" b="0"/>
-          </a:lnRef>
-          <a:fillRef idx="0">
-            <a:scrgbClr r="0" g="0" b="0"/>
-          </a:fillRef>
-          <a:effectRef idx="0">
-            <a:scrgbClr r="0" g="0" b="0"/>
-          </a:effectRef>
-          <a:fontRef idx="minor"/>
-        </p:style>
-        <p:txBody>
-          <a:bodyPr lIns="90000" tIns="45000" rIns="90000" bIns="45000">
+          <a:lnRef idx="0"/>
+          <a:fillRef idx="0"/>
+          <a:effectRef idx="0"/>
+          <a:fontRef idx="minor"/>
+        </p:style>
+        <p:txBody>
+          <a:bodyPr lIns="90000" rIns="90000" tIns="45000" bIns="45000">
             <a:spAutoFit/>
           </a:bodyPr>
-          <a:lstStyle/>
           <a:p>
             <a:pPr>
               <a:lnSpc>
@@ -4855,57 +4447,36 @@
               </a:lnSpc>
             </a:pPr>
             <a:r>
-              <a:rPr lang="pt-BR" sz="1200" b="0" strike="noStrike" spc="-1" dirty="0">
+              <a:rPr b="0" lang="pt-BR" sz="1200" spc="-1" strike="noStrike">
                 <a:solidFill>
                   <a:srgbClr val="000000"/>
                 </a:solidFill>
                 <a:latin typeface="Arial"/>
                 <a:ea typeface="DejaVu Sans"/>
               </a:rPr>
-              <a:t>Placa </a:t>
+              <a:t>Placa pré retrabalho</a:t>
             </a:r>
-            <a:r>
-              <a:rPr lang="pt-BR" sz="1200" b="0" strike="noStrike" spc="-1" dirty="0" err="1">
-                <a:solidFill>
-                  <a:srgbClr val="000000"/>
-                </a:solidFill>
-                <a:latin typeface="Arial"/>
-                <a:ea typeface="DejaVu Sans"/>
-              </a:rPr>
-              <a:t>pré</a:t>
-            </a:r>
-            <a:r>
-              <a:rPr lang="pt-BR" sz="1200" b="0" strike="noStrike" spc="-1" dirty="0">
-                <a:solidFill>
-                  <a:srgbClr val="000000"/>
-                </a:solidFill>
-                <a:latin typeface="Arial"/>
-                <a:ea typeface="DejaVu Sans"/>
-              </a:rPr>
-              <a:t> retrabalho</a:t>
-            </a:r>
-            <a:endParaRPr lang="pt-BR" sz="1200" b="0" strike="noStrike" spc="-1" dirty="0">
-              <a:latin typeface="Arial"/>
-            </a:endParaRPr>
-          </a:p>
-        </p:txBody>
-      </p:sp>
-      <p:sp>
-        <p:nvSpPr>
-          <p:cNvPr id="95" name="CustomShape 26"/>
+            <a:endParaRPr b="0" lang="pt-BR" sz="1200" spc="-1" strike="noStrike">
+              <a:latin typeface="Arial"/>
+            </a:endParaRPr>
+          </a:p>
+        </p:txBody>
+      </p:sp>
+      <p:sp>
+        <p:nvSpPr>
+          <p:cNvPr id="94" name="CustomShape 25"/>
           <p:cNvSpPr/>
           <p:nvPr/>
         </p:nvSpPr>
         <p:spPr>
           <a:xfrm flipH="1">
-            <a:off x="6645959" y="2449432"/>
-            <a:ext cx="1127879" cy="933840"/>
+            <a:off x="6645960" y="2449440"/>
+            <a:ext cx="1127520" cy="933480"/>
           </a:xfrm>
           <a:custGeom>
             <a:avLst/>
             <a:gdLst/>
             <a:ahLst/>
-            <a:cxnLst/>
             <a:rect l="l" t="t" r="r" b="b"/>
             <a:pathLst>
               <a:path w="21600" h="21600">
@@ -4923,8 +4494,8 @@
             <a:solidFill>
               <a:schemeClr val="tx1"/>
             </a:solidFill>
-            <a:headEnd type="triangle" w="med" len="med"/>
-            <a:tailEnd type="triangle" w="med" len="med"/>
+            <a:headEnd len="med" type="triangle" w="med"/>
+            <a:tailEnd len="med" type="triangle" w="med"/>
           </a:ln>
         </p:spPr>
         <p:style>
@@ -4942,13 +4513,46 @@
       </p:sp>
       <p:sp>
         <p:nvSpPr>
+          <p:cNvPr id="95" name="Line 26"/>
+          <p:cNvSpPr/>
+          <p:nvPr/>
+        </p:nvSpPr>
+        <p:spPr>
+          <a:xfrm>
+            <a:off x="7733520" y="3491640"/>
+            <a:ext cx="1419840" cy="0"/>
+          </a:xfrm>
+          <a:prstGeom prst="line">
+            <a:avLst/>
+          </a:prstGeom>
+          <a:ln w="76320">
+            <a:solidFill>
+              <a:schemeClr val="tx1"/>
+            </a:solidFill>
+          </a:ln>
+        </p:spPr>
+        <p:style>
+          <a:lnRef idx="1">
+            <a:schemeClr val="accent1"/>
+          </a:lnRef>
+          <a:fillRef idx="0">
+            <a:schemeClr val="accent1"/>
+          </a:fillRef>
+          <a:effectRef idx="0">
+            <a:schemeClr val="accent1"/>
+          </a:effectRef>
+          <a:fontRef idx="minor"/>
+        </p:style>
+      </p:sp>
+      <p:sp>
+        <p:nvSpPr>
           <p:cNvPr id="96" name="Line 27"/>
           <p:cNvSpPr/>
           <p:nvPr/>
         </p:nvSpPr>
         <p:spPr>
           <a:xfrm>
-            <a:off x="7733785" y="3491640"/>
+            <a:off x="7733520" y="3995640"/>
             <a:ext cx="1419840" cy="0"/>
           </a:xfrm>
           <a:prstGeom prst="line">
@@ -4975,47 +4579,14 @@
       </p:sp>
       <p:sp>
         <p:nvSpPr>
-          <p:cNvPr id="97" name="Line 28"/>
-          <p:cNvSpPr/>
-          <p:nvPr/>
-        </p:nvSpPr>
-        <p:spPr>
-          <a:xfrm>
-            <a:off x="7733785" y="3995640"/>
-            <a:ext cx="1419840" cy="0"/>
-          </a:xfrm>
-          <a:prstGeom prst="line">
-            <a:avLst/>
-          </a:prstGeom>
-          <a:ln w="76320">
-            <a:solidFill>
-              <a:schemeClr val="tx1"/>
-            </a:solidFill>
-          </a:ln>
-        </p:spPr>
-        <p:style>
-          <a:lnRef idx="1">
-            <a:schemeClr val="accent1"/>
-          </a:lnRef>
-          <a:fillRef idx="0">
-            <a:schemeClr val="accent1"/>
-          </a:fillRef>
-          <a:effectRef idx="0">
-            <a:schemeClr val="accent1"/>
-          </a:effectRef>
-          <a:fontRef idx="minor"/>
-        </p:style>
-      </p:sp>
-      <p:sp>
-        <p:nvSpPr>
-          <p:cNvPr id="98" name="CustomShape 29"/>
-          <p:cNvSpPr/>
-          <p:nvPr/>
-        </p:nvSpPr>
-        <p:spPr>
-          <a:xfrm>
-            <a:off x="7949785" y="3491640"/>
-            <a:ext cx="1293840" cy="454680"/>
+          <p:cNvPr id="97" name="CustomShape 28"/>
+          <p:cNvSpPr/>
+          <p:nvPr/>
+        </p:nvSpPr>
+        <p:spPr>
+          <a:xfrm>
+            <a:off x="7949880" y="3491640"/>
+            <a:ext cx="1293480" cy="454680"/>
           </a:xfrm>
           <a:prstGeom prst="rect">
             <a:avLst/>
@@ -5026,22 +4597,15 @@
           </a:ln>
         </p:spPr>
         <p:style>
-          <a:lnRef idx="0">
-            <a:scrgbClr r="0" g="0" b="0"/>
-          </a:lnRef>
-          <a:fillRef idx="0">
-            <a:scrgbClr r="0" g="0" b="0"/>
-          </a:fillRef>
-          <a:effectRef idx="0">
-            <a:scrgbClr r="0" g="0" b="0"/>
-          </a:effectRef>
-          <a:fontRef idx="minor"/>
-        </p:style>
-        <p:txBody>
-          <a:bodyPr lIns="90000" tIns="45000" rIns="90000" bIns="45000">
+          <a:lnRef idx="0"/>
+          <a:fillRef idx="0"/>
+          <a:effectRef idx="0"/>
+          <a:fontRef idx="minor"/>
+        </p:style>
+        <p:txBody>
+          <a:bodyPr lIns="90000" rIns="90000" tIns="45000" bIns="45000">
             <a:spAutoFit/>
           </a:bodyPr>
-          <a:lstStyle/>
           <a:p>
             <a:pPr>
               <a:lnSpc>
@@ -5049,7 +4613,7 @@
               </a:lnSpc>
             </a:pPr>
             <a:r>
-              <a:rPr lang="pt-BR" sz="1200" b="0" strike="noStrike" spc="-1">
+              <a:rPr b="0" lang="pt-BR" sz="1200" spc="-1" strike="noStrike">
                 <a:solidFill>
                   <a:srgbClr val="000000"/>
                 </a:solidFill>
@@ -5058,28 +4622,27 @@
               </a:rPr>
               <a:t>Subcomponente não testado</a:t>
             </a:r>
-            <a:endParaRPr lang="pt-BR" sz="1200" b="0" strike="noStrike" spc="-1">
-              <a:latin typeface="Arial"/>
-            </a:endParaRPr>
-          </a:p>
-        </p:txBody>
-      </p:sp>
-      <p:sp>
-        <p:nvSpPr>
-          <p:cNvPr id="99" name="CustomShape 30"/>
-          <p:cNvSpPr/>
-          <p:nvPr/>
-        </p:nvSpPr>
-        <p:spPr>
-          <a:xfrm>
-            <a:off x="8649265" y="2623320"/>
-            <a:ext cx="307800" cy="781263"/>
+            <a:endParaRPr b="0" lang="pt-BR" sz="1200" spc="-1" strike="noStrike">
+              <a:latin typeface="Arial"/>
+            </a:endParaRPr>
+          </a:p>
+        </p:txBody>
+      </p:sp>
+      <p:sp>
+        <p:nvSpPr>
+          <p:cNvPr id="98" name="CustomShape 29"/>
+          <p:cNvSpPr/>
+          <p:nvPr/>
+        </p:nvSpPr>
+        <p:spPr>
+          <a:xfrm>
+            <a:off x="8649360" y="2623320"/>
+            <a:ext cx="307440" cy="780840"/>
           </a:xfrm>
           <a:custGeom>
             <a:avLst/>
             <a:gdLst/>
             <a:ahLst/>
-            <a:cxnLst/>
             <a:rect l="l" t="t" r="r" b="b"/>
             <a:pathLst>
               <a:path w="21600" h="21600">
@@ -5097,8 +4660,8 @@
             <a:solidFill>
               <a:schemeClr val="tx1"/>
             </a:solidFill>
-            <a:headEnd type="triangle" w="med" len="med"/>
-            <a:tailEnd type="triangle" w="med" len="med"/>
+            <a:headEnd len="med" type="triangle" w="med"/>
+            <a:tailEnd len="med" type="triangle" w="med"/>
           </a:ln>
         </p:spPr>
         <p:style>
@@ -5116,7 +4679,7 @@
       </p:sp>
       <p:sp>
         <p:nvSpPr>
-          <p:cNvPr id="100" name="Line 31"/>
+          <p:cNvPr id="99" name="Line 30"/>
           <p:cNvSpPr/>
           <p:nvPr/>
         </p:nvSpPr>
@@ -5149,14 +4712,14 @@
       </p:sp>
       <p:sp>
         <p:nvSpPr>
-          <p:cNvPr id="101" name="CustomShape 32"/>
+          <p:cNvPr id="100" name="CustomShape 31"/>
           <p:cNvSpPr/>
           <p:nvPr/>
         </p:nvSpPr>
         <p:spPr>
           <a:xfrm>
             <a:off x="3796200" y="3567600"/>
-            <a:ext cx="1230120" cy="454680"/>
+            <a:ext cx="1229760" cy="454680"/>
           </a:xfrm>
           <a:prstGeom prst="rect">
             <a:avLst/>
@@ -5167,22 +4730,15 @@
           </a:ln>
         </p:spPr>
         <p:style>
-          <a:lnRef idx="0">
-            <a:scrgbClr r="0" g="0" b="0"/>
-          </a:lnRef>
-          <a:fillRef idx="0">
-            <a:scrgbClr r="0" g="0" b="0"/>
-          </a:fillRef>
-          <a:effectRef idx="0">
-            <a:scrgbClr r="0" g="0" b="0"/>
-          </a:effectRef>
-          <a:fontRef idx="minor"/>
-        </p:style>
-        <p:txBody>
-          <a:bodyPr lIns="90000" tIns="45000" rIns="90000" bIns="45000">
+          <a:lnRef idx="0"/>
+          <a:fillRef idx="0"/>
+          <a:effectRef idx="0"/>
+          <a:fontRef idx="minor"/>
+        </p:style>
+        <p:txBody>
+          <a:bodyPr lIns="90000" rIns="90000" tIns="45000" bIns="45000">
             <a:spAutoFit/>
           </a:bodyPr>
-          <a:lstStyle/>
           <a:p>
             <a:pPr>
               <a:lnSpc>
@@ -5190,7 +4746,7 @@
               </a:lnSpc>
             </a:pPr>
             <a:r>
-              <a:rPr lang="pt-BR" sz="1200" b="0" strike="noStrike" spc="-1">
+              <a:rPr b="0" lang="pt-BR" sz="1200" spc="-1" strike="noStrike">
                 <a:solidFill>
                   <a:srgbClr val="000000"/>
                 </a:solidFill>
@@ -5199,15 +4755,15 @@
               </a:rPr>
               <a:t>Componente fixado</a:t>
             </a:r>
-            <a:endParaRPr lang="pt-BR" sz="1200" b="0" strike="noStrike" spc="-1">
-              <a:latin typeface="Arial"/>
-            </a:endParaRPr>
-          </a:p>
-        </p:txBody>
-      </p:sp>
-      <p:sp>
-        <p:nvSpPr>
-          <p:cNvPr id="102" name="Line 33"/>
+            <a:endParaRPr b="0" lang="pt-BR" sz="1200" spc="-1" strike="noStrike">
+              <a:latin typeface="Arial"/>
+            </a:endParaRPr>
+          </a:p>
+        </p:txBody>
+      </p:sp>
+      <p:sp>
+        <p:nvSpPr>
+          <p:cNvPr id="101" name="Line 32"/>
           <p:cNvSpPr/>
           <p:nvPr/>
         </p:nvSpPr>
@@ -5240,20 +4796,19 @@
       </p:sp>
       <p:sp>
         <p:nvSpPr>
-          <p:cNvPr id="103" name="CustomShape 34"/>
+          <p:cNvPr id="102" name="CustomShape 33"/>
           <p:cNvSpPr/>
           <p:nvPr/>
         </p:nvSpPr>
         <p:spPr>
           <a:xfrm flipH="1">
-            <a:off x="4487477" y="2875935"/>
-            <a:ext cx="63189" cy="576823"/>
+            <a:off x="4486680" y="2876040"/>
+            <a:ext cx="63000" cy="576360"/>
           </a:xfrm>
           <a:custGeom>
             <a:avLst/>
             <a:gdLst/>
             <a:ahLst/>
-            <a:cxnLst/>
             <a:rect l="l" t="t" r="r" b="b"/>
             <a:pathLst>
               <a:path w="21600" h="21600">
@@ -5271,8 +4826,8 @@
             <a:solidFill>
               <a:schemeClr val="tx1"/>
             </a:solidFill>
-            <a:headEnd type="triangle" w="med" len="med"/>
-            <a:tailEnd type="triangle" w="med" len="med"/>
+            <a:headEnd len="med" type="triangle" w="med"/>
+            <a:tailEnd len="med" type="triangle" w="med"/>
           </a:ln>
         </p:spPr>
         <p:style>
@@ -5290,20 +4845,19 @@
       </p:sp>
       <p:sp>
         <p:nvSpPr>
-          <p:cNvPr id="104" name="CustomShape 35"/>
+          <p:cNvPr id="103" name="CustomShape 34"/>
           <p:cNvSpPr/>
           <p:nvPr/>
         </p:nvSpPr>
         <p:spPr>
           <a:xfrm flipH="1">
-            <a:off x="4954585" y="2808000"/>
-            <a:ext cx="371975" cy="616710"/>
+            <a:off x="4954680" y="2808000"/>
+            <a:ext cx="371520" cy="616320"/>
           </a:xfrm>
           <a:custGeom>
             <a:avLst/>
             <a:gdLst/>
             <a:ahLst/>
-            <a:cxnLst/>
             <a:rect l="l" t="t" r="r" b="b"/>
             <a:pathLst>
               <a:path w="21600" h="21600">
@@ -5321,8 +4875,8 @@
             <a:solidFill>
               <a:schemeClr val="tx1"/>
             </a:solidFill>
-            <a:headEnd type="triangle" w="med" len="med"/>
-            <a:tailEnd type="triangle" w="med" len="med"/>
+            <a:headEnd len="med" type="triangle" w="med"/>
+            <a:tailEnd len="med" type="triangle" w="med"/>
           </a:ln>
         </p:spPr>
         <p:style>
@@ -5340,20 +4894,19 @@
       </p:sp>
       <p:sp>
         <p:nvSpPr>
-          <p:cNvPr id="105" name="CustomShape 36"/>
-          <p:cNvSpPr/>
-          <p:nvPr/>
-        </p:nvSpPr>
-        <p:spPr>
-          <a:xfrm>
-            <a:off x="5766619" y="2875935"/>
-            <a:ext cx="475421" cy="507339"/>
+          <p:cNvPr id="104" name="CustomShape 35"/>
+          <p:cNvSpPr/>
+          <p:nvPr/>
+        </p:nvSpPr>
+        <p:spPr>
+          <a:xfrm>
+            <a:off x="5766480" y="2876040"/>
+            <a:ext cx="475200" cy="506880"/>
           </a:xfrm>
           <a:custGeom>
             <a:avLst/>
             <a:gdLst/>
             <a:ahLst/>
-            <a:cxnLst/>
             <a:rect l="l" t="t" r="r" b="b"/>
             <a:pathLst>
               <a:path w="21600" h="21600">
@@ -5371,8 +4924,8 @@
             <a:solidFill>
               <a:schemeClr val="tx1"/>
             </a:solidFill>
-            <a:headEnd type="triangle" w="med" len="med"/>
-            <a:tailEnd type="triangle" w="med" len="med"/>
+            <a:headEnd len="med" type="triangle" w="med"/>
+            <a:tailEnd len="med" type="triangle" w="med"/>
           </a:ln>
         </p:spPr>
         <p:style>
@@ -5390,20 +4943,19 @@
       </p:sp>
       <p:sp>
         <p:nvSpPr>
-          <p:cNvPr id="106" name="CustomShape 37"/>
+          <p:cNvPr id="105" name="CustomShape 36"/>
           <p:cNvSpPr/>
           <p:nvPr/>
         </p:nvSpPr>
         <p:spPr>
           <a:xfrm flipH="1">
-            <a:off x="3290040" y="2808000"/>
-            <a:ext cx="521280" cy="571753"/>
+            <a:off x="3289320" y="2808000"/>
+            <a:ext cx="520920" cy="571320"/>
           </a:xfrm>
           <a:custGeom>
             <a:avLst/>
             <a:gdLst/>
             <a:ahLst/>
-            <a:cxnLst/>
             <a:rect l="l" t="t" r="r" b="b"/>
             <a:pathLst>
               <a:path w="21600" h="21600">
@@ -5421,8 +4973,8 @@
             <a:solidFill>
               <a:schemeClr val="tx1"/>
             </a:solidFill>
-            <a:headEnd type="triangle" w="med" len="med"/>
-            <a:tailEnd type="triangle" w="med" len="med"/>
+            <a:headEnd len="med" type="triangle" w="med"/>
+            <a:tailEnd len="med" type="triangle" w="med"/>
           </a:ln>
         </p:spPr>
         <p:style>
@@ -5440,14 +4992,14 @@
       </p:sp>
       <p:sp>
         <p:nvSpPr>
-          <p:cNvPr id="107" name="CustomShape 38"/>
-          <p:cNvSpPr/>
-          <p:nvPr/>
-        </p:nvSpPr>
-        <p:spPr>
-          <a:xfrm>
-            <a:off x="7755745" y="1352160"/>
-            <a:ext cx="1415880" cy="1221840"/>
+          <p:cNvPr id="106" name="CustomShape 37"/>
+          <p:cNvSpPr/>
+          <p:nvPr/>
+        </p:nvSpPr>
+        <p:spPr>
+          <a:xfrm>
+            <a:off x="7755840" y="1352160"/>
+            <a:ext cx="1415520" cy="1221480"/>
           </a:xfrm>
           <a:prstGeom prst="ellipse">
             <a:avLst/>
@@ -5473,10 +5025,9 @@
           <a:fontRef idx="minor"/>
         </p:style>
         <p:txBody>
-          <a:bodyPr lIns="90000" tIns="45000" rIns="90000" bIns="45000" anchor="ctr">
+          <a:bodyPr lIns="90000" rIns="90000" tIns="45000" bIns="45000" anchor="ctr">
             <a:noAutofit/>
           </a:bodyPr>
-          <a:lstStyle/>
           <a:p>
             <a:pPr algn="ctr">
               <a:lnSpc>
@@ -5484,7 +5035,7 @@
               </a:lnSpc>
             </a:pPr>
             <a:r>
-              <a:rPr lang="pt-BR" sz="1200" b="0" strike="noStrike" spc="-1" dirty="0">
+              <a:rPr b="0" lang="pt-BR" sz="1200" spc="-1" strike="noStrike">
                 <a:solidFill>
                   <a:srgbClr val="000000"/>
                 </a:solidFill>
@@ -5493,22 +5044,22 @@
               </a:rPr>
               <a:t>Fazer Retrabalho</a:t>
             </a:r>
-            <a:endParaRPr lang="pt-BR" sz="1200" b="0" strike="noStrike" spc="-1" dirty="0">
-              <a:latin typeface="Arial"/>
-            </a:endParaRPr>
-          </a:p>
-        </p:txBody>
-      </p:sp>
-      <p:sp>
-        <p:nvSpPr>
-          <p:cNvPr id="108" name="CustomShape 39"/>
+            <a:endParaRPr b="0" lang="pt-BR" sz="1200" spc="-1" strike="noStrike">
+              <a:latin typeface="Arial"/>
+            </a:endParaRPr>
+          </a:p>
+        </p:txBody>
+      </p:sp>
+      <p:sp>
+        <p:nvSpPr>
+          <p:cNvPr id="107" name="CustomShape 38"/>
           <p:cNvSpPr/>
           <p:nvPr/>
         </p:nvSpPr>
         <p:spPr>
           <a:xfrm>
             <a:off x="471960" y="246600"/>
-            <a:ext cx="950760" cy="758880"/>
+            <a:ext cx="950400" cy="758520"/>
           </a:xfrm>
           <a:prstGeom prst="rect">
             <a:avLst/>
@@ -5516,10 +5067,10 @@
           <a:gradFill rotWithShape="0">
             <a:gsLst>
               <a:gs pos="0">
-                <a:srgbClr val="D0D0D0"/>
+                <a:srgbClr val="d0d0d0"/>
               </a:gs>
               <a:gs pos="100000">
-                <a:srgbClr val="EDEDED">
+                <a:srgbClr val="ededed">
                   <a:alpha val="0"/>
                 </a:srgbClr>
               </a:gs>
@@ -5528,7 +5079,7 @@
           </a:gradFill>
           <a:ln/>
           <a:effectLst>
-            <a:outerShdw blurRad="40000" dist="20160" dir="5400000" rotWithShape="0">
+            <a:outerShdw blurRad="40000" dir="5400000" dist="20160" rotWithShape="0">
               <a:srgbClr val="000000">
                 <a:alpha val="38000"/>
               </a:srgbClr>
@@ -5548,10 +5099,9 @@
           <a:fontRef idx="minor"/>
         </p:style>
         <p:txBody>
-          <a:bodyPr lIns="90000" tIns="45000" rIns="90000" bIns="45000" anchor="ctr">
+          <a:bodyPr lIns="90000" rIns="90000" tIns="45000" bIns="45000" anchor="ctr">
             <a:noAutofit/>
           </a:bodyPr>
-          <a:lstStyle/>
           <a:p>
             <a:pPr algn="ctr">
               <a:lnSpc>
@@ -5559,7 +5109,7 @@
               </a:lnSpc>
             </a:pPr>
             <a:r>
-              <a:rPr lang="pt-BR" sz="1200" b="0" strike="noStrike" spc="-1">
+              <a:rPr b="0" lang="pt-BR" sz="1200" spc="-1" strike="noStrike">
                 <a:solidFill>
                   <a:srgbClr val="000000"/>
                 </a:solidFill>
@@ -5568,22 +5118,22 @@
               </a:rPr>
               <a:t>Gerencia</a:t>
             </a:r>
-            <a:endParaRPr lang="pt-BR" sz="1200" b="0" strike="noStrike" spc="-1">
-              <a:latin typeface="Arial"/>
-            </a:endParaRPr>
-          </a:p>
-        </p:txBody>
-      </p:sp>
-      <p:sp>
-        <p:nvSpPr>
-          <p:cNvPr id="109" name="CustomShape 40"/>
-          <p:cNvSpPr/>
-          <p:nvPr/>
-        </p:nvSpPr>
-        <p:spPr>
-          <a:xfrm>
-            <a:off x="7085065" y="127800"/>
-            <a:ext cx="950760" cy="758880"/>
+            <a:endParaRPr b="0" lang="pt-BR" sz="1200" spc="-1" strike="noStrike">
+              <a:latin typeface="Arial"/>
+            </a:endParaRPr>
+          </a:p>
+        </p:txBody>
+      </p:sp>
+      <p:sp>
+        <p:nvSpPr>
+          <p:cNvPr id="108" name="CustomShape 39"/>
+          <p:cNvSpPr/>
+          <p:nvPr/>
+        </p:nvSpPr>
+        <p:spPr>
+          <a:xfrm>
+            <a:off x="7085160" y="127800"/>
+            <a:ext cx="950400" cy="758520"/>
           </a:xfrm>
           <a:prstGeom prst="rect">
             <a:avLst/>
@@ -5591,10 +5141,10 @@
           <a:gradFill rotWithShape="0">
             <a:gsLst>
               <a:gs pos="0">
-                <a:srgbClr val="D0D0D0"/>
+                <a:srgbClr val="d0d0d0"/>
               </a:gs>
               <a:gs pos="100000">
-                <a:srgbClr val="EDEDED">
+                <a:srgbClr val="ededed">
                   <a:alpha val="0"/>
                 </a:srgbClr>
               </a:gs>
@@ -5603,7 +5153,7 @@
           </a:gradFill>
           <a:ln/>
           <a:effectLst>
-            <a:outerShdw blurRad="40000" dist="20160" dir="5400000" rotWithShape="0">
+            <a:outerShdw blurRad="40000" dir="5400000" dist="20160" rotWithShape="0">
               <a:srgbClr val="000000">
                 <a:alpha val="38000"/>
               </a:srgbClr>
@@ -5623,10 +5173,9 @@
           <a:fontRef idx="minor"/>
         </p:style>
         <p:txBody>
-          <a:bodyPr lIns="90000" tIns="45000" rIns="90000" bIns="45000" anchor="ctr">
+          <a:bodyPr lIns="90000" rIns="90000" tIns="45000" bIns="45000" anchor="ctr">
             <a:noAutofit/>
           </a:bodyPr>
-          <a:lstStyle/>
           <a:p>
             <a:pPr algn="ctr">
               <a:lnSpc>
@@ -5634,7 +5183,7 @@
               </a:lnSpc>
             </a:pPr>
             <a:r>
-              <a:rPr lang="pt-BR" sz="1200" b="0" strike="noStrike" spc="-1" dirty="0">
+              <a:rPr b="0" lang="pt-BR" sz="1200" spc="-1" strike="noStrike">
                 <a:solidFill>
                   <a:srgbClr val="000000"/>
                 </a:solidFill>
@@ -5643,28 +5192,27 @@
               </a:rPr>
               <a:t>Controle de qualidade</a:t>
             </a:r>
-            <a:endParaRPr lang="pt-BR" sz="1200" b="0" strike="noStrike" spc="-1" dirty="0">
-              <a:latin typeface="Arial"/>
-            </a:endParaRPr>
-          </a:p>
-        </p:txBody>
-      </p:sp>
-      <p:sp>
-        <p:nvSpPr>
-          <p:cNvPr id="110" name="CustomShape 41"/>
+            <a:endParaRPr b="0" lang="pt-BR" sz="1200" spc="-1" strike="noStrike">
+              <a:latin typeface="Arial"/>
+            </a:endParaRPr>
+          </a:p>
+        </p:txBody>
+      </p:sp>
+      <p:sp>
+        <p:nvSpPr>
+          <p:cNvPr id="109" name="CustomShape 40"/>
           <p:cNvSpPr/>
           <p:nvPr/>
         </p:nvSpPr>
         <p:spPr>
           <a:xfrm flipH="1" flipV="1">
-            <a:off x="7660345" y="919080"/>
-            <a:ext cx="431280" cy="503280"/>
+            <a:off x="7659720" y="918360"/>
+            <a:ext cx="430920" cy="502920"/>
           </a:xfrm>
           <a:custGeom>
             <a:avLst/>
             <a:gdLst/>
             <a:ahLst/>
-            <a:cxnLst/>
             <a:rect l="l" t="t" r="r" b="b"/>
             <a:pathLst>
               <a:path w="21600" h="21600">
@@ -5682,7 +5230,7 @@
             <a:solidFill>
               <a:schemeClr val="tx1"/>
             </a:solidFill>
-            <a:tailEnd type="triangle" w="med" len="med"/>
+            <a:tailEnd len="med" type="triangle" w="med"/>
           </a:ln>
         </p:spPr>
         <p:style>
@@ -5700,14 +5248,14 @@
       </p:sp>
       <p:sp>
         <p:nvSpPr>
-          <p:cNvPr id="111" name="CustomShape 42"/>
-          <p:cNvSpPr/>
-          <p:nvPr/>
-        </p:nvSpPr>
-        <p:spPr>
-          <a:xfrm>
-            <a:off x="6916225" y="1052461"/>
-            <a:ext cx="1030680" cy="454680"/>
+          <p:cNvPr id="110" name="CustomShape 41"/>
+          <p:cNvSpPr/>
+          <p:nvPr/>
+        </p:nvSpPr>
+        <p:spPr>
+          <a:xfrm>
+            <a:off x="6916320" y="1052640"/>
+            <a:ext cx="1030320" cy="454680"/>
           </a:xfrm>
           <a:prstGeom prst="rect">
             <a:avLst/>
@@ -5718,22 +5266,15 @@
           </a:ln>
         </p:spPr>
         <p:style>
-          <a:lnRef idx="0">
-            <a:scrgbClr r="0" g="0" b="0"/>
-          </a:lnRef>
-          <a:fillRef idx="0">
-            <a:scrgbClr r="0" g="0" b="0"/>
-          </a:fillRef>
-          <a:effectRef idx="0">
-            <a:scrgbClr r="0" g="0" b="0"/>
-          </a:effectRef>
-          <a:fontRef idx="minor"/>
-        </p:style>
-        <p:txBody>
-          <a:bodyPr lIns="90000" tIns="45000" rIns="90000" bIns="45000">
+          <a:lnRef idx="0"/>
+          <a:fillRef idx="0"/>
+          <a:effectRef idx="0"/>
+          <a:fontRef idx="minor"/>
+        </p:style>
+        <p:txBody>
+          <a:bodyPr lIns="90000" rIns="90000" tIns="45000" bIns="45000">
             <a:spAutoFit/>
           </a:bodyPr>
-          <a:lstStyle/>
           <a:p>
             <a:pPr>
               <a:lnSpc>
@@ -5741,7 +5282,7 @@
               </a:lnSpc>
             </a:pPr>
             <a:r>
-              <a:rPr lang="pt-BR" sz="1200" b="0" strike="noStrike" spc="-1" dirty="0">
+              <a:rPr b="0" lang="pt-BR" sz="1200" spc="-1" strike="noStrike">
                 <a:solidFill>
                   <a:srgbClr val="000000"/>
                 </a:solidFill>
@@ -5750,28 +5291,22 @@
               </a:rPr>
               <a:t>Sub componente</a:t>
             </a:r>
-            <a:endParaRPr lang="pt-BR" sz="1200" b="0" strike="noStrike" spc="-1" dirty="0">
-              <a:latin typeface="Arial"/>
-            </a:endParaRPr>
-          </a:p>
-        </p:txBody>
-      </p:sp>
-      <p:sp>
-        <p:nvSpPr>
-          <p:cNvPr id="45" name="CustomShape 5">
-            <a:extLst>
-              <a:ext uri="{FF2B5EF4-FFF2-40B4-BE49-F238E27FC236}">
-                <a16:creationId xmlns:a16="http://schemas.microsoft.com/office/drawing/2014/main" id="{31B4827A-6E78-4289-9C82-E46621D3BCEF}"/>
-              </a:ext>
-            </a:extLst>
-          </p:cNvPr>
-          <p:cNvSpPr/>
-          <p:nvPr/>
-        </p:nvSpPr>
-        <p:spPr>
-          <a:xfrm>
-            <a:off x="3554964" y="4283354"/>
-            <a:ext cx="1127880" cy="1060200"/>
+            <a:endParaRPr b="0" lang="pt-BR" sz="1200" spc="-1" strike="noStrike">
+              <a:latin typeface="Arial"/>
+            </a:endParaRPr>
+          </a:p>
+        </p:txBody>
+      </p:sp>
+      <p:sp>
+        <p:nvSpPr>
+          <p:cNvPr id="111" name="CustomShape 42"/>
+          <p:cNvSpPr/>
+          <p:nvPr/>
+        </p:nvSpPr>
+        <p:spPr>
+          <a:xfrm>
+            <a:off x="3555000" y="4283280"/>
+            <a:ext cx="1127520" cy="1059840"/>
           </a:xfrm>
           <a:prstGeom prst="ellipse">
             <a:avLst/>
@@ -5797,10 +5332,9 @@
           <a:fontRef idx="minor"/>
         </p:style>
         <p:txBody>
-          <a:bodyPr lIns="90000" tIns="45000" rIns="90000" bIns="45000" anchor="ctr">
+          <a:bodyPr lIns="90000" rIns="90000" tIns="45000" bIns="45000" anchor="ctr">
             <a:noAutofit/>
           </a:bodyPr>
-          <a:lstStyle/>
           <a:p>
             <a:pPr algn="ctr">
               <a:lnSpc>
@@ -5808,7 +5342,7 @@
               </a:lnSpc>
             </a:pPr>
             <a:r>
-              <a:rPr lang="pt-BR" sz="1050" b="0" strike="noStrike" spc="-1" dirty="0">
+              <a:rPr b="0" lang="pt-BR" sz="1050" spc="-1" strike="noStrike">
                 <a:solidFill>
                   <a:srgbClr val="000000"/>
                 </a:solidFill>
@@ -5817,34 +5351,27 @@
               </a:rPr>
               <a:t>Consultar ordem de produção</a:t>
             </a:r>
-            <a:endParaRPr lang="pt-BR" sz="1050" b="0" strike="noStrike" spc="-1" dirty="0">
-              <a:latin typeface="Arial"/>
-            </a:endParaRPr>
-          </a:p>
-        </p:txBody>
-      </p:sp>
-      <p:sp>
-        <p:nvSpPr>
-          <p:cNvPr id="49" name="CustomShape 36">
-            <a:extLst>
-              <a:ext uri="{FF2B5EF4-FFF2-40B4-BE49-F238E27FC236}">
-                <a16:creationId xmlns:a16="http://schemas.microsoft.com/office/drawing/2014/main" id="{75799D36-E867-46F5-84A2-453B864D596E}"/>
-              </a:ext>
-            </a:extLst>
-          </p:cNvPr>
+            <a:endParaRPr b="0" lang="pt-BR" sz="1050" spc="-1" strike="noStrike">
+              <a:latin typeface="Arial"/>
+            </a:endParaRPr>
+          </a:p>
+        </p:txBody>
+      </p:sp>
+      <p:sp>
+        <p:nvSpPr>
+          <p:cNvPr id="112" name="CustomShape 43"/>
           <p:cNvSpPr/>
           <p:nvPr/>
         </p:nvSpPr>
         <p:spPr>
           <a:xfrm flipH="1">
-            <a:off x="4748040" y="4123080"/>
-            <a:ext cx="1419840" cy="662759"/>
+            <a:off x="4747320" y="4123080"/>
+            <a:ext cx="1419480" cy="662400"/>
           </a:xfrm>
           <a:custGeom>
             <a:avLst/>
             <a:gdLst/>
             <a:ahLst/>
-            <a:cxnLst/>
             <a:rect l="l" t="t" r="r" b="b"/>
             <a:pathLst>
               <a:path w="21600" h="21600">
@@ -5862,8 +5389,8 @@
             <a:solidFill>
               <a:schemeClr val="tx1"/>
             </a:solidFill>
-            <a:headEnd type="triangle" w="med" len="med"/>
-            <a:tailEnd type="triangle" w="med" len="med"/>
+            <a:headEnd len="med" type="triangle" w="med"/>
+            <a:tailEnd len="med" type="triangle" w="med"/>
           </a:ln>
         </p:spPr>
         <p:style>
@@ -5881,26 +5408,19 @@
       </p:sp>
       <p:sp>
         <p:nvSpPr>
-          <p:cNvPr id="50" name="CustomShape 36">
-            <a:extLst>
-              <a:ext uri="{FF2B5EF4-FFF2-40B4-BE49-F238E27FC236}">
-                <a16:creationId xmlns:a16="http://schemas.microsoft.com/office/drawing/2014/main" id="{048A1ECD-ECE4-41D0-B2EF-CA3142AF778D}"/>
-              </a:ext>
-            </a:extLst>
-          </p:cNvPr>
+          <p:cNvPr id="113" name="CustomShape 44"/>
           <p:cNvSpPr/>
           <p:nvPr/>
         </p:nvSpPr>
         <p:spPr>
           <a:xfrm>
             <a:off x="1588320" y="4107240"/>
-            <a:ext cx="1901448" cy="733904"/>
+            <a:ext cx="1901160" cy="733680"/>
           </a:xfrm>
           <a:custGeom>
             <a:avLst/>
             <a:gdLst/>
             <a:ahLst/>
-            <a:cxnLst/>
             <a:rect l="l" t="t" r="r" b="b"/>
             <a:pathLst>
               <a:path w="21600" h="21600">
@@ -5918,8 +5438,8 @@
             <a:solidFill>
               <a:schemeClr val="tx1"/>
             </a:solidFill>
-            <a:headEnd type="triangle" w="med" len="med"/>
-            <a:tailEnd type="triangle" w="med" len="med"/>
+            <a:headEnd len="med" type="triangle" w="med"/>
+            <a:tailEnd len="med" type="triangle" w="med"/>
           </a:ln>
         </p:spPr>
         <p:style>
@@ -5937,14 +5457,19 @@
       </p:sp>
     </p:spTree>
   </p:cSld>
-  <p:clrMapOvr>
-    <a:masterClrMapping/>
-  </p:clrMapOvr>
+  <mc:AlternateContent>
+    <mc:Choice Requires="p14">
+      <p:transition spd="slow" p14:dur="2000"/>
+    </mc:Choice>
+    <mc:Fallback>
+      <p:transition spd="slow"/>
+    </mc:Fallback>
+  </mc:AlternateContent>
 </p:sld>
 </file>
 
 <file path=ppt/slides/slide3.xml><?xml version="1.0" encoding="utf-8"?>
-<p:sld xmlns:a="http://schemas.openxmlformats.org/drawingml/2006/main" xmlns:r="http://schemas.openxmlformats.org/officeDocument/2006/relationships" xmlns:p="http://schemas.openxmlformats.org/presentationml/2006/main">
+<p:sld xmlns:a="http://schemas.openxmlformats.org/drawingml/2006/main" xmlns:p="http://schemas.openxmlformats.org/presentationml/2006/main" xmlns:r="http://schemas.openxmlformats.org/officeDocument/2006/relationships" xmlns:p14="http://schemas.microsoft.com/office/powerpoint/2010/main" xmlns:p15="http://schemas.microsoft.com/office/powerpoint/2012/main" xmlns:mc="http://schemas.openxmlformats.org/markup-compatibility/2006">
   <p:cSld>
     <p:spTree>
       <p:nvGrpSpPr>
@@ -5962,14 +5487,14 @@
       </p:grpSpPr>
       <p:sp>
         <p:nvSpPr>
-          <p:cNvPr id="112" name="CustomShape 1"/>
+          <p:cNvPr id="114" name="CustomShape 1"/>
           <p:cNvSpPr/>
           <p:nvPr/>
         </p:nvSpPr>
         <p:spPr>
           <a:xfrm>
             <a:off x="6912000" y="85680"/>
-            <a:ext cx="2805840" cy="638280"/>
+            <a:ext cx="2805480" cy="638280"/>
           </a:xfrm>
           <a:prstGeom prst="rect">
             <a:avLst/>
@@ -5980,22 +5505,15 @@
           </a:ln>
         </p:spPr>
         <p:style>
-          <a:lnRef idx="0">
-            <a:scrgbClr r="0" g="0" b="0"/>
-          </a:lnRef>
-          <a:fillRef idx="0">
-            <a:scrgbClr r="0" g="0" b="0"/>
-          </a:fillRef>
-          <a:effectRef idx="0">
-            <a:scrgbClr r="0" g="0" b="0"/>
-          </a:effectRef>
-          <a:fontRef idx="minor"/>
-        </p:style>
-        <p:txBody>
-          <a:bodyPr lIns="90000" tIns="45000" rIns="90000" bIns="45000">
+          <a:lnRef idx="0"/>
+          <a:fillRef idx="0"/>
+          <a:effectRef idx="0"/>
+          <a:fontRef idx="minor"/>
+        </p:style>
+        <p:txBody>
+          <a:bodyPr lIns="90000" rIns="90000" tIns="45000" bIns="45000">
             <a:spAutoFit/>
           </a:bodyPr>
-          <a:lstStyle/>
           <a:p>
             <a:pPr>
               <a:lnSpc>
@@ -6003,7 +5521,7 @@
               </a:lnSpc>
             </a:pPr>
             <a:r>
-              <a:rPr lang="pt-BR" sz="1800" b="0" strike="noStrike" spc="-1">
+              <a:rPr b="0" lang="pt-BR" sz="1800" spc="-1" strike="noStrike">
                 <a:solidFill>
                   <a:srgbClr val="000000"/>
                 </a:solidFill>
@@ -6012,22 +5530,22 @@
               </a:rPr>
               <a:t>Capacidade:Testar sub componete</a:t>
             </a:r>
-            <a:endParaRPr lang="pt-BR" sz="1800" b="0" strike="noStrike" spc="-1">
-              <a:latin typeface="Arial"/>
-            </a:endParaRPr>
-          </a:p>
-        </p:txBody>
-      </p:sp>
-      <p:sp>
-        <p:nvSpPr>
-          <p:cNvPr id="113" name="CustomShape 2"/>
+            <a:endParaRPr b="0" lang="pt-BR" sz="1800" spc="-1" strike="noStrike">
+              <a:latin typeface="Arial"/>
+            </a:endParaRPr>
+          </a:p>
+        </p:txBody>
+      </p:sp>
+      <p:sp>
+        <p:nvSpPr>
+          <p:cNvPr id="115" name="CustomShape 2"/>
           <p:cNvSpPr/>
           <p:nvPr/>
         </p:nvSpPr>
         <p:spPr>
           <a:xfrm>
             <a:off x="471960" y="246600"/>
-            <a:ext cx="950760" cy="758880"/>
+            <a:ext cx="950400" cy="758520"/>
           </a:xfrm>
           <a:prstGeom prst="rect">
             <a:avLst/>
@@ -6035,10 +5553,10 @@
           <a:gradFill rotWithShape="0">
             <a:gsLst>
               <a:gs pos="0">
-                <a:srgbClr val="D0D0D0"/>
+                <a:srgbClr val="d0d0d0"/>
               </a:gs>
               <a:gs pos="100000">
-                <a:srgbClr val="EDEDED">
+                <a:srgbClr val="ededed">
                   <a:alpha val="0"/>
                 </a:srgbClr>
               </a:gs>
@@ -6047,7 +5565,7 @@
           </a:gradFill>
           <a:ln/>
           <a:effectLst>
-            <a:outerShdw blurRad="40000" dist="20160" dir="5400000" rotWithShape="0">
+            <a:outerShdw blurRad="40000" dir="5400000" dist="20160" rotWithShape="0">
               <a:srgbClr val="000000">
                 <a:alpha val="38000"/>
               </a:srgbClr>
@@ -6067,10 +5585,9 @@
           <a:fontRef idx="minor"/>
         </p:style>
         <p:txBody>
-          <a:bodyPr lIns="90000" tIns="45000" rIns="90000" bIns="45000" anchor="ctr">
+          <a:bodyPr lIns="90000" rIns="90000" tIns="45000" bIns="45000" anchor="ctr">
             <a:noAutofit/>
           </a:bodyPr>
-          <a:lstStyle/>
           <a:p>
             <a:pPr algn="ctr">
               <a:lnSpc>
@@ -6078,7 +5595,7 @@
               </a:lnSpc>
             </a:pPr>
             <a:r>
-              <a:rPr lang="pt-BR" sz="1200" b="0" strike="noStrike" spc="-1">
+              <a:rPr b="0" lang="pt-BR" sz="1200" spc="-1" strike="noStrike">
                 <a:solidFill>
                   <a:srgbClr val="000000"/>
                 </a:solidFill>
@@ -6087,22 +5604,22 @@
               </a:rPr>
               <a:t>Linha de Produção</a:t>
             </a:r>
-            <a:endParaRPr lang="pt-BR" sz="1200" b="0" strike="noStrike" spc="-1">
-              <a:latin typeface="Arial"/>
-            </a:endParaRPr>
-          </a:p>
-        </p:txBody>
-      </p:sp>
-      <p:sp>
-        <p:nvSpPr>
-          <p:cNvPr id="114" name="CustomShape 3"/>
+            <a:endParaRPr b="0" lang="pt-BR" sz="1200" spc="-1" strike="noStrike">
+              <a:latin typeface="Arial"/>
+            </a:endParaRPr>
+          </a:p>
+        </p:txBody>
+      </p:sp>
+      <p:sp>
+        <p:nvSpPr>
+          <p:cNvPr id="116" name="CustomShape 3"/>
           <p:cNvSpPr/>
           <p:nvPr/>
         </p:nvSpPr>
         <p:spPr>
           <a:xfrm>
             <a:off x="432000" y="1584000"/>
-            <a:ext cx="1365840" cy="933840"/>
+            <a:ext cx="1365480" cy="933480"/>
           </a:xfrm>
           <a:prstGeom prst="ellipse">
             <a:avLst/>
@@ -6128,10 +5645,9 @@
           <a:fontRef idx="minor"/>
         </p:style>
         <p:txBody>
-          <a:bodyPr lIns="90000" tIns="45000" rIns="90000" bIns="45000" anchor="ctr">
+          <a:bodyPr lIns="90000" rIns="90000" tIns="45000" bIns="45000" anchor="ctr">
             <a:noAutofit/>
           </a:bodyPr>
-          <a:lstStyle/>
           <a:p>
             <a:pPr algn="ctr">
               <a:lnSpc>
@@ -6139,7 +5655,7 @@
               </a:lnSpc>
             </a:pPr>
             <a:r>
-              <a:rPr lang="pt-BR" sz="1050" b="0" strike="noStrike" spc="-1">
+              <a:rPr b="0" lang="pt-BR" sz="1050" spc="-1" strike="noStrike">
                 <a:solidFill>
                   <a:srgbClr val="000000"/>
                 </a:solidFill>
@@ -6148,28 +5664,27 @@
               </a:rPr>
               <a:t>Receber sub componente não testado</a:t>
             </a:r>
-            <a:endParaRPr lang="pt-BR" sz="1050" b="0" strike="noStrike" spc="-1">
-              <a:latin typeface="Arial"/>
-            </a:endParaRPr>
-          </a:p>
-        </p:txBody>
-      </p:sp>
-      <p:sp>
-        <p:nvSpPr>
-          <p:cNvPr id="115" name="CustomShape 4"/>
+            <a:endParaRPr b="0" lang="pt-BR" sz="1050" spc="-1" strike="noStrike">
+              <a:latin typeface="Arial"/>
+            </a:endParaRPr>
+          </a:p>
+        </p:txBody>
+      </p:sp>
+      <p:sp>
+        <p:nvSpPr>
+          <p:cNvPr id="117" name="CustomShape 4"/>
           <p:cNvSpPr/>
           <p:nvPr/>
         </p:nvSpPr>
         <p:spPr>
           <a:xfrm>
             <a:off x="964080" y="997200"/>
-            <a:ext cx="113760" cy="584640"/>
+            <a:ext cx="113400" cy="584280"/>
           </a:xfrm>
           <a:custGeom>
             <a:avLst/>
             <a:gdLst/>
             <a:ahLst/>
-            <a:cxnLst/>
             <a:rect l="l" t="t" r="r" b="b"/>
             <a:pathLst>
               <a:path w="21600" h="21600">
@@ -6187,7 +5702,7 @@
             <a:solidFill>
               <a:schemeClr val="tx1"/>
             </a:solidFill>
-            <a:tailEnd type="triangle" w="med" len="med"/>
+            <a:tailEnd len="med" type="triangle" w="med"/>
           </a:ln>
         </p:spPr>
         <p:style>
@@ -6205,14 +5720,14 @@
       </p:sp>
       <p:sp>
         <p:nvSpPr>
-          <p:cNvPr id="116" name="CustomShape 5"/>
+          <p:cNvPr id="118" name="CustomShape 5"/>
           <p:cNvSpPr/>
           <p:nvPr/>
         </p:nvSpPr>
         <p:spPr>
           <a:xfrm>
             <a:off x="1156320" y="1126080"/>
-            <a:ext cx="1217520" cy="241920"/>
+            <a:ext cx="1217160" cy="241920"/>
           </a:xfrm>
           <a:prstGeom prst="rect">
             <a:avLst/>
@@ -6223,22 +5738,15 @@
           </a:ln>
         </p:spPr>
         <p:style>
-          <a:lnRef idx="0">
-            <a:scrgbClr r="0" g="0" b="0"/>
-          </a:lnRef>
-          <a:fillRef idx="0">
-            <a:scrgbClr r="0" g="0" b="0"/>
-          </a:fillRef>
-          <a:effectRef idx="0">
-            <a:scrgbClr r="0" g="0" b="0"/>
-          </a:effectRef>
-          <a:fontRef idx="minor"/>
-        </p:style>
-        <p:txBody>
-          <a:bodyPr lIns="90000" tIns="45000" rIns="90000" bIns="45000">
+          <a:lnRef idx="0"/>
+          <a:fillRef idx="0"/>
+          <a:effectRef idx="0"/>
+          <a:fontRef idx="minor"/>
+        </p:style>
+        <p:txBody>
+          <a:bodyPr lIns="90000" rIns="90000" tIns="45000" bIns="45000">
             <a:spAutoFit/>
           </a:bodyPr>
-          <a:lstStyle/>
           <a:p>
             <a:pPr algn="ctr">
               <a:lnSpc>
@@ -6246,24 +5754,34 @@
               </a:lnSpc>
             </a:pPr>
             <a:r>
-              <a:rPr lang="pt-BR" sz="1000" b="0" strike="noStrike" spc="-1">
+              <a:rPr b="0" lang="pt-BR" sz="1000" spc="-1" strike="noStrike">
                 <a:solidFill>
                   <a:srgbClr val="000000"/>
                 </a:solidFill>
                 <a:latin typeface="Arial"/>
                 <a:ea typeface="DejaVu Sans"/>
               </a:rPr>
-              <a:t> Subcomponente</a:t>
+              <a:t> </a:t>
             </a:r>
-            <a:endParaRPr lang="pt-BR" sz="1000" b="0" strike="noStrike" spc="-1">
-              <a:latin typeface="Arial"/>
-            </a:endParaRPr>
-          </a:p>
-        </p:txBody>
-      </p:sp>
-      <p:sp>
-        <p:nvSpPr>
-          <p:cNvPr id="117" name="Line 6"/>
+            <a:r>
+              <a:rPr b="0" lang="pt-BR" sz="1000" spc="-1" strike="noStrike">
+                <a:solidFill>
+                  <a:srgbClr val="000000"/>
+                </a:solidFill>
+                <a:latin typeface="Arial"/>
+                <a:ea typeface="DejaVu Sans"/>
+              </a:rPr>
+              <a:t>Subcomponente</a:t>
+            </a:r>
+            <a:endParaRPr b="0" lang="pt-BR" sz="1000" spc="-1" strike="noStrike">
+              <a:latin typeface="Arial"/>
+            </a:endParaRPr>
+          </a:p>
+        </p:txBody>
+      </p:sp>
+      <p:sp>
+        <p:nvSpPr>
+          <p:cNvPr id="119" name="Line 6"/>
           <p:cNvSpPr/>
           <p:nvPr/>
         </p:nvSpPr>
@@ -6296,7 +5814,7 @@
       </p:sp>
       <p:sp>
         <p:nvSpPr>
-          <p:cNvPr id="118" name="Line 7"/>
+          <p:cNvPr id="120" name="Line 7"/>
           <p:cNvSpPr/>
           <p:nvPr/>
         </p:nvSpPr>
@@ -6329,14 +5847,14 @@
       </p:sp>
       <p:sp>
         <p:nvSpPr>
-          <p:cNvPr id="119" name="CustomShape 8"/>
+          <p:cNvPr id="121" name="CustomShape 8"/>
           <p:cNvSpPr/>
           <p:nvPr/>
         </p:nvSpPr>
         <p:spPr>
           <a:xfrm>
             <a:off x="576000" y="2952000"/>
-            <a:ext cx="1293840" cy="454680"/>
+            <a:ext cx="1293480" cy="454680"/>
           </a:xfrm>
           <a:prstGeom prst="rect">
             <a:avLst/>
@@ -6347,22 +5865,15 @@
           </a:ln>
         </p:spPr>
         <p:style>
-          <a:lnRef idx="0">
-            <a:scrgbClr r="0" g="0" b="0"/>
-          </a:lnRef>
-          <a:fillRef idx="0">
-            <a:scrgbClr r="0" g="0" b="0"/>
-          </a:fillRef>
-          <a:effectRef idx="0">
-            <a:scrgbClr r="0" g="0" b="0"/>
-          </a:effectRef>
-          <a:fontRef idx="minor"/>
-        </p:style>
-        <p:txBody>
-          <a:bodyPr lIns="90000" tIns="45000" rIns="90000" bIns="45000">
+          <a:lnRef idx="0"/>
+          <a:fillRef idx="0"/>
+          <a:effectRef idx="0"/>
+          <a:fontRef idx="minor"/>
+        </p:style>
+        <p:txBody>
+          <a:bodyPr lIns="90000" rIns="90000" tIns="45000" bIns="45000">
             <a:spAutoFit/>
           </a:bodyPr>
-          <a:lstStyle/>
           <a:p>
             <a:pPr>
               <a:lnSpc>
@@ -6370,7 +5881,7 @@
               </a:lnSpc>
             </a:pPr>
             <a:r>
-              <a:rPr lang="pt-BR" sz="1200" b="0" strike="noStrike" spc="-1">
+              <a:rPr b="0" lang="pt-BR" sz="1200" spc="-1" strike="noStrike">
                 <a:solidFill>
                   <a:srgbClr val="000000"/>
                 </a:solidFill>
@@ -6379,28 +5890,27 @@
               </a:rPr>
               <a:t>Subcomponente não testado</a:t>
             </a:r>
-            <a:endParaRPr lang="pt-BR" sz="1200" b="0" strike="noStrike" spc="-1">
-              <a:latin typeface="Arial"/>
-            </a:endParaRPr>
-          </a:p>
-        </p:txBody>
-      </p:sp>
-      <p:sp>
-        <p:nvSpPr>
-          <p:cNvPr id="120" name="CustomShape 9"/>
+            <a:endParaRPr b="0" lang="pt-BR" sz="1200" spc="-1" strike="noStrike">
+              <a:latin typeface="Arial"/>
+            </a:endParaRPr>
+          </a:p>
+        </p:txBody>
+      </p:sp>
+      <p:sp>
+        <p:nvSpPr>
+          <p:cNvPr id="122" name="CustomShape 9"/>
           <p:cNvSpPr/>
           <p:nvPr/>
         </p:nvSpPr>
         <p:spPr>
           <a:xfrm>
             <a:off x="1123920" y="2520000"/>
-            <a:ext cx="25920" cy="429840"/>
+            <a:ext cx="25560" cy="429480"/>
           </a:xfrm>
           <a:custGeom>
             <a:avLst/>
             <a:gdLst/>
             <a:ahLst/>
-            <a:cxnLst/>
             <a:rect l="l" t="t" r="r" b="b"/>
             <a:pathLst>
               <a:path w="21600" h="21600">
@@ -6418,7 +5928,7 @@
             <a:solidFill>
               <a:schemeClr val="tx1"/>
             </a:solidFill>
-            <a:tailEnd type="triangle" w="med" len="med"/>
+            <a:tailEnd len="med" type="triangle" w="med"/>
           </a:ln>
         </p:spPr>
         <p:style>
@@ -6436,14 +5946,14 @@
       </p:sp>
       <p:sp>
         <p:nvSpPr>
-          <p:cNvPr id="121" name="CustomShape 10"/>
+          <p:cNvPr id="123" name="CustomShape 10"/>
           <p:cNvSpPr/>
           <p:nvPr/>
         </p:nvSpPr>
         <p:spPr>
           <a:xfrm>
             <a:off x="2253960" y="1440000"/>
-            <a:ext cx="1127880" cy="1060200"/>
+            <a:ext cx="1127520" cy="1059840"/>
           </a:xfrm>
           <a:prstGeom prst="ellipse">
             <a:avLst/>
@@ -6469,10 +5979,9 @@
           <a:fontRef idx="minor"/>
         </p:style>
         <p:txBody>
-          <a:bodyPr lIns="90000" tIns="45000" rIns="90000" bIns="45000" anchor="ctr">
+          <a:bodyPr lIns="90000" rIns="90000" tIns="45000" bIns="45000" anchor="ctr">
             <a:noAutofit/>
           </a:bodyPr>
-          <a:lstStyle/>
           <a:p>
             <a:pPr algn="ctr">
               <a:lnSpc>
@@ -6480,7 +5989,7 @@
               </a:lnSpc>
             </a:pPr>
             <a:r>
-              <a:rPr lang="pt-BR" sz="1200" b="0" strike="noStrike" spc="-1">
+              <a:rPr b="0" lang="pt-BR" sz="1200" spc="-1" strike="noStrike">
                 <a:solidFill>
                   <a:srgbClr val="000000"/>
                 </a:solidFill>
@@ -6489,28 +5998,27 @@
               </a:rPr>
               <a:t>Testar Subcomponente</a:t>
             </a:r>
-            <a:endParaRPr lang="pt-BR" sz="1200" b="0" strike="noStrike" spc="-1">
-              <a:latin typeface="Arial"/>
-            </a:endParaRPr>
-          </a:p>
-        </p:txBody>
-      </p:sp>
-      <p:sp>
-        <p:nvSpPr>
-          <p:cNvPr id="122" name="CustomShape 11"/>
+            <a:endParaRPr b="0" lang="pt-BR" sz="1200" spc="-1" strike="noStrike">
+              <a:latin typeface="Arial"/>
+            </a:endParaRPr>
+          </a:p>
+        </p:txBody>
+      </p:sp>
+      <p:sp>
+        <p:nvSpPr>
+          <p:cNvPr id="124" name="CustomShape 11"/>
           <p:cNvSpPr/>
           <p:nvPr/>
         </p:nvSpPr>
         <p:spPr>
           <a:xfrm flipH="1">
-            <a:off x="1581840" y="2304000"/>
-            <a:ext cx="789840" cy="645840"/>
+            <a:off x="1581120" y="2304000"/>
+            <a:ext cx="789480" cy="645480"/>
           </a:xfrm>
           <a:custGeom>
             <a:avLst/>
             <a:gdLst/>
             <a:ahLst/>
-            <a:cxnLst/>
             <a:rect l="l" t="t" r="r" b="b"/>
             <a:pathLst>
               <a:path w="21600" h="21600">
@@ -6528,8 +6036,8 @@
             <a:solidFill>
               <a:schemeClr val="tx1"/>
             </a:solidFill>
-            <a:headEnd type="triangle" w="med" len="med"/>
-            <a:tailEnd type="triangle" w="med" len="med"/>
+            <a:headEnd len="med" type="triangle" w="med"/>
+            <a:tailEnd len="med" type="triangle" w="med"/>
           </a:ln>
         </p:spPr>
         <p:style>
@@ -6547,14 +6055,14 @@
       </p:sp>
       <p:sp>
         <p:nvSpPr>
-          <p:cNvPr id="123" name="CustomShape 12"/>
+          <p:cNvPr id="125" name="CustomShape 12"/>
           <p:cNvSpPr/>
           <p:nvPr/>
         </p:nvSpPr>
         <p:spPr>
           <a:xfrm>
             <a:off x="2232000" y="2952000"/>
-            <a:ext cx="1293840" cy="454680"/>
+            <a:ext cx="1293480" cy="454680"/>
           </a:xfrm>
           <a:prstGeom prst="rect">
             <a:avLst/>
@@ -6565,22 +6073,15 @@
           </a:ln>
         </p:spPr>
         <p:style>
-          <a:lnRef idx="0">
-            <a:scrgbClr r="0" g="0" b="0"/>
-          </a:lnRef>
-          <a:fillRef idx="0">
-            <a:scrgbClr r="0" g="0" b="0"/>
-          </a:fillRef>
-          <a:effectRef idx="0">
-            <a:scrgbClr r="0" g="0" b="0"/>
-          </a:effectRef>
-          <a:fontRef idx="minor"/>
-        </p:style>
-        <p:txBody>
-          <a:bodyPr lIns="90000" tIns="45000" rIns="90000" bIns="45000">
+          <a:lnRef idx="0"/>
+          <a:fillRef idx="0"/>
+          <a:effectRef idx="0"/>
+          <a:fontRef idx="minor"/>
+        </p:style>
+        <p:txBody>
+          <a:bodyPr lIns="90000" rIns="90000" tIns="45000" bIns="45000">
             <a:spAutoFit/>
           </a:bodyPr>
-          <a:lstStyle/>
           <a:p>
             <a:pPr>
               <a:lnSpc>
@@ -6588,7 +6089,7 @@
               </a:lnSpc>
             </a:pPr>
             <a:r>
-              <a:rPr lang="pt-BR" sz="1200" b="0" strike="noStrike" spc="-1">
+              <a:rPr b="0" lang="pt-BR" sz="1200" spc="-1" strike="noStrike">
                 <a:solidFill>
                   <a:srgbClr val="000000"/>
                 </a:solidFill>
@@ -6597,15 +6098,15 @@
               </a:rPr>
               <a:t>Subcomponente testado</a:t>
             </a:r>
-            <a:endParaRPr lang="pt-BR" sz="1200" b="0" strike="noStrike" spc="-1">
-              <a:latin typeface="Arial"/>
-            </a:endParaRPr>
-          </a:p>
-        </p:txBody>
-      </p:sp>
-      <p:sp>
-        <p:nvSpPr>
-          <p:cNvPr id="124" name="Line 13"/>
+            <a:endParaRPr b="0" lang="pt-BR" sz="1200" spc="-1" strike="noStrike">
+              <a:latin typeface="Arial"/>
+            </a:endParaRPr>
+          </a:p>
+        </p:txBody>
+      </p:sp>
+      <p:sp>
+        <p:nvSpPr>
+          <p:cNvPr id="126" name="Line 13"/>
           <p:cNvSpPr/>
           <p:nvPr/>
         </p:nvSpPr>
@@ -6638,7 +6139,7 @@
       </p:sp>
       <p:sp>
         <p:nvSpPr>
-          <p:cNvPr id="125" name="Line 14"/>
+          <p:cNvPr id="127" name="Line 14"/>
           <p:cNvSpPr/>
           <p:nvPr/>
         </p:nvSpPr>
@@ -6671,20 +6172,19 @@
       </p:sp>
       <p:sp>
         <p:nvSpPr>
-          <p:cNvPr id="126" name="CustomShape 15"/>
+          <p:cNvPr id="128" name="CustomShape 15"/>
           <p:cNvSpPr/>
           <p:nvPr/>
         </p:nvSpPr>
         <p:spPr>
           <a:xfrm>
             <a:off x="2923920" y="2502360"/>
-            <a:ext cx="25920" cy="429840"/>
+            <a:ext cx="25560" cy="429480"/>
           </a:xfrm>
           <a:custGeom>
             <a:avLst/>
             <a:gdLst/>
             <a:ahLst/>
-            <a:cxnLst/>
             <a:rect l="l" t="t" r="r" b="b"/>
             <a:pathLst>
               <a:path w="21600" h="21600">
@@ -6702,7 +6202,7 @@
             <a:solidFill>
               <a:schemeClr val="tx1"/>
             </a:solidFill>
-            <a:tailEnd type="triangle" w="med" len="med"/>
+            <a:tailEnd len="med" type="triangle" w="med"/>
           </a:ln>
         </p:spPr>
         <p:style>
@@ -6720,14 +6220,14 @@
       </p:sp>
       <p:sp>
         <p:nvSpPr>
-          <p:cNvPr id="127" name="CustomShape 16"/>
+          <p:cNvPr id="129" name="CustomShape 16"/>
           <p:cNvSpPr/>
           <p:nvPr/>
         </p:nvSpPr>
         <p:spPr>
           <a:xfrm>
             <a:off x="2448000" y="246960"/>
-            <a:ext cx="950760" cy="758880"/>
+            <a:ext cx="950400" cy="758520"/>
           </a:xfrm>
           <a:prstGeom prst="rect">
             <a:avLst/>
@@ -6735,10 +6235,10 @@
           <a:gradFill rotWithShape="0">
             <a:gsLst>
               <a:gs pos="0">
-                <a:srgbClr val="D0D0D0"/>
+                <a:srgbClr val="d0d0d0"/>
               </a:gs>
               <a:gs pos="100000">
-                <a:srgbClr val="EDEDED">
+                <a:srgbClr val="ededed">
                   <a:alpha val="0"/>
                 </a:srgbClr>
               </a:gs>
@@ -6747,7 +6247,7 @@
           </a:gradFill>
           <a:ln/>
           <a:effectLst>
-            <a:outerShdw blurRad="40000" dist="20160" dir="5400000" rotWithShape="0">
+            <a:outerShdw blurRad="40000" dir="5400000" dist="20160" rotWithShape="0">
               <a:srgbClr val="000000">
                 <a:alpha val="38000"/>
               </a:srgbClr>
@@ -6767,10 +6267,9 @@
           <a:fontRef idx="minor"/>
         </p:style>
         <p:txBody>
-          <a:bodyPr lIns="90000" tIns="45000" rIns="90000" bIns="45000" anchor="ctr">
+          <a:bodyPr lIns="90000" rIns="90000" tIns="45000" bIns="45000" anchor="ctr">
             <a:noAutofit/>
           </a:bodyPr>
-          <a:lstStyle/>
           <a:p>
             <a:pPr algn="ctr">
               <a:lnSpc>
@@ -6778,7 +6277,7 @@
               </a:lnSpc>
             </a:pPr>
             <a:r>
-              <a:rPr lang="pt-BR" sz="1200" b="0" strike="noStrike" spc="-1" dirty="0">
+              <a:rPr b="0" lang="pt-BR" sz="1200" spc="-1" strike="noStrike">
                 <a:solidFill>
                   <a:srgbClr val="000000"/>
                 </a:solidFill>
@@ -6787,28 +6286,27 @@
               </a:rPr>
               <a:t>Linha de Produção</a:t>
             </a:r>
-            <a:endParaRPr lang="pt-BR" sz="1200" b="0" strike="noStrike" spc="-1" dirty="0">
-              <a:latin typeface="Arial"/>
-            </a:endParaRPr>
-          </a:p>
-        </p:txBody>
-      </p:sp>
-      <p:sp>
-        <p:nvSpPr>
-          <p:cNvPr id="128" name="CustomShape 17"/>
+            <a:endParaRPr b="0" lang="pt-BR" sz="1200" spc="-1" strike="noStrike">
+              <a:latin typeface="Arial"/>
+            </a:endParaRPr>
+          </a:p>
+        </p:txBody>
+      </p:sp>
+      <p:sp>
+        <p:nvSpPr>
+          <p:cNvPr id="130" name="CustomShape 17"/>
           <p:cNvSpPr/>
           <p:nvPr/>
         </p:nvSpPr>
         <p:spPr>
           <a:xfrm flipV="1">
-            <a:off x="2808000" y="1005840"/>
-            <a:ext cx="128880" cy="430560"/>
+            <a:off x="2808000" y="1005120"/>
+            <a:ext cx="128520" cy="430200"/>
           </a:xfrm>
           <a:custGeom>
             <a:avLst/>
             <a:gdLst/>
             <a:ahLst/>
-            <a:cxnLst/>
             <a:rect l="l" t="t" r="r" b="b"/>
             <a:pathLst>
               <a:path w="21600" h="21600">
@@ -6826,7 +6324,7 @@
             <a:solidFill>
               <a:schemeClr val="tx1"/>
             </a:solidFill>
-            <a:tailEnd type="triangle" w="med" len="med"/>
+            <a:tailEnd len="med" type="triangle" w="med"/>
           </a:ln>
         </p:spPr>
         <p:style>
@@ -6844,14 +6342,14 @@
       </p:sp>
       <p:sp>
         <p:nvSpPr>
-          <p:cNvPr id="129" name="CustomShape 18"/>
+          <p:cNvPr id="131" name="CustomShape 18"/>
           <p:cNvSpPr/>
           <p:nvPr/>
         </p:nvSpPr>
         <p:spPr>
           <a:xfrm>
             <a:off x="3096000" y="1080000"/>
-            <a:ext cx="840240" cy="452880"/>
+            <a:ext cx="839880" cy="452520"/>
           </a:xfrm>
           <a:prstGeom prst="rect">
             <a:avLst/>
@@ -6862,28 +6360,22 @@
           </a:ln>
         </p:spPr>
         <p:style>
-          <a:lnRef idx="0">
-            <a:scrgbClr r="0" g="0" b="0"/>
-          </a:lnRef>
-          <a:fillRef idx="0">
-            <a:scrgbClr r="0" g="0" b="0"/>
-          </a:fillRef>
-          <a:effectRef idx="0">
-            <a:scrgbClr r="0" g="0" b="0"/>
-          </a:effectRef>
-          <a:fontRef idx="minor"/>
-        </p:style>
-      </p:sp>
-      <p:sp>
-        <p:nvSpPr>
-          <p:cNvPr id="130" name="CustomShape 19"/>
+          <a:lnRef idx="0"/>
+          <a:fillRef idx="0"/>
+          <a:effectRef idx="0"/>
+          <a:fontRef idx="minor"/>
+        </p:style>
+      </p:sp>
+      <p:sp>
+        <p:nvSpPr>
+          <p:cNvPr id="132" name="CustomShape 19"/>
           <p:cNvSpPr/>
           <p:nvPr/>
         </p:nvSpPr>
         <p:spPr>
           <a:xfrm>
             <a:off x="3096000" y="1080000"/>
-            <a:ext cx="2013840" cy="249480"/>
+            <a:ext cx="2013480" cy="249480"/>
           </a:xfrm>
           <a:prstGeom prst="rect">
             <a:avLst/>
@@ -6894,22 +6386,15 @@
           </a:ln>
         </p:spPr>
         <p:style>
-          <a:lnRef idx="0">
-            <a:scrgbClr r="0" g="0" b="0"/>
-          </a:lnRef>
-          <a:fillRef idx="0">
-            <a:scrgbClr r="0" g="0" b="0"/>
-          </a:fillRef>
-          <a:effectRef idx="0">
-            <a:scrgbClr r="0" g="0" b="0"/>
-          </a:effectRef>
-          <a:fontRef idx="minor"/>
-        </p:style>
-        <p:txBody>
-          <a:bodyPr lIns="90000" tIns="45000" rIns="90000" bIns="45000">
+          <a:lnRef idx="0"/>
+          <a:fillRef idx="0"/>
+          <a:effectRef idx="0"/>
+          <a:fontRef idx="minor"/>
+        </p:style>
+        <p:txBody>
+          <a:bodyPr lIns="90000" rIns="90000" tIns="45000" bIns="45000">
             <a:spAutoFit/>
           </a:bodyPr>
-          <a:lstStyle/>
           <a:p>
             <a:pPr>
               <a:lnSpc>
@@ -6917,7 +6402,7 @@
               </a:lnSpc>
             </a:pPr>
             <a:r>
-              <a:rPr lang="pt-BR" sz="1050" b="0" strike="noStrike" spc="-1">
+              <a:rPr b="0" lang="pt-BR" sz="1050" spc="-1" strike="noStrike">
                 <a:solidFill>
                   <a:srgbClr val="000000"/>
                 </a:solidFill>
@@ -6926,7 +6411,7 @@
               </a:rPr>
               <a:t>Subcomponente com defeito</a:t>
             </a:r>
-            <a:endParaRPr lang="pt-BR" sz="1050" b="0" strike="noStrike" spc="-1">
+            <a:endParaRPr b="0" lang="pt-BR" sz="1050" spc="-1" strike="noStrike">
               <a:latin typeface="Arial"/>
             </a:endParaRPr>
           </a:p>
@@ -6934,14 +6419,19 @@
       </p:sp>
     </p:spTree>
   </p:cSld>
-  <p:clrMapOvr>
-    <a:masterClrMapping/>
-  </p:clrMapOvr>
+  <mc:AlternateContent>
+    <mc:Choice Requires="p14">
+      <p:transition spd="slow" p14:dur="2000"/>
+    </mc:Choice>
+    <mc:Fallback>
+      <p:transition spd="slow"/>
+    </mc:Fallback>
+  </mc:AlternateContent>
 </p:sld>
 </file>
 
 <file path=ppt/slides/slide4.xml><?xml version="1.0" encoding="utf-8"?>
-<p:sld xmlns:a="http://schemas.openxmlformats.org/drawingml/2006/main" xmlns:r="http://schemas.openxmlformats.org/officeDocument/2006/relationships" xmlns:p="http://schemas.openxmlformats.org/presentationml/2006/main">
+<p:sld xmlns:a="http://schemas.openxmlformats.org/drawingml/2006/main" xmlns:p="http://schemas.openxmlformats.org/presentationml/2006/main" xmlns:r="http://schemas.openxmlformats.org/officeDocument/2006/relationships" xmlns:p14="http://schemas.microsoft.com/office/powerpoint/2010/main" xmlns:p15="http://schemas.microsoft.com/office/powerpoint/2012/main" xmlns:mc="http://schemas.openxmlformats.org/markup-compatibility/2006">
   <p:cSld>
     <p:spTree>
       <p:nvGrpSpPr>
@@ -6959,14 +6449,14 @@
       </p:grpSpPr>
       <p:sp>
         <p:nvSpPr>
-          <p:cNvPr id="131" name="CustomShape 1"/>
+          <p:cNvPr id="133" name="CustomShape 1"/>
           <p:cNvSpPr/>
           <p:nvPr/>
         </p:nvSpPr>
         <p:spPr>
           <a:xfrm>
             <a:off x="6912000" y="85680"/>
-            <a:ext cx="2805840" cy="638280"/>
+            <a:ext cx="2805480" cy="638280"/>
           </a:xfrm>
           <a:prstGeom prst="rect">
             <a:avLst/>
@@ -6977,22 +6467,15 @@
           </a:ln>
         </p:spPr>
         <p:style>
-          <a:lnRef idx="0">
-            <a:scrgbClr r="0" g="0" b="0"/>
-          </a:lnRef>
-          <a:fillRef idx="0">
-            <a:scrgbClr r="0" g="0" b="0"/>
-          </a:fillRef>
-          <a:effectRef idx="0">
-            <a:scrgbClr r="0" g="0" b="0"/>
-          </a:effectRef>
-          <a:fontRef idx="minor"/>
-        </p:style>
-        <p:txBody>
-          <a:bodyPr lIns="90000" tIns="45000" rIns="90000" bIns="45000">
+          <a:lnRef idx="0"/>
+          <a:fillRef idx="0"/>
+          <a:effectRef idx="0"/>
+          <a:fontRef idx="minor"/>
+        </p:style>
+        <p:txBody>
+          <a:bodyPr lIns="90000" rIns="90000" tIns="45000" bIns="45000">
             <a:spAutoFit/>
           </a:bodyPr>
-          <a:lstStyle/>
           <a:p>
             <a:pPr>
               <a:lnSpc>
@@ -7000,7 +6483,7 @@
               </a:lnSpc>
             </a:pPr>
             <a:r>
-              <a:rPr lang="pt-BR" sz="1800" b="0" strike="noStrike" spc="-1">
+              <a:rPr b="0" lang="pt-BR" sz="1800" spc="-1" strike="noStrike">
                 <a:solidFill>
                   <a:srgbClr val="000000"/>
                 </a:solidFill>
@@ -7009,22 +6492,22 @@
               </a:rPr>
               <a:t>Capacidade:Montar a máquina</a:t>
             </a:r>
-            <a:endParaRPr lang="pt-BR" sz="1800" b="0" strike="noStrike" spc="-1">
-              <a:latin typeface="Arial"/>
-            </a:endParaRPr>
-          </a:p>
-        </p:txBody>
-      </p:sp>
-      <p:sp>
-        <p:nvSpPr>
-          <p:cNvPr id="132" name="CustomShape 2"/>
+            <a:endParaRPr b="0" lang="pt-BR" sz="1800" spc="-1" strike="noStrike">
+              <a:latin typeface="Arial"/>
+            </a:endParaRPr>
+          </a:p>
+        </p:txBody>
+      </p:sp>
+      <p:sp>
+        <p:nvSpPr>
+          <p:cNvPr id="134" name="CustomShape 2"/>
           <p:cNvSpPr/>
           <p:nvPr/>
         </p:nvSpPr>
         <p:spPr>
           <a:xfrm>
             <a:off x="3096000" y="1080000"/>
-            <a:ext cx="840240" cy="452880"/>
+            <a:ext cx="839880" cy="452520"/>
           </a:xfrm>
           <a:prstGeom prst="rect">
             <a:avLst/>
@@ -7035,28 +6518,22 @@
           </a:ln>
         </p:spPr>
         <p:style>
-          <a:lnRef idx="0">
-            <a:scrgbClr r="0" g="0" b="0"/>
-          </a:lnRef>
-          <a:fillRef idx="0">
-            <a:scrgbClr r="0" g="0" b="0"/>
-          </a:fillRef>
-          <a:effectRef idx="0">
-            <a:scrgbClr r="0" g="0" b="0"/>
-          </a:effectRef>
-          <a:fontRef idx="minor"/>
-        </p:style>
-      </p:sp>
-      <p:sp>
-        <p:nvSpPr>
-          <p:cNvPr id="134" name="CustomShape 4"/>
+          <a:lnRef idx="0"/>
+          <a:fillRef idx="0"/>
+          <a:effectRef idx="0"/>
+          <a:fontRef idx="minor"/>
+        </p:style>
+      </p:sp>
+      <p:sp>
+        <p:nvSpPr>
+          <p:cNvPr id="135" name="CustomShape 3"/>
           <p:cNvSpPr/>
           <p:nvPr/>
         </p:nvSpPr>
         <p:spPr>
           <a:xfrm>
             <a:off x="720000" y="3816000"/>
-            <a:ext cx="1365840" cy="460211"/>
+            <a:ext cx="1365480" cy="455400"/>
           </a:xfrm>
           <a:prstGeom prst="rect">
             <a:avLst/>
@@ -7067,22 +6544,15 @@
           </a:ln>
         </p:spPr>
         <p:style>
-          <a:lnRef idx="0">
-            <a:scrgbClr r="0" g="0" b="0"/>
-          </a:lnRef>
-          <a:fillRef idx="0">
-            <a:scrgbClr r="0" g="0" b="0"/>
-          </a:fillRef>
-          <a:effectRef idx="0">
-            <a:scrgbClr r="0" g="0" b="0"/>
-          </a:effectRef>
-          <a:fontRef idx="minor"/>
-        </p:style>
-        <p:txBody>
-          <a:bodyPr wrap="square" lIns="90000" tIns="45000" rIns="90000" bIns="45000">
+          <a:lnRef idx="0"/>
+          <a:fillRef idx="0"/>
+          <a:effectRef idx="0"/>
+          <a:fontRef idx="minor"/>
+        </p:style>
+        <p:txBody>
+          <a:bodyPr lIns="90000" rIns="90000" tIns="45000" bIns="45000">
             <a:spAutoFit/>
           </a:bodyPr>
-          <a:lstStyle/>
           <a:p>
             <a:pPr algn="ctr">
               <a:lnSpc>
@@ -7090,7 +6560,7 @@
               </a:lnSpc>
             </a:pPr>
             <a:r>
-              <a:rPr lang="pt-BR" sz="1200" b="0" strike="noStrike" spc="-1" dirty="0">
+              <a:rPr b="0" lang="pt-BR" sz="1200" spc="-1" strike="noStrike">
                 <a:solidFill>
                   <a:srgbClr val="000000"/>
                 </a:solidFill>
@@ -7099,15 +6569,15 @@
               </a:rPr>
               <a:t>Subcomponentes testados</a:t>
             </a:r>
-            <a:endParaRPr lang="pt-BR" sz="1200" b="0" strike="noStrike" spc="-1" dirty="0">
-              <a:latin typeface="Arial"/>
-            </a:endParaRPr>
-          </a:p>
-        </p:txBody>
-      </p:sp>
-      <p:sp>
-        <p:nvSpPr>
-          <p:cNvPr id="135" name="Line 5"/>
+            <a:endParaRPr b="0" lang="pt-BR" sz="1200" spc="-1" strike="noStrike">
+              <a:latin typeface="Arial"/>
+            </a:endParaRPr>
+          </a:p>
+        </p:txBody>
+      </p:sp>
+      <p:sp>
+        <p:nvSpPr>
+          <p:cNvPr id="136" name="Line 4"/>
           <p:cNvSpPr/>
           <p:nvPr/>
         </p:nvSpPr>
@@ -7140,7 +6610,7 @@
       </p:sp>
       <p:sp>
         <p:nvSpPr>
-          <p:cNvPr id="136" name="Line 6"/>
+          <p:cNvPr id="137" name="Line 5"/>
           <p:cNvSpPr/>
           <p:nvPr/>
         </p:nvSpPr>
@@ -7173,14 +6643,14 @@
       </p:sp>
       <p:sp>
         <p:nvSpPr>
-          <p:cNvPr id="138" name="CustomShape 8"/>
+          <p:cNvPr id="138" name="CustomShape 6"/>
           <p:cNvSpPr/>
           <p:nvPr/>
         </p:nvSpPr>
         <p:spPr>
           <a:xfrm>
             <a:off x="2469960" y="1656000"/>
-            <a:ext cx="2063880" cy="1437840"/>
+            <a:ext cx="2063520" cy="1437480"/>
           </a:xfrm>
           <a:prstGeom prst="ellipse">
             <a:avLst/>
@@ -7206,10 +6676,9 @@
           <a:fontRef idx="minor"/>
         </p:style>
         <p:txBody>
-          <a:bodyPr lIns="90000" tIns="45000" rIns="90000" bIns="45000" anchor="ctr">
+          <a:bodyPr lIns="90000" rIns="90000" tIns="45000" bIns="45000" anchor="ctr">
             <a:noAutofit/>
           </a:bodyPr>
-          <a:lstStyle/>
           <a:p>
             <a:pPr algn="ctr">
               <a:lnSpc>
@@ -7217,7 +6686,7 @@
               </a:lnSpc>
             </a:pPr>
             <a:r>
-              <a:rPr lang="pt-BR" sz="1200" b="0" strike="noStrike" spc="-1">
+              <a:rPr b="0" lang="pt-BR" sz="1200" spc="-1" strike="noStrike">
                 <a:solidFill>
                   <a:srgbClr val="000000"/>
                 </a:solidFill>
@@ -7226,15 +6695,15 @@
               </a:rPr>
               <a:t>Fixar Subcomponentes</a:t>
             </a:r>
-            <a:endParaRPr lang="pt-BR" sz="1200" b="0" strike="noStrike" spc="-1">
-              <a:latin typeface="Arial"/>
-            </a:endParaRPr>
-          </a:p>
-        </p:txBody>
-      </p:sp>
-      <p:sp>
-        <p:nvSpPr>
-          <p:cNvPr id="139" name="Line 9"/>
+            <a:endParaRPr b="0" lang="pt-BR" sz="1200" spc="-1" strike="noStrike">
+              <a:latin typeface="Arial"/>
+            </a:endParaRPr>
+          </a:p>
+        </p:txBody>
+      </p:sp>
+      <p:sp>
+        <p:nvSpPr>
+          <p:cNvPr id="139" name="Line 7"/>
           <p:cNvSpPr/>
           <p:nvPr/>
         </p:nvSpPr>
@@ -7267,7 +6736,7 @@
       </p:sp>
       <p:sp>
         <p:nvSpPr>
-          <p:cNvPr id="140" name="Line 10"/>
+          <p:cNvPr id="140" name="Line 8"/>
           <p:cNvSpPr/>
           <p:nvPr/>
         </p:nvSpPr>
@@ -7300,20 +6769,19 @@
       </p:sp>
       <p:sp>
         <p:nvSpPr>
-          <p:cNvPr id="141" name="CustomShape 11"/>
+          <p:cNvPr id="141" name="CustomShape 9"/>
           <p:cNvSpPr/>
           <p:nvPr/>
         </p:nvSpPr>
         <p:spPr>
           <a:xfrm flipH="1">
-            <a:off x="1797840" y="2880000"/>
-            <a:ext cx="933840" cy="789840"/>
+            <a:off x="1797120" y="2880000"/>
+            <a:ext cx="933480" cy="789480"/>
           </a:xfrm>
           <a:custGeom>
             <a:avLst/>
             <a:gdLst/>
             <a:ahLst/>
-            <a:cxnLst/>
             <a:rect l="l" t="t" r="r" b="b"/>
             <a:pathLst>
               <a:path w="21600" h="21600">
@@ -7331,8 +6799,8 @@
             <a:solidFill>
               <a:schemeClr val="tx1"/>
             </a:solidFill>
-            <a:headEnd type="triangle" w="med" len="med"/>
-            <a:tailEnd type="triangle" w="med" len="med"/>
+            <a:headEnd len="med" type="triangle" w="med"/>
+            <a:tailEnd len="med" type="triangle" w="med"/>
           </a:ln>
         </p:spPr>
         <p:style>
@@ -7350,20 +6818,19 @@
       </p:sp>
       <p:sp>
         <p:nvSpPr>
-          <p:cNvPr id="142" name="CustomShape 12"/>
+          <p:cNvPr id="142" name="CustomShape 10"/>
           <p:cNvSpPr/>
           <p:nvPr/>
         </p:nvSpPr>
         <p:spPr>
           <a:xfrm>
             <a:off x="3456000" y="3096000"/>
-            <a:ext cx="360" cy="645840"/>
+            <a:ext cx="360" cy="645480"/>
           </a:xfrm>
           <a:custGeom>
             <a:avLst/>
             <a:gdLst/>
             <a:ahLst/>
-            <a:cxnLst/>
             <a:rect l="l" t="t" r="r" b="b"/>
             <a:pathLst>
               <a:path w="21600" h="21600">
@@ -7381,7 +6848,7 @@
             <a:solidFill>
               <a:schemeClr val="tx1"/>
             </a:solidFill>
-            <a:tailEnd type="triangle" w="med" len="med"/>
+            <a:tailEnd len="med" type="triangle" w="med"/>
           </a:ln>
         </p:spPr>
         <p:style>
@@ -7399,20 +6866,19 @@
       </p:sp>
       <p:sp>
         <p:nvSpPr>
-          <p:cNvPr id="143" name="CustomShape 13"/>
+          <p:cNvPr id="143" name="CustomShape 11"/>
           <p:cNvSpPr/>
           <p:nvPr/>
         </p:nvSpPr>
         <p:spPr>
           <a:xfrm flipH="1">
-            <a:off x="3964320" y="2952000"/>
-            <a:ext cx="999360" cy="719280"/>
+            <a:off x="3963600" y="2952000"/>
+            <a:ext cx="999000" cy="718920"/>
           </a:xfrm>
           <a:custGeom>
             <a:avLst/>
             <a:gdLst/>
             <a:ahLst/>
-            <a:cxnLst/>
             <a:rect l="l" t="t" r="r" b="b"/>
             <a:pathLst>
               <a:path w="21600" h="21600">
@@ -7430,8 +6896,8 @@
             <a:solidFill>
               <a:schemeClr val="tx1"/>
             </a:solidFill>
-            <a:headEnd type="triangle" w="med" len="med"/>
-            <a:tailEnd type="triangle" w="med" len="med"/>
+            <a:headEnd len="med" type="triangle" w="med"/>
+            <a:tailEnd len="med" type="triangle" w="med"/>
           </a:ln>
         </p:spPr>
         <p:style>
@@ -7449,14 +6915,14 @@
       </p:sp>
       <p:sp>
         <p:nvSpPr>
-          <p:cNvPr id="144" name="CustomShape 14"/>
-          <p:cNvSpPr/>
-          <p:nvPr/>
-        </p:nvSpPr>
-        <p:spPr>
-          <a:xfrm>
-            <a:off x="2511180" y="3785628"/>
-            <a:ext cx="1725480" cy="460211"/>
+          <p:cNvPr id="144" name="CustomShape 12"/>
+          <p:cNvSpPr/>
+          <p:nvPr/>
+        </p:nvSpPr>
+        <p:spPr>
+          <a:xfrm>
+            <a:off x="2511360" y="3785760"/>
+            <a:ext cx="1725120" cy="455400"/>
           </a:xfrm>
           <a:prstGeom prst="rect">
             <a:avLst/>
@@ -7467,22 +6933,15 @@
           </a:ln>
         </p:spPr>
         <p:style>
-          <a:lnRef idx="0">
-            <a:scrgbClr r="0" g="0" b="0"/>
-          </a:lnRef>
-          <a:fillRef idx="0">
-            <a:scrgbClr r="0" g="0" b="0"/>
-          </a:fillRef>
-          <a:effectRef idx="0">
-            <a:scrgbClr r="0" g="0" b="0"/>
-          </a:effectRef>
-          <a:fontRef idx="minor"/>
-        </p:style>
-        <p:txBody>
-          <a:bodyPr wrap="square" lIns="90000" tIns="45000" rIns="90000" bIns="45000">
+          <a:lnRef idx="0"/>
+          <a:fillRef idx="0"/>
+          <a:effectRef idx="0"/>
+          <a:fontRef idx="minor"/>
+        </p:style>
+        <p:txBody>
+          <a:bodyPr lIns="90000" rIns="90000" tIns="45000" bIns="45000">
             <a:spAutoFit/>
           </a:bodyPr>
-          <a:lstStyle/>
           <a:p>
             <a:pPr algn="ctr">
               <a:lnSpc>
@@ -7490,7 +6949,7 @@
               </a:lnSpc>
             </a:pPr>
             <a:r>
-              <a:rPr lang="pt-BR" sz="1200" b="0" strike="noStrike" spc="-1" dirty="0">
+              <a:rPr b="0" lang="pt-BR" sz="1200" spc="-1" strike="noStrike">
                 <a:solidFill>
                   <a:srgbClr val="000000"/>
                 </a:solidFill>
@@ -7499,22 +6958,22 @@
               </a:rPr>
               <a:t>Subcomponentes Fixados</a:t>
             </a:r>
-            <a:endParaRPr lang="pt-BR" sz="1200" b="0" strike="noStrike" spc="-1" dirty="0">
-              <a:latin typeface="Arial"/>
-            </a:endParaRPr>
-          </a:p>
-        </p:txBody>
-      </p:sp>
-      <p:sp>
-        <p:nvSpPr>
-          <p:cNvPr id="145" name="CustomShape 15"/>
+            <a:endParaRPr b="0" lang="pt-BR" sz="1200" spc="-1" strike="noStrike">
+              <a:latin typeface="Arial"/>
+            </a:endParaRPr>
+          </a:p>
+        </p:txBody>
+      </p:sp>
+      <p:sp>
+        <p:nvSpPr>
+          <p:cNvPr id="145" name="CustomShape 13"/>
           <p:cNvSpPr/>
           <p:nvPr/>
         </p:nvSpPr>
         <p:spPr>
           <a:xfrm>
             <a:off x="4680360" y="1656360"/>
-            <a:ext cx="1725480" cy="1509480"/>
+            <a:ext cx="1725120" cy="1509120"/>
           </a:xfrm>
           <a:prstGeom prst="ellipse">
             <a:avLst/>
@@ -7540,10 +6999,9 @@
           <a:fontRef idx="minor"/>
         </p:style>
         <p:txBody>
-          <a:bodyPr lIns="90000" tIns="45000" rIns="90000" bIns="45000" anchor="ctr">
+          <a:bodyPr lIns="90000" rIns="90000" tIns="45000" bIns="45000" anchor="ctr">
             <a:noAutofit/>
           </a:bodyPr>
-          <a:lstStyle/>
           <a:p>
             <a:pPr algn="ctr">
               <a:lnSpc>
@@ -7551,7 +7009,7 @@
               </a:lnSpc>
             </a:pPr>
             <a:r>
-              <a:rPr lang="pt-BR" sz="1050" b="0" strike="noStrike" spc="-1">
+              <a:rPr b="0" lang="pt-BR" sz="1050" spc="-1" strike="noStrike">
                 <a:solidFill>
                   <a:srgbClr val="000000"/>
                 </a:solidFill>
@@ -7560,15 +7018,15 @@
               </a:rPr>
               <a:t>Empacotar a maquina</a:t>
             </a:r>
-            <a:endParaRPr lang="pt-BR" sz="1050" b="0" strike="noStrike" spc="-1">
-              <a:latin typeface="Arial"/>
-            </a:endParaRPr>
-          </a:p>
-        </p:txBody>
-      </p:sp>
-      <p:sp>
-        <p:nvSpPr>
-          <p:cNvPr id="146" name="Line 16"/>
+            <a:endParaRPr b="0" lang="pt-BR" sz="1050" spc="-1" strike="noStrike">
+              <a:latin typeface="Arial"/>
+            </a:endParaRPr>
+          </a:p>
+        </p:txBody>
+      </p:sp>
+      <p:sp>
+        <p:nvSpPr>
+          <p:cNvPr id="146" name="Line 14"/>
           <p:cNvSpPr/>
           <p:nvPr/>
         </p:nvSpPr>
@@ -7601,7 +7059,7 @@
       </p:sp>
       <p:sp>
         <p:nvSpPr>
-          <p:cNvPr id="147" name="Line 17"/>
+          <p:cNvPr id="147" name="Line 15"/>
           <p:cNvSpPr/>
           <p:nvPr/>
         </p:nvSpPr>
@@ -7634,14 +7092,14 @@
       </p:sp>
       <p:sp>
         <p:nvSpPr>
-          <p:cNvPr id="148" name="CustomShape 18"/>
+          <p:cNvPr id="148" name="CustomShape 16"/>
           <p:cNvSpPr/>
           <p:nvPr/>
         </p:nvSpPr>
         <p:spPr>
           <a:xfrm>
             <a:off x="4752000" y="3816000"/>
-            <a:ext cx="1581840" cy="460211"/>
+            <a:ext cx="1581480" cy="455400"/>
           </a:xfrm>
           <a:prstGeom prst="rect">
             <a:avLst/>
@@ -7652,22 +7110,15 @@
           </a:ln>
         </p:spPr>
         <p:style>
-          <a:lnRef idx="0">
-            <a:scrgbClr r="0" g="0" b="0"/>
-          </a:lnRef>
-          <a:fillRef idx="0">
-            <a:scrgbClr r="0" g="0" b="0"/>
-          </a:fillRef>
-          <a:effectRef idx="0">
-            <a:scrgbClr r="0" g="0" b="0"/>
-          </a:effectRef>
-          <a:fontRef idx="minor"/>
-        </p:style>
-        <p:txBody>
-          <a:bodyPr lIns="90000" tIns="45000" rIns="90000" bIns="45000">
+          <a:lnRef idx="0"/>
+          <a:fillRef idx="0"/>
+          <a:effectRef idx="0"/>
+          <a:fontRef idx="minor"/>
+        </p:style>
+        <p:txBody>
+          <a:bodyPr lIns="90000" rIns="90000" tIns="45000" bIns="45000">
             <a:spAutoFit/>
           </a:bodyPr>
-          <a:lstStyle/>
           <a:p>
             <a:pPr algn="ctr">
               <a:lnSpc>
@@ -7675,7 +7126,7 @@
               </a:lnSpc>
             </a:pPr>
             <a:r>
-              <a:rPr lang="pt-BR" sz="1200" b="0" strike="noStrike" spc="-1" dirty="0">
+              <a:rPr b="0" lang="pt-BR" sz="1200" spc="-1" strike="noStrike">
                 <a:solidFill>
                   <a:srgbClr val="000000"/>
                 </a:solidFill>
@@ -7684,28 +7135,27 @@
               </a:rPr>
               <a:t>Máquina empacotada</a:t>
             </a:r>
-            <a:endParaRPr lang="pt-BR" sz="1200" b="0" strike="noStrike" spc="-1" dirty="0">
-              <a:latin typeface="Arial"/>
-            </a:endParaRPr>
-          </a:p>
-        </p:txBody>
-      </p:sp>
-      <p:sp>
-        <p:nvSpPr>
-          <p:cNvPr id="149" name="CustomShape 19"/>
+            <a:endParaRPr b="0" lang="pt-BR" sz="1200" spc="-1" strike="noStrike">
+              <a:latin typeface="Arial"/>
+            </a:endParaRPr>
+          </a:p>
+        </p:txBody>
+      </p:sp>
+      <p:sp>
+        <p:nvSpPr>
+          <p:cNvPr id="149" name="CustomShape 17"/>
           <p:cNvSpPr/>
           <p:nvPr/>
         </p:nvSpPr>
         <p:spPr>
           <a:xfrm rot="21552600">
-            <a:off x="5541840" y="3165840"/>
-            <a:ext cx="5760" cy="501840"/>
+            <a:off x="5541480" y="3165480"/>
+            <a:ext cx="5400" cy="501480"/>
           </a:xfrm>
           <a:custGeom>
             <a:avLst/>
             <a:gdLst/>
             <a:ahLst/>
-            <a:cxnLst/>
             <a:rect l="l" t="t" r="r" b="b"/>
             <a:pathLst>
               <a:path w="21600" h="21600">
@@ -7723,7 +7173,7 @@
             <a:solidFill>
               <a:schemeClr val="tx1"/>
             </a:solidFill>
-            <a:tailEnd type="triangle" w="med" len="med"/>
+            <a:tailEnd len="med" type="triangle" w="med"/>
           </a:ln>
         </p:spPr>
         <p:style>
@@ -7741,14 +7191,14 @@
       </p:sp>
       <p:sp>
         <p:nvSpPr>
-          <p:cNvPr id="150" name="CustomShape 20"/>
+          <p:cNvPr id="150" name="CustomShape 18"/>
           <p:cNvSpPr/>
           <p:nvPr/>
         </p:nvSpPr>
         <p:spPr>
           <a:xfrm>
             <a:off x="6912000" y="2232000"/>
-            <a:ext cx="1725480" cy="1509480"/>
+            <a:ext cx="1725120" cy="1509120"/>
           </a:xfrm>
           <a:prstGeom prst="ellipse">
             <a:avLst/>
@@ -7774,10 +7224,9 @@
           <a:fontRef idx="minor"/>
         </p:style>
         <p:txBody>
-          <a:bodyPr lIns="90000" tIns="45000" rIns="90000" bIns="45000" anchor="ctr">
+          <a:bodyPr lIns="90000" rIns="90000" tIns="45000" bIns="45000" anchor="ctr">
             <a:noAutofit/>
           </a:bodyPr>
-          <a:lstStyle/>
           <a:p>
             <a:pPr algn="ctr">
               <a:lnSpc>
@@ -7785,7 +7234,7 @@
               </a:lnSpc>
             </a:pPr>
             <a:r>
-              <a:rPr lang="pt-BR" sz="1050" b="0" strike="noStrike" spc="-1">
+              <a:rPr b="0" lang="pt-BR" sz="1050" spc="-1" strike="noStrike">
                 <a:solidFill>
                   <a:srgbClr val="000000"/>
                 </a:solidFill>
@@ -7794,22 +7243,22 @@
               </a:rPr>
               <a:t>Encaminhar maquina</a:t>
             </a:r>
-            <a:endParaRPr lang="pt-BR" sz="1050" b="0" strike="noStrike" spc="-1">
-              <a:latin typeface="Arial"/>
-            </a:endParaRPr>
-          </a:p>
-        </p:txBody>
-      </p:sp>
-      <p:sp>
-        <p:nvSpPr>
-          <p:cNvPr id="151" name="CustomShape 21"/>
+            <a:endParaRPr b="0" lang="pt-BR" sz="1050" spc="-1" strike="noStrike">
+              <a:latin typeface="Arial"/>
+            </a:endParaRPr>
+          </a:p>
+        </p:txBody>
+      </p:sp>
+      <p:sp>
+        <p:nvSpPr>
+          <p:cNvPr id="151" name="CustomShape 19"/>
           <p:cNvSpPr/>
           <p:nvPr/>
         </p:nvSpPr>
         <p:spPr>
           <a:xfrm>
             <a:off x="7344000" y="864000"/>
-            <a:ext cx="950760" cy="758880"/>
+            <a:ext cx="950400" cy="758520"/>
           </a:xfrm>
           <a:prstGeom prst="rect">
             <a:avLst/>
@@ -7817,10 +7266,10 @@
           <a:gradFill rotWithShape="0">
             <a:gsLst>
               <a:gs pos="0">
-                <a:srgbClr val="D0D0D0"/>
+                <a:srgbClr val="d0d0d0"/>
               </a:gs>
               <a:gs pos="100000">
-                <a:srgbClr val="EDEDED">
+                <a:srgbClr val="ededed">
                   <a:alpha val="0"/>
                 </a:srgbClr>
               </a:gs>
@@ -7829,7 +7278,7 @@
           </a:gradFill>
           <a:ln/>
           <a:effectLst>
-            <a:outerShdw blurRad="40000" dist="20160" dir="5400000" rotWithShape="0">
+            <a:outerShdw blurRad="40000" dir="5400000" dist="20160" rotWithShape="0">
               <a:srgbClr val="000000">
                 <a:alpha val="38000"/>
               </a:srgbClr>
@@ -7849,10 +7298,9 @@
           <a:fontRef idx="minor"/>
         </p:style>
         <p:txBody>
-          <a:bodyPr lIns="90000" tIns="45000" rIns="90000" bIns="45000" anchor="ctr">
+          <a:bodyPr lIns="90000" rIns="90000" tIns="45000" bIns="45000" anchor="ctr">
             <a:noAutofit/>
           </a:bodyPr>
-          <a:lstStyle/>
           <a:p>
             <a:pPr algn="ctr">
               <a:lnSpc>
@@ -7860,7 +7308,7 @@
               </a:lnSpc>
             </a:pPr>
             <a:r>
-              <a:rPr lang="pt-BR" sz="1200" b="0" strike="noStrike" spc="-1">
+              <a:rPr b="0" lang="pt-BR" sz="1200" spc="-1" strike="noStrike">
                 <a:solidFill>
                   <a:srgbClr val="000000"/>
                 </a:solidFill>
@@ -7869,28 +7317,27 @@
               </a:rPr>
               <a:t>Gerencia</a:t>
             </a:r>
-            <a:endParaRPr lang="pt-BR" sz="1200" b="0" strike="noStrike" spc="-1">
-              <a:latin typeface="Arial"/>
-            </a:endParaRPr>
-          </a:p>
-        </p:txBody>
-      </p:sp>
-      <p:sp>
-        <p:nvSpPr>
-          <p:cNvPr id="152" name="CustomShape 22"/>
+            <a:endParaRPr b="0" lang="pt-BR" sz="1200" spc="-1" strike="noStrike">
+              <a:latin typeface="Arial"/>
+            </a:endParaRPr>
+          </a:p>
+        </p:txBody>
+      </p:sp>
+      <p:sp>
+        <p:nvSpPr>
+          <p:cNvPr id="152" name="CustomShape 20"/>
           <p:cNvSpPr/>
           <p:nvPr/>
         </p:nvSpPr>
         <p:spPr>
           <a:xfrm flipH="1">
-            <a:off x="5908320" y="2952000"/>
-            <a:ext cx="999360" cy="719280"/>
+            <a:off x="5907600" y="2952000"/>
+            <a:ext cx="999000" cy="718920"/>
           </a:xfrm>
           <a:custGeom>
             <a:avLst/>
             <a:gdLst/>
             <a:ahLst/>
-            <a:cxnLst/>
             <a:rect l="l" t="t" r="r" b="b"/>
             <a:pathLst>
               <a:path w="21600" h="21600">
@@ -7908,8 +7355,8 @@
             <a:solidFill>
               <a:schemeClr val="tx1"/>
             </a:solidFill>
-            <a:headEnd type="triangle" w="med" len="med"/>
-            <a:tailEnd type="triangle" w="med" len="med"/>
+            <a:headEnd len="med" type="triangle" w="med"/>
+            <a:tailEnd len="med" type="triangle" w="med"/>
           </a:ln>
         </p:spPr>
         <p:style>
@@ -7927,20 +7374,19 @@
       </p:sp>
       <p:sp>
         <p:nvSpPr>
-          <p:cNvPr id="153" name="CustomShape 23"/>
+          <p:cNvPr id="153" name="CustomShape 21"/>
           <p:cNvSpPr/>
           <p:nvPr/>
         </p:nvSpPr>
         <p:spPr>
           <a:xfrm flipV="1">
-            <a:off x="7788960" y="1622880"/>
-            <a:ext cx="128880" cy="604800"/>
+            <a:off x="7788960" y="1622160"/>
+            <a:ext cx="128520" cy="604440"/>
           </a:xfrm>
           <a:custGeom>
             <a:avLst/>
             <a:gdLst/>
             <a:ahLst/>
-            <a:cxnLst/>
             <a:rect l="l" t="t" r="r" b="b"/>
             <a:pathLst>
               <a:path w="21600" h="21600">
@@ -7958,7 +7404,7 @@
             <a:solidFill>
               <a:schemeClr val="tx1"/>
             </a:solidFill>
-            <a:tailEnd type="triangle" w="med" len="med"/>
+            <a:tailEnd len="med" type="triangle" w="med"/>
           </a:ln>
         </p:spPr>
         <p:style>
@@ -7976,14 +7422,14 @@
       </p:sp>
       <p:sp>
         <p:nvSpPr>
-          <p:cNvPr id="154" name="CustomShape 24"/>
+          <p:cNvPr id="154" name="CustomShape 22"/>
           <p:cNvSpPr/>
           <p:nvPr/>
         </p:nvSpPr>
         <p:spPr>
           <a:xfrm>
             <a:off x="6984000" y="1754280"/>
-            <a:ext cx="840240" cy="333000"/>
+            <a:ext cx="839880" cy="333000"/>
           </a:xfrm>
           <a:prstGeom prst="rect">
             <a:avLst/>
@@ -7994,22 +7440,15 @@
           </a:ln>
         </p:spPr>
         <p:style>
-          <a:lnRef idx="0">
-            <a:scrgbClr r="0" g="0" b="0"/>
-          </a:lnRef>
-          <a:fillRef idx="0">
-            <a:scrgbClr r="0" g="0" b="0"/>
-          </a:fillRef>
-          <a:effectRef idx="0">
-            <a:scrgbClr r="0" g="0" b="0"/>
-          </a:effectRef>
-          <a:fontRef idx="minor"/>
-        </p:style>
-        <p:txBody>
-          <a:bodyPr lIns="90000" tIns="45000" rIns="90000" bIns="45000">
+          <a:lnRef idx="0"/>
+          <a:fillRef idx="0"/>
+          <a:effectRef idx="0"/>
+          <a:fontRef idx="minor"/>
+        </p:style>
+        <p:txBody>
+          <a:bodyPr lIns="90000" rIns="90000" tIns="45000" bIns="45000">
             <a:spAutoFit/>
           </a:bodyPr>
-          <a:lstStyle/>
           <a:p>
             <a:pPr>
               <a:lnSpc>
@@ -8017,7 +7456,7 @@
               </a:lnSpc>
             </a:pPr>
             <a:r>
-              <a:rPr lang="pt-BR" sz="800" b="0" strike="noStrike" spc="-1">
+              <a:rPr b="0" lang="pt-BR" sz="800" spc="-1" strike="noStrike">
                 <a:solidFill>
                   <a:srgbClr val="000000"/>
                 </a:solidFill>
@@ -8026,7 +7465,7 @@
               </a:rPr>
               <a:t>Máquina montada</a:t>
             </a:r>
-            <a:endParaRPr lang="pt-BR" sz="800" b="0" strike="noStrike" spc="-1">
+            <a:endParaRPr b="0" lang="pt-BR" sz="800" spc="-1" strike="noStrike">
               <a:latin typeface="Arial"/>
             </a:endParaRPr>
           </a:p>
@@ -8034,14 +7473,19 @@
       </p:sp>
     </p:spTree>
   </p:cSld>
-  <p:clrMapOvr>
-    <a:masterClrMapping/>
-  </p:clrMapOvr>
+  <mc:AlternateContent>
+    <mc:Choice Requires="p14">
+      <p:transition spd="slow" p14:dur="2000"/>
+    </mc:Choice>
+    <mc:Fallback>
+      <p:transition spd="slow"/>
+    </mc:Fallback>
+  </mc:AlternateContent>
 </p:sld>
 </file>
 
 <file path=ppt/slides/slide5.xml><?xml version="1.0" encoding="utf-8"?>
-<p:sld xmlns:a="http://schemas.openxmlformats.org/drawingml/2006/main" xmlns:r="http://schemas.openxmlformats.org/officeDocument/2006/relationships" xmlns:p="http://schemas.openxmlformats.org/presentationml/2006/main">
+<p:sld xmlns:a="http://schemas.openxmlformats.org/drawingml/2006/main" xmlns:p="http://schemas.openxmlformats.org/presentationml/2006/main" xmlns:r="http://schemas.openxmlformats.org/officeDocument/2006/relationships" xmlns:p14="http://schemas.microsoft.com/office/powerpoint/2010/main" xmlns:p15="http://schemas.microsoft.com/office/powerpoint/2012/main" xmlns:mc="http://schemas.openxmlformats.org/markup-compatibility/2006">
   <p:cSld>
     <p:spTree>
       <p:nvGrpSpPr>
@@ -8066,7 +7510,7 @@
         <p:spPr>
           <a:xfrm>
             <a:off x="6912000" y="85680"/>
-            <a:ext cx="2805840" cy="638280"/>
+            <a:ext cx="2805480" cy="638280"/>
           </a:xfrm>
           <a:prstGeom prst="rect">
             <a:avLst/>
@@ -8077,22 +7521,15 @@
           </a:ln>
         </p:spPr>
         <p:style>
-          <a:lnRef idx="0">
-            <a:scrgbClr r="0" g="0" b="0"/>
-          </a:lnRef>
-          <a:fillRef idx="0">
-            <a:scrgbClr r="0" g="0" b="0"/>
-          </a:fillRef>
-          <a:effectRef idx="0">
-            <a:scrgbClr r="0" g="0" b="0"/>
-          </a:effectRef>
-          <a:fontRef idx="minor"/>
-        </p:style>
-        <p:txBody>
-          <a:bodyPr lIns="90000" tIns="45000" rIns="90000" bIns="45000">
+          <a:lnRef idx="0"/>
+          <a:fillRef idx="0"/>
+          <a:effectRef idx="0"/>
+          <a:fontRef idx="minor"/>
+        </p:style>
+        <p:txBody>
+          <a:bodyPr lIns="90000" rIns="90000" tIns="45000" bIns="45000">
             <a:spAutoFit/>
           </a:bodyPr>
-          <a:lstStyle/>
           <a:p>
             <a:pPr>
               <a:lnSpc>
@@ -8100,7 +7537,7 @@
               </a:lnSpc>
             </a:pPr>
             <a:r>
-              <a:rPr lang="pt-BR" sz="1800" b="0" strike="noStrike" spc="-1">
+              <a:rPr b="0" lang="pt-BR" sz="1800" spc="-1" strike="noStrike">
                 <a:solidFill>
                   <a:srgbClr val="000000"/>
                 </a:solidFill>
@@ -8109,7 +7546,7 @@
               </a:rPr>
               <a:t>Capacidade:Entregar Máquina</a:t>
             </a:r>
-            <a:endParaRPr lang="pt-BR" sz="1800" b="0" strike="noStrike" spc="-1">
+            <a:endParaRPr b="0" lang="pt-BR" sz="1800" spc="-1" strike="noStrike">
               <a:latin typeface="Arial"/>
             </a:endParaRPr>
           </a:p>
@@ -8124,7 +7561,7 @@
         <p:spPr>
           <a:xfrm>
             <a:off x="471960" y="246600"/>
-            <a:ext cx="950760" cy="758880"/>
+            <a:ext cx="950400" cy="758520"/>
           </a:xfrm>
           <a:prstGeom prst="rect">
             <a:avLst/>
@@ -8132,10 +7569,10 @@
           <a:gradFill rotWithShape="0">
             <a:gsLst>
               <a:gs pos="0">
-                <a:srgbClr val="D0D0D0"/>
+                <a:srgbClr val="d0d0d0"/>
               </a:gs>
               <a:gs pos="100000">
-                <a:srgbClr val="EDEDED">
+                <a:srgbClr val="ededed">
                   <a:alpha val="0"/>
                 </a:srgbClr>
               </a:gs>
@@ -8144,7 +7581,7 @@
           </a:gradFill>
           <a:ln/>
           <a:effectLst>
-            <a:outerShdw blurRad="40000" dist="20160" dir="5400000" rotWithShape="0">
+            <a:outerShdw blurRad="40000" dir="5400000" dist="20160" rotWithShape="0">
               <a:srgbClr val="000000">
                 <a:alpha val="38000"/>
               </a:srgbClr>
@@ -8164,10 +7601,9 @@
           <a:fontRef idx="minor"/>
         </p:style>
         <p:txBody>
-          <a:bodyPr lIns="90000" tIns="45000" rIns="90000" bIns="45000" anchor="ctr">
+          <a:bodyPr lIns="90000" rIns="90000" tIns="45000" bIns="45000" anchor="ctr">
             <a:noAutofit/>
           </a:bodyPr>
-          <a:lstStyle/>
           <a:p>
             <a:pPr algn="ctr">
               <a:lnSpc>
@@ -8175,7 +7611,7 @@
               </a:lnSpc>
             </a:pPr>
             <a:r>
-              <a:rPr lang="pt-BR" sz="1200" b="0" strike="noStrike" spc="-1">
+              <a:rPr b="0" lang="pt-BR" sz="1200" spc="-1" strike="noStrike">
                 <a:solidFill>
                   <a:srgbClr val="000000"/>
                 </a:solidFill>
@@ -8184,7 +7620,7 @@
               </a:rPr>
               <a:t>Controle de qualidade</a:t>
             </a:r>
-            <a:endParaRPr lang="pt-BR" sz="1200" b="0" strike="noStrike" spc="-1">
+            <a:endParaRPr b="0" lang="pt-BR" sz="1200" spc="-1" strike="noStrike">
               <a:latin typeface="Arial"/>
             </a:endParaRPr>
           </a:p>
@@ -8199,13 +7635,12 @@
         <p:spPr>
           <a:xfrm>
             <a:off x="964080" y="997200"/>
-            <a:ext cx="113760" cy="584640"/>
+            <a:ext cx="113400" cy="584280"/>
           </a:xfrm>
           <a:custGeom>
             <a:avLst/>
             <a:gdLst/>
             <a:ahLst/>
-            <a:cxnLst/>
             <a:rect l="l" t="t" r="r" b="b"/>
             <a:pathLst>
               <a:path w="21600" h="21600">
@@ -8223,7 +7658,7 @@
             <a:solidFill>
               <a:schemeClr val="tx1"/>
             </a:solidFill>
-            <a:tailEnd type="triangle" w="med" len="med"/>
+            <a:tailEnd len="med" type="triangle" w="med"/>
           </a:ln>
         </p:spPr>
         <p:style>
@@ -8248,7 +7683,7 @@
         <p:spPr>
           <a:xfrm>
             <a:off x="2448000" y="246960"/>
-            <a:ext cx="950760" cy="758880"/>
+            <a:ext cx="950400" cy="758520"/>
           </a:xfrm>
           <a:prstGeom prst="rect">
             <a:avLst/>
@@ -8256,10 +7691,10 @@
           <a:gradFill rotWithShape="0">
             <a:gsLst>
               <a:gs pos="0">
-                <a:srgbClr val="D0D0D0"/>
+                <a:srgbClr val="d0d0d0"/>
               </a:gs>
               <a:gs pos="100000">
-                <a:srgbClr val="EDEDED">
+                <a:srgbClr val="ededed">
                   <a:alpha val="0"/>
                 </a:srgbClr>
               </a:gs>
@@ -8268,7 +7703,7 @@
           </a:gradFill>
           <a:ln/>
           <a:effectLst>
-            <a:outerShdw blurRad="40000" dist="20160" dir="5400000" rotWithShape="0">
+            <a:outerShdw blurRad="40000" dir="5400000" dist="20160" rotWithShape="0">
               <a:srgbClr val="000000">
                 <a:alpha val="38000"/>
               </a:srgbClr>
@@ -8288,10 +7723,9 @@
           <a:fontRef idx="minor"/>
         </p:style>
         <p:txBody>
-          <a:bodyPr lIns="90000" tIns="45000" rIns="90000" bIns="45000" anchor="ctr">
+          <a:bodyPr lIns="90000" rIns="90000" tIns="45000" bIns="45000" anchor="ctr">
             <a:noAutofit/>
           </a:bodyPr>
-          <a:lstStyle/>
           <a:p>
             <a:pPr algn="ctr">
               <a:lnSpc>
@@ -8299,7 +7733,7 @@
               </a:lnSpc>
             </a:pPr>
             <a:r>
-              <a:rPr lang="pt-BR" sz="1200" b="0" strike="noStrike" spc="-1">
+              <a:rPr b="0" lang="pt-BR" sz="1200" spc="-1" strike="noStrike">
                 <a:solidFill>
                   <a:srgbClr val="000000"/>
                 </a:solidFill>
@@ -8308,7 +7742,7 @@
               </a:rPr>
               <a:t>Comercial</a:t>
             </a:r>
-            <a:endParaRPr lang="pt-BR" sz="1200" b="0" strike="noStrike" spc="-1">
+            <a:endParaRPr b="0" lang="pt-BR" sz="1200" spc="-1" strike="noStrike">
               <a:latin typeface="Arial"/>
             </a:endParaRPr>
           </a:p>
@@ -8322,14 +7756,13 @@
         </p:nvSpPr>
         <p:spPr>
           <a:xfrm flipV="1">
-            <a:off x="2808000" y="1005840"/>
-            <a:ext cx="128880" cy="573840"/>
+            <a:off x="2808000" y="1005120"/>
+            <a:ext cx="128520" cy="573480"/>
           </a:xfrm>
           <a:custGeom>
             <a:avLst/>
             <a:gdLst/>
             <a:ahLst/>
-            <a:cxnLst/>
             <a:rect l="l" t="t" r="r" b="b"/>
             <a:pathLst>
               <a:path w="21600" h="21600">
@@ -8347,7 +7780,7 @@
             <a:solidFill>
               <a:schemeClr val="tx1"/>
             </a:solidFill>
-            <a:tailEnd type="triangle" w="med" len="med"/>
+            <a:tailEnd len="med" type="triangle" w="med"/>
           </a:ln>
         </p:spPr>
         <p:style>
@@ -8372,7 +7805,7 @@
         <p:spPr>
           <a:xfrm>
             <a:off x="3096000" y="1080000"/>
-            <a:ext cx="840240" cy="452880"/>
+            <a:ext cx="839880" cy="452520"/>
           </a:xfrm>
           <a:prstGeom prst="rect">
             <a:avLst/>
@@ -8383,15 +7816,9 @@
           </a:ln>
         </p:spPr>
         <p:style>
-          <a:lnRef idx="0">
-            <a:scrgbClr r="0" g="0" b="0"/>
-          </a:lnRef>
-          <a:fillRef idx="0">
-            <a:scrgbClr r="0" g="0" b="0"/>
-          </a:fillRef>
-          <a:effectRef idx="0">
-            <a:scrgbClr r="0" g="0" b="0"/>
-          </a:effectRef>
+          <a:lnRef idx="0"/>
+          <a:fillRef idx="0"/>
+          <a:effectRef idx="0"/>
           <a:fontRef idx="minor"/>
         </p:style>
       </p:sp>
@@ -8404,7 +7831,7 @@
         <p:spPr>
           <a:xfrm>
             <a:off x="144000" y="1080000"/>
-            <a:ext cx="840240" cy="333000"/>
+            <a:ext cx="839880" cy="333000"/>
           </a:xfrm>
           <a:prstGeom prst="rect">
             <a:avLst/>
@@ -8415,22 +7842,15 @@
           </a:ln>
         </p:spPr>
         <p:style>
-          <a:lnRef idx="0">
-            <a:scrgbClr r="0" g="0" b="0"/>
-          </a:lnRef>
-          <a:fillRef idx="0">
-            <a:scrgbClr r="0" g="0" b="0"/>
-          </a:fillRef>
-          <a:effectRef idx="0">
-            <a:scrgbClr r="0" g="0" b="0"/>
-          </a:effectRef>
-          <a:fontRef idx="minor"/>
-        </p:style>
-        <p:txBody>
-          <a:bodyPr lIns="90000" tIns="45000" rIns="90000" bIns="45000">
+          <a:lnRef idx="0"/>
+          <a:fillRef idx="0"/>
+          <a:effectRef idx="0"/>
+          <a:fontRef idx="minor"/>
+        </p:style>
+        <p:txBody>
+          <a:bodyPr lIns="90000" rIns="90000" tIns="45000" bIns="45000">
             <a:spAutoFit/>
           </a:bodyPr>
-          <a:lstStyle/>
           <a:p>
             <a:pPr>
               <a:lnSpc>
@@ -8438,7 +7858,7 @@
               </a:lnSpc>
             </a:pPr>
             <a:r>
-              <a:rPr lang="pt-BR" sz="800" b="0" strike="noStrike" spc="-1">
+              <a:rPr b="0" lang="pt-BR" sz="800" spc="-1" strike="noStrike">
                 <a:solidFill>
                   <a:srgbClr val="000000"/>
                 </a:solidFill>
@@ -8447,7 +7867,7 @@
               </a:rPr>
               <a:t>Máquina pronta</a:t>
             </a:r>
-            <a:endParaRPr lang="pt-BR" sz="800" b="0" strike="noStrike" spc="-1">
+            <a:endParaRPr b="0" lang="pt-BR" sz="800" spc="-1" strike="noStrike">
               <a:latin typeface="Arial"/>
             </a:endParaRPr>
           </a:p>
@@ -8462,7 +7882,7 @@
         <p:spPr>
           <a:xfrm>
             <a:off x="576360" y="1584000"/>
-            <a:ext cx="1149480" cy="1149480"/>
+            <a:ext cx="1149120" cy="1149120"/>
           </a:xfrm>
           <a:prstGeom prst="ellipse">
             <a:avLst/>
@@ -8488,10 +7908,9 @@
           <a:fontRef idx="minor"/>
         </p:style>
         <p:txBody>
-          <a:bodyPr lIns="90000" tIns="45000" rIns="90000" bIns="45000" anchor="ctr">
+          <a:bodyPr lIns="90000" rIns="90000" tIns="45000" bIns="45000" anchor="ctr">
             <a:noAutofit/>
           </a:bodyPr>
-          <a:lstStyle/>
           <a:p>
             <a:pPr algn="ctr">
               <a:lnSpc>
@@ -8499,7 +7918,7 @@
               </a:lnSpc>
             </a:pPr>
             <a:r>
-              <a:rPr lang="pt-BR" sz="1050" b="0" strike="noStrike" spc="-1">
+              <a:rPr b="0" lang="pt-BR" sz="1050" spc="-1" strike="noStrike">
                 <a:solidFill>
                   <a:srgbClr val="000000"/>
                 </a:solidFill>
@@ -8508,7 +7927,7 @@
               </a:rPr>
               <a:t>Receber máquina pronta</a:t>
             </a:r>
-            <a:endParaRPr lang="pt-BR" sz="1050" b="0" strike="noStrike" spc="-1">
+            <a:endParaRPr b="0" lang="pt-BR" sz="1050" spc="-1" strike="noStrike">
               <a:latin typeface="Arial"/>
             </a:endParaRPr>
           </a:p>
@@ -8523,7 +7942,7 @@
         <p:spPr>
           <a:xfrm>
             <a:off x="648000" y="3240000"/>
-            <a:ext cx="1293840" cy="272160"/>
+            <a:ext cx="1293480" cy="272160"/>
           </a:xfrm>
           <a:prstGeom prst="rect">
             <a:avLst/>
@@ -8534,22 +7953,15 @@
           </a:ln>
         </p:spPr>
         <p:style>
-          <a:lnRef idx="0">
-            <a:scrgbClr r="0" g="0" b="0"/>
-          </a:lnRef>
-          <a:fillRef idx="0">
-            <a:scrgbClr r="0" g="0" b="0"/>
-          </a:fillRef>
-          <a:effectRef idx="0">
-            <a:scrgbClr r="0" g="0" b="0"/>
-          </a:effectRef>
-          <a:fontRef idx="minor"/>
-        </p:style>
-        <p:txBody>
-          <a:bodyPr lIns="90000" tIns="45000" rIns="90000" bIns="45000">
+          <a:lnRef idx="0"/>
+          <a:fillRef idx="0"/>
+          <a:effectRef idx="0"/>
+          <a:fontRef idx="minor"/>
+        </p:style>
+        <p:txBody>
+          <a:bodyPr lIns="90000" rIns="90000" tIns="45000" bIns="45000">
             <a:spAutoFit/>
           </a:bodyPr>
-          <a:lstStyle/>
           <a:p>
             <a:pPr>
               <a:lnSpc>
@@ -8557,7 +7969,7 @@
               </a:lnSpc>
             </a:pPr>
             <a:r>
-              <a:rPr lang="pt-BR" sz="1200" b="0" strike="noStrike" spc="-1">
+              <a:rPr b="0" lang="pt-BR" sz="1200" spc="-1" strike="noStrike">
                 <a:solidFill>
                   <a:srgbClr val="000000"/>
                 </a:solidFill>
@@ -8566,7 +7978,7 @@
               </a:rPr>
               <a:t>Máquina pronta</a:t>
             </a:r>
-            <a:endParaRPr lang="pt-BR" sz="1200" b="0" strike="noStrike" spc="-1">
+            <a:endParaRPr b="0" lang="pt-BR" sz="1200" spc="-1" strike="noStrike">
               <a:latin typeface="Arial"/>
             </a:endParaRPr>
           </a:p>
@@ -8647,13 +8059,12 @@
         <p:spPr>
           <a:xfrm>
             <a:off x="1224000" y="2735640"/>
-            <a:ext cx="113760" cy="502200"/>
+            <a:ext cx="113400" cy="501840"/>
           </a:xfrm>
           <a:custGeom>
             <a:avLst/>
             <a:gdLst/>
             <a:ahLst/>
-            <a:cxnLst/>
             <a:rect l="l" t="t" r="r" b="b"/>
             <a:pathLst>
               <a:path w="21600" h="21600">
@@ -8671,7 +8082,7 @@
             <a:solidFill>
               <a:schemeClr val="tx1"/>
             </a:solidFill>
-            <a:tailEnd type="triangle" w="med" len="med"/>
+            <a:tailEnd len="med" type="triangle" w="med"/>
           </a:ln>
         </p:spPr>
         <p:style>
@@ -8696,7 +8107,7 @@
         <p:spPr>
           <a:xfrm>
             <a:off x="2088360" y="1584000"/>
-            <a:ext cx="1293480" cy="1221840"/>
+            <a:ext cx="1293120" cy="1221480"/>
           </a:xfrm>
           <a:prstGeom prst="ellipse">
             <a:avLst/>
@@ -8722,10 +8133,9 @@
           <a:fontRef idx="minor"/>
         </p:style>
         <p:txBody>
-          <a:bodyPr lIns="90000" tIns="45000" rIns="90000" bIns="45000" anchor="ctr">
+          <a:bodyPr lIns="90000" rIns="90000" tIns="45000" bIns="45000" anchor="ctr">
             <a:noAutofit/>
           </a:bodyPr>
-          <a:lstStyle/>
           <a:p>
             <a:pPr algn="ctr">
               <a:lnSpc>
@@ -8733,7 +8143,7 @@
               </a:lnSpc>
             </a:pPr>
             <a:r>
-              <a:rPr lang="pt-BR" sz="1050" b="0" strike="noStrike" spc="-1">
+              <a:rPr b="0" lang="pt-BR" sz="1050" spc="-1" strike="noStrike">
                 <a:solidFill>
                   <a:srgbClr val="000000"/>
                 </a:solidFill>
@@ -8742,7 +8152,7 @@
               </a:rPr>
               <a:t>Enviar Máquina pronta</a:t>
             </a:r>
-            <a:endParaRPr lang="pt-BR" sz="1050" b="0" strike="noStrike" spc="-1">
+            <a:endParaRPr b="0" lang="pt-BR" sz="1050" spc="-1" strike="noStrike">
               <a:latin typeface="Arial"/>
             </a:endParaRPr>
           </a:p>
@@ -8756,14 +8166,13 @@
         </p:nvSpPr>
         <p:spPr>
           <a:xfrm flipH="1">
-            <a:off x="1797840" y="2664000"/>
-            <a:ext cx="567360" cy="573840"/>
+            <a:off x="1797120" y="2664000"/>
+            <a:ext cx="567000" cy="573480"/>
           </a:xfrm>
           <a:custGeom>
             <a:avLst/>
             <a:gdLst/>
             <a:ahLst/>
-            <a:cxnLst/>
             <a:rect l="l" t="t" r="r" b="b"/>
             <a:pathLst>
               <a:path w="21600" h="21600">
@@ -8781,8 +8190,8 @@
             <a:solidFill>
               <a:schemeClr val="tx1"/>
             </a:solidFill>
-            <a:headEnd type="triangle" w="med" len="med"/>
-            <a:tailEnd type="triangle" w="med" len="med"/>
+            <a:headEnd len="med" type="triangle" w="med"/>
+            <a:tailEnd len="med" type="triangle" w="med"/>
           </a:ln>
         </p:spPr>
         <p:style>
@@ -8807,7 +8216,7 @@
         <p:spPr>
           <a:xfrm>
             <a:off x="1872000" y="1107000"/>
-            <a:ext cx="840240" cy="333000"/>
+            <a:ext cx="839880" cy="333000"/>
           </a:xfrm>
           <a:prstGeom prst="rect">
             <a:avLst/>
@@ -8818,22 +8227,15 @@
           </a:ln>
         </p:spPr>
         <p:style>
-          <a:lnRef idx="0">
-            <a:scrgbClr r="0" g="0" b="0"/>
-          </a:lnRef>
-          <a:fillRef idx="0">
-            <a:scrgbClr r="0" g="0" b="0"/>
-          </a:fillRef>
-          <a:effectRef idx="0">
-            <a:scrgbClr r="0" g="0" b="0"/>
-          </a:effectRef>
-          <a:fontRef idx="minor"/>
-        </p:style>
-        <p:txBody>
-          <a:bodyPr lIns="90000" tIns="45000" rIns="90000" bIns="45000">
+          <a:lnRef idx="0"/>
+          <a:fillRef idx="0"/>
+          <a:effectRef idx="0"/>
+          <a:fontRef idx="minor"/>
+        </p:style>
+        <p:txBody>
+          <a:bodyPr lIns="90000" rIns="90000" tIns="45000" bIns="45000">
             <a:spAutoFit/>
           </a:bodyPr>
-          <a:lstStyle/>
           <a:p>
             <a:pPr>
               <a:lnSpc>
@@ -8841,7 +8243,7 @@
               </a:lnSpc>
             </a:pPr>
             <a:r>
-              <a:rPr lang="pt-BR" sz="800" b="0" strike="noStrike" spc="-1">
+              <a:rPr b="0" lang="pt-BR" sz="800" spc="-1" strike="noStrike">
                 <a:solidFill>
                   <a:srgbClr val="000000"/>
                 </a:solidFill>
@@ -8850,7 +8252,7 @@
               </a:rPr>
               <a:t>Máquina pronta</a:t>
             </a:r>
-            <a:endParaRPr lang="pt-BR" sz="800" b="0" strike="noStrike" spc="-1">
+            <a:endParaRPr b="0" lang="pt-BR" sz="800" spc="-1" strike="noStrike">
               <a:latin typeface="Arial"/>
             </a:endParaRPr>
           </a:p>
@@ -8858,14 +8260,19 @@
       </p:sp>
     </p:spTree>
   </p:cSld>
-  <p:clrMapOvr>
-    <a:masterClrMapping/>
-  </p:clrMapOvr>
+  <mc:AlternateContent>
+    <mc:Choice Requires="p14">
+      <p:transition spd="slow" p14:dur="2000"/>
+    </mc:Choice>
+    <mc:Fallback>
+      <p:transition spd="slow"/>
+    </mc:Fallback>
+  </mc:AlternateContent>
 </p:sld>
 </file>
 
 <file path=ppt/slides/slide6.xml><?xml version="1.0" encoding="utf-8"?>
-<p:sld xmlns:a="http://schemas.openxmlformats.org/drawingml/2006/main" xmlns:r="http://schemas.openxmlformats.org/officeDocument/2006/relationships" xmlns:p="http://schemas.openxmlformats.org/presentationml/2006/main">
+<p:sld xmlns:a="http://schemas.openxmlformats.org/drawingml/2006/main" xmlns:p="http://schemas.openxmlformats.org/presentationml/2006/main" xmlns:r="http://schemas.openxmlformats.org/officeDocument/2006/relationships" xmlns:p14="http://schemas.microsoft.com/office/powerpoint/2010/main" xmlns:p15="http://schemas.microsoft.com/office/powerpoint/2012/main" xmlns:mc="http://schemas.openxmlformats.org/markup-compatibility/2006">
   <p:cSld>
     <p:spTree>
       <p:nvGrpSpPr>
@@ -8890,7 +8297,7 @@
         <p:spPr>
           <a:xfrm>
             <a:off x="6912000" y="85680"/>
-            <a:ext cx="2805840" cy="912600"/>
+            <a:ext cx="2805480" cy="912600"/>
           </a:xfrm>
           <a:prstGeom prst="rect">
             <a:avLst/>
@@ -8901,22 +8308,15 @@
           </a:ln>
         </p:spPr>
         <p:style>
-          <a:lnRef idx="0">
-            <a:scrgbClr r="0" g="0" b="0"/>
-          </a:lnRef>
-          <a:fillRef idx="0">
-            <a:scrgbClr r="0" g="0" b="0"/>
-          </a:fillRef>
-          <a:effectRef idx="0">
-            <a:scrgbClr r="0" g="0" b="0"/>
-          </a:effectRef>
-          <a:fontRef idx="minor"/>
-        </p:style>
-        <p:txBody>
-          <a:bodyPr lIns="90000" tIns="45000" rIns="90000" bIns="45000">
+          <a:lnRef idx="0"/>
+          <a:fillRef idx="0"/>
+          <a:effectRef idx="0"/>
+          <a:fontRef idx="minor"/>
+        </p:style>
+        <p:txBody>
+          <a:bodyPr lIns="90000" rIns="90000" tIns="45000" bIns="45000">
             <a:spAutoFit/>
           </a:bodyPr>
-          <a:lstStyle/>
           <a:p>
             <a:pPr>
               <a:lnSpc>
@@ -8924,7 +8324,7 @@
               </a:lnSpc>
             </a:pPr>
             <a:r>
-              <a:rPr lang="pt-BR" sz="1800" b="0" strike="noStrike" spc="-1">
+              <a:rPr b="0" lang="pt-BR" sz="1800" spc="-1" strike="noStrike">
                 <a:solidFill>
                   <a:srgbClr val="000000"/>
                 </a:solidFill>
@@ -8933,7 +8333,7 @@
               </a:rPr>
               <a:t>Capacidade:Priorizar pedido</a:t>
             </a:r>
-            <a:endParaRPr lang="pt-BR" sz="1800" b="0" strike="noStrike" spc="-1">
+            <a:endParaRPr b="0" lang="pt-BR" sz="1800" spc="-1" strike="noStrike">
               <a:latin typeface="Arial"/>
             </a:endParaRPr>
           </a:p>
@@ -8943,7 +8343,7 @@
                 <a:spcPct val="100000"/>
               </a:lnSpc>
             </a:pPr>
-            <a:endParaRPr lang="pt-BR" sz="1800" b="0" strike="noStrike" spc="-1">
+            <a:endParaRPr b="0" lang="pt-BR" sz="1800" spc="-1" strike="noStrike">
               <a:latin typeface="Arial"/>
             </a:endParaRPr>
           </a:p>
@@ -8958,7 +8358,7 @@
         <p:spPr>
           <a:xfrm>
             <a:off x="471960" y="246600"/>
-            <a:ext cx="950760" cy="758880"/>
+            <a:ext cx="950400" cy="758520"/>
           </a:xfrm>
           <a:prstGeom prst="rect">
             <a:avLst/>
@@ -8966,10 +8366,10 @@
           <a:gradFill rotWithShape="0">
             <a:gsLst>
               <a:gs pos="0">
-                <a:srgbClr val="D0D0D0"/>
+                <a:srgbClr val="d0d0d0"/>
               </a:gs>
               <a:gs pos="100000">
-                <a:srgbClr val="EDEDED">
+                <a:srgbClr val="ededed">
                   <a:alpha val="0"/>
                 </a:srgbClr>
               </a:gs>
@@ -8978,7 +8378,7 @@
           </a:gradFill>
           <a:ln/>
           <a:effectLst>
-            <a:outerShdw blurRad="40000" dist="20160" dir="5400000" rotWithShape="0">
+            <a:outerShdw blurRad="40000" dir="5400000" dist="20160" rotWithShape="0">
               <a:srgbClr val="000000">
                 <a:alpha val="38000"/>
               </a:srgbClr>
@@ -8998,10 +8398,9 @@
           <a:fontRef idx="minor"/>
         </p:style>
         <p:txBody>
-          <a:bodyPr lIns="90000" tIns="45000" rIns="90000" bIns="45000" anchor="ctr">
+          <a:bodyPr lIns="90000" rIns="90000" tIns="45000" bIns="45000" anchor="ctr">
             <a:noAutofit/>
           </a:bodyPr>
-          <a:lstStyle/>
           <a:p>
             <a:pPr algn="ctr">
               <a:lnSpc>
@@ -9009,7 +8408,7 @@
               </a:lnSpc>
             </a:pPr>
             <a:r>
-              <a:rPr lang="pt-BR" sz="1200" b="0" strike="noStrike" spc="-1">
+              <a:rPr b="0" lang="pt-BR" sz="1200" spc="-1" strike="noStrike">
                 <a:solidFill>
                   <a:srgbClr val="000000"/>
                 </a:solidFill>
@@ -9018,7 +8417,7 @@
               </a:rPr>
               <a:t>Negocios</a:t>
             </a:r>
-            <a:endParaRPr lang="pt-BR" sz="1200" b="0" strike="noStrike" spc="-1">
+            <a:endParaRPr b="0" lang="pt-BR" sz="1200" spc="-1" strike="noStrike">
               <a:latin typeface="Arial"/>
             </a:endParaRPr>
           </a:p>
@@ -9033,13 +8432,12 @@
         <p:spPr>
           <a:xfrm>
             <a:off x="964080" y="997200"/>
-            <a:ext cx="113760" cy="584640"/>
+            <a:ext cx="113400" cy="584280"/>
           </a:xfrm>
           <a:custGeom>
             <a:avLst/>
             <a:gdLst/>
             <a:ahLst/>
-            <a:cxnLst/>
             <a:rect l="l" t="t" r="r" b="b"/>
             <a:pathLst>
               <a:path w="21600" h="21600">
@@ -9057,7 +8455,7 @@
             <a:solidFill>
               <a:schemeClr val="tx1"/>
             </a:solidFill>
-            <a:tailEnd type="triangle" w="med" len="med"/>
+            <a:tailEnd len="med" type="triangle" w="med"/>
           </a:ln>
         </p:spPr>
         <p:style>
@@ -9082,7 +8480,7 @@
         <p:spPr>
           <a:xfrm>
             <a:off x="2448000" y="246960"/>
-            <a:ext cx="950760" cy="758880"/>
+            <a:ext cx="950400" cy="758520"/>
           </a:xfrm>
           <a:prstGeom prst="rect">
             <a:avLst/>
@@ -9090,10 +8488,10 @@
           <a:gradFill rotWithShape="0">
             <a:gsLst>
               <a:gs pos="0">
-                <a:srgbClr val="D0D0D0"/>
+                <a:srgbClr val="d0d0d0"/>
               </a:gs>
               <a:gs pos="100000">
-                <a:srgbClr val="EDEDED">
+                <a:srgbClr val="ededed">
                   <a:alpha val="0"/>
                 </a:srgbClr>
               </a:gs>
@@ -9102,7 +8500,7 @@
           </a:gradFill>
           <a:ln/>
           <a:effectLst>
-            <a:outerShdw blurRad="40000" dist="20160" dir="5400000" rotWithShape="0">
+            <a:outerShdw blurRad="40000" dir="5400000" dist="20160" rotWithShape="0">
               <a:srgbClr val="000000">
                 <a:alpha val="38000"/>
               </a:srgbClr>
@@ -9122,10 +8520,9 @@
           <a:fontRef idx="minor"/>
         </p:style>
         <p:txBody>
-          <a:bodyPr lIns="90000" tIns="45000" rIns="90000" bIns="45000" anchor="ctr">
+          <a:bodyPr lIns="90000" rIns="90000" tIns="45000" bIns="45000" anchor="ctr">
             <a:noAutofit/>
           </a:bodyPr>
-          <a:lstStyle/>
           <a:p>
             <a:pPr algn="ctr">
               <a:lnSpc>
@@ -9133,7 +8530,7 @@
               </a:lnSpc>
             </a:pPr>
             <a:r>
-              <a:rPr lang="pt-BR" sz="1200" b="0" strike="noStrike" spc="-1" dirty="0">
+              <a:rPr b="0" lang="pt-BR" sz="1200" spc="-1" strike="noStrike">
                 <a:solidFill>
                   <a:srgbClr val="000000"/>
                 </a:solidFill>
@@ -9142,7 +8539,7 @@
               </a:rPr>
               <a:t>Linha de produção</a:t>
             </a:r>
-            <a:endParaRPr lang="pt-BR" sz="1200" b="0" strike="noStrike" spc="-1" dirty="0">
+            <a:endParaRPr b="0" lang="pt-BR" sz="1200" spc="-1" strike="noStrike">
               <a:latin typeface="Arial"/>
             </a:endParaRPr>
           </a:p>
@@ -9156,14 +8553,13 @@
         </p:nvSpPr>
         <p:spPr>
           <a:xfrm flipV="1">
-            <a:off x="2807999" y="1005840"/>
-            <a:ext cx="208045" cy="573840"/>
+            <a:off x="2808000" y="1005120"/>
+            <a:ext cx="207720" cy="573480"/>
           </a:xfrm>
           <a:custGeom>
             <a:avLst/>
             <a:gdLst/>
             <a:ahLst/>
-            <a:cxnLst/>
             <a:rect l="l" t="t" r="r" b="b"/>
             <a:pathLst>
               <a:path w="21600" h="21600">
@@ -9181,7 +8577,7 @@
             <a:solidFill>
               <a:schemeClr val="tx1"/>
             </a:solidFill>
-            <a:tailEnd type="triangle" w="med" len="med"/>
+            <a:tailEnd len="med" type="triangle" w="med"/>
           </a:ln>
         </p:spPr>
         <p:style>
@@ -9199,14 +8595,14 @@
       </p:sp>
       <p:sp>
         <p:nvSpPr>
-          <p:cNvPr id="176" name="CustomShape 7"/>
-          <p:cNvSpPr/>
-          <p:nvPr/>
-        </p:nvSpPr>
-        <p:spPr>
-          <a:xfrm>
-            <a:off x="143999" y="1080000"/>
-            <a:ext cx="873639" cy="429433"/>
+          <p:cNvPr id="175" name="CustomShape 6"/>
+          <p:cNvSpPr/>
+          <p:nvPr/>
+        </p:nvSpPr>
+        <p:spPr>
+          <a:xfrm>
+            <a:off x="144000" y="1080000"/>
+            <a:ext cx="873360" cy="425160"/>
           </a:xfrm>
           <a:prstGeom prst="rect">
             <a:avLst/>
@@ -9217,22 +8613,15 @@
           </a:ln>
         </p:spPr>
         <p:style>
-          <a:lnRef idx="0">
-            <a:scrgbClr r="0" g="0" b="0"/>
-          </a:lnRef>
-          <a:fillRef idx="0">
-            <a:scrgbClr r="0" g="0" b="0"/>
-          </a:fillRef>
-          <a:effectRef idx="0">
-            <a:scrgbClr r="0" g="0" b="0"/>
-          </a:effectRef>
-          <a:fontRef idx="minor"/>
-        </p:style>
-        <p:txBody>
-          <a:bodyPr wrap="square" lIns="90000" tIns="45000" rIns="90000" bIns="45000">
+          <a:lnRef idx="0"/>
+          <a:fillRef idx="0"/>
+          <a:effectRef idx="0"/>
+          <a:fontRef idx="minor"/>
+        </p:style>
+        <p:txBody>
+          <a:bodyPr lIns="90000" rIns="90000" tIns="45000" bIns="45000">
             <a:spAutoFit/>
           </a:bodyPr>
-          <a:lstStyle/>
           <a:p>
             <a:pPr>
               <a:lnSpc>
@@ -9240,7 +8629,7 @@
               </a:lnSpc>
             </a:pPr>
             <a:r>
-              <a:rPr lang="pt-BR" sz="1100" b="0" strike="noStrike" spc="-1" dirty="0">
+              <a:rPr b="0" lang="pt-BR" sz="1100" spc="-1" strike="noStrike">
                 <a:solidFill>
                   <a:srgbClr val="000000"/>
                 </a:solidFill>
@@ -9249,22 +8638,22 @@
               </a:rPr>
               <a:t>Pedido de priorização </a:t>
             </a:r>
-            <a:endParaRPr lang="pt-BR" sz="1100" b="0" strike="noStrike" spc="-1" dirty="0">
-              <a:latin typeface="Arial"/>
-            </a:endParaRPr>
-          </a:p>
-        </p:txBody>
-      </p:sp>
-      <p:sp>
-        <p:nvSpPr>
-          <p:cNvPr id="177" name="CustomShape 8"/>
+            <a:endParaRPr b="0" lang="pt-BR" sz="1100" spc="-1" strike="noStrike">
+              <a:latin typeface="Arial"/>
+            </a:endParaRPr>
+          </a:p>
+        </p:txBody>
+      </p:sp>
+      <p:sp>
+        <p:nvSpPr>
+          <p:cNvPr id="176" name="CustomShape 7"/>
           <p:cNvSpPr/>
           <p:nvPr/>
         </p:nvSpPr>
         <p:spPr>
           <a:xfrm>
             <a:off x="288000" y="1585080"/>
-            <a:ext cx="1582560" cy="1149480"/>
+            <a:ext cx="1582200" cy="1149120"/>
           </a:xfrm>
           <a:prstGeom prst="ellipse">
             <a:avLst/>
@@ -9290,10 +8679,9 @@
           <a:fontRef idx="minor"/>
         </p:style>
         <p:txBody>
-          <a:bodyPr lIns="90000" tIns="45000" rIns="90000" bIns="45000" anchor="ctr">
+          <a:bodyPr lIns="90000" rIns="90000" tIns="45000" bIns="45000" anchor="ctr">
             <a:noAutofit/>
           </a:bodyPr>
-          <a:lstStyle/>
           <a:p>
             <a:pPr algn="ctr">
               <a:lnSpc>
@@ -9301,7 +8689,7 @@
               </a:lnSpc>
             </a:pPr>
             <a:r>
-              <a:rPr lang="pt-BR" sz="1100" b="0" strike="noStrike" spc="-1" dirty="0">
+              <a:rPr b="0" lang="pt-BR" sz="1100" spc="-1" strike="noStrike">
                 <a:solidFill>
                   <a:srgbClr val="000000"/>
                 </a:solidFill>
@@ -9310,22 +8698,22 @@
               </a:rPr>
               <a:t>Priorizar pedido no planejamento</a:t>
             </a:r>
-            <a:endParaRPr lang="pt-BR" sz="1100" b="0" strike="noStrike" spc="-1" dirty="0">
-              <a:latin typeface="Arial"/>
-            </a:endParaRPr>
-          </a:p>
-        </p:txBody>
-      </p:sp>
-      <p:sp>
-        <p:nvSpPr>
-          <p:cNvPr id="178" name="CustomShape 9"/>
+            <a:endParaRPr b="0" lang="pt-BR" sz="1100" spc="-1" strike="noStrike">
+              <a:latin typeface="Arial"/>
+            </a:endParaRPr>
+          </a:p>
+        </p:txBody>
+      </p:sp>
+      <p:sp>
+        <p:nvSpPr>
+          <p:cNvPr id="177" name="CustomShape 8"/>
           <p:cNvSpPr/>
           <p:nvPr/>
         </p:nvSpPr>
         <p:spPr>
           <a:xfrm>
             <a:off x="648000" y="3240000"/>
-            <a:ext cx="1293840" cy="454680"/>
+            <a:ext cx="1293480" cy="454680"/>
           </a:xfrm>
           <a:prstGeom prst="rect">
             <a:avLst/>
@@ -9336,22 +8724,15 @@
           </a:ln>
         </p:spPr>
         <p:style>
-          <a:lnRef idx="0">
-            <a:scrgbClr r="0" g="0" b="0"/>
-          </a:lnRef>
-          <a:fillRef idx="0">
-            <a:scrgbClr r="0" g="0" b="0"/>
-          </a:fillRef>
-          <a:effectRef idx="0">
-            <a:scrgbClr r="0" g="0" b="0"/>
-          </a:effectRef>
-          <a:fontRef idx="minor"/>
-        </p:style>
-        <p:txBody>
-          <a:bodyPr lIns="90000" tIns="45000" rIns="90000" bIns="45000">
+          <a:lnRef idx="0"/>
+          <a:fillRef idx="0"/>
+          <a:effectRef idx="0"/>
+          <a:fontRef idx="minor"/>
+        </p:style>
+        <p:txBody>
+          <a:bodyPr lIns="90000" rIns="90000" tIns="45000" bIns="45000">
             <a:spAutoFit/>
           </a:bodyPr>
-          <a:lstStyle/>
           <a:p>
             <a:pPr>
               <a:lnSpc>
@@ -9359,7 +8740,7 @@
               </a:lnSpc>
             </a:pPr>
             <a:r>
-              <a:rPr lang="pt-BR" sz="1200" b="0" strike="noStrike" spc="-1">
+              <a:rPr b="0" lang="pt-BR" sz="1200" spc="-1" strike="noStrike">
                 <a:solidFill>
                   <a:srgbClr val="000000"/>
                 </a:solidFill>
@@ -9368,15 +8749,15 @@
               </a:rPr>
               <a:t>Planejamento de produção</a:t>
             </a:r>
-            <a:endParaRPr lang="pt-BR" sz="1200" b="0" strike="noStrike" spc="-1">
-              <a:latin typeface="Arial"/>
-            </a:endParaRPr>
-          </a:p>
-        </p:txBody>
-      </p:sp>
-      <p:sp>
-        <p:nvSpPr>
-          <p:cNvPr id="179" name="Line 10"/>
+            <a:endParaRPr b="0" lang="pt-BR" sz="1200" spc="-1" strike="noStrike">
+              <a:latin typeface="Arial"/>
+            </a:endParaRPr>
+          </a:p>
+        </p:txBody>
+      </p:sp>
+      <p:sp>
+        <p:nvSpPr>
+          <p:cNvPr id="178" name="Line 9"/>
           <p:cNvSpPr/>
           <p:nvPr/>
         </p:nvSpPr>
@@ -9409,7 +8790,7 @@
       </p:sp>
       <p:sp>
         <p:nvSpPr>
-          <p:cNvPr id="180" name="Line 11"/>
+          <p:cNvPr id="179" name="Line 10"/>
           <p:cNvSpPr/>
           <p:nvPr/>
         </p:nvSpPr>
@@ -9442,20 +8823,19 @@
       </p:sp>
       <p:sp>
         <p:nvSpPr>
-          <p:cNvPr id="181" name="CustomShape 12"/>
+          <p:cNvPr id="180" name="CustomShape 11"/>
           <p:cNvSpPr/>
           <p:nvPr/>
         </p:nvSpPr>
         <p:spPr>
           <a:xfrm>
             <a:off x="1224000" y="2735640"/>
-            <a:ext cx="113760" cy="502200"/>
+            <a:ext cx="113400" cy="501840"/>
           </a:xfrm>
           <a:custGeom>
             <a:avLst/>
             <a:gdLst/>
             <a:ahLst/>
-            <a:cxnLst/>
             <a:rect l="l" t="t" r="r" b="b"/>
             <a:pathLst>
               <a:path w="21600" h="21600">
@@ -9473,7 +8853,7 @@
             <a:solidFill>
               <a:schemeClr val="tx1"/>
             </a:solidFill>
-            <a:tailEnd type="triangle" w="med" len="med"/>
+            <a:tailEnd len="med" type="triangle" w="med"/>
           </a:ln>
         </p:spPr>
         <p:style>
@@ -9491,14 +8871,14 @@
       </p:sp>
       <p:sp>
         <p:nvSpPr>
-          <p:cNvPr id="182" name="CustomShape 13"/>
-          <p:cNvSpPr/>
-          <p:nvPr/>
-        </p:nvSpPr>
-        <p:spPr>
-          <a:xfrm>
-            <a:off x="2330640" y="1593555"/>
-            <a:ext cx="1293480" cy="1221840"/>
+          <p:cNvPr id="181" name="CustomShape 12"/>
+          <p:cNvSpPr/>
+          <p:nvPr/>
+        </p:nvSpPr>
+        <p:spPr>
+          <a:xfrm>
+            <a:off x="2330640" y="1593720"/>
+            <a:ext cx="1293120" cy="1221480"/>
           </a:xfrm>
           <a:prstGeom prst="ellipse">
             <a:avLst/>
@@ -9524,10 +8904,9 @@
           <a:fontRef idx="minor"/>
         </p:style>
         <p:txBody>
-          <a:bodyPr lIns="90000" tIns="45000" rIns="90000" bIns="45000" anchor="ctr">
+          <a:bodyPr lIns="90000" rIns="90000" tIns="45000" bIns="45000" anchor="ctr">
             <a:noAutofit/>
           </a:bodyPr>
-          <a:lstStyle/>
           <a:p>
             <a:pPr algn="ctr">
               <a:lnSpc>
@@ -9535,7 +8914,7 @@
               </a:lnSpc>
             </a:pPr>
             <a:r>
-              <a:rPr lang="pt-BR" sz="1050" b="0" strike="noStrike" spc="-1">
+              <a:rPr b="0" lang="pt-BR" sz="1050" spc="-1" strike="noStrike">
                 <a:solidFill>
                   <a:srgbClr val="000000"/>
                 </a:solidFill>
@@ -9544,28 +8923,27 @@
               </a:rPr>
               <a:t>Enviar pedido priorizado</a:t>
             </a:r>
-            <a:endParaRPr lang="pt-BR" sz="1050" b="0" strike="noStrike" spc="-1">
-              <a:latin typeface="Arial"/>
-            </a:endParaRPr>
-          </a:p>
-        </p:txBody>
-      </p:sp>
-      <p:sp>
-        <p:nvSpPr>
-          <p:cNvPr id="183" name="CustomShape 14"/>
+            <a:endParaRPr b="0" lang="pt-BR" sz="1050" spc="-1" strike="noStrike">
+              <a:latin typeface="Arial"/>
+            </a:endParaRPr>
+          </a:p>
+        </p:txBody>
+      </p:sp>
+      <p:sp>
+        <p:nvSpPr>
+          <p:cNvPr id="182" name="CustomShape 13"/>
           <p:cNvSpPr/>
           <p:nvPr/>
         </p:nvSpPr>
         <p:spPr>
           <a:xfrm flipH="1">
-            <a:off x="1797840" y="2542350"/>
-            <a:ext cx="567360" cy="573840"/>
+            <a:off x="1797120" y="2542320"/>
+            <a:ext cx="567000" cy="573480"/>
           </a:xfrm>
           <a:custGeom>
             <a:avLst/>
             <a:gdLst/>
             <a:ahLst/>
-            <a:cxnLst/>
             <a:rect l="l" t="t" r="r" b="b"/>
             <a:pathLst>
               <a:path w="21600" h="21600">
@@ -9583,8 +8961,8 @@
             <a:solidFill>
               <a:schemeClr val="tx1"/>
             </a:solidFill>
-            <a:headEnd type="triangle" w="med" len="med"/>
-            <a:tailEnd type="triangle" w="med" len="med"/>
+            <a:headEnd len="med" type="triangle" w="med"/>
+            <a:tailEnd len="med" type="triangle" w="med"/>
           </a:ln>
         </p:spPr>
         <p:style>
@@ -9602,14 +8980,14 @@
       </p:sp>
       <p:sp>
         <p:nvSpPr>
-          <p:cNvPr id="184" name="CustomShape 15"/>
-          <p:cNvSpPr/>
-          <p:nvPr/>
-        </p:nvSpPr>
-        <p:spPr>
-          <a:xfrm>
-            <a:off x="1804320" y="1031925"/>
-            <a:ext cx="950760" cy="598710"/>
+          <p:cNvPr id="183" name="CustomShape 14"/>
+          <p:cNvSpPr/>
+          <p:nvPr/>
+        </p:nvSpPr>
+        <p:spPr>
+          <a:xfrm>
+            <a:off x="1804320" y="1031760"/>
+            <a:ext cx="950400" cy="592560"/>
           </a:xfrm>
           <a:prstGeom prst="rect">
             <a:avLst/>
@@ -9620,22 +8998,15 @@
           </a:ln>
         </p:spPr>
         <p:style>
-          <a:lnRef idx="0">
-            <a:scrgbClr r="0" g="0" b="0"/>
-          </a:lnRef>
-          <a:fillRef idx="0">
-            <a:scrgbClr r="0" g="0" b="0"/>
-          </a:fillRef>
-          <a:effectRef idx="0">
-            <a:scrgbClr r="0" g="0" b="0"/>
-          </a:effectRef>
-          <a:fontRef idx="minor"/>
-        </p:style>
-        <p:txBody>
-          <a:bodyPr wrap="square" lIns="90000" tIns="45000" rIns="90000" bIns="45000">
+          <a:lnRef idx="0"/>
+          <a:fillRef idx="0"/>
+          <a:effectRef idx="0"/>
+          <a:fontRef idx="minor"/>
+        </p:style>
+        <p:txBody>
+          <a:bodyPr lIns="90000" rIns="90000" tIns="45000" bIns="45000">
             <a:spAutoFit/>
           </a:bodyPr>
-          <a:lstStyle/>
           <a:p>
             <a:pPr>
               <a:lnSpc>
@@ -9643,7 +9014,7 @@
               </a:lnSpc>
             </a:pPr>
             <a:r>
-              <a:rPr lang="pt-BR" sz="1100" b="0" strike="noStrike" spc="-1" dirty="0">
+              <a:rPr b="0" lang="pt-BR" sz="1100" spc="-1" strike="noStrike">
                 <a:solidFill>
                   <a:srgbClr val="000000"/>
                 </a:solidFill>
@@ -9652,28 +9023,22 @@
               </a:rPr>
               <a:t>Ordem de produção priorizada</a:t>
             </a:r>
-            <a:endParaRPr lang="pt-BR" sz="1100" b="0" strike="noStrike" spc="-1" dirty="0">
-              <a:latin typeface="Arial"/>
-            </a:endParaRPr>
-          </a:p>
-        </p:txBody>
-      </p:sp>
-      <p:sp>
-        <p:nvSpPr>
-          <p:cNvPr id="17" name="CustomShape 9">
-            <a:extLst>
-              <a:ext uri="{FF2B5EF4-FFF2-40B4-BE49-F238E27FC236}">
-                <a16:creationId xmlns:a16="http://schemas.microsoft.com/office/drawing/2014/main" id="{FEDC1BDD-378B-42CD-A841-656FDC319C82}"/>
-              </a:ext>
-            </a:extLst>
-          </p:cNvPr>
-          <p:cNvSpPr/>
-          <p:nvPr/>
-        </p:nvSpPr>
-        <p:spPr>
-          <a:xfrm>
-            <a:off x="2330640" y="3595022"/>
-            <a:ext cx="1293840" cy="429433"/>
+            <a:endParaRPr b="0" lang="pt-BR" sz="1100" spc="-1" strike="noStrike">
+              <a:latin typeface="Arial"/>
+            </a:endParaRPr>
+          </a:p>
+        </p:txBody>
+      </p:sp>
+      <p:sp>
+        <p:nvSpPr>
+          <p:cNvPr id="184" name="CustomShape 15"/>
+          <p:cNvSpPr/>
+          <p:nvPr/>
+        </p:nvSpPr>
+        <p:spPr>
+          <a:xfrm>
+            <a:off x="2330640" y="3594960"/>
+            <a:ext cx="1293480" cy="425160"/>
           </a:xfrm>
           <a:prstGeom prst="rect">
             <a:avLst/>
@@ -9684,22 +9049,15 @@
           </a:ln>
         </p:spPr>
         <p:style>
-          <a:lnRef idx="0">
-            <a:scrgbClr r="0" g="0" b="0"/>
-          </a:lnRef>
-          <a:fillRef idx="0">
-            <a:scrgbClr r="0" g="0" b="0"/>
-          </a:fillRef>
-          <a:effectRef idx="0">
-            <a:scrgbClr r="0" g="0" b="0"/>
-          </a:effectRef>
-          <a:fontRef idx="minor"/>
-        </p:style>
-        <p:txBody>
-          <a:bodyPr lIns="90000" tIns="45000" rIns="90000" bIns="45000">
+          <a:lnRef idx="0"/>
+          <a:fillRef idx="0"/>
+          <a:effectRef idx="0"/>
+          <a:fontRef idx="minor"/>
+        </p:style>
+        <p:txBody>
+          <a:bodyPr lIns="90000" rIns="90000" tIns="45000" bIns="45000">
             <a:spAutoFit/>
           </a:bodyPr>
-          <a:lstStyle/>
           <a:p>
             <a:pPr algn="ctr">
               <a:lnSpc>
@@ -9707,7 +9065,7 @@
               </a:lnSpc>
             </a:pPr>
             <a:r>
-              <a:rPr lang="pt-BR" sz="1100" b="0" strike="noStrike" spc="-1" dirty="0">
+              <a:rPr b="0" lang="pt-BR" sz="1100" spc="-1" strike="noStrike">
                 <a:solidFill>
                   <a:srgbClr val="000000"/>
                 </a:solidFill>
@@ -9716,27 +9074,21 @@
               </a:rPr>
               <a:t>Ordem produção priorizada</a:t>
             </a:r>
-            <a:endParaRPr lang="pt-BR" sz="1100" b="0" strike="noStrike" spc="-1" dirty="0">
-              <a:latin typeface="Arial"/>
-            </a:endParaRPr>
-          </a:p>
-        </p:txBody>
-      </p:sp>
-      <p:sp>
-        <p:nvSpPr>
-          <p:cNvPr id="18" name="Line 10">
-            <a:extLst>
-              <a:ext uri="{FF2B5EF4-FFF2-40B4-BE49-F238E27FC236}">
-                <a16:creationId xmlns:a16="http://schemas.microsoft.com/office/drawing/2014/main" id="{B38180DD-7CCF-4455-8A6C-C665DB5CD0D3}"/>
-              </a:ext>
-            </a:extLst>
-          </p:cNvPr>
-          <p:cNvSpPr/>
-          <p:nvPr/>
-        </p:nvSpPr>
-        <p:spPr>
-          <a:xfrm>
-            <a:off x="2278800" y="4027022"/>
+            <a:endParaRPr b="0" lang="pt-BR" sz="1100" spc="-1" strike="noStrike">
+              <a:latin typeface="Arial"/>
+            </a:endParaRPr>
+          </a:p>
+        </p:txBody>
+      </p:sp>
+      <p:sp>
+        <p:nvSpPr>
+          <p:cNvPr id="185" name="Line 16"/>
+          <p:cNvSpPr/>
+          <p:nvPr/>
+        </p:nvSpPr>
+        <p:spPr>
+          <a:xfrm>
+            <a:off x="2278800" y="4026960"/>
             <a:ext cx="1419840" cy="0"/>
           </a:xfrm>
           <a:prstGeom prst="line">
@@ -9763,19 +9115,13 @@
       </p:sp>
       <p:sp>
         <p:nvSpPr>
-          <p:cNvPr id="19" name="Line 11">
-            <a:extLst>
-              <a:ext uri="{FF2B5EF4-FFF2-40B4-BE49-F238E27FC236}">
-                <a16:creationId xmlns:a16="http://schemas.microsoft.com/office/drawing/2014/main" id="{792F6538-BFD7-4EF1-8BE6-DA636F07AF95}"/>
-              </a:ext>
-            </a:extLst>
-          </p:cNvPr>
-          <p:cNvSpPr/>
-          <p:nvPr/>
-        </p:nvSpPr>
-        <p:spPr>
-          <a:xfrm>
-            <a:off x="2258640" y="3595022"/>
+          <p:cNvPr id="186" name="Line 17"/>
+          <p:cNvSpPr/>
+          <p:nvPr/>
+        </p:nvSpPr>
+        <p:spPr>
+          <a:xfrm>
+            <a:off x="2258640" y="3594960"/>
             <a:ext cx="1419840" cy="0"/>
           </a:xfrm>
           <a:prstGeom prst="line">
@@ -9802,26 +9148,19 @@
       </p:sp>
       <p:sp>
         <p:nvSpPr>
-          <p:cNvPr id="20" name="CustomShape 14">
-            <a:extLst>
-              <a:ext uri="{FF2B5EF4-FFF2-40B4-BE49-F238E27FC236}">
-                <a16:creationId xmlns:a16="http://schemas.microsoft.com/office/drawing/2014/main" id="{6A639ADD-6245-4338-9968-5EB8CD2DE586}"/>
-              </a:ext>
-            </a:extLst>
-          </p:cNvPr>
+          <p:cNvPr id="187" name="CustomShape 18"/>
           <p:cNvSpPr/>
           <p:nvPr/>
         </p:nvSpPr>
         <p:spPr>
           <a:xfrm flipH="1">
-            <a:off x="2970324" y="2855155"/>
-            <a:ext cx="45719" cy="737297"/>
+            <a:off x="2970360" y="2855160"/>
+            <a:ext cx="45360" cy="736920"/>
           </a:xfrm>
           <a:custGeom>
             <a:avLst/>
             <a:gdLst/>
             <a:ahLst/>
-            <a:cxnLst/>
             <a:rect l="l" t="t" r="r" b="b"/>
             <a:pathLst>
               <a:path w="21600" h="21600">
@@ -9839,8 +9178,8 @@
             <a:solidFill>
               <a:schemeClr val="tx1"/>
             </a:solidFill>
-            <a:headEnd type="triangle" w="med" len="med"/>
-            <a:tailEnd type="triangle" w="med" len="med"/>
+            <a:headEnd len="med" type="triangle" w="med"/>
+            <a:tailEnd len="med" type="triangle" w="med"/>
           </a:ln>
         </p:spPr>
         <p:style>
@@ -9858,9 +9197,14 @@
       </p:sp>
     </p:spTree>
   </p:cSld>
-  <p:clrMapOvr>
-    <a:masterClrMapping/>
-  </p:clrMapOvr>
+  <mc:AlternateContent>
+    <mc:Choice Requires="p14">
+      <p:transition spd="slow" p14:dur="2000"/>
+    </mc:Choice>
+    <mc:Fallback>
+      <p:transition spd="slow"/>
+    </mc:Fallback>
+  </mc:AlternateContent>
 </p:sld>
 </file>
 
@@ -9875,31 +9219,31 @@
         <a:sysClr val="window" lastClr="FFFFFF"/>
       </a:lt1>
       <a:dk2>
-        <a:srgbClr val="1F497D"/>
+        <a:srgbClr val="1f497d"/>
       </a:dk2>
       <a:lt2>
-        <a:srgbClr val="EEECE1"/>
+        <a:srgbClr val="eeece1"/>
       </a:lt2>
       <a:accent1>
-        <a:srgbClr val="4F81BD"/>
+        <a:srgbClr val="4f81bd"/>
       </a:accent1>
       <a:accent2>
-        <a:srgbClr val="C0504D"/>
+        <a:srgbClr val="c0504d"/>
       </a:accent2>
       <a:accent3>
-        <a:srgbClr val="9BBB59"/>
+        <a:srgbClr val="9bbb59"/>
       </a:accent3>
       <a:accent4>
-        <a:srgbClr val="8064A2"/>
+        <a:srgbClr val="8064a2"/>
       </a:accent4>
       <a:accent5>
-        <a:srgbClr val="4BACC6"/>
+        <a:srgbClr val="4bacc6"/>
       </a:accent5>
       <a:accent6>
-        <a:srgbClr val="F79646"/>
+        <a:srgbClr val="f79646"/>
       </a:accent6>
       <a:hlink>
-        <a:srgbClr val="0000FF"/>
+        <a:srgbClr val="0000ff"/>
       </a:hlink>
       <a:folHlink>
         <a:srgbClr val="800080"/>
@@ -10087,7 +9431,5 @@
       </a:bgFillStyleLst>
     </a:fmtScheme>
   </a:themeElements>
-  <a:objectDefaults/>
-  <a:extraClrSchemeLst/>
 </a:theme>
 </file>
--- a/Artefatos/16-DFD Essencial para cada capacidade.pptx
+++ b/Artefatos/16-DFD Essencial para cada capacidade.pptx
@@ -10,7 +10,6 @@
     <p:sldId id="258" r:id="rId5"/>
     <p:sldId id="259" r:id="rId6"/>
     <p:sldId id="260" r:id="rId7"/>
-    <p:sldId id="261" r:id="rId8"/>
   </p:sldIdLst>
   <p:sldSz cx="10080625" cy="5670550"/>
   <p:notesSz cx="7559675" cy="10691812"/>
@@ -68,8 +67,8 @@
         </p:nvSpPr>
         <p:spPr>
           <a:xfrm>
-            <a:off x="692640" y="178200"/>
-            <a:ext cx="8689320" cy="1341000"/>
+            <a:off x="692640" y="375120"/>
+            <a:ext cx="8688600" cy="946800"/>
           </a:xfrm>
           <a:prstGeom prst="rect">
             <a:avLst/>
@@ -80,10 +79,8 @@
             <a:spAutoFit/>
           </a:bodyPr>
           <a:p>
-            <a:endParaRPr b="0" lang="pt-BR" sz="1800" spc="-1" strike="noStrike">
-              <a:solidFill>
-                <a:srgbClr val="000000"/>
-              </a:solidFill>
+            <a:pPr algn="ctr"/>
+            <a:endParaRPr b="0" lang="pt-BR" sz="4400" spc="-1" strike="noStrike">
               <a:latin typeface="Arial"/>
             </a:endParaRPr>
           </a:p>
@@ -113,10 +110,7 @@
             <a:normAutofit/>
           </a:bodyPr>
           <a:p>
-            <a:endParaRPr b="0" lang="pt-BR" sz="2800" spc="-1" strike="noStrike">
-              <a:solidFill>
-                <a:srgbClr val="000000"/>
-              </a:solidFill>
+            <a:endParaRPr b="0" lang="pt-BR" sz="3200" spc="-1" strike="noStrike">
               <a:latin typeface="Arial"/>
             </a:endParaRPr>
           </a:p>
@@ -146,10 +140,7 @@
             <a:normAutofit/>
           </a:bodyPr>
           <a:p>
-            <a:endParaRPr b="0" lang="pt-BR" sz="2800" spc="-1" strike="noStrike">
-              <a:solidFill>
-                <a:srgbClr val="000000"/>
-              </a:solidFill>
+            <a:endParaRPr b="0" lang="pt-BR" sz="3200" spc="-1" strike="noStrike">
               <a:latin typeface="Arial"/>
             </a:endParaRPr>
           </a:p>
@@ -189,8 +180,8 @@
         </p:nvSpPr>
         <p:spPr>
           <a:xfrm>
-            <a:off x="692640" y="178200"/>
-            <a:ext cx="8689320" cy="1341000"/>
+            <a:off x="692640" y="375120"/>
+            <a:ext cx="8688600" cy="946800"/>
           </a:xfrm>
           <a:prstGeom prst="rect">
             <a:avLst/>
@@ -201,10 +192,8 @@
             <a:spAutoFit/>
           </a:bodyPr>
           <a:p>
-            <a:endParaRPr b="0" lang="pt-BR" sz="1800" spc="-1" strike="noStrike">
-              <a:solidFill>
-                <a:srgbClr val="000000"/>
-              </a:solidFill>
+            <a:pPr algn="ctr"/>
+            <a:endParaRPr b="0" lang="pt-BR" sz="4400" spc="-1" strike="noStrike">
               <a:latin typeface="Arial"/>
             </a:endParaRPr>
           </a:p>
@@ -234,10 +223,7 @@
             <a:normAutofit/>
           </a:bodyPr>
           <a:p>
-            <a:endParaRPr b="0" lang="pt-BR" sz="2800" spc="-1" strike="noStrike">
-              <a:solidFill>
-                <a:srgbClr val="000000"/>
-              </a:solidFill>
+            <a:endParaRPr b="0" lang="pt-BR" sz="3200" spc="-1" strike="noStrike">
               <a:latin typeface="Arial"/>
             </a:endParaRPr>
           </a:p>
@@ -267,10 +253,7 @@
             <a:normAutofit/>
           </a:bodyPr>
           <a:p>
-            <a:endParaRPr b="0" lang="pt-BR" sz="2800" spc="-1" strike="noStrike">
-              <a:solidFill>
-                <a:srgbClr val="000000"/>
-              </a:solidFill>
+            <a:endParaRPr b="0" lang="pt-BR" sz="3200" spc="-1" strike="noStrike">
               <a:latin typeface="Arial"/>
             </a:endParaRPr>
           </a:p>
@@ -300,10 +283,7 @@
             <a:normAutofit/>
           </a:bodyPr>
           <a:p>
-            <a:endParaRPr b="0" lang="pt-BR" sz="2800" spc="-1" strike="noStrike">
-              <a:solidFill>
-                <a:srgbClr val="000000"/>
-              </a:solidFill>
+            <a:endParaRPr b="0" lang="pt-BR" sz="3200" spc="-1" strike="noStrike">
               <a:latin typeface="Arial"/>
             </a:endParaRPr>
           </a:p>
@@ -333,10 +313,7 @@
             <a:normAutofit/>
           </a:bodyPr>
           <a:p>
-            <a:endParaRPr b="0" lang="pt-BR" sz="2800" spc="-1" strike="noStrike">
-              <a:solidFill>
-                <a:srgbClr val="000000"/>
-              </a:solidFill>
+            <a:endParaRPr b="0" lang="pt-BR" sz="3200" spc="-1" strike="noStrike">
               <a:latin typeface="Arial"/>
             </a:endParaRPr>
           </a:p>
@@ -376,8 +353,8 @@
         </p:nvSpPr>
         <p:spPr>
           <a:xfrm>
-            <a:off x="692640" y="178200"/>
-            <a:ext cx="8689320" cy="1341000"/>
+            <a:off x="692640" y="375120"/>
+            <a:ext cx="8688600" cy="946800"/>
           </a:xfrm>
           <a:prstGeom prst="rect">
             <a:avLst/>
@@ -388,10 +365,8 @@
             <a:spAutoFit/>
           </a:bodyPr>
           <a:p>
-            <a:endParaRPr b="0" lang="pt-BR" sz="1800" spc="-1" strike="noStrike">
-              <a:solidFill>
-                <a:srgbClr val="000000"/>
-              </a:solidFill>
+            <a:pPr algn="ctr"/>
+            <a:endParaRPr b="0" lang="pt-BR" sz="4400" spc="-1" strike="noStrike">
               <a:latin typeface="Arial"/>
             </a:endParaRPr>
           </a:p>
@@ -421,10 +396,7 @@
             <a:normAutofit/>
           </a:bodyPr>
           <a:p>
-            <a:endParaRPr b="0" lang="pt-BR" sz="2800" spc="-1" strike="noStrike">
-              <a:solidFill>
-                <a:srgbClr val="000000"/>
-              </a:solidFill>
+            <a:endParaRPr b="0" lang="pt-BR" sz="3200" spc="-1" strike="noStrike">
               <a:latin typeface="Arial"/>
             </a:endParaRPr>
           </a:p>
@@ -454,10 +426,7 @@
             <a:normAutofit/>
           </a:bodyPr>
           <a:p>
-            <a:endParaRPr b="0" lang="pt-BR" sz="2800" spc="-1" strike="noStrike">
-              <a:solidFill>
-                <a:srgbClr val="000000"/>
-              </a:solidFill>
+            <a:endParaRPr b="0" lang="pt-BR" sz="3200" spc="-1" strike="noStrike">
               <a:latin typeface="Arial"/>
             </a:endParaRPr>
           </a:p>
@@ -487,10 +456,7 @@
             <a:normAutofit/>
           </a:bodyPr>
           <a:p>
-            <a:endParaRPr b="0" lang="pt-BR" sz="2800" spc="-1" strike="noStrike">
-              <a:solidFill>
-                <a:srgbClr val="000000"/>
-              </a:solidFill>
+            <a:endParaRPr b="0" lang="pt-BR" sz="3200" spc="-1" strike="noStrike">
               <a:latin typeface="Arial"/>
             </a:endParaRPr>
           </a:p>
@@ -520,10 +486,7 @@
             <a:normAutofit/>
           </a:bodyPr>
           <a:p>
-            <a:endParaRPr b="0" lang="pt-BR" sz="2800" spc="-1" strike="noStrike">
-              <a:solidFill>
-                <a:srgbClr val="000000"/>
-              </a:solidFill>
+            <a:endParaRPr b="0" lang="pt-BR" sz="3200" spc="-1" strike="noStrike">
               <a:latin typeface="Arial"/>
             </a:endParaRPr>
           </a:p>
@@ -553,10 +516,7 @@
             <a:normAutofit/>
           </a:bodyPr>
           <a:p>
-            <a:endParaRPr b="0" lang="pt-BR" sz="2800" spc="-1" strike="noStrike">
-              <a:solidFill>
-                <a:srgbClr val="000000"/>
-              </a:solidFill>
+            <a:endParaRPr b="0" lang="pt-BR" sz="3200" spc="-1" strike="noStrike">
               <a:latin typeface="Arial"/>
             </a:endParaRPr>
           </a:p>
@@ -586,10 +546,7 @@
             <a:normAutofit/>
           </a:bodyPr>
           <a:p>
-            <a:endParaRPr b="0" lang="pt-BR" sz="2800" spc="-1" strike="noStrike">
-              <a:solidFill>
-                <a:srgbClr val="000000"/>
-              </a:solidFill>
+            <a:endParaRPr b="0" lang="pt-BR" sz="3200" spc="-1" strike="noStrike">
               <a:latin typeface="Arial"/>
             </a:endParaRPr>
           </a:p>
@@ -629,8 +586,8 @@
         </p:nvSpPr>
         <p:spPr>
           <a:xfrm>
-            <a:off x="692640" y="178200"/>
-            <a:ext cx="8689320" cy="1341000"/>
+            <a:off x="692640" y="375120"/>
+            <a:ext cx="8688600" cy="946800"/>
           </a:xfrm>
           <a:prstGeom prst="rect">
             <a:avLst/>
@@ -641,10 +598,8 @@
             <a:spAutoFit/>
           </a:bodyPr>
           <a:p>
-            <a:endParaRPr b="0" lang="pt-BR" sz="1800" spc="-1" strike="noStrike">
-              <a:solidFill>
-                <a:srgbClr val="000000"/>
-              </a:solidFill>
+            <a:pPr algn="ctr"/>
+            <a:endParaRPr b="0" lang="pt-BR" sz="4400" spc="-1" strike="noStrike">
               <a:latin typeface="Arial"/>
             </a:endParaRPr>
           </a:p>
@@ -715,8 +670,8 @@
         </p:nvSpPr>
         <p:spPr>
           <a:xfrm>
-            <a:off x="692640" y="178200"/>
-            <a:ext cx="8689320" cy="1341000"/>
+            <a:off x="692640" y="375120"/>
+            <a:ext cx="8688600" cy="946800"/>
           </a:xfrm>
           <a:prstGeom prst="rect">
             <a:avLst/>
@@ -727,10 +682,8 @@
             <a:spAutoFit/>
           </a:bodyPr>
           <a:p>
-            <a:endParaRPr b="0" lang="pt-BR" sz="1800" spc="-1" strike="noStrike">
-              <a:solidFill>
-                <a:srgbClr val="000000"/>
-              </a:solidFill>
+            <a:pPr algn="ctr"/>
+            <a:endParaRPr b="0" lang="pt-BR" sz="4400" spc="-1" strike="noStrike">
               <a:latin typeface="Arial"/>
             </a:endParaRPr>
           </a:p>
@@ -760,10 +713,7 @@
             <a:normAutofit/>
           </a:bodyPr>
           <a:p>
-            <a:endParaRPr b="0" lang="pt-BR" sz="2800" spc="-1" strike="noStrike">
-              <a:solidFill>
-                <a:srgbClr val="000000"/>
-              </a:solidFill>
+            <a:endParaRPr b="0" lang="pt-BR" sz="3200" spc="-1" strike="noStrike">
               <a:latin typeface="Arial"/>
             </a:endParaRPr>
           </a:p>
@@ -803,8 +753,8 @@
         </p:nvSpPr>
         <p:spPr>
           <a:xfrm>
-            <a:off x="692640" y="178200"/>
-            <a:ext cx="8689320" cy="1341000"/>
+            <a:off x="692640" y="375120"/>
+            <a:ext cx="8688600" cy="946800"/>
           </a:xfrm>
           <a:prstGeom prst="rect">
             <a:avLst/>
@@ -815,10 +765,8 @@
             <a:spAutoFit/>
           </a:bodyPr>
           <a:p>
-            <a:endParaRPr b="0" lang="pt-BR" sz="1800" spc="-1" strike="noStrike">
-              <a:solidFill>
-                <a:srgbClr val="000000"/>
-              </a:solidFill>
+            <a:pPr algn="ctr"/>
+            <a:endParaRPr b="0" lang="pt-BR" sz="4400" spc="-1" strike="noStrike">
               <a:latin typeface="Arial"/>
             </a:endParaRPr>
           </a:p>
@@ -848,10 +796,7 @@
             <a:normAutofit/>
           </a:bodyPr>
           <a:p>
-            <a:endParaRPr b="0" lang="pt-BR" sz="2800" spc="-1" strike="noStrike">
-              <a:solidFill>
-                <a:srgbClr val="000000"/>
-              </a:solidFill>
+            <a:endParaRPr b="0" lang="pt-BR" sz="3200" spc="-1" strike="noStrike">
               <a:latin typeface="Arial"/>
             </a:endParaRPr>
           </a:p>
@@ -881,10 +826,7 @@
             <a:normAutofit/>
           </a:bodyPr>
           <a:p>
-            <a:endParaRPr b="0" lang="pt-BR" sz="2800" spc="-1" strike="noStrike">
-              <a:solidFill>
-                <a:srgbClr val="000000"/>
-              </a:solidFill>
+            <a:endParaRPr b="0" lang="pt-BR" sz="3200" spc="-1" strike="noStrike">
               <a:latin typeface="Arial"/>
             </a:endParaRPr>
           </a:p>
@@ -924,8 +866,8 @@
         </p:nvSpPr>
         <p:spPr>
           <a:xfrm>
-            <a:off x="692640" y="178200"/>
-            <a:ext cx="8689320" cy="1341000"/>
+            <a:off x="692640" y="375120"/>
+            <a:ext cx="8688600" cy="946800"/>
           </a:xfrm>
           <a:prstGeom prst="rect">
             <a:avLst/>
@@ -936,10 +878,8 @@
             <a:spAutoFit/>
           </a:bodyPr>
           <a:p>
-            <a:endParaRPr b="0" lang="pt-BR" sz="1800" spc="-1" strike="noStrike">
-              <a:solidFill>
-                <a:srgbClr val="000000"/>
-              </a:solidFill>
+            <a:pPr algn="ctr"/>
+            <a:endParaRPr b="0" lang="pt-BR" sz="4400" spc="-1" strike="noStrike">
               <a:latin typeface="Arial"/>
             </a:endParaRPr>
           </a:p>
@@ -979,8 +919,8 @@
         </p:nvSpPr>
         <p:spPr>
           <a:xfrm>
-            <a:off x="692640" y="178200"/>
-            <a:ext cx="8689320" cy="6217560"/>
+            <a:off x="692640" y="375120"/>
+            <a:ext cx="8688600" cy="4390200"/>
           </a:xfrm>
           <a:prstGeom prst="rect">
             <a:avLst/>
@@ -1032,8 +972,8 @@
         </p:nvSpPr>
         <p:spPr>
           <a:xfrm>
-            <a:off x="692640" y="178200"/>
-            <a:ext cx="8689320" cy="1341000"/>
+            <a:off x="692640" y="375120"/>
+            <a:ext cx="8688600" cy="946800"/>
           </a:xfrm>
           <a:prstGeom prst="rect">
             <a:avLst/>
@@ -1044,10 +984,8 @@
             <a:spAutoFit/>
           </a:bodyPr>
           <a:p>
-            <a:endParaRPr b="0" lang="pt-BR" sz="1800" spc="-1" strike="noStrike">
-              <a:solidFill>
-                <a:srgbClr val="000000"/>
-              </a:solidFill>
+            <a:pPr algn="ctr"/>
+            <a:endParaRPr b="0" lang="pt-BR" sz="4400" spc="-1" strike="noStrike">
               <a:latin typeface="Arial"/>
             </a:endParaRPr>
           </a:p>
@@ -1077,10 +1015,7 @@
             <a:normAutofit/>
           </a:bodyPr>
           <a:p>
-            <a:endParaRPr b="0" lang="pt-BR" sz="2800" spc="-1" strike="noStrike">
-              <a:solidFill>
-                <a:srgbClr val="000000"/>
-              </a:solidFill>
+            <a:endParaRPr b="0" lang="pt-BR" sz="3200" spc="-1" strike="noStrike">
               <a:latin typeface="Arial"/>
             </a:endParaRPr>
           </a:p>
@@ -1110,10 +1045,7 @@
             <a:normAutofit/>
           </a:bodyPr>
           <a:p>
-            <a:endParaRPr b="0" lang="pt-BR" sz="2800" spc="-1" strike="noStrike">
-              <a:solidFill>
-                <a:srgbClr val="000000"/>
-              </a:solidFill>
+            <a:endParaRPr b="0" lang="pt-BR" sz="3200" spc="-1" strike="noStrike">
               <a:latin typeface="Arial"/>
             </a:endParaRPr>
           </a:p>
@@ -1143,10 +1075,7 @@
             <a:normAutofit/>
           </a:bodyPr>
           <a:p>
-            <a:endParaRPr b="0" lang="pt-BR" sz="2800" spc="-1" strike="noStrike">
-              <a:solidFill>
-                <a:srgbClr val="000000"/>
-              </a:solidFill>
+            <a:endParaRPr b="0" lang="pt-BR" sz="3200" spc="-1" strike="noStrike">
               <a:latin typeface="Arial"/>
             </a:endParaRPr>
           </a:p>
@@ -1186,8 +1115,8 @@
         </p:nvSpPr>
         <p:spPr>
           <a:xfrm>
-            <a:off x="692640" y="178200"/>
-            <a:ext cx="8689320" cy="1341000"/>
+            <a:off x="692640" y="375120"/>
+            <a:ext cx="8688600" cy="946800"/>
           </a:xfrm>
           <a:prstGeom prst="rect">
             <a:avLst/>
@@ -1198,10 +1127,8 @@
             <a:spAutoFit/>
           </a:bodyPr>
           <a:p>
-            <a:endParaRPr b="0" lang="pt-BR" sz="1800" spc="-1" strike="noStrike">
-              <a:solidFill>
-                <a:srgbClr val="000000"/>
-              </a:solidFill>
+            <a:pPr algn="ctr"/>
+            <a:endParaRPr b="0" lang="pt-BR" sz="4400" spc="-1" strike="noStrike">
               <a:latin typeface="Arial"/>
             </a:endParaRPr>
           </a:p>
@@ -1231,10 +1158,7 @@
             <a:normAutofit/>
           </a:bodyPr>
           <a:p>
-            <a:endParaRPr b="0" lang="pt-BR" sz="2800" spc="-1" strike="noStrike">
-              <a:solidFill>
-                <a:srgbClr val="000000"/>
-              </a:solidFill>
+            <a:endParaRPr b="0" lang="pt-BR" sz="3200" spc="-1" strike="noStrike">
               <a:latin typeface="Arial"/>
             </a:endParaRPr>
           </a:p>
@@ -1264,10 +1188,7 @@
             <a:normAutofit/>
           </a:bodyPr>
           <a:p>
-            <a:endParaRPr b="0" lang="pt-BR" sz="2800" spc="-1" strike="noStrike">
-              <a:solidFill>
-                <a:srgbClr val="000000"/>
-              </a:solidFill>
+            <a:endParaRPr b="0" lang="pt-BR" sz="3200" spc="-1" strike="noStrike">
               <a:latin typeface="Arial"/>
             </a:endParaRPr>
           </a:p>
@@ -1297,10 +1218,7 @@
             <a:normAutofit/>
           </a:bodyPr>
           <a:p>
-            <a:endParaRPr b="0" lang="pt-BR" sz="2800" spc="-1" strike="noStrike">
-              <a:solidFill>
-                <a:srgbClr val="000000"/>
-              </a:solidFill>
+            <a:endParaRPr b="0" lang="pt-BR" sz="3200" spc="-1" strike="noStrike">
               <a:latin typeface="Arial"/>
             </a:endParaRPr>
           </a:p>
@@ -1340,8 +1258,8 @@
         </p:nvSpPr>
         <p:spPr>
           <a:xfrm>
-            <a:off x="692640" y="178200"/>
-            <a:ext cx="8689320" cy="1341000"/>
+            <a:off x="692640" y="375120"/>
+            <a:ext cx="8688600" cy="946800"/>
           </a:xfrm>
           <a:prstGeom prst="rect">
             <a:avLst/>
@@ -1352,10 +1270,8 @@
             <a:spAutoFit/>
           </a:bodyPr>
           <a:p>
-            <a:endParaRPr b="0" lang="pt-BR" sz="1800" spc="-1" strike="noStrike">
-              <a:solidFill>
-                <a:srgbClr val="000000"/>
-              </a:solidFill>
+            <a:pPr algn="ctr"/>
+            <a:endParaRPr b="0" lang="pt-BR" sz="4400" spc="-1" strike="noStrike">
               <a:latin typeface="Arial"/>
             </a:endParaRPr>
           </a:p>
@@ -1385,10 +1301,7 @@
             <a:normAutofit/>
           </a:bodyPr>
           <a:p>
-            <a:endParaRPr b="0" lang="pt-BR" sz="2800" spc="-1" strike="noStrike">
-              <a:solidFill>
-                <a:srgbClr val="000000"/>
-              </a:solidFill>
+            <a:endParaRPr b="0" lang="pt-BR" sz="3200" spc="-1" strike="noStrike">
               <a:latin typeface="Arial"/>
             </a:endParaRPr>
           </a:p>
@@ -1418,10 +1331,7 @@
             <a:normAutofit/>
           </a:bodyPr>
           <a:p>
-            <a:endParaRPr b="0" lang="pt-BR" sz="2800" spc="-1" strike="noStrike">
-              <a:solidFill>
-                <a:srgbClr val="000000"/>
-              </a:solidFill>
+            <a:endParaRPr b="0" lang="pt-BR" sz="3200" spc="-1" strike="noStrike">
               <a:latin typeface="Arial"/>
             </a:endParaRPr>
           </a:p>
@@ -1451,10 +1361,7 @@
             <a:normAutofit/>
           </a:bodyPr>
           <a:p>
-            <a:endParaRPr b="0" lang="pt-BR" sz="2800" spc="-1" strike="noStrike">
-              <a:solidFill>
-                <a:srgbClr val="000000"/>
-              </a:solidFill>
+            <a:endParaRPr b="0" lang="pt-BR" sz="3200" spc="-1" strike="noStrike">
               <a:latin typeface="Arial"/>
             </a:endParaRPr>
           </a:p>
@@ -1501,8 +1408,8 @@
         </p:nvSpPr>
         <p:spPr>
           <a:xfrm>
-            <a:off x="692640" y="178200"/>
-            <a:ext cx="8689320" cy="1341000"/>
+            <a:off x="692640" y="375120"/>
+            <a:ext cx="8688600" cy="946800"/>
           </a:xfrm>
           <a:prstGeom prst="rect">
             <a:avLst/>
@@ -1514,18 +1421,12 @@
           </a:bodyPr>
           <a:p>
             <a:r>
-              <a:rPr b="0" lang="pt-BR" sz="4400" spc="-1" strike="noStrike">
-                <a:solidFill>
-                  <a:srgbClr val="000000"/>
-                </a:solidFill>
+              <a:rPr b="0" lang="pt-BR" sz="1800" spc="-1" strike="noStrike">
                 <a:latin typeface="Arial"/>
               </a:rPr>
               <a:t>Clique para editar o formato do texto do título</a:t>
             </a:r>
-            <a:endParaRPr b="0" lang="pt-BR" sz="4400" spc="-1" strike="noStrike">
-              <a:solidFill>
-                <a:srgbClr val="000000"/>
-              </a:solidFill>
+            <a:endParaRPr b="0" lang="pt-BR" sz="1800" spc="-1" strike="noStrike">
               <a:latin typeface="Arial"/>
             </a:endParaRPr>
           </a:p>
@@ -1552,7 +1453,7 @@
         </p:spPr>
         <p:txBody>
           <a:bodyPr lIns="0" rIns="0" tIns="0" bIns="0">
-            <a:normAutofit/>
+            <a:normAutofit fontScale="94000"/>
           </a:bodyPr>
           <a:p>
             <a:pPr marL="432000" indent="-324000">
@@ -1567,18 +1468,12 @@
               <a:buChar char=""/>
             </a:pPr>
             <a:r>
-              <a:rPr b="0" lang="pt-BR" sz="2800" spc="-1" strike="noStrike">
-                <a:solidFill>
-                  <a:srgbClr val="000000"/>
-                </a:solidFill>
+              <a:rPr b="0" lang="pt-BR" sz="3200" spc="-1" strike="noStrike">
                 <a:latin typeface="Arial"/>
               </a:rPr>
               <a:t>Clique para editar o formato do texto da estrutura de tópicos</a:t>
             </a:r>
-            <a:endParaRPr b="0" lang="pt-BR" sz="2800" spc="-1" strike="noStrike">
-              <a:solidFill>
-                <a:srgbClr val="000000"/>
-              </a:solidFill>
+            <a:endParaRPr b="0" lang="pt-BR" sz="3200" spc="-1" strike="noStrike">
               <a:latin typeface="Arial"/>
             </a:endParaRPr>
           </a:p>
@@ -1595,18 +1490,12 @@
               <a:buChar char=""/>
             </a:pPr>
             <a:r>
-              <a:rPr b="0" lang="pt-BR" sz="2000" spc="-1" strike="noStrike">
-                <a:solidFill>
-                  <a:srgbClr val="000000"/>
-                </a:solidFill>
+              <a:rPr b="0" lang="pt-BR" sz="2800" spc="-1" strike="noStrike">
                 <a:latin typeface="Arial"/>
               </a:rPr>
               <a:t>2.º nível da estrutura de tópicos</a:t>
             </a:r>
-            <a:endParaRPr b="0" lang="pt-BR" sz="2000" spc="-1" strike="noStrike">
-              <a:solidFill>
-                <a:srgbClr val="000000"/>
-              </a:solidFill>
+            <a:endParaRPr b="0" lang="pt-BR" sz="2800" spc="-1" strike="noStrike">
               <a:latin typeface="Arial"/>
             </a:endParaRPr>
           </a:p>
@@ -1623,18 +1512,12 @@
               <a:buChar char=""/>
             </a:pPr>
             <a:r>
-              <a:rPr b="0" lang="pt-BR" sz="1800" spc="-1" strike="noStrike">
-                <a:solidFill>
-                  <a:srgbClr val="000000"/>
-                </a:solidFill>
+              <a:rPr b="0" lang="pt-BR" sz="2400" spc="-1" strike="noStrike">
                 <a:latin typeface="Arial"/>
               </a:rPr>
               <a:t>3.º nível da estrutura de tópicos</a:t>
             </a:r>
-            <a:endParaRPr b="0" lang="pt-BR" sz="1800" spc="-1" strike="noStrike">
-              <a:solidFill>
-                <a:srgbClr val="000000"/>
-              </a:solidFill>
+            <a:endParaRPr b="0" lang="pt-BR" sz="2400" spc="-1" strike="noStrike">
               <a:latin typeface="Arial"/>
             </a:endParaRPr>
           </a:p>
@@ -1651,18 +1534,12 @@
               <a:buChar char=""/>
             </a:pPr>
             <a:r>
-              <a:rPr b="0" lang="pt-BR" sz="1800" spc="-1" strike="noStrike">
-                <a:solidFill>
-                  <a:srgbClr val="000000"/>
-                </a:solidFill>
+              <a:rPr b="0" lang="pt-BR" sz="2000" spc="-1" strike="noStrike">
                 <a:latin typeface="Arial"/>
               </a:rPr>
               <a:t>4.º nível da estrutura de tópicos</a:t>
             </a:r>
-            <a:endParaRPr b="0" lang="pt-BR" sz="1800" spc="-1" strike="noStrike">
-              <a:solidFill>
-                <a:srgbClr val="000000"/>
-              </a:solidFill>
+            <a:endParaRPr b="0" lang="pt-BR" sz="2000" spc="-1" strike="noStrike">
               <a:latin typeface="Arial"/>
             </a:endParaRPr>
           </a:p>
@@ -1680,17 +1557,11 @@
             </a:pPr>
             <a:r>
               <a:rPr b="0" lang="pt-BR" sz="2000" spc="-1" strike="noStrike">
-                <a:solidFill>
-                  <a:srgbClr val="000000"/>
-                </a:solidFill>
                 <a:latin typeface="Arial"/>
               </a:rPr>
               <a:t>5.º nível da estrutura de tópicos</a:t>
             </a:r>
             <a:endParaRPr b="0" lang="pt-BR" sz="2000" spc="-1" strike="noStrike">
-              <a:solidFill>
-                <a:srgbClr val="000000"/>
-              </a:solidFill>
               <a:latin typeface="Arial"/>
             </a:endParaRPr>
           </a:p>
@@ -1708,17 +1579,11 @@
             </a:pPr>
             <a:r>
               <a:rPr b="0" lang="pt-BR" sz="2000" spc="-1" strike="noStrike">
-                <a:solidFill>
-                  <a:srgbClr val="000000"/>
-                </a:solidFill>
                 <a:latin typeface="Arial"/>
               </a:rPr>
               <a:t>6.º nível da estrutura de tópicos</a:t>
             </a:r>
             <a:endParaRPr b="0" lang="pt-BR" sz="2000" spc="-1" strike="noStrike">
-              <a:solidFill>
-                <a:srgbClr val="000000"/>
-              </a:solidFill>
               <a:latin typeface="Arial"/>
             </a:endParaRPr>
           </a:p>
@@ -1736,17 +1601,11 @@
             </a:pPr>
             <a:r>
               <a:rPr b="0" lang="pt-BR" sz="2000" spc="-1" strike="noStrike">
-                <a:solidFill>
-                  <a:srgbClr val="000000"/>
-                </a:solidFill>
                 <a:latin typeface="Arial"/>
               </a:rPr>
               <a:t>7.º nível da estrutura de tópicos</a:t>
             </a:r>
             <a:endParaRPr b="0" lang="pt-BR" sz="2000" spc="-1" strike="noStrike">
-              <a:solidFill>
-                <a:srgbClr val="000000"/>
-              </a:solidFill>
               <a:latin typeface="Arial"/>
             </a:endParaRPr>
           </a:p>
@@ -1798,7 +1657,7 @@
         <p:spPr>
           <a:xfrm>
             <a:off x="471960" y="226440"/>
-            <a:ext cx="950400" cy="758520"/>
+            <a:ext cx="949680" cy="757800"/>
           </a:xfrm>
           <a:prstGeom prst="rect">
             <a:avLst/>
@@ -1872,7 +1731,7 @@
         <p:spPr>
           <a:xfrm>
             <a:off x="432000" y="1729440"/>
-            <a:ext cx="1253160" cy="1059840"/>
+            <a:ext cx="1252440" cy="1059120"/>
           </a:xfrm>
           <a:prstGeom prst="ellipse">
             <a:avLst/>
@@ -1932,7 +1791,7 @@
         <p:spPr>
           <a:xfrm>
             <a:off x="948960" y="988200"/>
-            <a:ext cx="171360" cy="738000"/>
+            <a:ext cx="170640" cy="737280"/>
           </a:xfrm>
           <a:custGeom>
             <a:avLst/>
@@ -1980,7 +1839,7 @@
         <p:spPr>
           <a:xfrm>
             <a:off x="-243360" y="1053720"/>
-            <a:ext cx="1361160" cy="394200"/>
+            <a:ext cx="1360440" cy="394200"/>
           </a:xfrm>
           <a:prstGeom prst="rect">
             <a:avLst/>
@@ -2064,7 +1923,7 @@
         <p:spPr>
           <a:xfrm>
             <a:off x="1123200" y="2792520"/>
-            <a:ext cx="360" cy="660240"/>
+            <a:ext cx="360" cy="659520"/>
           </a:xfrm>
           <a:custGeom>
             <a:avLst/>
@@ -2112,7 +1971,7 @@
         <p:spPr>
           <a:xfrm>
             <a:off x="324360" y="3565080"/>
-            <a:ext cx="1670760" cy="454680"/>
+            <a:ext cx="1670040" cy="454680"/>
           </a:xfrm>
           <a:prstGeom prst="rect">
             <a:avLst/>
@@ -2183,7 +2042,7 @@
         <p:spPr>
           <a:xfrm>
             <a:off x="6912000" y="85680"/>
-            <a:ext cx="2805480" cy="638280"/>
+            <a:ext cx="2804760" cy="638280"/>
           </a:xfrm>
           <a:prstGeom prst="rect">
             <a:avLst/>
@@ -2267,7 +2126,7 @@
         <p:spPr>
           <a:xfrm>
             <a:off x="2448000" y="1656000"/>
-            <a:ext cx="1221480" cy="1077480"/>
+            <a:ext cx="1220760" cy="1076760"/>
           </a:xfrm>
           <a:prstGeom prst="ellipse">
             <a:avLst/>
@@ -2326,8 +2185,8 @@
         </p:nvSpPr>
         <p:spPr>
           <a:xfrm flipH="1">
-            <a:off x="1587600" y="2647800"/>
-            <a:ext cx="1051560" cy="789480"/>
+            <a:off x="1586880" y="2647800"/>
+            <a:ext cx="1050840" cy="788760"/>
           </a:xfrm>
           <a:custGeom>
             <a:avLst/>
@@ -2376,7 +2235,7 @@
         <p:spPr>
           <a:xfrm>
             <a:off x="2088000" y="1056960"/>
-            <a:ext cx="839880" cy="454680"/>
+            <a:ext cx="839160" cy="454680"/>
           </a:xfrm>
           <a:prstGeom prst="rect">
             <a:avLst/>
@@ -2427,7 +2286,7 @@
         <p:spPr>
           <a:xfrm>
             <a:off x="2808000" y="360000"/>
-            <a:ext cx="839880" cy="789480"/>
+            <a:ext cx="839160" cy="788760"/>
           </a:xfrm>
           <a:prstGeom prst="rect">
             <a:avLst/>
@@ -2500,8 +2359,8 @@
         </p:nvSpPr>
         <p:spPr>
           <a:xfrm flipV="1">
-            <a:off x="3108960" y="1149120"/>
-            <a:ext cx="128520" cy="501480"/>
+            <a:off x="3108960" y="1148400"/>
+            <a:ext cx="127800" cy="500760"/>
           </a:xfrm>
           <a:custGeom>
             <a:avLst/>
@@ -2615,7 +2474,7 @@
         <p:spPr>
           <a:xfrm>
             <a:off x="2160000" y="3576960"/>
-            <a:ext cx="1670760" cy="272160"/>
+            <a:ext cx="1670040" cy="272160"/>
           </a:xfrm>
           <a:prstGeom prst="rect">
             <a:avLst/>
@@ -2665,8 +2524,8 @@
         </p:nvSpPr>
         <p:spPr>
           <a:xfrm flipH="1" flipV="1" rot="205800">
-            <a:off x="3019680" y="2754720"/>
-            <a:ext cx="45360" cy="717480"/>
+            <a:off x="3016440" y="2752560"/>
+            <a:ext cx="44640" cy="717480"/>
           </a:xfrm>
           <a:custGeom>
             <a:avLst/>
@@ -2781,7 +2640,7 @@
         <p:spPr>
           <a:xfrm>
             <a:off x="3833280" y="3600000"/>
-            <a:ext cx="1273320" cy="394200"/>
+            <a:ext cx="1272600" cy="394200"/>
           </a:xfrm>
           <a:prstGeom prst="rect">
             <a:avLst/>
@@ -2830,9 +2689,9 @@
           <p:nvPr/>
         </p:nvSpPr>
         <p:spPr>
-          <a:xfrm flipH="1" flipV="1">
-            <a:off x="3580920" y="2589120"/>
-            <a:ext cx="878400" cy="861480"/>
+          <a:xfrm flipH="1">
+            <a:off x="3580200" y="936000"/>
+            <a:ext cx="1697040" cy="1295640"/>
           </a:xfrm>
           <a:custGeom>
             <a:avLst/>
@@ -2879,69 +2738,9 @@
           <p:nvPr/>
         </p:nvSpPr>
         <p:spPr>
-          <a:xfrm>
-            <a:off x="5112000" y="1800000"/>
-            <a:ext cx="1127520" cy="1077480"/>
-          </a:xfrm>
-          <a:prstGeom prst="ellipse">
-            <a:avLst/>
-          </a:prstGeom>
-          <a:ln>
-            <a:solidFill>
-              <a:srgbClr val="111111"/>
-            </a:solidFill>
-          </a:ln>
-        </p:spPr>
-        <p:style>
-          <a:lnRef idx="2">
-            <a:schemeClr val="accent6">
-              <a:shade val="50000"/>
-            </a:schemeClr>
-          </a:lnRef>
-          <a:fillRef idx="1">
-            <a:schemeClr val="accent6"/>
-          </a:fillRef>
-          <a:effectRef idx="0">
-            <a:schemeClr val="accent6"/>
-          </a:effectRef>
-          <a:fontRef idx="minor"/>
-        </p:style>
-        <p:txBody>
-          <a:bodyPr lIns="90000" rIns="90000" tIns="45000" bIns="45000" anchor="ctr">
-            <a:noAutofit/>
-          </a:bodyPr>
-          <a:p>
-            <a:pPr algn="ctr">
-              <a:lnSpc>
-                <a:spcPct val="100000"/>
-              </a:lnSpc>
-            </a:pPr>
-            <a:r>
-              <a:rPr b="0" lang="pt-BR" sz="1050" spc="-1" strike="noStrike">
-                <a:solidFill>
-                  <a:srgbClr val="000000"/>
-                </a:solidFill>
-                <a:latin typeface="Arial"/>
-                <a:ea typeface="DejaVu Sans"/>
-              </a:rPr>
-              <a:t>Emitir Ordem  de produção</a:t>
-            </a:r>
-            <a:endParaRPr b="0" lang="pt-BR" sz="1050" spc="-1" strike="noStrike">
-              <a:latin typeface="Arial"/>
-            </a:endParaRPr>
-          </a:p>
-        </p:txBody>
-      </p:sp>
-      <p:sp>
-        <p:nvSpPr>
-          <p:cNvPr id="61" name="CustomShape 24"/>
-          <p:cNvSpPr/>
-          <p:nvPr/>
-        </p:nvSpPr>
-        <p:spPr>
-          <a:xfrm flipV="1">
-            <a:off x="4610520" y="2733840"/>
-            <a:ext cx="573120" cy="740160"/>
+          <a:xfrm flipH="1" flipV="1">
+            <a:off x="3527280" y="2591280"/>
+            <a:ext cx="1007640" cy="880920"/>
           </a:xfrm>
           <a:custGeom>
             <a:avLst/>
@@ -2983,7 +2782,7 @@
       </p:sp>
       <p:sp>
         <p:nvSpPr>
-          <p:cNvPr id="62" name="Line 25"/>
+          <p:cNvPr id="61" name="Line 24"/>
           <p:cNvSpPr/>
           <p:nvPr/>
         </p:nvSpPr>
@@ -3016,7 +2815,7 @@
       </p:sp>
       <p:sp>
         <p:nvSpPr>
-          <p:cNvPr id="63" name="Line 26"/>
+          <p:cNvPr id="62" name="Line 25"/>
           <p:cNvSpPr/>
           <p:nvPr/>
         </p:nvSpPr>
@@ -3049,7 +2848,7 @@
       </p:sp>
       <p:sp>
         <p:nvSpPr>
-          <p:cNvPr id="64" name="Line 27"/>
+          <p:cNvPr id="63" name="Line 26"/>
           <p:cNvSpPr/>
           <p:nvPr/>
         </p:nvSpPr>
@@ -3082,14 +2881,14 @@
       </p:sp>
       <p:sp>
         <p:nvSpPr>
-          <p:cNvPr id="65" name="CustomShape 28"/>
+          <p:cNvPr id="64" name="CustomShape 27"/>
           <p:cNvSpPr/>
           <p:nvPr/>
         </p:nvSpPr>
         <p:spPr>
           <a:xfrm>
             <a:off x="5184000" y="3600000"/>
-            <a:ext cx="1273320" cy="394200"/>
+            <a:ext cx="1272600" cy="394200"/>
           </a:xfrm>
           <a:prstGeom prst="rect">
             <a:avLst/>
@@ -3133,63 +2932,14 @@
       </p:sp>
       <p:sp>
         <p:nvSpPr>
-          <p:cNvPr id="66" name="CustomShape 29"/>
-          <p:cNvSpPr/>
-          <p:nvPr/>
-        </p:nvSpPr>
-        <p:spPr>
-          <a:xfrm flipH="1" flipV="1">
-            <a:off x="5757480" y="2877120"/>
-            <a:ext cx="91440" cy="573480"/>
-          </a:xfrm>
-          <a:custGeom>
-            <a:avLst/>
-            <a:gdLst/>
-            <a:ahLst/>
-            <a:rect l="l" t="t" r="r" b="b"/>
-            <a:pathLst>
-              <a:path w="21600" h="21600">
-                <a:moveTo>
-                  <a:pt x="0" y="0"/>
-                </a:moveTo>
-                <a:lnTo>
-                  <a:pt x="21600" y="21600"/>
-                </a:lnTo>
-              </a:path>
-            </a:pathLst>
-          </a:custGeom>
-          <a:noFill/>
-          <a:ln>
-            <a:solidFill>
-              <a:schemeClr val="tx1"/>
-            </a:solidFill>
-            <a:headEnd len="med" type="triangle" w="med"/>
-            <a:tailEnd len="med" type="triangle" w="med"/>
-          </a:ln>
-        </p:spPr>
-        <p:style>
-          <a:lnRef idx="1">
-            <a:schemeClr val="accent1"/>
-          </a:lnRef>
-          <a:fillRef idx="0">
-            <a:schemeClr val="accent1"/>
-          </a:fillRef>
-          <a:effectRef idx="0">
-            <a:schemeClr val="accent1"/>
-          </a:effectRef>
-          <a:fontRef idx="minor"/>
-        </p:style>
-      </p:sp>
-      <p:sp>
-        <p:nvSpPr>
-          <p:cNvPr id="67" name="CustomShape 30"/>
+          <p:cNvPr id="65" name="CustomShape 28"/>
           <p:cNvSpPr/>
           <p:nvPr/>
         </p:nvSpPr>
         <p:spPr>
           <a:xfrm>
             <a:off x="5277960" y="432000"/>
-            <a:ext cx="839880" cy="789480"/>
+            <a:ext cx="839160" cy="788760"/>
           </a:xfrm>
           <a:prstGeom prst="rect">
             <a:avLst/>
@@ -3256,62 +3006,14 @@
       </p:sp>
       <p:sp>
         <p:nvSpPr>
-          <p:cNvPr id="68" name="CustomShape 31"/>
-          <p:cNvSpPr/>
-          <p:nvPr/>
-        </p:nvSpPr>
-        <p:spPr>
-          <a:xfrm flipV="1">
-            <a:off x="5687640" y="1221840"/>
-            <a:ext cx="360" cy="573480"/>
-          </a:xfrm>
-          <a:custGeom>
-            <a:avLst/>
-            <a:gdLst/>
-            <a:ahLst/>
-            <a:rect l="l" t="t" r="r" b="b"/>
-            <a:pathLst>
-              <a:path w="21600" h="21600">
-                <a:moveTo>
-                  <a:pt x="0" y="0"/>
-                </a:moveTo>
-                <a:lnTo>
-                  <a:pt x="21600" y="21600"/>
-                </a:lnTo>
-              </a:path>
-            </a:pathLst>
-          </a:custGeom>
-          <a:noFill/>
-          <a:ln>
-            <a:solidFill>
-              <a:schemeClr val="tx1"/>
-            </a:solidFill>
-            <a:tailEnd len="med" type="triangle" w="med"/>
-          </a:ln>
-        </p:spPr>
-        <p:style>
-          <a:lnRef idx="1">
-            <a:schemeClr val="accent1"/>
-          </a:lnRef>
-          <a:fillRef idx="0">
-            <a:schemeClr val="accent1"/>
-          </a:fillRef>
-          <a:effectRef idx="0">
-            <a:schemeClr val="accent1"/>
-          </a:effectRef>
-          <a:fontRef idx="minor"/>
-        </p:style>
-      </p:sp>
-      <p:sp>
-        <p:nvSpPr>
-          <p:cNvPr id="69" name="CustomShape 32"/>
-          <p:cNvSpPr/>
-          <p:nvPr/>
-        </p:nvSpPr>
-        <p:spPr>
-          <a:xfrm>
-            <a:off x="4824000" y="1322280"/>
-            <a:ext cx="839880" cy="333000"/>
+          <p:cNvPr id="66" name="CustomShape 29"/>
+          <p:cNvSpPr/>
+          <p:nvPr/>
+        </p:nvSpPr>
+        <p:spPr>
+          <a:xfrm>
+            <a:off x="4344480" y="675000"/>
+            <a:ext cx="839160" cy="333000"/>
           </a:xfrm>
           <a:prstGeom prst="rect">
             <a:avLst/>
@@ -3352,6 +3054,55 @@
             </a:endParaRPr>
           </a:p>
         </p:txBody>
+      </p:sp>
+      <p:sp>
+        <p:nvSpPr>
+          <p:cNvPr id="67" name="CustomShape 30"/>
+          <p:cNvSpPr/>
+          <p:nvPr/>
+        </p:nvSpPr>
+        <p:spPr>
+          <a:xfrm flipH="1" flipV="1">
+            <a:off x="3668400" y="2375280"/>
+            <a:ext cx="2234520" cy="1151640"/>
+          </a:xfrm>
+          <a:custGeom>
+            <a:avLst/>
+            <a:gdLst/>
+            <a:ahLst/>
+            <a:rect l="l" t="t" r="r" b="b"/>
+            <a:pathLst>
+              <a:path w="21600" h="21600">
+                <a:moveTo>
+                  <a:pt x="0" y="0"/>
+                </a:moveTo>
+                <a:lnTo>
+                  <a:pt x="21600" y="21600"/>
+                </a:lnTo>
+              </a:path>
+            </a:pathLst>
+          </a:custGeom>
+          <a:noFill/>
+          <a:ln>
+            <a:solidFill>
+              <a:schemeClr val="tx1"/>
+            </a:solidFill>
+            <a:headEnd len="med" type="triangle" w="med"/>
+            <a:tailEnd len="med" type="triangle" w="med"/>
+          </a:ln>
+        </p:spPr>
+        <p:style>
+          <a:lnRef idx="1">
+            <a:schemeClr val="accent1"/>
+          </a:lnRef>
+          <a:fillRef idx="0">
+            <a:schemeClr val="accent1"/>
+          </a:fillRef>
+          <a:effectRef idx="0">
+            <a:schemeClr val="accent1"/>
+          </a:effectRef>
+          <a:fontRef idx="minor"/>
+        </p:style>
       </p:sp>
     </p:spTree>
   </p:cSld>
@@ -3385,14 +3136,14 @@
       </p:grpSpPr>
       <p:sp>
         <p:nvSpPr>
-          <p:cNvPr id="70" name="CustomShape 1"/>
+          <p:cNvPr id="68" name="CustomShape 1"/>
           <p:cNvSpPr/>
           <p:nvPr/>
         </p:nvSpPr>
         <p:spPr>
           <a:xfrm>
             <a:off x="8309160" y="-74520"/>
-            <a:ext cx="2805480" cy="638280"/>
+            <a:ext cx="2804760" cy="638280"/>
           </a:xfrm>
           <a:prstGeom prst="rect">
             <a:avLst/>
@@ -3436,14 +3187,14 @@
       </p:sp>
       <p:sp>
         <p:nvSpPr>
-          <p:cNvPr id="71" name="CustomShape 2"/>
+          <p:cNvPr id="69" name="CustomShape 2"/>
           <p:cNvSpPr/>
           <p:nvPr/>
         </p:nvSpPr>
         <p:spPr>
           <a:xfrm>
             <a:off x="471960" y="236520"/>
-            <a:ext cx="950400" cy="758520"/>
+            <a:ext cx="949680" cy="757800"/>
           </a:xfrm>
           <a:prstGeom prst="rect">
             <a:avLst/>
@@ -3510,14 +3261,14 @@
       </p:sp>
       <p:sp>
         <p:nvSpPr>
-          <p:cNvPr id="72" name="CustomShape 3"/>
+          <p:cNvPr id="70" name="CustomShape 3"/>
           <p:cNvSpPr/>
           <p:nvPr/>
         </p:nvSpPr>
         <p:spPr>
           <a:xfrm>
             <a:off x="956520" y="997560"/>
-            <a:ext cx="171360" cy="738000"/>
+            <a:ext cx="170640" cy="737280"/>
           </a:xfrm>
           <a:custGeom>
             <a:avLst/>
@@ -3558,14 +3309,14 @@
       </p:sp>
       <p:sp>
         <p:nvSpPr>
-          <p:cNvPr id="73" name="CustomShape 4"/>
+          <p:cNvPr id="71" name="CustomShape 4"/>
           <p:cNvSpPr/>
           <p:nvPr/>
         </p:nvSpPr>
         <p:spPr>
           <a:xfrm>
             <a:off x="76320" y="1109880"/>
-            <a:ext cx="785160" cy="394920"/>
+            <a:ext cx="784440" cy="394200"/>
           </a:xfrm>
           <a:prstGeom prst="rect">
             <a:avLst/>
@@ -3609,14 +3360,14 @@
       </p:sp>
       <p:sp>
         <p:nvSpPr>
-          <p:cNvPr id="74" name="CustomShape 5"/>
+          <p:cNvPr id="72" name="CustomShape 5"/>
           <p:cNvSpPr/>
           <p:nvPr/>
         </p:nvSpPr>
         <p:spPr>
           <a:xfrm>
             <a:off x="576000" y="1745640"/>
-            <a:ext cx="1127520" cy="1059840"/>
+            <a:ext cx="1126800" cy="1059120"/>
           </a:xfrm>
           <a:prstGeom prst="ellipse">
             <a:avLst/>
@@ -3669,7 +3420,7 @@
       </p:sp>
       <p:sp>
         <p:nvSpPr>
-          <p:cNvPr id="75" name="Line 6"/>
+          <p:cNvPr id="73" name="Line 6"/>
           <p:cNvSpPr/>
           <p:nvPr/>
         </p:nvSpPr>
@@ -3702,14 +3453,14 @@
       </p:sp>
       <p:sp>
         <p:nvSpPr>
-          <p:cNvPr id="76" name="CustomShape 7"/>
+          <p:cNvPr id="74" name="CustomShape 7"/>
           <p:cNvSpPr/>
           <p:nvPr/>
         </p:nvSpPr>
         <p:spPr>
           <a:xfrm>
             <a:off x="324360" y="3520800"/>
-            <a:ext cx="1670760" cy="250200"/>
+            <a:ext cx="1670040" cy="249480"/>
           </a:xfrm>
           <a:prstGeom prst="rect">
             <a:avLst/>
@@ -3753,7 +3504,7 @@
       </p:sp>
       <p:sp>
         <p:nvSpPr>
-          <p:cNvPr id="77" name="Line 8"/>
+          <p:cNvPr id="75" name="Line 8"/>
           <p:cNvSpPr/>
           <p:nvPr/>
         </p:nvSpPr>
@@ -3786,14 +3537,14 @@
       </p:sp>
       <p:sp>
         <p:nvSpPr>
-          <p:cNvPr id="78" name="CustomShape 9"/>
+          <p:cNvPr id="76" name="CustomShape 9"/>
           <p:cNvSpPr/>
           <p:nvPr/>
         </p:nvSpPr>
         <p:spPr>
           <a:xfrm>
             <a:off x="1123560" y="2853360"/>
-            <a:ext cx="360" cy="572400"/>
+            <a:ext cx="360" cy="571680"/>
           </a:xfrm>
           <a:custGeom>
             <a:avLst/>
@@ -3834,14 +3585,14 @@
       </p:sp>
       <p:sp>
         <p:nvSpPr>
-          <p:cNvPr id="79" name="CustomShape 10"/>
+          <p:cNvPr id="77" name="CustomShape 10"/>
           <p:cNvSpPr/>
           <p:nvPr/>
         </p:nvSpPr>
         <p:spPr>
           <a:xfrm>
             <a:off x="2088000" y="1800000"/>
-            <a:ext cx="1127520" cy="1059840"/>
+            <a:ext cx="1126800" cy="1059120"/>
           </a:xfrm>
           <a:prstGeom prst="ellipse">
             <a:avLst/>
@@ -3894,14 +3645,14 @@
       </p:sp>
       <p:sp>
         <p:nvSpPr>
-          <p:cNvPr id="80" name="CustomShape 11"/>
+          <p:cNvPr id="78" name="CustomShape 11"/>
           <p:cNvSpPr/>
           <p:nvPr/>
         </p:nvSpPr>
         <p:spPr>
           <a:xfrm flipH="1">
-            <a:off x="1700640" y="2794680"/>
-            <a:ext cx="571320" cy="609480"/>
+            <a:off x="1699920" y="2794680"/>
+            <a:ext cx="570600" cy="608760"/>
           </a:xfrm>
           <a:custGeom>
             <a:avLst/>
@@ -3943,7 +3694,7 @@
       </p:sp>
       <p:sp>
         <p:nvSpPr>
-          <p:cNvPr id="81" name="Line 12"/>
+          <p:cNvPr id="79" name="Line 12"/>
           <p:cNvSpPr/>
           <p:nvPr/>
         </p:nvSpPr>
@@ -3976,7 +3727,7 @@
       </p:sp>
       <p:sp>
         <p:nvSpPr>
-          <p:cNvPr id="82" name="Line 13"/>
+          <p:cNvPr id="80" name="Line 13"/>
           <p:cNvSpPr/>
           <p:nvPr/>
         </p:nvSpPr>
@@ -4009,14 +3760,14 @@
       </p:sp>
       <p:sp>
         <p:nvSpPr>
-          <p:cNvPr id="83" name="CustomShape 14"/>
+          <p:cNvPr id="81" name="CustomShape 14"/>
           <p:cNvSpPr/>
           <p:nvPr/>
         </p:nvSpPr>
         <p:spPr>
           <a:xfrm>
             <a:off x="1872000" y="3565080"/>
-            <a:ext cx="1670760" cy="270360"/>
+            <a:ext cx="1670040" cy="269640"/>
           </a:xfrm>
           <a:prstGeom prst="rect">
             <a:avLst/>
@@ -4035,14 +3786,14 @@
       </p:sp>
       <p:sp>
         <p:nvSpPr>
-          <p:cNvPr id="84" name="CustomShape 15"/>
+          <p:cNvPr id="82" name="CustomShape 15"/>
           <p:cNvSpPr/>
           <p:nvPr/>
         </p:nvSpPr>
         <p:spPr>
           <a:xfrm>
             <a:off x="1926720" y="3565080"/>
-            <a:ext cx="1670760" cy="270360"/>
+            <a:ext cx="1670040" cy="269640"/>
           </a:xfrm>
           <a:prstGeom prst="rect">
             <a:avLst/>
@@ -4061,14 +3812,14 @@
       </p:sp>
       <p:sp>
         <p:nvSpPr>
-          <p:cNvPr id="85" name="CustomShape 16"/>
+          <p:cNvPr id="83" name="CustomShape 16"/>
           <p:cNvSpPr/>
           <p:nvPr/>
         </p:nvSpPr>
         <p:spPr>
           <a:xfrm>
             <a:off x="2079720" y="3528360"/>
-            <a:ext cx="1229760" cy="454680"/>
+            <a:ext cx="1229040" cy="454680"/>
           </a:xfrm>
           <a:prstGeom prst="rect">
             <a:avLst/>
@@ -4112,14 +3863,14 @@
       </p:sp>
       <p:sp>
         <p:nvSpPr>
-          <p:cNvPr id="86" name="CustomShape 17"/>
+          <p:cNvPr id="84" name="CustomShape 17"/>
           <p:cNvSpPr/>
           <p:nvPr/>
         </p:nvSpPr>
         <p:spPr>
           <a:xfrm>
             <a:off x="2842920" y="2901960"/>
-            <a:ext cx="132480" cy="522360"/>
+            <a:ext cx="131760" cy="521640"/>
           </a:xfrm>
           <a:custGeom>
             <a:avLst/>
@@ -4161,14 +3912,14 @@
       </p:sp>
       <p:sp>
         <p:nvSpPr>
-          <p:cNvPr id="87" name="CustomShape 18"/>
+          <p:cNvPr id="85" name="CustomShape 18"/>
           <p:cNvSpPr/>
           <p:nvPr/>
         </p:nvSpPr>
         <p:spPr>
           <a:xfrm>
             <a:off x="3693960" y="1872000"/>
-            <a:ext cx="1127520" cy="1059840"/>
+            <a:ext cx="1126800" cy="1059120"/>
           </a:xfrm>
           <a:prstGeom prst="ellipse">
             <a:avLst/>
@@ -4221,14 +3972,14 @@
       </p:sp>
       <p:sp>
         <p:nvSpPr>
-          <p:cNvPr id="88" name="CustomShape 19"/>
+          <p:cNvPr id="86" name="CustomShape 19"/>
           <p:cNvSpPr/>
           <p:nvPr/>
         </p:nvSpPr>
         <p:spPr>
           <a:xfrm>
             <a:off x="5040000" y="1819080"/>
-            <a:ext cx="1127520" cy="1059840"/>
+            <a:ext cx="1126800" cy="1059120"/>
           </a:xfrm>
           <a:prstGeom prst="ellipse">
             <a:avLst/>
@@ -4281,7 +4032,7 @@
       </p:sp>
       <p:sp>
         <p:nvSpPr>
-          <p:cNvPr id="89" name="Line 20"/>
+          <p:cNvPr id="87" name="Line 20"/>
           <p:cNvSpPr/>
           <p:nvPr/>
         </p:nvSpPr>
@@ -4314,7 +4065,7 @@
       </p:sp>
       <p:sp>
         <p:nvSpPr>
-          <p:cNvPr id="90" name="Line 21"/>
+          <p:cNvPr id="88" name="Line 21"/>
           <p:cNvSpPr/>
           <p:nvPr/>
         </p:nvSpPr>
@@ -4347,7 +4098,7 @@
       </p:sp>
       <p:sp>
         <p:nvSpPr>
-          <p:cNvPr id="91" name="Line 22"/>
+          <p:cNvPr id="89" name="Line 22"/>
           <p:cNvSpPr/>
           <p:nvPr/>
         </p:nvSpPr>
@@ -4380,7 +4131,7 @@
       </p:sp>
       <p:sp>
         <p:nvSpPr>
-          <p:cNvPr id="92" name="Line 23"/>
+          <p:cNvPr id="90" name="Line 23"/>
           <p:cNvSpPr/>
           <p:nvPr/>
         </p:nvSpPr>
@@ -4413,14 +4164,14 @@
       </p:sp>
       <p:sp>
         <p:nvSpPr>
-          <p:cNvPr id="93" name="CustomShape 24"/>
+          <p:cNvPr id="91" name="CustomShape 24"/>
           <p:cNvSpPr/>
           <p:nvPr/>
         </p:nvSpPr>
         <p:spPr>
           <a:xfrm>
             <a:off x="5899320" y="3567240"/>
-            <a:ext cx="1229760" cy="455400"/>
+            <a:ext cx="1229040" cy="454680"/>
           </a:xfrm>
           <a:prstGeom prst="rect">
             <a:avLst/>
@@ -4464,14 +4215,14 @@
       </p:sp>
       <p:sp>
         <p:nvSpPr>
-          <p:cNvPr id="94" name="CustomShape 25"/>
+          <p:cNvPr id="92" name="CustomShape 25"/>
           <p:cNvSpPr/>
           <p:nvPr/>
         </p:nvSpPr>
         <p:spPr>
           <a:xfrm flipH="1">
-            <a:off x="6645960" y="2449440"/>
-            <a:ext cx="1127520" cy="933480"/>
+            <a:off x="6645240" y="2449440"/>
+            <a:ext cx="1126800" cy="932760"/>
           </a:xfrm>
           <a:custGeom>
             <a:avLst/>
@@ -4513,7 +4264,7 @@
       </p:sp>
       <p:sp>
         <p:nvSpPr>
-          <p:cNvPr id="95" name="Line 26"/>
+          <p:cNvPr id="93" name="Line 26"/>
           <p:cNvSpPr/>
           <p:nvPr/>
         </p:nvSpPr>
@@ -4546,7 +4297,7 @@
       </p:sp>
       <p:sp>
         <p:nvSpPr>
-          <p:cNvPr id="96" name="Line 27"/>
+          <p:cNvPr id="94" name="Line 27"/>
           <p:cNvSpPr/>
           <p:nvPr/>
         </p:nvSpPr>
@@ -4579,14 +4330,14 @@
       </p:sp>
       <p:sp>
         <p:nvSpPr>
-          <p:cNvPr id="97" name="CustomShape 28"/>
+          <p:cNvPr id="95" name="CustomShape 28"/>
           <p:cNvSpPr/>
           <p:nvPr/>
         </p:nvSpPr>
         <p:spPr>
           <a:xfrm>
             <a:off x="7949880" y="3491640"/>
-            <a:ext cx="1293480" cy="454680"/>
+            <a:ext cx="1292760" cy="454680"/>
           </a:xfrm>
           <a:prstGeom prst="rect">
             <a:avLst/>
@@ -4630,14 +4381,14 @@
       </p:sp>
       <p:sp>
         <p:nvSpPr>
-          <p:cNvPr id="98" name="CustomShape 29"/>
+          <p:cNvPr id="96" name="CustomShape 29"/>
           <p:cNvSpPr/>
           <p:nvPr/>
         </p:nvSpPr>
         <p:spPr>
           <a:xfrm>
             <a:off x="8649360" y="2623320"/>
-            <a:ext cx="307440" cy="780840"/>
+            <a:ext cx="306720" cy="780120"/>
           </a:xfrm>
           <a:custGeom>
             <a:avLst/>
@@ -4679,7 +4430,7 @@
       </p:sp>
       <p:sp>
         <p:nvSpPr>
-          <p:cNvPr id="99" name="Line 30"/>
+          <p:cNvPr id="97" name="Line 30"/>
           <p:cNvSpPr/>
           <p:nvPr/>
         </p:nvSpPr>
@@ -4712,14 +4463,14 @@
       </p:sp>
       <p:sp>
         <p:nvSpPr>
-          <p:cNvPr id="100" name="CustomShape 31"/>
+          <p:cNvPr id="98" name="CustomShape 31"/>
           <p:cNvSpPr/>
           <p:nvPr/>
         </p:nvSpPr>
         <p:spPr>
           <a:xfrm>
             <a:off x="3796200" y="3567600"/>
-            <a:ext cx="1229760" cy="454680"/>
+            <a:ext cx="1229040" cy="454680"/>
           </a:xfrm>
           <a:prstGeom prst="rect">
             <a:avLst/>
@@ -4763,7 +4514,7 @@
       </p:sp>
       <p:sp>
         <p:nvSpPr>
-          <p:cNvPr id="101" name="Line 32"/>
+          <p:cNvPr id="99" name="Line 32"/>
           <p:cNvSpPr/>
           <p:nvPr/>
         </p:nvSpPr>
@@ -4796,14 +4547,14 @@
       </p:sp>
       <p:sp>
         <p:nvSpPr>
-          <p:cNvPr id="102" name="CustomShape 33"/>
+          <p:cNvPr id="100" name="CustomShape 33"/>
           <p:cNvSpPr/>
           <p:nvPr/>
         </p:nvSpPr>
         <p:spPr>
           <a:xfrm flipH="1">
-            <a:off x="4486680" y="2876040"/>
-            <a:ext cx="63000" cy="576360"/>
+            <a:off x="4485960" y="2876040"/>
+            <a:ext cx="62280" cy="575640"/>
           </a:xfrm>
           <a:custGeom>
             <a:avLst/>
@@ -4845,14 +4596,14 @@
       </p:sp>
       <p:sp>
         <p:nvSpPr>
-          <p:cNvPr id="103" name="CustomShape 34"/>
+          <p:cNvPr id="101" name="CustomShape 34"/>
           <p:cNvSpPr/>
           <p:nvPr/>
         </p:nvSpPr>
         <p:spPr>
           <a:xfrm flipH="1">
-            <a:off x="4954680" y="2808000"/>
-            <a:ext cx="371520" cy="616320"/>
+            <a:off x="4953960" y="2808000"/>
+            <a:ext cx="370800" cy="615600"/>
           </a:xfrm>
           <a:custGeom>
             <a:avLst/>
@@ -4894,14 +4645,14 @@
       </p:sp>
       <p:sp>
         <p:nvSpPr>
-          <p:cNvPr id="104" name="CustomShape 35"/>
+          <p:cNvPr id="102" name="CustomShape 35"/>
           <p:cNvSpPr/>
           <p:nvPr/>
         </p:nvSpPr>
         <p:spPr>
           <a:xfrm>
             <a:off x="5766480" y="2876040"/>
-            <a:ext cx="475200" cy="506880"/>
+            <a:ext cx="474480" cy="506160"/>
           </a:xfrm>
           <a:custGeom>
             <a:avLst/>
@@ -4943,14 +4694,14 @@
       </p:sp>
       <p:sp>
         <p:nvSpPr>
-          <p:cNvPr id="105" name="CustomShape 36"/>
+          <p:cNvPr id="103" name="CustomShape 36"/>
           <p:cNvSpPr/>
           <p:nvPr/>
         </p:nvSpPr>
         <p:spPr>
           <a:xfrm flipH="1">
-            <a:off x="3289320" y="2808000"/>
-            <a:ext cx="520920" cy="571320"/>
+            <a:off x="3288600" y="2808000"/>
+            <a:ext cx="520200" cy="570600"/>
           </a:xfrm>
           <a:custGeom>
             <a:avLst/>
@@ -4992,14 +4743,14 @@
       </p:sp>
       <p:sp>
         <p:nvSpPr>
-          <p:cNvPr id="106" name="CustomShape 37"/>
+          <p:cNvPr id="104" name="CustomShape 37"/>
           <p:cNvSpPr/>
           <p:nvPr/>
         </p:nvSpPr>
         <p:spPr>
           <a:xfrm>
             <a:off x="7755840" y="1352160"/>
-            <a:ext cx="1415520" cy="1221480"/>
+            <a:ext cx="1414800" cy="1220760"/>
           </a:xfrm>
           <a:prstGeom prst="ellipse">
             <a:avLst/>
@@ -5052,14 +4803,14 @@
       </p:sp>
       <p:sp>
         <p:nvSpPr>
-          <p:cNvPr id="107" name="CustomShape 38"/>
+          <p:cNvPr id="105" name="CustomShape 38"/>
           <p:cNvSpPr/>
           <p:nvPr/>
         </p:nvSpPr>
         <p:spPr>
           <a:xfrm>
             <a:off x="471960" y="246600"/>
-            <a:ext cx="950400" cy="758520"/>
+            <a:ext cx="949680" cy="757800"/>
           </a:xfrm>
           <a:prstGeom prst="rect">
             <a:avLst/>
@@ -5126,14 +4877,14 @@
       </p:sp>
       <p:sp>
         <p:nvSpPr>
-          <p:cNvPr id="108" name="CustomShape 39"/>
+          <p:cNvPr id="106" name="CustomShape 39"/>
           <p:cNvSpPr/>
           <p:nvPr/>
         </p:nvSpPr>
         <p:spPr>
           <a:xfrm>
             <a:off x="7085160" y="127800"/>
-            <a:ext cx="950400" cy="758520"/>
+            <a:ext cx="949680" cy="757800"/>
           </a:xfrm>
           <a:prstGeom prst="rect">
             <a:avLst/>
@@ -5200,14 +4951,14 @@
       </p:sp>
       <p:sp>
         <p:nvSpPr>
-          <p:cNvPr id="109" name="CustomShape 40"/>
+          <p:cNvPr id="107" name="CustomShape 40"/>
           <p:cNvSpPr/>
           <p:nvPr/>
         </p:nvSpPr>
         <p:spPr>
           <a:xfrm flipH="1" flipV="1">
-            <a:off x="7659720" y="918360"/>
-            <a:ext cx="430920" cy="502920"/>
+            <a:off x="7659000" y="917640"/>
+            <a:ext cx="430200" cy="502200"/>
           </a:xfrm>
           <a:custGeom>
             <a:avLst/>
@@ -5248,14 +4999,14 @@
       </p:sp>
       <p:sp>
         <p:nvSpPr>
-          <p:cNvPr id="110" name="CustomShape 41"/>
+          <p:cNvPr id="108" name="CustomShape 41"/>
           <p:cNvSpPr/>
           <p:nvPr/>
         </p:nvSpPr>
         <p:spPr>
           <a:xfrm>
             <a:off x="6916320" y="1052640"/>
-            <a:ext cx="1030320" cy="454680"/>
+            <a:ext cx="1029600" cy="454680"/>
           </a:xfrm>
           <a:prstGeom prst="rect">
             <a:avLst/>
@@ -5296,164 +5047,6 @@
             </a:endParaRPr>
           </a:p>
         </p:txBody>
-      </p:sp>
-      <p:sp>
-        <p:nvSpPr>
-          <p:cNvPr id="111" name="CustomShape 42"/>
-          <p:cNvSpPr/>
-          <p:nvPr/>
-        </p:nvSpPr>
-        <p:spPr>
-          <a:xfrm>
-            <a:off x="3555000" y="4283280"/>
-            <a:ext cx="1127520" cy="1059840"/>
-          </a:xfrm>
-          <a:prstGeom prst="ellipse">
-            <a:avLst/>
-          </a:prstGeom>
-          <a:ln>
-            <a:solidFill>
-              <a:srgbClr val="111111"/>
-            </a:solidFill>
-          </a:ln>
-        </p:spPr>
-        <p:style>
-          <a:lnRef idx="2">
-            <a:schemeClr val="accent6">
-              <a:shade val="50000"/>
-            </a:schemeClr>
-          </a:lnRef>
-          <a:fillRef idx="1">
-            <a:schemeClr val="accent6"/>
-          </a:fillRef>
-          <a:effectRef idx="0">
-            <a:schemeClr val="accent6"/>
-          </a:effectRef>
-          <a:fontRef idx="minor"/>
-        </p:style>
-        <p:txBody>
-          <a:bodyPr lIns="90000" rIns="90000" tIns="45000" bIns="45000" anchor="ctr">
-            <a:noAutofit/>
-          </a:bodyPr>
-          <a:p>
-            <a:pPr algn="ctr">
-              <a:lnSpc>
-                <a:spcPct val="100000"/>
-              </a:lnSpc>
-            </a:pPr>
-            <a:r>
-              <a:rPr b="0" lang="pt-BR" sz="1050" spc="-1" strike="noStrike">
-                <a:solidFill>
-                  <a:srgbClr val="000000"/>
-                </a:solidFill>
-                <a:latin typeface="Arial"/>
-                <a:ea typeface="DejaVu Sans"/>
-              </a:rPr>
-              <a:t>Consultar ordem de produção</a:t>
-            </a:r>
-            <a:endParaRPr b="0" lang="pt-BR" sz="1050" spc="-1" strike="noStrike">
-              <a:latin typeface="Arial"/>
-            </a:endParaRPr>
-          </a:p>
-        </p:txBody>
-      </p:sp>
-      <p:sp>
-        <p:nvSpPr>
-          <p:cNvPr id="112" name="CustomShape 43"/>
-          <p:cNvSpPr/>
-          <p:nvPr/>
-        </p:nvSpPr>
-        <p:spPr>
-          <a:xfrm flipH="1">
-            <a:off x="4747320" y="4123080"/>
-            <a:ext cx="1419480" cy="662400"/>
-          </a:xfrm>
-          <a:custGeom>
-            <a:avLst/>
-            <a:gdLst/>
-            <a:ahLst/>
-            <a:rect l="l" t="t" r="r" b="b"/>
-            <a:pathLst>
-              <a:path w="21600" h="21600">
-                <a:moveTo>
-                  <a:pt x="0" y="0"/>
-                </a:moveTo>
-                <a:lnTo>
-                  <a:pt x="21600" y="21600"/>
-                </a:lnTo>
-              </a:path>
-            </a:pathLst>
-          </a:custGeom>
-          <a:noFill/>
-          <a:ln>
-            <a:solidFill>
-              <a:schemeClr val="tx1"/>
-            </a:solidFill>
-            <a:headEnd len="med" type="triangle" w="med"/>
-            <a:tailEnd len="med" type="triangle" w="med"/>
-          </a:ln>
-        </p:spPr>
-        <p:style>
-          <a:lnRef idx="1">
-            <a:schemeClr val="accent1"/>
-          </a:lnRef>
-          <a:fillRef idx="0">
-            <a:schemeClr val="accent1"/>
-          </a:fillRef>
-          <a:effectRef idx="0">
-            <a:schemeClr val="accent1"/>
-          </a:effectRef>
-          <a:fontRef idx="minor"/>
-        </p:style>
-      </p:sp>
-      <p:sp>
-        <p:nvSpPr>
-          <p:cNvPr id="113" name="CustomShape 44"/>
-          <p:cNvSpPr/>
-          <p:nvPr/>
-        </p:nvSpPr>
-        <p:spPr>
-          <a:xfrm>
-            <a:off x="1588320" y="4107240"/>
-            <a:ext cx="1901160" cy="733680"/>
-          </a:xfrm>
-          <a:custGeom>
-            <a:avLst/>
-            <a:gdLst/>
-            <a:ahLst/>
-            <a:rect l="l" t="t" r="r" b="b"/>
-            <a:pathLst>
-              <a:path w="21600" h="21600">
-                <a:moveTo>
-                  <a:pt x="0" y="0"/>
-                </a:moveTo>
-                <a:lnTo>
-                  <a:pt x="21600" y="21600"/>
-                </a:lnTo>
-              </a:path>
-            </a:pathLst>
-          </a:custGeom>
-          <a:noFill/>
-          <a:ln>
-            <a:solidFill>
-              <a:schemeClr val="tx1"/>
-            </a:solidFill>
-            <a:headEnd len="med" type="triangle" w="med"/>
-            <a:tailEnd len="med" type="triangle" w="med"/>
-          </a:ln>
-        </p:spPr>
-        <p:style>
-          <a:lnRef idx="1">
-            <a:schemeClr val="accent1"/>
-          </a:lnRef>
-          <a:fillRef idx="0">
-            <a:schemeClr val="accent1"/>
-          </a:fillRef>
-          <a:effectRef idx="0">
-            <a:schemeClr val="accent1"/>
-          </a:effectRef>
-          <a:fontRef idx="minor"/>
-        </p:style>
       </p:sp>
     </p:spTree>
   </p:cSld>
@@ -5487,14 +5080,14 @@
       </p:grpSpPr>
       <p:sp>
         <p:nvSpPr>
-          <p:cNvPr id="114" name="CustomShape 1"/>
+          <p:cNvPr id="109" name="CustomShape 1"/>
           <p:cNvSpPr/>
           <p:nvPr/>
         </p:nvSpPr>
         <p:spPr>
           <a:xfrm>
             <a:off x="6912000" y="85680"/>
-            <a:ext cx="2805480" cy="638280"/>
+            <a:ext cx="2804760" cy="638280"/>
           </a:xfrm>
           <a:prstGeom prst="rect">
             <a:avLst/>
@@ -5526,26 +5119,621 @@
                   <a:srgbClr val="000000"/>
                 </a:solidFill>
                 <a:latin typeface="Arial"/>
+                <a:ea typeface="Microsoft YaHei"/>
+              </a:rPr>
+              <a:t>Capacidade:Montar a máquina</a:t>
+            </a:r>
+            <a:endParaRPr b="0" lang="pt-BR" sz="1800" spc="-1" strike="noStrike">
+              <a:latin typeface="Arial"/>
+            </a:endParaRPr>
+          </a:p>
+        </p:txBody>
+      </p:sp>
+      <p:sp>
+        <p:nvSpPr>
+          <p:cNvPr id="110" name="CustomShape 2"/>
+          <p:cNvSpPr/>
+          <p:nvPr/>
+        </p:nvSpPr>
+        <p:spPr>
+          <a:xfrm>
+            <a:off x="3096000" y="1080000"/>
+            <a:ext cx="839160" cy="451800"/>
+          </a:xfrm>
+          <a:prstGeom prst="rect">
+            <a:avLst/>
+          </a:prstGeom>
+          <a:noFill/>
+          <a:ln>
+            <a:noFill/>
+          </a:ln>
+        </p:spPr>
+        <p:style>
+          <a:lnRef idx="0"/>
+          <a:fillRef idx="0"/>
+          <a:effectRef idx="0"/>
+          <a:fontRef idx="minor"/>
+        </p:style>
+      </p:sp>
+      <p:sp>
+        <p:nvSpPr>
+          <p:cNvPr id="111" name="CustomShape 3"/>
+          <p:cNvSpPr/>
+          <p:nvPr/>
+        </p:nvSpPr>
+        <p:spPr>
+          <a:xfrm>
+            <a:off x="2324160" y="3888000"/>
+            <a:ext cx="1364760" cy="454680"/>
+          </a:xfrm>
+          <a:prstGeom prst="rect">
+            <a:avLst/>
+          </a:prstGeom>
+          <a:noFill/>
+          <a:ln>
+            <a:noFill/>
+          </a:ln>
+        </p:spPr>
+        <p:style>
+          <a:lnRef idx="0"/>
+          <a:fillRef idx="0"/>
+          <a:effectRef idx="0"/>
+          <a:fontRef idx="minor"/>
+        </p:style>
+        <p:txBody>
+          <a:bodyPr lIns="90000" rIns="90000" tIns="45000" bIns="45000">
+            <a:spAutoFit/>
+          </a:bodyPr>
+          <a:p>
+            <a:pPr algn="ctr">
+              <a:lnSpc>
+                <a:spcPct val="100000"/>
+              </a:lnSpc>
+            </a:pPr>
+            <a:r>
+              <a:rPr b="0" lang="pt-BR" sz="1200" spc="-1" strike="noStrike">
+                <a:solidFill>
+                  <a:srgbClr val="000000"/>
+                </a:solidFill>
+                <a:latin typeface="Arial"/>
                 <a:ea typeface="DejaVu Sans"/>
               </a:rPr>
-              <a:t>Capacidade:Testar sub componete</a:t>
+              <a:t>Subcomponentes testados</a:t>
             </a:r>
-            <a:endParaRPr b="0" lang="pt-BR" sz="1800" spc="-1" strike="noStrike">
-              <a:latin typeface="Arial"/>
-            </a:endParaRPr>
-          </a:p>
-        </p:txBody>
-      </p:sp>
-      <p:sp>
-        <p:nvSpPr>
-          <p:cNvPr id="115" name="CustomShape 2"/>
-          <p:cNvSpPr/>
-          <p:nvPr/>
-        </p:nvSpPr>
-        <p:spPr>
-          <a:xfrm>
-            <a:off x="471960" y="246600"/>
-            <a:ext cx="950400" cy="758520"/>
+            <a:endParaRPr b="0" lang="pt-BR" sz="1200" spc="-1" strike="noStrike">
+              <a:latin typeface="Arial"/>
+            </a:endParaRPr>
+          </a:p>
+        </p:txBody>
+      </p:sp>
+      <p:sp>
+        <p:nvSpPr>
+          <p:cNvPr id="112" name="Line 4"/>
+          <p:cNvSpPr/>
+          <p:nvPr/>
+        </p:nvSpPr>
+        <p:spPr>
+          <a:xfrm>
+            <a:off x="2304000" y="3816000"/>
+            <a:ext cx="1419840" cy="0"/>
+          </a:xfrm>
+          <a:prstGeom prst="line">
+            <a:avLst/>
+          </a:prstGeom>
+          <a:ln w="76320">
+            <a:solidFill>
+              <a:schemeClr val="tx1"/>
+            </a:solidFill>
+          </a:ln>
+        </p:spPr>
+        <p:style>
+          <a:lnRef idx="1">
+            <a:schemeClr val="accent1"/>
+          </a:lnRef>
+          <a:fillRef idx="0">
+            <a:schemeClr val="accent1"/>
+          </a:fillRef>
+          <a:effectRef idx="0">
+            <a:schemeClr val="accent1"/>
+          </a:effectRef>
+          <a:fontRef idx="minor"/>
+        </p:style>
+      </p:sp>
+      <p:sp>
+        <p:nvSpPr>
+          <p:cNvPr id="113" name="Line 5"/>
+          <p:cNvSpPr/>
+          <p:nvPr/>
+        </p:nvSpPr>
+        <p:spPr>
+          <a:xfrm>
+            <a:off x="2324160" y="4392000"/>
+            <a:ext cx="1419840" cy="0"/>
+          </a:xfrm>
+          <a:prstGeom prst="line">
+            <a:avLst/>
+          </a:prstGeom>
+          <a:ln w="76320">
+            <a:solidFill>
+              <a:schemeClr val="tx1"/>
+            </a:solidFill>
+          </a:ln>
+        </p:spPr>
+        <p:style>
+          <a:lnRef idx="1">
+            <a:schemeClr val="accent1"/>
+          </a:lnRef>
+          <a:fillRef idx="0">
+            <a:schemeClr val="accent1"/>
+          </a:fillRef>
+          <a:effectRef idx="0">
+            <a:schemeClr val="accent1"/>
+          </a:effectRef>
+          <a:fontRef idx="minor"/>
+        </p:style>
+      </p:sp>
+      <p:sp>
+        <p:nvSpPr>
+          <p:cNvPr id="114" name="CustomShape 6"/>
+          <p:cNvSpPr/>
+          <p:nvPr/>
+        </p:nvSpPr>
+        <p:spPr>
+          <a:xfrm>
+            <a:off x="5137200" y="1944000"/>
+            <a:ext cx="1918800" cy="1080000"/>
+          </a:xfrm>
+          <a:prstGeom prst="ellipse">
+            <a:avLst/>
+          </a:prstGeom>
+          <a:ln>
+            <a:solidFill>
+              <a:srgbClr val="111111"/>
+            </a:solidFill>
+          </a:ln>
+        </p:spPr>
+        <p:style>
+          <a:lnRef idx="2">
+            <a:schemeClr val="accent6">
+              <a:shade val="50000"/>
+            </a:schemeClr>
+          </a:lnRef>
+          <a:fillRef idx="1">
+            <a:schemeClr val="accent6"/>
+          </a:fillRef>
+          <a:effectRef idx="0">
+            <a:schemeClr val="accent6"/>
+          </a:effectRef>
+          <a:fontRef idx="minor"/>
+        </p:style>
+        <p:txBody>
+          <a:bodyPr lIns="90000" rIns="90000" tIns="45000" bIns="45000" anchor="ctr">
+            <a:noAutofit/>
+          </a:bodyPr>
+          <a:p>
+            <a:pPr algn="ctr">
+              <a:lnSpc>
+                <a:spcPct val="100000"/>
+              </a:lnSpc>
+            </a:pPr>
+            <a:r>
+              <a:rPr b="0" lang="pt-BR" sz="1200" spc="-1" strike="noStrike">
+                <a:solidFill>
+                  <a:srgbClr val="000000"/>
+                </a:solidFill>
+                <a:latin typeface="Arial"/>
+                <a:ea typeface="DejaVu Sans"/>
+              </a:rPr>
+              <a:t>Fixar Subcomponentes</a:t>
+            </a:r>
+            <a:endParaRPr b="0" lang="pt-BR" sz="1200" spc="-1" strike="noStrike">
+              <a:latin typeface="Arial"/>
+            </a:endParaRPr>
+          </a:p>
+        </p:txBody>
+      </p:sp>
+      <p:sp>
+        <p:nvSpPr>
+          <p:cNvPr id="115" name="Line 7"/>
+          <p:cNvSpPr/>
+          <p:nvPr/>
+        </p:nvSpPr>
+        <p:spPr>
+          <a:xfrm>
+            <a:off x="5472000" y="3672000"/>
+            <a:ext cx="1419840" cy="0"/>
+          </a:xfrm>
+          <a:prstGeom prst="line">
+            <a:avLst/>
+          </a:prstGeom>
+          <a:ln w="76320">
+            <a:solidFill>
+              <a:schemeClr val="tx1"/>
+            </a:solidFill>
+          </a:ln>
+        </p:spPr>
+        <p:style>
+          <a:lnRef idx="1">
+            <a:schemeClr val="accent1"/>
+          </a:lnRef>
+          <a:fillRef idx="0">
+            <a:schemeClr val="accent1"/>
+          </a:fillRef>
+          <a:effectRef idx="0">
+            <a:schemeClr val="accent1"/>
+          </a:effectRef>
+          <a:fontRef idx="minor"/>
+        </p:style>
+      </p:sp>
+      <p:sp>
+        <p:nvSpPr>
+          <p:cNvPr id="116" name="Line 8"/>
+          <p:cNvSpPr/>
+          <p:nvPr/>
+        </p:nvSpPr>
+        <p:spPr>
+          <a:xfrm>
+            <a:off x="5472000" y="4320000"/>
+            <a:ext cx="1419840" cy="0"/>
+          </a:xfrm>
+          <a:prstGeom prst="line">
+            <a:avLst/>
+          </a:prstGeom>
+          <a:ln w="76320">
+            <a:solidFill>
+              <a:schemeClr val="tx1"/>
+            </a:solidFill>
+          </a:ln>
+        </p:spPr>
+        <p:style>
+          <a:lnRef idx="1">
+            <a:schemeClr val="accent1"/>
+          </a:lnRef>
+          <a:fillRef idx="0">
+            <a:schemeClr val="accent1"/>
+          </a:fillRef>
+          <a:effectRef idx="0">
+            <a:schemeClr val="accent1"/>
+          </a:effectRef>
+          <a:fontRef idx="minor"/>
+        </p:style>
+      </p:sp>
+      <p:sp>
+        <p:nvSpPr>
+          <p:cNvPr id="117" name="CustomShape 9"/>
+          <p:cNvSpPr/>
+          <p:nvPr/>
+        </p:nvSpPr>
+        <p:spPr>
+          <a:xfrm flipH="1" flipV="1">
+            <a:off x="3095280" y="3384000"/>
+            <a:ext cx="360" cy="432000"/>
+          </a:xfrm>
+          <a:custGeom>
+            <a:avLst/>
+            <a:gdLst/>
+            <a:ahLst/>
+            <a:rect l="l" t="t" r="r" b="b"/>
+            <a:pathLst>
+              <a:path w="21600" h="21600">
+                <a:moveTo>
+                  <a:pt x="0" y="0"/>
+                </a:moveTo>
+                <a:lnTo>
+                  <a:pt x="21600" y="21600"/>
+                </a:lnTo>
+              </a:path>
+            </a:pathLst>
+          </a:custGeom>
+          <a:noFill/>
+          <a:ln>
+            <a:solidFill>
+              <a:schemeClr val="tx1"/>
+            </a:solidFill>
+            <a:headEnd len="med" type="triangle" w="med"/>
+            <a:tailEnd len="med" type="triangle" w="med"/>
+          </a:ln>
+        </p:spPr>
+        <p:style>
+          <a:lnRef idx="1">
+            <a:schemeClr val="accent1"/>
+          </a:lnRef>
+          <a:fillRef idx="0">
+            <a:schemeClr val="accent1"/>
+          </a:fillRef>
+          <a:effectRef idx="0">
+            <a:schemeClr val="accent1"/>
+          </a:effectRef>
+          <a:fontRef idx="minor"/>
+        </p:style>
+      </p:sp>
+      <p:sp>
+        <p:nvSpPr>
+          <p:cNvPr id="118" name="CustomShape 10"/>
+          <p:cNvSpPr/>
+          <p:nvPr/>
+        </p:nvSpPr>
+        <p:spPr>
+          <a:xfrm flipH="1">
+            <a:off x="7056000" y="2304000"/>
+            <a:ext cx="648000" cy="72000"/>
+          </a:xfrm>
+          <a:custGeom>
+            <a:avLst/>
+            <a:gdLst/>
+            <a:ahLst/>
+            <a:rect l="l" t="t" r="r" b="b"/>
+            <a:pathLst>
+              <a:path w="21600" h="21600">
+                <a:moveTo>
+                  <a:pt x="0" y="0"/>
+                </a:moveTo>
+                <a:lnTo>
+                  <a:pt x="21600" y="21600"/>
+                </a:lnTo>
+              </a:path>
+            </a:pathLst>
+          </a:custGeom>
+          <a:noFill/>
+          <a:ln>
+            <a:solidFill>
+              <a:schemeClr val="tx1"/>
+            </a:solidFill>
+            <a:headEnd len="med" type="triangle" w="med"/>
+            <a:tailEnd len="med" type="triangle" w="med"/>
+          </a:ln>
+        </p:spPr>
+        <p:style>
+          <a:lnRef idx="1">
+            <a:schemeClr val="accent1"/>
+          </a:lnRef>
+          <a:fillRef idx="0">
+            <a:schemeClr val="accent1"/>
+          </a:fillRef>
+          <a:effectRef idx="0">
+            <a:schemeClr val="accent1"/>
+          </a:effectRef>
+          <a:fontRef idx="minor"/>
+        </p:style>
+      </p:sp>
+      <p:sp>
+        <p:nvSpPr>
+          <p:cNvPr id="119" name="CustomShape 11"/>
+          <p:cNvSpPr/>
+          <p:nvPr/>
+        </p:nvSpPr>
+        <p:spPr>
+          <a:xfrm>
+            <a:off x="5259600" y="3816000"/>
+            <a:ext cx="1724400" cy="454680"/>
+          </a:xfrm>
+          <a:prstGeom prst="rect">
+            <a:avLst/>
+          </a:prstGeom>
+          <a:noFill/>
+          <a:ln>
+            <a:noFill/>
+          </a:ln>
+        </p:spPr>
+        <p:style>
+          <a:lnRef idx="0"/>
+          <a:fillRef idx="0"/>
+          <a:effectRef idx="0"/>
+          <a:fontRef idx="minor"/>
+        </p:style>
+        <p:txBody>
+          <a:bodyPr lIns="90000" rIns="90000" tIns="45000" bIns="45000">
+            <a:spAutoFit/>
+          </a:bodyPr>
+          <a:p>
+            <a:pPr algn="ctr">
+              <a:lnSpc>
+                <a:spcPct val="100000"/>
+              </a:lnSpc>
+            </a:pPr>
+            <a:r>
+              <a:rPr b="0" lang="pt-BR" sz="1200" spc="-1" strike="noStrike">
+                <a:solidFill>
+                  <a:srgbClr val="000000"/>
+                </a:solidFill>
+                <a:latin typeface="Arial"/>
+                <a:ea typeface="DejaVu Sans"/>
+              </a:rPr>
+              <a:t>Subcomponentes Fixados</a:t>
+            </a:r>
+            <a:endParaRPr b="0" lang="pt-BR" sz="1200" spc="-1" strike="noStrike">
+              <a:latin typeface="Arial"/>
+            </a:endParaRPr>
+          </a:p>
+        </p:txBody>
+      </p:sp>
+      <p:sp>
+        <p:nvSpPr>
+          <p:cNvPr id="120" name="CustomShape 12"/>
+          <p:cNvSpPr/>
+          <p:nvPr/>
+        </p:nvSpPr>
+        <p:spPr>
+          <a:xfrm>
+            <a:off x="7488000" y="2091600"/>
+            <a:ext cx="1724400" cy="1508400"/>
+          </a:xfrm>
+          <a:prstGeom prst="ellipse">
+            <a:avLst/>
+          </a:prstGeom>
+          <a:ln>
+            <a:solidFill>
+              <a:srgbClr val="111111"/>
+            </a:solidFill>
+          </a:ln>
+        </p:spPr>
+        <p:style>
+          <a:lnRef idx="2">
+            <a:schemeClr val="accent6">
+              <a:shade val="50000"/>
+            </a:schemeClr>
+          </a:lnRef>
+          <a:fillRef idx="1">
+            <a:schemeClr val="accent6"/>
+          </a:fillRef>
+          <a:effectRef idx="0">
+            <a:schemeClr val="accent6"/>
+          </a:effectRef>
+          <a:fontRef idx="minor"/>
+        </p:style>
+        <p:txBody>
+          <a:bodyPr lIns="90000" rIns="90000" tIns="45000" bIns="45000" anchor="ctr">
+            <a:noAutofit/>
+          </a:bodyPr>
+          <a:p>
+            <a:pPr algn="ctr">
+              <a:lnSpc>
+                <a:spcPct val="100000"/>
+              </a:lnSpc>
+            </a:pPr>
+            <a:r>
+              <a:rPr b="0" lang="pt-BR" sz="1050" spc="-1" strike="noStrike">
+                <a:solidFill>
+                  <a:srgbClr val="000000"/>
+                </a:solidFill>
+                <a:latin typeface="Arial"/>
+                <a:ea typeface="DejaVu Sans"/>
+              </a:rPr>
+              <a:t>Empacotar a maquina</a:t>
+            </a:r>
+            <a:endParaRPr b="0" lang="pt-BR" sz="1050" spc="-1" strike="noStrike">
+              <a:latin typeface="Arial"/>
+            </a:endParaRPr>
+          </a:p>
+        </p:txBody>
+      </p:sp>
+      <p:sp>
+        <p:nvSpPr>
+          <p:cNvPr id="121" name="Line 13"/>
+          <p:cNvSpPr/>
+          <p:nvPr/>
+        </p:nvSpPr>
+        <p:spPr>
+          <a:xfrm>
+            <a:off x="7580160" y="3960000"/>
+            <a:ext cx="1419840" cy="0"/>
+          </a:xfrm>
+          <a:prstGeom prst="line">
+            <a:avLst/>
+          </a:prstGeom>
+          <a:ln w="76320">
+            <a:solidFill>
+              <a:schemeClr val="tx1"/>
+            </a:solidFill>
+          </a:ln>
+        </p:spPr>
+        <p:style>
+          <a:lnRef idx="1">
+            <a:schemeClr val="accent1"/>
+          </a:lnRef>
+          <a:fillRef idx="0">
+            <a:schemeClr val="accent1"/>
+          </a:fillRef>
+          <a:effectRef idx="0">
+            <a:schemeClr val="accent1"/>
+          </a:effectRef>
+          <a:fontRef idx="minor"/>
+        </p:style>
+      </p:sp>
+      <p:sp>
+        <p:nvSpPr>
+          <p:cNvPr id="122" name="Line 14"/>
+          <p:cNvSpPr/>
+          <p:nvPr/>
+        </p:nvSpPr>
+        <p:spPr>
+          <a:xfrm>
+            <a:off x="7560000" y="4536000"/>
+            <a:ext cx="1419840" cy="0"/>
+          </a:xfrm>
+          <a:prstGeom prst="line">
+            <a:avLst/>
+          </a:prstGeom>
+          <a:ln w="76320">
+            <a:solidFill>
+              <a:schemeClr val="tx1"/>
+            </a:solidFill>
+          </a:ln>
+        </p:spPr>
+        <p:style>
+          <a:lnRef idx="1">
+            <a:schemeClr val="accent1"/>
+          </a:lnRef>
+          <a:fillRef idx="0">
+            <a:schemeClr val="accent1"/>
+          </a:fillRef>
+          <a:effectRef idx="0">
+            <a:schemeClr val="accent1"/>
+          </a:effectRef>
+          <a:fontRef idx="minor"/>
+        </p:style>
+      </p:sp>
+      <p:sp>
+        <p:nvSpPr>
+          <p:cNvPr id="123" name="CustomShape 15"/>
+          <p:cNvSpPr/>
+          <p:nvPr/>
+        </p:nvSpPr>
+        <p:spPr>
+          <a:xfrm>
+            <a:off x="7560000" y="3960000"/>
+            <a:ext cx="1580760" cy="454680"/>
+          </a:xfrm>
+          <a:prstGeom prst="rect">
+            <a:avLst/>
+          </a:prstGeom>
+          <a:noFill/>
+          <a:ln>
+            <a:noFill/>
+          </a:ln>
+        </p:spPr>
+        <p:style>
+          <a:lnRef idx="0"/>
+          <a:fillRef idx="0"/>
+          <a:effectRef idx="0"/>
+          <a:fontRef idx="minor"/>
+        </p:style>
+        <p:txBody>
+          <a:bodyPr lIns="90000" rIns="90000" tIns="45000" bIns="45000">
+            <a:spAutoFit/>
+          </a:bodyPr>
+          <a:p>
+            <a:pPr algn="ctr">
+              <a:lnSpc>
+                <a:spcPct val="100000"/>
+              </a:lnSpc>
+            </a:pPr>
+            <a:r>
+              <a:rPr b="0" lang="pt-BR" sz="1200" spc="-1" strike="noStrike">
+                <a:solidFill>
+                  <a:srgbClr val="000000"/>
+                </a:solidFill>
+                <a:latin typeface="Arial"/>
+                <a:ea typeface="DejaVu Sans"/>
+              </a:rPr>
+              <a:t>Máquina empacotada</a:t>
+            </a:r>
+            <a:endParaRPr b="0" lang="pt-BR" sz="1200" spc="-1" strike="noStrike">
+              <a:latin typeface="Arial"/>
+            </a:endParaRPr>
+          </a:p>
+        </p:txBody>
+      </p:sp>
+      <p:sp>
+        <p:nvSpPr>
+          <p:cNvPr id="124" name="CustomShape 16"/>
+          <p:cNvSpPr/>
+          <p:nvPr/>
+        </p:nvSpPr>
+        <p:spPr>
+          <a:xfrm>
+            <a:off x="8064000" y="723960"/>
+            <a:ext cx="949680" cy="757800"/>
           </a:xfrm>
           <a:prstGeom prst="rect">
             <a:avLst/>
@@ -5602,6 +5790,228 @@
                 <a:latin typeface="Arial"/>
                 <a:ea typeface="DejaVu Sans"/>
               </a:rPr>
+              <a:t>Gerencia</a:t>
+            </a:r>
+            <a:endParaRPr b="0" lang="pt-BR" sz="1200" spc="-1" strike="noStrike">
+              <a:latin typeface="Arial"/>
+            </a:endParaRPr>
+          </a:p>
+        </p:txBody>
+      </p:sp>
+      <p:sp>
+        <p:nvSpPr>
+          <p:cNvPr id="125" name="CustomShape 17"/>
+          <p:cNvSpPr/>
+          <p:nvPr/>
+        </p:nvSpPr>
+        <p:spPr>
+          <a:xfrm flipH="1" flipV="1">
+            <a:off x="8495280" y="1481760"/>
+            <a:ext cx="360" cy="609840"/>
+          </a:xfrm>
+          <a:custGeom>
+            <a:avLst/>
+            <a:gdLst/>
+            <a:ahLst/>
+            <a:rect l="l" t="t" r="r" b="b"/>
+            <a:pathLst>
+              <a:path w="21600" h="21600">
+                <a:moveTo>
+                  <a:pt x="0" y="0"/>
+                </a:moveTo>
+                <a:lnTo>
+                  <a:pt x="21600" y="21600"/>
+                </a:lnTo>
+              </a:path>
+            </a:pathLst>
+          </a:custGeom>
+          <a:noFill/>
+          <a:ln>
+            <a:solidFill>
+              <a:schemeClr val="tx1"/>
+            </a:solidFill>
+            <a:tailEnd len="med" type="triangle" w="med"/>
+          </a:ln>
+        </p:spPr>
+        <p:style>
+          <a:lnRef idx="1">
+            <a:schemeClr val="accent1"/>
+          </a:lnRef>
+          <a:fillRef idx="0">
+            <a:schemeClr val="accent1"/>
+          </a:fillRef>
+          <a:effectRef idx="0">
+            <a:schemeClr val="accent1"/>
+          </a:effectRef>
+          <a:fontRef idx="minor"/>
+        </p:style>
+      </p:sp>
+      <p:sp>
+        <p:nvSpPr>
+          <p:cNvPr id="126" name="CustomShape 18"/>
+          <p:cNvSpPr/>
+          <p:nvPr/>
+        </p:nvSpPr>
+        <p:spPr>
+          <a:xfrm>
+            <a:off x="6984000" y="1152000"/>
+            <a:ext cx="839160" cy="333000"/>
+          </a:xfrm>
+          <a:prstGeom prst="rect">
+            <a:avLst/>
+          </a:prstGeom>
+          <a:noFill/>
+          <a:ln>
+            <a:noFill/>
+          </a:ln>
+        </p:spPr>
+        <p:style>
+          <a:lnRef idx="0"/>
+          <a:fillRef idx="0"/>
+          <a:effectRef idx="0"/>
+          <a:fontRef idx="minor"/>
+        </p:style>
+        <p:txBody>
+          <a:bodyPr lIns="90000" rIns="90000" tIns="45000" bIns="45000">
+            <a:spAutoFit/>
+          </a:bodyPr>
+          <a:p>
+            <a:pPr>
+              <a:lnSpc>
+                <a:spcPct val="100000"/>
+              </a:lnSpc>
+            </a:pPr>
+            <a:r>
+              <a:rPr b="0" lang="pt-BR" sz="800" spc="-1" strike="noStrike">
+                <a:solidFill>
+                  <a:srgbClr val="000000"/>
+                </a:solidFill>
+                <a:latin typeface="Arial"/>
+                <a:ea typeface="DejaVu Sans"/>
+              </a:rPr>
+              <a:t>Máquina montada</a:t>
+            </a:r>
+            <a:endParaRPr b="0" lang="pt-BR" sz="800" spc="-1" strike="noStrike">
+              <a:latin typeface="Arial"/>
+            </a:endParaRPr>
+          </a:p>
+        </p:txBody>
+      </p:sp>
+      <p:sp>
+        <p:nvSpPr>
+          <p:cNvPr id="127" name="CustomShape 19"/>
+          <p:cNvSpPr/>
+          <p:nvPr/>
+        </p:nvSpPr>
+        <p:spPr>
+          <a:xfrm flipH="1">
+            <a:off x="6263640" y="3024000"/>
+            <a:ext cx="360" cy="576000"/>
+          </a:xfrm>
+          <a:custGeom>
+            <a:avLst/>
+            <a:gdLst/>
+            <a:ahLst/>
+            <a:rect l="l" t="t" r="r" b="b"/>
+            <a:pathLst>
+              <a:path w="21600" h="21600">
+                <a:moveTo>
+                  <a:pt x="0" y="0"/>
+                </a:moveTo>
+                <a:lnTo>
+                  <a:pt x="21600" y="21600"/>
+                </a:lnTo>
+              </a:path>
+            </a:pathLst>
+          </a:custGeom>
+          <a:noFill/>
+          <a:ln>
+            <a:solidFill>
+              <a:schemeClr val="tx1"/>
+            </a:solidFill>
+            <a:headEnd len="med" type="triangle" w="med"/>
+            <a:tailEnd len="med" type="triangle" w="med"/>
+          </a:ln>
+        </p:spPr>
+        <p:style>
+          <a:lnRef idx="1">
+            <a:schemeClr val="accent1"/>
+          </a:lnRef>
+          <a:fillRef idx="0">
+            <a:schemeClr val="accent1"/>
+          </a:fillRef>
+          <a:effectRef idx="0">
+            <a:schemeClr val="accent1"/>
+          </a:effectRef>
+          <a:fontRef idx="minor"/>
+        </p:style>
+      </p:sp>
+      <p:sp>
+        <p:nvSpPr>
+          <p:cNvPr id="128" name="CustomShape 20"/>
+          <p:cNvSpPr/>
+          <p:nvPr/>
+        </p:nvSpPr>
+        <p:spPr>
+          <a:xfrm>
+            <a:off x="360000" y="792000"/>
+            <a:ext cx="949680" cy="757800"/>
+          </a:xfrm>
+          <a:prstGeom prst="rect">
+            <a:avLst/>
+          </a:prstGeom>
+          <a:gradFill rotWithShape="0">
+            <a:gsLst>
+              <a:gs pos="0">
+                <a:srgbClr val="d0d0d0"/>
+              </a:gs>
+              <a:gs pos="100000">
+                <a:srgbClr val="ededed">
+                  <a:alpha val="0"/>
+                </a:srgbClr>
+              </a:gs>
+            </a:gsLst>
+            <a:lin ang="16200000"/>
+          </a:gradFill>
+          <a:ln/>
+          <a:effectLst>
+            <a:outerShdw blurRad="40000" dir="5400000" dist="20160" rotWithShape="0">
+              <a:srgbClr val="000000">
+                <a:alpha val="38000"/>
+              </a:srgbClr>
+            </a:outerShdw>
+          </a:effectLst>
+        </p:spPr>
+        <p:style>
+          <a:lnRef idx="1">
+            <a:schemeClr val="dk1"/>
+          </a:lnRef>
+          <a:fillRef idx="2">
+            <a:schemeClr val="dk1"/>
+          </a:fillRef>
+          <a:effectRef idx="1">
+            <a:schemeClr val="dk1"/>
+          </a:effectRef>
+          <a:fontRef idx="minor"/>
+        </p:style>
+        <p:txBody>
+          <a:bodyPr lIns="90000" rIns="90000" tIns="45000" bIns="45000" anchor="ctr">
+            <a:noAutofit/>
+          </a:bodyPr>
+          <a:p>
+            <a:pPr algn="ctr">
+              <a:lnSpc>
+                <a:spcPct val="100000"/>
+              </a:lnSpc>
+            </a:pPr>
+            <a:r>
+              <a:rPr b="0" lang="pt-BR" sz="1200" spc="-1" strike="noStrike">
+                <a:solidFill>
+                  <a:srgbClr val="000000"/>
+                </a:solidFill>
+                <a:latin typeface="Arial"/>
+                <a:ea typeface="DejaVu Sans"/>
+              </a:rPr>
               <a:t>Linha de Produção</a:t>
             </a:r>
             <a:endParaRPr b="0" lang="pt-BR" sz="1200" spc="-1" strike="noStrike">
@@ -5612,14 +6022,62 @@
       </p:sp>
       <p:sp>
         <p:nvSpPr>
-          <p:cNvPr id="116" name="CustomShape 3"/>
-          <p:cNvSpPr/>
-          <p:nvPr/>
-        </p:nvSpPr>
-        <p:spPr>
-          <a:xfrm>
-            <a:off x="432000" y="1584000"/>
-            <a:ext cx="1365480" cy="933480"/>
+          <p:cNvPr id="129" name="CustomShape 21"/>
+          <p:cNvSpPr/>
+          <p:nvPr/>
+        </p:nvSpPr>
+        <p:spPr>
+          <a:xfrm>
+            <a:off x="792000" y="1549800"/>
+            <a:ext cx="112680" cy="826200"/>
+          </a:xfrm>
+          <a:custGeom>
+            <a:avLst/>
+            <a:gdLst/>
+            <a:ahLst/>
+            <a:rect l="l" t="t" r="r" b="b"/>
+            <a:pathLst>
+              <a:path w="21600" h="21600">
+                <a:moveTo>
+                  <a:pt x="0" y="0"/>
+                </a:moveTo>
+                <a:lnTo>
+                  <a:pt x="21600" y="21600"/>
+                </a:lnTo>
+              </a:path>
+            </a:pathLst>
+          </a:custGeom>
+          <a:noFill/>
+          <a:ln>
+            <a:solidFill>
+              <a:schemeClr val="tx1"/>
+            </a:solidFill>
+            <a:tailEnd len="med" type="triangle" w="med"/>
+          </a:ln>
+        </p:spPr>
+        <p:style>
+          <a:lnRef idx="1">
+            <a:schemeClr val="accent1"/>
+          </a:lnRef>
+          <a:fillRef idx="0">
+            <a:schemeClr val="accent1"/>
+          </a:fillRef>
+          <a:effectRef idx="0">
+            <a:schemeClr val="accent1"/>
+          </a:effectRef>
+          <a:fontRef idx="minor"/>
+        </p:style>
+      </p:sp>
+      <p:sp>
+        <p:nvSpPr>
+          <p:cNvPr id="130" name="CustomShape 22"/>
+          <p:cNvSpPr/>
+          <p:nvPr/>
+        </p:nvSpPr>
+        <p:spPr>
+          <a:xfrm>
+            <a:off x="288000" y="2376000"/>
+            <a:ext cx="1364760" cy="932760"/>
           </a:xfrm>
           <a:prstGeom prst="ellipse">
             <a:avLst/>
@@ -5672,14 +6130,14 @@
       </p:sp>
       <p:sp>
         <p:nvSpPr>
-          <p:cNvPr id="117" name="CustomShape 4"/>
-          <p:cNvSpPr/>
-          <p:nvPr/>
-        </p:nvSpPr>
-        <p:spPr>
-          <a:xfrm>
-            <a:off x="964080" y="997200"/>
-            <a:ext cx="113400" cy="584280"/>
+          <p:cNvPr id="131" name="CustomShape 23"/>
+          <p:cNvSpPr/>
+          <p:nvPr/>
+        </p:nvSpPr>
+        <p:spPr>
+          <a:xfrm>
+            <a:off x="1008000" y="3315240"/>
+            <a:ext cx="24840" cy="428760"/>
           </a:xfrm>
           <a:custGeom>
             <a:avLst/>
@@ -5720,14 +6178,411 @@
       </p:sp>
       <p:sp>
         <p:nvSpPr>
-          <p:cNvPr id="118" name="CustomShape 5"/>
-          <p:cNvSpPr/>
-          <p:nvPr/>
-        </p:nvSpPr>
-        <p:spPr>
-          <a:xfrm>
-            <a:off x="1156320" y="1126080"/>
-            <a:ext cx="1217160" cy="241920"/>
+          <p:cNvPr id="132" name="CustomShape 24"/>
+          <p:cNvSpPr/>
+          <p:nvPr/>
+        </p:nvSpPr>
+        <p:spPr>
+          <a:xfrm>
+            <a:off x="576000" y="3865320"/>
+            <a:ext cx="1292760" cy="454680"/>
+          </a:xfrm>
+          <a:prstGeom prst="rect">
+            <a:avLst/>
+          </a:prstGeom>
+          <a:noFill/>
+          <a:ln>
+            <a:noFill/>
+          </a:ln>
+        </p:spPr>
+        <p:style>
+          <a:lnRef idx="0"/>
+          <a:fillRef idx="0"/>
+          <a:effectRef idx="0"/>
+          <a:fontRef idx="minor"/>
+        </p:style>
+        <p:txBody>
+          <a:bodyPr lIns="90000" rIns="90000" tIns="45000" bIns="45000">
+            <a:spAutoFit/>
+          </a:bodyPr>
+          <a:p>
+            <a:pPr>
+              <a:lnSpc>
+                <a:spcPct val="100000"/>
+              </a:lnSpc>
+            </a:pPr>
+            <a:r>
+              <a:rPr b="0" lang="pt-BR" sz="1200" spc="-1" strike="noStrike">
+                <a:solidFill>
+                  <a:srgbClr val="000000"/>
+                </a:solidFill>
+                <a:latin typeface="Arial"/>
+                <a:ea typeface="DejaVu Sans"/>
+              </a:rPr>
+              <a:t>Subcomponente não testado</a:t>
+            </a:r>
+            <a:endParaRPr b="0" lang="pt-BR" sz="1200" spc="-1" strike="noStrike">
+              <a:latin typeface="Arial"/>
+            </a:endParaRPr>
+          </a:p>
+        </p:txBody>
+      </p:sp>
+      <p:sp>
+        <p:nvSpPr>
+          <p:cNvPr id="133" name="Line 25"/>
+          <p:cNvSpPr/>
+          <p:nvPr/>
+        </p:nvSpPr>
+        <p:spPr>
+          <a:xfrm>
+            <a:off x="524160" y="3816000"/>
+            <a:ext cx="1419840" cy="0"/>
+          </a:xfrm>
+          <a:prstGeom prst="line">
+            <a:avLst/>
+          </a:prstGeom>
+          <a:ln w="76320">
+            <a:solidFill>
+              <a:schemeClr val="tx1"/>
+            </a:solidFill>
+          </a:ln>
+        </p:spPr>
+        <p:style>
+          <a:lnRef idx="1">
+            <a:schemeClr val="accent1"/>
+          </a:lnRef>
+          <a:fillRef idx="0">
+            <a:schemeClr val="accent1"/>
+          </a:fillRef>
+          <a:effectRef idx="0">
+            <a:schemeClr val="accent1"/>
+          </a:effectRef>
+          <a:fontRef idx="minor"/>
+        </p:style>
+      </p:sp>
+      <p:sp>
+        <p:nvSpPr>
+          <p:cNvPr id="134" name="Line 26"/>
+          <p:cNvSpPr/>
+          <p:nvPr/>
+        </p:nvSpPr>
+        <p:spPr>
+          <a:xfrm>
+            <a:off x="520920" y="4392000"/>
+            <a:ext cx="1419840" cy="0"/>
+          </a:xfrm>
+          <a:prstGeom prst="line">
+            <a:avLst/>
+          </a:prstGeom>
+          <a:ln w="76320">
+            <a:solidFill>
+              <a:schemeClr val="tx1"/>
+            </a:solidFill>
+          </a:ln>
+        </p:spPr>
+        <p:style>
+          <a:lnRef idx="1">
+            <a:schemeClr val="accent1"/>
+          </a:lnRef>
+          <a:fillRef idx="0">
+            <a:schemeClr val="accent1"/>
+          </a:fillRef>
+          <a:effectRef idx="0">
+            <a:schemeClr val="accent1"/>
+          </a:effectRef>
+          <a:fontRef idx="minor"/>
+        </p:style>
+      </p:sp>
+      <p:sp>
+        <p:nvSpPr>
+          <p:cNvPr id="135" name="CustomShape 27"/>
+          <p:cNvSpPr/>
+          <p:nvPr/>
+        </p:nvSpPr>
+        <p:spPr>
+          <a:xfrm flipH="1">
+            <a:off x="8208000" y="3600000"/>
+            <a:ext cx="144000" cy="360000"/>
+          </a:xfrm>
+          <a:custGeom>
+            <a:avLst/>
+            <a:gdLst/>
+            <a:ahLst/>
+            <a:rect l="l" t="t" r="r" b="b"/>
+            <a:pathLst>
+              <a:path w="21600" h="21600">
+                <a:moveTo>
+                  <a:pt x="0" y="0"/>
+                </a:moveTo>
+                <a:lnTo>
+                  <a:pt x="21600" y="21600"/>
+                </a:lnTo>
+              </a:path>
+            </a:pathLst>
+          </a:custGeom>
+          <a:noFill/>
+          <a:ln>
+            <a:solidFill>
+              <a:schemeClr val="tx1"/>
+            </a:solidFill>
+            <a:headEnd len="med" type="triangle" w="med"/>
+            <a:tailEnd len="med" type="triangle" w="med"/>
+          </a:ln>
+        </p:spPr>
+        <p:style>
+          <a:lnRef idx="1">
+            <a:schemeClr val="accent1"/>
+          </a:lnRef>
+          <a:fillRef idx="0">
+            <a:schemeClr val="accent1"/>
+          </a:fillRef>
+          <a:effectRef idx="0">
+            <a:schemeClr val="accent1"/>
+          </a:effectRef>
+          <a:fontRef idx="minor"/>
+        </p:style>
+      </p:sp>
+      <p:sp>
+        <p:nvSpPr>
+          <p:cNvPr id="136" name="CustomShape 28"/>
+          <p:cNvSpPr/>
+          <p:nvPr/>
+        </p:nvSpPr>
+        <p:spPr>
+          <a:xfrm>
+            <a:off x="2376000" y="2324880"/>
+            <a:ext cx="1126800" cy="1059120"/>
+          </a:xfrm>
+          <a:prstGeom prst="ellipse">
+            <a:avLst/>
+          </a:prstGeom>
+          <a:ln>
+            <a:solidFill>
+              <a:srgbClr val="111111"/>
+            </a:solidFill>
+          </a:ln>
+        </p:spPr>
+        <p:style>
+          <a:lnRef idx="2">
+            <a:schemeClr val="accent6">
+              <a:shade val="50000"/>
+            </a:schemeClr>
+          </a:lnRef>
+          <a:fillRef idx="1">
+            <a:schemeClr val="accent6"/>
+          </a:fillRef>
+          <a:effectRef idx="0">
+            <a:schemeClr val="accent6"/>
+          </a:effectRef>
+          <a:fontRef idx="minor"/>
+        </p:style>
+        <p:txBody>
+          <a:bodyPr lIns="90000" rIns="90000" tIns="45000" bIns="45000" anchor="ctr">
+            <a:noAutofit/>
+          </a:bodyPr>
+          <a:p>
+            <a:pPr algn="ctr">
+              <a:lnSpc>
+                <a:spcPct val="100000"/>
+              </a:lnSpc>
+            </a:pPr>
+            <a:r>
+              <a:rPr b="0" lang="pt-BR" sz="1200" spc="-1" strike="noStrike">
+                <a:solidFill>
+                  <a:srgbClr val="000000"/>
+                </a:solidFill>
+                <a:latin typeface="Arial"/>
+                <a:ea typeface="DejaVu Sans"/>
+              </a:rPr>
+              <a:t>Testar Subcomponente</a:t>
+            </a:r>
+            <a:endParaRPr b="0" lang="pt-BR" sz="1200" spc="-1" strike="noStrike">
+              <a:latin typeface="Arial"/>
+            </a:endParaRPr>
+          </a:p>
+        </p:txBody>
+      </p:sp>
+      <p:sp>
+        <p:nvSpPr>
+          <p:cNvPr id="137" name="CustomShape 29"/>
+          <p:cNvSpPr/>
+          <p:nvPr/>
+        </p:nvSpPr>
+        <p:spPr>
+          <a:xfrm flipH="1">
+            <a:off x="1440000" y="3096000"/>
+            <a:ext cx="1008000" cy="716760"/>
+          </a:xfrm>
+          <a:custGeom>
+            <a:avLst/>
+            <a:gdLst/>
+            <a:ahLst/>
+            <a:rect l="l" t="t" r="r" b="b"/>
+            <a:pathLst>
+              <a:path w="21600" h="21600">
+                <a:moveTo>
+                  <a:pt x="0" y="0"/>
+                </a:moveTo>
+                <a:lnTo>
+                  <a:pt x="21600" y="21600"/>
+                </a:lnTo>
+              </a:path>
+            </a:pathLst>
+          </a:custGeom>
+          <a:noFill/>
+          <a:ln>
+            <a:solidFill>
+              <a:schemeClr val="tx1"/>
+            </a:solidFill>
+            <a:headEnd len="med" type="triangle" w="med"/>
+            <a:tailEnd len="med" type="triangle" w="med"/>
+          </a:ln>
+        </p:spPr>
+        <p:style>
+          <a:lnRef idx="1">
+            <a:schemeClr val="accent1"/>
+          </a:lnRef>
+          <a:fillRef idx="0">
+            <a:schemeClr val="accent1"/>
+          </a:fillRef>
+          <a:effectRef idx="0">
+            <a:schemeClr val="accent1"/>
+          </a:effectRef>
+          <a:fontRef idx="minor"/>
+        </p:style>
+      </p:sp>
+      <p:sp>
+        <p:nvSpPr>
+          <p:cNvPr id="138" name="CustomShape 30"/>
+          <p:cNvSpPr/>
+          <p:nvPr/>
+        </p:nvSpPr>
+        <p:spPr>
+          <a:xfrm flipV="1">
+            <a:off x="2880000" y="1584000"/>
+            <a:ext cx="127800" cy="740880"/>
+          </a:xfrm>
+          <a:custGeom>
+            <a:avLst/>
+            <a:gdLst/>
+            <a:ahLst/>
+            <a:rect l="l" t="t" r="r" b="b"/>
+            <a:pathLst>
+              <a:path w="21600" h="21600">
+                <a:moveTo>
+                  <a:pt x="0" y="0"/>
+                </a:moveTo>
+                <a:lnTo>
+                  <a:pt x="21600" y="21600"/>
+                </a:lnTo>
+              </a:path>
+            </a:pathLst>
+          </a:custGeom>
+          <a:noFill/>
+          <a:ln>
+            <a:solidFill>
+              <a:schemeClr val="tx1"/>
+            </a:solidFill>
+            <a:tailEnd len="med" type="triangle" w="med"/>
+          </a:ln>
+        </p:spPr>
+        <p:style>
+          <a:lnRef idx="1">
+            <a:schemeClr val="accent1"/>
+          </a:lnRef>
+          <a:fillRef idx="0">
+            <a:schemeClr val="accent1"/>
+          </a:fillRef>
+          <a:effectRef idx="0">
+            <a:schemeClr val="accent1"/>
+          </a:effectRef>
+          <a:fontRef idx="minor"/>
+        </p:style>
+      </p:sp>
+      <p:sp>
+        <p:nvSpPr>
+          <p:cNvPr id="139" name="CustomShape 31"/>
+          <p:cNvSpPr/>
+          <p:nvPr/>
+        </p:nvSpPr>
+        <p:spPr>
+          <a:xfrm>
+            <a:off x="2578320" y="774000"/>
+            <a:ext cx="949680" cy="757800"/>
+          </a:xfrm>
+          <a:prstGeom prst="rect">
+            <a:avLst/>
+          </a:prstGeom>
+          <a:gradFill rotWithShape="0">
+            <a:gsLst>
+              <a:gs pos="0">
+                <a:srgbClr val="d0d0d0"/>
+              </a:gs>
+              <a:gs pos="100000">
+                <a:srgbClr val="ededed">
+                  <a:alpha val="0"/>
+                </a:srgbClr>
+              </a:gs>
+            </a:gsLst>
+            <a:lin ang="16200000"/>
+          </a:gradFill>
+          <a:ln/>
+          <a:effectLst>
+            <a:outerShdw blurRad="40000" dir="5400000" dist="20160" rotWithShape="0">
+              <a:srgbClr val="000000">
+                <a:alpha val="38000"/>
+              </a:srgbClr>
+            </a:outerShdw>
+          </a:effectLst>
+        </p:spPr>
+        <p:style>
+          <a:lnRef idx="1">
+            <a:schemeClr val="dk1"/>
+          </a:lnRef>
+          <a:fillRef idx="2">
+            <a:schemeClr val="dk1"/>
+          </a:fillRef>
+          <a:effectRef idx="1">
+            <a:schemeClr val="dk1"/>
+          </a:effectRef>
+          <a:fontRef idx="minor"/>
+        </p:style>
+        <p:txBody>
+          <a:bodyPr lIns="90000" rIns="90000" tIns="45000" bIns="45000" anchor="ctr">
+            <a:noAutofit/>
+          </a:bodyPr>
+          <a:p>
+            <a:pPr algn="ctr">
+              <a:lnSpc>
+                <a:spcPct val="100000"/>
+              </a:lnSpc>
+            </a:pPr>
+            <a:r>
+              <a:rPr b="0" lang="pt-BR" sz="1200" spc="-1" strike="noStrike">
+                <a:solidFill>
+                  <a:srgbClr val="000000"/>
+                </a:solidFill>
+                <a:latin typeface="Arial"/>
+                <a:ea typeface="DejaVu Sans"/>
+              </a:rPr>
+              <a:t>Linha de Produção</a:t>
+            </a:r>
+            <a:endParaRPr b="0" lang="pt-BR" sz="1200" spc="-1" strike="noStrike">
+              <a:latin typeface="Arial"/>
+            </a:endParaRPr>
+          </a:p>
+        </p:txBody>
+      </p:sp>
+      <p:sp>
+        <p:nvSpPr>
+          <p:cNvPr id="140" name="CustomShape 32"/>
+          <p:cNvSpPr/>
+          <p:nvPr/>
+        </p:nvSpPr>
+        <p:spPr>
+          <a:xfrm>
+            <a:off x="871560" y="1702080"/>
+            <a:ext cx="1216440" cy="241920"/>
           </a:xfrm>
           <a:prstGeom prst="rect">
             <a:avLst/>
@@ -5781,601 +6636,14 @@
       </p:sp>
       <p:sp>
         <p:nvSpPr>
-          <p:cNvPr id="119" name="Line 6"/>
-          <p:cNvSpPr/>
-          <p:nvPr/>
-        </p:nvSpPr>
-        <p:spPr>
-          <a:xfrm>
-            <a:off x="360000" y="2952000"/>
-            <a:ext cx="1419840" cy="0"/>
-          </a:xfrm>
-          <a:prstGeom prst="line">
-            <a:avLst/>
-          </a:prstGeom>
-          <a:ln w="76320">
-            <a:solidFill>
-              <a:schemeClr val="tx1"/>
-            </a:solidFill>
-          </a:ln>
-        </p:spPr>
-        <p:style>
-          <a:lnRef idx="1">
-            <a:schemeClr val="accent1"/>
-          </a:lnRef>
-          <a:fillRef idx="0">
-            <a:schemeClr val="accent1"/>
-          </a:fillRef>
-          <a:effectRef idx="0">
-            <a:schemeClr val="accent1"/>
-          </a:effectRef>
-          <a:fontRef idx="minor"/>
-        </p:style>
-      </p:sp>
-      <p:sp>
-        <p:nvSpPr>
-          <p:cNvPr id="120" name="Line 7"/>
-          <p:cNvSpPr/>
-          <p:nvPr/>
-        </p:nvSpPr>
-        <p:spPr>
-          <a:xfrm>
-            <a:off x="360000" y="3456000"/>
-            <a:ext cx="1419840" cy="0"/>
-          </a:xfrm>
-          <a:prstGeom prst="line">
-            <a:avLst/>
-          </a:prstGeom>
-          <a:ln w="76320">
-            <a:solidFill>
-              <a:schemeClr val="tx1"/>
-            </a:solidFill>
-          </a:ln>
-        </p:spPr>
-        <p:style>
-          <a:lnRef idx="1">
-            <a:schemeClr val="accent1"/>
-          </a:lnRef>
-          <a:fillRef idx="0">
-            <a:schemeClr val="accent1"/>
-          </a:fillRef>
-          <a:effectRef idx="0">
-            <a:schemeClr val="accent1"/>
-          </a:effectRef>
-          <a:fontRef idx="minor"/>
-        </p:style>
-      </p:sp>
-      <p:sp>
-        <p:nvSpPr>
-          <p:cNvPr id="121" name="CustomShape 8"/>
-          <p:cNvSpPr/>
-          <p:nvPr/>
-        </p:nvSpPr>
-        <p:spPr>
-          <a:xfrm>
-            <a:off x="576000" y="2952000"/>
-            <a:ext cx="1293480" cy="454680"/>
-          </a:xfrm>
-          <a:prstGeom prst="rect">
-            <a:avLst/>
-          </a:prstGeom>
-          <a:noFill/>
-          <a:ln>
-            <a:noFill/>
-          </a:ln>
-        </p:spPr>
-        <p:style>
-          <a:lnRef idx="0"/>
-          <a:fillRef idx="0"/>
-          <a:effectRef idx="0"/>
-          <a:fontRef idx="minor"/>
-        </p:style>
-        <p:txBody>
-          <a:bodyPr lIns="90000" rIns="90000" tIns="45000" bIns="45000">
-            <a:spAutoFit/>
-          </a:bodyPr>
-          <a:p>
-            <a:pPr>
-              <a:lnSpc>
-                <a:spcPct val="100000"/>
-              </a:lnSpc>
-            </a:pPr>
-            <a:r>
-              <a:rPr b="0" lang="pt-BR" sz="1200" spc="-1" strike="noStrike">
-                <a:solidFill>
-                  <a:srgbClr val="000000"/>
-                </a:solidFill>
-                <a:latin typeface="Arial"/>
-                <a:ea typeface="DejaVu Sans"/>
-              </a:rPr>
-              <a:t>Subcomponente não testado</a:t>
-            </a:r>
-            <a:endParaRPr b="0" lang="pt-BR" sz="1200" spc="-1" strike="noStrike">
-              <a:latin typeface="Arial"/>
-            </a:endParaRPr>
-          </a:p>
-        </p:txBody>
-      </p:sp>
-      <p:sp>
-        <p:nvSpPr>
-          <p:cNvPr id="122" name="CustomShape 9"/>
-          <p:cNvSpPr/>
-          <p:nvPr/>
-        </p:nvSpPr>
-        <p:spPr>
-          <a:xfrm>
-            <a:off x="1123920" y="2520000"/>
-            <a:ext cx="25560" cy="429480"/>
-          </a:xfrm>
-          <a:custGeom>
-            <a:avLst/>
-            <a:gdLst/>
-            <a:ahLst/>
-            <a:rect l="l" t="t" r="r" b="b"/>
-            <a:pathLst>
-              <a:path w="21600" h="21600">
-                <a:moveTo>
-                  <a:pt x="0" y="0"/>
-                </a:moveTo>
-                <a:lnTo>
-                  <a:pt x="21600" y="21600"/>
-                </a:lnTo>
-              </a:path>
-            </a:pathLst>
-          </a:custGeom>
-          <a:noFill/>
-          <a:ln>
-            <a:solidFill>
-              <a:schemeClr val="tx1"/>
-            </a:solidFill>
-            <a:tailEnd len="med" type="triangle" w="med"/>
-          </a:ln>
-        </p:spPr>
-        <p:style>
-          <a:lnRef idx="1">
-            <a:schemeClr val="accent1"/>
-          </a:lnRef>
-          <a:fillRef idx="0">
-            <a:schemeClr val="accent1"/>
-          </a:fillRef>
-          <a:effectRef idx="0">
-            <a:schemeClr val="accent1"/>
-          </a:effectRef>
-          <a:fontRef idx="minor"/>
-        </p:style>
-      </p:sp>
-      <p:sp>
-        <p:nvSpPr>
-          <p:cNvPr id="123" name="CustomShape 10"/>
-          <p:cNvSpPr/>
-          <p:nvPr/>
-        </p:nvSpPr>
-        <p:spPr>
-          <a:xfrm>
-            <a:off x="2253960" y="1440000"/>
-            <a:ext cx="1127520" cy="1059840"/>
-          </a:xfrm>
-          <a:prstGeom prst="ellipse">
-            <a:avLst/>
-          </a:prstGeom>
-          <a:ln>
-            <a:solidFill>
-              <a:srgbClr val="111111"/>
-            </a:solidFill>
-          </a:ln>
-        </p:spPr>
-        <p:style>
-          <a:lnRef idx="2">
-            <a:schemeClr val="accent6">
-              <a:shade val="50000"/>
-            </a:schemeClr>
-          </a:lnRef>
-          <a:fillRef idx="1">
-            <a:schemeClr val="accent6"/>
-          </a:fillRef>
-          <a:effectRef idx="0">
-            <a:schemeClr val="accent6"/>
-          </a:effectRef>
-          <a:fontRef idx="minor"/>
-        </p:style>
-        <p:txBody>
-          <a:bodyPr lIns="90000" rIns="90000" tIns="45000" bIns="45000" anchor="ctr">
-            <a:noAutofit/>
-          </a:bodyPr>
-          <a:p>
-            <a:pPr algn="ctr">
-              <a:lnSpc>
-                <a:spcPct val="100000"/>
-              </a:lnSpc>
-            </a:pPr>
-            <a:r>
-              <a:rPr b="0" lang="pt-BR" sz="1200" spc="-1" strike="noStrike">
-                <a:solidFill>
-                  <a:srgbClr val="000000"/>
-                </a:solidFill>
-                <a:latin typeface="Arial"/>
-                <a:ea typeface="DejaVu Sans"/>
-              </a:rPr>
-              <a:t>Testar Subcomponente</a:t>
-            </a:r>
-            <a:endParaRPr b="0" lang="pt-BR" sz="1200" spc="-1" strike="noStrike">
-              <a:latin typeface="Arial"/>
-            </a:endParaRPr>
-          </a:p>
-        </p:txBody>
-      </p:sp>
-      <p:sp>
-        <p:nvSpPr>
-          <p:cNvPr id="124" name="CustomShape 11"/>
-          <p:cNvSpPr/>
-          <p:nvPr/>
-        </p:nvSpPr>
-        <p:spPr>
-          <a:xfrm flipH="1">
-            <a:off x="1581120" y="2304000"/>
-            <a:ext cx="789480" cy="645480"/>
-          </a:xfrm>
-          <a:custGeom>
-            <a:avLst/>
-            <a:gdLst/>
-            <a:ahLst/>
-            <a:rect l="l" t="t" r="r" b="b"/>
-            <a:pathLst>
-              <a:path w="21600" h="21600">
-                <a:moveTo>
-                  <a:pt x="0" y="0"/>
-                </a:moveTo>
-                <a:lnTo>
-                  <a:pt x="21600" y="21600"/>
-                </a:lnTo>
-              </a:path>
-            </a:pathLst>
-          </a:custGeom>
-          <a:noFill/>
-          <a:ln>
-            <a:solidFill>
-              <a:schemeClr val="tx1"/>
-            </a:solidFill>
-            <a:headEnd len="med" type="triangle" w="med"/>
-            <a:tailEnd len="med" type="triangle" w="med"/>
-          </a:ln>
-        </p:spPr>
-        <p:style>
-          <a:lnRef idx="1">
-            <a:schemeClr val="accent1"/>
-          </a:lnRef>
-          <a:fillRef idx="0">
-            <a:schemeClr val="accent1"/>
-          </a:fillRef>
-          <a:effectRef idx="0">
-            <a:schemeClr val="accent1"/>
-          </a:effectRef>
-          <a:fontRef idx="minor"/>
-        </p:style>
-      </p:sp>
-      <p:sp>
-        <p:nvSpPr>
-          <p:cNvPr id="125" name="CustomShape 12"/>
-          <p:cNvSpPr/>
-          <p:nvPr/>
-        </p:nvSpPr>
-        <p:spPr>
-          <a:xfrm>
-            <a:off x="2232000" y="2952000"/>
-            <a:ext cx="1293480" cy="454680"/>
-          </a:xfrm>
-          <a:prstGeom prst="rect">
-            <a:avLst/>
-          </a:prstGeom>
-          <a:noFill/>
-          <a:ln>
-            <a:noFill/>
-          </a:ln>
-        </p:spPr>
-        <p:style>
-          <a:lnRef idx="0"/>
-          <a:fillRef idx="0"/>
-          <a:effectRef idx="0"/>
-          <a:fontRef idx="minor"/>
-        </p:style>
-        <p:txBody>
-          <a:bodyPr lIns="90000" rIns="90000" tIns="45000" bIns="45000">
-            <a:spAutoFit/>
-          </a:bodyPr>
-          <a:p>
-            <a:pPr>
-              <a:lnSpc>
-                <a:spcPct val="100000"/>
-              </a:lnSpc>
-            </a:pPr>
-            <a:r>
-              <a:rPr b="0" lang="pt-BR" sz="1200" spc="-1" strike="noStrike">
-                <a:solidFill>
-                  <a:srgbClr val="000000"/>
-                </a:solidFill>
-                <a:latin typeface="Arial"/>
-                <a:ea typeface="DejaVu Sans"/>
-              </a:rPr>
-              <a:t>Subcomponente testado</a:t>
-            </a:r>
-            <a:endParaRPr b="0" lang="pt-BR" sz="1200" spc="-1" strike="noStrike">
-              <a:latin typeface="Arial"/>
-            </a:endParaRPr>
-          </a:p>
-        </p:txBody>
-      </p:sp>
-      <p:sp>
-        <p:nvSpPr>
-          <p:cNvPr id="126" name="Line 13"/>
-          <p:cNvSpPr/>
-          <p:nvPr/>
-        </p:nvSpPr>
-        <p:spPr>
-          <a:xfrm>
-            <a:off x="2232000" y="2952000"/>
-            <a:ext cx="1419840" cy="0"/>
-          </a:xfrm>
-          <a:prstGeom prst="line">
-            <a:avLst/>
-          </a:prstGeom>
-          <a:ln w="76320">
-            <a:solidFill>
-              <a:schemeClr val="tx1"/>
-            </a:solidFill>
-          </a:ln>
-        </p:spPr>
-        <p:style>
-          <a:lnRef idx="1">
-            <a:schemeClr val="accent1"/>
-          </a:lnRef>
-          <a:fillRef idx="0">
-            <a:schemeClr val="accent1"/>
-          </a:fillRef>
-          <a:effectRef idx="0">
-            <a:schemeClr val="accent1"/>
-          </a:effectRef>
-          <a:fontRef idx="minor"/>
-        </p:style>
-      </p:sp>
-      <p:sp>
-        <p:nvSpPr>
-          <p:cNvPr id="127" name="Line 14"/>
-          <p:cNvSpPr/>
-          <p:nvPr/>
-        </p:nvSpPr>
-        <p:spPr>
-          <a:xfrm>
-            <a:off x="2252160" y="3456000"/>
-            <a:ext cx="1419840" cy="0"/>
-          </a:xfrm>
-          <a:prstGeom prst="line">
-            <a:avLst/>
-          </a:prstGeom>
-          <a:ln w="76320">
-            <a:solidFill>
-              <a:schemeClr val="tx1"/>
-            </a:solidFill>
-          </a:ln>
-        </p:spPr>
-        <p:style>
-          <a:lnRef idx="1">
-            <a:schemeClr val="accent1"/>
-          </a:lnRef>
-          <a:fillRef idx="0">
-            <a:schemeClr val="accent1"/>
-          </a:fillRef>
-          <a:effectRef idx="0">
-            <a:schemeClr val="accent1"/>
-          </a:effectRef>
-          <a:fontRef idx="minor"/>
-        </p:style>
-      </p:sp>
-      <p:sp>
-        <p:nvSpPr>
-          <p:cNvPr id="128" name="CustomShape 15"/>
-          <p:cNvSpPr/>
-          <p:nvPr/>
-        </p:nvSpPr>
-        <p:spPr>
-          <a:xfrm>
-            <a:off x="2923920" y="2502360"/>
-            <a:ext cx="25560" cy="429480"/>
-          </a:xfrm>
-          <a:custGeom>
-            <a:avLst/>
-            <a:gdLst/>
-            <a:ahLst/>
-            <a:rect l="l" t="t" r="r" b="b"/>
-            <a:pathLst>
-              <a:path w="21600" h="21600">
-                <a:moveTo>
-                  <a:pt x="0" y="0"/>
-                </a:moveTo>
-                <a:lnTo>
-                  <a:pt x="21600" y="21600"/>
-                </a:lnTo>
-              </a:path>
-            </a:pathLst>
-          </a:custGeom>
-          <a:noFill/>
-          <a:ln>
-            <a:solidFill>
-              <a:schemeClr val="tx1"/>
-            </a:solidFill>
-            <a:tailEnd len="med" type="triangle" w="med"/>
-          </a:ln>
-        </p:spPr>
-        <p:style>
-          <a:lnRef idx="1">
-            <a:schemeClr val="accent1"/>
-          </a:lnRef>
-          <a:fillRef idx="0">
-            <a:schemeClr val="accent1"/>
-          </a:fillRef>
-          <a:effectRef idx="0">
-            <a:schemeClr val="accent1"/>
-          </a:effectRef>
-          <a:fontRef idx="minor"/>
-        </p:style>
-      </p:sp>
-      <p:sp>
-        <p:nvSpPr>
-          <p:cNvPr id="129" name="CustomShape 16"/>
-          <p:cNvSpPr/>
-          <p:nvPr/>
-        </p:nvSpPr>
-        <p:spPr>
-          <a:xfrm>
-            <a:off x="2448000" y="246960"/>
-            <a:ext cx="950400" cy="758520"/>
-          </a:xfrm>
-          <a:prstGeom prst="rect">
-            <a:avLst/>
-          </a:prstGeom>
-          <a:gradFill rotWithShape="0">
-            <a:gsLst>
-              <a:gs pos="0">
-                <a:srgbClr val="d0d0d0"/>
-              </a:gs>
-              <a:gs pos="100000">
-                <a:srgbClr val="ededed">
-                  <a:alpha val="0"/>
-                </a:srgbClr>
-              </a:gs>
-            </a:gsLst>
-            <a:lin ang="16200000"/>
-          </a:gradFill>
-          <a:ln/>
-          <a:effectLst>
-            <a:outerShdw blurRad="40000" dir="5400000" dist="20160" rotWithShape="0">
-              <a:srgbClr val="000000">
-                <a:alpha val="38000"/>
-              </a:srgbClr>
-            </a:outerShdw>
-          </a:effectLst>
-        </p:spPr>
-        <p:style>
-          <a:lnRef idx="1">
-            <a:schemeClr val="dk1"/>
-          </a:lnRef>
-          <a:fillRef idx="2">
-            <a:schemeClr val="dk1"/>
-          </a:fillRef>
-          <a:effectRef idx="1">
-            <a:schemeClr val="dk1"/>
-          </a:effectRef>
-          <a:fontRef idx="minor"/>
-        </p:style>
-        <p:txBody>
-          <a:bodyPr lIns="90000" rIns="90000" tIns="45000" bIns="45000" anchor="ctr">
-            <a:noAutofit/>
-          </a:bodyPr>
-          <a:p>
-            <a:pPr algn="ctr">
-              <a:lnSpc>
-                <a:spcPct val="100000"/>
-              </a:lnSpc>
-            </a:pPr>
-            <a:r>
-              <a:rPr b="0" lang="pt-BR" sz="1200" spc="-1" strike="noStrike">
-                <a:solidFill>
-                  <a:srgbClr val="000000"/>
-                </a:solidFill>
-                <a:latin typeface="Arial"/>
-                <a:ea typeface="DejaVu Sans"/>
-              </a:rPr>
-              <a:t>Linha de Produção</a:t>
-            </a:r>
-            <a:endParaRPr b="0" lang="pt-BR" sz="1200" spc="-1" strike="noStrike">
-              <a:latin typeface="Arial"/>
-            </a:endParaRPr>
-          </a:p>
-        </p:txBody>
-      </p:sp>
-      <p:sp>
-        <p:nvSpPr>
-          <p:cNvPr id="130" name="CustomShape 17"/>
-          <p:cNvSpPr/>
-          <p:nvPr/>
-        </p:nvSpPr>
-        <p:spPr>
-          <a:xfrm flipV="1">
-            <a:off x="2808000" y="1005120"/>
-            <a:ext cx="128520" cy="430200"/>
-          </a:xfrm>
-          <a:custGeom>
-            <a:avLst/>
-            <a:gdLst/>
-            <a:ahLst/>
-            <a:rect l="l" t="t" r="r" b="b"/>
-            <a:pathLst>
-              <a:path w="21600" h="21600">
-                <a:moveTo>
-                  <a:pt x="0" y="0"/>
-                </a:moveTo>
-                <a:lnTo>
-                  <a:pt x="21600" y="21600"/>
-                </a:lnTo>
-              </a:path>
-            </a:pathLst>
-          </a:custGeom>
-          <a:noFill/>
-          <a:ln>
-            <a:solidFill>
-              <a:schemeClr val="tx1"/>
-            </a:solidFill>
-            <a:tailEnd len="med" type="triangle" w="med"/>
-          </a:ln>
-        </p:spPr>
-        <p:style>
-          <a:lnRef idx="1">
-            <a:schemeClr val="accent1"/>
-          </a:lnRef>
-          <a:fillRef idx="0">
-            <a:schemeClr val="accent1"/>
-          </a:fillRef>
-          <a:effectRef idx="0">
-            <a:schemeClr val="accent1"/>
-          </a:effectRef>
-          <a:fontRef idx="minor"/>
-        </p:style>
-      </p:sp>
-      <p:sp>
-        <p:nvSpPr>
-          <p:cNvPr id="131" name="CustomShape 18"/>
-          <p:cNvSpPr/>
-          <p:nvPr/>
-        </p:nvSpPr>
-        <p:spPr>
-          <a:xfrm>
-            <a:off x="3096000" y="1080000"/>
-            <a:ext cx="839880" cy="452520"/>
-          </a:xfrm>
-          <a:prstGeom prst="rect">
-            <a:avLst/>
-          </a:prstGeom>
-          <a:noFill/>
-          <a:ln>
-            <a:noFill/>
-          </a:ln>
-        </p:spPr>
-        <p:style>
-          <a:lnRef idx="0"/>
-          <a:fillRef idx="0"/>
-          <a:effectRef idx="0"/>
-          <a:fontRef idx="minor"/>
-        </p:style>
-      </p:sp>
-      <p:sp>
-        <p:nvSpPr>
-          <p:cNvPr id="132" name="CustomShape 19"/>
-          <p:cNvSpPr/>
-          <p:nvPr/>
-        </p:nvSpPr>
-        <p:spPr>
-          <a:xfrm>
-            <a:off x="3096000" y="1080000"/>
-            <a:ext cx="2013480" cy="249480"/>
+          <p:cNvPr id="141" name="CustomShape 33"/>
+          <p:cNvSpPr/>
+          <p:nvPr/>
+        </p:nvSpPr>
+        <p:spPr>
+          <a:xfrm>
+            <a:off x="3124440" y="1910520"/>
+            <a:ext cx="2012760" cy="249480"/>
           </a:xfrm>
           <a:prstGeom prst="rect">
             <a:avLst/>
@@ -6416,6 +6684,55 @@
             </a:endParaRPr>
           </a:p>
         </p:txBody>
+      </p:sp>
+      <p:sp>
+        <p:nvSpPr>
+          <p:cNvPr id="142" name="CustomShape 34"/>
+          <p:cNvSpPr/>
+          <p:nvPr/>
+        </p:nvSpPr>
+        <p:spPr>
+          <a:xfrm flipH="1">
+            <a:off x="3528000" y="2808000"/>
+            <a:ext cx="1800000" cy="1004760"/>
+          </a:xfrm>
+          <a:custGeom>
+            <a:avLst/>
+            <a:gdLst/>
+            <a:ahLst/>
+            <a:rect l="l" t="t" r="r" b="b"/>
+            <a:pathLst>
+              <a:path w="21600" h="21600">
+                <a:moveTo>
+                  <a:pt x="0" y="0"/>
+                </a:moveTo>
+                <a:lnTo>
+                  <a:pt x="21600" y="21600"/>
+                </a:lnTo>
+              </a:path>
+            </a:pathLst>
+          </a:custGeom>
+          <a:noFill/>
+          <a:ln>
+            <a:solidFill>
+              <a:schemeClr val="tx1"/>
+            </a:solidFill>
+            <a:headEnd len="med" type="triangle" w="med"/>
+            <a:tailEnd len="med" type="triangle" w="med"/>
+          </a:ln>
+        </p:spPr>
+        <p:style>
+          <a:lnRef idx="1">
+            <a:schemeClr val="accent1"/>
+          </a:lnRef>
+          <a:fillRef idx="0">
+            <a:schemeClr val="accent1"/>
+          </a:fillRef>
+          <a:effectRef idx="0">
+            <a:schemeClr val="accent1"/>
+          </a:effectRef>
+          <a:fontRef idx="minor"/>
+        </p:style>
       </p:sp>
     </p:spTree>
   </p:cSld>
@@ -6449,14 +6766,14 @@
       </p:grpSpPr>
       <p:sp>
         <p:nvSpPr>
-          <p:cNvPr id="133" name="CustomShape 1"/>
+          <p:cNvPr id="143" name="CustomShape 1"/>
           <p:cNvSpPr/>
           <p:nvPr/>
         </p:nvSpPr>
         <p:spPr>
           <a:xfrm>
             <a:off x="6912000" y="85680"/>
-            <a:ext cx="2805480" cy="638280"/>
+            <a:ext cx="2804760" cy="638280"/>
           </a:xfrm>
           <a:prstGeom prst="rect">
             <a:avLst/>
@@ -6488,9 +6805,9 @@
                   <a:srgbClr val="000000"/>
                 </a:solidFill>
                 <a:latin typeface="Arial"/>
-                <a:ea typeface="Microsoft YaHei"/>
+                <a:ea typeface="DejaVu Sans"/>
               </a:rPr>
-              <a:t>Capacidade:Montar a máquina</a:t>
+              <a:t>Capacidade:Entregar Máquina</a:t>
             </a:r>
             <a:endParaRPr b="0" lang="pt-BR" sz="1800" spc="-1" strike="noStrike">
               <a:latin typeface="Arial"/>
@@ -6500,765 +6817,14 @@
       </p:sp>
       <p:sp>
         <p:nvSpPr>
-          <p:cNvPr id="134" name="CustomShape 2"/>
-          <p:cNvSpPr/>
-          <p:nvPr/>
-        </p:nvSpPr>
-        <p:spPr>
-          <a:xfrm>
-            <a:off x="3096000" y="1080000"/>
-            <a:ext cx="839880" cy="452520"/>
-          </a:xfrm>
-          <a:prstGeom prst="rect">
-            <a:avLst/>
-          </a:prstGeom>
-          <a:noFill/>
-          <a:ln>
-            <a:noFill/>
-          </a:ln>
-        </p:spPr>
-        <p:style>
-          <a:lnRef idx="0"/>
-          <a:fillRef idx="0"/>
-          <a:effectRef idx="0"/>
-          <a:fontRef idx="minor"/>
-        </p:style>
-      </p:sp>
-      <p:sp>
-        <p:nvSpPr>
-          <p:cNvPr id="135" name="CustomShape 3"/>
-          <p:cNvSpPr/>
-          <p:nvPr/>
-        </p:nvSpPr>
-        <p:spPr>
-          <a:xfrm>
-            <a:off x="720000" y="3816000"/>
-            <a:ext cx="1365480" cy="455400"/>
-          </a:xfrm>
-          <a:prstGeom prst="rect">
-            <a:avLst/>
-          </a:prstGeom>
-          <a:noFill/>
-          <a:ln>
-            <a:noFill/>
-          </a:ln>
-        </p:spPr>
-        <p:style>
-          <a:lnRef idx="0"/>
-          <a:fillRef idx="0"/>
-          <a:effectRef idx="0"/>
-          <a:fontRef idx="minor"/>
-        </p:style>
-        <p:txBody>
-          <a:bodyPr lIns="90000" rIns="90000" tIns="45000" bIns="45000">
-            <a:spAutoFit/>
-          </a:bodyPr>
-          <a:p>
-            <a:pPr algn="ctr">
-              <a:lnSpc>
-                <a:spcPct val="100000"/>
-              </a:lnSpc>
-            </a:pPr>
-            <a:r>
-              <a:rPr b="0" lang="pt-BR" sz="1200" spc="-1" strike="noStrike">
-                <a:solidFill>
-                  <a:srgbClr val="000000"/>
-                </a:solidFill>
-                <a:latin typeface="Arial"/>
-                <a:ea typeface="DejaVu Sans"/>
-              </a:rPr>
-              <a:t>Subcomponentes testados</a:t>
-            </a:r>
-            <a:endParaRPr b="0" lang="pt-BR" sz="1200" spc="-1" strike="noStrike">
-              <a:latin typeface="Arial"/>
-            </a:endParaRPr>
-          </a:p>
-        </p:txBody>
-      </p:sp>
-      <p:sp>
-        <p:nvSpPr>
-          <p:cNvPr id="136" name="Line 4"/>
-          <p:cNvSpPr/>
-          <p:nvPr/>
-        </p:nvSpPr>
-        <p:spPr>
-          <a:xfrm>
-            <a:off x="668160" y="3744000"/>
-            <a:ext cx="1419840" cy="0"/>
-          </a:xfrm>
-          <a:prstGeom prst="line">
-            <a:avLst/>
-          </a:prstGeom>
-          <a:ln w="76320">
-            <a:solidFill>
-              <a:schemeClr val="tx1"/>
-            </a:solidFill>
-          </a:ln>
-        </p:spPr>
-        <p:style>
-          <a:lnRef idx="1">
-            <a:schemeClr val="accent1"/>
-          </a:lnRef>
-          <a:fillRef idx="0">
-            <a:schemeClr val="accent1"/>
-          </a:fillRef>
-          <a:effectRef idx="0">
-            <a:schemeClr val="accent1"/>
-          </a:effectRef>
-          <a:fontRef idx="minor"/>
-        </p:style>
-      </p:sp>
-      <p:sp>
-        <p:nvSpPr>
-          <p:cNvPr id="137" name="Line 5"/>
-          <p:cNvSpPr/>
-          <p:nvPr/>
-        </p:nvSpPr>
-        <p:spPr>
-          <a:xfrm>
-            <a:off x="668160" y="4320000"/>
-            <a:ext cx="1419840" cy="0"/>
-          </a:xfrm>
-          <a:prstGeom prst="line">
-            <a:avLst/>
-          </a:prstGeom>
-          <a:ln w="76320">
-            <a:solidFill>
-              <a:schemeClr val="tx1"/>
-            </a:solidFill>
-          </a:ln>
-        </p:spPr>
-        <p:style>
-          <a:lnRef idx="1">
-            <a:schemeClr val="accent1"/>
-          </a:lnRef>
-          <a:fillRef idx="0">
-            <a:schemeClr val="accent1"/>
-          </a:fillRef>
-          <a:effectRef idx="0">
-            <a:schemeClr val="accent1"/>
-          </a:effectRef>
-          <a:fontRef idx="minor"/>
-        </p:style>
-      </p:sp>
-      <p:sp>
-        <p:nvSpPr>
-          <p:cNvPr id="138" name="CustomShape 6"/>
-          <p:cNvSpPr/>
-          <p:nvPr/>
-        </p:nvSpPr>
-        <p:spPr>
-          <a:xfrm>
-            <a:off x="2469960" y="1656000"/>
-            <a:ext cx="2063520" cy="1437480"/>
-          </a:xfrm>
-          <a:prstGeom prst="ellipse">
-            <a:avLst/>
-          </a:prstGeom>
-          <a:ln>
-            <a:solidFill>
-              <a:srgbClr val="111111"/>
-            </a:solidFill>
-          </a:ln>
-        </p:spPr>
-        <p:style>
-          <a:lnRef idx="2">
-            <a:schemeClr val="accent6">
-              <a:shade val="50000"/>
-            </a:schemeClr>
-          </a:lnRef>
-          <a:fillRef idx="1">
-            <a:schemeClr val="accent6"/>
-          </a:fillRef>
-          <a:effectRef idx="0">
-            <a:schemeClr val="accent6"/>
-          </a:effectRef>
-          <a:fontRef idx="minor"/>
-        </p:style>
-        <p:txBody>
-          <a:bodyPr lIns="90000" rIns="90000" tIns="45000" bIns="45000" anchor="ctr">
-            <a:noAutofit/>
-          </a:bodyPr>
-          <a:p>
-            <a:pPr algn="ctr">
-              <a:lnSpc>
-                <a:spcPct val="100000"/>
-              </a:lnSpc>
-            </a:pPr>
-            <a:r>
-              <a:rPr b="0" lang="pt-BR" sz="1200" spc="-1" strike="noStrike">
-                <a:solidFill>
-                  <a:srgbClr val="000000"/>
-                </a:solidFill>
-                <a:latin typeface="Arial"/>
-                <a:ea typeface="DejaVu Sans"/>
-              </a:rPr>
-              <a:t>Fixar Subcomponentes</a:t>
-            </a:r>
-            <a:endParaRPr b="0" lang="pt-BR" sz="1200" spc="-1" strike="noStrike">
-              <a:latin typeface="Arial"/>
-            </a:endParaRPr>
-          </a:p>
-        </p:txBody>
-      </p:sp>
-      <p:sp>
-        <p:nvSpPr>
-          <p:cNvPr id="139" name="Line 7"/>
-          <p:cNvSpPr/>
-          <p:nvPr/>
-        </p:nvSpPr>
-        <p:spPr>
-          <a:xfrm>
-            <a:off x="2664000" y="3744000"/>
-            <a:ext cx="1419840" cy="0"/>
-          </a:xfrm>
-          <a:prstGeom prst="line">
-            <a:avLst/>
-          </a:prstGeom>
-          <a:ln w="76320">
-            <a:solidFill>
-              <a:schemeClr val="tx1"/>
-            </a:solidFill>
-          </a:ln>
-        </p:spPr>
-        <p:style>
-          <a:lnRef idx="1">
-            <a:schemeClr val="accent1"/>
-          </a:lnRef>
-          <a:fillRef idx="0">
-            <a:schemeClr val="accent1"/>
-          </a:fillRef>
-          <a:effectRef idx="0">
-            <a:schemeClr val="accent1"/>
-          </a:effectRef>
-          <a:fontRef idx="minor"/>
-        </p:style>
-      </p:sp>
-      <p:sp>
-        <p:nvSpPr>
-          <p:cNvPr id="140" name="Line 8"/>
-          <p:cNvSpPr/>
-          <p:nvPr/>
-        </p:nvSpPr>
-        <p:spPr>
-          <a:xfrm>
-            <a:off x="2664000" y="4248000"/>
-            <a:ext cx="1419840" cy="0"/>
-          </a:xfrm>
-          <a:prstGeom prst="line">
-            <a:avLst/>
-          </a:prstGeom>
-          <a:ln w="76320">
-            <a:solidFill>
-              <a:schemeClr val="tx1"/>
-            </a:solidFill>
-          </a:ln>
-        </p:spPr>
-        <p:style>
-          <a:lnRef idx="1">
-            <a:schemeClr val="accent1"/>
-          </a:lnRef>
-          <a:fillRef idx="0">
-            <a:schemeClr val="accent1"/>
-          </a:fillRef>
-          <a:effectRef idx="0">
-            <a:schemeClr val="accent1"/>
-          </a:effectRef>
-          <a:fontRef idx="minor"/>
-        </p:style>
-      </p:sp>
-      <p:sp>
-        <p:nvSpPr>
-          <p:cNvPr id="141" name="CustomShape 9"/>
-          <p:cNvSpPr/>
-          <p:nvPr/>
-        </p:nvSpPr>
-        <p:spPr>
-          <a:xfrm flipH="1">
-            <a:off x="1797120" y="2880000"/>
-            <a:ext cx="933480" cy="789480"/>
-          </a:xfrm>
-          <a:custGeom>
-            <a:avLst/>
-            <a:gdLst/>
-            <a:ahLst/>
-            <a:rect l="l" t="t" r="r" b="b"/>
-            <a:pathLst>
-              <a:path w="21600" h="21600">
-                <a:moveTo>
-                  <a:pt x="0" y="0"/>
-                </a:moveTo>
-                <a:lnTo>
-                  <a:pt x="21600" y="21600"/>
-                </a:lnTo>
-              </a:path>
-            </a:pathLst>
-          </a:custGeom>
-          <a:noFill/>
-          <a:ln>
-            <a:solidFill>
-              <a:schemeClr val="tx1"/>
-            </a:solidFill>
-            <a:headEnd len="med" type="triangle" w="med"/>
-            <a:tailEnd len="med" type="triangle" w="med"/>
-          </a:ln>
-        </p:spPr>
-        <p:style>
-          <a:lnRef idx="1">
-            <a:schemeClr val="accent1"/>
-          </a:lnRef>
-          <a:fillRef idx="0">
-            <a:schemeClr val="accent1"/>
-          </a:fillRef>
-          <a:effectRef idx="0">
-            <a:schemeClr val="accent1"/>
-          </a:effectRef>
-          <a:fontRef idx="minor"/>
-        </p:style>
-      </p:sp>
-      <p:sp>
-        <p:nvSpPr>
-          <p:cNvPr id="142" name="CustomShape 10"/>
-          <p:cNvSpPr/>
-          <p:nvPr/>
-        </p:nvSpPr>
-        <p:spPr>
-          <a:xfrm>
-            <a:off x="3456000" y="3096000"/>
-            <a:ext cx="360" cy="645480"/>
-          </a:xfrm>
-          <a:custGeom>
-            <a:avLst/>
-            <a:gdLst/>
-            <a:ahLst/>
-            <a:rect l="l" t="t" r="r" b="b"/>
-            <a:pathLst>
-              <a:path w="21600" h="21600">
-                <a:moveTo>
-                  <a:pt x="0" y="0"/>
-                </a:moveTo>
-                <a:lnTo>
-                  <a:pt x="21600" y="21600"/>
-                </a:lnTo>
-              </a:path>
-            </a:pathLst>
-          </a:custGeom>
-          <a:noFill/>
-          <a:ln>
-            <a:solidFill>
-              <a:schemeClr val="tx1"/>
-            </a:solidFill>
-            <a:tailEnd len="med" type="triangle" w="med"/>
-          </a:ln>
-        </p:spPr>
-        <p:style>
-          <a:lnRef idx="1">
-            <a:schemeClr val="accent1"/>
-          </a:lnRef>
-          <a:fillRef idx="0">
-            <a:schemeClr val="accent1"/>
-          </a:fillRef>
-          <a:effectRef idx="0">
-            <a:schemeClr val="accent1"/>
-          </a:effectRef>
-          <a:fontRef idx="minor"/>
-        </p:style>
-      </p:sp>
-      <p:sp>
-        <p:nvSpPr>
-          <p:cNvPr id="143" name="CustomShape 11"/>
-          <p:cNvSpPr/>
-          <p:nvPr/>
-        </p:nvSpPr>
-        <p:spPr>
-          <a:xfrm flipH="1">
-            <a:off x="3963600" y="2952000"/>
-            <a:ext cx="999000" cy="718920"/>
-          </a:xfrm>
-          <a:custGeom>
-            <a:avLst/>
-            <a:gdLst/>
-            <a:ahLst/>
-            <a:rect l="l" t="t" r="r" b="b"/>
-            <a:pathLst>
-              <a:path w="21600" h="21600">
-                <a:moveTo>
-                  <a:pt x="0" y="0"/>
-                </a:moveTo>
-                <a:lnTo>
-                  <a:pt x="21600" y="21600"/>
-                </a:lnTo>
-              </a:path>
-            </a:pathLst>
-          </a:custGeom>
-          <a:noFill/>
-          <a:ln>
-            <a:solidFill>
-              <a:schemeClr val="tx1"/>
-            </a:solidFill>
-            <a:headEnd len="med" type="triangle" w="med"/>
-            <a:tailEnd len="med" type="triangle" w="med"/>
-          </a:ln>
-        </p:spPr>
-        <p:style>
-          <a:lnRef idx="1">
-            <a:schemeClr val="accent1"/>
-          </a:lnRef>
-          <a:fillRef idx="0">
-            <a:schemeClr val="accent1"/>
-          </a:fillRef>
-          <a:effectRef idx="0">
-            <a:schemeClr val="accent1"/>
-          </a:effectRef>
-          <a:fontRef idx="minor"/>
-        </p:style>
-      </p:sp>
-      <p:sp>
-        <p:nvSpPr>
-          <p:cNvPr id="144" name="CustomShape 12"/>
-          <p:cNvSpPr/>
-          <p:nvPr/>
-        </p:nvSpPr>
-        <p:spPr>
-          <a:xfrm>
-            <a:off x="2511360" y="3785760"/>
-            <a:ext cx="1725120" cy="455400"/>
-          </a:xfrm>
-          <a:prstGeom prst="rect">
-            <a:avLst/>
-          </a:prstGeom>
-          <a:noFill/>
-          <a:ln>
-            <a:noFill/>
-          </a:ln>
-        </p:spPr>
-        <p:style>
-          <a:lnRef idx="0"/>
-          <a:fillRef idx="0"/>
-          <a:effectRef idx="0"/>
-          <a:fontRef idx="minor"/>
-        </p:style>
-        <p:txBody>
-          <a:bodyPr lIns="90000" rIns="90000" tIns="45000" bIns="45000">
-            <a:spAutoFit/>
-          </a:bodyPr>
-          <a:p>
-            <a:pPr algn="ctr">
-              <a:lnSpc>
-                <a:spcPct val="100000"/>
-              </a:lnSpc>
-            </a:pPr>
-            <a:r>
-              <a:rPr b="0" lang="pt-BR" sz="1200" spc="-1" strike="noStrike">
-                <a:solidFill>
-                  <a:srgbClr val="000000"/>
-                </a:solidFill>
-                <a:latin typeface="Arial"/>
-                <a:ea typeface="DejaVu Sans"/>
-              </a:rPr>
-              <a:t>Subcomponentes Fixados</a:t>
-            </a:r>
-            <a:endParaRPr b="0" lang="pt-BR" sz="1200" spc="-1" strike="noStrike">
-              <a:latin typeface="Arial"/>
-            </a:endParaRPr>
-          </a:p>
-        </p:txBody>
-      </p:sp>
-      <p:sp>
-        <p:nvSpPr>
-          <p:cNvPr id="145" name="CustomShape 13"/>
-          <p:cNvSpPr/>
-          <p:nvPr/>
-        </p:nvSpPr>
-        <p:spPr>
-          <a:xfrm>
-            <a:off x="4680360" y="1656360"/>
-            <a:ext cx="1725120" cy="1509120"/>
-          </a:xfrm>
-          <a:prstGeom prst="ellipse">
-            <a:avLst/>
-          </a:prstGeom>
-          <a:ln>
-            <a:solidFill>
-              <a:srgbClr val="111111"/>
-            </a:solidFill>
-          </a:ln>
-        </p:spPr>
-        <p:style>
-          <a:lnRef idx="2">
-            <a:schemeClr val="accent6">
-              <a:shade val="50000"/>
-            </a:schemeClr>
-          </a:lnRef>
-          <a:fillRef idx="1">
-            <a:schemeClr val="accent6"/>
-          </a:fillRef>
-          <a:effectRef idx="0">
-            <a:schemeClr val="accent6"/>
-          </a:effectRef>
-          <a:fontRef idx="minor"/>
-        </p:style>
-        <p:txBody>
-          <a:bodyPr lIns="90000" rIns="90000" tIns="45000" bIns="45000" anchor="ctr">
-            <a:noAutofit/>
-          </a:bodyPr>
-          <a:p>
-            <a:pPr algn="ctr">
-              <a:lnSpc>
-                <a:spcPct val="100000"/>
-              </a:lnSpc>
-            </a:pPr>
-            <a:r>
-              <a:rPr b="0" lang="pt-BR" sz="1050" spc="-1" strike="noStrike">
-                <a:solidFill>
-                  <a:srgbClr val="000000"/>
-                </a:solidFill>
-                <a:latin typeface="Arial"/>
-                <a:ea typeface="DejaVu Sans"/>
-              </a:rPr>
-              <a:t>Empacotar a maquina</a:t>
-            </a:r>
-            <a:endParaRPr b="0" lang="pt-BR" sz="1050" spc="-1" strike="noStrike">
-              <a:latin typeface="Arial"/>
-            </a:endParaRPr>
-          </a:p>
-        </p:txBody>
-      </p:sp>
-      <p:sp>
-        <p:nvSpPr>
-          <p:cNvPr id="146" name="Line 14"/>
-          <p:cNvSpPr/>
-          <p:nvPr/>
-        </p:nvSpPr>
-        <p:spPr>
-          <a:xfrm>
-            <a:off x="4824000" y="3744000"/>
-            <a:ext cx="1419840" cy="0"/>
-          </a:xfrm>
-          <a:prstGeom prst="line">
-            <a:avLst/>
-          </a:prstGeom>
-          <a:ln w="76320">
-            <a:solidFill>
-              <a:schemeClr val="tx1"/>
-            </a:solidFill>
-          </a:ln>
-        </p:spPr>
-        <p:style>
-          <a:lnRef idx="1">
-            <a:schemeClr val="accent1"/>
-          </a:lnRef>
-          <a:fillRef idx="0">
-            <a:schemeClr val="accent1"/>
-          </a:fillRef>
-          <a:effectRef idx="0">
-            <a:schemeClr val="accent1"/>
-          </a:effectRef>
-          <a:fontRef idx="minor"/>
-        </p:style>
-      </p:sp>
-      <p:sp>
-        <p:nvSpPr>
-          <p:cNvPr id="147" name="Line 15"/>
-          <p:cNvSpPr/>
-          <p:nvPr/>
-        </p:nvSpPr>
-        <p:spPr>
-          <a:xfrm>
-            <a:off x="4824000" y="4248000"/>
-            <a:ext cx="1419840" cy="0"/>
-          </a:xfrm>
-          <a:prstGeom prst="line">
-            <a:avLst/>
-          </a:prstGeom>
-          <a:ln w="76320">
-            <a:solidFill>
-              <a:schemeClr val="tx1"/>
-            </a:solidFill>
-          </a:ln>
-        </p:spPr>
-        <p:style>
-          <a:lnRef idx="1">
-            <a:schemeClr val="accent1"/>
-          </a:lnRef>
-          <a:fillRef idx="0">
-            <a:schemeClr val="accent1"/>
-          </a:fillRef>
-          <a:effectRef idx="0">
-            <a:schemeClr val="accent1"/>
-          </a:effectRef>
-          <a:fontRef idx="minor"/>
-        </p:style>
-      </p:sp>
-      <p:sp>
-        <p:nvSpPr>
-          <p:cNvPr id="148" name="CustomShape 16"/>
-          <p:cNvSpPr/>
-          <p:nvPr/>
-        </p:nvSpPr>
-        <p:spPr>
-          <a:xfrm>
-            <a:off x="4752000" y="3816000"/>
-            <a:ext cx="1581480" cy="455400"/>
-          </a:xfrm>
-          <a:prstGeom prst="rect">
-            <a:avLst/>
-          </a:prstGeom>
-          <a:noFill/>
-          <a:ln>
-            <a:noFill/>
-          </a:ln>
-        </p:spPr>
-        <p:style>
-          <a:lnRef idx="0"/>
-          <a:fillRef idx="0"/>
-          <a:effectRef idx="0"/>
-          <a:fontRef idx="minor"/>
-        </p:style>
-        <p:txBody>
-          <a:bodyPr lIns="90000" rIns="90000" tIns="45000" bIns="45000">
-            <a:spAutoFit/>
-          </a:bodyPr>
-          <a:p>
-            <a:pPr algn="ctr">
-              <a:lnSpc>
-                <a:spcPct val="100000"/>
-              </a:lnSpc>
-            </a:pPr>
-            <a:r>
-              <a:rPr b="0" lang="pt-BR" sz="1200" spc="-1" strike="noStrike">
-                <a:solidFill>
-                  <a:srgbClr val="000000"/>
-                </a:solidFill>
-                <a:latin typeface="Arial"/>
-                <a:ea typeface="DejaVu Sans"/>
-              </a:rPr>
-              <a:t>Máquina empacotada</a:t>
-            </a:r>
-            <a:endParaRPr b="0" lang="pt-BR" sz="1200" spc="-1" strike="noStrike">
-              <a:latin typeface="Arial"/>
-            </a:endParaRPr>
-          </a:p>
-        </p:txBody>
-      </p:sp>
-      <p:sp>
-        <p:nvSpPr>
-          <p:cNvPr id="149" name="CustomShape 17"/>
-          <p:cNvSpPr/>
-          <p:nvPr/>
-        </p:nvSpPr>
-        <p:spPr>
-          <a:xfrm rot="21552600">
-            <a:off x="5541480" y="3165480"/>
-            <a:ext cx="5400" cy="501480"/>
-          </a:xfrm>
-          <a:custGeom>
-            <a:avLst/>
-            <a:gdLst/>
-            <a:ahLst/>
-            <a:rect l="l" t="t" r="r" b="b"/>
-            <a:pathLst>
-              <a:path w="21600" h="21600">
-                <a:moveTo>
-                  <a:pt x="0" y="0"/>
-                </a:moveTo>
-                <a:lnTo>
-                  <a:pt x="21600" y="21600"/>
-                </a:lnTo>
-              </a:path>
-            </a:pathLst>
-          </a:custGeom>
-          <a:noFill/>
-          <a:ln>
-            <a:solidFill>
-              <a:schemeClr val="tx1"/>
-            </a:solidFill>
-            <a:tailEnd len="med" type="triangle" w="med"/>
-          </a:ln>
-        </p:spPr>
-        <p:style>
-          <a:lnRef idx="1">
-            <a:schemeClr val="accent1"/>
-          </a:lnRef>
-          <a:fillRef idx="0">
-            <a:schemeClr val="accent1"/>
-          </a:fillRef>
-          <a:effectRef idx="0">
-            <a:schemeClr val="accent1"/>
-          </a:effectRef>
-          <a:fontRef idx="minor"/>
-        </p:style>
-      </p:sp>
-      <p:sp>
-        <p:nvSpPr>
-          <p:cNvPr id="150" name="CustomShape 18"/>
-          <p:cNvSpPr/>
-          <p:nvPr/>
-        </p:nvSpPr>
-        <p:spPr>
-          <a:xfrm>
-            <a:off x="6912000" y="2232000"/>
-            <a:ext cx="1725120" cy="1509120"/>
-          </a:xfrm>
-          <a:prstGeom prst="ellipse">
-            <a:avLst/>
-          </a:prstGeom>
-          <a:ln>
-            <a:solidFill>
-              <a:srgbClr val="111111"/>
-            </a:solidFill>
-          </a:ln>
-        </p:spPr>
-        <p:style>
-          <a:lnRef idx="2">
-            <a:schemeClr val="accent6">
-              <a:shade val="50000"/>
-            </a:schemeClr>
-          </a:lnRef>
-          <a:fillRef idx="1">
-            <a:schemeClr val="accent6"/>
-          </a:fillRef>
-          <a:effectRef idx="0">
-            <a:schemeClr val="accent6"/>
-          </a:effectRef>
-          <a:fontRef idx="minor"/>
-        </p:style>
-        <p:txBody>
-          <a:bodyPr lIns="90000" rIns="90000" tIns="45000" bIns="45000" anchor="ctr">
-            <a:noAutofit/>
-          </a:bodyPr>
-          <a:p>
-            <a:pPr algn="ctr">
-              <a:lnSpc>
-                <a:spcPct val="100000"/>
-              </a:lnSpc>
-            </a:pPr>
-            <a:r>
-              <a:rPr b="0" lang="pt-BR" sz="1050" spc="-1" strike="noStrike">
-                <a:solidFill>
-                  <a:srgbClr val="000000"/>
-                </a:solidFill>
-                <a:latin typeface="Arial"/>
-                <a:ea typeface="DejaVu Sans"/>
-              </a:rPr>
-              <a:t>Encaminhar maquina</a:t>
-            </a:r>
-            <a:endParaRPr b="0" lang="pt-BR" sz="1050" spc="-1" strike="noStrike">
-              <a:latin typeface="Arial"/>
-            </a:endParaRPr>
-          </a:p>
-        </p:txBody>
-      </p:sp>
-      <p:sp>
-        <p:nvSpPr>
-          <p:cNvPr id="151" name="CustomShape 19"/>
-          <p:cNvSpPr/>
-          <p:nvPr/>
-        </p:nvSpPr>
-        <p:spPr>
-          <a:xfrm>
-            <a:off x="7344000" y="864000"/>
-            <a:ext cx="950400" cy="758520"/>
+          <p:cNvPr id="144" name="CustomShape 2"/>
+          <p:cNvSpPr/>
+          <p:nvPr/>
+        </p:nvSpPr>
+        <p:spPr>
+          <a:xfrm>
+            <a:off x="471960" y="246600"/>
+            <a:ext cx="949680" cy="757800"/>
           </a:xfrm>
           <a:prstGeom prst="rect">
             <a:avLst/>
@@ -7315,7 +6881,7 @@
                 <a:latin typeface="Arial"/>
                 <a:ea typeface="DejaVu Sans"/>
               </a:rPr>
-              <a:t>Gerencia</a:t>
+              <a:t>Controle de qualidade</a:t>
             </a:r>
             <a:endParaRPr b="0" lang="pt-BR" sz="1200" spc="-1" strike="noStrike">
               <a:latin typeface="Arial"/>
@@ -7325,14 +6891,14 @@
       </p:sp>
       <p:sp>
         <p:nvSpPr>
-          <p:cNvPr id="152" name="CustomShape 20"/>
-          <p:cNvSpPr/>
-          <p:nvPr/>
-        </p:nvSpPr>
-        <p:spPr>
-          <a:xfrm flipH="1">
-            <a:off x="5907600" y="2952000"/>
-            <a:ext cx="999000" cy="718920"/>
+          <p:cNvPr id="145" name="CustomShape 3"/>
+          <p:cNvSpPr/>
+          <p:nvPr/>
+        </p:nvSpPr>
+        <p:spPr>
+          <a:xfrm>
+            <a:off x="964080" y="997200"/>
+            <a:ext cx="112680" cy="583560"/>
           </a:xfrm>
           <a:custGeom>
             <a:avLst/>
@@ -7355,7 +6921,6 @@
             <a:solidFill>
               <a:schemeClr val="tx1"/>
             </a:solidFill>
-            <a:headEnd len="med" type="triangle" w="med"/>
             <a:tailEnd len="med" type="triangle" w="med"/>
           </a:ln>
         </p:spPr>
@@ -7374,14 +6939,88 @@
       </p:sp>
       <p:sp>
         <p:nvSpPr>
-          <p:cNvPr id="153" name="CustomShape 21"/>
+          <p:cNvPr id="146" name="CustomShape 4"/>
+          <p:cNvSpPr/>
+          <p:nvPr/>
+        </p:nvSpPr>
+        <p:spPr>
+          <a:xfrm>
+            <a:off x="2448000" y="246960"/>
+            <a:ext cx="949680" cy="757800"/>
+          </a:xfrm>
+          <a:prstGeom prst="rect">
+            <a:avLst/>
+          </a:prstGeom>
+          <a:gradFill rotWithShape="0">
+            <a:gsLst>
+              <a:gs pos="0">
+                <a:srgbClr val="d0d0d0"/>
+              </a:gs>
+              <a:gs pos="100000">
+                <a:srgbClr val="ededed">
+                  <a:alpha val="0"/>
+                </a:srgbClr>
+              </a:gs>
+            </a:gsLst>
+            <a:lin ang="16200000"/>
+          </a:gradFill>
+          <a:ln/>
+          <a:effectLst>
+            <a:outerShdw blurRad="40000" dir="5400000" dist="20160" rotWithShape="0">
+              <a:srgbClr val="000000">
+                <a:alpha val="38000"/>
+              </a:srgbClr>
+            </a:outerShdw>
+          </a:effectLst>
+        </p:spPr>
+        <p:style>
+          <a:lnRef idx="1">
+            <a:schemeClr val="dk1"/>
+          </a:lnRef>
+          <a:fillRef idx="2">
+            <a:schemeClr val="dk1"/>
+          </a:fillRef>
+          <a:effectRef idx="1">
+            <a:schemeClr val="dk1"/>
+          </a:effectRef>
+          <a:fontRef idx="minor"/>
+        </p:style>
+        <p:txBody>
+          <a:bodyPr lIns="90000" rIns="90000" tIns="45000" bIns="45000" anchor="ctr">
+            <a:noAutofit/>
+          </a:bodyPr>
+          <a:p>
+            <a:pPr algn="ctr">
+              <a:lnSpc>
+                <a:spcPct val="100000"/>
+              </a:lnSpc>
+            </a:pPr>
+            <a:r>
+              <a:rPr b="0" lang="pt-BR" sz="1200" spc="-1" strike="noStrike">
+                <a:solidFill>
+                  <a:srgbClr val="000000"/>
+                </a:solidFill>
+                <a:latin typeface="Arial"/>
+                <a:ea typeface="DejaVu Sans"/>
+              </a:rPr>
+              <a:t>Comercial</a:t>
+            </a:r>
+            <a:endParaRPr b="0" lang="pt-BR" sz="1200" spc="-1" strike="noStrike">
+              <a:latin typeface="Arial"/>
+            </a:endParaRPr>
+          </a:p>
+        </p:txBody>
+      </p:sp>
+      <p:sp>
+        <p:nvSpPr>
+          <p:cNvPr id="147" name="CustomShape 5"/>
           <p:cNvSpPr/>
           <p:nvPr/>
         </p:nvSpPr>
         <p:spPr>
           <a:xfrm flipV="1">
-            <a:off x="7788960" y="1622160"/>
-            <a:ext cx="128520" cy="604440"/>
+            <a:off x="2808000" y="1004400"/>
+            <a:ext cx="127800" cy="572760"/>
           </a:xfrm>
           <a:custGeom>
             <a:avLst/>
@@ -7422,14 +7061,40 @@
       </p:sp>
       <p:sp>
         <p:nvSpPr>
-          <p:cNvPr id="154" name="CustomShape 22"/>
-          <p:cNvSpPr/>
-          <p:nvPr/>
-        </p:nvSpPr>
-        <p:spPr>
-          <a:xfrm>
-            <a:off x="6984000" y="1754280"/>
-            <a:ext cx="839880" cy="333000"/>
+          <p:cNvPr id="148" name="CustomShape 6"/>
+          <p:cNvSpPr/>
+          <p:nvPr/>
+        </p:nvSpPr>
+        <p:spPr>
+          <a:xfrm>
+            <a:off x="3096000" y="1080000"/>
+            <a:ext cx="839160" cy="451800"/>
+          </a:xfrm>
+          <a:prstGeom prst="rect">
+            <a:avLst/>
+          </a:prstGeom>
+          <a:noFill/>
+          <a:ln>
+            <a:noFill/>
+          </a:ln>
+        </p:spPr>
+        <p:style>
+          <a:lnRef idx="0"/>
+          <a:fillRef idx="0"/>
+          <a:effectRef idx="0"/>
+          <a:fontRef idx="minor"/>
+        </p:style>
+      </p:sp>
+      <p:sp>
+        <p:nvSpPr>
+          <p:cNvPr id="149" name="CustomShape 7"/>
+          <p:cNvSpPr/>
+          <p:nvPr/>
+        </p:nvSpPr>
+        <p:spPr>
+          <a:xfrm>
+            <a:off x="144000" y="1080000"/>
+            <a:ext cx="839160" cy="333000"/>
           </a:xfrm>
           <a:prstGeom prst="rect">
             <a:avLst/>
@@ -7463,7 +7128,392 @@
                 <a:latin typeface="Arial"/>
                 <a:ea typeface="DejaVu Sans"/>
               </a:rPr>
-              <a:t>Máquina montada</a:t>
+              <a:t>Máquina pronta</a:t>
+            </a:r>
+            <a:endParaRPr b="0" lang="pt-BR" sz="800" spc="-1" strike="noStrike">
+              <a:latin typeface="Arial"/>
+            </a:endParaRPr>
+          </a:p>
+        </p:txBody>
+      </p:sp>
+      <p:sp>
+        <p:nvSpPr>
+          <p:cNvPr id="150" name="CustomShape 8"/>
+          <p:cNvSpPr/>
+          <p:nvPr/>
+        </p:nvSpPr>
+        <p:spPr>
+          <a:xfrm>
+            <a:off x="576360" y="1584000"/>
+            <a:ext cx="1148400" cy="1148400"/>
+          </a:xfrm>
+          <a:prstGeom prst="ellipse">
+            <a:avLst/>
+          </a:prstGeom>
+          <a:ln>
+            <a:solidFill>
+              <a:srgbClr val="111111"/>
+            </a:solidFill>
+          </a:ln>
+        </p:spPr>
+        <p:style>
+          <a:lnRef idx="2">
+            <a:schemeClr val="accent6">
+              <a:shade val="50000"/>
+            </a:schemeClr>
+          </a:lnRef>
+          <a:fillRef idx="1">
+            <a:schemeClr val="accent6"/>
+          </a:fillRef>
+          <a:effectRef idx="0">
+            <a:schemeClr val="accent6"/>
+          </a:effectRef>
+          <a:fontRef idx="minor"/>
+        </p:style>
+        <p:txBody>
+          <a:bodyPr lIns="90000" rIns="90000" tIns="45000" bIns="45000" anchor="ctr">
+            <a:noAutofit/>
+          </a:bodyPr>
+          <a:p>
+            <a:pPr algn="ctr">
+              <a:lnSpc>
+                <a:spcPct val="100000"/>
+              </a:lnSpc>
+            </a:pPr>
+            <a:r>
+              <a:rPr b="0" lang="pt-BR" sz="1050" spc="-1" strike="noStrike">
+                <a:solidFill>
+                  <a:srgbClr val="000000"/>
+                </a:solidFill>
+                <a:latin typeface="Arial"/>
+                <a:ea typeface="DejaVu Sans"/>
+              </a:rPr>
+              <a:t>Receber máquina pronta</a:t>
+            </a:r>
+            <a:endParaRPr b="0" lang="pt-BR" sz="1050" spc="-1" strike="noStrike">
+              <a:latin typeface="Arial"/>
+            </a:endParaRPr>
+          </a:p>
+        </p:txBody>
+      </p:sp>
+      <p:sp>
+        <p:nvSpPr>
+          <p:cNvPr id="151" name="CustomShape 9"/>
+          <p:cNvSpPr/>
+          <p:nvPr/>
+        </p:nvSpPr>
+        <p:spPr>
+          <a:xfrm>
+            <a:off x="648000" y="3240000"/>
+            <a:ext cx="1292760" cy="272160"/>
+          </a:xfrm>
+          <a:prstGeom prst="rect">
+            <a:avLst/>
+          </a:prstGeom>
+          <a:noFill/>
+          <a:ln>
+            <a:noFill/>
+          </a:ln>
+        </p:spPr>
+        <p:style>
+          <a:lnRef idx="0"/>
+          <a:fillRef idx="0"/>
+          <a:effectRef idx="0"/>
+          <a:fontRef idx="minor"/>
+        </p:style>
+        <p:txBody>
+          <a:bodyPr lIns="90000" rIns="90000" tIns="45000" bIns="45000">
+            <a:spAutoFit/>
+          </a:bodyPr>
+          <a:p>
+            <a:pPr>
+              <a:lnSpc>
+                <a:spcPct val="100000"/>
+              </a:lnSpc>
+            </a:pPr>
+            <a:r>
+              <a:rPr b="0" lang="pt-BR" sz="1200" spc="-1" strike="noStrike">
+                <a:solidFill>
+                  <a:srgbClr val="000000"/>
+                </a:solidFill>
+                <a:latin typeface="Arial"/>
+                <a:ea typeface="DejaVu Sans"/>
+              </a:rPr>
+              <a:t>Máquina pronta</a:t>
+            </a:r>
+            <a:endParaRPr b="0" lang="pt-BR" sz="1200" spc="-1" strike="noStrike">
+              <a:latin typeface="Arial"/>
+            </a:endParaRPr>
+          </a:p>
+        </p:txBody>
+      </p:sp>
+      <p:sp>
+        <p:nvSpPr>
+          <p:cNvPr id="152" name="Line 10"/>
+          <p:cNvSpPr/>
+          <p:nvPr/>
+        </p:nvSpPr>
+        <p:spPr>
+          <a:xfrm>
+            <a:off x="596160" y="3672000"/>
+            <a:ext cx="1419840" cy="0"/>
+          </a:xfrm>
+          <a:prstGeom prst="line">
+            <a:avLst/>
+          </a:prstGeom>
+          <a:ln w="76320">
+            <a:solidFill>
+              <a:schemeClr val="tx1"/>
+            </a:solidFill>
+          </a:ln>
+        </p:spPr>
+        <p:style>
+          <a:lnRef idx="1">
+            <a:schemeClr val="accent1"/>
+          </a:lnRef>
+          <a:fillRef idx="0">
+            <a:schemeClr val="accent1"/>
+          </a:fillRef>
+          <a:effectRef idx="0">
+            <a:schemeClr val="accent1"/>
+          </a:effectRef>
+          <a:fontRef idx="minor"/>
+        </p:style>
+      </p:sp>
+      <p:sp>
+        <p:nvSpPr>
+          <p:cNvPr id="153" name="Line 11"/>
+          <p:cNvSpPr/>
+          <p:nvPr/>
+        </p:nvSpPr>
+        <p:spPr>
+          <a:xfrm>
+            <a:off x="576000" y="3240000"/>
+            <a:ext cx="1419840" cy="0"/>
+          </a:xfrm>
+          <a:prstGeom prst="line">
+            <a:avLst/>
+          </a:prstGeom>
+          <a:ln w="76320">
+            <a:solidFill>
+              <a:schemeClr val="tx1"/>
+            </a:solidFill>
+          </a:ln>
+        </p:spPr>
+        <p:style>
+          <a:lnRef idx="1">
+            <a:schemeClr val="accent1"/>
+          </a:lnRef>
+          <a:fillRef idx="0">
+            <a:schemeClr val="accent1"/>
+          </a:fillRef>
+          <a:effectRef idx="0">
+            <a:schemeClr val="accent1"/>
+          </a:effectRef>
+          <a:fontRef idx="minor"/>
+        </p:style>
+      </p:sp>
+      <p:sp>
+        <p:nvSpPr>
+          <p:cNvPr id="154" name="CustomShape 12"/>
+          <p:cNvSpPr/>
+          <p:nvPr/>
+        </p:nvSpPr>
+        <p:spPr>
+          <a:xfrm>
+            <a:off x="1224000" y="2735640"/>
+            <a:ext cx="112680" cy="501120"/>
+          </a:xfrm>
+          <a:custGeom>
+            <a:avLst/>
+            <a:gdLst/>
+            <a:ahLst/>
+            <a:rect l="l" t="t" r="r" b="b"/>
+            <a:pathLst>
+              <a:path w="21600" h="21600">
+                <a:moveTo>
+                  <a:pt x="0" y="0"/>
+                </a:moveTo>
+                <a:lnTo>
+                  <a:pt x="21600" y="21600"/>
+                </a:lnTo>
+              </a:path>
+            </a:pathLst>
+          </a:custGeom>
+          <a:noFill/>
+          <a:ln>
+            <a:solidFill>
+              <a:schemeClr val="tx1"/>
+            </a:solidFill>
+            <a:tailEnd len="med" type="triangle" w="med"/>
+          </a:ln>
+        </p:spPr>
+        <p:style>
+          <a:lnRef idx="1">
+            <a:schemeClr val="accent1"/>
+          </a:lnRef>
+          <a:fillRef idx="0">
+            <a:schemeClr val="accent1"/>
+          </a:fillRef>
+          <a:effectRef idx="0">
+            <a:schemeClr val="accent1"/>
+          </a:effectRef>
+          <a:fontRef idx="minor"/>
+        </p:style>
+      </p:sp>
+      <p:sp>
+        <p:nvSpPr>
+          <p:cNvPr id="155" name="CustomShape 13"/>
+          <p:cNvSpPr/>
+          <p:nvPr/>
+        </p:nvSpPr>
+        <p:spPr>
+          <a:xfrm>
+            <a:off x="2088360" y="1584000"/>
+            <a:ext cx="1292400" cy="1220760"/>
+          </a:xfrm>
+          <a:prstGeom prst="ellipse">
+            <a:avLst/>
+          </a:prstGeom>
+          <a:ln>
+            <a:solidFill>
+              <a:srgbClr val="111111"/>
+            </a:solidFill>
+          </a:ln>
+        </p:spPr>
+        <p:style>
+          <a:lnRef idx="2">
+            <a:schemeClr val="accent6">
+              <a:shade val="50000"/>
+            </a:schemeClr>
+          </a:lnRef>
+          <a:fillRef idx="1">
+            <a:schemeClr val="accent6"/>
+          </a:fillRef>
+          <a:effectRef idx="0">
+            <a:schemeClr val="accent6"/>
+          </a:effectRef>
+          <a:fontRef idx="minor"/>
+        </p:style>
+        <p:txBody>
+          <a:bodyPr lIns="90000" rIns="90000" tIns="45000" bIns="45000" anchor="ctr">
+            <a:noAutofit/>
+          </a:bodyPr>
+          <a:p>
+            <a:pPr algn="ctr">
+              <a:lnSpc>
+                <a:spcPct val="100000"/>
+              </a:lnSpc>
+            </a:pPr>
+            <a:r>
+              <a:rPr b="0" lang="pt-BR" sz="1050" spc="-1" strike="noStrike">
+                <a:solidFill>
+                  <a:srgbClr val="000000"/>
+                </a:solidFill>
+                <a:latin typeface="Arial"/>
+                <a:ea typeface="DejaVu Sans"/>
+              </a:rPr>
+              <a:t>Enviar Máquina pronta</a:t>
+            </a:r>
+            <a:endParaRPr b="0" lang="pt-BR" sz="1050" spc="-1" strike="noStrike">
+              <a:latin typeface="Arial"/>
+            </a:endParaRPr>
+          </a:p>
+        </p:txBody>
+      </p:sp>
+      <p:sp>
+        <p:nvSpPr>
+          <p:cNvPr id="156" name="CustomShape 14"/>
+          <p:cNvSpPr/>
+          <p:nvPr/>
+        </p:nvSpPr>
+        <p:spPr>
+          <a:xfrm flipH="1">
+            <a:off x="1796400" y="2664000"/>
+            <a:ext cx="566280" cy="572760"/>
+          </a:xfrm>
+          <a:custGeom>
+            <a:avLst/>
+            <a:gdLst/>
+            <a:ahLst/>
+            <a:rect l="l" t="t" r="r" b="b"/>
+            <a:pathLst>
+              <a:path w="21600" h="21600">
+                <a:moveTo>
+                  <a:pt x="0" y="0"/>
+                </a:moveTo>
+                <a:lnTo>
+                  <a:pt x="21600" y="21600"/>
+                </a:lnTo>
+              </a:path>
+            </a:pathLst>
+          </a:custGeom>
+          <a:noFill/>
+          <a:ln>
+            <a:solidFill>
+              <a:schemeClr val="tx1"/>
+            </a:solidFill>
+            <a:headEnd len="med" type="triangle" w="med"/>
+            <a:tailEnd len="med" type="triangle" w="med"/>
+          </a:ln>
+        </p:spPr>
+        <p:style>
+          <a:lnRef idx="1">
+            <a:schemeClr val="accent1"/>
+          </a:lnRef>
+          <a:fillRef idx="0">
+            <a:schemeClr val="accent1"/>
+          </a:fillRef>
+          <a:effectRef idx="0">
+            <a:schemeClr val="accent1"/>
+          </a:effectRef>
+          <a:fontRef idx="minor"/>
+        </p:style>
+      </p:sp>
+      <p:sp>
+        <p:nvSpPr>
+          <p:cNvPr id="157" name="CustomShape 15"/>
+          <p:cNvSpPr/>
+          <p:nvPr/>
+        </p:nvSpPr>
+        <p:spPr>
+          <a:xfrm>
+            <a:off x="1872000" y="1107000"/>
+            <a:ext cx="839160" cy="333000"/>
+          </a:xfrm>
+          <a:prstGeom prst="rect">
+            <a:avLst/>
+          </a:prstGeom>
+          <a:noFill/>
+          <a:ln>
+            <a:noFill/>
+          </a:ln>
+        </p:spPr>
+        <p:style>
+          <a:lnRef idx="0"/>
+          <a:fillRef idx="0"/>
+          <a:effectRef idx="0"/>
+          <a:fontRef idx="minor"/>
+        </p:style>
+        <p:txBody>
+          <a:bodyPr lIns="90000" rIns="90000" tIns="45000" bIns="45000">
+            <a:spAutoFit/>
+          </a:bodyPr>
+          <a:p>
+            <a:pPr>
+              <a:lnSpc>
+                <a:spcPct val="100000"/>
+              </a:lnSpc>
+            </a:pPr>
+            <a:r>
+              <a:rPr b="0" lang="pt-BR" sz="800" spc="-1" strike="noStrike">
+                <a:solidFill>
+                  <a:srgbClr val="000000"/>
+                </a:solidFill>
+                <a:latin typeface="Arial"/>
+                <a:ea typeface="DejaVu Sans"/>
+              </a:rPr>
+              <a:t>Máquina pronta</a:t>
             </a:r>
             <a:endParaRPr b="0" lang="pt-BR" sz="800" spc="-1" strike="noStrike">
               <a:latin typeface="Arial"/>
@@ -7503,14 +7553,14 @@
       </p:grpSpPr>
       <p:sp>
         <p:nvSpPr>
-          <p:cNvPr id="155" name="CustomShape 1"/>
+          <p:cNvPr id="158" name="CustomShape 1"/>
           <p:cNvSpPr/>
           <p:nvPr/>
         </p:nvSpPr>
         <p:spPr>
           <a:xfrm>
             <a:off x="6912000" y="85680"/>
-            <a:ext cx="2805480" cy="638280"/>
+            <a:ext cx="2804760" cy="912600"/>
           </a:xfrm>
           <a:prstGeom prst="rect">
             <a:avLst/>
@@ -7544,24 +7594,34 @@
                 <a:latin typeface="Arial"/>
                 <a:ea typeface="DejaVu Sans"/>
               </a:rPr>
-              <a:t>Capacidade:Entregar Máquina</a:t>
+              <a:t>Capacidade:Priorizar pedido</a:t>
             </a:r>
             <a:endParaRPr b="0" lang="pt-BR" sz="1800" spc="-1" strike="noStrike">
               <a:latin typeface="Arial"/>
             </a:endParaRPr>
           </a:p>
-        </p:txBody>
-      </p:sp>
-      <p:sp>
-        <p:nvSpPr>
-          <p:cNvPr id="156" name="CustomShape 2"/>
+          <a:p>
+            <a:pPr>
+              <a:lnSpc>
+                <a:spcPct val="100000"/>
+              </a:lnSpc>
+            </a:pPr>
+            <a:endParaRPr b="0" lang="pt-BR" sz="1800" spc="-1" strike="noStrike">
+              <a:latin typeface="Arial"/>
+            </a:endParaRPr>
+          </a:p>
+        </p:txBody>
+      </p:sp>
+      <p:sp>
+        <p:nvSpPr>
+          <p:cNvPr id="159" name="CustomShape 2"/>
           <p:cNvSpPr/>
           <p:nvPr/>
         </p:nvSpPr>
         <p:spPr>
           <a:xfrm>
             <a:off x="471960" y="246600"/>
-            <a:ext cx="950400" cy="758520"/>
+            <a:ext cx="949680" cy="757800"/>
           </a:xfrm>
           <a:prstGeom prst="rect">
             <a:avLst/>
@@ -7618,7 +7678,7 @@
                 <a:latin typeface="Arial"/>
                 <a:ea typeface="DejaVu Sans"/>
               </a:rPr>
-              <a:t>Controle de qualidade</a:t>
+              <a:t>Negocios</a:t>
             </a:r>
             <a:endParaRPr b="0" lang="pt-BR" sz="1200" spc="-1" strike="noStrike">
               <a:latin typeface="Arial"/>
@@ -7628,14 +7688,14 @@
       </p:sp>
       <p:sp>
         <p:nvSpPr>
-          <p:cNvPr id="157" name="CustomShape 3"/>
+          <p:cNvPr id="160" name="CustomShape 3"/>
           <p:cNvSpPr/>
           <p:nvPr/>
         </p:nvSpPr>
         <p:spPr>
           <a:xfrm>
             <a:off x="964080" y="997200"/>
-            <a:ext cx="113400" cy="584280"/>
+            <a:ext cx="112680" cy="583560"/>
           </a:xfrm>
           <a:custGeom>
             <a:avLst/>
@@ -7676,14 +7736,14 @@
       </p:sp>
       <p:sp>
         <p:nvSpPr>
-          <p:cNvPr id="158" name="CustomShape 4"/>
+          <p:cNvPr id="161" name="CustomShape 4"/>
           <p:cNvSpPr/>
           <p:nvPr/>
         </p:nvSpPr>
         <p:spPr>
           <a:xfrm>
             <a:off x="2448000" y="246960"/>
-            <a:ext cx="950400" cy="758520"/>
+            <a:ext cx="949680" cy="757800"/>
           </a:xfrm>
           <a:prstGeom prst="rect">
             <a:avLst/>
@@ -7740,7 +7800,7 @@
                 <a:latin typeface="Arial"/>
                 <a:ea typeface="DejaVu Sans"/>
               </a:rPr>
-              <a:t>Comercial</a:t>
+              <a:t>Linha de produção</a:t>
             </a:r>
             <a:endParaRPr b="0" lang="pt-BR" sz="1200" spc="-1" strike="noStrike">
               <a:latin typeface="Arial"/>
@@ -7750,14 +7810,14 @@
       </p:sp>
       <p:sp>
         <p:nvSpPr>
-          <p:cNvPr id="159" name="CustomShape 5"/>
+          <p:cNvPr id="162" name="CustomShape 5"/>
           <p:cNvSpPr/>
           <p:nvPr/>
         </p:nvSpPr>
         <p:spPr>
           <a:xfrm flipV="1">
-            <a:off x="2808000" y="1005120"/>
-            <a:ext cx="128520" cy="573480"/>
+            <a:off x="2808000" y="1004400"/>
+            <a:ext cx="207000" cy="572760"/>
           </a:xfrm>
           <a:custGeom>
             <a:avLst/>
@@ -7798,811 +7858,14 @@
       </p:sp>
       <p:sp>
         <p:nvSpPr>
-          <p:cNvPr id="160" name="CustomShape 6"/>
-          <p:cNvSpPr/>
-          <p:nvPr/>
-        </p:nvSpPr>
-        <p:spPr>
-          <a:xfrm>
-            <a:off x="3096000" y="1080000"/>
-            <a:ext cx="839880" cy="452520"/>
-          </a:xfrm>
-          <a:prstGeom prst="rect">
-            <a:avLst/>
-          </a:prstGeom>
-          <a:noFill/>
-          <a:ln>
-            <a:noFill/>
-          </a:ln>
-        </p:spPr>
-        <p:style>
-          <a:lnRef idx="0"/>
-          <a:fillRef idx="0"/>
-          <a:effectRef idx="0"/>
-          <a:fontRef idx="minor"/>
-        </p:style>
-      </p:sp>
-      <p:sp>
-        <p:nvSpPr>
-          <p:cNvPr id="161" name="CustomShape 7"/>
+          <p:cNvPr id="163" name="CustomShape 6"/>
           <p:cNvSpPr/>
           <p:nvPr/>
         </p:nvSpPr>
         <p:spPr>
           <a:xfrm>
             <a:off x="144000" y="1080000"/>
-            <a:ext cx="839880" cy="333000"/>
-          </a:xfrm>
-          <a:prstGeom prst="rect">
-            <a:avLst/>
-          </a:prstGeom>
-          <a:noFill/>
-          <a:ln>
-            <a:noFill/>
-          </a:ln>
-        </p:spPr>
-        <p:style>
-          <a:lnRef idx="0"/>
-          <a:fillRef idx="0"/>
-          <a:effectRef idx="0"/>
-          <a:fontRef idx="minor"/>
-        </p:style>
-        <p:txBody>
-          <a:bodyPr lIns="90000" rIns="90000" tIns="45000" bIns="45000">
-            <a:spAutoFit/>
-          </a:bodyPr>
-          <a:p>
-            <a:pPr>
-              <a:lnSpc>
-                <a:spcPct val="100000"/>
-              </a:lnSpc>
-            </a:pPr>
-            <a:r>
-              <a:rPr b="0" lang="pt-BR" sz="800" spc="-1" strike="noStrike">
-                <a:solidFill>
-                  <a:srgbClr val="000000"/>
-                </a:solidFill>
-                <a:latin typeface="Arial"/>
-                <a:ea typeface="DejaVu Sans"/>
-              </a:rPr>
-              <a:t>Máquina pronta</a:t>
-            </a:r>
-            <a:endParaRPr b="0" lang="pt-BR" sz="800" spc="-1" strike="noStrike">
-              <a:latin typeface="Arial"/>
-            </a:endParaRPr>
-          </a:p>
-        </p:txBody>
-      </p:sp>
-      <p:sp>
-        <p:nvSpPr>
-          <p:cNvPr id="162" name="CustomShape 8"/>
-          <p:cNvSpPr/>
-          <p:nvPr/>
-        </p:nvSpPr>
-        <p:spPr>
-          <a:xfrm>
-            <a:off x="576360" y="1584000"/>
-            <a:ext cx="1149120" cy="1149120"/>
-          </a:xfrm>
-          <a:prstGeom prst="ellipse">
-            <a:avLst/>
-          </a:prstGeom>
-          <a:ln>
-            <a:solidFill>
-              <a:srgbClr val="111111"/>
-            </a:solidFill>
-          </a:ln>
-        </p:spPr>
-        <p:style>
-          <a:lnRef idx="2">
-            <a:schemeClr val="accent6">
-              <a:shade val="50000"/>
-            </a:schemeClr>
-          </a:lnRef>
-          <a:fillRef idx="1">
-            <a:schemeClr val="accent6"/>
-          </a:fillRef>
-          <a:effectRef idx="0">
-            <a:schemeClr val="accent6"/>
-          </a:effectRef>
-          <a:fontRef idx="minor"/>
-        </p:style>
-        <p:txBody>
-          <a:bodyPr lIns="90000" rIns="90000" tIns="45000" bIns="45000" anchor="ctr">
-            <a:noAutofit/>
-          </a:bodyPr>
-          <a:p>
-            <a:pPr algn="ctr">
-              <a:lnSpc>
-                <a:spcPct val="100000"/>
-              </a:lnSpc>
-            </a:pPr>
-            <a:r>
-              <a:rPr b="0" lang="pt-BR" sz="1050" spc="-1" strike="noStrike">
-                <a:solidFill>
-                  <a:srgbClr val="000000"/>
-                </a:solidFill>
-                <a:latin typeface="Arial"/>
-                <a:ea typeface="DejaVu Sans"/>
-              </a:rPr>
-              <a:t>Receber máquina pronta</a:t>
-            </a:r>
-            <a:endParaRPr b="0" lang="pt-BR" sz="1050" spc="-1" strike="noStrike">
-              <a:latin typeface="Arial"/>
-            </a:endParaRPr>
-          </a:p>
-        </p:txBody>
-      </p:sp>
-      <p:sp>
-        <p:nvSpPr>
-          <p:cNvPr id="163" name="CustomShape 9"/>
-          <p:cNvSpPr/>
-          <p:nvPr/>
-        </p:nvSpPr>
-        <p:spPr>
-          <a:xfrm>
-            <a:off x="648000" y="3240000"/>
-            <a:ext cx="1293480" cy="272160"/>
-          </a:xfrm>
-          <a:prstGeom prst="rect">
-            <a:avLst/>
-          </a:prstGeom>
-          <a:noFill/>
-          <a:ln>
-            <a:noFill/>
-          </a:ln>
-        </p:spPr>
-        <p:style>
-          <a:lnRef idx="0"/>
-          <a:fillRef idx="0"/>
-          <a:effectRef idx="0"/>
-          <a:fontRef idx="minor"/>
-        </p:style>
-        <p:txBody>
-          <a:bodyPr lIns="90000" rIns="90000" tIns="45000" bIns="45000">
-            <a:spAutoFit/>
-          </a:bodyPr>
-          <a:p>
-            <a:pPr>
-              <a:lnSpc>
-                <a:spcPct val="100000"/>
-              </a:lnSpc>
-            </a:pPr>
-            <a:r>
-              <a:rPr b="0" lang="pt-BR" sz="1200" spc="-1" strike="noStrike">
-                <a:solidFill>
-                  <a:srgbClr val="000000"/>
-                </a:solidFill>
-                <a:latin typeface="Arial"/>
-                <a:ea typeface="DejaVu Sans"/>
-              </a:rPr>
-              <a:t>Máquina pronta</a:t>
-            </a:r>
-            <a:endParaRPr b="0" lang="pt-BR" sz="1200" spc="-1" strike="noStrike">
-              <a:latin typeface="Arial"/>
-            </a:endParaRPr>
-          </a:p>
-        </p:txBody>
-      </p:sp>
-      <p:sp>
-        <p:nvSpPr>
-          <p:cNvPr id="164" name="Line 10"/>
-          <p:cNvSpPr/>
-          <p:nvPr/>
-        </p:nvSpPr>
-        <p:spPr>
-          <a:xfrm>
-            <a:off x="596160" y="3672000"/>
-            <a:ext cx="1419840" cy="0"/>
-          </a:xfrm>
-          <a:prstGeom prst="line">
-            <a:avLst/>
-          </a:prstGeom>
-          <a:ln w="76320">
-            <a:solidFill>
-              <a:schemeClr val="tx1"/>
-            </a:solidFill>
-          </a:ln>
-        </p:spPr>
-        <p:style>
-          <a:lnRef idx="1">
-            <a:schemeClr val="accent1"/>
-          </a:lnRef>
-          <a:fillRef idx="0">
-            <a:schemeClr val="accent1"/>
-          </a:fillRef>
-          <a:effectRef idx="0">
-            <a:schemeClr val="accent1"/>
-          </a:effectRef>
-          <a:fontRef idx="minor"/>
-        </p:style>
-      </p:sp>
-      <p:sp>
-        <p:nvSpPr>
-          <p:cNvPr id="165" name="Line 11"/>
-          <p:cNvSpPr/>
-          <p:nvPr/>
-        </p:nvSpPr>
-        <p:spPr>
-          <a:xfrm>
-            <a:off x="576000" y="3240000"/>
-            <a:ext cx="1419840" cy="0"/>
-          </a:xfrm>
-          <a:prstGeom prst="line">
-            <a:avLst/>
-          </a:prstGeom>
-          <a:ln w="76320">
-            <a:solidFill>
-              <a:schemeClr val="tx1"/>
-            </a:solidFill>
-          </a:ln>
-        </p:spPr>
-        <p:style>
-          <a:lnRef idx="1">
-            <a:schemeClr val="accent1"/>
-          </a:lnRef>
-          <a:fillRef idx="0">
-            <a:schemeClr val="accent1"/>
-          </a:fillRef>
-          <a:effectRef idx="0">
-            <a:schemeClr val="accent1"/>
-          </a:effectRef>
-          <a:fontRef idx="minor"/>
-        </p:style>
-      </p:sp>
-      <p:sp>
-        <p:nvSpPr>
-          <p:cNvPr id="166" name="CustomShape 12"/>
-          <p:cNvSpPr/>
-          <p:nvPr/>
-        </p:nvSpPr>
-        <p:spPr>
-          <a:xfrm>
-            <a:off x="1224000" y="2735640"/>
-            <a:ext cx="113400" cy="501840"/>
-          </a:xfrm>
-          <a:custGeom>
-            <a:avLst/>
-            <a:gdLst/>
-            <a:ahLst/>
-            <a:rect l="l" t="t" r="r" b="b"/>
-            <a:pathLst>
-              <a:path w="21600" h="21600">
-                <a:moveTo>
-                  <a:pt x="0" y="0"/>
-                </a:moveTo>
-                <a:lnTo>
-                  <a:pt x="21600" y="21600"/>
-                </a:lnTo>
-              </a:path>
-            </a:pathLst>
-          </a:custGeom>
-          <a:noFill/>
-          <a:ln>
-            <a:solidFill>
-              <a:schemeClr val="tx1"/>
-            </a:solidFill>
-            <a:tailEnd len="med" type="triangle" w="med"/>
-          </a:ln>
-        </p:spPr>
-        <p:style>
-          <a:lnRef idx="1">
-            <a:schemeClr val="accent1"/>
-          </a:lnRef>
-          <a:fillRef idx="0">
-            <a:schemeClr val="accent1"/>
-          </a:fillRef>
-          <a:effectRef idx="0">
-            <a:schemeClr val="accent1"/>
-          </a:effectRef>
-          <a:fontRef idx="minor"/>
-        </p:style>
-      </p:sp>
-      <p:sp>
-        <p:nvSpPr>
-          <p:cNvPr id="167" name="CustomShape 13"/>
-          <p:cNvSpPr/>
-          <p:nvPr/>
-        </p:nvSpPr>
-        <p:spPr>
-          <a:xfrm>
-            <a:off x="2088360" y="1584000"/>
-            <a:ext cx="1293120" cy="1221480"/>
-          </a:xfrm>
-          <a:prstGeom prst="ellipse">
-            <a:avLst/>
-          </a:prstGeom>
-          <a:ln>
-            <a:solidFill>
-              <a:srgbClr val="111111"/>
-            </a:solidFill>
-          </a:ln>
-        </p:spPr>
-        <p:style>
-          <a:lnRef idx="2">
-            <a:schemeClr val="accent6">
-              <a:shade val="50000"/>
-            </a:schemeClr>
-          </a:lnRef>
-          <a:fillRef idx="1">
-            <a:schemeClr val="accent6"/>
-          </a:fillRef>
-          <a:effectRef idx="0">
-            <a:schemeClr val="accent6"/>
-          </a:effectRef>
-          <a:fontRef idx="minor"/>
-        </p:style>
-        <p:txBody>
-          <a:bodyPr lIns="90000" rIns="90000" tIns="45000" bIns="45000" anchor="ctr">
-            <a:noAutofit/>
-          </a:bodyPr>
-          <a:p>
-            <a:pPr algn="ctr">
-              <a:lnSpc>
-                <a:spcPct val="100000"/>
-              </a:lnSpc>
-            </a:pPr>
-            <a:r>
-              <a:rPr b="0" lang="pt-BR" sz="1050" spc="-1" strike="noStrike">
-                <a:solidFill>
-                  <a:srgbClr val="000000"/>
-                </a:solidFill>
-                <a:latin typeface="Arial"/>
-                <a:ea typeface="DejaVu Sans"/>
-              </a:rPr>
-              <a:t>Enviar Máquina pronta</a:t>
-            </a:r>
-            <a:endParaRPr b="0" lang="pt-BR" sz="1050" spc="-1" strike="noStrike">
-              <a:latin typeface="Arial"/>
-            </a:endParaRPr>
-          </a:p>
-        </p:txBody>
-      </p:sp>
-      <p:sp>
-        <p:nvSpPr>
-          <p:cNvPr id="168" name="CustomShape 14"/>
-          <p:cNvSpPr/>
-          <p:nvPr/>
-        </p:nvSpPr>
-        <p:spPr>
-          <a:xfrm flipH="1">
-            <a:off x="1797120" y="2664000"/>
-            <a:ext cx="567000" cy="573480"/>
-          </a:xfrm>
-          <a:custGeom>
-            <a:avLst/>
-            <a:gdLst/>
-            <a:ahLst/>
-            <a:rect l="l" t="t" r="r" b="b"/>
-            <a:pathLst>
-              <a:path w="21600" h="21600">
-                <a:moveTo>
-                  <a:pt x="0" y="0"/>
-                </a:moveTo>
-                <a:lnTo>
-                  <a:pt x="21600" y="21600"/>
-                </a:lnTo>
-              </a:path>
-            </a:pathLst>
-          </a:custGeom>
-          <a:noFill/>
-          <a:ln>
-            <a:solidFill>
-              <a:schemeClr val="tx1"/>
-            </a:solidFill>
-            <a:headEnd len="med" type="triangle" w="med"/>
-            <a:tailEnd len="med" type="triangle" w="med"/>
-          </a:ln>
-        </p:spPr>
-        <p:style>
-          <a:lnRef idx="1">
-            <a:schemeClr val="accent1"/>
-          </a:lnRef>
-          <a:fillRef idx="0">
-            <a:schemeClr val="accent1"/>
-          </a:fillRef>
-          <a:effectRef idx="0">
-            <a:schemeClr val="accent1"/>
-          </a:effectRef>
-          <a:fontRef idx="minor"/>
-        </p:style>
-      </p:sp>
-      <p:sp>
-        <p:nvSpPr>
-          <p:cNvPr id="169" name="CustomShape 15"/>
-          <p:cNvSpPr/>
-          <p:nvPr/>
-        </p:nvSpPr>
-        <p:spPr>
-          <a:xfrm>
-            <a:off x="1872000" y="1107000"/>
-            <a:ext cx="839880" cy="333000"/>
-          </a:xfrm>
-          <a:prstGeom prst="rect">
-            <a:avLst/>
-          </a:prstGeom>
-          <a:noFill/>
-          <a:ln>
-            <a:noFill/>
-          </a:ln>
-        </p:spPr>
-        <p:style>
-          <a:lnRef idx="0"/>
-          <a:fillRef idx="0"/>
-          <a:effectRef idx="0"/>
-          <a:fontRef idx="minor"/>
-        </p:style>
-        <p:txBody>
-          <a:bodyPr lIns="90000" rIns="90000" tIns="45000" bIns="45000">
-            <a:spAutoFit/>
-          </a:bodyPr>
-          <a:p>
-            <a:pPr>
-              <a:lnSpc>
-                <a:spcPct val="100000"/>
-              </a:lnSpc>
-            </a:pPr>
-            <a:r>
-              <a:rPr b="0" lang="pt-BR" sz="800" spc="-1" strike="noStrike">
-                <a:solidFill>
-                  <a:srgbClr val="000000"/>
-                </a:solidFill>
-                <a:latin typeface="Arial"/>
-                <a:ea typeface="DejaVu Sans"/>
-              </a:rPr>
-              <a:t>Máquina pronta</a:t>
-            </a:r>
-            <a:endParaRPr b="0" lang="pt-BR" sz="800" spc="-1" strike="noStrike">
-              <a:latin typeface="Arial"/>
-            </a:endParaRPr>
-          </a:p>
-        </p:txBody>
-      </p:sp>
-    </p:spTree>
-  </p:cSld>
-  <mc:AlternateContent>
-    <mc:Choice Requires="p14">
-      <p:transition spd="slow" p14:dur="2000"/>
-    </mc:Choice>
-    <mc:Fallback>
-      <p:transition spd="slow"/>
-    </mc:Fallback>
-  </mc:AlternateContent>
-</p:sld>
-</file>
-
-<file path=ppt/slides/slide6.xml><?xml version="1.0" encoding="utf-8"?>
-<p:sld xmlns:a="http://schemas.openxmlformats.org/drawingml/2006/main" xmlns:p="http://schemas.openxmlformats.org/presentationml/2006/main" xmlns:r="http://schemas.openxmlformats.org/officeDocument/2006/relationships" xmlns:p14="http://schemas.microsoft.com/office/powerpoint/2010/main" xmlns:p15="http://schemas.microsoft.com/office/powerpoint/2012/main" xmlns:mc="http://schemas.openxmlformats.org/markup-compatibility/2006">
-  <p:cSld>
-    <p:spTree>
-      <p:nvGrpSpPr>
-        <p:cNvPr id="1" name=""/>
-        <p:cNvGrpSpPr/>
-        <p:nvPr/>
-      </p:nvGrpSpPr>
-      <p:grpSpPr>
-        <a:xfrm>
-          <a:off x="0" y="0"/>
-          <a:ext cx="0" cy="0"/>
-          <a:chOff x="0" y="0"/>
-          <a:chExt cx="0" cy="0"/>
-        </a:xfrm>
-      </p:grpSpPr>
-      <p:sp>
-        <p:nvSpPr>
-          <p:cNvPr id="170" name="CustomShape 1"/>
-          <p:cNvSpPr/>
-          <p:nvPr/>
-        </p:nvSpPr>
-        <p:spPr>
-          <a:xfrm>
-            <a:off x="6912000" y="85680"/>
-            <a:ext cx="2805480" cy="912600"/>
-          </a:xfrm>
-          <a:prstGeom prst="rect">
-            <a:avLst/>
-          </a:prstGeom>
-          <a:noFill/>
-          <a:ln>
-            <a:noFill/>
-          </a:ln>
-        </p:spPr>
-        <p:style>
-          <a:lnRef idx="0"/>
-          <a:fillRef idx="0"/>
-          <a:effectRef idx="0"/>
-          <a:fontRef idx="minor"/>
-        </p:style>
-        <p:txBody>
-          <a:bodyPr lIns="90000" rIns="90000" tIns="45000" bIns="45000">
-            <a:spAutoFit/>
-          </a:bodyPr>
-          <a:p>
-            <a:pPr>
-              <a:lnSpc>
-                <a:spcPct val="100000"/>
-              </a:lnSpc>
-            </a:pPr>
-            <a:r>
-              <a:rPr b="0" lang="pt-BR" sz="1800" spc="-1" strike="noStrike">
-                <a:solidFill>
-                  <a:srgbClr val="000000"/>
-                </a:solidFill>
-                <a:latin typeface="Arial"/>
-                <a:ea typeface="DejaVu Sans"/>
-              </a:rPr>
-              <a:t>Capacidade:Priorizar pedido</a:t>
-            </a:r>
-            <a:endParaRPr b="0" lang="pt-BR" sz="1800" spc="-1" strike="noStrike">
-              <a:latin typeface="Arial"/>
-            </a:endParaRPr>
-          </a:p>
-          <a:p>
-            <a:pPr>
-              <a:lnSpc>
-                <a:spcPct val="100000"/>
-              </a:lnSpc>
-            </a:pPr>
-            <a:endParaRPr b="0" lang="pt-BR" sz="1800" spc="-1" strike="noStrike">
-              <a:latin typeface="Arial"/>
-            </a:endParaRPr>
-          </a:p>
-        </p:txBody>
-      </p:sp>
-      <p:sp>
-        <p:nvSpPr>
-          <p:cNvPr id="171" name="CustomShape 2"/>
-          <p:cNvSpPr/>
-          <p:nvPr/>
-        </p:nvSpPr>
-        <p:spPr>
-          <a:xfrm>
-            <a:off x="471960" y="246600"/>
-            <a:ext cx="950400" cy="758520"/>
-          </a:xfrm>
-          <a:prstGeom prst="rect">
-            <a:avLst/>
-          </a:prstGeom>
-          <a:gradFill rotWithShape="0">
-            <a:gsLst>
-              <a:gs pos="0">
-                <a:srgbClr val="d0d0d0"/>
-              </a:gs>
-              <a:gs pos="100000">
-                <a:srgbClr val="ededed">
-                  <a:alpha val="0"/>
-                </a:srgbClr>
-              </a:gs>
-            </a:gsLst>
-            <a:lin ang="16200000"/>
-          </a:gradFill>
-          <a:ln/>
-          <a:effectLst>
-            <a:outerShdw blurRad="40000" dir="5400000" dist="20160" rotWithShape="0">
-              <a:srgbClr val="000000">
-                <a:alpha val="38000"/>
-              </a:srgbClr>
-            </a:outerShdw>
-          </a:effectLst>
-        </p:spPr>
-        <p:style>
-          <a:lnRef idx="1">
-            <a:schemeClr val="dk1"/>
-          </a:lnRef>
-          <a:fillRef idx="2">
-            <a:schemeClr val="dk1"/>
-          </a:fillRef>
-          <a:effectRef idx="1">
-            <a:schemeClr val="dk1"/>
-          </a:effectRef>
-          <a:fontRef idx="minor"/>
-        </p:style>
-        <p:txBody>
-          <a:bodyPr lIns="90000" rIns="90000" tIns="45000" bIns="45000" anchor="ctr">
-            <a:noAutofit/>
-          </a:bodyPr>
-          <a:p>
-            <a:pPr algn="ctr">
-              <a:lnSpc>
-                <a:spcPct val="100000"/>
-              </a:lnSpc>
-            </a:pPr>
-            <a:r>
-              <a:rPr b="0" lang="pt-BR" sz="1200" spc="-1" strike="noStrike">
-                <a:solidFill>
-                  <a:srgbClr val="000000"/>
-                </a:solidFill>
-                <a:latin typeface="Arial"/>
-                <a:ea typeface="DejaVu Sans"/>
-              </a:rPr>
-              <a:t>Negocios</a:t>
-            </a:r>
-            <a:endParaRPr b="0" lang="pt-BR" sz="1200" spc="-1" strike="noStrike">
-              <a:latin typeface="Arial"/>
-            </a:endParaRPr>
-          </a:p>
-        </p:txBody>
-      </p:sp>
-      <p:sp>
-        <p:nvSpPr>
-          <p:cNvPr id="172" name="CustomShape 3"/>
-          <p:cNvSpPr/>
-          <p:nvPr/>
-        </p:nvSpPr>
-        <p:spPr>
-          <a:xfrm>
-            <a:off x="964080" y="997200"/>
-            <a:ext cx="113400" cy="584280"/>
-          </a:xfrm>
-          <a:custGeom>
-            <a:avLst/>
-            <a:gdLst/>
-            <a:ahLst/>
-            <a:rect l="l" t="t" r="r" b="b"/>
-            <a:pathLst>
-              <a:path w="21600" h="21600">
-                <a:moveTo>
-                  <a:pt x="0" y="0"/>
-                </a:moveTo>
-                <a:lnTo>
-                  <a:pt x="21600" y="21600"/>
-                </a:lnTo>
-              </a:path>
-            </a:pathLst>
-          </a:custGeom>
-          <a:noFill/>
-          <a:ln>
-            <a:solidFill>
-              <a:schemeClr val="tx1"/>
-            </a:solidFill>
-            <a:tailEnd len="med" type="triangle" w="med"/>
-          </a:ln>
-        </p:spPr>
-        <p:style>
-          <a:lnRef idx="1">
-            <a:schemeClr val="accent1"/>
-          </a:lnRef>
-          <a:fillRef idx="0">
-            <a:schemeClr val="accent1"/>
-          </a:fillRef>
-          <a:effectRef idx="0">
-            <a:schemeClr val="accent1"/>
-          </a:effectRef>
-          <a:fontRef idx="minor"/>
-        </p:style>
-      </p:sp>
-      <p:sp>
-        <p:nvSpPr>
-          <p:cNvPr id="173" name="CustomShape 4"/>
-          <p:cNvSpPr/>
-          <p:nvPr/>
-        </p:nvSpPr>
-        <p:spPr>
-          <a:xfrm>
-            <a:off x="2448000" y="246960"/>
-            <a:ext cx="950400" cy="758520"/>
-          </a:xfrm>
-          <a:prstGeom prst="rect">
-            <a:avLst/>
-          </a:prstGeom>
-          <a:gradFill rotWithShape="0">
-            <a:gsLst>
-              <a:gs pos="0">
-                <a:srgbClr val="d0d0d0"/>
-              </a:gs>
-              <a:gs pos="100000">
-                <a:srgbClr val="ededed">
-                  <a:alpha val="0"/>
-                </a:srgbClr>
-              </a:gs>
-            </a:gsLst>
-            <a:lin ang="16200000"/>
-          </a:gradFill>
-          <a:ln/>
-          <a:effectLst>
-            <a:outerShdw blurRad="40000" dir="5400000" dist="20160" rotWithShape="0">
-              <a:srgbClr val="000000">
-                <a:alpha val="38000"/>
-              </a:srgbClr>
-            </a:outerShdw>
-          </a:effectLst>
-        </p:spPr>
-        <p:style>
-          <a:lnRef idx="1">
-            <a:schemeClr val="dk1"/>
-          </a:lnRef>
-          <a:fillRef idx="2">
-            <a:schemeClr val="dk1"/>
-          </a:fillRef>
-          <a:effectRef idx="1">
-            <a:schemeClr val="dk1"/>
-          </a:effectRef>
-          <a:fontRef idx="minor"/>
-        </p:style>
-        <p:txBody>
-          <a:bodyPr lIns="90000" rIns="90000" tIns="45000" bIns="45000" anchor="ctr">
-            <a:noAutofit/>
-          </a:bodyPr>
-          <a:p>
-            <a:pPr algn="ctr">
-              <a:lnSpc>
-                <a:spcPct val="100000"/>
-              </a:lnSpc>
-            </a:pPr>
-            <a:r>
-              <a:rPr b="0" lang="pt-BR" sz="1200" spc="-1" strike="noStrike">
-                <a:solidFill>
-                  <a:srgbClr val="000000"/>
-                </a:solidFill>
-                <a:latin typeface="Arial"/>
-                <a:ea typeface="DejaVu Sans"/>
-              </a:rPr>
-              <a:t>Linha de produção</a:t>
-            </a:r>
-            <a:endParaRPr b="0" lang="pt-BR" sz="1200" spc="-1" strike="noStrike">
-              <a:latin typeface="Arial"/>
-            </a:endParaRPr>
-          </a:p>
-        </p:txBody>
-      </p:sp>
-      <p:sp>
-        <p:nvSpPr>
-          <p:cNvPr id="174" name="CustomShape 5"/>
-          <p:cNvSpPr/>
-          <p:nvPr/>
-        </p:nvSpPr>
-        <p:spPr>
-          <a:xfrm flipV="1">
-            <a:off x="2808000" y="1005120"/>
-            <a:ext cx="207720" cy="573480"/>
-          </a:xfrm>
-          <a:custGeom>
-            <a:avLst/>
-            <a:gdLst/>
-            <a:ahLst/>
-            <a:rect l="l" t="t" r="r" b="b"/>
-            <a:pathLst>
-              <a:path w="21600" h="21600">
-                <a:moveTo>
-                  <a:pt x="0" y="0"/>
-                </a:moveTo>
-                <a:lnTo>
-                  <a:pt x="21600" y="21600"/>
-                </a:lnTo>
-              </a:path>
-            </a:pathLst>
-          </a:custGeom>
-          <a:noFill/>
-          <a:ln>
-            <a:solidFill>
-              <a:schemeClr val="tx1"/>
-            </a:solidFill>
-            <a:tailEnd len="med" type="triangle" w="med"/>
-          </a:ln>
-        </p:spPr>
-        <p:style>
-          <a:lnRef idx="1">
-            <a:schemeClr val="accent1"/>
-          </a:lnRef>
-          <a:fillRef idx="0">
-            <a:schemeClr val="accent1"/>
-          </a:fillRef>
-          <a:effectRef idx="0">
-            <a:schemeClr val="accent1"/>
-          </a:effectRef>
-          <a:fontRef idx="minor"/>
-        </p:style>
-      </p:sp>
-      <p:sp>
-        <p:nvSpPr>
-          <p:cNvPr id="175" name="CustomShape 6"/>
-          <p:cNvSpPr/>
-          <p:nvPr/>
-        </p:nvSpPr>
-        <p:spPr>
-          <a:xfrm>
-            <a:off x="144000" y="1080000"/>
-            <a:ext cx="873360" cy="425160"/>
+            <a:ext cx="872640" cy="424440"/>
           </a:xfrm>
           <a:prstGeom prst="rect">
             <a:avLst/>
@@ -8646,14 +7909,14 @@
       </p:sp>
       <p:sp>
         <p:nvSpPr>
-          <p:cNvPr id="176" name="CustomShape 7"/>
+          <p:cNvPr id="164" name="CustomShape 7"/>
           <p:cNvSpPr/>
           <p:nvPr/>
         </p:nvSpPr>
         <p:spPr>
           <a:xfrm>
             <a:off x="288000" y="1585080"/>
-            <a:ext cx="1582200" cy="1149120"/>
+            <a:ext cx="1581480" cy="1148400"/>
           </a:xfrm>
           <a:prstGeom prst="ellipse">
             <a:avLst/>
@@ -8706,14 +7969,14 @@
       </p:sp>
       <p:sp>
         <p:nvSpPr>
-          <p:cNvPr id="177" name="CustomShape 8"/>
+          <p:cNvPr id="165" name="CustomShape 8"/>
           <p:cNvSpPr/>
           <p:nvPr/>
         </p:nvSpPr>
         <p:spPr>
           <a:xfrm>
             <a:off x="648000" y="3240000"/>
-            <a:ext cx="1293480" cy="454680"/>
+            <a:ext cx="1292760" cy="454680"/>
           </a:xfrm>
           <a:prstGeom prst="rect">
             <a:avLst/>
@@ -8757,7 +8020,7 @@
       </p:sp>
       <p:sp>
         <p:nvSpPr>
-          <p:cNvPr id="178" name="Line 9"/>
+          <p:cNvPr id="166" name="Line 9"/>
           <p:cNvSpPr/>
           <p:nvPr/>
         </p:nvSpPr>
@@ -8790,7 +8053,7 @@
       </p:sp>
       <p:sp>
         <p:nvSpPr>
-          <p:cNvPr id="179" name="Line 10"/>
+          <p:cNvPr id="167" name="Line 10"/>
           <p:cNvSpPr/>
           <p:nvPr/>
         </p:nvSpPr>
@@ -8823,62 +8086,14 @@
       </p:sp>
       <p:sp>
         <p:nvSpPr>
-          <p:cNvPr id="180" name="CustomShape 11"/>
-          <p:cNvSpPr/>
-          <p:nvPr/>
-        </p:nvSpPr>
-        <p:spPr>
-          <a:xfrm>
-            <a:off x="1224000" y="2735640"/>
-            <a:ext cx="113400" cy="501840"/>
-          </a:xfrm>
-          <a:custGeom>
-            <a:avLst/>
-            <a:gdLst/>
-            <a:ahLst/>
-            <a:rect l="l" t="t" r="r" b="b"/>
-            <a:pathLst>
-              <a:path w="21600" h="21600">
-                <a:moveTo>
-                  <a:pt x="0" y="0"/>
-                </a:moveTo>
-                <a:lnTo>
-                  <a:pt x="21600" y="21600"/>
-                </a:lnTo>
-              </a:path>
-            </a:pathLst>
-          </a:custGeom>
-          <a:noFill/>
-          <a:ln>
-            <a:solidFill>
-              <a:schemeClr val="tx1"/>
-            </a:solidFill>
-            <a:tailEnd len="med" type="triangle" w="med"/>
-          </a:ln>
-        </p:spPr>
-        <p:style>
-          <a:lnRef idx="1">
-            <a:schemeClr val="accent1"/>
-          </a:lnRef>
-          <a:fillRef idx="0">
-            <a:schemeClr val="accent1"/>
-          </a:fillRef>
-          <a:effectRef idx="0">
-            <a:schemeClr val="accent1"/>
-          </a:effectRef>
-          <a:fontRef idx="minor"/>
-        </p:style>
-      </p:sp>
-      <p:sp>
-        <p:nvSpPr>
-          <p:cNvPr id="181" name="CustomShape 12"/>
+          <p:cNvPr id="168" name="CustomShape 11"/>
           <p:cNvSpPr/>
           <p:nvPr/>
         </p:nvSpPr>
         <p:spPr>
           <a:xfrm>
             <a:off x="2330640" y="1593720"/>
-            <a:ext cx="1293120" cy="1221480"/>
+            <a:ext cx="1292400" cy="1220760"/>
           </a:xfrm>
           <a:prstGeom prst="ellipse">
             <a:avLst/>
@@ -8931,14 +8146,14 @@
       </p:sp>
       <p:sp>
         <p:nvSpPr>
-          <p:cNvPr id="182" name="CustomShape 13"/>
+          <p:cNvPr id="169" name="CustomShape 12"/>
           <p:cNvSpPr/>
           <p:nvPr/>
         </p:nvSpPr>
         <p:spPr>
           <a:xfrm flipH="1">
-            <a:off x="1797120" y="2542320"/>
-            <a:ext cx="567000" cy="573480"/>
+            <a:off x="1796400" y="2542320"/>
+            <a:ext cx="566280" cy="572760"/>
           </a:xfrm>
           <a:custGeom>
             <a:avLst/>
@@ -8980,14 +8195,14 @@
       </p:sp>
       <p:sp>
         <p:nvSpPr>
-          <p:cNvPr id="183" name="CustomShape 14"/>
+          <p:cNvPr id="170" name="CustomShape 13"/>
           <p:cNvSpPr/>
           <p:nvPr/>
         </p:nvSpPr>
         <p:spPr>
           <a:xfrm>
             <a:off x="1804320" y="1031760"/>
-            <a:ext cx="950400" cy="592560"/>
+            <a:ext cx="949680" cy="591840"/>
           </a:xfrm>
           <a:prstGeom prst="rect">
             <a:avLst/>
@@ -9031,14 +8246,14 @@
       </p:sp>
       <p:sp>
         <p:nvSpPr>
-          <p:cNvPr id="184" name="CustomShape 15"/>
+          <p:cNvPr id="171" name="CustomShape 14"/>
           <p:cNvSpPr/>
           <p:nvPr/>
         </p:nvSpPr>
         <p:spPr>
           <a:xfrm>
             <a:off x="2330640" y="3594960"/>
-            <a:ext cx="1293480" cy="425160"/>
+            <a:ext cx="1292760" cy="424440"/>
           </a:xfrm>
           <a:prstGeom prst="rect">
             <a:avLst/>
@@ -9072,7 +8287,7 @@
                 <a:latin typeface="Arial"/>
                 <a:ea typeface="DejaVu Sans"/>
               </a:rPr>
-              <a:t>Ordem produção priorizada</a:t>
+              <a:t>Ordem de produlão</a:t>
             </a:r>
             <a:endParaRPr b="0" lang="pt-BR" sz="1100" spc="-1" strike="noStrike">
               <a:latin typeface="Arial"/>
@@ -9082,7 +8297,7 @@
       </p:sp>
       <p:sp>
         <p:nvSpPr>
-          <p:cNvPr id="185" name="Line 16"/>
+          <p:cNvPr id="172" name="Line 15"/>
           <p:cNvSpPr/>
           <p:nvPr/>
         </p:nvSpPr>
@@ -9115,7 +8330,7 @@
       </p:sp>
       <p:sp>
         <p:nvSpPr>
-          <p:cNvPr id="186" name="Line 17"/>
+          <p:cNvPr id="173" name="Line 16"/>
           <p:cNvSpPr/>
           <p:nvPr/>
         </p:nvSpPr>
@@ -9148,14 +8363,112 @@
       </p:sp>
       <p:sp>
         <p:nvSpPr>
-          <p:cNvPr id="187" name="CustomShape 18"/>
+          <p:cNvPr id="174" name="CustomShape 17"/>
           <p:cNvSpPr/>
           <p:nvPr/>
         </p:nvSpPr>
         <p:spPr>
           <a:xfrm flipH="1">
-            <a:off x="2970360" y="2855160"/>
-            <a:ext cx="45360" cy="736920"/>
+            <a:off x="2969640" y="2855160"/>
+            <a:ext cx="44640" cy="736200"/>
+          </a:xfrm>
+          <a:custGeom>
+            <a:avLst/>
+            <a:gdLst/>
+            <a:ahLst/>
+            <a:rect l="l" t="t" r="r" b="b"/>
+            <a:pathLst>
+              <a:path w="21600" h="21600">
+                <a:moveTo>
+                  <a:pt x="0" y="0"/>
+                </a:moveTo>
+                <a:lnTo>
+                  <a:pt x="21600" y="21600"/>
+                </a:lnTo>
+              </a:path>
+            </a:pathLst>
+          </a:custGeom>
+          <a:noFill/>
+          <a:ln>
+            <a:solidFill>
+              <a:schemeClr val="tx1"/>
+            </a:solidFill>
+            <a:headEnd len="med" type="triangle" w="med"/>
+            <a:tailEnd len="med" type="triangle" w="med"/>
+          </a:ln>
+        </p:spPr>
+        <p:style>
+          <a:lnRef idx="1">
+            <a:schemeClr val="accent1"/>
+          </a:lnRef>
+          <a:fillRef idx="0">
+            <a:schemeClr val="accent1"/>
+          </a:fillRef>
+          <a:effectRef idx="0">
+            <a:schemeClr val="accent1"/>
+          </a:effectRef>
+          <a:fontRef idx="minor"/>
+        </p:style>
+      </p:sp>
+      <p:sp>
+        <p:nvSpPr>
+          <p:cNvPr id="175" name="CustomShape 18"/>
+          <p:cNvSpPr/>
+          <p:nvPr/>
+        </p:nvSpPr>
+        <p:spPr>
+          <a:xfrm flipH="1">
+            <a:off x="1796400" y="2542680"/>
+            <a:ext cx="566280" cy="572760"/>
+          </a:xfrm>
+          <a:custGeom>
+            <a:avLst/>
+            <a:gdLst/>
+            <a:ahLst/>
+            <a:rect l="l" t="t" r="r" b="b"/>
+            <a:pathLst>
+              <a:path w="21600" h="21600">
+                <a:moveTo>
+                  <a:pt x="0" y="0"/>
+                </a:moveTo>
+                <a:lnTo>
+                  <a:pt x="21600" y="21600"/>
+                </a:lnTo>
+              </a:path>
+            </a:pathLst>
+          </a:custGeom>
+          <a:noFill/>
+          <a:ln>
+            <a:solidFill>
+              <a:schemeClr val="tx1"/>
+            </a:solidFill>
+            <a:headEnd len="med" type="triangle" w="med"/>
+            <a:tailEnd len="med" type="triangle" w="med"/>
+          </a:ln>
+        </p:spPr>
+        <p:style>
+          <a:lnRef idx="1">
+            <a:schemeClr val="accent1"/>
+          </a:lnRef>
+          <a:fillRef idx="0">
+            <a:schemeClr val="accent1"/>
+          </a:fillRef>
+          <a:effectRef idx="0">
+            <a:schemeClr val="accent1"/>
+          </a:effectRef>
+          <a:fontRef idx="minor"/>
+        </p:style>
+      </p:sp>
+      <p:sp>
+        <p:nvSpPr>
+          <p:cNvPr id="176" name="CustomShape 19"/>
+          <p:cNvSpPr/>
+          <p:nvPr/>
+        </p:nvSpPr>
+        <p:spPr>
+          <a:xfrm flipH="1">
+            <a:off x="1150920" y="2733840"/>
+            <a:ext cx="360" cy="505800"/>
           </a:xfrm>
           <a:custGeom>
             <a:avLst/>

--- a/Artefatos/16-DFD Essencial para cada capacidade.pptx
+++ b/Artefatos/16-DFD Essencial para cada capacidade.pptx
@@ -68,7 +68,7 @@
         <p:spPr>
           <a:xfrm>
             <a:off x="692640" y="375120"/>
-            <a:ext cx="8688600" cy="946800"/>
+            <a:ext cx="8688240" cy="946800"/>
           </a:xfrm>
           <a:prstGeom prst="rect">
             <a:avLst/>
@@ -181,7 +181,7 @@
         <p:spPr>
           <a:xfrm>
             <a:off x="692640" y="375120"/>
-            <a:ext cx="8688600" cy="946800"/>
+            <a:ext cx="8688240" cy="946800"/>
           </a:xfrm>
           <a:prstGeom prst="rect">
             <a:avLst/>
@@ -354,7 +354,7 @@
         <p:spPr>
           <a:xfrm>
             <a:off x="692640" y="375120"/>
-            <a:ext cx="8688600" cy="946800"/>
+            <a:ext cx="8688240" cy="946800"/>
           </a:xfrm>
           <a:prstGeom prst="rect">
             <a:avLst/>
@@ -587,7 +587,7 @@
         <p:spPr>
           <a:xfrm>
             <a:off x="692640" y="375120"/>
-            <a:ext cx="8688600" cy="946800"/>
+            <a:ext cx="8688240" cy="946800"/>
           </a:xfrm>
           <a:prstGeom prst="rect">
             <a:avLst/>
@@ -671,7 +671,7 @@
         <p:spPr>
           <a:xfrm>
             <a:off x="692640" y="375120"/>
-            <a:ext cx="8688600" cy="946800"/>
+            <a:ext cx="8688240" cy="946800"/>
           </a:xfrm>
           <a:prstGeom prst="rect">
             <a:avLst/>
@@ -754,7 +754,7 @@
         <p:spPr>
           <a:xfrm>
             <a:off x="692640" y="375120"/>
-            <a:ext cx="8688600" cy="946800"/>
+            <a:ext cx="8688240" cy="946800"/>
           </a:xfrm>
           <a:prstGeom prst="rect">
             <a:avLst/>
@@ -867,7 +867,7 @@
         <p:spPr>
           <a:xfrm>
             <a:off x="692640" y="375120"/>
-            <a:ext cx="8688600" cy="946800"/>
+            <a:ext cx="8688240" cy="946800"/>
           </a:xfrm>
           <a:prstGeom prst="rect">
             <a:avLst/>
@@ -920,7 +920,7 @@
         <p:spPr>
           <a:xfrm>
             <a:off x="692640" y="375120"/>
-            <a:ext cx="8688600" cy="4390200"/>
+            <a:ext cx="8688240" cy="4390200"/>
           </a:xfrm>
           <a:prstGeom prst="rect">
             <a:avLst/>
@@ -973,7 +973,7 @@
         <p:spPr>
           <a:xfrm>
             <a:off x="692640" y="375120"/>
-            <a:ext cx="8688600" cy="946800"/>
+            <a:ext cx="8688240" cy="946800"/>
           </a:xfrm>
           <a:prstGeom prst="rect">
             <a:avLst/>
@@ -1116,7 +1116,7 @@
         <p:spPr>
           <a:xfrm>
             <a:off x="692640" y="375120"/>
-            <a:ext cx="8688600" cy="946800"/>
+            <a:ext cx="8688240" cy="946800"/>
           </a:xfrm>
           <a:prstGeom prst="rect">
             <a:avLst/>
@@ -1259,7 +1259,7 @@
         <p:spPr>
           <a:xfrm>
             <a:off x="692640" y="375120"/>
-            <a:ext cx="8688600" cy="946800"/>
+            <a:ext cx="8688240" cy="946800"/>
           </a:xfrm>
           <a:prstGeom prst="rect">
             <a:avLst/>
@@ -1409,7 +1409,7 @@
         <p:spPr>
           <a:xfrm>
             <a:off x="692640" y="375120"/>
-            <a:ext cx="8688600" cy="946800"/>
+            <a:ext cx="8688240" cy="946800"/>
           </a:xfrm>
           <a:prstGeom prst="rect">
             <a:avLst/>
@@ -1657,7 +1657,7 @@
         <p:spPr>
           <a:xfrm>
             <a:off x="471960" y="226440"/>
-            <a:ext cx="949680" cy="757800"/>
+            <a:ext cx="949320" cy="757440"/>
           </a:xfrm>
           <a:prstGeom prst="rect">
             <a:avLst/>
@@ -1731,7 +1731,7 @@
         <p:spPr>
           <a:xfrm>
             <a:off x="432000" y="1729440"/>
-            <a:ext cx="1252440" cy="1059120"/>
+            <a:ext cx="1252080" cy="1058760"/>
           </a:xfrm>
           <a:prstGeom prst="ellipse">
             <a:avLst/>
@@ -1791,7 +1791,7 @@
         <p:spPr>
           <a:xfrm>
             <a:off x="948960" y="988200"/>
-            <a:ext cx="170640" cy="737280"/>
+            <a:ext cx="170280" cy="736920"/>
           </a:xfrm>
           <a:custGeom>
             <a:avLst/>
@@ -1839,7 +1839,7 @@
         <p:spPr>
           <a:xfrm>
             <a:off x="-243360" y="1053720"/>
-            <a:ext cx="1360440" cy="394200"/>
+            <a:ext cx="1360080" cy="394200"/>
           </a:xfrm>
           <a:prstGeom prst="rect">
             <a:avLst/>
@@ -1923,7 +1923,7 @@
         <p:spPr>
           <a:xfrm>
             <a:off x="1123200" y="2792520"/>
-            <a:ext cx="360" cy="659520"/>
+            <a:ext cx="360" cy="659160"/>
           </a:xfrm>
           <a:custGeom>
             <a:avLst/>
@@ -1971,7 +1971,7 @@
         <p:spPr>
           <a:xfrm>
             <a:off x="324360" y="3565080"/>
-            <a:ext cx="1670040" cy="454680"/>
+            <a:ext cx="1669680" cy="454680"/>
           </a:xfrm>
           <a:prstGeom prst="rect">
             <a:avLst/>
@@ -2042,7 +2042,7 @@
         <p:spPr>
           <a:xfrm>
             <a:off x="6912000" y="85680"/>
-            <a:ext cx="2804760" cy="638280"/>
+            <a:ext cx="2804400" cy="638280"/>
           </a:xfrm>
           <a:prstGeom prst="rect">
             <a:avLst/>
@@ -2126,7 +2126,7 @@
         <p:spPr>
           <a:xfrm>
             <a:off x="2448000" y="1656000"/>
-            <a:ext cx="1220760" cy="1076760"/>
+            <a:ext cx="1220400" cy="1076400"/>
           </a:xfrm>
           <a:prstGeom prst="ellipse">
             <a:avLst/>
@@ -2186,7 +2186,7 @@
         <p:spPr>
           <a:xfrm flipH="1">
             <a:off x="1586880" y="2647800"/>
-            <a:ext cx="1050840" cy="788760"/>
+            <a:ext cx="1050480" cy="788400"/>
           </a:xfrm>
           <a:custGeom>
             <a:avLst/>
@@ -2235,7 +2235,7 @@
         <p:spPr>
           <a:xfrm>
             <a:off x="2088000" y="1056960"/>
-            <a:ext cx="839160" cy="454680"/>
+            <a:ext cx="838800" cy="454680"/>
           </a:xfrm>
           <a:prstGeom prst="rect">
             <a:avLst/>
@@ -2286,7 +2286,7 @@
         <p:spPr>
           <a:xfrm>
             <a:off x="2808000" y="360000"/>
-            <a:ext cx="839160" cy="788760"/>
+            <a:ext cx="838800" cy="788400"/>
           </a:xfrm>
           <a:prstGeom prst="rect">
             <a:avLst/>
@@ -2360,7 +2360,7 @@
         <p:spPr>
           <a:xfrm flipV="1">
             <a:off x="3108960" y="1148400"/>
-            <a:ext cx="127800" cy="500760"/>
+            <a:ext cx="127440" cy="500400"/>
           </a:xfrm>
           <a:custGeom>
             <a:avLst/>
@@ -2474,7 +2474,7 @@
         <p:spPr>
           <a:xfrm>
             <a:off x="2160000" y="3576960"/>
-            <a:ext cx="1670040" cy="272160"/>
+            <a:ext cx="1669680" cy="272160"/>
           </a:xfrm>
           <a:prstGeom prst="rect">
             <a:avLst/>
@@ -2524,8 +2524,8 @@
         </p:nvSpPr>
         <p:spPr>
           <a:xfrm flipH="1" flipV="1" rot="205800">
-            <a:off x="3016440" y="2752560"/>
-            <a:ext cx="44640" cy="717480"/>
+            <a:off x="3015360" y="2751480"/>
+            <a:ext cx="44280" cy="717480"/>
           </a:xfrm>
           <a:custGeom>
             <a:avLst/>
@@ -2640,7 +2640,7 @@
         <p:spPr>
           <a:xfrm>
             <a:off x="3833280" y="3600000"/>
-            <a:ext cx="1272600" cy="394200"/>
+            <a:ext cx="1272240" cy="394200"/>
           </a:xfrm>
           <a:prstGeom prst="rect">
             <a:avLst/>
@@ -2690,8 +2690,8 @@
         </p:nvSpPr>
         <p:spPr>
           <a:xfrm flipH="1">
-            <a:off x="3580200" y="936000"/>
-            <a:ext cx="1697040" cy="1295640"/>
+            <a:off x="3579480" y="936000"/>
+            <a:ext cx="1696680" cy="1295280"/>
           </a:xfrm>
           <a:custGeom>
             <a:avLst/>
@@ -2740,7 +2740,7 @@
         <p:spPr>
           <a:xfrm flipH="1" flipV="1">
             <a:off x="3527280" y="2591280"/>
-            <a:ext cx="1007640" cy="880920"/>
+            <a:ext cx="1007280" cy="880560"/>
           </a:xfrm>
           <a:custGeom>
             <a:avLst/>
@@ -2888,7 +2888,7 @@
         <p:spPr>
           <a:xfrm>
             <a:off x="5184000" y="3600000"/>
-            <a:ext cx="1272600" cy="394200"/>
+            <a:ext cx="1272240" cy="394200"/>
           </a:xfrm>
           <a:prstGeom prst="rect">
             <a:avLst/>
@@ -2939,7 +2939,7 @@
         <p:spPr>
           <a:xfrm>
             <a:off x="5277960" y="432000"/>
-            <a:ext cx="839160" cy="788760"/>
+            <a:ext cx="838800" cy="788400"/>
           </a:xfrm>
           <a:prstGeom prst="rect">
             <a:avLst/>
@@ -3013,7 +3013,7 @@
         <p:spPr>
           <a:xfrm>
             <a:off x="4344480" y="675000"/>
-            <a:ext cx="839160" cy="333000"/>
+            <a:ext cx="838800" cy="333000"/>
           </a:xfrm>
           <a:prstGeom prst="rect">
             <a:avLst/>
@@ -3064,7 +3064,7 @@
         <p:spPr>
           <a:xfrm flipH="1" flipV="1">
             <a:off x="3668400" y="2375280"/>
-            <a:ext cx="2234520" cy="1151640"/>
+            <a:ext cx="2234160" cy="1151280"/>
           </a:xfrm>
           <a:custGeom>
             <a:avLst/>
@@ -3143,7 +3143,7 @@
         <p:spPr>
           <a:xfrm>
             <a:off x="8309160" y="-74520"/>
-            <a:ext cx="2804760" cy="638280"/>
+            <a:ext cx="2804400" cy="638280"/>
           </a:xfrm>
           <a:prstGeom prst="rect">
             <a:avLst/>
@@ -3194,7 +3194,7 @@
         <p:spPr>
           <a:xfrm>
             <a:off x="471960" y="236520"/>
-            <a:ext cx="949680" cy="757800"/>
+            <a:ext cx="949320" cy="757440"/>
           </a:xfrm>
           <a:prstGeom prst="rect">
             <a:avLst/>
@@ -3268,7 +3268,7 @@
         <p:spPr>
           <a:xfrm>
             <a:off x="956520" y="997560"/>
-            <a:ext cx="170640" cy="737280"/>
+            <a:ext cx="170280" cy="736920"/>
           </a:xfrm>
           <a:custGeom>
             <a:avLst/>
@@ -3316,7 +3316,7 @@
         <p:spPr>
           <a:xfrm>
             <a:off x="76320" y="1109880"/>
-            <a:ext cx="784440" cy="394200"/>
+            <a:ext cx="784080" cy="394200"/>
           </a:xfrm>
           <a:prstGeom prst="rect">
             <a:avLst/>
@@ -3367,7 +3367,7 @@
         <p:spPr>
           <a:xfrm>
             <a:off x="576000" y="1745640"/>
-            <a:ext cx="1126800" cy="1059120"/>
+            <a:ext cx="1126440" cy="1058760"/>
           </a:xfrm>
           <a:prstGeom prst="ellipse">
             <a:avLst/>
@@ -3460,7 +3460,7 @@
         <p:spPr>
           <a:xfrm>
             <a:off x="324360" y="3520800"/>
-            <a:ext cx="1670040" cy="249480"/>
+            <a:ext cx="1669680" cy="249480"/>
           </a:xfrm>
           <a:prstGeom prst="rect">
             <a:avLst/>
@@ -3544,7 +3544,7 @@
         <p:spPr>
           <a:xfrm>
             <a:off x="1123560" y="2853360"/>
-            <a:ext cx="360" cy="571680"/>
+            <a:ext cx="360" cy="571320"/>
           </a:xfrm>
           <a:custGeom>
             <a:avLst/>
@@ -3592,7 +3592,7 @@
         <p:spPr>
           <a:xfrm>
             <a:off x="2088000" y="1800000"/>
-            <a:ext cx="1126800" cy="1059120"/>
+            <a:ext cx="1126440" cy="1058760"/>
           </a:xfrm>
           <a:prstGeom prst="ellipse">
             <a:avLst/>
@@ -3652,7 +3652,7 @@
         <p:spPr>
           <a:xfrm flipH="1">
             <a:off x="1699920" y="2794680"/>
-            <a:ext cx="570600" cy="608760"/>
+            <a:ext cx="570240" cy="608400"/>
           </a:xfrm>
           <a:custGeom>
             <a:avLst/>
@@ -3767,7 +3767,7 @@
         <p:spPr>
           <a:xfrm>
             <a:off x="1872000" y="3565080"/>
-            <a:ext cx="1670040" cy="269640"/>
+            <a:ext cx="1669680" cy="269280"/>
           </a:xfrm>
           <a:prstGeom prst="rect">
             <a:avLst/>
@@ -3793,7 +3793,7 @@
         <p:spPr>
           <a:xfrm>
             <a:off x="1926720" y="3565080"/>
-            <a:ext cx="1670040" cy="269640"/>
+            <a:ext cx="1669680" cy="269280"/>
           </a:xfrm>
           <a:prstGeom prst="rect">
             <a:avLst/>
@@ -3819,7 +3819,7 @@
         <p:spPr>
           <a:xfrm>
             <a:off x="2079720" y="3528360"/>
-            <a:ext cx="1229040" cy="454680"/>
+            <a:ext cx="1228680" cy="454680"/>
           </a:xfrm>
           <a:prstGeom prst="rect">
             <a:avLst/>
@@ -3870,7 +3870,7 @@
         <p:spPr>
           <a:xfrm>
             <a:off x="2842920" y="2901960"/>
-            <a:ext cx="131760" cy="521640"/>
+            <a:ext cx="131400" cy="521280"/>
           </a:xfrm>
           <a:custGeom>
             <a:avLst/>
@@ -3919,7 +3919,7 @@
         <p:spPr>
           <a:xfrm>
             <a:off x="3693960" y="1872000"/>
-            <a:ext cx="1126800" cy="1059120"/>
+            <a:ext cx="1126440" cy="1058760"/>
           </a:xfrm>
           <a:prstGeom prst="ellipse">
             <a:avLst/>
@@ -3979,7 +3979,7 @@
         <p:spPr>
           <a:xfrm>
             <a:off x="5040000" y="1819080"/>
-            <a:ext cx="1126800" cy="1059120"/>
+            <a:ext cx="1126440" cy="1058760"/>
           </a:xfrm>
           <a:prstGeom prst="ellipse">
             <a:avLst/>
@@ -4171,7 +4171,7 @@
         <p:spPr>
           <a:xfrm>
             <a:off x="5899320" y="3567240"/>
-            <a:ext cx="1229040" cy="454680"/>
+            <a:ext cx="1228680" cy="454680"/>
           </a:xfrm>
           <a:prstGeom prst="rect">
             <a:avLst/>
@@ -4221,8 +4221,8 @@
         </p:nvSpPr>
         <p:spPr>
           <a:xfrm flipH="1">
-            <a:off x="6645240" y="2449440"/>
-            <a:ext cx="1126800" cy="932760"/>
+            <a:off x="6644520" y="2449440"/>
+            <a:ext cx="1126440" cy="932400"/>
           </a:xfrm>
           <a:custGeom>
             <a:avLst/>
@@ -4337,7 +4337,7 @@
         <p:spPr>
           <a:xfrm>
             <a:off x="7949880" y="3491640"/>
-            <a:ext cx="1292760" cy="454680"/>
+            <a:ext cx="1292400" cy="454680"/>
           </a:xfrm>
           <a:prstGeom prst="rect">
             <a:avLst/>
@@ -4388,7 +4388,7 @@
         <p:spPr>
           <a:xfrm>
             <a:off x="8649360" y="2623320"/>
-            <a:ext cx="306720" cy="780120"/>
+            <a:ext cx="306360" cy="779760"/>
           </a:xfrm>
           <a:custGeom>
             <a:avLst/>
@@ -4470,7 +4470,7 @@
         <p:spPr>
           <a:xfrm>
             <a:off x="3796200" y="3567600"/>
-            <a:ext cx="1229040" cy="454680"/>
+            <a:ext cx="1228680" cy="454680"/>
           </a:xfrm>
           <a:prstGeom prst="rect">
             <a:avLst/>
@@ -4554,7 +4554,7 @@
         <p:spPr>
           <a:xfrm flipH="1">
             <a:off x="4485960" y="2876040"/>
-            <a:ext cx="62280" cy="575640"/>
+            <a:ext cx="61920" cy="575280"/>
           </a:xfrm>
           <a:custGeom>
             <a:avLst/>
@@ -4602,8 +4602,8 @@
         </p:nvSpPr>
         <p:spPr>
           <a:xfrm flipH="1">
-            <a:off x="4953960" y="2808000"/>
-            <a:ext cx="370800" cy="615600"/>
+            <a:off x="4953240" y="2808000"/>
+            <a:ext cx="370440" cy="615240"/>
           </a:xfrm>
           <a:custGeom>
             <a:avLst/>
@@ -4652,7 +4652,7 @@
         <p:spPr>
           <a:xfrm>
             <a:off x="5766480" y="2876040"/>
-            <a:ext cx="474480" cy="506160"/>
+            <a:ext cx="474120" cy="505800"/>
           </a:xfrm>
           <a:custGeom>
             <a:avLst/>
@@ -4701,7 +4701,7 @@
         <p:spPr>
           <a:xfrm flipH="1">
             <a:off x="3288600" y="2808000"/>
-            <a:ext cx="520200" cy="570600"/>
+            <a:ext cx="519840" cy="570240"/>
           </a:xfrm>
           <a:custGeom>
             <a:avLst/>
@@ -4750,7 +4750,7 @@
         <p:spPr>
           <a:xfrm>
             <a:off x="7755840" y="1352160"/>
-            <a:ext cx="1414800" cy="1220760"/>
+            <a:ext cx="1414440" cy="1220400"/>
           </a:xfrm>
           <a:prstGeom prst="ellipse">
             <a:avLst/>
@@ -4810,7 +4810,7 @@
         <p:spPr>
           <a:xfrm>
             <a:off x="471960" y="246600"/>
-            <a:ext cx="949680" cy="757800"/>
+            <a:ext cx="949320" cy="757440"/>
           </a:xfrm>
           <a:prstGeom prst="rect">
             <a:avLst/>
@@ -4884,7 +4884,7 @@
         <p:spPr>
           <a:xfrm>
             <a:off x="7085160" y="127800"/>
-            <a:ext cx="949680" cy="757800"/>
+            <a:ext cx="949320" cy="757440"/>
           </a:xfrm>
           <a:prstGeom prst="rect">
             <a:avLst/>
@@ -4958,7 +4958,7 @@
         <p:spPr>
           <a:xfrm flipH="1" flipV="1">
             <a:off x="7659000" y="917640"/>
-            <a:ext cx="430200" cy="502200"/>
+            <a:ext cx="429840" cy="501840"/>
           </a:xfrm>
           <a:custGeom>
             <a:avLst/>
@@ -5006,7 +5006,7 @@
         <p:spPr>
           <a:xfrm>
             <a:off x="6916320" y="1052640"/>
-            <a:ext cx="1029600" cy="454680"/>
+            <a:ext cx="1029240" cy="454680"/>
           </a:xfrm>
           <a:prstGeom prst="rect">
             <a:avLst/>
@@ -5087,7 +5087,7 @@
         <p:spPr>
           <a:xfrm>
             <a:off x="6912000" y="85680"/>
-            <a:ext cx="2804760" cy="638280"/>
+            <a:ext cx="2804400" cy="638280"/>
           </a:xfrm>
           <a:prstGeom prst="rect">
             <a:avLst/>
@@ -5138,7 +5138,7 @@
         <p:spPr>
           <a:xfrm>
             <a:off x="3096000" y="1080000"/>
-            <a:ext cx="839160" cy="451800"/>
+            <a:ext cx="838800" cy="451440"/>
           </a:xfrm>
           <a:prstGeom prst="rect">
             <a:avLst/>
@@ -5164,7 +5164,7 @@
         <p:spPr>
           <a:xfrm>
             <a:off x="2324160" y="3888000"/>
-            <a:ext cx="1364760" cy="454680"/>
+            <a:ext cx="1364400" cy="454680"/>
           </a:xfrm>
           <a:prstGeom prst="rect">
             <a:avLst/>
@@ -5281,7 +5281,7 @@
         <p:spPr>
           <a:xfrm>
             <a:off x="5137200" y="1944000"/>
-            <a:ext cx="1918800" cy="1080000"/>
+            <a:ext cx="1918440" cy="1079640"/>
           </a:xfrm>
           <a:prstGeom prst="ellipse">
             <a:avLst/>
@@ -5406,8 +5406,8 @@
         </p:nvSpPr>
         <p:spPr>
           <a:xfrm flipH="1" flipV="1">
-            <a:off x="3095280" y="3384000"/>
-            <a:ext cx="360" cy="432000"/>
+            <a:off x="3094560" y="3383280"/>
+            <a:ext cx="360" cy="431640"/>
           </a:xfrm>
           <a:custGeom>
             <a:avLst/>
@@ -5455,8 +5455,8 @@
         </p:nvSpPr>
         <p:spPr>
           <a:xfrm flipH="1">
-            <a:off x="7056000" y="2304000"/>
-            <a:ext cx="648000" cy="72000"/>
+            <a:off x="7055280" y="2304000"/>
+            <a:ext cx="647640" cy="71640"/>
           </a:xfrm>
           <a:custGeom>
             <a:avLst/>
@@ -5505,7 +5505,7 @@
         <p:spPr>
           <a:xfrm>
             <a:off x="5259600" y="3816000"/>
-            <a:ext cx="1724400" cy="454680"/>
+            <a:ext cx="1724040" cy="454680"/>
           </a:xfrm>
           <a:prstGeom prst="rect">
             <a:avLst/>
@@ -5556,7 +5556,7 @@
         <p:spPr>
           <a:xfrm>
             <a:off x="7488000" y="2091600"/>
-            <a:ext cx="1724400" cy="1508400"/>
+            <a:ext cx="1724040" cy="1508040"/>
           </a:xfrm>
           <a:prstGeom prst="ellipse">
             <a:avLst/>
@@ -5682,7 +5682,7 @@
         <p:spPr>
           <a:xfrm>
             <a:off x="7560000" y="3960000"/>
-            <a:ext cx="1580760" cy="454680"/>
+            <a:ext cx="1580400" cy="454680"/>
           </a:xfrm>
           <a:prstGeom prst="rect">
             <a:avLst/>
@@ -5733,7 +5733,7 @@
         <p:spPr>
           <a:xfrm>
             <a:off x="8064000" y="723960"/>
-            <a:ext cx="949680" cy="757800"/>
+            <a:ext cx="949320" cy="757440"/>
           </a:xfrm>
           <a:prstGeom prst="rect">
             <a:avLst/>
@@ -5806,8 +5806,8 @@
         </p:nvSpPr>
         <p:spPr>
           <a:xfrm flipH="1" flipV="1">
-            <a:off x="8495280" y="1481760"/>
-            <a:ext cx="360" cy="609840"/>
+            <a:off x="8494560" y="1481040"/>
+            <a:ext cx="360" cy="609480"/>
           </a:xfrm>
           <a:custGeom>
             <a:avLst/>
@@ -5855,7 +5855,7 @@
         <p:spPr>
           <a:xfrm>
             <a:off x="6984000" y="1152000"/>
-            <a:ext cx="839160" cy="333000"/>
+            <a:ext cx="838800" cy="333000"/>
           </a:xfrm>
           <a:prstGeom prst="rect">
             <a:avLst/>
@@ -5905,8 +5905,8 @@
         </p:nvSpPr>
         <p:spPr>
           <a:xfrm flipH="1">
-            <a:off x="6263640" y="3024000"/>
-            <a:ext cx="360" cy="576000"/>
+            <a:off x="6262920" y="3024000"/>
+            <a:ext cx="360" cy="575640"/>
           </a:xfrm>
           <a:custGeom>
             <a:avLst/>
@@ -5955,7 +5955,7 @@
         <p:spPr>
           <a:xfrm>
             <a:off x="360000" y="792000"/>
-            <a:ext cx="949680" cy="757800"/>
+            <a:ext cx="949320" cy="757440"/>
           </a:xfrm>
           <a:prstGeom prst="rect">
             <a:avLst/>
@@ -6029,7 +6029,7 @@
         <p:spPr>
           <a:xfrm>
             <a:off x="792000" y="1549800"/>
-            <a:ext cx="112680" cy="826200"/>
+            <a:ext cx="112320" cy="825840"/>
           </a:xfrm>
           <a:custGeom>
             <a:avLst/>
@@ -6077,7 +6077,7 @@
         <p:spPr>
           <a:xfrm>
             <a:off x="288000" y="2376000"/>
-            <a:ext cx="1364760" cy="932760"/>
+            <a:ext cx="1364400" cy="932400"/>
           </a:xfrm>
           <a:prstGeom prst="ellipse">
             <a:avLst/>
@@ -6137,7 +6137,7 @@
         <p:spPr>
           <a:xfrm>
             <a:off x="1008000" y="3315240"/>
-            <a:ext cx="24840" cy="428760"/>
+            <a:ext cx="24480" cy="428400"/>
           </a:xfrm>
           <a:custGeom>
             <a:avLst/>
@@ -6185,7 +6185,7 @@
         <p:spPr>
           <a:xfrm>
             <a:off x="576000" y="3865320"/>
-            <a:ext cx="1292760" cy="454680"/>
+            <a:ext cx="1292400" cy="454680"/>
           </a:xfrm>
           <a:prstGeom prst="rect">
             <a:avLst/>
@@ -6301,8 +6301,8 @@
         </p:nvSpPr>
         <p:spPr>
           <a:xfrm flipH="1">
-            <a:off x="8208000" y="3600000"/>
-            <a:ext cx="144000" cy="360000"/>
+            <a:off x="8207280" y="3600000"/>
+            <a:ext cx="143640" cy="359640"/>
           </a:xfrm>
           <a:custGeom>
             <a:avLst/>
@@ -6351,7 +6351,7 @@
         <p:spPr>
           <a:xfrm>
             <a:off x="2376000" y="2324880"/>
-            <a:ext cx="1126800" cy="1059120"/>
+            <a:ext cx="1126440" cy="1058760"/>
           </a:xfrm>
           <a:prstGeom prst="ellipse">
             <a:avLst/>
@@ -6410,8 +6410,8 @@
         </p:nvSpPr>
         <p:spPr>
           <a:xfrm flipH="1">
-            <a:off x="1440000" y="3096000"/>
-            <a:ext cx="1008000" cy="716760"/>
+            <a:off x="1439280" y="3096000"/>
+            <a:ext cx="1007640" cy="716400"/>
           </a:xfrm>
           <a:custGeom>
             <a:avLst/>
@@ -6459,8 +6459,8 @@
         </p:nvSpPr>
         <p:spPr>
           <a:xfrm flipV="1">
-            <a:off x="2880000" y="1584000"/>
-            <a:ext cx="127800" cy="740880"/>
+            <a:off x="2880000" y="1583280"/>
+            <a:ext cx="127440" cy="740520"/>
           </a:xfrm>
           <a:custGeom>
             <a:avLst/>
@@ -6508,7 +6508,7 @@
         <p:spPr>
           <a:xfrm>
             <a:off x="2578320" y="774000"/>
-            <a:ext cx="949680" cy="757800"/>
+            <a:ext cx="949320" cy="757440"/>
           </a:xfrm>
           <a:prstGeom prst="rect">
             <a:avLst/>
@@ -6582,7 +6582,7 @@
         <p:spPr>
           <a:xfrm>
             <a:off x="871560" y="1702080"/>
-            <a:ext cx="1216440" cy="241920"/>
+            <a:ext cx="1216080" cy="241920"/>
           </a:xfrm>
           <a:prstGeom prst="rect">
             <a:avLst/>
@@ -6643,7 +6643,7 @@
         <p:spPr>
           <a:xfrm>
             <a:off x="3124440" y="1910520"/>
-            <a:ext cx="2012760" cy="249480"/>
+            <a:ext cx="2012400" cy="249480"/>
           </a:xfrm>
           <a:prstGeom prst="rect">
             <a:avLst/>
@@ -6693,8 +6693,8 @@
         </p:nvSpPr>
         <p:spPr>
           <a:xfrm flipH="1">
-            <a:off x="3528000" y="2808000"/>
-            <a:ext cx="1800000" cy="1004760"/>
+            <a:off x="3527280" y="2808000"/>
+            <a:ext cx="1799640" cy="1004400"/>
           </a:xfrm>
           <a:custGeom>
             <a:avLst/>
@@ -6773,7 +6773,7 @@
         <p:spPr>
           <a:xfrm>
             <a:off x="6912000" y="85680"/>
-            <a:ext cx="2804760" cy="638280"/>
+            <a:ext cx="2804400" cy="638280"/>
           </a:xfrm>
           <a:prstGeom prst="rect">
             <a:avLst/>
@@ -6824,7 +6824,7 @@
         <p:spPr>
           <a:xfrm>
             <a:off x="471960" y="246600"/>
-            <a:ext cx="949680" cy="757800"/>
+            <a:ext cx="949320" cy="757440"/>
           </a:xfrm>
           <a:prstGeom prst="rect">
             <a:avLst/>
@@ -6898,7 +6898,7 @@
         <p:spPr>
           <a:xfrm>
             <a:off x="964080" y="997200"/>
-            <a:ext cx="112680" cy="583560"/>
+            <a:ext cx="112320" cy="583200"/>
           </a:xfrm>
           <a:custGeom>
             <a:avLst/>
@@ -6946,7 +6946,7 @@
         <p:spPr>
           <a:xfrm>
             <a:off x="2448000" y="246960"/>
-            <a:ext cx="949680" cy="757800"/>
+            <a:ext cx="949320" cy="757440"/>
           </a:xfrm>
           <a:prstGeom prst="rect">
             <a:avLst/>
@@ -7020,7 +7020,7 @@
         <p:spPr>
           <a:xfrm flipV="1">
             <a:off x="2808000" y="1004400"/>
-            <a:ext cx="127800" cy="572760"/>
+            <a:ext cx="127440" cy="572400"/>
           </a:xfrm>
           <a:custGeom>
             <a:avLst/>
@@ -7068,7 +7068,7 @@
         <p:spPr>
           <a:xfrm>
             <a:off x="3096000" y="1080000"/>
-            <a:ext cx="839160" cy="451800"/>
+            <a:ext cx="838800" cy="451440"/>
           </a:xfrm>
           <a:prstGeom prst="rect">
             <a:avLst/>
@@ -7094,7 +7094,7 @@
         <p:spPr>
           <a:xfrm>
             <a:off x="144000" y="1080000"/>
-            <a:ext cx="839160" cy="333000"/>
+            <a:ext cx="838800" cy="333000"/>
           </a:xfrm>
           <a:prstGeom prst="rect">
             <a:avLst/>
@@ -7145,7 +7145,7 @@
         <p:spPr>
           <a:xfrm>
             <a:off x="576360" y="1584000"/>
-            <a:ext cx="1148400" cy="1148400"/>
+            <a:ext cx="1148040" cy="1148040"/>
           </a:xfrm>
           <a:prstGeom prst="ellipse">
             <a:avLst/>
@@ -7205,7 +7205,7 @@
         <p:spPr>
           <a:xfrm>
             <a:off x="648000" y="3240000"/>
-            <a:ext cx="1292760" cy="272160"/>
+            <a:ext cx="1292400" cy="272160"/>
           </a:xfrm>
           <a:prstGeom prst="rect">
             <a:avLst/>
@@ -7322,7 +7322,7 @@
         <p:spPr>
           <a:xfrm>
             <a:off x="1224000" y="2735640"/>
-            <a:ext cx="112680" cy="501120"/>
+            <a:ext cx="112320" cy="500760"/>
           </a:xfrm>
           <a:custGeom>
             <a:avLst/>
@@ -7370,7 +7370,7 @@
         <p:spPr>
           <a:xfrm>
             <a:off x="2088360" y="1584000"/>
-            <a:ext cx="1292400" cy="1220760"/>
+            <a:ext cx="1292040" cy="1220400"/>
           </a:xfrm>
           <a:prstGeom prst="ellipse">
             <a:avLst/>
@@ -7430,7 +7430,7 @@
         <p:spPr>
           <a:xfrm flipH="1">
             <a:off x="1796400" y="2664000"/>
-            <a:ext cx="566280" cy="572760"/>
+            <a:ext cx="565920" cy="572400"/>
           </a:xfrm>
           <a:custGeom>
             <a:avLst/>
@@ -7479,7 +7479,7 @@
         <p:spPr>
           <a:xfrm>
             <a:off x="1872000" y="1107000"/>
-            <a:ext cx="839160" cy="333000"/>
+            <a:ext cx="838800" cy="333000"/>
           </a:xfrm>
           <a:prstGeom prst="rect">
             <a:avLst/>
@@ -7560,7 +7560,7 @@
         <p:spPr>
           <a:xfrm>
             <a:off x="6912000" y="85680"/>
-            <a:ext cx="2804760" cy="912600"/>
+            <a:ext cx="2804400" cy="912600"/>
           </a:xfrm>
           <a:prstGeom prst="rect">
             <a:avLst/>
@@ -7621,7 +7621,7 @@
         <p:spPr>
           <a:xfrm>
             <a:off x="471960" y="246600"/>
-            <a:ext cx="949680" cy="757800"/>
+            <a:ext cx="949320" cy="757440"/>
           </a:xfrm>
           <a:prstGeom prst="rect">
             <a:avLst/>
@@ -7695,7 +7695,7 @@
         <p:spPr>
           <a:xfrm>
             <a:off x="964080" y="997200"/>
-            <a:ext cx="112680" cy="583560"/>
+            <a:ext cx="112320" cy="583200"/>
           </a:xfrm>
           <a:custGeom>
             <a:avLst/>
@@ -7743,7 +7743,7 @@
         <p:spPr>
           <a:xfrm>
             <a:off x="2448000" y="246960"/>
-            <a:ext cx="949680" cy="757800"/>
+            <a:ext cx="949320" cy="757440"/>
           </a:xfrm>
           <a:prstGeom prst="rect">
             <a:avLst/>
@@ -7817,7 +7817,7 @@
         <p:spPr>
           <a:xfrm flipV="1">
             <a:off x="2808000" y="1004400"/>
-            <a:ext cx="207000" cy="572760"/>
+            <a:ext cx="206640" cy="572400"/>
           </a:xfrm>
           <a:custGeom>
             <a:avLst/>
@@ -7865,7 +7865,7 @@
         <p:spPr>
           <a:xfrm>
             <a:off x="144000" y="1080000"/>
-            <a:ext cx="872640" cy="424440"/>
+            <a:ext cx="872280" cy="424440"/>
           </a:xfrm>
           <a:prstGeom prst="rect">
             <a:avLst/>
@@ -7916,7 +7916,7 @@
         <p:spPr>
           <a:xfrm>
             <a:off x="288000" y="1585080"/>
-            <a:ext cx="1581480" cy="1148400"/>
+            <a:ext cx="1581120" cy="1148040"/>
           </a:xfrm>
           <a:prstGeom prst="ellipse">
             <a:avLst/>
@@ -7976,7 +7976,7 @@
         <p:spPr>
           <a:xfrm>
             <a:off x="648000" y="3240000"/>
-            <a:ext cx="1292760" cy="454680"/>
+            <a:ext cx="1292400" cy="454680"/>
           </a:xfrm>
           <a:prstGeom prst="rect">
             <a:avLst/>
@@ -8093,7 +8093,7 @@
         <p:spPr>
           <a:xfrm>
             <a:off x="2330640" y="1593720"/>
-            <a:ext cx="1292400" cy="1220760"/>
+            <a:ext cx="1292040" cy="1220400"/>
           </a:xfrm>
           <a:prstGeom prst="ellipse">
             <a:avLst/>
@@ -8153,7 +8153,7 @@
         <p:spPr>
           <a:xfrm flipH="1">
             <a:off x="1796400" y="2542320"/>
-            <a:ext cx="566280" cy="572760"/>
+            <a:ext cx="565920" cy="572400"/>
           </a:xfrm>
           <a:custGeom>
             <a:avLst/>
@@ -8202,7 +8202,7 @@
         <p:spPr>
           <a:xfrm>
             <a:off x="1804320" y="1031760"/>
-            <a:ext cx="949680" cy="591840"/>
+            <a:ext cx="949320" cy="591840"/>
           </a:xfrm>
           <a:prstGeom prst="rect">
             <a:avLst/>
@@ -8253,7 +8253,7 @@
         <p:spPr>
           <a:xfrm>
             <a:off x="2330640" y="3594960"/>
-            <a:ext cx="1292760" cy="424440"/>
+            <a:ext cx="1292400" cy="424440"/>
           </a:xfrm>
           <a:prstGeom prst="rect">
             <a:avLst/>
@@ -8287,7 +8287,7 @@
                 <a:latin typeface="Arial"/>
                 <a:ea typeface="DejaVu Sans"/>
               </a:rPr>
-              <a:t>Ordem de produlão</a:t>
+              <a:t>Ordem de produção</a:t>
             </a:r>
             <a:endParaRPr b="0" lang="pt-BR" sz="1100" spc="-1" strike="noStrike">
               <a:latin typeface="Arial"/>
@@ -8369,8 +8369,8 @@
         </p:nvSpPr>
         <p:spPr>
           <a:xfrm flipH="1">
-            <a:off x="2969640" y="2855160"/>
-            <a:ext cx="44640" cy="736200"/>
+            <a:off x="2968920" y="2855160"/>
+            <a:ext cx="44280" cy="735840"/>
           </a:xfrm>
           <a:custGeom>
             <a:avLst/>
@@ -8419,7 +8419,7 @@
         <p:spPr>
           <a:xfrm flipH="1">
             <a:off x="1796400" y="2542680"/>
-            <a:ext cx="566280" cy="572760"/>
+            <a:ext cx="565920" cy="572400"/>
           </a:xfrm>
           <a:custGeom>
             <a:avLst/>
@@ -8467,8 +8467,8 @@
         </p:nvSpPr>
         <p:spPr>
           <a:xfrm flipH="1">
-            <a:off x="1150920" y="2733840"/>
-            <a:ext cx="360" cy="505800"/>
+            <a:off x="1150200" y="2733840"/>
+            <a:ext cx="360" cy="505440"/>
           </a:xfrm>
           <a:custGeom>
             <a:avLst/>

--- a/Artefatos/16-DFD Essencial para cada capacidade.pptx
+++ b/Artefatos/16-DFD Essencial para cada capacidade.pptx
@@ -67,8 +67,8 @@
         </p:nvSpPr>
         <p:spPr>
           <a:xfrm>
-            <a:off x="692640" y="375120"/>
-            <a:ext cx="8688240" cy="946800"/>
+            <a:off x="692640" y="177840"/>
+            <a:ext cx="8687880" cy="1341000"/>
           </a:xfrm>
           <a:prstGeom prst="rect">
             <a:avLst/>
@@ -79,8 +79,10 @@
             <a:spAutoFit/>
           </a:bodyPr>
           <a:p>
-            <a:pPr algn="ctr"/>
-            <a:endParaRPr b="0" lang="pt-BR" sz="4400" spc="-1" strike="noStrike">
+            <a:endParaRPr b="0" lang="pt-BR" sz="1800" spc="-1" strike="noStrike">
+              <a:solidFill>
+                <a:srgbClr val="000000"/>
+              </a:solidFill>
               <a:latin typeface="Arial"/>
             </a:endParaRPr>
           </a:p>
@@ -110,7 +112,10 @@
             <a:normAutofit/>
           </a:bodyPr>
           <a:p>
-            <a:endParaRPr b="0" lang="pt-BR" sz="3200" spc="-1" strike="noStrike">
+            <a:endParaRPr b="0" lang="pt-BR" sz="2800" spc="-1" strike="noStrike">
+              <a:solidFill>
+                <a:srgbClr val="000000"/>
+              </a:solidFill>
               <a:latin typeface="Arial"/>
             </a:endParaRPr>
           </a:p>
@@ -140,7 +145,10 @@
             <a:normAutofit/>
           </a:bodyPr>
           <a:p>
-            <a:endParaRPr b="0" lang="pt-BR" sz="3200" spc="-1" strike="noStrike">
+            <a:endParaRPr b="0" lang="pt-BR" sz="2800" spc="-1" strike="noStrike">
+              <a:solidFill>
+                <a:srgbClr val="000000"/>
+              </a:solidFill>
               <a:latin typeface="Arial"/>
             </a:endParaRPr>
           </a:p>
@@ -180,8 +188,8 @@
         </p:nvSpPr>
         <p:spPr>
           <a:xfrm>
-            <a:off x="692640" y="375120"/>
-            <a:ext cx="8688240" cy="946800"/>
+            <a:off x="692640" y="177840"/>
+            <a:ext cx="8687880" cy="1341000"/>
           </a:xfrm>
           <a:prstGeom prst="rect">
             <a:avLst/>
@@ -192,8 +200,10 @@
             <a:spAutoFit/>
           </a:bodyPr>
           <a:p>
-            <a:pPr algn="ctr"/>
-            <a:endParaRPr b="0" lang="pt-BR" sz="4400" spc="-1" strike="noStrike">
+            <a:endParaRPr b="0" lang="pt-BR" sz="1800" spc="-1" strike="noStrike">
+              <a:solidFill>
+                <a:srgbClr val="000000"/>
+              </a:solidFill>
               <a:latin typeface="Arial"/>
             </a:endParaRPr>
           </a:p>
@@ -223,7 +233,10 @@
             <a:normAutofit/>
           </a:bodyPr>
           <a:p>
-            <a:endParaRPr b="0" lang="pt-BR" sz="3200" spc="-1" strike="noStrike">
+            <a:endParaRPr b="0" lang="pt-BR" sz="2800" spc="-1" strike="noStrike">
+              <a:solidFill>
+                <a:srgbClr val="000000"/>
+              </a:solidFill>
               <a:latin typeface="Arial"/>
             </a:endParaRPr>
           </a:p>
@@ -253,7 +266,10 @@
             <a:normAutofit/>
           </a:bodyPr>
           <a:p>
-            <a:endParaRPr b="0" lang="pt-BR" sz="3200" spc="-1" strike="noStrike">
+            <a:endParaRPr b="0" lang="pt-BR" sz="2800" spc="-1" strike="noStrike">
+              <a:solidFill>
+                <a:srgbClr val="000000"/>
+              </a:solidFill>
               <a:latin typeface="Arial"/>
             </a:endParaRPr>
           </a:p>
@@ -283,7 +299,10 @@
             <a:normAutofit/>
           </a:bodyPr>
           <a:p>
-            <a:endParaRPr b="0" lang="pt-BR" sz="3200" spc="-1" strike="noStrike">
+            <a:endParaRPr b="0" lang="pt-BR" sz="2800" spc="-1" strike="noStrike">
+              <a:solidFill>
+                <a:srgbClr val="000000"/>
+              </a:solidFill>
               <a:latin typeface="Arial"/>
             </a:endParaRPr>
           </a:p>
@@ -313,7 +332,10 @@
             <a:normAutofit/>
           </a:bodyPr>
           <a:p>
-            <a:endParaRPr b="0" lang="pt-BR" sz="3200" spc="-1" strike="noStrike">
+            <a:endParaRPr b="0" lang="pt-BR" sz="2800" spc="-1" strike="noStrike">
+              <a:solidFill>
+                <a:srgbClr val="000000"/>
+              </a:solidFill>
               <a:latin typeface="Arial"/>
             </a:endParaRPr>
           </a:p>
@@ -353,8 +375,8 @@
         </p:nvSpPr>
         <p:spPr>
           <a:xfrm>
-            <a:off x="692640" y="375120"/>
-            <a:ext cx="8688240" cy="946800"/>
+            <a:off x="692640" y="177840"/>
+            <a:ext cx="8687880" cy="1341000"/>
           </a:xfrm>
           <a:prstGeom prst="rect">
             <a:avLst/>
@@ -365,8 +387,10 @@
             <a:spAutoFit/>
           </a:bodyPr>
           <a:p>
-            <a:pPr algn="ctr"/>
-            <a:endParaRPr b="0" lang="pt-BR" sz="4400" spc="-1" strike="noStrike">
+            <a:endParaRPr b="0" lang="pt-BR" sz="1800" spc="-1" strike="noStrike">
+              <a:solidFill>
+                <a:srgbClr val="000000"/>
+              </a:solidFill>
               <a:latin typeface="Arial"/>
             </a:endParaRPr>
           </a:p>
@@ -396,7 +420,10 @@
             <a:normAutofit/>
           </a:bodyPr>
           <a:p>
-            <a:endParaRPr b="0" lang="pt-BR" sz="3200" spc="-1" strike="noStrike">
+            <a:endParaRPr b="0" lang="pt-BR" sz="2800" spc="-1" strike="noStrike">
+              <a:solidFill>
+                <a:srgbClr val="000000"/>
+              </a:solidFill>
               <a:latin typeface="Arial"/>
             </a:endParaRPr>
           </a:p>
@@ -426,7 +453,10 @@
             <a:normAutofit/>
           </a:bodyPr>
           <a:p>
-            <a:endParaRPr b="0" lang="pt-BR" sz="3200" spc="-1" strike="noStrike">
+            <a:endParaRPr b="0" lang="pt-BR" sz="2800" spc="-1" strike="noStrike">
+              <a:solidFill>
+                <a:srgbClr val="000000"/>
+              </a:solidFill>
               <a:latin typeface="Arial"/>
             </a:endParaRPr>
           </a:p>
@@ -456,7 +486,10 @@
             <a:normAutofit/>
           </a:bodyPr>
           <a:p>
-            <a:endParaRPr b="0" lang="pt-BR" sz="3200" spc="-1" strike="noStrike">
+            <a:endParaRPr b="0" lang="pt-BR" sz="2800" spc="-1" strike="noStrike">
+              <a:solidFill>
+                <a:srgbClr val="000000"/>
+              </a:solidFill>
               <a:latin typeface="Arial"/>
             </a:endParaRPr>
           </a:p>
@@ -486,7 +519,10 @@
             <a:normAutofit/>
           </a:bodyPr>
           <a:p>
-            <a:endParaRPr b="0" lang="pt-BR" sz="3200" spc="-1" strike="noStrike">
+            <a:endParaRPr b="0" lang="pt-BR" sz="2800" spc="-1" strike="noStrike">
+              <a:solidFill>
+                <a:srgbClr val="000000"/>
+              </a:solidFill>
               <a:latin typeface="Arial"/>
             </a:endParaRPr>
           </a:p>
@@ -516,7 +552,10 @@
             <a:normAutofit/>
           </a:bodyPr>
           <a:p>
-            <a:endParaRPr b="0" lang="pt-BR" sz="3200" spc="-1" strike="noStrike">
+            <a:endParaRPr b="0" lang="pt-BR" sz="2800" spc="-1" strike="noStrike">
+              <a:solidFill>
+                <a:srgbClr val="000000"/>
+              </a:solidFill>
               <a:latin typeface="Arial"/>
             </a:endParaRPr>
           </a:p>
@@ -546,7 +585,10 @@
             <a:normAutofit/>
           </a:bodyPr>
           <a:p>
-            <a:endParaRPr b="0" lang="pt-BR" sz="3200" spc="-1" strike="noStrike">
+            <a:endParaRPr b="0" lang="pt-BR" sz="2800" spc="-1" strike="noStrike">
+              <a:solidFill>
+                <a:srgbClr val="000000"/>
+              </a:solidFill>
               <a:latin typeface="Arial"/>
             </a:endParaRPr>
           </a:p>
@@ -586,8 +628,8 @@
         </p:nvSpPr>
         <p:spPr>
           <a:xfrm>
-            <a:off x="692640" y="375120"/>
-            <a:ext cx="8688240" cy="946800"/>
+            <a:off x="692640" y="177840"/>
+            <a:ext cx="8687880" cy="1341000"/>
           </a:xfrm>
           <a:prstGeom prst="rect">
             <a:avLst/>
@@ -598,8 +640,10 @@
             <a:spAutoFit/>
           </a:bodyPr>
           <a:p>
-            <a:pPr algn="ctr"/>
-            <a:endParaRPr b="0" lang="pt-BR" sz="4400" spc="-1" strike="noStrike">
+            <a:endParaRPr b="0" lang="pt-BR" sz="1800" spc="-1" strike="noStrike">
+              <a:solidFill>
+                <a:srgbClr val="000000"/>
+              </a:solidFill>
               <a:latin typeface="Arial"/>
             </a:endParaRPr>
           </a:p>
@@ -670,8 +714,8 @@
         </p:nvSpPr>
         <p:spPr>
           <a:xfrm>
-            <a:off x="692640" y="375120"/>
-            <a:ext cx="8688240" cy="946800"/>
+            <a:off x="692640" y="177840"/>
+            <a:ext cx="8687880" cy="1341000"/>
           </a:xfrm>
           <a:prstGeom prst="rect">
             <a:avLst/>
@@ -682,8 +726,10 @@
             <a:spAutoFit/>
           </a:bodyPr>
           <a:p>
-            <a:pPr algn="ctr"/>
-            <a:endParaRPr b="0" lang="pt-BR" sz="4400" spc="-1" strike="noStrike">
+            <a:endParaRPr b="0" lang="pt-BR" sz="1800" spc="-1" strike="noStrike">
+              <a:solidFill>
+                <a:srgbClr val="000000"/>
+              </a:solidFill>
               <a:latin typeface="Arial"/>
             </a:endParaRPr>
           </a:p>
@@ -713,7 +759,10 @@
             <a:normAutofit/>
           </a:bodyPr>
           <a:p>
-            <a:endParaRPr b="0" lang="pt-BR" sz="3200" spc="-1" strike="noStrike">
+            <a:endParaRPr b="0" lang="pt-BR" sz="2800" spc="-1" strike="noStrike">
+              <a:solidFill>
+                <a:srgbClr val="000000"/>
+              </a:solidFill>
               <a:latin typeface="Arial"/>
             </a:endParaRPr>
           </a:p>
@@ -753,8 +802,8 @@
         </p:nvSpPr>
         <p:spPr>
           <a:xfrm>
-            <a:off x="692640" y="375120"/>
-            <a:ext cx="8688240" cy="946800"/>
+            <a:off x="692640" y="177840"/>
+            <a:ext cx="8687880" cy="1341000"/>
           </a:xfrm>
           <a:prstGeom prst="rect">
             <a:avLst/>
@@ -765,8 +814,10 @@
             <a:spAutoFit/>
           </a:bodyPr>
           <a:p>
-            <a:pPr algn="ctr"/>
-            <a:endParaRPr b="0" lang="pt-BR" sz="4400" spc="-1" strike="noStrike">
+            <a:endParaRPr b="0" lang="pt-BR" sz="1800" spc="-1" strike="noStrike">
+              <a:solidFill>
+                <a:srgbClr val="000000"/>
+              </a:solidFill>
               <a:latin typeface="Arial"/>
             </a:endParaRPr>
           </a:p>
@@ -796,7 +847,10 @@
             <a:normAutofit/>
           </a:bodyPr>
           <a:p>
-            <a:endParaRPr b="0" lang="pt-BR" sz="3200" spc="-1" strike="noStrike">
+            <a:endParaRPr b="0" lang="pt-BR" sz="2800" spc="-1" strike="noStrike">
+              <a:solidFill>
+                <a:srgbClr val="000000"/>
+              </a:solidFill>
               <a:latin typeface="Arial"/>
             </a:endParaRPr>
           </a:p>
@@ -826,7 +880,10 @@
             <a:normAutofit/>
           </a:bodyPr>
           <a:p>
-            <a:endParaRPr b="0" lang="pt-BR" sz="3200" spc="-1" strike="noStrike">
+            <a:endParaRPr b="0" lang="pt-BR" sz="2800" spc="-1" strike="noStrike">
+              <a:solidFill>
+                <a:srgbClr val="000000"/>
+              </a:solidFill>
               <a:latin typeface="Arial"/>
             </a:endParaRPr>
           </a:p>
@@ -866,8 +923,8 @@
         </p:nvSpPr>
         <p:spPr>
           <a:xfrm>
-            <a:off x="692640" y="375120"/>
-            <a:ext cx="8688240" cy="946800"/>
+            <a:off x="692640" y="177840"/>
+            <a:ext cx="8687880" cy="1341000"/>
           </a:xfrm>
           <a:prstGeom prst="rect">
             <a:avLst/>
@@ -878,8 +935,10 @@
             <a:spAutoFit/>
           </a:bodyPr>
           <a:p>
-            <a:pPr algn="ctr"/>
-            <a:endParaRPr b="0" lang="pt-BR" sz="4400" spc="-1" strike="noStrike">
+            <a:endParaRPr b="0" lang="pt-BR" sz="1800" spc="-1" strike="noStrike">
+              <a:solidFill>
+                <a:srgbClr val="000000"/>
+              </a:solidFill>
               <a:latin typeface="Arial"/>
             </a:endParaRPr>
           </a:p>
@@ -919,8 +978,8 @@
         </p:nvSpPr>
         <p:spPr>
           <a:xfrm>
-            <a:off x="692640" y="375120"/>
-            <a:ext cx="8688240" cy="4390200"/>
+            <a:off x="692640" y="177840"/>
+            <a:ext cx="8687880" cy="6217560"/>
           </a:xfrm>
           <a:prstGeom prst="rect">
             <a:avLst/>
@@ -972,8 +1031,8 @@
         </p:nvSpPr>
         <p:spPr>
           <a:xfrm>
-            <a:off x="692640" y="375120"/>
-            <a:ext cx="8688240" cy="946800"/>
+            <a:off x="692640" y="177840"/>
+            <a:ext cx="8687880" cy="1341000"/>
           </a:xfrm>
           <a:prstGeom prst="rect">
             <a:avLst/>
@@ -984,8 +1043,10 @@
             <a:spAutoFit/>
           </a:bodyPr>
           <a:p>
-            <a:pPr algn="ctr"/>
-            <a:endParaRPr b="0" lang="pt-BR" sz="4400" spc="-1" strike="noStrike">
+            <a:endParaRPr b="0" lang="pt-BR" sz="1800" spc="-1" strike="noStrike">
+              <a:solidFill>
+                <a:srgbClr val="000000"/>
+              </a:solidFill>
               <a:latin typeface="Arial"/>
             </a:endParaRPr>
           </a:p>
@@ -1015,7 +1076,10 @@
             <a:normAutofit/>
           </a:bodyPr>
           <a:p>
-            <a:endParaRPr b="0" lang="pt-BR" sz="3200" spc="-1" strike="noStrike">
+            <a:endParaRPr b="0" lang="pt-BR" sz="2800" spc="-1" strike="noStrike">
+              <a:solidFill>
+                <a:srgbClr val="000000"/>
+              </a:solidFill>
               <a:latin typeface="Arial"/>
             </a:endParaRPr>
           </a:p>
@@ -1045,7 +1109,10 @@
             <a:normAutofit/>
           </a:bodyPr>
           <a:p>
-            <a:endParaRPr b="0" lang="pt-BR" sz="3200" spc="-1" strike="noStrike">
+            <a:endParaRPr b="0" lang="pt-BR" sz="2800" spc="-1" strike="noStrike">
+              <a:solidFill>
+                <a:srgbClr val="000000"/>
+              </a:solidFill>
               <a:latin typeface="Arial"/>
             </a:endParaRPr>
           </a:p>
@@ -1075,7 +1142,10 @@
             <a:normAutofit/>
           </a:bodyPr>
           <a:p>
-            <a:endParaRPr b="0" lang="pt-BR" sz="3200" spc="-1" strike="noStrike">
+            <a:endParaRPr b="0" lang="pt-BR" sz="2800" spc="-1" strike="noStrike">
+              <a:solidFill>
+                <a:srgbClr val="000000"/>
+              </a:solidFill>
               <a:latin typeface="Arial"/>
             </a:endParaRPr>
           </a:p>
@@ -1115,8 +1185,8 @@
         </p:nvSpPr>
         <p:spPr>
           <a:xfrm>
-            <a:off x="692640" y="375120"/>
-            <a:ext cx="8688240" cy="946800"/>
+            <a:off x="692640" y="177840"/>
+            <a:ext cx="8687880" cy="1341000"/>
           </a:xfrm>
           <a:prstGeom prst="rect">
             <a:avLst/>
@@ -1127,8 +1197,10 @@
             <a:spAutoFit/>
           </a:bodyPr>
           <a:p>
-            <a:pPr algn="ctr"/>
-            <a:endParaRPr b="0" lang="pt-BR" sz="4400" spc="-1" strike="noStrike">
+            <a:endParaRPr b="0" lang="pt-BR" sz="1800" spc="-1" strike="noStrike">
+              <a:solidFill>
+                <a:srgbClr val="000000"/>
+              </a:solidFill>
               <a:latin typeface="Arial"/>
             </a:endParaRPr>
           </a:p>
@@ -1158,7 +1230,10 @@
             <a:normAutofit/>
           </a:bodyPr>
           <a:p>
-            <a:endParaRPr b="0" lang="pt-BR" sz="3200" spc="-1" strike="noStrike">
+            <a:endParaRPr b="0" lang="pt-BR" sz="2800" spc="-1" strike="noStrike">
+              <a:solidFill>
+                <a:srgbClr val="000000"/>
+              </a:solidFill>
               <a:latin typeface="Arial"/>
             </a:endParaRPr>
           </a:p>
@@ -1188,7 +1263,10 @@
             <a:normAutofit/>
           </a:bodyPr>
           <a:p>
-            <a:endParaRPr b="0" lang="pt-BR" sz="3200" spc="-1" strike="noStrike">
+            <a:endParaRPr b="0" lang="pt-BR" sz="2800" spc="-1" strike="noStrike">
+              <a:solidFill>
+                <a:srgbClr val="000000"/>
+              </a:solidFill>
               <a:latin typeface="Arial"/>
             </a:endParaRPr>
           </a:p>
@@ -1218,7 +1296,10 @@
             <a:normAutofit/>
           </a:bodyPr>
           <a:p>
-            <a:endParaRPr b="0" lang="pt-BR" sz="3200" spc="-1" strike="noStrike">
+            <a:endParaRPr b="0" lang="pt-BR" sz="2800" spc="-1" strike="noStrike">
+              <a:solidFill>
+                <a:srgbClr val="000000"/>
+              </a:solidFill>
               <a:latin typeface="Arial"/>
             </a:endParaRPr>
           </a:p>
@@ -1258,8 +1339,8 @@
         </p:nvSpPr>
         <p:spPr>
           <a:xfrm>
-            <a:off x="692640" y="375120"/>
-            <a:ext cx="8688240" cy="946800"/>
+            <a:off x="692640" y="177840"/>
+            <a:ext cx="8687880" cy="1341000"/>
           </a:xfrm>
           <a:prstGeom prst="rect">
             <a:avLst/>
@@ -1270,8 +1351,10 @@
             <a:spAutoFit/>
           </a:bodyPr>
           <a:p>
-            <a:pPr algn="ctr"/>
-            <a:endParaRPr b="0" lang="pt-BR" sz="4400" spc="-1" strike="noStrike">
+            <a:endParaRPr b="0" lang="pt-BR" sz="1800" spc="-1" strike="noStrike">
+              <a:solidFill>
+                <a:srgbClr val="000000"/>
+              </a:solidFill>
               <a:latin typeface="Arial"/>
             </a:endParaRPr>
           </a:p>
@@ -1301,7 +1384,10 @@
             <a:normAutofit/>
           </a:bodyPr>
           <a:p>
-            <a:endParaRPr b="0" lang="pt-BR" sz="3200" spc="-1" strike="noStrike">
+            <a:endParaRPr b="0" lang="pt-BR" sz="2800" spc="-1" strike="noStrike">
+              <a:solidFill>
+                <a:srgbClr val="000000"/>
+              </a:solidFill>
               <a:latin typeface="Arial"/>
             </a:endParaRPr>
           </a:p>
@@ -1331,7 +1417,10 @@
             <a:normAutofit/>
           </a:bodyPr>
           <a:p>
-            <a:endParaRPr b="0" lang="pt-BR" sz="3200" spc="-1" strike="noStrike">
+            <a:endParaRPr b="0" lang="pt-BR" sz="2800" spc="-1" strike="noStrike">
+              <a:solidFill>
+                <a:srgbClr val="000000"/>
+              </a:solidFill>
               <a:latin typeface="Arial"/>
             </a:endParaRPr>
           </a:p>
@@ -1361,7 +1450,10 @@
             <a:normAutofit/>
           </a:bodyPr>
           <a:p>
-            <a:endParaRPr b="0" lang="pt-BR" sz="3200" spc="-1" strike="noStrike">
+            <a:endParaRPr b="0" lang="pt-BR" sz="2800" spc="-1" strike="noStrike">
+              <a:solidFill>
+                <a:srgbClr val="000000"/>
+              </a:solidFill>
               <a:latin typeface="Arial"/>
             </a:endParaRPr>
           </a:p>
@@ -1408,8 +1500,8 @@
         </p:nvSpPr>
         <p:spPr>
           <a:xfrm>
-            <a:off x="692640" y="375120"/>
-            <a:ext cx="8688240" cy="946800"/>
+            <a:off x="692640" y="177840"/>
+            <a:ext cx="8687880" cy="1341000"/>
           </a:xfrm>
           <a:prstGeom prst="rect">
             <a:avLst/>
@@ -1421,12 +1513,18 @@
           </a:bodyPr>
           <a:p>
             <a:r>
-              <a:rPr b="0" lang="pt-BR" sz="1800" spc="-1" strike="noStrike">
+              <a:rPr b="0" lang="pt-BR" sz="4400" spc="-1" strike="noStrike">
+                <a:solidFill>
+                  <a:srgbClr val="000000"/>
+                </a:solidFill>
                 <a:latin typeface="Arial"/>
               </a:rPr>
               <a:t>Clique para editar o formato do texto do título</a:t>
             </a:r>
-            <a:endParaRPr b="0" lang="pt-BR" sz="1800" spc="-1" strike="noStrike">
+            <a:endParaRPr b="0" lang="pt-BR" sz="4400" spc="-1" strike="noStrike">
+              <a:solidFill>
+                <a:srgbClr val="000000"/>
+              </a:solidFill>
               <a:latin typeface="Arial"/>
             </a:endParaRPr>
           </a:p>
@@ -1453,7 +1551,7 @@
         </p:spPr>
         <p:txBody>
           <a:bodyPr lIns="0" rIns="0" tIns="0" bIns="0">
-            <a:normAutofit fontScale="94000"/>
+            <a:normAutofit/>
           </a:bodyPr>
           <a:p>
             <a:pPr marL="432000" indent="-324000">
@@ -1468,12 +1566,18 @@
               <a:buChar char=""/>
             </a:pPr>
             <a:r>
-              <a:rPr b="0" lang="pt-BR" sz="3200" spc="-1" strike="noStrike">
+              <a:rPr b="0" lang="pt-BR" sz="2800" spc="-1" strike="noStrike">
+                <a:solidFill>
+                  <a:srgbClr val="000000"/>
+                </a:solidFill>
                 <a:latin typeface="Arial"/>
               </a:rPr>
               <a:t>Clique para editar o formato do texto da estrutura de tópicos</a:t>
             </a:r>
-            <a:endParaRPr b="0" lang="pt-BR" sz="3200" spc="-1" strike="noStrike">
+            <a:endParaRPr b="0" lang="pt-BR" sz="2800" spc="-1" strike="noStrike">
+              <a:solidFill>
+                <a:srgbClr val="000000"/>
+              </a:solidFill>
               <a:latin typeface="Arial"/>
             </a:endParaRPr>
           </a:p>
@@ -1490,12 +1594,18 @@
               <a:buChar char=""/>
             </a:pPr>
             <a:r>
-              <a:rPr b="0" lang="pt-BR" sz="2800" spc="-1" strike="noStrike">
+              <a:rPr b="0" lang="pt-BR" sz="2000" spc="-1" strike="noStrike">
+                <a:solidFill>
+                  <a:srgbClr val="000000"/>
+                </a:solidFill>
                 <a:latin typeface="Arial"/>
               </a:rPr>
               <a:t>2.º nível da estrutura de tópicos</a:t>
             </a:r>
-            <a:endParaRPr b="0" lang="pt-BR" sz="2800" spc="-1" strike="noStrike">
+            <a:endParaRPr b="0" lang="pt-BR" sz="2000" spc="-1" strike="noStrike">
+              <a:solidFill>
+                <a:srgbClr val="000000"/>
+              </a:solidFill>
               <a:latin typeface="Arial"/>
             </a:endParaRPr>
           </a:p>
@@ -1512,12 +1622,18 @@
               <a:buChar char=""/>
             </a:pPr>
             <a:r>
-              <a:rPr b="0" lang="pt-BR" sz="2400" spc="-1" strike="noStrike">
+              <a:rPr b="0" lang="pt-BR" sz="1800" spc="-1" strike="noStrike">
+                <a:solidFill>
+                  <a:srgbClr val="000000"/>
+                </a:solidFill>
                 <a:latin typeface="Arial"/>
               </a:rPr>
               <a:t>3.º nível da estrutura de tópicos</a:t>
             </a:r>
-            <a:endParaRPr b="0" lang="pt-BR" sz="2400" spc="-1" strike="noStrike">
+            <a:endParaRPr b="0" lang="pt-BR" sz="1800" spc="-1" strike="noStrike">
+              <a:solidFill>
+                <a:srgbClr val="000000"/>
+              </a:solidFill>
               <a:latin typeface="Arial"/>
             </a:endParaRPr>
           </a:p>
@@ -1534,12 +1650,18 @@
               <a:buChar char=""/>
             </a:pPr>
             <a:r>
-              <a:rPr b="0" lang="pt-BR" sz="2000" spc="-1" strike="noStrike">
+              <a:rPr b="0" lang="pt-BR" sz="1800" spc="-1" strike="noStrike">
+                <a:solidFill>
+                  <a:srgbClr val="000000"/>
+                </a:solidFill>
                 <a:latin typeface="Arial"/>
               </a:rPr>
               <a:t>4.º nível da estrutura de tópicos</a:t>
             </a:r>
-            <a:endParaRPr b="0" lang="pt-BR" sz="2000" spc="-1" strike="noStrike">
+            <a:endParaRPr b="0" lang="pt-BR" sz="1800" spc="-1" strike="noStrike">
+              <a:solidFill>
+                <a:srgbClr val="000000"/>
+              </a:solidFill>
               <a:latin typeface="Arial"/>
             </a:endParaRPr>
           </a:p>
@@ -1557,11 +1679,17 @@
             </a:pPr>
             <a:r>
               <a:rPr b="0" lang="pt-BR" sz="2000" spc="-1" strike="noStrike">
+                <a:solidFill>
+                  <a:srgbClr val="000000"/>
+                </a:solidFill>
                 <a:latin typeface="Arial"/>
               </a:rPr>
               <a:t>5.º nível da estrutura de tópicos</a:t>
             </a:r>
             <a:endParaRPr b="0" lang="pt-BR" sz="2000" spc="-1" strike="noStrike">
+              <a:solidFill>
+                <a:srgbClr val="000000"/>
+              </a:solidFill>
               <a:latin typeface="Arial"/>
             </a:endParaRPr>
           </a:p>
@@ -1579,11 +1707,17 @@
             </a:pPr>
             <a:r>
               <a:rPr b="0" lang="pt-BR" sz="2000" spc="-1" strike="noStrike">
+                <a:solidFill>
+                  <a:srgbClr val="000000"/>
+                </a:solidFill>
                 <a:latin typeface="Arial"/>
               </a:rPr>
               <a:t>6.º nível da estrutura de tópicos</a:t>
             </a:r>
             <a:endParaRPr b="0" lang="pt-BR" sz="2000" spc="-1" strike="noStrike">
+              <a:solidFill>
+                <a:srgbClr val="000000"/>
+              </a:solidFill>
               <a:latin typeface="Arial"/>
             </a:endParaRPr>
           </a:p>
@@ -1601,11 +1735,17 @@
             </a:pPr>
             <a:r>
               <a:rPr b="0" lang="pt-BR" sz="2000" spc="-1" strike="noStrike">
+                <a:solidFill>
+                  <a:srgbClr val="000000"/>
+                </a:solidFill>
                 <a:latin typeface="Arial"/>
               </a:rPr>
               <a:t>7.º nível da estrutura de tópicos</a:t>
             </a:r>
             <a:endParaRPr b="0" lang="pt-BR" sz="2000" spc="-1" strike="noStrike">
+              <a:solidFill>
+                <a:srgbClr val="000000"/>
+              </a:solidFill>
               <a:latin typeface="Arial"/>
             </a:endParaRPr>
           </a:p>
@@ -1657,7 +1797,7 @@
         <p:spPr>
           <a:xfrm>
             <a:off x="471960" y="226440"/>
-            <a:ext cx="949320" cy="757440"/>
+            <a:ext cx="948960" cy="757080"/>
           </a:xfrm>
           <a:prstGeom prst="rect">
             <a:avLst/>
@@ -1731,7 +1871,7 @@
         <p:spPr>
           <a:xfrm>
             <a:off x="432000" y="1729440"/>
-            <a:ext cx="1252080" cy="1058760"/>
+            <a:ext cx="1251720" cy="1058400"/>
           </a:xfrm>
           <a:prstGeom prst="ellipse">
             <a:avLst/>
@@ -1791,7 +1931,7 @@
         <p:spPr>
           <a:xfrm>
             <a:off x="948960" y="988200"/>
-            <a:ext cx="170280" cy="736920"/>
+            <a:ext cx="169920" cy="736560"/>
           </a:xfrm>
           <a:custGeom>
             <a:avLst/>
@@ -1839,7 +1979,7 @@
         <p:spPr>
           <a:xfrm>
             <a:off x="-243360" y="1053720"/>
-            <a:ext cx="1360080" cy="394200"/>
+            <a:ext cx="1359720" cy="394200"/>
           </a:xfrm>
           <a:prstGeom prst="rect">
             <a:avLst/>
@@ -1923,7 +2063,7 @@
         <p:spPr>
           <a:xfrm>
             <a:off x="1123200" y="2792520"/>
-            <a:ext cx="360" cy="659160"/>
+            <a:ext cx="360" cy="658800"/>
           </a:xfrm>
           <a:custGeom>
             <a:avLst/>
@@ -1971,7 +2111,7 @@
         <p:spPr>
           <a:xfrm>
             <a:off x="324360" y="3565080"/>
-            <a:ext cx="1669680" cy="454680"/>
+            <a:ext cx="1669320" cy="454680"/>
           </a:xfrm>
           <a:prstGeom prst="rect">
             <a:avLst/>
@@ -2042,7 +2182,7 @@
         <p:spPr>
           <a:xfrm>
             <a:off x="6912000" y="85680"/>
-            <a:ext cx="2804400" cy="638280"/>
+            <a:ext cx="2804040" cy="638280"/>
           </a:xfrm>
           <a:prstGeom prst="rect">
             <a:avLst/>
@@ -2126,7 +2266,7 @@
         <p:spPr>
           <a:xfrm>
             <a:off x="2448000" y="1656000"/>
-            <a:ext cx="1220400" cy="1076400"/>
+            <a:ext cx="1220040" cy="1076040"/>
           </a:xfrm>
           <a:prstGeom prst="ellipse">
             <a:avLst/>
@@ -2185,8 +2325,8 @@
         </p:nvSpPr>
         <p:spPr>
           <a:xfrm flipH="1">
-            <a:off x="1586880" y="2647800"/>
-            <a:ext cx="1050480" cy="788400"/>
+            <a:off x="1586160" y="2647800"/>
+            <a:ext cx="1050120" cy="788040"/>
           </a:xfrm>
           <a:custGeom>
             <a:avLst/>
@@ -2235,7 +2375,7 @@
         <p:spPr>
           <a:xfrm>
             <a:off x="2088000" y="1056960"/>
-            <a:ext cx="838800" cy="454680"/>
+            <a:ext cx="838440" cy="454680"/>
           </a:xfrm>
           <a:prstGeom prst="rect">
             <a:avLst/>
@@ -2286,7 +2426,7 @@
         <p:spPr>
           <a:xfrm>
             <a:off x="2808000" y="360000"/>
-            <a:ext cx="838800" cy="788400"/>
+            <a:ext cx="838440" cy="788040"/>
           </a:xfrm>
           <a:prstGeom prst="rect">
             <a:avLst/>
@@ -2359,8 +2499,8 @@
         </p:nvSpPr>
         <p:spPr>
           <a:xfrm flipV="1">
-            <a:off x="3108960" y="1148400"/>
-            <a:ext cx="127440" cy="500400"/>
+            <a:off x="3108960" y="1147680"/>
+            <a:ext cx="127080" cy="500040"/>
           </a:xfrm>
           <a:custGeom>
             <a:avLst/>
@@ -2474,7 +2614,7 @@
         <p:spPr>
           <a:xfrm>
             <a:off x="2160000" y="3576960"/>
-            <a:ext cx="1669680" cy="272160"/>
+            <a:ext cx="1669320" cy="272160"/>
           </a:xfrm>
           <a:prstGeom prst="rect">
             <a:avLst/>
@@ -2508,7 +2648,7 @@
                 <a:latin typeface="Arial"/>
                 <a:ea typeface="DejaVu Sans"/>
               </a:rPr>
-              <a:t>Estoque</a:t>
+              <a:t>Peças</a:t>
             </a:r>
             <a:endParaRPr b="0" lang="pt-BR" sz="1200" spc="-1" strike="noStrike">
               <a:latin typeface="Arial"/>
@@ -2524,8 +2664,8 @@
         </p:nvSpPr>
         <p:spPr>
           <a:xfrm flipH="1" flipV="1" rot="205800">
-            <a:off x="3015360" y="2751480"/>
-            <a:ext cx="44280" cy="717480"/>
+            <a:off x="3013920" y="2750400"/>
+            <a:ext cx="43920" cy="717480"/>
           </a:xfrm>
           <a:custGeom>
             <a:avLst/>
@@ -2640,7 +2780,7 @@
         <p:spPr>
           <a:xfrm>
             <a:off x="3833280" y="3600000"/>
-            <a:ext cx="1272240" cy="394200"/>
+            <a:ext cx="1271880" cy="394200"/>
           </a:xfrm>
           <a:prstGeom prst="rect">
             <a:avLst/>
@@ -2691,7 +2831,7 @@
         <p:spPr>
           <a:xfrm flipH="1">
             <a:off x="3579480" y="936000"/>
-            <a:ext cx="1696680" cy="1295280"/>
+            <a:ext cx="1696320" cy="1294920"/>
           </a:xfrm>
           <a:custGeom>
             <a:avLst/>
@@ -2739,8 +2879,8 @@
         </p:nvSpPr>
         <p:spPr>
           <a:xfrm flipH="1" flipV="1">
-            <a:off x="3527280" y="2591280"/>
-            <a:ext cx="1007280" cy="880560"/>
+            <a:off x="3526560" y="2590560"/>
+            <a:ext cx="1006920" cy="880200"/>
           </a:xfrm>
           <a:custGeom>
             <a:avLst/>
@@ -2888,7 +3028,7 @@
         <p:spPr>
           <a:xfrm>
             <a:off x="5184000" y="3600000"/>
-            <a:ext cx="1272240" cy="394200"/>
+            <a:ext cx="1271880" cy="394200"/>
           </a:xfrm>
           <a:prstGeom prst="rect">
             <a:avLst/>
@@ -2939,7 +3079,7 @@
         <p:spPr>
           <a:xfrm>
             <a:off x="5277960" y="432000"/>
-            <a:ext cx="838800" cy="788400"/>
+            <a:ext cx="838440" cy="788040"/>
           </a:xfrm>
           <a:prstGeom prst="rect">
             <a:avLst/>
@@ -3013,7 +3153,7 @@
         <p:spPr>
           <a:xfrm>
             <a:off x="4344480" y="675000"/>
-            <a:ext cx="838800" cy="333000"/>
+            <a:ext cx="838440" cy="333000"/>
           </a:xfrm>
           <a:prstGeom prst="rect">
             <a:avLst/>
@@ -3063,8 +3203,8 @@
         </p:nvSpPr>
         <p:spPr>
           <a:xfrm flipH="1" flipV="1">
-            <a:off x="3668400" y="2375280"/>
-            <a:ext cx="2234160" cy="1151280"/>
+            <a:off x="3667680" y="2374560"/>
+            <a:ext cx="2233800" cy="1150920"/>
           </a:xfrm>
           <a:custGeom>
             <a:avLst/>
@@ -3143,7 +3283,7 @@
         <p:spPr>
           <a:xfrm>
             <a:off x="8309160" y="-74520"/>
-            <a:ext cx="2804400" cy="638280"/>
+            <a:ext cx="2804040" cy="638280"/>
           </a:xfrm>
           <a:prstGeom prst="rect">
             <a:avLst/>
@@ -3194,7 +3334,7 @@
         <p:spPr>
           <a:xfrm>
             <a:off x="471960" y="236520"/>
-            <a:ext cx="949320" cy="757440"/>
+            <a:ext cx="948960" cy="757080"/>
           </a:xfrm>
           <a:prstGeom prst="rect">
             <a:avLst/>
@@ -3268,7 +3408,7 @@
         <p:spPr>
           <a:xfrm>
             <a:off x="956520" y="997560"/>
-            <a:ext cx="170280" cy="736920"/>
+            <a:ext cx="169920" cy="736560"/>
           </a:xfrm>
           <a:custGeom>
             <a:avLst/>
@@ -3316,7 +3456,7 @@
         <p:spPr>
           <a:xfrm>
             <a:off x="76320" y="1109880"/>
-            <a:ext cx="784080" cy="394200"/>
+            <a:ext cx="783720" cy="394200"/>
           </a:xfrm>
           <a:prstGeom prst="rect">
             <a:avLst/>
@@ -3367,7 +3507,7 @@
         <p:spPr>
           <a:xfrm>
             <a:off x="576000" y="1745640"/>
-            <a:ext cx="1126440" cy="1058760"/>
+            <a:ext cx="1126080" cy="1058400"/>
           </a:xfrm>
           <a:prstGeom prst="ellipse">
             <a:avLst/>
@@ -3460,7 +3600,7 @@
         <p:spPr>
           <a:xfrm>
             <a:off x="324360" y="3520800"/>
-            <a:ext cx="1669680" cy="249480"/>
+            <a:ext cx="1669320" cy="249480"/>
           </a:xfrm>
           <a:prstGeom prst="rect">
             <a:avLst/>
@@ -3544,7 +3684,7 @@
         <p:spPr>
           <a:xfrm>
             <a:off x="1123560" y="2853360"/>
-            <a:ext cx="360" cy="571320"/>
+            <a:ext cx="360" cy="570960"/>
           </a:xfrm>
           <a:custGeom>
             <a:avLst/>
@@ -3592,7 +3732,7 @@
         <p:spPr>
           <a:xfrm>
             <a:off x="2088000" y="1800000"/>
-            <a:ext cx="1126440" cy="1058760"/>
+            <a:ext cx="1126080" cy="1058400"/>
           </a:xfrm>
           <a:prstGeom prst="ellipse">
             <a:avLst/>
@@ -3651,8 +3791,8 @@
         </p:nvSpPr>
         <p:spPr>
           <a:xfrm flipH="1">
-            <a:off x="1699920" y="2794680"/>
-            <a:ext cx="570240" cy="608400"/>
+            <a:off x="1699200" y="2794680"/>
+            <a:ext cx="569880" cy="608040"/>
           </a:xfrm>
           <a:custGeom>
             <a:avLst/>
@@ -3767,7 +3907,7 @@
         <p:spPr>
           <a:xfrm>
             <a:off x="1872000" y="3565080"/>
-            <a:ext cx="1669680" cy="269280"/>
+            <a:ext cx="1669320" cy="268920"/>
           </a:xfrm>
           <a:prstGeom prst="rect">
             <a:avLst/>
@@ -3793,7 +3933,7 @@
         <p:spPr>
           <a:xfrm>
             <a:off x="1926720" y="3565080"/>
-            <a:ext cx="1669680" cy="269280"/>
+            <a:ext cx="1669320" cy="268920"/>
           </a:xfrm>
           <a:prstGeom prst="rect">
             <a:avLst/>
@@ -3819,7 +3959,7 @@
         <p:spPr>
           <a:xfrm>
             <a:off x="2079720" y="3528360"/>
-            <a:ext cx="1228680" cy="454680"/>
+            <a:ext cx="1228320" cy="454680"/>
           </a:xfrm>
           <a:prstGeom prst="rect">
             <a:avLst/>
@@ -3870,7 +4010,7 @@
         <p:spPr>
           <a:xfrm>
             <a:off x="2842920" y="2901960"/>
-            <a:ext cx="131400" cy="521280"/>
+            <a:ext cx="131040" cy="520920"/>
           </a:xfrm>
           <a:custGeom>
             <a:avLst/>
@@ -3919,7 +4059,7 @@
         <p:spPr>
           <a:xfrm>
             <a:off x="3693960" y="1872000"/>
-            <a:ext cx="1126440" cy="1058760"/>
+            <a:ext cx="1126080" cy="1058400"/>
           </a:xfrm>
           <a:prstGeom prst="ellipse">
             <a:avLst/>
@@ -3979,7 +4119,7 @@
         <p:spPr>
           <a:xfrm>
             <a:off x="5040000" y="1819080"/>
-            <a:ext cx="1126440" cy="1058760"/>
+            <a:ext cx="1126080" cy="1058400"/>
           </a:xfrm>
           <a:prstGeom prst="ellipse">
             <a:avLst/>
@@ -4171,7 +4311,7 @@
         <p:spPr>
           <a:xfrm>
             <a:off x="5899320" y="3567240"/>
-            <a:ext cx="1228680" cy="454680"/>
+            <a:ext cx="1228320" cy="454680"/>
           </a:xfrm>
           <a:prstGeom prst="rect">
             <a:avLst/>
@@ -4222,7 +4362,7 @@
         <p:spPr>
           <a:xfrm flipH="1">
             <a:off x="6644520" y="2449440"/>
-            <a:ext cx="1126440" cy="932400"/>
+            <a:ext cx="1126080" cy="932040"/>
           </a:xfrm>
           <a:custGeom>
             <a:avLst/>
@@ -4337,7 +4477,7 @@
         <p:spPr>
           <a:xfrm>
             <a:off x="7949880" y="3491640"/>
-            <a:ext cx="1292400" cy="454680"/>
+            <a:ext cx="1292040" cy="454680"/>
           </a:xfrm>
           <a:prstGeom prst="rect">
             <a:avLst/>
@@ -4388,7 +4528,7 @@
         <p:spPr>
           <a:xfrm>
             <a:off x="8649360" y="2623320"/>
-            <a:ext cx="306360" cy="779760"/>
+            <a:ext cx="306000" cy="779400"/>
           </a:xfrm>
           <a:custGeom>
             <a:avLst/>
@@ -4470,7 +4610,7 @@
         <p:spPr>
           <a:xfrm>
             <a:off x="3796200" y="3567600"/>
-            <a:ext cx="1228680" cy="454680"/>
+            <a:ext cx="1228320" cy="454680"/>
           </a:xfrm>
           <a:prstGeom prst="rect">
             <a:avLst/>
@@ -4553,8 +4693,8 @@
         </p:nvSpPr>
         <p:spPr>
           <a:xfrm flipH="1">
-            <a:off x="4485960" y="2876040"/>
-            <a:ext cx="61920" cy="575280"/>
+            <a:off x="4485240" y="2876040"/>
+            <a:ext cx="61560" cy="574920"/>
           </a:xfrm>
           <a:custGeom>
             <a:avLst/>
@@ -4603,7 +4743,7 @@
         <p:spPr>
           <a:xfrm flipH="1">
             <a:off x="4953240" y="2808000"/>
-            <a:ext cx="370440" cy="615240"/>
+            <a:ext cx="370080" cy="614880"/>
           </a:xfrm>
           <a:custGeom>
             <a:avLst/>
@@ -4652,7 +4792,7 @@
         <p:spPr>
           <a:xfrm>
             <a:off x="5766480" y="2876040"/>
-            <a:ext cx="474120" cy="505800"/>
+            <a:ext cx="473760" cy="505440"/>
           </a:xfrm>
           <a:custGeom>
             <a:avLst/>
@@ -4700,8 +4840,8 @@
         </p:nvSpPr>
         <p:spPr>
           <a:xfrm flipH="1">
-            <a:off x="3288600" y="2808000"/>
-            <a:ext cx="519840" cy="570240"/>
+            <a:off x="3287880" y="2808000"/>
+            <a:ext cx="519480" cy="569880"/>
           </a:xfrm>
           <a:custGeom>
             <a:avLst/>
@@ -4750,7 +4890,7 @@
         <p:spPr>
           <a:xfrm>
             <a:off x="7755840" y="1352160"/>
-            <a:ext cx="1414440" cy="1220400"/>
+            <a:ext cx="1414080" cy="1220040"/>
           </a:xfrm>
           <a:prstGeom prst="ellipse">
             <a:avLst/>
@@ -4810,7 +4950,7 @@
         <p:spPr>
           <a:xfrm>
             <a:off x="471960" y="246600"/>
-            <a:ext cx="949320" cy="757440"/>
+            <a:ext cx="948960" cy="757080"/>
           </a:xfrm>
           <a:prstGeom prst="rect">
             <a:avLst/>
@@ -4884,7 +5024,7 @@
         <p:spPr>
           <a:xfrm>
             <a:off x="7085160" y="127800"/>
-            <a:ext cx="949320" cy="757440"/>
+            <a:ext cx="948960" cy="757080"/>
           </a:xfrm>
           <a:prstGeom prst="rect">
             <a:avLst/>
@@ -4957,8 +5097,8 @@
         </p:nvSpPr>
         <p:spPr>
           <a:xfrm flipH="1" flipV="1">
-            <a:off x="7659000" y="917640"/>
-            <a:ext cx="429840" cy="501840"/>
+            <a:off x="7658280" y="916920"/>
+            <a:ext cx="429480" cy="501480"/>
           </a:xfrm>
           <a:custGeom>
             <a:avLst/>
@@ -5006,7 +5146,7 @@
         <p:spPr>
           <a:xfrm>
             <a:off x="6916320" y="1052640"/>
-            <a:ext cx="1029240" cy="454680"/>
+            <a:ext cx="1028880" cy="454680"/>
           </a:xfrm>
           <a:prstGeom prst="rect">
             <a:avLst/>
@@ -5087,7 +5227,7 @@
         <p:spPr>
           <a:xfrm>
             <a:off x="6912000" y="85680"/>
-            <a:ext cx="2804400" cy="638280"/>
+            <a:ext cx="2804040" cy="638280"/>
           </a:xfrm>
           <a:prstGeom prst="rect">
             <a:avLst/>
@@ -5138,7 +5278,7 @@
         <p:spPr>
           <a:xfrm>
             <a:off x="3096000" y="1080000"/>
-            <a:ext cx="838800" cy="451440"/>
+            <a:ext cx="838440" cy="451080"/>
           </a:xfrm>
           <a:prstGeom prst="rect">
             <a:avLst/>
@@ -5164,7 +5304,7 @@
         <p:spPr>
           <a:xfrm>
             <a:off x="2324160" y="3888000"/>
-            <a:ext cx="1364400" cy="454680"/>
+            <a:ext cx="1364040" cy="454680"/>
           </a:xfrm>
           <a:prstGeom prst="rect">
             <a:avLst/>
@@ -5281,7 +5421,7 @@
         <p:spPr>
           <a:xfrm>
             <a:off x="5137200" y="1944000"/>
-            <a:ext cx="1918440" cy="1079640"/>
+            <a:ext cx="1918080" cy="1079280"/>
           </a:xfrm>
           <a:prstGeom prst="ellipse">
             <a:avLst/>
@@ -5406,8 +5546,8 @@
         </p:nvSpPr>
         <p:spPr>
           <a:xfrm flipH="1" flipV="1">
-            <a:off x="3094560" y="3383280"/>
-            <a:ext cx="360" cy="431640"/>
+            <a:off x="3093840" y="3383280"/>
+            <a:ext cx="360" cy="431280"/>
           </a:xfrm>
           <a:custGeom>
             <a:avLst/>
@@ -5454,58 +5594,9 @@
           <p:nvPr/>
         </p:nvSpPr>
         <p:spPr>
-          <a:xfrm flipH="1">
-            <a:off x="7055280" y="2304000"/>
-            <a:ext cx="647640" cy="71640"/>
-          </a:xfrm>
-          <a:custGeom>
-            <a:avLst/>
-            <a:gdLst/>
-            <a:ahLst/>
-            <a:rect l="l" t="t" r="r" b="b"/>
-            <a:pathLst>
-              <a:path w="21600" h="21600">
-                <a:moveTo>
-                  <a:pt x="0" y="0"/>
-                </a:moveTo>
-                <a:lnTo>
-                  <a:pt x="21600" y="21600"/>
-                </a:lnTo>
-              </a:path>
-            </a:pathLst>
-          </a:custGeom>
-          <a:noFill/>
-          <a:ln>
-            <a:solidFill>
-              <a:schemeClr val="tx1"/>
-            </a:solidFill>
-            <a:headEnd len="med" type="triangle" w="med"/>
-            <a:tailEnd len="med" type="triangle" w="med"/>
-          </a:ln>
-        </p:spPr>
-        <p:style>
-          <a:lnRef idx="1">
-            <a:schemeClr val="accent1"/>
-          </a:lnRef>
-          <a:fillRef idx="0">
-            <a:schemeClr val="accent1"/>
-          </a:fillRef>
-          <a:effectRef idx="0">
-            <a:schemeClr val="accent1"/>
-          </a:effectRef>
-          <a:fontRef idx="minor"/>
-        </p:style>
-      </p:sp>
-      <p:sp>
-        <p:nvSpPr>
-          <p:cNvPr id="119" name="CustomShape 11"/>
-          <p:cNvSpPr/>
-          <p:nvPr/>
-        </p:nvSpPr>
-        <p:spPr>
           <a:xfrm>
             <a:off x="5259600" y="3816000"/>
-            <a:ext cx="1724040" cy="454680"/>
+            <a:ext cx="1723680" cy="454680"/>
           </a:xfrm>
           <a:prstGeom prst="rect">
             <a:avLst/>
@@ -5549,14 +5640,14 @@
       </p:sp>
       <p:sp>
         <p:nvSpPr>
-          <p:cNvPr id="120" name="CustomShape 12"/>
+          <p:cNvPr id="119" name="CustomShape 11"/>
           <p:cNvSpPr/>
           <p:nvPr/>
         </p:nvSpPr>
         <p:spPr>
           <a:xfrm>
             <a:off x="7488000" y="2091600"/>
-            <a:ext cx="1724040" cy="1508040"/>
+            <a:ext cx="1723680" cy="1507680"/>
           </a:xfrm>
           <a:prstGeom prst="ellipse">
             <a:avLst/>
@@ -5609,7 +5700,7 @@
       </p:sp>
       <p:sp>
         <p:nvSpPr>
-          <p:cNvPr id="121" name="Line 13"/>
+          <p:cNvPr id="120" name="Line 12"/>
           <p:cNvSpPr/>
           <p:nvPr/>
         </p:nvSpPr>
@@ -5642,7 +5733,7 @@
       </p:sp>
       <p:sp>
         <p:nvSpPr>
-          <p:cNvPr id="122" name="Line 14"/>
+          <p:cNvPr id="121" name="Line 13"/>
           <p:cNvSpPr/>
           <p:nvPr/>
         </p:nvSpPr>
@@ -5675,14 +5766,14 @@
       </p:sp>
       <p:sp>
         <p:nvSpPr>
-          <p:cNvPr id="123" name="CustomShape 15"/>
+          <p:cNvPr id="122" name="CustomShape 14"/>
           <p:cNvSpPr/>
           <p:nvPr/>
         </p:nvSpPr>
         <p:spPr>
           <a:xfrm>
             <a:off x="7560000" y="3960000"/>
-            <a:ext cx="1580400" cy="454680"/>
+            <a:ext cx="1580040" cy="454680"/>
           </a:xfrm>
           <a:prstGeom prst="rect">
             <a:avLst/>
@@ -5726,14 +5817,14 @@
       </p:sp>
       <p:sp>
         <p:nvSpPr>
-          <p:cNvPr id="124" name="CustomShape 16"/>
+          <p:cNvPr id="123" name="CustomShape 15"/>
           <p:cNvSpPr/>
           <p:nvPr/>
         </p:nvSpPr>
         <p:spPr>
           <a:xfrm>
             <a:off x="8064000" y="723960"/>
-            <a:ext cx="949320" cy="757440"/>
+            <a:ext cx="948960" cy="757080"/>
           </a:xfrm>
           <a:prstGeom prst="rect">
             <a:avLst/>
@@ -5800,14 +5891,14 @@
       </p:sp>
       <p:sp>
         <p:nvSpPr>
-          <p:cNvPr id="125" name="CustomShape 17"/>
+          <p:cNvPr id="124" name="CustomShape 16"/>
           <p:cNvSpPr/>
           <p:nvPr/>
         </p:nvSpPr>
         <p:spPr>
           <a:xfrm flipH="1" flipV="1">
-            <a:off x="8494560" y="1481040"/>
-            <a:ext cx="360" cy="609480"/>
+            <a:off x="8493840" y="1481040"/>
+            <a:ext cx="360" cy="609120"/>
           </a:xfrm>
           <a:custGeom>
             <a:avLst/>
@@ -5848,14 +5939,14 @@
       </p:sp>
       <p:sp>
         <p:nvSpPr>
-          <p:cNvPr id="126" name="CustomShape 18"/>
+          <p:cNvPr id="125" name="CustomShape 17"/>
           <p:cNvSpPr/>
           <p:nvPr/>
         </p:nvSpPr>
         <p:spPr>
           <a:xfrm>
             <a:off x="6984000" y="1152000"/>
-            <a:ext cx="838800" cy="333000"/>
+            <a:ext cx="838440" cy="333000"/>
           </a:xfrm>
           <a:prstGeom prst="rect">
             <a:avLst/>
@@ -5899,14 +5990,14 @@
       </p:sp>
       <p:sp>
         <p:nvSpPr>
-          <p:cNvPr id="127" name="CustomShape 19"/>
+          <p:cNvPr id="126" name="CustomShape 18"/>
           <p:cNvSpPr/>
           <p:nvPr/>
         </p:nvSpPr>
         <p:spPr>
           <a:xfrm flipH="1">
-            <a:off x="6262920" y="3024000"/>
-            <a:ext cx="360" cy="575640"/>
+            <a:off x="6262200" y="3024000"/>
+            <a:ext cx="360" cy="575280"/>
           </a:xfrm>
           <a:custGeom>
             <a:avLst/>
@@ -5948,14 +6039,14 @@
       </p:sp>
       <p:sp>
         <p:nvSpPr>
-          <p:cNvPr id="128" name="CustomShape 20"/>
+          <p:cNvPr id="127" name="CustomShape 19"/>
           <p:cNvSpPr/>
           <p:nvPr/>
         </p:nvSpPr>
         <p:spPr>
           <a:xfrm>
             <a:off x="360000" y="792000"/>
-            <a:ext cx="949320" cy="757440"/>
+            <a:ext cx="948960" cy="757080"/>
           </a:xfrm>
           <a:prstGeom prst="rect">
             <a:avLst/>
@@ -6022,14 +6113,14 @@
       </p:sp>
       <p:sp>
         <p:nvSpPr>
-          <p:cNvPr id="129" name="CustomShape 21"/>
+          <p:cNvPr id="128" name="CustomShape 20"/>
           <p:cNvSpPr/>
           <p:nvPr/>
         </p:nvSpPr>
         <p:spPr>
           <a:xfrm>
             <a:off x="792000" y="1549800"/>
-            <a:ext cx="112320" cy="825840"/>
+            <a:ext cx="111960" cy="825480"/>
           </a:xfrm>
           <a:custGeom>
             <a:avLst/>
@@ -6070,14 +6161,14 @@
       </p:sp>
       <p:sp>
         <p:nvSpPr>
-          <p:cNvPr id="130" name="CustomShape 22"/>
+          <p:cNvPr id="129" name="CustomShape 21"/>
           <p:cNvSpPr/>
           <p:nvPr/>
         </p:nvSpPr>
         <p:spPr>
           <a:xfrm>
             <a:off x="288000" y="2376000"/>
-            <a:ext cx="1364400" cy="932400"/>
+            <a:ext cx="1364040" cy="932040"/>
           </a:xfrm>
           <a:prstGeom prst="ellipse">
             <a:avLst/>
@@ -6130,14 +6221,14 @@
       </p:sp>
       <p:sp>
         <p:nvSpPr>
-          <p:cNvPr id="131" name="CustomShape 23"/>
+          <p:cNvPr id="130" name="CustomShape 22"/>
           <p:cNvSpPr/>
           <p:nvPr/>
         </p:nvSpPr>
         <p:spPr>
           <a:xfrm>
             <a:off x="1008000" y="3315240"/>
-            <a:ext cx="24480" cy="428400"/>
+            <a:ext cx="24120" cy="428040"/>
           </a:xfrm>
           <a:custGeom>
             <a:avLst/>
@@ -6178,14 +6269,14 @@
       </p:sp>
       <p:sp>
         <p:nvSpPr>
-          <p:cNvPr id="132" name="CustomShape 24"/>
+          <p:cNvPr id="131" name="CustomShape 23"/>
           <p:cNvSpPr/>
           <p:nvPr/>
         </p:nvSpPr>
         <p:spPr>
           <a:xfrm>
             <a:off x="576000" y="3865320"/>
-            <a:ext cx="1292400" cy="454680"/>
+            <a:ext cx="1292040" cy="454680"/>
           </a:xfrm>
           <a:prstGeom prst="rect">
             <a:avLst/>
@@ -6229,7 +6320,7 @@
       </p:sp>
       <p:sp>
         <p:nvSpPr>
-          <p:cNvPr id="133" name="Line 25"/>
+          <p:cNvPr id="132" name="Line 24"/>
           <p:cNvSpPr/>
           <p:nvPr/>
         </p:nvSpPr>
@@ -6262,7 +6353,7 @@
       </p:sp>
       <p:sp>
         <p:nvSpPr>
-          <p:cNvPr id="134" name="Line 26"/>
+          <p:cNvPr id="133" name="Line 25"/>
           <p:cNvSpPr/>
           <p:nvPr/>
         </p:nvSpPr>
@@ -6295,14 +6386,14 @@
       </p:sp>
       <p:sp>
         <p:nvSpPr>
-          <p:cNvPr id="135" name="CustomShape 27"/>
+          <p:cNvPr id="134" name="CustomShape 26"/>
           <p:cNvSpPr/>
           <p:nvPr/>
         </p:nvSpPr>
         <p:spPr>
           <a:xfrm flipH="1">
             <a:off x="8207280" y="3600000"/>
-            <a:ext cx="143640" cy="359640"/>
+            <a:ext cx="143280" cy="359280"/>
           </a:xfrm>
           <a:custGeom>
             <a:avLst/>
@@ -6344,14 +6435,14 @@
       </p:sp>
       <p:sp>
         <p:nvSpPr>
-          <p:cNvPr id="136" name="CustomShape 28"/>
+          <p:cNvPr id="135" name="CustomShape 27"/>
           <p:cNvSpPr/>
           <p:nvPr/>
         </p:nvSpPr>
         <p:spPr>
           <a:xfrm>
             <a:off x="2376000" y="2324880"/>
-            <a:ext cx="1126440" cy="1058760"/>
+            <a:ext cx="1126080" cy="1058400"/>
           </a:xfrm>
           <a:prstGeom prst="ellipse">
             <a:avLst/>
@@ -6404,14 +6495,14 @@
       </p:sp>
       <p:sp>
         <p:nvSpPr>
-          <p:cNvPr id="137" name="CustomShape 29"/>
+          <p:cNvPr id="136" name="CustomShape 28"/>
           <p:cNvSpPr/>
           <p:nvPr/>
         </p:nvSpPr>
         <p:spPr>
           <a:xfrm flipH="1">
             <a:off x="1439280" y="3096000"/>
-            <a:ext cx="1007640" cy="716400"/>
+            <a:ext cx="1007280" cy="716040"/>
           </a:xfrm>
           <a:custGeom>
             <a:avLst/>
@@ -6453,14 +6544,14 @@
       </p:sp>
       <p:sp>
         <p:nvSpPr>
-          <p:cNvPr id="138" name="CustomShape 30"/>
+          <p:cNvPr id="137" name="CustomShape 29"/>
           <p:cNvSpPr/>
           <p:nvPr/>
         </p:nvSpPr>
         <p:spPr>
           <a:xfrm flipV="1">
             <a:off x="2880000" y="1583280"/>
-            <a:ext cx="127440" cy="740520"/>
+            <a:ext cx="127080" cy="740160"/>
           </a:xfrm>
           <a:custGeom>
             <a:avLst/>
@@ -6501,14 +6592,14 @@
       </p:sp>
       <p:sp>
         <p:nvSpPr>
-          <p:cNvPr id="139" name="CustomShape 31"/>
+          <p:cNvPr id="138" name="CustomShape 30"/>
           <p:cNvSpPr/>
           <p:nvPr/>
         </p:nvSpPr>
         <p:spPr>
           <a:xfrm>
             <a:off x="2578320" y="774000"/>
-            <a:ext cx="949320" cy="757440"/>
+            <a:ext cx="948960" cy="757080"/>
           </a:xfrm>
           <a:prstGeom prst="rect">
             <a:avLst/>
@@ -6575,14 +6666,14 @@
       </p:sp>
       <p:sp>
         <p:nvSpPr>
-          <p:cNvPr id="140" name="CustomShape 32"/>
+          <p:cNvPr id="139" name="CustomShape 31"/>
           <p:cNvSpPr/>
           <p:nvPr/>
         </p:nvSpPr>
         <p:spPr>
           <a:xfrm>
             <a:off x="871560" y="1702080"/>
-            <a:ext cx="1216080" cy="241920"/>
+            <a:ext cx="1215720" cy="241920"/>
           </a:xfrm>
           <a:prstGeom prst="rect">
             <a:avLst/>
@@ -6636,14 +6727,14 @@
       </p:sp>
       <p:sp>
         <p:nvSpPr>
-          <p:cNvPr id="141" name="CustomShape 33"/>
+          <p:cNvPr id="140" name="CustomShape 32"/>
           <p:cNvSpPr/>
           <p:nvPr/>
         </p:nvSpPr>
         <p:spPr>
           <a:xfrm>
             <a:off x="3124440" y="1910520"/>
-            <a:ext cx="2012400" cy="249480"/>
+            <a:ext cx="2012040" cy="249480"/>
           </a:xfrm>
           <a:prstGeom prst="rect">
             <a:avLst/>
@@ -6687,14 +6778,86 @@
       </p:sp>
       <p:sp>
         <p:nvSpPr>
-          <p:cNvPr id="142" name="CustomShape 34"/>
+          <p:cNvPr id="141" name="CustomShape 33"/>
           <p:cNvSpPr/>
           <p:nvPr/>
         </p:nvSpPr>
         <p:spPr>
           <a:xfrm flipH="1">
             <a:off x="3527280" y="2808000"/>
-            <a:ext cx="1799640" cy="1004400"/>
+            <a:ext cx="1799280" cy="1004040"/>
+          </a:xfrm>
+          <a:custGeom>
+            <a:avLst/>
+            <a:gdLst/>
+            <a:ahLst/>
+            <a:rect l="l" t="t" r="r" b="b"/>
+            <a:pathLst>
+              <a:path w="21600" h="21600">
+                <a:moveTo>
+                  <a:pt x="0" y="0"/>
+                </a:moveTo>
+                <a:lnTo>
+                  <a:pt x="21600" y="21600"/>
+                </a:lnTo>
+              </a:path>
+            </a:pathLst>
+          </a:custGeom>
+          <a:noFill/>
+          <a:ln>
+            <a:solidFill>
+              <a:schemeClr val="tx1"/>
+            </a:solidFill>
+            <a:headEnd len="med" type="triangle" w="med"/>
+            <a:tailEnd len="med" type="triangle" w="med"/>
+          </a:ln>
+        </p:spPr>
+        <p:style>
+          <a:lnRef idx="1">
+            <a:schemeClr val="accent1"/>
+          </a:lnRef>
+          <a:fillRef idx="0">
+            <a:schemeClr val="accent1"/>
+          </a:fillRef>
+          <a:effectRef idx="0">
+            <a:schemeClr val="accent1"/>
+          </a:effectRef>
+          <a:fontRef idx="minor"/>
+        </p:style>
+      </p:sp>
+      <p:pic>
+        <p:nvPicPr>
+          <p:cNvPr id="142" name="Tinta 4" descr=""/>
+          <p:cNvPicPr/>
+          <p:nvPr/>
+        </p:nvPicPr>
+        <p:blipFill>
+          <a:blip r:embed="rId1"/>
+          <a:stretch/>
+        </p:blipFill>
+        <p:spPr>
+          <a:xfrm>
+            <a:off x="2495160" y="946800"/>
+            <a:ext cx="17640" cy="17640"/>
+          </a:xfrm>
+          <a:prstGeom prst="rect">
+            <a:avLst/>
+          </a:prstGeom>
+          <a:ln>
+            <a:noFill/>
+          </a:ln>
+        </p:spPr>
+      </p:pic>
+      <p:sp>
+        <p:nvSpPr>
+          <p:cNvPr id="143" name="CustomShape 34"/>
+          <p:cNvSpPr/>
+          <p:nvPr/>
+        </p:nvSpPr>
+        <p:spPr>
+          <a:xfrm flipH="1">
+            <a:off x="6336000" y="3096000"/>
+            <a:ext cx="1296000" cy="503640"/>
           </a:xfrm>
           <a:custGeom>
             <a:avLst/>
@@ -6766,14 +6929,14 @@
       </p:grpSpPr>
       <p:sp>
         <p:nvSpPr>
-          <p:cNvPr id="143" name="CustomShape 1"/>
+          <p:cNvPr id="144" name="CustomShape 1"/>
           <p:cNvSpPr/>
           <p:nvPr/>
         </p:nvSpPr>
         <p:spPr>
           <a:xfrm>
             <a:off x="6912000" y="85680"/>
-            <a:ext cx="2804400" cy="638280"/>
+            <a:ext cx="2804040" cy="638280"/>
           </a:xfrm>
           <a:prstGeom prst="rect">
             <a:avLst/>
@@ -6817,14 +6980,14 @@
       </p:sp>
       <p:sp>
         <p:nvSpPr>
-          <p:cNvPr id="144" name="CustomShape 2"/>
+          <p:cNvPr id="145" name="CustomShape 2"/>
           <p:cNvSpPr/>
           <p:nvPr/>
         </p:nvSpPr>
         <p:spPr>
           <a:xfrm>
             <a:off x="471960" y="246600"/>
-            <a:ext cx="949320" cy="757440"/>
+            <a:ext cx="948960" cy="757080"/>
           </a:xfrm>
           <a:prstGeom prst="rect">
             <a:avLst/>
@@ -6891,14 +7054,14 @@
       </p:sp>
       <p:sp>
         <p:nvSpPr>
-          <p:cNvPr id="145" name="CustomShape 3"/>
+          <p:cNvPr id="146" name="CustomShape 3"/>
           <p:cNvSpPr/>
           <p:nvPr/>
         </p:nvSpPr>
         <p:spPr>
           <a:xfrm>
             <a:off x="964080" y="997200"/>
-            <a:ext cx="112320" cy="583200"/>
+            <a:ext cx="111960" cy="582840"/>
           </a:xfrm>
           <a:custGeom>
             <a:avLst/>
@@ -6939,14 +7102,14 @@
       </p:sp>
       <p:sp>
         <p:nvSpPr>
-          <p:cNvPr id="146" name="CustomShape 4"/>
+          <p:cNvPr id="147" name="CustomShape 4"/>
           <p:cNvSpPr/>
           <p:nvPr/>
         </p:nvSpPr>
         <p:spPr>
           <a:xfrm>
             <a:off x="2448000" y="246960"/>
-            <a:ext cx="949320" cy="757440"/>
+            <a:ext cx="948960" cy="757080"/>
           </a:xfrm>
           <a:prstGeom prst="rect">
             <a:avLst/>
@@ -7013,14 +7176,14 @@
       </p:sp>
       <p:sp>
         <p:nvSpPr>
-          <p:cNvPr id="147" name="CustomShape 5"/>
+          <p:cNvPr id="148" name="CustomShape 5"/>
           <p:cNvSpPr/>
           <p:nvPr/>
         </p:nvSpPr>
         <p:spPr>
           <a:xfrm flipV="1">
-            <a:off x="2808000" y="1004400"/>
-            <a:ext cx="127440" cy="572400"/>
+            <a:off x="2808000" y="1003680"/>
+            <a:ext cx="127080" cy="572040"/>
           </a:xfrm>
           <a:custGeom>
             <a:avLst/>
@@ -7061,14 +7224,14 @@
       </p:sp>
       <p:sp>
         <p:nvSpPr>
-          <p:cNvPr id="148" name="CustomShape 6"/>
+          <p:cNvPr id="149" name="CustomShape 6"/>
           <p:cNvSpPr/>
           <p:nvPr/>
         </p:nvSpPr>
         <p:spPr>
           <a:xfrm>
             <a:off x="3096000" y="1080000"/>
-            <a:ext cx="838800" cy="451440"/>
+            <a:ext cx="838440" cy="451080"/>
           </a:xfrm>
           <a:prstGeom prst="rect">
             <a:avLst/>
@@ -7087,14 +7250,14 @@
       </p:sp>
       <p:sp>
         <p:nvSpPr>
-          <p:cNvPr id="149" name="CustomShape 7"/>
+          <p:cNvPr id="150" name="CustomShape 7"/>
           <p:cNvSpPr/>
           <p:nvPr/>
         </p:nvSpPr>
         <p:spPr>
           <a:xfrm>
             <a:off x="144000" y="1080000"/>
-            <a:ext cx="838800" cy="333000"/>
+            <a:ext cx="838440" cy="333000"/>
           </a:xfrm>
           <a:prstGeom prst="rect">
             <a:avLst/>
@@ -7138,14 +7301,14 @@
       </p:sp>
       <p:sp>
         <p:nvSpPr>
-          <p:cNvPr id="150" name="CustomShape 8"/>
+          <p:cNvPr id="151" name="CustomShape 8"/>
           <p:cNvSpPr/>
           <p:nvPr/>
         </p:nvSpPr>
         <p:spPr>
           <a:xfrm>
             <a:off x="576360" y="1584000"/>
-            <a:ext cx="1148040" cy="1148040"/>
+            <a:ext cx="1147680" cy="1147680"/>
           </a:xfrm>
           <a:prstGeom prst="ellipse">
             <a:avLst/>
@@ -7198,14 +7361,14 @@
       </p:sp>
       <p:sp>
         <p:nvSpPr>
-          <p:cNvPr id="151" name="CustomShape 9"/>
+          <p:cNvPr id="152" name="CustomShape 9"/>
           <p:cNvSpPr/>
           <p:nvPr/>
         </p:nvSpPr>
         <p:spPr>
           <a:xfrm>
             <a:off x="648000" y="3240000"/>
-            <a:ext cx="1292400" cy="272160"/>
+            <a:ext cx="1292040" cy="272160"/>
           </a:xfrm>
           <a:prstGeom prst="rect">
             <a:avLst/>
@@ -7249,7 +7412,7 @@
       </p:sp>
       <p:sp>
         <p:nvSpPr>
-          <p:cNvPr id="152" name="Line 10"/>
+          <p:cNvPr id="153" name="Line 10"/>
           <p:cNvSpPr/>
           <p:nvPr/>
         </p:nvSpPr>
@@ -7282,7 +7445,7 @@
       </p:sp>
       <p:sp>
         <p:nvSpPr>
-          <p:cNvPr id="153" name="Line 11"/>
+          <p:cNvPr id="154" name="Line 11"/>
           <p:cNvSpPr/>
           <p:nvPr/>
         </p:nvSpPr>
@@ -7315,14 +7478,14 @@
       </p:sp>
       <p:sp>
         <p:nvSpPr>
-          <p:cNvPr id="154" name="CustomShape 12"/>
+          <p:cNvPr id="155" name="CustomShape 12"/>
           <p:cNvSpPr/>
           <p:nvPr/>
         </p:nvSpPr>
         <p:spPr>
           <a:xfrm>
             <a:off x="1224000" y="2735640"/>
-            <a:ext cx="112320" cy="500760"/>
+            <a:ext cx="111960" cy="500400"/>
           </a:xfrm>
           <a:custGeom>
             <a:avLst/>
@@ -7363,14 +7526,14 @@
       </p:sp>
       <p:sp>
         <p:nvSpPr>
-          <p:cNvPr id="155" name="CustomShape 13"/>
+          <p:cNvPr id="156" name="CustomShape 13"/>
           <p:cNvSpPr/>
           <p:nvPr/>
         </p:nvSpPr>
         <p:spPr>
           <a:xfrm>
             <a:off x="2088360" y="1584000"/>
-            <a:ext cx="1292040" cy="1220400"/>
+            <a:ext cx="1291680" cy="1220040"/>
           </a:xfrm>
           <a:prstGeom prst="ellipse">
             <a:avLst/>
@@ -7423,14 +7586,14 @@
       </p:sp>
       <p:sp>
         <p:nvSpPr>
-          <p:cNvPr id="156" name="CustomShape 14"/>
+          <p:cNvPr id="157" name="CustomShape 14"/>
           <p:cNvSpPr/>
           <p:nvPr/>
         </p:nvSpPr>
         <p:spPr>
           <a:xfrm flipH="1">
-            <a:off x="1796400" y="2664000"/>
-            <a:ext cx="565920" cy="572400"/>
+            <a:off x="1795680" y="2664000"/>
+            <a:ext cx="565560" cy="572040"/>
           </a:xfrm>
           <a:custGeom>
             <a:avLst/>
@@ -7472,14 +7635,14 @@
       </p:sp>
       <p:sp>
         <p:nvSpPr>
-          <p:cNvPr id="157" name="CustomShape 15"/>
+          <p:cNvPr id="158" name="CustomShape 15"/>
           <p:cNvSpPr/>
           <p:nvPr/>
         </p:nvSpPr>
         <p:spPr>
           <a:xfrm>
             <a:off x="1872000" y="1107000"/>
-            <a:ext cx="838800" cy="333000"/>
+            <a:ext cx="838440" cy="333000"/>
           </a:xfrm>
           <a:prstGeom prst="rect">
             <a:avLst/>
@@ -7553,14 +7716,14 @@
       </p:grpSpPr>
       <p:sp>
         <p:nvSpPr>
-          <p:cNvPr id="158" name="CustomShape 1"/>
+          <p:cNvPr id="159" name="CustomShape 1"/>
           <p:cNvSpPr/>
           <p:nvPr/>
         </p:nvSpPr>
         <p:spPr>
           <a:xfrm>
             <a:off x="6912000" y="85680"/>
-            <a:ext cx="2804400" cy="912600"/>
+            <a:ext cx="2804040" cy="912600"/>
           </a:xfrm>
           <a:prstGeom prst="rect">
             <a:avLst/>
@@ -7614,14 +7777,14 @@
       </p:sp>
       <p:sp>
         <p:nvSpPr>
-          <p:cNvPr id="159" name="CustomShape 2"/>
+          <p:cNvPr id="160" name="CustomShape 2"/>
           <p:cNvSpPr/>
           <p:nvPr/>
         </p:nvSpPr>
         <p:spPr>
           <a:xfrm>
             <a:off x="471960" y="246600"/>
-            <a:ext cx="949320" cy="757440"/>
+            <a:ext cx="948960" cy="757080"/>
           </a:xfrm>
           <a:prstGeom prst="rect">
             <a:avLst/>
@@ -7688,14 +7851,14 @@
       </p:sp>
       <p:sp>
         <p:nvSpPr>
-          <p:cNvPr id="160" name="CustomShape 3"/>
+          <p:cNvPr id="161" name="CustomShape 3"/>
           <p:cNvSpPr/>
           <p:nvPr/>
         </p:nvSpPr>
         <p:spPr>
           <a:xfrm>
             <a:off x="964080" y="997200"/>
-            <a:ext cx="112320" cy="583200"/>
+            <a:ext cx="111960" cy="582840"/>
           </a:xfrm>
           <a:custGeom>
             <a:avLst/>
@@ -7736,14 +7899,14 @@
       </p:sp>
       <p:sp>
         <p:nvSpPr>
-          <p:cNvPr id="161" name="CustomShape 4"/>
+          <p:cNvPr id="162" name="CustomShape 4"/>
           <p:cNvSpPr/>
           <p:nvPr/>
         </p:nvSpPr>
         <p:spPr>
           <a:xfrm>
             <a:off x="2448000" y="246960"/>
-            <a:ext cx="949320" cy="757440"/>
+            <a:ext cx="948960" cy="757080"/>
           </a:xfrm>
           <a:prstGeom prst="rect">
             <a:avLst/>
@@ -7810,14 +7973,14 @@
       </p:sp>
       <p:sp>
         <p:nvSpPr>
-          <p:cNvPr id="162" name="CustomShape 5"/>
+          <p:cNvPr id="163" name="CustomShape 5"/>
           <p:cNvSpPr/>
           <p:nvPr/>
         </p:nvSpPr>
         <p:spPr>
           <a:xfrm flipV="1">
-            <a:off x="2808000" y="1004400"/>
-            <a:ext cx="206640" cy="572400"/>
+            <a:off x="2808000" y="1003680"/>
+            <a:ext cx="206280" cy="572040"/>
           </a:xfrm>
           <a:custGeom>
             <a:avLst/>
@@ -7858,14 +8021,14 @@
       </p:sp>
       <p:sp>
         <p:nvSpPr>
-          <p:cNvPr id="163" name="CustomShape 6"/>
+          <p:cNvPr id="164" name="CustomShape 6"/>
           <p:cNvSpPr/>
           <p:nvPr/>
         </p:nvSpPr>
         <p:spPr>
           <a:xfrm>
             <a:off x="144000" y="1080000"/>
-            <a:ext cx="872280" cy="424440"/>
+            <a:ext cx="871920" cy="424440"/>
           </a:xfrm>
           <a:prstGeom prst="rect">
             <a:avLst/>
@@ -7909,14 +8072,14 @@
       </p:sp>
       <p:sp>
         <p:nvSpPr>
-          <p:cNvPr id="164" name="CustomShape 7"/>
+          <p:cNvPr id="165" name="CustomShape 7"/>
           <p:cNvSpPr/>
           <p:nvPr/>
         </p:nvSpPr>
         <p:spPr>
           <a:xfrm>
             <a:off x="288000" y="1585080"/>
-            <a:ext cx="1581120" cy="1148040"/>
+            <a:ext cx="1580760" cy="1147680"/>
           </a:xfrm>
           <a:prstGeom prst="ellipse">
             <a:avLst/>
@@ -7969,14 +8132,14 @@
       </p:sp>
       <p:sp>
         <p:nvSpPr>
-          <p:cNvPr id="165" name="CustomShape 8"/>
+          <p:cNvPr id="166" name="CustomShape 8"/>
           <p:cNvSpPr/>
           <p:nvPr/>
         </p:nvSpPr>
         <p:spPr>
           <a:xfrm>
             <a:off x="648000" y="3240000"/>
-            <a:ext cx="1292400" cy="454680"/>
+            <a:ext cx="1292040" cy="454680"/>
           </a:xfrm>
           <a:prstGeom prst="rect">
             <a:avLst/>
@@ -8020,7 +8183,7 @@
       </p:sp>
       <p:sp>
         <p:nvSpPr>
-          <p:cNvPr id="166" name="Line 9"/>
+          <p:cNvPr id="167" name="Line 9"/>
           <p:cNvSpPr/>
           <p:nvPr/>
         </p:nvSpPr>
@@ -8053,7 +8216,7 @@
       </p:sp>
       <p:sp>
         <p:nvSpPr>
-          <p:cNvPr id="167" name="Line 10"/>
+          <p:cNvPr id="168" name="Line 10"/>
           <p:cNvSpPr/>
           <p:nvPr/>
         </p:nvSpPr>
@@ -8086,14 +8249,14 @@
       </p:sp>
       <p:sp>
         <p:nvSpPr>
-          <p:cNvPr id="168" name="CustomShape 11"/>
+          <p:cNvPr id="169" name="CustomShape 11"/>
           <p:cNvSpPr/>
           <p:nvPr/>
         </p:nvSpPr>
         <p:spPr>
           <a:xfrm>
             <a:off x="2330640" y="1593720"/>
-            <a:ext cx="1292040" cy="1220400"/>
+            <a:ext cx="1291680" cy="1220040"/>
           </a:xfrm>
           <a:prstGeom prst="ellipse">
             <a:avLst/>
@@ -8146,14 +8309,14 @@
       </p:sp>
       <p:sp>
         <p:nvSpPr>
-          <p:cNvPr id="169" name="CustomShape 12"/>
+          <p:cNvPr id="170" name="CustomShape 12"/>
           <p:cNvSpPr/>
           <p:nvPr/>
         </p:nvSpPr>
         <p:spPr>
           <a:xfrm flipH="1">
-            <a:off x="1796400" y="2542320"/>
-            <a:ext cx="565920" cy="572400"/>
+            <a:off x="1795680" y="2542320"/>
+            <a:ext cx="565560" cy="572040"/>
           </a:xfrm>
           <a:custGeom>
             <a:avLst/>
@@ -8195,14 +8358,14 @@
       </p:sp>
       <p:sp>
         <p:nvSpPr>
-          <p:cNvPr id="170" name="CustomShape 13"/>
+          <p:cNvPr id="171" name="CustomShape 13"/>
           <p:cNvSpPr/>
           <p:nvPr/>
         </p:nvSpPr>
         <p:spPr>
           <a:xfrm>
             <a:off x="1804320" y="1031760"/>
-            <a:ext cx="949320" cy="591840"/>
+            <a:ext cx="948960" cy="591840"/>
           </a:xfrm>
           <a:prstGeom prst="rect">
             <a:avLst/>
@@ -8246,14 +8409,14 @@
       </p:sp>
       <p:sp>
         <p:nvSpPr>
-          <p:cNvPr id="171" name="CustomShape 14"/>
+          <p:cNvPr id="172" name="CustomShape 14"/>
           <p:cNvSpPr/>
           <p:nvPr/>
         </p:nvSpPr>
         <p:spPr>
           <a:xfrm>
             <a:off x="2330640" y="3594960"/>
-            <a:ext cx="1292400" cy="424440"/>
+            <a:ext cx="1292040" cy="424440"/>
           </a:xfrm>
           <a:prstGeom prst="rect">
             <a:avLst/>
@@ -8297,7 +8460,7 @@
       </p:sp>
       <p:sp>
         <p:nvSpPr>
-          <p:cNvPr id="172" name="Line 15"/>
+          <p:cNvPr id="173" name="Line 15"/>
           <p:cNvSpPr/>
           <p:nvPr/>
         </p:nvSpPr>
@@ -8330,7 +8493,7 @@
       </p:sp>
       <p:sp>
         <p:nvSpPr>
-          <p:cNvPr id="173" name="Line 16"/>
+          <p:cNvPr id="174" name="Line 16"/>
           <p:cNvSpPr/>
           <p:nvPr/>
         </p:nvSpPr>
@@ -8363,14 +8526,14 @@
       </p:sp>
       <p:sp>
         <p:nvSpPr>
-          <p:cNvPr id="174" name="CustomShape 17"/>
+          <p:cNvPr id="175" name="CustomShape 17"/>
           <p:cNvSpPr/>
           <p:nvPr/>
         </p:nvSpPr>
         <p:spPr>
           <a:xfrm flipH="1">
             <a:off x="2968920" y="2855160"/>
-            <a:ext cx="44280" cy="735840"/>
+            <a:ext cx="43920" cy="735480"/>
           </a:xfrm>
           <a:custGeom>
             <a:avLst/>
@@ -8412,14 +8575,14 @@
       </p:sp>
       <p:sp>
         <p:nvSpPr>
-          <p:cNvPr id="175" name="CustomShape 18"/>
+          <p:cNvPr id="176" name="CustomShape 18"/>
           <p:cNvSpPr/>
           <p:nvPr/>
         </p:nvSpPr>
         <p:spPr>
           <a:xfrm flipH="1">
-            <a:off x="1796400" y="2542680"/>
-            <a:ext cx="565920" cy="572400"/>
+            <a:off x="1795680" y="2542680"/>
+            <a:ext cx="565560" cy="572040"/>
           </a:xfrm>
           <a:custGeom>
             <a:avLst/>
@@ -8461,14 +8624,14 @@
       </p:sp>
       <p:sp>
         <p:nvSpPr>
-          <p:cNvPr id="176" name="CustomShape 19"/>
+          <p:cNvPr id="177" name="CustomShape 19"/>
           <p:cNvSpPr/>
           <p:nvPr/>
         </p:nvSpPr>
         <p:spPr>
           <a:xfrm flipH="1">
-            <a:off x="1150200" y="2733840"/>
-            <a:ext cx="360" cy="505440"/>
+            <a:off x="1149480" y="2733840"/>
+            <a:ext cx="360" cy="505080"/>
           </a:xfrm>
           <a:custGeom>
             <a:avLst/>
@@ -8508,6 +8671,29 @@
           <a:fontRef idx="minor"/>
         </p:style>
       </p:sp>
+      <p:pic>
+        <p:nvPicPr>
+          <p:cNvPr id="178" name="Tinta 6" descr=""/>
+          <p:cNvPicPr/>
+          <p:nvPr/>
+        </p:nvPicPr>
+        <p:blipFill>
+          <a:blip r:embed="rId1"/>
+          <a:stretch/>
+        </p:blipFill>
+        <p:spPr>
+          <a:xfrm>
+            <a:off x="-372600" y="2671560"/>
+            <a:ext cx="17640" cy="17640"/>
+          </a:xfrm>
+          <a:prstGeom prst="rect">
+            <a:avLst/>
+          </a:prstGeom>
+          <a:ln>
+            <a:noFill/>
+          </a:ln>
+        </p:spPr>
+      </p:pic>
     </p:spTree>
   </p:cSld>
   <mc:AlternateContent>
